--- a/知识图谱存储与查询/知识图谱的查询与存储.pptx
+++ b/知识图谱存储与查询/知识图谱的查询与存储.pptx
@@ -5,7 +5,7 @@
     <p:sldMasterId id="2147483648" r:id="rId1"/>
   </p:sldMasterIdLst>
   <p:notesMasterIdLst>
-    <p:notesMasterId r:id="rId31"/>
+    <p:notesMasterId r:id="rId33"/>
   </p:notesMasterIdLst>
   <p:sldIdLst>
     <p:sldId id="256" r:id="rId2"/>
@@ -32,11 +32,13 @@
     <p:sldId id="277" r:id="rId23"/>
     <p:sldId id="278" r:id="rId24"/>
     <p:sldId id="279" r:id="rId25"/>
-    <p:sldId id="280" r:id="rId26"/>
-    <p:sldId id="281" r:id="rId27"/>
-    <p:sldId id="282" r:id="rId28"/>
-    <p:sldId id="283" r:id="rId29"/>
-    <p:sldId id="284" r:id="rId30"/>
+    <p:sldId id="285" r:id="rId26"/>
+    <p:sldId id="280" r:id="rId27"/>
+    <p:sldId id="281" r:id="rId28"/>
+    <p:sldId id="282" r:id="rId29"/>
+    <p:sldId id="283" r:id="rId30"/>
+    <p:sldId id="286" r:id="rId31"/>
+    <p:sldId id="284" r:id="rId32"/>
   </p:sldIdLst>
   <p:sldSz cx="12192000" cy="6858000"/>
   <p:notesSz cx="6858000" cy="9144000"/>
@@ -225,7 +227,7 @@
           <a:p>
             <a:fld id="{D8338CEC-2FB8-4ECC-9513-BA91313A9ADD}" type="datetimeFigureOut">
               <a:rPr lang="zh-CN" altLang="en-US" smtClean="0"/>
-              <a:t>2018/11/27</a:t>
+              <a:t>2018/12/3</a:t>
             </a:fld>
             <a:endParaRPr lang="zh-CN" altLang="en-US"/>
           </a:p>
@@ -707,111 +709,33 @@
           <a:p>
             <a:r>
               <a:rPr lang="zh-CN" altLang="en-US" dirty="0" smtClean="0"/>
-              <a:t>前面两句定义前缀，方便后面的查询语句编写。</a:t>
+              <a:t>维护一张巨大的三元组表来管理</a:t>
+            </a:r>
+            <a:r>
+              <a:rPr lang="en-US" altLang="zh-CN" dirty="0" smtClean="0"/>
+              <a:t>RDF</a:t>
+            </a:r>
+            <a:r>
+              <a:rPr lang="zh-CN" altLang="en-US" dirty="0" smtClean="0"/>
+              <a:t>数据</a:t>
             </a:r>
             <a:endParaRPr lang="en-US" altLang="zh-CN" dirty="0" smtClean="0"/>
           </a:p>
           <a:p>
-            <a:endParaRPr lang="en-US" altLang="zh-CN" dirty="0" smtClean="0"/>
-          </a:p>
-          <a:p>
             <a:r>
               <a:rPr lang="zh-CN" altLang="en-US" dirty="0" smtClean="0"/>
-              <a:t>？</a:t>
-            </a:r>
-            <a:r>
-              <a:rPr lang="en-US" altLang="zh-CN" dirty="0" smtClean="0"/>
-              <a:t>person  ?age </a:t>
-            </a:r>
-            <a:r>
-              <a:rPr lang="zh-CN" altLang="en-US" dirty="0" smtClean="0"/>
-              <a:t>代表都是一个变量</a:t>
-            </a:r>
-            <a:endParaRPr lang="en-US" altLang="zh-CN" dirty="0" smtClean="0"/>
-          </a:p>
-          <a:p>
-            <a:endParaRPr lang="en-US" altLang="zh-CN" dirty="0" smtClean="0"/>
-          </a:p>
-          <a:p>
-            <a:r>
-              <a:rPr lang="en-US" altLang="zh-CN" dirty="0" smtClean="0"/>
-              <a:t>Where</a:t>
-            </a:r>
-            <a:r>
-              <a:rPr lang="zh-CN" altLang="en-US" dirty="0" smtClean="0"/>
-              <a:t>子句里面就是 </a:t>
+              <a:t>三元组表包含三列，分别是主语列，谓语列，</a:t>
             </a:r>
             <a:r>
               <a:rPr lang="zh-CN" altLang="en-US" baseline="0" dirty="0" smtClean="0"/>
-              <a:t> 变量必须匹配的三元组模式</a:t>
-            </a:r>
-            <a:r>
-              <a:rPr lang="zh-CN" altLang="en-US" dirty="0" smtClean="0"/>
-              <a:t>。</a:t>
-            </a:r>
-            <a:endParaRPr lang="en-US" altLang="zh-CN" dirty="0" smtClean="0"/>
-          </a:p>
-          <a:p>
-            <a:endParaRPr lang="en-US" altLang="zh-CN" dirty="0" smtClean="0"/>
-          </a:p>
-          <a:p>
-            <a:r>
-              <a:rPr lang="zh-CN" altLang="en-US" dirty="0" smtClean="0"/>
-              <a:t>比如这个查询中 ？</a:t>
-            </a:r>
-            <a:r>
-              <a:rPr lang="en-US" altLang="zh-CN" dirty="0" smtClean="0"/>
-              <a:t>Person</a:t>
-            </a:r>
-            <a:r>
-              <a:rPr lang="en-US" altLang="zh-CN" baseline="0" dirty="0" smtClean="0"/>
-              <a:t> </a:t>
-            </a:r>
+              <a:t> 和宾语列。</a:t>
+            </a:r>
+            <a:endParaRPr lang="en-US" altLang="zh-CN" baseline="0" dirty="0" smtClean="0"/>
+          </a:p>
+          <a:p>
             <a:r>
               <a:rPr lang="zh-CN" altLang="en-US" baseline="0" dirty="0" smtClean="0"/>
-              <a:t>和 ？</a:t>
-            </a:r>
-            <a:r>
-              <a:rPr lang="en-US" altLang="zh-CN" baseline="0" dirty="0" smtClean="0"/>
-              <a:t>age </a:t>
-            </a:r>
-            <a:r>
-              <a:rPr lang="zh-CN" altLang="en-US" baseline="0" dirty="0" smtClean="0"/>
-              <a:t>必须是 三元组中谓语为</a:t>
-            </a:r>
-            <a:r>
-              <a:rPr lang="en-US" altLang="zh-CN" baseline="0" dirty="0" err="1" smtClean="0"/>
-              <a:t>info:age</a:t>
-            </a:r>
-            <a:r>
-              <a:rPr lang="en-US" altLang="zh-CN" baseline="0" dirty="0" smtClean="0"/>
-              <a:t> </a:t>
-            </a:r>
-            <a:r>
-              <a:rPr lang="zh-CN" altLang="en-US" baseline="0" dirty="0" smtClean="0"/>
-              <a:t>的 主语 和 宾语</a:t>
-            </a:r>
-            <a:endParaRPr lang="en-US" altLang="zh-CN" dirty="0" smtClean="0"/>
-          </a:p>
-          <a:p>
-            <a:endParaRPr lang="en-US" altLang="zh-CN" dirty="0" smtClean="0"/>
-          </a:p>
-          <a:p>
-            <a:r>
-              <a:rPr lang="zh-CN" altLang="en-US" dirty="0" smtClean="0"/>
-              <a:t>找出知识图谱中所有 谓语为 </a:t>
-            </a:r>
-            <a:r>
-              <a:rPr lang="en-US" altLang="zh-CN" dirty="0" err="1" smtClean="0"/>
-              <a:t>info:age</a:t>
-            </a:r>
-            <a:r>
-              <a:rPr lang="zh-CN" altLang="en-US" dirty="0" smtClean="0"/>
-              <a:t>的三元组</a:t>
-            </a:r>
-            <a:r>
-              <a:rPr lang="zh-CN" altLang="en-US" baseline="0" dirty="0" smtClean="0"/>
-              <a:t> 中的 主语 和 宾语</a:t>
+              <a:t>存在大量的自连接操作开销巨大</a:t>
             </a:r>
             <a:endParaRPr lang="zh-CN" altLang="en-US" dirty="0"/>
           </a:p>
@@ -834,7 +758,7 @@
           <a:p>
             <a:fld id="{18E79C09-4E72-49BD-A5C9-2924744C885B}" type="slidenum">
               <a:rPr lang="zh-CN" altLang="en-US" smtClean="0"/>
-              <a:t>13</a:t>
+              <a:t>19</a:t>
             </a:fld>
             <a:endParaRPr lang="zh-CN" altLang="en-US"/>
           </a:p>
@@ -843,7 +767,7 @@
     </p:spTree>
     <p:extLst>
       <p:ext uri="{BB962C8B-B14F-4D97-AF65-F5344CB8AC3E}">
-        <p14:creationId xmlns:p14="http://schemas.microsoft.com/office/powerpoint/2010/main" val="2857928913"/>
+        <p14:creationId xmlns:p14="http://schemas.microsoft.com/office/powerpoint/2010/main" val="4133005710"/>
       </p:ext>
     </p:extLst>
   </p:cSld>
@@ -898,106 +822,29 @@
           <a:lstStyle/>
           <a:p>
             <a:r>
-              <a:rPr lang="en-US" altLang="zh-CN" dirty="0" err="1" smtClean="0"/>
-              <a:t>Sparql</a:t>
-            </a:r>
-            <a:r>
-              <a:rPr lang="en-US" altLang="zh-CN" dirty="0" smtClean="0"/>
-              <a:t> </a:t>
-            </a:r>
-            <a:r>
               <a:rPr lang="zh-CN" altLang="en-US" dirty="0" smtClean="0"/>
-              <a:t>当然 也 支持过滤查询， 过滤中查询中， 主要用到</a:t>
-            </a:r>
-            <a:r>
-              <a:rPr lang="en-US" altLang="zh-CN" dirty="0" smtClean="0"/>
-              <a:t>filter, optional, ordered by,</a:t>
-            </a:r>
-            <a:r>
-              <a:rPr lang="en-US" altLang="zh-CN" baseline="0" dirty="0" smtClean="0"/>
-              <a:t> limits</a:t>
-            </a:r>
-            <a:r>
-              <a:rPr lang="zh-CN" altLang="en-US" baseline="0" dirty="0" smtClean="0"/>
-              <a:t>等关键词。</a:t>
-            </a:r>
-            <a:endParaRPr lang="en-US" altLang="zh-CN" baseline="0" dirty="0" smtClean="0"/>
-          </a:p>
-          <a:p>
+              <a:t>属性相似的主语聚集在一张表上。</a:t>
+            </a:r>
             <a:endParaRPr lang="en-US" altLang="zh-CN" dirty="0" smtClean="0"/>
           </a:p>
           <a:p>
+            <a:r>
+              <a:rPr lang="zh-CN" altLang="en-US" dirty="0" smtClean="0"/>
+              <a:t>属性表对可以提高某些查询的效率， 比如查包含名字的三元组模式，就可以在这个表查。</a:t>
+            </a:r>
             <a:endParaRPr lang="en-US" altLang="zh-CN" dirty="0" smtClean="0"/>
           </a:p>
           <a:p>
             <a:r>
-              <a:rPr lang="en-US" altLang="zh-CN" dirty="0" smtClean="0"/>
-              <a:t>Filter</a:t>
-            </a:r>
-            <a:r>
               <a:rPr lang="zh-CN" altLang="en-US" dirty="0" smtClean="0"/>
-              <a:t>关键词</a:t>
-            </a:r>
-            <a:r>
-              <a:rPr lang="zh-CN" altLang="en-US" baseline="0" dirty="0" smtClean="0"/>
-              <a:t> 主要用来对变量进行约束。</a:t>
-            </a:r>
-            <a:endParaRPr lang="en-US" altLang="zh-CN" baseline="0" dirty="0" smtClean="0"/>
-          </a:p>
-          <a:p>
-            <a:endParaRPr lang="en-US" altLang="zh-CN" baseline="0" dirty="0" smtClean="0"/>
-          </a:p>
-          <a:p>
-            <a:r>
-              <a:rPr lang="en-US" altLang="zh-CN" baseline="0" dirty="0" smtClean="0"/>
-              <a:t>Optional </a:t>
-            </a:r>
-            <a:r>
-              <a:rPr lang="zh-CN" altLang="en-US" baseline="0" dirty="0" smtClean="0"/>
-              <a:t>可选的三元组模式约束</a:t>
-            </a:r>
-            <a:endParaRPr lang="en-US" altLang="zh-CN" baseline="0" dirty="0" smtClean="0"/>
-          </a:p>
-          <a:p>
-            <a:endParaRPr lang="en-US" altLang="zh-CN" baseline="0" dirty="0" smtClean="0"/>
-          </a:p>
-          <a:p>
-            <a:r>
-              <a:rPr lang="zh-CN" altLang="en-US" baseline="0" dirty="0" smtClean="0"/>
-              <a:t>在这个例子中， ？</a:t>
-            </a:r>
-            <a:r>
-              <a:rPr lang="en-US" altLang="zh-CN" baseline="0" dirty="0" smtClean="0"/>
-              <a:t>person </a:t>
-            </a:r>
-            <a:r>
-              <a:rPr lang="zh-CN" altLang="en-US" baseline="0" dirty="0" smtClean="0"/>
-              <a:t>匹配了这个三元组 就必须把 ？</a:t>
-            </a:r>
-            <a:r>
-              <a:rPr lang="en-US" altLang="zh-CN" baseline="0" dirty="0" smtClean="0"/>
-              <a:t>Job</a:t>
-            </a:r>
-            <a:r>
-              <a:rPr lang="zh-CN" altLang="en-US" baseline="0" dirty="0" smtClean="0"/>
-              <a:t>这个变量</a:t>
-            </a:r>
-            <a:r>
-              <a:rPr lang="en-US" altLang="zh-CN" baseline="0" dirty="0" smtClean="0"/>
-              <a:t>select</a:t>
-            </a:r>
-            <a:r>
-              <a:rPr lang="zh-CN" altLang="en-US" baseline="0" dirty="0" smtClean="0"/>
-              <a:t>出来， 如果没有匹配 相应的</a:t>
-            </a:r>
-            <a:r>
-              <a:rPr lang="en-US" altLang="zh-CN" baseline="0" dirty="0" smtClean="0"/>
-              <a:t>job</a:t>
-            </a:r>
-            <a:r>
-              <a:rPr lang="zh-CN" altLang="en-US" baseline="0" dirty="0" smtClean="0"/>
-              <a:t>栏就为空。</a:t>
-            </a:r>
+              <a:t>但是属性作为变量时，效率低下。</a:t>
+            </a:r>
+            <a:endParaRPr lang="en-US" altLang="zh-CN" dirty="0" smtClean="0"/>
+          </a:p>
+          <a:p>
+            <a:endParaRPr lang="en-US" altLang="zh-CN" dirty="0" smtClean="0"/>
+          </a:p>
+          <a:p>
             <a:endParaRPr lang="zh-CN" altLang="en-US" dirty="0"/>
           </a:p>
         </p:txBody>
@@ -1019,7 +866,7 @@
           <a:p>
             <a:fld id="{18E79C09-4E72-49BD-A5C9-2924744C885B}" type="slidenum">
               <a:rPr lang="zh-CN" altLang="en-US" smtClean="0"/>
-              <a:t>14</a:t>
+              <a:t>20</a:t>
             </a:fld>
             <a:endParaRPr lang="zh-CN" altLang="en-US"/>
           </a:p>
@@ -1028,7 +875,7 @@
     </p:spTree>
     <p:extLst>
       <p:ext uri="{BB962C8B-B14F-4D97-AF65-F5344CB8AC3E}">
-        <p14:creationId xmlns:p14="http://schemas.microsoft.com/office/powerpoint/2010/main" val="160691545"/>
+        <p14:creationId xmlns:p14="http://schemas.microsoft.com/office/powerpoint/2010/main" val="872994223"/>
       </p:ext>
     </p:extLst>
   </p:cSld>
@@ -1083,28 +930,59 @@
           <a:lstStyle/>
           <a:p>
             <a:r>
-              <a:rPr lang="en-US" altLang="zh-CN" dirty="0" smtClean="0"/>
-              <a:t>Spark</a:t>
-            </a:r>
-            <a:r>
               <a:rPr lang="zh-CN" altLang="en-US" dirty="0" smtClean="0"/>
-              <a:t>和</a:t>
-            </a:r>
-            <a:r>
-              <a:rPr lang="en-US" altLang="zh-CN" dirty="0" err="1" smtClean="0"/>
-              <a:t>sql</a:t>
-            </a:r>
+              <a:t>每张表保存谓词相同的三元组</a:t>
+            </a:r>
+            <a:endParaRPr lang="en-US" altLang="zh-CN" dirty="0" smtClean="0"/>
+          </a:p>
+          <a:p>
+            <a:endParaRPr lang="en-US" altLang="zh-CN" dirty="0" smtClean="0"/>
+          </a:p>
+          <a:p>
+            <a:endParaRPr lang="en-US" altLang="zh-CN" dirty="0" smtClean="0"/>
+          </a:p>
+          <a:p>
             <a:r>
               <a:rPr lang="zh-CN" altLang="en-US" dirty="0" smtClean="0"/>
-              <a:t>类似 也 支持 聚合函数。</a:t>
+              <a:t>对属性是不变量来说，是很友好的</a:t>
             </a:r>
             <a:endParaRPr lang="en-US" altLang="zh-CN" dirty="0" smtClean="0"/>
           </a:p>
           <a:p>
-            <a:r>
-              <a:rPr lang="en-US" altLang="zh-CN" dirty="0" smtClean="0"/>
-              <a:t>Count sum min max avg.</a:t>
-            </a:r>
+            <a:endParaRPr lang="en-US" altLang="zh-CN" dirty="0" smtClean="0"/>
+          </a:p>
+          <a:p>
+            <a:r>
+              <a:rPr lang="zh-CN" altLang="en-US" dirty="0" smtClean="0"/>
+              <a:t>避免了大量的自连接操作，</a:t>
+            </a:r>
+            <a:r>
+              <a:rPr lang="zh-CN" altLang="en-US" baseline="0" dirty="0" smtClean="0"/>
+              <a:t> 变成不同表之间的连接。 不同表之间的连接操作效率优于自连接。</a:t>
+            </a:r>
+            <a:endParaRPr lang="en-US" altLang="zh-CN" baseline="0" dirty="0" smtClean="0"/>
+          </a:p>
+          <a:p>
+            <a:endParaRPr lang="en-US" altLang="zh-CN" baseline="0" dirty="0" smtClean="0"/>
+          </a:p>
+          <a:p>
+            <a:r>
+              <a:rPr lang="zh-CN" altLang="en-US" baseline="0" dirty="0" smtClean="0"/>
+              <a:t>不能很好得支持，属性是变量的情况。</a:t>
+            </a:r>
+            <a:endParaRPr lang="en-US" altLang="zh-CN" baseline="0" dirty="0" smtClean="0"/>
+          </a:p>
+          <a:p>
+            <a:endParaRPr lang="en-US" altLang="zh-CN" baseline="0" dirty="0" smtClean="0"/>
+          </a:p>
+          <a:p>
+            <a:r>
+              <a:rPr lang="zh-CN" altLang="en-US" baseline="0" dirty="0" smtClean="0"/>
+              <a:t>删除代价太大。</a:t>
+            </a:r>
+            <a:endParaRPr lang="en-US" altLang="zh-CN" baseline="0" dirty="0" smtClean="0"/>
+          </a:p>
+          <a:p>
             <a:endParaRPr lang="zh-CN" altLang="en-US" dirty="0"/>
           </a:p>
         </p:txBody>
@@ -1126,7 +1004,7 @@
           <a:p>
             <a:fld id="{18E79C09-4E72-49BD-A5C9-2924744C885B}" type="slidenum">
               <a:rPr lang="zh-CN" altLang="en-US" smtClean="0"/>
-              <a:t>15</a:t>
+              <a:t>21</a:t>
             </a:fld>
             <a:endParaRPr lang="zh-CN" altLang="en-US"/>
           </a:p>
@@ -1135,7 +1013,7 @@
     </p:spTree>
     <p:extLst>
       <p:ext uri="{BB962C8B-B14F-4D97-AF65-F5344CB8AC3E}">
-        <p14:creationId xmlns:p14="http://schemas.microsoft.com/office/powerpoint/2010/main" val="1087190363"/>
+        <p14:creationId xmlns:p14="http://schemas.microsoft.com/office/powerpoint/2010/main" val="276497870"/>
       </p:ext>
     </p:extLst>
   </p:cSld>
@@ -1190,36 +1068,110 @@
           <a:lstStyle/>
           <a:p>
             <a:r>
-              <a:rPr lang="en-US" altLang="zh-CN" dirty="0" err="1" smtClean="0"/>
-              <a:t>Sparql</a:t>
+              <a:rPr lang="zh-CN" altLang="en-US" dirty="0" smtClean="0"/>
+              <a:t>为了加速</a:t>
             </a:r>
             <a:r>
               <a:rPr lang="en-US" altLang="zh-CN" dirty="0" smtClean="0"/>
+              <a:t>RDF</a:t>
+            </a:r>
+            <a:r>
+              <a:rPr lang="zh-CN" altLang="en-US" dirty="0" smtClean="0"/>
+              <a:t>三元组在</a:t>
+            </a:r>
+            <a:r>
+              <a:rPr lang="en-US" altLang="zh-CN" dirty="0" smtClean="0"/>
+              <a:t>SPARQL</a:t>
+            </a:r>
+            <a:r>
+              <a:rPr lang="zh-CN" altLang="en-US" dirty="0" smtClean="0"/>
+              <a:t>查询过程中的连接操作速度，将三元组中的主语，谓语，宾语的各种排列枚举出来，分别为它们建立索引。</a:t>
+            </a:r>
+            <a:endParaRPr lang="en-US" altLang="zh-CN" dirty="0" smtClean="0"/>
+          </a:p>
+          <a:p>
+            <a:endParaRPr lang="en-US" altLang="zh-CN" dirty="0" smtClean="0"/>
+          </a:p>
+          <a:p>
+            <a:endParaRPr lang="en-US" altLang="zh-CN" baseline="0" dirty="0" smtClean="0"/>
+          </a:p>
+          <a:p>
+            <a:r>
+              <a:rPr lang="zh-CN" altLang="en-US" baseline="0" dirty="0" smtClean="0"/>
+              <a:t>三元组模式查询能高效执行</a:t>
+            </a:r>
+            <a:endParaRPr lang="en-US" altLang="zh-CN" baseline="0" dirty="0" smtClean="0"/>
+          </a:p>
+          <a:p>
+            <a:endParaRPr lang="en-US" altLang="zh-CN" dirty="0" smtClean="0"/>
+          </a:p>
+          <a:p>
+            <a:endParaRPr lang="en-US" altLang="zh-CN" baseline="0" dirty="0" smtClean="0"/>
+          </a:p>
+          <a:p>
+            <a:r>
+              <a:rPr lang="en-US" altLang="zh-CN" dirty="0" smtClean="0"/>
+              <a:t>JENA</a:t>
+            </a:r>
+            <a:r>
+              <a:rPr lang="zh-CN" altLang="en-US" dirty="0" smtClean="0"/>
+              <a:t>是一个开源的</a:t>
+            </a:r>
+            <a:r>
+              <a:rPr lang="en-US" altLang="zh-CN" dirty="0" smtClean="0"/>
+              <a:t>java</a:t>
+            </a:r>
+            <a:r>
+              <a:rPr lang="en-US" altLang="zh-CN" baseline="0" dirty="0" smtClean="0"/>
               <a:t> </a:t>
             </a:r>
             <a:r>
-              <a:rPr lang="zh-CN" altLang="en-US" dirty="0" smtClean="0"/>
-              <a:t>的联合查询</a:t>
+              <a:rPr lang="en-US" altLang="zh-CN" baseline="0" dirty="0" err="1" smtClean="0"/>
+              <a:t>api</a:t>
+            </a:r>
+            <a:r>
+              <a:rPr lang="en-US" altLang="zh-CN" baseline="0" dirty="0" smtClean="0"/>
+              <a:t>. </a:t>
             </a:r>
             <a:r>
               <a:rPr lang="zh-CN" altLang="en-US" baseline="0" dirty="0" smtClean="0"/>
-              <a:t> 其实也好理解</a:t>
+              <a:t>支持</a:t>
+            </a:r>
+            <a:r>
+              <a:rPr lang="en-US" altLang="zh-CN" baseline="0" dirty="0" err="1" smtClean="0"/>
+              <a:t>rdf</a:t>
+            </a:r>
+            <a:r>
+              <a:rPr lang="zh-CN" altLang="en-US" baseline="0" dirty="0" smtClean="0"/>
+              <a:t>数据的存储与</a:t>
+            </a:r>
+            <a:r>
+              <a:rPr lang="en-US" altLang="zh-CN" baseline="0" dirty="0" err="1" smtClean="0"/>
+              <a:t>sparql</a:t>
+            </a:r>
+            <a:r>
+              <a:rPr lang="zh-CN" altLang="en-US" baseline="0" dirty="0" smtClean="0"/>
+              <a:t>查询。 其中的用于存储管理</a:t>
+            </a:r>
+            <a:r>
+              <a:rPr lang="en-US" altLang="zh-CN" baseline="0" dirty="0" err="1" smtClean="0"/>
+              <a:t>rdf</a:t>
+            </a:r>
+            <a:r>
+              <a:rPr lang="zh-CN" altLang="en-US" baseline="0" dirty="0" smtClean="0"/>
+              <a:t>的数据库</a:t>
+            </a:r>
+            <a:r>
+              <a:rPr lang="en-US" altLang="zh-CN" baseline="0" dirty="0" smtClean="0"/>
+              <a:t>TDB</a:t>
+            </a:r>
+            <a:r>
+              <a:rPr lang="zh-CN" altLang="en-US" baseline="0" dirty="0" smtClean="0"/>
+              <a:t>就是使用全索引策略实现。</a:t>
             </a:r>
             <a:endParaRPr lang="en-US" altLang="zh-CN" baseline="0" dirty="0" smtClean="0"/>
           </a:p>
           <a:p>
-            <a:r>
-              <a:rPr lang="zh-CN" altLang="en-US" baseline="0" dirty="0" smtClean="0"/>
-              <a:t>简单得说 就是把、 </a:t>
-            </a:r>
-            <a:r>
-              <a:rPr lang="en-US" altLang="zh-CN" baseline="0" dirty="0" smtClean="0"/>
-              <a:t>where</a:t>
-            </a:r>
-            <a:r>
-              <a:rPr lang="zh-CN" altLang="en-US" baseline="0" dirty="0" smtClean="0"/>
-              <a:t>里面满足条件的的结果 联合起来。</a:t>
-            </a:r>
             <a:endParaRPr lang="zh-CN" altLang="en-US" dirty="0"/>
           </a:p>
         </p:txBody>
@@ -1241,7 +1193,7 @@
           <a:p>
             <a:fld id="{18E79C09-4E72-49BD-A5C9-2924744C885B}" type="slidenum">
               <a:rPr lang="zh-CN" altLang="en-US" smtClean="0"/>
-              <a:t>16</a:t>
+              <a:t>22</a:t>
             </a:fld>
             <a:endParaRPr lang="zh-CN" altLang="en-US"/>
           </a:p>
@@ -1250,7 +1202,7 @@
     </p:spTree>
     <p:extLst>
       <p:ext uri="{BB962C8B-B14F-4D97-AF65-F5344CB8AC3E}">
-        <p14:creationId xmlns:p14="http://schemas.microsoft.com/office/powerpoint/2010/main" val="1243853364"/>
+        <p14:creationId xmlns:p14="http://schemas.microsoft.com/office/powerpoint/2010/main" val="2741638125"/>
       </p:ext>
     </p:extLst>
   </p:cSld>
@@ -1306,23 +1258,31 @@
           <a:p>
             <a:r>
               <a:rPr lang="zh-CN" altLang="en-US" dirty="0" smtClean="0"/>
-              <a:t>子查询的意思就是 查询里面 嵌套 着</a:t>
+              <a:t>图形数据库，支持图的挖掘算法，所以查询速度相对较快</a:t>
+            </a:r>
+            <a:endParaRPr lang="en-US" altLang="zh-CN" dirty="0" smtClean="0"/>
+          </a:p>
+          <a:p>
+            <a:r>
+              <a:rPr lang="en-US" altLang="zh-CN" dirty="0" smtClean="0"/>
+              <a:t>Neo4j</a:t>
+            </a:r>
+            <a:r>
+              <a:rPr lang="en-US" altLang="zh-CN" baseline="0" dirty="0" smtClean="0"/>
+              <a:t> </a:t>
             </a:r>
             <a:r>
               <a:rPr lang="zh-CN" altLang="en-US" baseline="0" dirty="0" smtClean="0"/>
-              <a:t> 查询</a:t>
+              <a:t>难以分片</a:t>
             </a:r>
             <a:endParaRPr lang="en-US" altLang="zh-CN" baseline="0" dirty="0" smtClean="0"/>
           </a:p>
           <a:p>
             <a:r>
               <a:rPr lang="zh-CN" altLang="en-US" baseline="0" dirty="0" smtClean="0"/>
-              <a:t>首先 执行 子查询 然后 执行 父查询</a:t>
-            </a:r>
-            <a:endParaRPr lang="en-US" altLang="zh-CN" baseline="0" dirty="0" smtClean="0"/>
-          </a:p>
-          <a:p>
-            <a:endParaRPr lang="en-US" altLang="zh-CN" baseline="0" dirty="0" smtClean="0"/>
+              <a:t>很难处理超级节点。</a:t>
+            </a:r>
+            <a:endParaRPr lang="zh-CN" altLang="en-US" dirty="0"/>
           </a:p>
         </p:txBody>
       </p:sp>
@@ -1343,7 +1303,7 @@
           <a:p>
             <a:fld id="{18E79C09-4E72-49BD-A5C9-2924744C885B}" type="slidenum">
               <a:rPr lang="zh-CN" altLang="en-US" smtClean="0"/>
-              <a:t>17</a:t>
+              <a:t>24</a:t>
             </a:fld>
             <a:endParaRPr lang="zh-CN" altLang="en-US"/>
           </a:p>
@@ -1352,7 +1312,7 @@
     </p:spTree>
     <p:extLst>
       <p:ext uri="{BB962C8B-B14F-4D97-AF65-F5344CB8AC3E}">
-        <p14:creationId xmlns:p14="http://schemas.microsoft.com/office/powerpoint/2010/main" val="1486336621"/>
+        <p14:creationId xmlns:p14="http://schemas.microsoft.com/office/powerpoint/2010/main" val="1864745631"/>
       </p:ext>
     </p:extLst>
   </p:cSld>
@@ -1406,54 +1366,6 @@
           <a:bodyPr/>
           <a:lstStyle/>
           <a:p>
-            <a:r>
-              <a:rPr lang="zh-CN" altLang="en-US" dirty="0" smtClean="0"/>
-              <a:t>首先想到的就是</a:t>
-            </a:r>
-            <a:r>
-              <a:rPr lang="zh-CN" altLang="en-US" baseline="0" dirty="0" smtClean="0"/>
-              <a:t> 用一张巨大的三列表来存储</a:t>
-            </a:r>
-            <a:r>
-              <a:rPr lang="en-US" altLang="zh-CN" baseline="0" dirty="0" err="1" smtClean="0"/>
-              <a:t>rdf</a:t>
-            </a:r>
-            <a:r>
-              <a:rPr lang="zh-CN" altLang="en-US" baseline="0" dirty="0" smtClean="0"/>
-              <a:t>数据</a:t>
-            </a:r>
-            <a:endParaRPr lang="en-US" altLang="zh-CN" baseline="0" dirty="0" smtClean="0"/>
-          </a:p>
-          <a:p>
-            <a:endParaRPr lang="en-US" altLang="zh-CN" dirty="0" smtClean="0"/>
-          </a:p>
-          <a:p>
-            <a:r>
-              <a:rPr lang="zh-CN" altLang="en-US" dirty="0" smtClean="0"/>
-              <a:t>三列表</a:t>
-            </a:r>
-            <a:r>
-              <a:rPr lang="zh-CN" altLang="en-US" dirty="0" smtClean="0"/>
-              <a:t>包含三列，分别是主语列，谓语列，</a:t>
-            </a:r>
-            <a:r>
-              <a:rPr lang="zh-CN" altLang="en-US" baseline="0" dirty="0" smtClean="0"/>
-              <a:t> 和宾语列</a:t>
-            </a:r>
-            <a:r>
-              <a:rPr lang="zh-CN" altLang="en-US" baseline="0" dirty="0" smtClean="0"/>
-              <a:t>。</a:t>
-            </a:r>
-            <a:endParaRPr lang="en-US" altLang="zh-CN" baseline="0" dirty="0" smtClean="0"/>
-          </a:p>
-          <a:p>
-            <a:endParaRPr lang="en-US" altLang="zh-CN" baseline="0" dirty="0" smtClean="0"/>
-          </a:p>
-          <a:p>
-            <a:r>
-              <a:rPr lang="zh-CN" altLang="en-US" baseline="0" dirty="0" smtClean="0"/>
-              <a:t>存在大量的自连接操作开销巨大</a:t>
-            </a:r>
             <a:endParaRPr lang="zh-CN" altLang="en-US" dirty="0"/>
           </a:p>
         </p:txBody>
@@ -1475,7 +1387,7 @@
           <a:p>
             <a:fld id="{18E79C09-4E72-49BD-A5C9-2924744C885B}" type="slidenum">
               <a:rPr lang="zh-CN" altLang="en-US" smtClean="0"/>
-              <a:t>19</a:t>
+              <a:t>25</a:t>
             </a:fld>
             <a:endParaRPr lang="zh-CN" altLang="en-US"/>
           </a:p>
@@ -1484,7 +1396,7 @@
     </p:spTree>
     <p:extLst>
       <p:ext uri="{BB962C8B-B14F-4D97-AF65-F5344CB8AC3E}">
-        <p14:creationId xmlns:p14="http://schemas.microsoft.com/office/powerpoint/2010/main" val="4133005710"/>
+        <p14:creationId xmlns:p14="http://schemas.microsoft.com/office/powerpoint/2010/main" val="2007111110"/>
       </p:ext>
     </p:extLst>
   </p:cSld>
@@ -1539,29 +1451,9 @@
           <a:lstStyle/>
           <a:p>
             <a:r>
-              <a:rPr lang="zh-CN" altLang="en-US" dirty="0" smtClean="0"/>
-              <a:t>属性相似的主语聚集在一张表上。</a:t>
-            </a:r>
-            <a:endParaRPr lang="en-US" altLang="zh-CN" dirty="0" smtClean="0"/>
-          </a:p>
-          <a:p>
-            <a:r>
-              <a:rPr lang="zh-CN" altLang="en-US" dirty="0" smtClean="0"/>
-              <a:t>属性表对可以提高某些查询的效率， 比如查包含名字的三元组模式，就可以在这个表查。</a:t>
-            </a:r>
-            <a:endParaRPr lang="en-US" altLang="zh-CN" dirty="0" smtClean="0"/>
-          </a:p>
-          <a:p>
-            <a:r>
-              <a:rPr lang="zh-CN" altLang="en-US" dirty="0" smtClean="0"/>
-              <a:t>但是属性作为变量时，效率低下。</a:t>
-            </a:r>
-            <a:endParaRPr lang="en-US" altLang="zh-CN" dirty="0" smtClean="0"/>
-          </a:p>
-          <a:p>
-            <a:endParaRPr lang="en-US" altLang="zh-CN" dirty="0" smtClean="0"/>
-          </a:p>
-          <a:p>
+              <a:rPr lang="en-US" altLang="zh-CN" dirty="0" smtClean="0"/>
+              <a:t>http://hao.jobbole.com/titan/</a:t>
+            </a:r>
             <a:endParaRPr lang="zh-CN" altLang="en-US" dirty="0"/>
           </a:p>
         </p:txBody>
@@ -1583,7 +1475,7 @@
           <a:p>
             <a:fld id="{18E79C09-4E72-49BD-A5C9-2924744C885B}" type="slidenum">
               <a:rPr lang="zh-CN" altLang="en-US" smtClean="0"/>
-              <a:t>20</a:t>
+              <a:t>26</a:t>
             </a:fld>
             <a:endParaRPr lang="zh-CN" altLang="en-US"/>
           </a:p>
@@ -1592,7 +1484,7 @@
     </p:spTree>
     <p:extLst>
       <p:ext uri="{BB962C8B-B14F-4D97-AF65-F5344CB8AC3E}">
-        <p14:creationId xmlns:p14="http://schemas.microsoft.com/office/powerpoint/2010/main" val="872994223"/>
+        <p14:creationId xmlns:p14="http://schemas.microsoft.com/office/powerpoint/2010/main" val="3467127840"/>
       </p:ext>
     </p:extLst>
   </p:cSld>
@@ -1648,62 +1540,100 @@
           <a:p>
             <a:r>
               <a:rPr lang="zh-CN" altLang="en-US" dirty="0" smtClean="0"/>
-              <a:t>每张表保存谓词相同的三元组</a:t>
+              <a:t>基于</a:t>
+            </a:r>
+            <a:r>
+              <a:rPr lang="en-US" altLang="zh-CN" dirty="0" smtClean="0"/>
+              <a:t>Hadoop</a:t>
+            </a:r>
+            <a:r>
+              <a:rPr lang="zh-CN" altLang="en-US" dirty="0" smtClean="0"/>
+              <a:t>的</a:t>
+            </a:r>
+            <a:r>
+              <a:rPr lang="en-US" altLang="zh-CN" dirty="0" smtClean="0"/>
+              <a:t>RDF</a:t>
+            </a:r>
+            <a:r>
+              <a:rPr lang="zh-CN" altLang="en-US" dirty="0" smtClean="0"/>
+              <a:t>数据上的分布式查询处理方法将</a:t>
+            </a:r>
+            <a:r>
+              <a:rPr lang="en-US" altLang="zh-CN" dirty="0" smtClean="0"/>
+              <a:t>RDF</a:t>
+            </a:r>
+            <a:r>
+              <a:rPr lang="zh-CN" altLang="en-US" dirty="0" smtClean="0"/>
+              <a:t>数据转化为平面文件</a:t>
             </a:r>
             <a:endParaRPr lang="en-US" altLang="zh-CN" dirty="0" smtClean="0"/>
           </a:p>
           <a:p>
+            <a:r>
+              <a:rPr lang="zh-CN" altLang="en-US" dirty="0" smtClean="0"/>
+              <a:t>存储在</a:t>
+            </a:r>
+            <a:r>
+              <a:rPr lang="en-US" altLang="zh-CN" dirty="0" smtClean="0"/>
+              <a:t>HDFS</a:t>
+            </a:r>
+            <a:r>
+              <a:rPr lang="zh-CN" altLang="en-US" dirty="0" smtClean="0"/>
+              <a:t>上。在进行查询处理的时候，这些方法将查询分解为若干个子查询</a:t>
+            </a:r>
             <a:endParaRPr lang="en-US" altLang="zh-CN" dirty="0" smtClean="0"/>
           </a:p>
           <a:p>
+            <a:r>
+              <a:rPr lang="zh-CN" altLang="en-US" dirty="0" smtClean="0"/>
+              <a:t>每个子查询通过在</a:t>
+            </a:r>
+            <a:r>
+              <a:rPr lang="en-US" altLang="zh-CN" dirty="0" smtClean="0"/>
+              <a:t>HDFS</a:t>
+            </a:r>
+            <a:r>
+              <a:rPr lang="zh-CN" altLang="en-US" dirty="0" smtClean="0"/>
+              <a:t>上扫描得到候选解，然后用</a:t>
+            </a:r>
+            <a:r>
+              <a:rPr lang="en-US" altLang="zh-CN" dirty="0" err="1" smtClean="0"/>
+              <a:t>MapReduce</a:t>
+            </a:r>
+            <a:r>
+              <a:rPr lang="zh-CN" altLang="en-US" dirty="0" smtClean="0"/>
+              <a:t>将候选解连接起来</a:t>
+            </a:r>
             <a:endParaRPr lang="en-US" altLang="zh-CN" dirty="0" smtClean="0"/>
           </a:p>
           <a:p>
             <a:r>
               <a:rPr lang="zh-CN" altLang="en-US" dirty="0" smtClean="0"/>
-              <a:t>对属性是不变量来说，是很友好的</a:t>
+              <a:t>以得到最终解</a:t>
             </a:r>
             <a:endParaRPr lang="en-US" altLang="zh-CN" dirty="0" smtClean="0"/>
           </a:p>
           <a:p>
-            <a:endParaRPr lang="en-US" altLang="zh-CN" dirty="0" smtClean="0"/>
-          </a:p>
-          <a:p>
             <a:r>
               <a:rPr lang="zh-CN" altLang="en-US" dirty="0" smtClean="0"/>
-              <a:t>避免了大量的自连接操作，</a:t>
-            </a:r>
-            <a:r>
-              <a:rPr lang="zh-CN" altLang="en-US" baseline="0" dirty="0" smtClean="0"/>
-              <a:t> 变成不同表之间的连接。 不同表之间的连接操作效率优于自连接。</a:t>
-            </a:r>
-            <a:endParaRPr lang="en-US" altLang="zh-CN" baseline="0" dirty="0" smtClean="0"/>
-          </a:p>
-          <a:p>
-            <a:endParaRPr lang="en-US" altLang="zh-CN" baseline="0" dirty="0" smtClean="0"/>
-          </a:p>
-          <a:p>
-            <a:r>
-              <a:rPr lang="zh-CN" altLang="en-US" baseline="0" dirty="0" smtClean="0"/>
-              <a:t>不能很好得支持，属性是变量的情况。</a:t>
-            </a:r>
-            <a:endParaRPr lang="en-US" altLang="zh-CN" baseline="0" dirty="0" smtClean="0"/>
-          </a:p>
-          <a:p>
-            <a:endParaRPr lang="en-US" altLang="zh-CN" baseline="0" dirty="0" smtClean="0"/>
-          </a:p>
-          <a:p>
-            <a:r>
-              <a:rPr lang="zh-CN" altLang="en-US" baseline="0" dirty="0" smtClean="0"/>
-              <a:t>删除代价太大</a:t>
-            </a:r>
-            <a:r>
-              <a:rPr lang="zh-CN" altLang="en-US" baseline="0" dirty="0" smtClean="0"/>
-              <a:t>。 比如删除主语节点</a:t>
-            </a:r>
-            <a:endParaRPr lang="en-US" altLang="zh-CN" baseline="0" dirty="0" smtClean="0"/>
-          </a:p>
-          <a:p>
+              <a:t>不同方法的区别是</a:t>
+            </a:r>
+            <a:r>
+              <a:rPr lang="en-US" altLang="zh-CN" dirty="0" smtClean="0"/>
+              <a:t>RDF</a:t>
+            </a:r>
+            <a:r>
+              <a:rPr lang="zh-CN" altLang="en-US" dirty="0" smtClean="0"/>
+              <a:t>转为</a:t>
+            </a:r>
+            <a:r>
+              <a:rPr lang="en-US" altLang="zh-CN" dirty="0" smtClean="0"/>
+              <a:t>HDFS</a:t>
+            </a:r>
+            <a:r>
+              <a:rPr lang="zh-CN" altLang="en-US" dirty="0" smtClean="0"/>
+              <a:t>平面文件的方式不同。</a:t>
+            </a:r>
             <a:endParaRPr lang="zh-CN" altLang="en-US" dirty="0"/>
           </a:p>
         </p:txBody>
@@ -1725,7 +1655,7 @@
           <a:p>
             <a:fld id="{18E79C09-4E72-49BD-A5C9-2924744C885B}" type="slidenum">
               <a:rPr lang="zh-CN" altLang="en-US" smtClean="0"/>
-              <a:t>21</a:t>
+              <a:t>28</a:t>
             </a:fld>
             <a:endParaRPr lang="zh-CN" altLang="en-US"/>
           </a:p>
@@ -1734,7 +1664,7 @@
     </p:spTree>
     <p:extLst>
       <p:ext uri="{BB962C8B-B14F-4D97-AF65-F5344CB8AC3E}">
-        <p14:creationId xmlns:p14="http://schemas.microsoft.com/office/powerpoint/2010/main" val="276497870"/>
+        <p14:creationId xmlns:p14="http://schemas.microsoft.com/office/powerpoint/2010/main" val="2379797977"/>
       </p:ext>
     </p:extLst>
   </p:cSld>
@@ -1789,24 +1719,53 @@
           <a:lstStyle/>
           <a:p>
             <a:r>
+              <a:rPr lang="en-US" altLang="zh-CN" dirty="0" smtClean="0"/>
+              <a:t>Trinity</a:t>
+            </a:r>
+            <a:r>
               <a:rPr lang="zh-CN" altLang="en-US" dirty="0" smtClean="0"/>
-              <a:t>为了加速</a:t>
+              <a:t>是微软开发的一个基于内存的分布式图数据管理系统。</a:t>
+            </a:r>
+            <a:endParaRPr lang="en-US" altLang="zh-CN" dirty="0" smtClean="0"/>
+          </a:p>
+          <a:p>
+            <a:r>
+              <a:rPr lang="zh-CN" altLang="en-US" dirty="0" smtClean="0"/>
+              <a:t>有关学者提出了</a:t>
+            </a:r>
+            <a:r>
+              <a:rPr lang="en-US" altLang="zh-CN" dirty="0" err="1" smtClean="0"/>
+              <a:t>Trinity.RDF</a:t>
+            </a:r>
+            <a:r>
+              <a:rPr lang="zh-CN" altLang="en-US" dirty="0" smtClean="0"/>
+              <a:t>，就是利用</a:t>
             </a:r>
             <a:r>
               <a:rPr lang="en-US" altLang="zh-CN" dirty="0" smtClean="0"/>
-              <a:t>RDF</a:t>
+              <a:t>Trinity</a:t>
             </a:r>
             <a:r>
               <a:rPr lang="zh-CN" altLang="en-US" dirty="0" smtClean="0"/>
-              <a:t>三元组在</a:t>
+              <a:t>，进行知识图谱的存储与查询。</a:t>
+            </a:r>
+            <a:endParaRPr lang="en-US" altLang="zh-CN" dirty="0" smtClean="0"/>
+          </a:p>
+          <a:p>
+            <a:endParaRPr lang="en-US" altLang="zh-CN" dirty="0" smtClean="0"/>
+          </a:p>
+          <a:p>
+            <a:r>
+              <a:rPr lang="zh-CN" altLang="en-US" dirty="0" smtClean="0"/>
+              <a:t>知识图谱在</a:t>
             </a:r>
             <a:r>
               <a:rPr lang="en-US" altLang="zh-CN" dirty="0" smtClean="0"/>
-              <a:t>SPARQL</a:t>
+              <a:t>trinity</a:t>
             </a:r>
             <a:r>
               <a:rPr lang="zh-CN" altLang="en-US" dirty="0" smtClean="0"/>
-              <a:t>查询过程中的连接操作速度，将三元组中的主语，谓语，宾语的各种排列枚举出来，分别为它们建立索引。</a:t>
+              <a:t>中是以邻接表的形式存储的。</a:t>
             </a:r>
             <a:endParaRPr lang="en-US" altLang="zh-CN" dirty="0" smtClean="0"/>
           </a:p>
@@ -1814,85 +1773,34 @@
             <a:endParaRPr lang="en-US" altLang="zh-CN" dirty="0" smtClean="0"/>
           </a:p>
           <a:p>
-            <a:endParaRPr lang="en-US" altLang="zh-CN" baseline="0" dirty="0" smtClean="0"/>
-          </a:p>
-          <a:p>
+            <a:r>
+              <a:rPr lang="zh-CN" altLang="en-US" dirty="0" smtClean="0"/>
+              <a:t>实体是以</a:t>
+            </a:r>
+            <a:r>
+              <a:rPr lang="en-US" altLang="zh-CN" dirty="0" smtClean="0"/>
+              <a:t>key-value</a:t>
+            </a:r>
+            <a:r>
+              <a:rPr lang="zh-CN" altLang="en-US" dirty="0" smtClean="0"/>
+              <a:t>形式存储的</a:t>
+            </a:r>
             <a:r>
               <a:rPr lang="zh-CN" altLang="en-US" baseline="0" dirty="0" smtClean="0"/>
-              <a:t>三元组模式查询能高效执行</a:t>
-            </a:r>
-            <a:endParaRPr lang="en-US" altLang="zh-CN" baseline="0" dirty="0" smtClean="0"/>
-          </a:p>
-          <a:p>
-            <a:endParaRPr lang="en-US" altLang="zh-CN" dirty="0" smtClean="0"/>
-          </a:p>
-          <a:p>
-            <a:endParaRPr lang="en-US" altLang="zh-CN" baseline="0" dirty="0" smtClean="0"/>
-          </a:p>
-          <a:p>
-            <a:r>
-              <a:rPr lang="en-US" altLang="zh-CN" dirty="0" smtClean="0"/>
-              <a:t>JENA</a:t>
-            </a:r>
-            <a:r>
-              <a:rPr lang="zh-CN" altLang="en-US" dirty="0" smtClean="0"/>
-              <a:t>是一个开源的</a:t>
-            </a:r>
-            <a:r>
-              <a:rPr lang="en-US" altLang="zh-CN" dirty="0" smtClean="0"/>
-              <a:t>java</a:t>
+              <a:t> </a:t>
             </a:r>
             <a:r>
               <a:rPr lang="en-US" altLang="zh-CN" baseline="0" dirty="0" smtClean="0"/>
-              <a:t> </a:t>
-            </a:r>
-            <a:r>
-              <a:rPr lang="en-US" altLang="zh-CN" baseline="0" dirty="0" err="1" smtClean="0"/>
-              <a:t>api</a:t>
+              <a:t>node-id</a:t>
+            </a:r>
+            <a:r>
+              <a:rPr lang="zh-CN" altLang="en-US" baseline="0" dirty="0" smtClean="0"/>
+              <a:t>是其</a:t>
             </a:r>
             <a:r>
               <a:rPr lang="en-US" altLang="zh-CN" baseline="0" dirty="0" smtClean="0"/>
-              <a:t>. </a:t>
-            </a:r>
-            <a:r>
-              <a:rPr lang="zh-CN" altLang="en-US" baseline="0" dirty="0" smtClean="0"/>
-              <a:t>支持</a:t>
-            </a:r>
-            <a:r>
-              <a:rPr lang="en-US" altLang="zh-CN" baseline="0" dirty="0" err="1" smtClean="0"/>
-              <a:t>rdf</a:t>
-            </a:r>
-            <a:r>
-              <a:rPr lang="zh-CN" altLang="en-US" baseline="0" dirty="0" smtClean="0"/>
-              <a:t>数据的存储与</a:t>
-            </a:r>
-            <a:r>
-              <a:rPr lang="en-US" altLang="zh-CN" baseline="0" dirty="0" err="1" smtClean="0"/>
-              <a:t>sparql</a:t>
-            </a:r>
-            <a:r>
-              <a:rPr lang="zh-CN" altLang="en-US" baseline="0" dirty="0" smtClean="0"/>
-              <a:t>查询。 其中的用于存储管理</a:t>
-            </a:r>
-            <a:r>
-              <a:rPr lang="en-US" altLang="zh-CN" baseline="0" dirty="0" err="1" smtClean="0"/>
-              <a:t>rdf</a:t>
-            </a:r>
-            <a:r>
-              <a:rPr lang="zh-CN" altLang="en-US" baseline="0" dirty="0" smtClean="0"/>
-              <a:t>的数据库</a:t>
-            </a:r>
-            <a:r>
-              <a:rPr lang="en-US" altLang="zh-CN" baseline="0" dirty="0" smtClean="0"/>
-              <a:t>TDB</a:t>
-            </a:r>
-            <a:r>
-              <a:rPr lang="zh-CN" altLang="en-US" baseline="0" dirty="0" smtClean="0"/>
-              <a:t>就是使用全索引策略实现。</a:t>
-            </a:r>
-            <a:endParaRPr lang="en-US" altLang="zh-CN" baseline="0" dirty="0" smtClean="0"/>
-          </a:p>
-          <a:p>
+              <a:t>key</a:t>
+            </a:r>
             <a:endParaRPr lang="zh-CN" altLang="en-US" dirty="0"/>
           </a:p>
         </p:txBody>
@@ -1914,7 +1822,7 @@
           <a:p>
             <a:fld id="{18E79C09-4E72-49BD-A5C9-2924744C885B}" type="slidenum">
               <a:rPr lang="zh-CN" altLang="en-US" smtClean="0"/>
-              <a:t>22</a:t>
+              <a:t>29</a:t>
             </a:fld>
             <a:endParaRPr lang="zh-CN" altLang="en-US"/>
           </a:p>
@@ -1923,7 +1831,7 @@
     </p:spTree>
     <p:extLst>
       <p:ext uri="{BB962C8B-B14F-4D97-AF65-F5344CB8AC3E}">
-        <p14:creationId xmlns:p14="http://schemas.microsoft.com/office/powerpoint/2010/main" val="2741638125"/>
+        <p14:creationId xmlns:p14="http://schemas.microsoft.com/office/powerpoint/2010/main" val="570811089"/>
       </p:ext>
     </p:extLst>
   </p:cSld>
@@ -2017,569 +1925,6 @@
 </p:notes>
 </file>
 
-<file path=ppt/notesSlides/notesSlide20.xml><?xml version="1.0" encoding="utf-8"?>
-<p:notes xmlns:a="http://schemas.openxmlformats.org/drawingml/2006/main" xmlns:r="http://schemas.openxmlformats.org/officeDocument/2006/relationships" xmlns:p="http://schemas.openxmlformats.org/presentationml/2006/main">
-  <p:cSld>
-    <p:spTree>
-      <p:nvGrpSpPr>
-        <p:cNvPr id="1" name=""/>
-        <p:cNvGrpSpPr/>
-        <p:nvPr/>
-      </p:nvGrpSpPr>
-      <p:grpSpPr>
-        <a:xfrm>
-          <a:off x="0" y="0"/>
-          <a:ext cx="0" cy="0"/>
-          <a:chOff x="0" y="0"/>
-          <a:chExt cx="0" cy="0"/>
-        </a:xfrm>
-      </p:grpSpPr>
-      <p:sp>
-        <p:nvSpPr>
-          <p:cNvPr id="2" name="幻灯片图像占位符 1"/>
-          <p:cNvSpPr>
-            <a:spLocks noGrp="1" noRot="1" noChangeAspect="1"/>
-          </p:cNvSpPr>
-          <p:nvPr>
-            <p:ph type="sldImg"/>
-          </p:nvPr>
-        </p:nvSpPr>
-        <p:spPr/>
-      </p:sp>
-      <p:sp>
-        <p:nvSpPr>
-          <p:cNvPr id="3" name="备注占位符 2"/>
-          <p:cNvSpPr>
-            <a:spLocks noGrp="1"/>
-          </p:cNvSpPr>
-          <p:nvPr>
-            <p:ph type="body" idx="1"/>
-          </p:nvPr>
-        </p:nvSpPr>
-        <p:spPr/>
-        <p:txBody>
-          <a:bodyPr/>
-          <a:lstStyle/>
-          <a:p>
-            <a:r>
-              <a:rPr lang="zh-CN" altLang="en-US" dirty="0" smtClean="0"/>
-              <a:t>图形数据库，支持图的挖掘算法，所以查询速度相对较快</a:t>
-            </a:r>
-            <a:endParaRPr lang="en-US" altLang="zh-CN" dirty="0" smtClean="0"/>
-          </a:p>
-          <a:p>
-            <a:r>
-              <a:rPr lang="en-US" altLang="zh-CN" dirty="0" smtClean="0"/>
-              <a:t>Neo4j</a:t>
-            </a:r>
-            <a:r>
-              <a:rPr lang="en-US" altLang="zh-CN" baseline="0" dirty="0" smtClean="0"/>
-              <a:t> </a:t>
-            </a:r>
-            <a:r>
-              <a:rPr lang="zh-CN" altLang="en-US" baseline="0" dirty="0" smtClean="0"/>
-              <a:t>难以分片</a:t>
-            </a:r>
-            <a:endParaRPr lang="en-US" altLang="zh-CN" baseline="0" dirty="0" smtClean="0"/>
-          </a:p>
-          <a:p>
-            <a:r>
-              <a:rPr lang="zh-CN" altLang="en-US" baseline="0" dirty="0" smtClean="0"/>
-              <a:t>很难处理超级节点。</a:t>
-            </a:r>
-            <a:endParaRPr lang="zh-CN" altLang="en-US" dirty="0"/>
-          </a:p>
-        </p:txBody>
-      </p:sp>
-      <p:sp>
-        <p:nvSpPr>
-          <p:cNvPr id="4" name="灯片编号占位符 3"/>
-          <p:cNvSpPr>
-            <a:spLocks noGrp="1"/>
-          </p:cNvSpPr>
-          <p:nvPr>
-            <p:ph type="sldNum" sz="quarter" idx="10"/>
-          </p:nvPr>
-        </p:nvSpPr>
-        <p:spPr/>
-        <p:txBody>
-          <a:bodyPr/>
-          <a:lstStyle/>
-          <a:p>
-            <a:fld id="{18E79C09-4E72-49BD-A5C9-2924744C885B}" type="slidenum">
-              <a:rPr lang="zh-CN" altLang="en-US" smtClean="0"/>
-              <a:t>24</a:t>
-            </a:fld>
-            <a:endParaRPr lang="zh-CN" altLang="en-US"/>
-          </a:p>
-        </p:txBody>
-      </p:sp>
-    </p:spTree>
-    <p:extLst>
-      <p:ext uri="{BB962C8B-B14F-4D97-AF65-F5344CB8AC3E}">
-        <p14:creationId xmlns:p14="http://schemas.microsoft.com/office/powerpoint/2010/main" val="1864745631"/>
-      </p:ext>
-    </p:extLst>
-  </p:cSld>
-  <p:clrMapOvr>
-    <a:masterClrMapping/>
-  </p:clrMapOvr>
-</p:notes>
-</file>
-
-<file path=ppt/notesSlides/notesSlide21.xml><?xml version="1.0" encoding="utf-8"?>
-<p:notes xmlns:a="http://schemas.openxmlformats.org/drawingml/2006/main" xmlns:r="http://schemas.openxmlformats.org/officeDocument/2006/relationships" xmlns:p="http://schemas.openxmlformats.org/presentationml/2006/main">
-  <p:cSld>
-    <p:spTree>
-      <p:nvGrpSpPr>
-        <p:cNvPr id="1" name=""/>
-        <p:cNvGrpSpPr/>
-        <p:nvPr/>
-      </p:nvGrpSpPr>
-      <p:grpSpPr>
-        <a:xfrm>
-          <a:off x="0" y="0"/>
-          <a:ext cx="0" cy="0"/>
-          <a:chOff x="0" y="0"/>
-          <a:chExt cx="0" cy="0"/>
-        </a:xfrm>
-      </p:grpSpPr>
-      <p:sp>
-        <p:nvSpPr>
-          <p:cNvPr id="2" name="幻灯片图像占位符 1"/>
-          <p:cNvSpPr>
-            <a:spLocks noGrp="1" noRot="1" noChangeAspect="1"/>
-          </p:cNvSpPr>
-          <p:nvPr>
-            <p:ph type="sldImg"/>
-          </p:nvPr>
-        </p:nvSpPr>
-        <p:spPr/>
-      </p:sp>
-      <p:sp>
-        <p:nvSpPr>
-          <p:cNvPr id="3" name="备注占位符 2"/>
-          <p:cNvSpPr>
-            <a:spLocks noGrp="1"/>
-          </p:cNvSpPr>
-          <p:nvPr>
-            <p:ph type="body" idx="1"/>
-          </p:nvPr>
-        </p:nvSpPr>
-        <p:spPr/>
-        <p:txBody>
-          <a:bodyPr/>
-          <a:lstStyle/>
-          <a:p>
-            <a:r>
-              <a:rPr lang="en-US" altLang="zh-CN" dirty="0" smtClean="0"/>
-              <a:t>http://hao.jobbole.com/titan/</a:t>
-            </a:r>
-            <a:endParaRPr lang="zh-CN" altLang="en-US" dirty="0"/>
-          </a:p>
-        </p:txBody>
-      </p:sp>
-      <p:sp>
-        <p:nvSpPr>
-          <p:cNvPr id="4" name="灯片编号占位符 3"/>
-          <p:cNvSpPr>
-            <a:spLocks noGrp="1"/>
-          </p:cNvSpPr>
-          <p:nvPr>
-            <p:ph type="sldNum" sz="quarter" idx="10"/>
-          </p:nvPr>
-        </p:nvSpPr>
-        <p:spPr/>
-        <p:txBody>
-          <a:bodyPr/>
-          <a:lstStyle/>
-          <a:p>
-            <a:fld id="{18E79C09-4E72-49BD-A5C9-2924744C885B}" type="slidenum">
-              <a:rPr lang="zh-CN" altLang="en-US" smtClean="0"/>
-              <a:t>25</a:t>
-            </a:fld>
-            <a:endParaRPr lang="zh-CN" altLang="en-US"/>
-          </a:p>
-        </p:txBody>
-      </p:sp>
-    </p:spTree>
-    <p:extLst>
-      <p:ext uri="{BB962C8B-B14F-4D97-AF65-F5344CB8AC3E}">
-        <p14:creationId xmlns:p14="http://schemas.microsoft.com/office/powerpoint/2010/main" val="3467127840"/>
-      </p:ext>
-    </p:extLst>
-  </p:cSld>
-  <p:clrMapOvr>
-    <a:masterClrMapping/>
-  </p:clrMapOvr>
-</p:notes>
-</file>
-
-<file path=ppt/notesSlides/notesSlide22.xml><?xml version="1.0" encoding="utf-8"?>
-<p:notes xmlns:a="http://schemas.openxmlformats.org/drawingml/2006/main" xmlns:r="http://schemas.openxmlformats.org/officeDocument/2006/relationships" xmlns:p="http://schemas.openxmlformats.org/presentationml/2006/main">
-  <p:cSld>
-    <p:spTree>
-      <p:nvGrpSpPr>
-        <p:cNvPr id="1" name=""/>
-        <p:cNvGrpSpPr/>
-        <p:nvPr/>
-      </p:nvGrpSpPr>
-      <p:grpSpPr>
-        <a:xfrm>
-          <a:off x="0" y="0"/>
-          <a:ext cx="0" cy="0"/>
-          <a:chOff x="0" y="0"/>
-          <a:chExt cx="0" cy="0"/>
-        </a:xfrm>
-      </p:grpSpPr>
-      <p:sp>
-        <p:nvSpPr>
-          <p:cNvPr id="2" name="幻灯片图像占位符 1"/>
-          <p:cNvSpPr>
-            <a:spLocks noGrp="1" noRot="1" noChangeAspect="1"/>
-          </p:cNvSpPr>
-          <p:nvPr>
-            <p:ph type="sldImg"/>
-          </p:nvPr>
-        </p:nvSpPr>
-        <p:spPr/>
-      </p:sp>
-      <p:sp>
-        <p:nvSpPr>
-          <p:cNvPr id="3" name="备注占位符 2"/>
-          <p:cNvSpPr>
-            <a:spLocks noGrp="1"/>
-          </p:cNvSpPr>
-          <p:nvPr>
-            <p:ph type="body" idx="1"/>
-          </p:nvPr>
-        </p:nvSpPr>
-        <p:spPr/>
-        <p:txBody>
-          <a:bodyPr/>
-          <a:lstStyle/>
-          <a:p>
-            <a:r>
-              <a:rPr lang="zh-CN" altLang="en-US" dirty="0" smtClean="0"/>
-              <a:t>基于</a:t>
-            </a:r>
-            <a:r>
-              <a:rPr lang="en-US" altLang="zh-CN" dirty="0" smtClean="0"/>
-              <a:t>Hadoop</a:t>
-            </a:r>
-            <a:r>
-              <a:rPr lang="zh-CN" altLang="en-US" dirty="0" smtClean="0"/>
-              <a:t>的</a:t>
-            </a:r>
-            <a:r>
-              <a:rPr lang="en-US" altLang="zh-CN" dirty="0" smtClean="0"/>
-              <a:t>RDF</a:t>
-            </a:r>
-            <a:r>
-              <a:rPr lang="zh-CN" altLang="en-US" dirty="0" smtClean="0"/>
-              <a:t>数据上的分布式查询处理方法将</a:t>
-            </a:r>
-            <a:r>
-              <a:rPr lang="en-US" altLang="zh-CN" dirty="0" smtClean="0"/>
-              <a:t>RDF</a:t>
-            </a:r>
-            <a:r>
-              <a:rPr lang="zh-CN" altLang="en-US" dirty="0" smtClean="0"/>
-              <a:t>数据转化为平面文件</a:t>
-            </a:r>
-            <a:endParaRPr lang="en-US" altLang="zh-CN" dirty="0" smtClean="0"/>
-          </a:p>
-          <a:p>
-            <a:r>
-              <a:rPr lang="zh-CN" altLang="en-US" dirty="0" smtClean="0"/>
-              <a:t>存储在</a:t>
-            </a:r>
-            <a:r>
-              <a:rPr lang="en-US" altLang="zh-CN" dirty="0" smtClean="0"/>
-              <a:t>HDFS</a:t>
-            </a:r>
-            <a:r>
-              <a:rPr lang="zh-CN" altLang="en-US" dirty="0" smtClean="0"/>
-              <a:t>上。在进行查询处理的时候，这些方法将查询分解为若干个子查询</a:t>
-            </a:r>
-            <a:endParaRPr lang="en-US" altLang="zh-CN" dirty="0" smtClean="0"/>
-          </a:p>
-          <a:p>
-            <a:r>
-              <a:rPr lang="zh-CN" altLang="en-US" dirty="0" smtClean="0"/>
-              <a:t>每个子查询通过在</a:t>
-            </a:r>
-            <a:r>
-              <a:rPr lang="en-US" altLang="zh-CN" dirty="0" smtClean="0"/>
-              <a:t>HDFS</a:t>
-            </a:r>
-            <a:r>
-              <a:rPr lang="zh-CN" altLang="en-US" dirty="0" smtClean="0"/>
-              <a:t>上扫描得到候选解，然后用</a:t>
-            </a:r>
-            <a:r>
-              <a:rPr lang="en-US" altLang="zh-CN" dirty="0" err="1" smtClean="0"/>
-              <a:t>MapReduce</a:t>
-            </a:r>
-            <a:r>
-              <a:rPr lang="zh-CN" altLang="en-US" dirty="0" smtClean="0"/>
-              <a:t>将候选解连接起来</a:t>
-            </a:r>
-            <a:endParaRPr lang="en-US" altLang="zh-CN" dirty="0" smtClean="0"/>
-          </a:p>
-          <a:p>
-            <a:r>
-              <a:rPr lang="zh-CN" altLang="en-US" dirty="0" smtClean="0"/>
-              <a:t>以得到最终解</a:t>
-            </a:r>
-            <a:endParaRPr lang="en-US" altLang="zh-CN" dirty="0" smtClean="0"/>
-          </a:p>
-          <a:p>
-            <a:r>
-              <a:rPr lang="zh-CN" altLang="en-US" dirty="0" smtClean="0"/>
-              <a:t>不同方法的区别是</a:t>
-            </a:r>
-            <a:r>
-              <a:rPr lang="en-US" altLang="zh-CN" dirty="0" smtClean="0"/>
-              <a:t>RDF</a:t>
-            </a:r>
-            <a:r>
-              <a:rPr lang="zh-CN" altLang="en-US" dirty="0" smtClean="0"/>
-              <a:t>转为</a:t>
-            </a:r>
-            <a:r>
-              <a:rPr lang="en-US" altLang="zh-CN" dirty="0" smtClean="0"/>
-              <a:t>HDFS</a:t>
-            </a:r>
-            <a:r>
-              <a:rPr lang="zh-CN" altLang="en-US" dirty="0" smtClean="0"/>
-              <a:t>平面文件的方式不同。</a:t>
-            </a:r>
-            <a:endParaRPr lang="zh-CN" altLang="en-US" dirty="0"/>
-          </a:p>
-        </p:txBody>
-      </p:sp>
-      <p:sp>
-        <p:nvSpPr>
-          <p:cNvPr id="4" name="灯片编号占位符 3"/>
-          <p:cNvSpPr>
-            <a:spLocks noGrp="1"/>
-          </p:cNvSpPr>
-          <p:nvPr>
-            <p:ph type="sldNum" sz="quarter" idx="10"/>
-          </p:nvPr>
-        </p:nvSpPr>
-        <p:spPr/>
-        <p:txBody>
-          <a:bodyPr/>
-          <a:lstStyle/>
-          <a:p>
-            <a:fld id="{18E79C09-4E72-49BD-A5C9-2924744C885B}" type="slidenum">
-              <a:rPr lang="zh-CN" altLang="en-US" smtClean="0"/>
-              <a:t>27</a:t>
-            </a:fld>
-            <a:endParaRPr lang="zh-CN" altLang="en-US"/>
-          </a:p>
-        </p:txBody>
-      </p:sp>
-    </p:spTree>
-    <p:extLst>
-      <p:ext uri="{BB962C8B-B14F-4D97-AF65-F5344CB8AC3E}">
-        <p14:creationId xmlns:p14="http://schemas.microsoft.com/office/powerpoint/2010/main" val="2379797977"/>
-      </p:ext>
-    </p:extLst>
-  </p:cSld>
-  <p:clrMapOvr>
-    <a:masterClrMapping/>
-  </p:clrMapOvr>
-</p:notes>
-</file>
-
-<file path=ppt/notesSlides/notesSlide23.xml><?xml version="1.0" encoding="utf-8"?>
-<p:notes xmlns:a="http://schemas.openxmlformats.org/drawingml/2006/main" xmlns:r="http://schemas.openxmlformats.org/officeDocument/2006/relationships" xmlns:p="http://schemas.openxmlformats.org/presentationml/2006/main">
-  <p:cSld>
-    <p:spTree>
-      <p:nvGrpSpPr>
-        <p:cNvPr id="1" name=""/>
-        <p:cNvGrpSpPr/>
-        <p:nvPr/>
-      </p:nvGrpSpPr>
-      <p:grpSpPr>
-        <a:xfrm>
-          <a:off x="0" y="0"/>
-          <a:ext cx="0" cy="0"/>
-          <a:chOff x="0" y="0"/>
-          <a:chExt cx="0" cy="0"/>
-        </a:xfrm>
-      </p:grpSpPr>
-      <p:sp>
-        <p:nvSpPr>
-          <p:cNvPr id="2" name="幻灯片图像占位符 1"/>
-          <p:cNvSpPr>
-            <a:spLocks noGrp="1" noRot="1" noChangeAspect="1"/>
-          </p:cNvSpPr>
-          <p:nvPr>
-            <p:ph type="sldImg"/>
-          </p:nvPr>
-        </p:nvSpPr>
-        <p:spPr/>
-      </p:sp>
-      <p:sp>
-        <p:nvSpPr>
-          <p:cNvPr id="3" name="备注占位符 2"/>
-          <p:cNvSpPr>
-            <a:spLocks noGrp="1"/>
-          </p:cNvSpPr>
-          <p:nvPr>
-            <p:ph type="body" idx="1"/>
-          </p:nvPr>
-        </p:nvSpPr>
-        <p:spPr/>
-        <p:txBody>
-          <a:bodyPr/>
-          <a:lstStyle/>
-          <a:p>
-            <a:r>
-              <a:rPr lang="en-US" altLang="zh-CN" dirty="0" err="1" smtClean="0"/>
-              <a:t>Trinity.RDF</a:t>
-            </a:r>
-            <a:r>
-              <a:rPr lang="zh-CN" altLang="en-US" dirty="0" smtClean="0"/>
-              <a:t>是利用</a:t>
-            </a:r>
-            <a:r>
-              <a:rPr lang="en-US" altLang="zh-CN" dirty="0" smtClean="0"/>
-              <a:t>Trinity</a:t>
-            </a:r>
-            <a:r>
-              <a:rPr lang="zh-CN" altLang="en-US" dirty="0" smtClean="0"/>
-              <a:t>进行数据管理的方法。</a:t>
-            </a:r>
-            <a:endParaRPr lang="en-US" altLang="zh-CN" dirty="0" smtClean="0"/>
-          </a:p>
-          <a:p>
-            <a:r>
-              <a:rPr lang="zh-CN" altLang="en-US" dirty="0" smtClean="0"/>
-              <a:t>当用户提交查询之后，</a:t>
-            </a:r>
-            <a:r>
-              <a:rPr lang="en-US" altLang="zh-CN" dirty="0" err="1" smtClean="0"/>
-              <a:t>Trinity.RDF</a:t>
-            </a:r>
-            <a:r>
-              <a:rPr lang="zh-CN" altLang="en-US" dirty="0" smtClean="0"/>
-              <a:t>依次对查询中每个变量</a:t>
-            </a:r>
-            <a:r>
-              <a:rPr lang="en-US" altLang="zh-CN" dirty="0" smtClean="0"/>
-              <a:t>v</a:t>
-            </a:r>
-            <a:r>
-              <a:rPr lang="zh-CN" altLang="en-US" dirty="0" smtClean="0"/>
-              <a:t>的候选点</a:t>
-            </a:r>
-            <a:r>
-              <a:rPr lang="en-US" altLang="zh-CN" dirty="0" smtClean="0"/>
-              <a:t>u</a:t>
-            </a:r>
-            <a:r>
-              <a:rPr lang="zh-CN" altLang="en-US" dirty="0" smtClean="0"/>
-              <a:t>进行图探索直到得到解。</a:t>
-            </a:r>
-            <a:endParaRPr lang="en-US" altLang="zh-CN" dirty="0" smtClean="0"/>
-          </a:p>
-          <a:p>
-            <a:r>
-              <a:rPr lang="zh-CN" altLang="en-US" dirty="0" smtClean="0"/>
-              <a:t>所谓图探索就是检查</a:t>
-            </a:r>
-            <a:r>
-              <a:rPr lang="en-US" altLang="zh-CN" dirty="0" smtClean="0"/>
-              <a:t>v</a:t>
-            </a:r>
-            <a:r>
-              <a:rPr lang="zh-CN" altLang="en-US" dirty="0" smtClean="0"/>
-              <a:t>候选点</a:t>
-            </a:r>
-            <a:r>
-              <a:rPr lang="en-US" altLang="zh-CN" dirty="0" smtClean="0"/>
-              <a:t>u</a:t>
-            </a:r>
-            <a:r>
-              <a:rPr lang="zh-CN" altLang="en-US" dirty="0" smtClean="0"/>
-              <a:t>的邻居是否满足</a:t>
-            </a:r>
-            <a:r>
-              <a:rPr lang="en-US" altLang="zh-CN" dirty="0" smtClean="0"/>
-              <a:t>v</a:t>
-            </a:r>
-            <a:r>
-              <a:rPr lang="zh-CN" altLang="en-US" dirty="0" smtClean="0"/>
-              <a:t>在查询图上邻居的条件。</a:t>
-            </a:r>
-            <a:endParaRPr lang="en-US" altLang="zh-CN" dirty="0" smtClean="0"/>
-          </a:p>
-          <a:p>
-            <a:r>
-              <a:rPr lang="zh-CN" altLang="en-US" dirty="0" smtClean="0"/>
-              <a:t>如果不满足，则结束拓展。否则，看</a:t>
-            </a:r>
-            <a:r>
-              <a:rPr lang="en-US" altLang="zh-CN" dirty="0" smtClean="0"/>
-              <a:t>u</a:t>
-            </a:r>
-            <a:r>
-              <a:rPr lang="zh-CN" altLang="en-US" dirty="0" smtClean="0"/>
-              <a:t>邻居的邻居能否满足</a:t>
-            </a:r>
-            <a:r>
-              <a:rPr lang="en-US" altLang="zh-CN" dirty="0" smtClean="0"/>
-              <a:t>v</a:t>
-            </a:r>
-            <a:r>
-              <a:rPr lang="zh-CN" altLang="en-US" dirty="0" smtClean="0"/>
-              <a:t>在查询图上邻居的邻居</a:t>
-            </a:r>
-            <a:endParaRPr lang="zh-CN" altLang="en-US" dirty="0"/>
-          </a:p>
-        </p:txBody>
-      </p:sp>
-      <p:sp>
-        <p:nvSpPr>
-          <p:cNvPr id="4" name="灯片编号占位符 3"/>
-          <p:cNvSpPr>
-            <a:spLocks noGrp="1"/>
-          </p:cNvSpPr>
-          <p:nvPr>
-            <p:ph type="sldNum" sz="quarter" idx="10"/>
-          </p:nvPr>
-        </p:nvSpPr>
-        <p:spPr/>
-        <p:txBody>
-          <a:bodyPr/>
-          <a:lstStyle/>
-          <a:p>
-            <a:fld id="{18E79C09-4E72-49BD-A5C9-2924744C885B}" type="slidenum">
-              <a:rPr lang="zh-CN" altLang="en-US" smtClean="0"/>
-              <a:t>28</a:t>
-            </a:fld>
-            <a:endParaRPr lang="zh-CN" altLang="en-US"/>
-          </a:p>
-        </p:txBody>
-      </p:sp>
-    </p:spTree>
-    <p:extLst>
-      <p:ext uri="{BB962C8B-B14F-4D97-AF65-F5344CB8AC3E}">
-        <p14:creationId xmlns:p14="http://schemas.microsoft.com/office/powerpoint/2010/main" val="570811089"/>
-      </p:ext>
-    </p:extLst>
-  </p:cSld>
-  <p:clrMapOvr>
-    <a:masterClrMapping/>
-  </p:clrMapOvr>
-</p:notes>
-</file>
-
 <file path=ppt/notesSlides/notesSlide3.xml><?xml version="1.0" encoding="utf-8"?>
 <p:notes xmlns:a="http://schemas.openxmlformats.org/drawingml/2006/main" xmlns:r="http://schemas.openxmlformats.org/officeDocument/2006/relationships" xmlns:p="http://schemas.openxmlformats.org/presentationml/2006/main">
   <p:cSld>
@@ -2678,26 +2023,61 @@
             </a:endParaRPr>
           </a:p>
           <a:p>
-            <a:endParaRPr lang="en-US" altLang="zh-CN" dirty="0" smtClean="0"/>
-          </a:p>
-          <a:p>
-            <a:r>
-              <a:rPr lang="zh-CN" altLang="en-US" dirty="0" smtClean="0"/>
-              <a:t>知识图谱可以看做是由大量知识组成的，每条知识代表一个主谓宾的三元组</a:t>
-            </a:r>
-            <a:endParaRPr lang="en-US" altLang="zh-CN" dirty="0" smtClean="0"/>
-          </a:p>
-          <a:p>
-            <a:endParaRPr lang="en-US" altLang="zh-CN" dirty="0" smtClean="0"/>
-          </a:p>
-          <a:p>
-            <a:r>
-              <a:rPr lang="zh-CN" altLang="en-US" dirty="0" smtClean="0"/>
-              <a:t>比如 在这张小的知识图谱中，存在一条知识</a:t>
-            </a:r>
-            <a:r>
-              <a:rPr lang="zh-CN" altLang="en-US" baseline="0" dirty="0" smtClean="0"/>
-              <a:t>  王大路创办大路集团 就代表了 主语是王大路 谓语是 创办 宾语 是大路集团的三元组</a:t>
+            <a:r>
+              <a:rPr lang="zh-CN" altLang="en-US" dirty="0" smtClean="0">
+                <a:latin typeface="楷体" panose="02010609060101010101" pitchFamily="49" charset="-122"/>
+                <a:ea typeface="楷体" panose="02010609060101010101" pitchFamily="49" charset="-122"/>
+              </a:rPr>
+              <a:t>知识图谱是一条条知识组成</a:t>
+            </a:r>
+            <a:r>
+              <a:rPr lang="zh-CN" altLang="en-US" baseline="0" dirty="0" smtClean="0">
+                <a:latin typeface="楷体" panose="02010609060101010101" pitchFamily="49" charset="-122"/>
+                <a:ea typeface="楷体" panose="02010609060101010101" pitchFamily="49" charset="-122"/>
+              </a:rPr>
+              <a:t> 每个知识为</a:t>
+            </a:r>
+            <a:r>
+              <a:rPr lang="en-US" altLang="zh-CN" baseline="0" dirty="0" smtClean="0">
+                <a:latin typeface="楷体" panose="02010609060101010101" pitchFamily="49" charset="-122"/>
+                <a:ea typeface="楷体" panose="02010609060101010101" pitchFamily="49" charset="-122"/>
+              </a:rPr>
+              <a:t>SPO</a:t>
+            </a:r>
+            <a:r>
+              <a:rPr lang="zh-CN" altLang="en-US" baseline="0" dirty="0" smtClean="0">
+                <a:latin typeface="楷体" panose="02010609060101010101" pitchFamily="49" charset="-122"/>
+                <a:ea typeface="楷体" panose="02010609060101010101" pitchFamily="49" charset="-122"/>
+              </a:rPr>
+              <a:t>三元组（</a:t>
+            </a:r>
+            <a:r>
+              <a:rPr lang="en-US" altLang="zh-CN" baseline="0" dirty="0" smtClean="0">
+                <a:latin typeface="楷体" panose="02010609060101010101" pitchFamily="49" charset="-122"/>
+                <a:ea typeface="楷体" panose="02010609060101010101" pitchFamily="49" charset="-122"/>
+              </a:rPr>
+              <a:t>Subject,  </a:t>
+            </a:r>
+            <a:r>
+              <a:rPr lang="en-US" altLang="zh-CN" baseline="0" dirty="0" err="1" smtClean="0">
+                <a:latin typeface="楷体" panose="02010609060101010101" pitchFamily="49" charset="-122"/>
+                <a:ea typeface="楷体" panose="02010609060101010101" pitchFamily="49" charset="-122"/>
+              </a:rPr>
+              <a:t>Precidate</a:t>
+            </a:r>
+            <a:r>
+              <a:rPr lang="en-US" altLang="zh-CN" baseline="0" dirty="0" smtClean="0">
+                <a:latin typeface="楷体" panose="02010609060101010101" pitchFamily="49" charset="-122"/>
+                <a:ea typeface="楷体" panose="02010609060101010101" pitchFamily="49" charset="-122"/>
+              </a:rPr>
+              <a:t>, Object</a:t>
+            </a:r>
+            <a:r>
+              <a:rPr lang="zh-CN" altLang="en-US" baseline="0" dirty="0" smtClean="0">
+                <a:latin typeface="楷体" panose="02010609060101010101" pitchFamily="49" charset="-122"/>
+                <a:ea typeface="楷体" panose="02010609060101010101" pitchFamily="49" charset="-122"/>
+              </a:rPr>
+              <a:t>）</a:t>
             </a:r>
             <a:r>
               <a:rPr lang="zh-CN" altLang="en-US" dirty="0" smtClean="0"/>
@@ -2791,20 +2171,16 @@
           <a:lstStyle/>
           <a:p>
             <a:r>
+              <a:rPr lang="zh-CN" altLang="en-US" dirty="0" smtClean="0"/>
+              <a:t>在知识图谱中，我们用</a:t>
+            </a:r>
+            <a:r>
               <a:rPr lang="en-US" altLang="zh-CN" dirty="0" smtClean="0"/>
               <a:t>RDF</a:t>
             </a:r>
             <a:r>
               <a:rPr lang="zh-CN" altLang="en-US" dirty="0" smtClean="0"/>
-              <a:t>是一种描述资源的数据模型，我们可以使用</a:t>
-            </a:r>
-            <a:r>
-              <a:rPr lang="en-US" altLang="zh-CN" dirty="0" smtClean="0"/>
-              <a:t>RDF</a:t>
-            </a:r>
-            <a:r>
-              <a:rPr lang="zh-CN" altLang="en-US" dirty="0" smtClean="0"/>
-              <a:t>来描述知识图谱中的主谓宾三元组。</a:t>
+              <a:t>来表示这种（主谓宾）三元关系。</a:t>
             </a:r>
             <a:endParaRPr lang="en-US" altLang="zh-CN" dirty="0" smtClean="0"/>
           </a:p>
@@ -2903,8 +2279,19 @@
                 <a:ea typeface="+mn-ea"/>
                 <a:cs typeface="+mn-cs"/>
               </a:rPr>
-              <a:t>标识唯一的</a:t>
-            </a:r>
+              <a:t>标识唯一的资源</a:t>
+            </a:r>
+            <a:endParaRPr lang="en-US" altLang="zh-CN" sz="1200" b="0" i="0" kern="1200" dirty="0" smtClean="0">
+              <a:solidFill>
+                <a:schemeClr val="tx1"/>
+              </a:solidFill>
+              <a:effectLst/>
+              <a:latin typeface="+mn-lt"/>
+              <a:ea typeface="+mn-ea"/>
+              <a:cs typeface="+mn-cs"/>
+            </a:endParaRPr>
+          </a:p>
+          <a:p>
             <a:r>
               <a:rPr lang="zh-CN" altLang="en-US" sz="1200" b="0" i="0" kern="1200" dirty="0" smtClean="0">
                 <a:solidFill>
@@ -2915,43 +2302,7 @@
                 <a:ea typeface="+mn-ea"/>
                 <a:cs typeface="+mn-cs"/>
               </a:rPr>
-              <a:t>资源</a:t>
-            </a:r>
-            <a:r>
-              <a:rPr lang="en-US" altLang="zh-CN" sz="1200" b="0" i="0" kern="1200" baseline="0" dirty="0" smtClean="0">
-                <a:solidFill>
-                  <a:schemeClr val="tx1"/>
-                </a:solidFill>
-                <a:effectLst/>
-                <a:latin typeface="+mn-lt"/>
-                <a:ea typeface="+mn-ea"/>
-                <a:cs typeface="+mn-cs"/>
-              </a:rPr>
-              <a:t> </a:t>
-            </a:r>
-            <a:r>
-              <a:rPr lang="zh-CN" altLang="en-US" sz="1200" b="0" i="0" kern="1200" dirty="0" smtClean="0">
-                <a:solidFill>
-                  <a:schemeClr val="tx1"/>
-                </a:solidFill>
-                <a:effectLst/>
-                <a:latin typeface="+mn-lt"/>
-                <a:ea typeface="+mn-ea"/>
-                <a:cs typeface="+mn-cs"/>
-              </a:rPr>
-              <a:t>类似于</a:t>
-            </a:r>
-            <a:r>
-              <a:rPr lang="zh-CN" altLang="en-US" sz="1200" b="0" i="0" kern="1200" dirty="0" smtClean="0">
-                <a:solidFill>
-                  <a:schemeClr val="tx1"/>
-                </a:solidFill>
-                <a:effectLst/>
-                <a:latin typeface="+mn-lt"/>
-                <a:ea typeface="+mn-ea"/>
-                <a:cs typeface="+mn-cs"/>
-              </a:rPr>
-              <a:t>我们的身份证号</a:t>
+              <a:t>类似于我们的身份证号</a:t>
             </a:r>
             <a:endParaRPr lang="zh-CN" altLang="en-US" dirty="0"/>
           </a:p>
@@ -3037,22 +2388,6 @@
           <a:bodyPr/>
           <a:lstStyle/>
           <a:p>
-            <a:r>
-              <a:rPr lang="zh-CN" altLang="en-US" dirty="0" smtClean="0"/>
-              <a:t>在</a:t>
-            </a:r>
-            <a:r>
-              <a:rPr lang="en-US" altLang="zh-CN" dirty="0" smtClean="0"/>
-              <a:t>RDF</a:t>
-            </a:r>
-            <a:r>
-              <a:rPr lang="zh-CN" altLang="en-US" dirty="0" smtClean="0"/>
-              <a:t>图中</a:t>
-            </a:r>
-            <a:r>
-              <a:rPr lang="zh-CN" altLang="en-US" baseline="0" dirty="0" smtClean="0"/>
-              <a:t> 三元组 可以代表 </a:t>
-            </a:r>
             <a:endParaRPr lang="zh-CN" altLang="en-US" dirty="0"/>
           </a:p>
         </p:txBody>
@@ -3149,24 +2484,6 @@
               <a:rPr lang="zh-CN" altLang="en-US" dirty="0" smtClean="0"/>
               <a:t>数据</a:t>
             </a:r>
-            <a:endParaRPr lang="en-US" altLang="zh-CN" dirty="0" smtClean="0"/>
-          </a:p>
-          <a:p>
-            <a:r>
-              <a:rPr lang="zh-CN" altLang="en-US" dirty="0" smtClean="0"/>
-              <a:t>目前，存在三种主流的</a:t>
-            </a:r>
-            <a:r>
-              <a:rPr lang="en-US" altLang="zh-CN" dirty="0" err="1" smtClean="0"/>
-              <a:t>rdf</a:t>
-            </a:r>
-            <a:r>
-              <a:rPr lang="zh-CN" altLang="en-US" dirty="0" smtClean="0"/>
-              <a:t>序列化标准</a:t>
-            </a:r>
-            <a:endParaRPr lang="en-US" altLang="zh-CN" dirty="0" smtClean="0"/>
-          </a:p>
-          <a:p>
             <a:endParaRPr lang="zh-CN" altLang="en-US" dirty="0"/>
           </a:p>
         </p:txBody>
@@ -3251,17 +2568,6 @@
           <a:bodyPr/>
           <a:lstStyle/>
           <a:p>
-            <a:endParaRPr lang="en-US" altLang="zh-CN" sz="1200" b="0" i="0" kern="1200" dirty="0" smtClean="0">
-              <a:solidFill>
-                <a:schemeClr val="tx1"/>
-              </a:solidFill>
-              <a:effectLst/>
-              <a:latin typeface="+mn-lt"/>
-              <a:ea typeface="+mn-ea"/>
-              <a:cs typeface="+mn-cs"/>
-            </a:endParaRPr>
-          </a:p>
-          <a:p>
             <a:r>
               <a:rPr lang="en-US" altLang="zh-CN" sz="1200" b="0" i="0" kern="1200" dirty="0" smtClean="0">
                 <a:solidFill>
@@ -3747,7 +3053,7 @@
                 <a:ea typeface="+mn-ea"/>
                 <a:cs typeface="+mn-cs"/>
               </a:rPr>
-              <a:t>N-Triples</a:t>
+              <a:t>N-Triples,</a:t>
             </a:r>
             <a:r>
               <a:rPr lang="zh-CN" altLang="en-US" sz="1200" b="0" i="0" kern="1200" dirty="0" smtClean="0">
@@ -3759,6 +3065,89 @@
                 <a:ea typeface="+mn-ea"/>
                 <a:cs typeface="+mn-cs"/>
               </a:rPr>
+              <a:t>就是用三元组的方式来表示</a:t>
+            </a:r>
+            <a:r>
+              <a:rPr lang="en-US" altLang="zh-CN" sz="1200" b="0" i="0" kern="1200" dirty="0" smtClean="0">
+                <a:solidFill>
+                  <a:schemeClr val="tx1"/>
+                </a:solidFill>
+                <a:effectLst/>
+                <a:latin typeface="+mn-lt"/>
+                <a:ea typeface="+mn-ea"/>
+                <a:cs typeface="+mn-cs"/>
+              </a:rPr>
+              <a:t>RDF</a:t>
+            </a:r>
+            <a:r>
+              <a:rPr lang="zh-CN" altLang="en-US" sz="1200" b="0" i="0" kern="1200" dirty="0" smtClean="0">
+                <a:solidFill>
+                  <a:schemeClr val="tx1"/>
+                </a:solidFill>
+                <a:effectLst/>
+                <a:latin typeface="+mn-lt"/>
+                <a:ea typeface="+mn-ea"/>
+                <a:cs typeface="+mn-cs"/>
+              </a:rPr>
+              <a:t>数据集，是最直观的表述方法。在文件中每一行表示一个三元组，方便机器的解析和处理。开放知识领域的图谱</a:t>
+            </a:r>
+            <a:r>
+              <a:rPr lang="en-US" altLang="zh-CN" sz="1200" b="0" i="0" kern="1200" dirty="0" err="1" smtClean="0">
+                <a:solidFill>
+                  <a:schemeClr val="tx1"/>
+                </a:solidFill>
+                <a:effectLst/>
+                <a:latin typeface="+mn-lt"/>
+                <a:ea typeface="+mn-ea"/>
+                <a:cs typeface="+mn-cs"/>
+              </a:rPr>
+              <a:t>DBpedia</a:t>
+            </a:r>
+            <a:r>
+              <a:rPr lang="zh-CN" altLang="en-US" sz="1200" b="0" i="0" kern="1200" dirty="0" smtClean="0">
+                <a:solidFill>
+                  <a:schemeClr val="tx1"/>
+                </a:solidFill>
+                <a:effectLst/>
+                <a:latin typeface="+mn-lt"/>
+                <a:ea typeface="+mn-ea"/>
+                <a:cs typeface="+mn-cs"/>
+              </a:rPr>
+              <a:t>通常是用这种格式来发布数据的。</a:t>
+            </a:r>
+            <a:endParaRPr lang="en-US" altLang="zh-CN" sz="1200" b="0" i="0" kern="1200" dirty="0" smtClean="0">
+              <a:solidFill>
+                <a:schemeClr val="tx1"/>
+              </a:solidFill>
+              <a:effectLst/>
+              <a:latin typeface="+mn-lt"/>
+              <a:ea typeface="+mn-ea"/>
+              <a:cs typeface="+mn-cs"/>
+            </a:endParaRPr>
+          </a:p>
+          <a:p>
+            <a:r>
+              <a:rPr lang="en-US" altLang="zh-CN" sz="1200" b="0" i="0" kern="1200" dirty="0" smtClean="0">
+                <a:solidFill>
+                  <a:schemeClr val="tx1"/>
+                </a:solidFill>
+                <a:effectLst/>
+                <a:latin typeface="+mn-lt"/>
+                <a:ea typeface="+mn-ea"/>
+                <a:cs typeface="+mn-cs"/>
+              </a:rPr>
+              <a:t>N-Triples</a:t>
+            </a:r>
+            <a:r>
+              <a:rPr lang="zh-CN" altLang="en-US" sz="1200" b="0" i="0" kern="1200" dirty="0" smtClean="0">
+                <a:solidFill>
+                  <a:schemeClr val="tx1"/>
+                </a:solidFill>
+                <a:effectLst/>
+                <a:latin typeface="+mn-lt"/>
+                <a:ea typeface="+mn-ea"/>
+                <a:cs typeface="+mn-cs"/>
+              </a:rPr>
               <a:t>有个好处是</a:t>
             </a:r>
             <a:r>
@@ -3795,19 +3184,7 @@
                 <a:ea typeface="+mn-ea"/>
                 <a:cs typeface="+mn-cs"/>
               </a:rPr>
-              <a:t>文件很大，在</a:t>
-            </a:r>
-            <a:r>
-              <a:rPr lang="zh-CN" altLang="en-US" sz="1200" b="0" i="0" kern="1200" baseline="0" dirty="0" smtClean="0">
-                <a:solidFill>
-                  <a:schemeClr val="tx1"/>
-                </a:solidFill>
-                <a:effectLst/>
-                <a:latin typeface="+mn-lt"/>
-                <a:ea typeface="+mn-ea"/>
-                <a:cs typeface="+mn-cs"/>
-              </a:rPr>
-              <a:t>解析时使用</a:t>
+              <a:t>文件很大，在解析使使用</a:t>
             </a:r>
             <a:r>
               <a:rPr lang="en-US" altLang="zh-CN" sz="1200" b="0" i="0" kern="1200" baseline="0" dirty="0" err="1" smtClean="0">
@@ -4031,7 +3408,7 @@
           <a:p>
             <a:fld id="{36A27063-7994-4CEA-AE6D-DF3D05296A9C}" type="datetimeFigureOut">
               <a:rPr lang="zh-CN" altLang="en-US" smtClean="0"/>
-              <a:t>2018/11/27</a:t>
+              <a:t>2018/12/3</a:t>
             </a:fld>
             <a:endParaRPr lang="zh-CN" altLang="en-US"/>
           </a:p>
@@ -4201,7 +3578,7 @@
           <a:p>
             <a:fld id="{36A27063-7994-4CEA-AE6D-DF3D05296A9C}" type="datetimeFigureOut">
               <a:rPr lang="zh-CN" altLang="en-US" smtClean="0"/>
-              <a:t>2018/11/27</a:t>
+              <a:t>2018/12/3</a:t>
             </a:fld>
             <a:endParaRPr lang="zh-CN" altLang="en-US"/>
           </a:p>
@@ -4381,7 +3758,7 @@
           <a:p>
             <a:fld id="{36A27063-7994-4CEA-AE6D-DF3D05296A9C}" type="datetimeFigureOut">
               <a:rPr lang="zh-CN" altLang="en-US" smtClean="0"/>
-              <a:t>2018/11/27</a:t>
+              <a:t>2018/12/3</a:t>
             </a:fld>
             <a:endParaRPr lang="zh-CN" altLang="en-US"/>
           </a:p>
@@ -4551,7 +3928,7 @@
           <a:p>
             <a:fld id="{36A27063-7994-4CEA-AE6D-DF3D05296A9C}" type="datetimeFigureOut">
               <a:rPr lang="zh-CN" altLang="en-US" smtClean="0"/>
-              <a:t>2018/11/27</a:t>
+              <a:t>2018/12/3</a:t>
             </a:fld>
             <a:endParaRPr lang="zh-CN" altLang="en-US"/>
           </a:p>
@@ -4797,7 +4174,7 @@
           <a:p>
             <a:fld id="{36A27063-7994-4CEA-AE6D-DF3D05296A9C}" type="datetimeFigureOut">
               <a:rPr lang="zh-CN" altLang="en-US" smtClean="0"/>
-              <a:t>2018/11/27</a:t>
+              <a:t>2018/12/3</a:t>
             </a:fld>
             <a:endParaRPr lang="zh-CN" altLang="en-US"/>
           </a:p>
@@ -5029,7 +4406,7 @@
           <a:p>
             <a:fld id="{36A27063-7994-4CEA-AE6D-DF3D05296A9C}" type="datetimeFigureOut">
               <a:rPr lang="zh-CN" altLang="en-US" smtClean="0"/>
-              <a:t>2018/11/27</a:t>
+              <a:t>2018/12/3</a:t>
             </a:fld>
             <a:endParaRPr lang="zh-CN" altLang="en-US"/>
           </a:p>
@@ -5396,7 +4773,7 @@
           <a:p>
             <a:fld id="{36A27063-7994-4CEA-AE6D-DF3D05296A9C}" type="datetimeFigureOut">
               <a:rPr lang="zh-CN" altLang="en-US" smtClean="0"/>
-              <a:t>2018/11/27</a:t>
+              <a:t>2018/12/3</a:t>
             </a:fld>
             <a:endParaRPr lang="zh-CN" altLang="en-US"/>
           </a:p>
@@ -5514,7 +4891,7 @@
           <a:p>
             <a:fld id="{36A27063-7994-4CEA-AE6D-DF3D05296A9C}" type="datetimeFigureOut">
               <a:rPr lang="zh-CN" altLang="en-US" smtClean="0"/>
-              <a:t>2018/11/27</a:t>
+              <a:t>2018/12/3</a:t>
             </a:fld>
             <a:endParaRPr lang="zh-CN" altLang="en-US"/>
           </a:p>
@@ -5609,7 +4986,7 @@
           <a:p>
             <a:fld id="{36A27063-7994-4CEA-AE6D-DF3D05296A9C}" type="datetimeFigureOut">
               <a:rPr lang="zh-CN" altLang="en-US" smtClean="0"/>
-              <a:t>2018/11/27</a:t>
+              <a:t>2018/12/3</a:t>
             </a:fld>
             <a:endParaRPr lang="zh-CN" altLang="en-US"/>
           </a:p>
@@ -5886,7 +5263,7 @@
           <a:p>
             <a:fld id="{36A27063-7994-4CEA-AE6D-DF3D05296A9C}" type="datetimeFigureOut">
               <a:rPr lang="zh-CN" altLang="en-US" smtClean="0"/>
-              <a:t>2018/11/27</a:t>
+              <a:t>2018/12/3</a:t>
             </a:fld>
             <a:endParaRPr lang="zh-CN" altLang="en-US"/>
           </a:p>
@@ -6139,7 +5516,7 @@
           <a:p>
             <a:fld id="{36A27063-7994-4CEA-AE6D-DF3D05296A9C}" type="datetimeFigureOut">
               <a:rPr lang="zh-CN" altLang="en-US" smtClean="0"/>
-              <a:t>2018/11/27</a:t>
+              <a:t>2018/12/3</a:t>
             </a:fld>
             <a:endParaRPr lang="zh-CN" altLang="en-US"/>
           </a:p>
@@ -6352,7 +5729,7 @@
           <a:p>
             <a:fld id="{36A27063-7994-4CEA-AE6D-DF3D05296A9C}" type="datetimeFigureOut">
               <a:rPr lang="zh-CN" altLang="en-US" smtClean="0"/>
-              <a:t>2018/11/27</a:t>
+              <a:t>2018/12/3</a:t>
             </a:fld>
             <a:endParaRPr lang="zh-CN" altLang="en-US"/>
           </a:p>
@@ -7338,7 +6715,7 @@
           <p:nvPr/>
         </p:nvPicPr>
         <p:blipFill>
-          <a:blip r:embed="rId3">
+          <a:blip r:embed="rId2">
             <a:extLst>
               <a:ext uri="{28A0092B-C50C-407E-A947-70E740481C1C}">
                 <a14:useLocalDpi xmlns:a14="http://schemas.microsoft.com/office/drawing/2010/main" val="0"/>
@@ -8237,7 +7614,7 @@
           <p:nvPr/>
         </p:nvPicPr>
         <p:blipFill>
-          <a:blip r:embed="rId3">
+          <a:blip r:embed="rId2">
             <a:extLst>
               <a:ext uri="{28A0092B-C50C-407E-A947-70E740481C1C}">
                 <a14:useLocalDpi xmlns:a14="http://schemas.microsoft.com/office/drawing/2010/main" val="0"/>
@@ -8903,7 +8280,7 @@
           <p:nvPr/>
         </p:nvPicPr>
         <p:blipFill>
-          <a:blip r:embed="rId3">
+          <a:blip r:embed="rId2">
             <a:extLst>
               <a:ext uri="{28A0092B-C50C-407E-A947-70E740481C1C}">
                 <a14:useLocalDpi xmlns:a14="http://schemas.microsoft.com/office/drawing/2010/main" val="0"/>
@@ -9617,7 +8994,7 @@
           <p:nvPr/>
         </p:nvPicPr>
         <p:blipFill>
-          <a:blip r:embed="rId3">
+          <a:blip r:embed="rId2">
             <a:extLst>
               <a:ext uri="{28A0092B-C50C-407E-A947-70E740481C1C}">
                 <a14:useLocalDpi xmlns:a14="http://schemas.microsoft.com/office/drawing/2010/main" val="0"/>
@@ -10216,7 +9593,7 @@
           <p:nvPr/>
         </p:nvPicPr>
         <p:blipFill>
-          <a:blip r:embed="rId3">
+          <a:blip r:embed="rId2">
             <a:extLst>
               <a:ext uri="{28A0092B-C50C-407E-A947-70E740481C1C}">
                 <a14:useLocalDpi xmlns:a14="http://schemas.microsoft.com/office/drawing/2010/main" val="0"/>
@@ -10640,27 +10017,9 @@
                 <a:tableStyleId>{5C22544A-7EE6-4342-B048-85BDC9FD1C3A}</a:tableStyleId>
               </a:tblPr>
               <a:tblGrid>
-                <a:gridCol w="2295456">
-                  <a:extLst>
-                    <a:ext uri="{9D8B030D-6E8A-4147-A177-3AD203B41FA5}">
-                      <a16:colId xmlns:a16="http://schemas.microsoft.com/office/drawing/2014/main" val="20000"/>
-                    </a:ext>
-                  </a:extLst>
-                </a:gridCol>
-                <a:gridCol w="2295456">
-                  <a:extLst>
-                    <a:ext uri="{9D8B030D-6E8A-4147-A177-3AD203B41FA5}">
-                      <a16:colId xmlns:a16="http://schemas.microsoft.com/office/drawing/2014/main" val="20001"/>
-                    </a:ext>
-                  </a:extLst>
-                </a:gridCol>
-                <a:gridCol w="2295456">
-                  <a:extLst>
-                    <a:ext uri="{9D8B030D-6E8A-4147-A177-3AD203B41FA5}">
-                      <a16:colId xmlns:a16="http://schemas.microsoft.com/office/drawing/2014/main" val="20002"/>
-                    </a:ext>
-                  </a:extLst>
-                </a:gridCol>
+                <a:gridCol w="2295456"/>
+                <a:gridCol w="2295456"/>
+                <a:gridCol w="2295456"/>
               </a:tblGrid>
               <a:tr h="380447">
                 <a:tc>
@@ -10705,11 +10064,6 @@
                   </a:txBody>
                   <a:tcPr anchorCtr="1"/>
                 </a:tc>
-                <a:extLst>
-                  <a:ext uri="{0D108BD9-81ED-4DB2-BD59-A6C34878D82A}">
-                    <a16:rowId xmlns:a16="http://schemas.microsoft.com/office/drawing/2014/main" val="10000"/>
-                  </a:ext>
-                </a:extLst>
               </a:tr>
               <a:tr h="385731">
                 <a:tc>
@@ -10742,11 +10096,6 @@
                   </a:txBody>
                   <a:tcPr/>
                 </a:tc>
-                <a:extLst>
-                  <a:ext uri="{0D108BD9-81ED-4DB2-BD59-A6C34878D82A}">
-                    <a16:rowId xmlns:a16="http://schemas.microsoft.com/office/drawing/2014/main" val="10001"/>
-                  </a:ext>
-                </a:extLst>
               </a:tr>
               <a:tr h="385731">
                 <a:tc>
@@ -10779,11 +10128,6 @@
                   </a:txBody>
                   <a:tcPr/>
                 </a:tc>
-                <a:extLst>
-                  <a:ext uri="{0D108BD9-81ED-4DB2-BD59-A6C34878D82A}">
-                    <a16:rowId xmlns:a16="http://schemas.microsoft.com/office/drawing/2014/main" val="10002"/>
-                  </a:ext>
-                </a:extLst>
               </a:tr>
             </a:tbl>
           </a:graphicData>
@@ -10814,27 +10158,9 @@
                 <a:tableStyleId>{5C22544A-7EE6-4342-B048-85BDC9FD1C3A}</a:tableStyleId>
               </a:tblPr>
               <a:tblGrid>
-                <a:gridCol w="1242372">
-                  <a:extLst>
-                    <a:ext uri="{9D8B030D-6E8A-4147-A177-3AD203B41FA5}">
-                      <a16:colId xmlns:a16="http://schemas.microsoft.com/office/drawing/2014/main" val="20000"/>
-                    </a:ext>
-                  </a:extLst>
-                </a:gridCol>
-                <a:gridCol w="1242372">
-                  <a:extLst>
-                    <a:ext uri="{9D8B030D-6E8A-4147-A177-3AD203B41FA5}">
-                      <a16:colId xmlns:a16="http://schemas.microsoft.com/office/drawing/2014/main" val="20001"/>
-                    </a:ext>
-                  </a:extLst>
-                </a:gridCol>
-                <a:gridCol w="1242372">
-                  <a:extLst>
-                    <a:ext uri="{9D8B030D-6E8A-4147-A177-3AD203B41FA5}">
-                      <a16:colId xmlns:a16="http://schemas.microsoft.com/office/drawing/2014/main" val="20002"/>
-                    </a:ext>
-                  </a:extLst>
-                </a:gridCol>
+                <a:gridCol w="1242372"/>
+                <a:gridCol w="1242372"/>
+                <a:gridCol w="1242372"/>
               </a:tblGrid>
               <a:tr h="370840">
                 <a:tc>
@@ -10896,11 +10222,6 @@
                   </a:txBody>
                   <a:tcPr/>
                 </a:tc>
-                <a:extLst>
-                  <a:ext uri="{0D108BD9-81ED-4DB2-BD59-A6C34878D82A}">
-                    <a16:rowId xmlns:a16="http://schemas.microsoft.com/office/drawing/2014/main" val="10000"/>
-                  </a:ext>
-                </a:extLst>
               </a:tr>
               <a:tr h="370840">
                 <a:tc>
@@ -10948,11 +10269,6 @@
                   </a:txBody>
                   <a:tcPr/>
                 </a:tc>
-                <a:extLst>
-                  <a:ext uri="{0D108BD9-81ED-4DB2-BD59-A6C34878D82A}">
-                    <a16:rowId xmlns:a16="http://schemas.microsoft.com/office/drawing/2014/main" val="10001"/>
-                  </a:ext>
-                </a:extLst>
               </a:tr>
               <a:tr h="370840">
                 <a:tc>
@@ -11000,11 +10316,6 @@
                   </a:txBody>
                   <a:tcPr/>
                 </a:tc>
-                <a:extLst>
-                  <a:ext uri="{0D108BD9-81ED-4DB2-BD59-A6C34878D82A}">
-                    <a16:rowId xmlns:a16="http://schemas.microsoft.com/office/drawing/2014/main" val="10002"/>
-                  </a:ext>
-                </a:extLst>
               </a:tr>
             </a:tbl>
           </a:graphicData>
@@ -11035,27 +10346,9 @@
                 <a:tableStyleId>{5C22544A-7EE6-4342-B048-85BDC9FD1C3A}</a:tableStyleId>
               </a:tblPr>
               <a:tblGrid>
-                <a:gridCol w="1242372">
-                  <a:extLst>
-                    <a:ext uri="{9D8B030D-6E8A-4147-A177-3AD203B41FA5}">
-                      <a16:colId xmlns:a16="http://schemas.microsoft.com/office/drawing/2014/main" val="20000"/>
-                    </a:ext>
-                  </a:extLst>
-                </a:gridCol>
-                <a:gridCol w="1242372">
-                  <a:extLst>
-                    <a:ext uri="{9D8B030D-6E8A-4147-A177-3AD203B41FA5}">
-                      <a16:colId xmlns:a16="http://schemas.microsoft.com/office/drawing/2014/main" val="20001"/>
-                    </a:ext>
-                  </a:extLst>
-                </a:gridCol>
-                <a:gridCol w="1242372">
-                  <a:extLst>
-                    <a:ext uri="{9D8B030D-6E8A-4147-A177-3AD203B41FA5}">
-                      <a16:colId xmlns:a16="http://schemas.microsoft.com/office/drawing/2014/main" val="20002"/>
-                    </a:ext>
-                  </a:extLst>
-                </a:gridCol>
+                <a:gridCol w="1242372"/>
+                <a:gridCol w="1242372"/>
+                <a:gridCol w="1242372"/>
               </a:tblGrid>
               <a:tr h="370840">
                 <a:tc>
@@ -11117,11 +10410,6 @@
                   </a:txBody>
                   <a:tcPr/>
                 </a:tc>
-                <a:extLst>
-                  <a:ext uri="{0D108BD9-81ED-4DB2-BD59-A6C34878D82A}">
-                    <a16:rowId xmlns:a16="http://schemas.microsoft.com/office/drawing/2014/main" val="10000"/>
-                  </a:ext>
-                </a:extLst>
               </a:tr>
               <a:tr h="370840">
                 <a:tc>
@@ -11169,11 +10457,6 @@
                   </a:txBody>
                   <a:tcPr/>
                 </a:tc>
-                <a:extLst>
-                  <a:ext uri="{0D108BD9-81ED-4DB2-BD59-A6C34878D82A}">
-                    <a16:rowId xmlns:a16="http://schemas.microsoft.com/office/drawing/2014/main" val="10001"/>
-                  </a:ext>
-                </a:extLst>
               </a:tr>
               <a:tr h="370840">
                 <a:tc>
@@ -11221,11 +10504,6 @@
                   </a:txBody>
                   <a:tcPr/>
                 </a:tc>
-                <a:extLst>
-                  <a:ext uri="{0D108BD9-81ED-4DB2-BD59-A6C34878D82A}">
-                    <a16:rowId xmlns:a16="http://schemas.microsoft.com/office/drawing/2014/main" val="10002"/>
-                  </a:ext>
-                </a:extLst>
               </a:tr>
             </a:tbl>
           </a:graphicData>
@@ -11240,7 +10518,7 @@
           <p:nvPr>
             <p:extLst>
               <p:ext uri="{D42A27DB-BD31-4B8C-83A1-F6EECF244321}">
-                <p14:modId xmlns:p14="http://schemas.microsoft.com/office/powerpoint/2010/main" val="2414750635"/>
+                <p14:modId xmlns:p14="http://schemas.microsoft.com/office/powerpoint/2010/main" val="3842438093"/>
               </p:ext>
             </p:extLst>
           </p:nvPr>
@@ -11256,41 +10534,11 @@
                 <a:tableStyleId>{5C22544A-7EE6-4342-B048-85BDC9FD1C3A}</a:tableStyleId>
               </a:tblPr>
               <a:tblGrid>
-                <a:gridCol w="1625600">
-                  <a:extLst>
-                    <a:ext uri="{9D8B030D-6E8A-4147-A177-3AD203B41FA5}">
-                      <a16:colId xmlns:a16="http://schemas.microsoft.com/office/drawing/2014/main" val="20000"/>
-                    </a:ext>
-                  </a:extLst>
-                </a:gridCol>
-                <a:gridCol w="1625600">
-                  <a:extLst>
-                    <a:ext uri="{9D8B030D-6E8A-4147-A177-3AD203B41FA5}">
-                      <a16:colId xmlns:a16="http://schemas.microsoft.com/office/drawing/2014/main" val="20001"/>
-                    </a:ext>
-                  </a:extLst>
-                </a:gridCol>
-                <a:gridCol w="1625600">
-                  <a:extLst>
-                    <a:ext uri="{9D8B030D-6E8A-4147-A177-3AD203B41FA5}">
-                      <a16:colId xmlns:a16="http://schemas.microsoft.com/office/drawing/2014/main" val="20002"/>
-                    </a:ext>
-                  </a:extLst>
-                </a:gridCol>
-                <a:gridCol w="1625600">
-                  <a:extLst>
-                    <a:ext uri="{9D8B030D-6E8A-4147-A177-3AD203B41FA5}">
-                      <a16:colId xmlns:a16="http://schemas.microsoft.com/office/drawing/2014/main" val="20003"/>
-                    </a:ext>
-                  </a:extLst>
-                </a:gridCol>
-                <a:gridCol w="1625600">
-                  <a:extLst>
-                    <a:ext uri="{9D8B030D-6E8A-4147-A177-3AD203B41FA5}">
-                      <a16:colId xmlns:a16="http://schemas.microsoft.com/office/drawing/2014/main" val="20004"/>
-                    </a:ext>
-                  </a:extLst>
-                </a:gridCol>
+                <a:gridCol w="1625600"/>
+                <a:gridCol w="1625600"/>
+                <a:gridCol w="1625600"/>
+                <a:gridCol w="1625600"/>
+                <a:gridCol w="1625600"/>
               </a:tblGrid>
               <a:tr h="370840">
                 <a:tc>
@@ -11368,11 +10616,6 @@
                   </a:txBody>
                   <a:tcPr/>
                 </a:tc>
-                <a:extLst>
-                  <a:ext uri="{0D108BD9-81ED-4DB2-BD59-A6C34878D82A}">
-                    <a16:rowId xmlns:a16="http://schemas.microsoft.com/office/drawing/2014/main" val="10000"/>
-                  </a:ext>
-                </a:extLst>
               </a:tr>
               <a:tr h="370840">
                 <a:tc>
@@ -11383,7 +10626,7 @@
                       <a:pPr algn="ctr"/>
                       <a:r>
                         <a:rPr lang="en-US" altLang="zh-CN" dirty="0" smtClean="0"/>
-                        <a:t>Tom</a:t>
+                        <a:t>Tome</a:t>
                       </a:r>
                       <a:endParaRPr lang="zh-CN" altLang="en-US" dirty="0"/>
                     </a:p>
@@ -11450,11 +10693,6 @@
                   </a:txBody>
                   <a:tcPr/>
                 </a:tc>
-                <a:extLst>
-                  <a:ext uri="{0D108BD9-81ED-4DB2-BD59-A6C34878D82A}">
-                    <a16:rowId xmlns:a16="http://schemas.microsoft.com/office/drawing/2014/main" val="10001"/>
-                  </a:ext>
-                </a:extLst>
               </a:tr>
             </a:tbl>
           </a:graphicData>
@@ -11632,7 +10870,7 @@
                             </p:stCondLst>
                             <p:childTnLst>
                               <p:par>
-                                <p:cTn id="12" presetID="42" presetClass="entr" presetSubtype="0" fill="hold" grpId="0" nodeType="clickEffect">
+                                <p:cTn id="12" presetID="42" presetClass="entr" presetSubtype="0" fill="hold" nodeType="clickEffect">
                                   <p:stCondLst>
                                     <p:cond delay="0"/>
                                   </p:stCondLst>
@@ -11645,7 +10883,7 @@
                                           </p:stCondLst>
                                         </p:cTn>
                                         <p:tgtEl>
-                                          <p:spTgt spid="12"/>
+                                          <p:spTgt spid="6"/>
                                         </p:tgtEl>
                                         <p:attrNameLst>
                                           <p:attrName>style.visibility</p:attrName>
@@ -11659,7 +10897,7 @@
                                       <p:cBhvr>
                                         <p:cTn id="14" dur="500"/>
                                         <p:tgtEl>
-                                          <p:spTgt spid="12"/>
+                                          <p:spTgt spid="6"/>
                                         </p:tgtEl>
                                       </p:cBhvr>
                                     </p:animEffect>
@@ -11667,7 +10905,7 @@
                                       <p:cBhvr>
                                         <p:cTn id="15" dur="500" fill="hold"/>
                                         <p:tgtEl>
-                                          <p:spTgt spid="12"/>
+                                          <p:spTgt spid="6"/>
                                         </p:tgtEl>
                                         <p:attrNameLst>
                                           <p:attrName>ppt_x</p:attrName>
@@ -11690,7 +10928,88 @@
                                       <p:cBhvr>
                                         <p:cTn id="16" dur="500" fill="hold"/>
                                         <p:tgtEl>
-                                          <p:spTgt spid="12"/>
+                                          <p:spTgt spid="6"/>
+                                        </p:tgtEl>
+                                        <p:attrNameLst>
+                                          <p:attrName>ppt_y</p:attrName>
+                                        </p:attrNameLst>
+                                      </p:cBhvr>
+                                      <p:tavLst>
+                                        <p:tav tm="0">
+                                          <p:val>
+                                            <p:strVal val="#ppt_y+.1"/>
+                                          </p:val>
+                                        </p:tav>
+                                        <p:tav tm="100000">
+                                          <p:val>
+                                            <p:strVal val="#ppt_y"/>
+                                          </p:val>
+                                        </p:tav>
+                                      </p:tavLst>
+                                    </p:anim>
+                                  </p:childTnLst>
+                                </p:cTn>
+                              </p:par>
+                              <p:par>
+                                <p:cTn id="17" presetID="42" presetClass="entr" presetSubtype="0" fill="hold" nodeType="withEffect">
+                                  <p:stCondLst>
+                                    <p:cond delay="0"/>
+                                  </p:stCondLst>
+                                  <p:childTnLst>
+                                    <p:set>
+                                      <p:cBhvr>
+                                        <p:cTn id="18" dur="1" fill="hold">
+                                          <p:stCondLst>
+                                            <p:cond delay="0"/>
+                                          </p:stCondLst>
+                                        </p:cTn>
+                                        <p:tgtEl>
+                                          <p:spTgt spid="10"/>
+                                        </p:tgtEl>
+                                        <p:attrNameLst>
+                                          <p:attrName>style.visibility</p:attrName>
+                                        </p:attrNameLst>
+                                      </p:cBhvr>
+                                      <p:to>
+                                        <p:strVal val="visible"/>
+                                      </p:to>
+                                    </p:set>
+                                    <p:animEffect transition="in" filter="fade">
+                                      <p:cBhvr>
+                                        <p:cTn id="19" dur="500"/>
+                                        <p:tgtEl>
+                                          <p:spTgt spid="10"/>
+                                        </p:tgtEl>
+                                      </p:cBhvr>
+                                    </p:animEffect>
+                                    <p:anim calcmode="lin" valueType="num">
+                                      <p:cBhvr>
+                                        <p:cTn id="20" dur="500" fill="hold"/>
+                                        <p:tgtEl>
+                                          <p:spTgt spid="10"/>
+                                        </p:tgtEl>
+                                        <p:attrNameLst>
+                                          <p:attrName>ppt_x</p:attrName>
+                                        </p:attrNameLst>
+                                      </p:cBhvr>
+                                      <p:tavLst>
+                                        <p:tav tm="0">
+                                          <p:val>
+                                            <p:strVal val="#ppt_x"/>
+                                          </p:val>
+                                        </p:tav>
+                                        <p:tav tm="100000">
+                                          <p:val>
+                                            <p:strVal val="#ppt_x"/>
+                                          </p:val>
+                                        </p:tav>
+                                      </p:tavLst>
+                                    </p:anim>
+                                    <p:anim calcmode="lin" valueType="num">
+                                      <p:cBhvr>
+                                        <p:cTn id="21" dur="500" fill="hold"/>
+                                        <p:tgtEl>
+                                          <p:spTgt spid="10"/>
                                         </p:tgtEl>
                                         <p:attrNameLst>
                                           <p:attrName>ppt_y</p:attrName>
@@ -11719,100 +11038,19 @@
                     </p:cTn>
                   </p:par>
                   <p:par>
-                    <p:cTn id="17" fill="hold">
+                    <p:cTn id="22" fill="hold">
                       <p:stCondLst>
                         <p:cond delay="indefinite"/>
                       </p:stCondLst>
                       <p:childTnLst>
                         <p:par>
-                          <p:cTn id="18" fill="hold">
+                          <p:cTn id="23" fill="hold">
                             <p:stCondLst>
                               <p:cond delay="0"/>
                             </p:stCondLst>
                             <p:childTnLst>
                               <p:par>
-                                <p:cTn id="19" presetID="42" presetClass="entr" presetSubtype="0" fill="hold" nodeType="clickEffect">
-                                  <p:stCondLst>
-                                    <p:cond delay="0"/>
-                                  </p:stCondLst>
-                                  <p:childTnLst>
-                                    <p:set>
-                                      <p:cBhvr>
-                                        <p:cTn id="20" dur="1" fill="hold">
-                                          <p:stCondLst>
-                                            <p:cond delay="0"/>
-                                          </p:stCondLst>
-                                        </p:cTn>
-                                        <p:tgtEl>
-                                          <p:spTgt spid="6"/>
-                                        </p:tgtEl>
-                                        <p:attrNameLst>
-                                          <p:attrName>style.visibility</p:attrName>
-                                        </p:attrNameLst>
-                                      </p:cBhvr>
-                                      <p:to>
-                                        <p:strVal val="visible"/>
-                                      </p:to>
-                                    </p:set>
-                                    <p:animEffect transition="in" filter="fade">
-                                      <p:cBhvr>
-                                        <p:cTn id="21" dur="500"/>
-                                        <p:tgtEl>
-                                          <p:spTgt spid="6"/>
-                                        </p:tgtEl>
-                                      </p:cBhvr>
-                                    </p:animEffect>
-                                    <p:anim calcmode="lin" valueType="num">
-                                      <p:cBhvr>
-                                        <p:cTn id="22" dur="500" fill="hold"/>
-                                        <p:tgtEl>
-                                          <p:spTgt spid="6"/>
-                                        </p:tgtEl>
-                                        <p:attrNameLst>
-                                          <p:attrName>ppt_x</p:attrName>
-                                        </p:attrNameLst>
-                                      </p:cBhvr>
-                                      <p:tavLst>
-                                        <p:tav tm="0">
-                                          <p:val>
-                                            <p:strVal val="#ppt_x"/>
-                                          </p:val>
-                                        </p:tav>
-                                        <p:tav tm="100000">
-                                          <p:val>
-                                            <p:strVal val="#ppt_x"/>
-                                          </p:val>
-                                        </p:tav>
-                                      </p:tavLst>
-                                    </p:anim>
-                                    <p:anim calcmode="lin" valueType="num">
-                                      <p:cBhvr>
-                                        <p:cTn id="23" dur="500" fill="hold"/>
-                                        <p:tgtEl>
-                                          <p:spTgt spid="6"/>
-                                        </p:tgtEl>
-                                        <p:attrNameLst>
-                                          <p:attrName>ppt_y</p:attrName>
-                                        </p:attrNameLst>
-                                      </p:cBhvr>
-                                      <p:tavLst>
-                                        <p:tav tm="0">
-                                          <p:val>
-                                            <p:strVal val="#ppt_y+.1"/>
-                                          </p:val>
-                                        </p:tav>
-                                        <p:tav tm="100000">
-                                          <p:val>
-                                            <p:strVal val="#ppt_y"/>
-                                          </p:val>
-                                        </p:tav>
-                                      </p:tavLst>
-                                    </p:anim>
-                                  </p:childTnLst>
-                                </p:cTn>
-                              </p:par>
-                              <p:par>
-                                <p:cTn id="24" presetID="42" presetClass="entr" presetSubtype="0" fill="hold" nodeType="withEffect">
+                                <p:cTn id="24" presetID="42" presetClass="entr" presetSubtype="0" fill="hold" grpId="0" nodeType="clickEffect">
                                   <p:stCondLst>
                                     <p:cond delay="0"/>
                                   </p:stCondLst>
@@ -11825,7 +11063,7 @@
                                           </p:stCondLst>
                                         </p:cTn>
                                         <p:tgtEl>
-                                          <p:spTgt spid="10"/>
+                                          <p:spTgt spid="12"/>
                                         </p:tgtEl>
                                         <p:attrNameLst>
                                           <p:attrName>style.visibility</p:attrName>
@@ -11839,7 +11077,7 @@
                                       <p:cBhvr>
                                         <p:cTn id="26" dur="500"/>
                                         <p:tgtEl>
-                                          <p:spTgt spid="10"/>
+                                          <p:spTgt spid="12"/>
                                         </p:tgtEl>
                                       </p:cBhvr>
                                     </p:animEffect>
@@ -11847,7 +11085,7 @@
                                       <p:cBhvr>
                                         <p:cTn id="27" dur="500" fill="hold"/>
                                         <p:tgtEl>
-                                          <p:spTgt spid="10"/>
+                                          <p:spTgt spid="12"/>
                                         </p:tgtEl>
                                         <p:attrNameLst>
                                           <p:attrName>ppt_x</p:attrName>
@@ -11870,7 +11108,7 @@
                                       <p:cBhvr>
                                         <p:cTn id="28" dur="500" fill="hold"/>
                                         <p:tgtEl>
-                                          <p:spTgt spid="10"/>
+                                          <p:spTgt spid="12"/>
                                         </p:tgtEl>
                                         <p:attrNameLst>
                                           <p:attrName>ppt_y</p:attrName>
@@ -12341,27 +11579,9 @@
                 <a:tableStyleId>{5C22544A-7EE6-4342-B048-85BDC9FD1C3A}</a:tableStyleId>
               </a:tblPr>
               <a:tblGrid>
-                <a:gridCol w="2709333">
-                  <a:extLst>
-                    <a:ext uri="{9D8B030D-6E8A-4147-A177-3AD203B41FA5}">
-                      <a16:colId xmlns:a16="http://schemas.microsoft.com/office/drawing/2014/main" val="20000"/>
-                    </a:ext>
-                  </a:extLst>
-                </a:gridCol>
-                <a:gridCol w="2709333">
-                  <a:extLst>
-                    <a:ext uri="{9D8B030D-6E8A-4147-A177-3AD203B41FA5}">
-                      <a16:colId xmlns:a16="http://schemas.microsoft.com/office/drawing/2014/main" val="20001"/>
-                    </a:ext>
-                  </a:extLst>
-                </a:gridCol>
-                <a:gridCol w="2709333">
-                  <a:extLst>
-                    <a:ext uri="{9D8B030D-6E8A-4147-A177-3AD203B41FA5}">
-                      <a16:colId xmlns:a16="http://schemas.microsoft.com/office/drawing/2014/main" val="20002"/>
-                    </a:ext>
-                  </a:extLst>
-                </a:gridCol>
+                <a:gridCol w="2709333"/>
+                <a:gridCol w="2709333"/>
+                <a:gridCol w="2709333"/>
               </a:tblGrid>
               <a:tr h="370840">
                 <a:tc>
@@ -12409,11 +11629,6 @@
                   </a:txBody>
                   <a:tcPr/>
                 </a:tc>
-                <a:extLst>
-                  <a:ext uri="{0D108BD9-81ED-4DB2-BD59-A6C34878D82A}">
-                    <a16:rowId xmlns:a16="http://schemas.microsoft.com/office/drawing/2014/main" val="10000"/>
-                  </a:ext>
-                </a:extLst>
               </a:tr>
               <a:tr h="370840">
                 <a:tc>
@@ -12461,11 +11676,6 @@
                   </a:txBody>
                   <a:tcPr/>
                 </a:tc>
-                <a:extLst>
-                  <a:ext uri="{0D108BD9-81ED-4DB2-BD59-A6C34878D82A}">
-                    <a16:rowId xmlns:a16="http://schemas.microsoft.com/office/drawing/2014/main" val="10001"/>
-                  </a:ext>
-                </a:extLst>
               </a:tr>
               <a:tr h="370840">
                 <a:tc>
@@ -12513,11 +11723,6 @@
                   </a:txBody>
                   <a:tcPr/>
                 </a:tc>
-                <a:extLst>
-                  <a:ext uri="{0D108BD9-81ED-4DB2-BD59-A6C34878D82A}">
-                    <a16:rowId xmlns:a16="http://schemas.microsoft.com/office/drawing/2014/main" val="10002"/>
-                  </a:ext>
-                </a:extLst>
               </a:tr>
               <a:tr h="370840">
                 <a:tc>
@@ -12565,11 +11770,6 @@
                   </a:txBody>
                   <a:tcPr/>
                 </a:tc>
-                <a:extLst>
-                  <a:ext uri="{0D108BD9-81ED-4DB2-BD59-A6C34878D82A}">
-                    <a16:rowId xmlns:a16="http://schemas.microsoft.com/office/drawing/2014/main" val="10003"/>
-                  </a:ext>
-                </a:extLst>
               </a:tr>
             </a:tbl>
           </a:graphicData>
@@ -12600,20 +11800,8 @@
                 <a:tableStyleId>{5C22544A-7EE6-4342-B048-85BDC9FD1C3A}</a:tableStyleId>
               </a:tblPr>
               <a:tblGrid>
-                <a:gridCol w="2709333">
-                  <a:extLst>
-                    <a:ext uri="{9D8B030D-6E8A-4147-A177-3AD203B41FA5}">
-                      <a16:colId xmlns:a16="http://schemas.microsoft.com/office/drawing/2014/main" val="20000"/>
-                    </a:ext>
-                  </a:extLst>
-                </a:gridCol>
-                <a:gridCol w="2709333">
-                  <a:extLst>
-                    <a:ext uri="{9D8B030D-6E8A-4147-A177-3AD203B41FA5}">
-                      <a16:colId xmlns:a16="http://schemas.microsoft.com/office/drawing/2014/main" val="20001"/>
-                    </a:ext>
-                  </a:extLst>
-                </a:gridCol>
+                <a:gridCol w="2709333"/>
+                <a:gridCol w="2709333"/>
               </a:tblGrid>
               <a:tr h="370840">
                 <a:tc>
@@ -12646,11 +11834,6 @@
                   </a:txBody>
                   <a:tcPr/>
                 </a:tc>
-                <a:extLst>
-                  <a:ext uri="{0D108BD9-81ED-4DB2-BD59-A6C34878D82A}">
-                    <a16:rowId xmlns:a16="http://schemas.microsoft.com/office/drawing/2014/main" val="10000"/>
-                  </a:ext>
-                </a:extLst>
               </a:tr>
               <a:tr h="370840">
                 <a:tc>
@@ -12683,11 +11866,6 @@
                   </a:txBody>
                   <a:tcPr/>
                 </a:tc>
-                <a:extLst>
-                  <a:ext uri="{0D108BD9-81ED-4DB2-BD59-A6C34878D82A}">
-                    <a16:rowId xmlns:a16="http://schemas.microsoft.com/office/drawing/2014/main" val="10001"/>
-                  </a:ext>
-                </a:extLst>
               </a:tr>
               <a:tr h="370840">
                 <a:tc>
@@ -12720,11 +11898,6 @@
                   </a:txBody>
                   <a:tcPr/>
                 </a:tc>
-                <a:extLst>
-                  <a:ext uri="{0D108BD9-81ED-4DB2-BD59-A6C34878D82A}">
-                    <a16:rowId xmlns:a16="http://schemas.microsoft.com/office/drawing/2014/main" val="10002"/>
-                  </a:ext>
-                </a:extLst>
               </a:tr>
             </a:tbl>
           </a:graphicData>
@@ -13320,20 +12493,8 @@
                 <a:tableStyleId>{5C22544A-7EE6-4342-B048-85BDC9FD1C3A}</a:tableStyleId>
               </a:tblPr>
               <a:tblGrid>
-                <a:gridCol w="1376680">
-                  <a:extLst>
-                    <a:ext uri="{9D8B030D-6E8A-4147-A177-3AD203B41FA5}">
-                      <a16:colId xmlns:a16="http://schemas.microsoft.com/office/drawing/2014/main" val="20000"/>
-                    </a:ext>
-                  </a:extLst>
-                </a:gridCol>
-                <a:gridCol w="1376680">
-                  <a:extLst>
-                    <a:ext uri="{9D8B030D-6E8A-4147-A177-3AD203B41FA5}">
-                      <a16:colId xmlns:a16="http://schemas.microsoft.com/office/drawing/2014/main" val="20001"/>
-                    </a:ext>
-                  </a:extLst>
-                </a:gridCol>
+                <a:gridCol w="1376680"/>
+                <a:gridCol w="1376680"/>
               </a:tblGrid>
               <a:tr h="370840">
                 <a:tc>
@@ -13366,11 +12527,6 @@
                   </a:txBody>
                   <a:tcPr/>
                 </a:tc>
-                <a:extLst>
-                  <a:ext uri="{0D108BD9-81ED-4DB2-BD59-A6C34878D82A}">
-                    <a16:rowId xmlns:a16="http://schemas.microsoft.com/office/drawing/2014/main" val="10000"/>
-                  </a:ext>
-                </a:extLst>
               </a:tr>
               <a:tr h="370840">
                 <a:tc>
@@ -13403,11 +12559,6 @@
                   </a:txBody>
                   <a:tcPr/>
                 </a:tc>
-                <a:extLst>
-                  <a:ext uri="{0D108BD9-81ED-4DB2-BD59-A6C34878D82A}">
-                    <a16:rowId xmlns:a16="http://schemas.microsoft.com/office/drawing/2014/main" val="10001"/>
-                  </a:ext>
-                </a:extLst>
               </a:tr>
               <a:tr h="370840">
                 <a:tc>
@@ -13440,11 +12591,6 @@
                   </a:txBody>
                   <a:tcPr/>
                 </a:tc>
-                <a:extLst>
-                  <a:ext uri="{0D108BD9-81ED-4DB2-BD59-A6C34878D82A}">
-                    <a16:rowId xmlns:a16="http://schemas.microsoft.com/office/drawing/2014/main" val="10002"/>
-                  </a:ext>
-                </a:extLst>
               </a:tr>
               <a:tr h="370840">
                 <a:tc>
@@ -13477,11 +12623,6 @@
                   </a:txBody>
                   <a:tcPr/>
                 </a:tc>
-                <a:extLst>
-                  <a:ext uri="{0D108BD9-81ED-4DB2-BD59-A6C34878D82A}">
-                    <a16:rowId xmlns:a16="http://schemas.microsoft.com/office/drawing/2014/main" val="10003"/>
-                  </a:ext>
-                </a:extLst>
               </a:tr>
             </a:tbl>
           </a:graphicData>
@@ -13512,20 +12653,8 @@
                 <a:tableStyleId>{5C22544A-7EE6-4342-B048-85BDC9FD1C3A}</a:tableStyleId>
               </a:tblPr>
               <a:tblGrid>
-                <a:gridCol w="1341121">
-                  <a:extLst>
-                    <a:ext uri="{9D8B030D-6E8A-4147-A177-3AD203B41FA5}">
-                      <a16:colId xmlns:a16="http://schemas.microsoft.com/office/drawing/2014/main" val="20000"/>
-                    </a:ext>
-                  </a:extLst>
-                </a:gridCol>
-                <a:gridCol w="1341121">
-                  <a:extLst>
-                    <a:ext uri="{9D8B030D-6E8A-4147-A177-3AD203B41FA5}">
-                      <a16:colId xmlns:a16="http://schemas.microsoft.com/office/drawing/2014/main" val="20001"/>
-                    </a:ext>
-                  </a:extLst>
-                </a:gridCol>
+                <a:gridCol w="1341121"/>
+                <a:gridCol w="1341121"/>
               </a:tblGrid>
               <a:tr h="370840">
                 <a:tc>
@@ -13558,11 +12687,6 @@
                   </a:txBody>
                   <a:tcPr/>
                 </a:tc>
-                <a:extLst>
-                  <a:ext uri="{0D108BD9-81ED-4DB2-BD59-A6C34878D82A}">
-                    <a16:rowId xmlns:a16="http://schemas.microsoft.com/office/drawing/2014/main" val="10000"/>
-                  </a:ext>
-                </a:extLst>
               </a:tr>
               <a:tr h="370840">
                 <a:tc>
@@ -13595,11 +12719,6 @@
                   </a:txBody>
                   <a:tcPr/>
                 </a:tc>
-                <a:extLst>
-                  <a:ext uri="{0D108BD9-81ED-4DB2-BD59-A6C34878D82A}">
-                    <a16:rowId xmlns:a16="http://schemas.microsoft.com/office/drawing/2014/main" val="10001"/>
-                  </a:ext>
-                </a:extLst>
               </a:tr>
               <a:tr h="370840">
                 <a:tc>
@@ -13632,11 +12751,6 @@
                   </a:txBody>
                   <a:tcPr/>
                 </a:tc>
-                <a:extLst>
-                  <a:ext uri="{0D108BD9-81ED-4DB2-BD59-A6C34878D82A}">
-                    <a16:rowId xmlns:a16="http://schemas.microsoft.com/office/drawing/2014/main" val="10002"/>
-                  </a:ext>
-                </a:extLst>
               </a:tr>
               <a:tr h="370840">
                 <a:tc>
@@ -13669,11 +12783,6 @@
                   </a:txBody>
                   <a:tcPr/>
                 </a:tc>
-                <a:extLst>
-                  <a:ext uri="{0D108BD9-81ED-4DB2-BD59-A6C34878D82A}">
-                    <a16:rowId xmlns:a16="http://schemas.microsoft.com/office/drawing/2014/main" val="10003"/>
-                  </a:ext>
-                </a:extLst>
               </a:tr>
             </a:tbl>
           </a:graphicData>
@@ -13704,20 +12813,8 @@
                 <a:tableStyleId>{5C22544A-7EE6-4342-B048-85BDC9FD1C3A}</a:tableStyleId>
               </a:tblPr>
               <a:tblGrid>
-                <a:gridCol w="2341880">
-                  <a:extLst>
-                    <a:ext uri="{9D8B030D-6E8A-4147-A177-3AD203B41FA5}">
-                      <a16:colId xmlns:a16="http://schemas.microsoft.com/office/drawing/2014/main" val="20000"/>
-                    </a:ext>
-                  </a:extLst>
-                </a:gridCol>
-                <a:gridCol w="2341880">
-                  <a:extLst>
-                    <a:ext uri="{9D8B030D-6E8A-4147-A177-3AD203B41FA5}">
-                      <a16:colId xmlns:a16="http://schemas.microsoft.com/office/drawing/2014/main" val="20001"/>
-                    </a:ext>
-                  </a:extLst>
-                </a:gridCol>
+                <a:gridCol w="2341880"/>
+                <a:gridCol w="2341880"/>
               </a:tblGrid>
               <a:tr h="370840">
                 <a:tc>
@@ -13750,11 +12847,6 @@
                   </a:txBody>
                   <a:tcPr/>
                 </a:tc>
-                <a:extLst>
-                  <a:ext uri="{0D108BD9-81ED-4DB2-BD59-A6C34878D82A}">
-                    <a16:rowId xmlns:a16="http://schemas.microsoft.com/office/drawing/2014/main" val="10000"/>
-                  </a:ext>
-                </a:extLst>
               </a:tr>
               <a:tr h="370840">
                 <a:tc>
@@ -13787,11 +12879,6 @@
                   </a:txBody>
                   <a:tcPr/>
                 </a:tc>
-                <a:extLst>
-                  <a:ext uri="{0D108BD9-81ED-4DB2-BD59-A6C34878D82A}">
-                    <a16:rowId xmlns:a16="http://schemas.microsoft.com/office/drawing/2014/main" val="10001"/>
-                  </a:ext>
-                </a:extLst>
               </a:tr>
               <a:tr h="370840">
                 <a:tc>
@@ -13824,11 +12911,6 @@
                   </a:txBody>
                   <a:tcPr/>
                 </a:tc>
-                <a:extLst>
-                  <a:ext uri="{0D108BD9-81ED-4DB2-BD59-A6C34878D82A}">
-                    <a16:rowId xmlns:a16="http://schemas.microsoft.com/office/drawing/2014/main" val="10002"/>
-                  </a:ext>
-                </a:extLst>
               </a:tr>
             </a:tbl>
           </a:graphicData>
@@ -15491,7 +14573,7 @@
         </p:blipFill>
         <p:spPr>
           <a:xfrm>
-            <a:off x="4581620" y="461792"/>
+            <a:off x="4490180" y="461792"/>
             <a:ext cx="3191320" cy="1228896"/>
           </a:xfrm>
         </p:spPr>
@@ -15675,8 +14757,8 @@
         </p:nvSpPr>
         <p:spPr>
           <a:xfrm>
-            <a:off x="838200" y="4117610"/>
-            <a:ext cx="8029353" cy="2677656"/>
+            <a:off x="838200" y="4452890"/>
+            <a:ext cx="8029353" cy="1938992"/>
           </a:xfrm>
           <a:prstGeom prst="rect">
             <a:avLst/>
@@ -15689,59 +14771,7 @@
           </a:bodyPr>
           <a:lstStyle/>
           <a:p>
-            <a:pPr marL="285750" indent="-285750">
-              <a:buFont typeface="Wingdings" panose="05000000000000000000" pitchFamily="2" charset="2"/>
-              <a:buChar char="ü"/>
-            </a:pPr>
-            <a:r>
-              <a:rPr lang="zh-CN" altLang="en-US" sz="2400" dirty="0">
-                <a:latin typeface="楷体" panose="02010609060101010101" pitchFamily="49" charset="-122"/>
-                <a:ea typeface="楷体" panose="02010609060101010101" pitchFamily="49" charset="-122"/>
-              </a:rPr>
-              <a:t>图查</a:t>
-            </a:r>
-            <a:r>
-              <a:rPr lang="zh-CN" altLang="en-US" sz="2400" dirty="0" smtClean="0">
-                <a:latin typeface="楷体" panose="02010609060101010101" pitchFamily="49" charset="-122"/>
-                <a:ea typeface="楷体" panose="02010609060101010101" pitchFamily="49" charset="-122"/>
-              </a:rPr>
-              <a:t>询语言 </a:t>
-            </a:r>
-            <a:r>
-              <a:rPr lang="en-US" altLang="zh-CN" sz="2400" dirty="0" smtClean="0">
-                <a:latin typeface="楷体" panose="02010609060101010101" pitchFamily="49" charset="-122"/>
-                <a:ea typeface="楷体" panose="02010609060101010101" pitchFamily="49" charset="-122"/>
-              </a:rPr>
-              <a:t>(</a:t>
-            </a:r>
-            <a:r>
-              <a:rPr lang="en-US" altLang="zh-CN" sz="2400" dirty="0" smtClean="0">
-                <a:latin typeface="Times New Roman" panose="02020603050405020304" pitchFamily="18" charset="0"/>
-                <a:ea typeface="楷体" panose="02010609060101010101" pitchFamily="49" charset="-122"/>
-                <a:cs typeface="Times New Roman" panose="02020603050405020304" pitchFamily="18" charset="0"/>
-              </a:rPr>
-              <a:t>cypher</a:t>
-            </a:r>
-            <a:r>
-              <a:rPr lang="en-US" altLang="zh-CN" sz="2400" dirty="0" smtClean="0">
-                <a:latin typeface="楷体" panose="02010609060101010101" pitchFamily="49" charset="-122"/>
-                <a:ea typeface="楷体" panose="02010609060101010101" pitchFamily="49" charset="-122"/>
-              </a:rPr>
-              <a:t>)</a:t>
-            </a:r>
-          </a:p>
-          <a:p>
-            <a:pPr marL="285750" indent="-285750">
-              <a:buFont typeface="Wingdings" panose="05000000000000000000" pitchFamily="2" charset="2"/>
-              <a:buChar char="ü"/>
-            </a:pPr>
-            <a:endParaRPr lang="en-US" altLang="zh-CN" sz="2400" dirty="0" smtClean="0">
-              <a:latin typeface="楷体" panose="02010609060101010101" pitchFamily="49" charset="-122"/>
-              <a:ea typeface="楷体" panose="02010609060101010101" pitchFamily="49" charset="-122"/>
-            </a:endParaRPr>
-          </a:p>
-          <a:p>
-            <a:pPr marL="285750" indent="-285750">
+            <a:pPr marL="342900" indent="-342900">
               <a:buFont typeface="Wingdings" panose="05000000000000000000" pitchFamily="2" charset="2"/>
               <a:buChar char="ü"/>
             </a:pPr>
@@ -15838,36 +14868,6 @@
           </a:p>
         </p:txBody>
       </p:sp>
-      <p:pic>
-        <p:nvPicPr>
-          <p:cNvPr id="9" name="图片 8"/>
-          <p:cNvPicPr>
-            <a:picLocks noChangeAspect="1"/>
-          </p:cNvPicPr>
-          <p:nvPr/>
-        </p:nvPicPr>
-        <p:blipFill>
-          <a:blip r:embed="rId4">
-            <a:extLst>
-              <a:ext uri="{28A0092B-C50C-407E-A947-70E740481C1C}">
-                <a14:useLocalDpi xmlns:a14="http://schemas.microsoft.com/office/drawing/2010/main" val="0"/>
-              </a:ext>
-            </a:extLst>
-          </a:blip>
-          <a:stretch>
-            <a:fillRect/>
-          </a:stretch>
-        </p:blipFill>
-        <p:spPr>
-          <a:xfrm>
-            <a:off x="5994400" y="2904149"/>
-            <a:ext cx="4439270" cy="1213462"/>
-          </a:xfrm>
-          <a:prstGeom prst="rect">
-            <a:avLst/>
-          </a:prstGeom>
-        </p:spPr>
-      </p:pic>
     </p:spTree>
     <p:extLst>
       <p:ext uri="{BB962C8B-B14F-4D97-AF65-F5344CB8AC3E}">
@@ -15976,51 +14976,6 @@
                       </p:childTnLst>
                     </p:cTn>
                   </p:par>
-                  <p:par>
-                    <p:cTn id="11" fill="hold">
-                      <p:stCondLst>
-                        <p:cond delay="indefinite"/>
-                      </p:stCondLst>
-                      <p:childTnLst>
-                        <p:par>
-                          <p:cTn id="12" fill="hold">
-                            <p:stCondLst>
-                              <p:cond delay="0"/>
-                            </p:stCondLst>
-                            <p:childTnLst>
-                              <p:par>
-                                <p:cTn id="13" presetID="1" presetClass="entr" presetSubtype="0" fill="hold" nodeType="clickEffect">
-                                  <p:stCondLst>
-                                    <p:cond delay="0"/>
-                                  </p:stCondLst>
-                                  <p:childTnLst>
-                                    <p:set>
-                                      <p:cBhvr>
-                                        <p:cTn id="14" dur="1" fill="hold">
-                                          <p:stCondLst>
-                                            <p:cond delay="0"/>
-                                          </p:stCondLst>
-                                        </p:cTn>
-                                        <p:tgtEl>
-                                          <p:spTgt spid="9"/>
-                                        </p:tgtEl>
-                                        <p:attrNameLst>
-                                          <p:attrName>style.visibility</p:attrName>
-                                        </p:attrNameLst>
-                                      </p:cBhvr>
-                                      <p:to>
-                                        <p:strVal val="visible"/>
-                                      </p:to>
-                                    </p:set>
-                                  </p:childTnLst>
-                                </p:cTn>
-                              </p:par>
-                            </p:childTnLst>
-                          </p:cTn>
-                        </p:par>
-                      </p:childTnLst>
-                    </p:cTn>
-                  </p:par>
                 </p:childTnLst>
               </p:cTn>
               <p:prevCondLst>
@@ -16077,6 +15032,389 @@
             <p:ph type="title"/>
           </p:nvPr>
         </p:nvSpPr>
+        <p:spPr/>
+        <p:txBody>
+          <a:bodyPr/>
+          <a:lstStyle/>
+          <a:p>
+            <a:r>
+              <a:rPr lang="en-US" altLang="zh-CN" dirty="0" smtClean="0">
+                <a:latin typeface="Times New Roman" panose="02020603050405020304" pitchFamily="18" charset="0"/>
+                <a:ea typeface="楷体" panose="02010609060101010101" pitchFamily="49" charset="-122"/>
+              </a:rPr>
+              <a:t>Neo4j</a:t>
+            </a:r>
+            <a:r>
+              <a:rPr lang="zh-CN" altLang="en-US" dirty="0" smtClean="0">
+                <a:latin typeface="Times New Roman" panose="02020603050405020304" pitchFamily="18" charset="0"/>
+                <a:ea typeface="楷体" panose="02010609060101010101" pitchFamily="49" charset="-122"/>
+              </a:rPr>
+              <a:t>查询（</a:t>
+            </a:r>
+            <a:r>
+              <a:rPr lang="en-US" altLang="zh-CN" dirty="0" smtClean="0">
+                <a:latin typeface="Times New Roman" panose="02020603050405020304" pitchFamily="18" charset="0"/>
+                <a:ea typeface="楷体" panose="02010609060101010101" pitchFamily="49" charset="-122"/>
+              </a:rPr>
+              <a:t>Cypher</a:t>
+            </a:r>
+            <a:r>
+              <a:rPr lang="zh-CN" altLang="en-US" dirty="0" smtClean="0">
+                <a:latin typeface="Times New Roman" panose="02020603050405020304" pitchFamily="18" charset="0"/>
+                <a:ea typeface="楷体" panose="02010609060101010101" pitchFamily="49" charset="-122"/>
+              </a:rPr>
+              <a:t>）</a:t>
+            </a:r>
+            <a:endParaRPr lang="zh-CN" altLang="en-US" dirty="0">
+              <a:latin typeface="Times New Roman" panose="02020603050405020304" pitchFamily="18" charset="0"/>
+              <a:ea typeface="楷体" panose="02010609060101010101" pitchFamily="49" charset="-122"/>
+            </a:endParaRPr>
+          </a:p>
+        </p:txBody>
+      </p:sp>
+      <p:pic>
+        <p:nvPicPr>
+          <p:cNvPr id="4" name="内容占位符 3"/>
+          <p:cNvPicPr>
+            <a:picLocks noGrp="1" noChangeAspect="1"/>
+          </p:cNvPicPr>
+          <p:nvPr>
+            <p:ph idx="1"/>
+          </p:nvPr>
+        </p:nvPicPr>
+        <p:blipFill>
+          <a:blip r:embed="rId3">
+            <a:extLst>
+              <a:ext uri="{28A0092B-C50C-407E-A947-70E740481C1C}">
+                <a14:useLocalDpi xmlns:a14="http://schemas.microsoft.com/office/drawing/2010/main" val="0"/>
+              </a:ext>
+            </a:extLst>
+          </a:blip>
+          <a:stretch>
+            <a:fillRect/>
+          </a:stretch>
+        </p:blipFill>
+        <p:spPr>
+          <a:xfrm>
+            <a:off x="6645863" y="139065"/>
+            <a:ext cx="3808777" cy="3528695"/>
+          </a:xfrm>
+          <a:prstGeom prst="rect">
+            <a:avLst/>
+          </a:prstGeom>
+        </p:spPr>
+      </p:pic>
+      <p:sp>
+        <p:nvSpPr>
+          <p:cNvPr id="5" name="文本框 4"/>
+          <p:cNvSpPr txBox="1"/>
+          <p:nvPr/>
+        </p:nvSpPr>
+        <p:spPr>
+          <a:xfrm>
+            <a:off x="716280" y="3293655"/>
+            <a:ext cx="9869294" cy="1200329"/>
+          </a:xfrm>
+          <a:prstGeom prst="rect">
+            <a:avLst/>
+          </a:prstGeom>
+          <a:noFill/>
+        </p:spPr>
+        <p:txBody>
+          <a:bodyPr wrap="square" rtlCol="0">
+            <a:spAutoFit/>
+          </a:bodyPr>
+          <a:lstStyle/>
+          <a:p>
+            <a:r>
+              <a:rPr lang="en-US" altLang="zh-CN" sz="2400" dirty="0">
+                <a:solidFill>
+                  <a:srgbClr val="00B0F0"/>
+                </a:solidFill>
+                <a:latin typeface="Courier New" panose="02070309020205020404" pitchFamily="49" charset="0"/>
+                <a:cs typeface="Courier New" panose="02070309020205020404" pitchFamily="49" charset="0"/>
+              </a:rPr>
+              <a:t>match</a:t>
+            </a:r>
+            <a:r>
+              <a:rPr lang="en-US" altLang="zh-CN" sz="2400" dirty="0">
+                <a:latin typeface="Courier New" panose="02070309020205020404" pitchFamily="49" charset="0"/>
+                <a:cs typeface="Courier New" panose="02070309020205020404" pitchFamily="49" charset="0"/>
+              </a:rPr>
+              <a:t> (p1:person), (p2:person)</a:t>
+            </a:r>
+          </a:p>
+          <a:p>
+            <a:r>
+              <a:rPr lang="en-US" altLang="zh-CN" sz="2400" dirty="0">
+                <a:solidFill>
+                  <a:srgbClr val="00B0F0"/>
+                </a:solidFill>
+                <a:latin typeface="Courier New" panose="02070309020205020404" pitchFamily="49" charset="0"/>
+                <a:cs typeface="Courier New" panose="02070309020205020404" pitchFamily="49" charset="0"/>
+              </a:rPr>
+              <a:t>where</a:t>
+            </a:r>
+            <a:r>
+              <a:rPr lang="en-US" altLang="zh-CN" sz="2400" dirty="0">
+                <a:latin typeface="Courier New" panose="02070309020205020404" pitchFamily="49" charset="0"/>
+                <a:cs typeface="Courier New" panose="02070309020205020404" pitchFamily="49" charset="0"/>
+              </a:rPr>
+              <a:t> (p1)-[:</a:t>
+            </a:r>
+            <a:r>
+              <a:rPr lang="en-US" altLang="zh-CN" sz="2400" dirty="0" err="1">
+                <a:latin typeface="Courier New" panose="02070309020205020404" pitchFamily="49" charset="0"/>
+                <a:cs typeface="Courier New" panose="02070309020205020404" pitchFamily="49" charset="0"/>
+              </a:rPr>
+              <a:t>fatherof</a:t>
+            </a:r>
+            <a:r>
+              <a:rPr lang="en-US" altLang="zh-CN" sz="2400" dirty="0">
+                <a:latin typeface="Courier New" panose="02070309020205020404" pitchFamily="49" charset="0"/>
+                <a:cs typeface="Courier New" panose="02070309020205020404" pitchFamily="49" charset="0"/>
+              </a:rPr>
+              <a:t>]-&gt;(:person)-[:</a:t>
+            </a:r>
+            <a:r>
+              <a:rPr lang="en-US" altLang="zh-CN" sz="2400" dirty="0" err="1">
+                <a:latin typeface="Courier New" panose="02070309020205020404" pitchFamily="49" charset="0"/>
+                <a:cs typeface="Courier New" panose="02070309020205020404" pitchFamily="49" charset="0"/>
+              </a:rPr>
+              <a:t>fatherof</a:t>
+            </a:r>
+            <a:r>
+              <a:rPr lang="en-US" altLang="zh-CN" sz="2400" dirty="0">
+                <a:latin typeface="Courier New" panose="02070309020205020404" pitchFamily="49" charset="0"/>
+                <a:cs typeface="Courier New" panose="02070309020205020404" pitchFamily="49" charset="0"/>
+              </a:rPr>
+              <a:t>]-&gt;(p2)</a:t>
+            </a:r>
+          </a:p>
+          <a:p>
+            <a:r>
+              <a:rPr lang="en-US" altLang="zh-CN" sz="2400" dirty="0">
+                <a:solidFill>
+                  <a:srgbClr val="00B0F0"/>
+                </a:solidFill>
+                <a:latin typeface="Courier New" panose="02070309020205020404" pitchFamily="49" charset="0"/>
+                <a:cs typeface="Courier New" panose="02070309020205020404" pitchFamily="49" charset="0"/>
+              </a:rPr>
+              <a:t>return</a:t>
+            </a:r>
+            <a:r>
+              <a:rPr lang="en-US" altLang="zh-CN" sz="2400" dirty="0">
+                <a:latin typeface="Courier New" panose="02070309020205020404" pitchFamily="49" charset="0"/>
+                <a:cs typeface="Courier New" panose="02070309020205020404" pitchFamily="49" charset="0"/>
+              </a:rPr>
+              <a:t> p1, p2</a:t>
+            </a:r>
+            <a:endParaRPr lang="zh-CN" altLang="en-US" sz="2400" dirty="0">
+              <a:latin typeface="Courier New" panose="02070309020205020404" pitchFamily="49" charset="0"/>
+              <a:cs typeface="Courier New" panose="02070309020205020404" pitchFamily="49" charset="0"/>
+            </a:endParaRPr>
+          </a:p>
+        </p:txBody>
+      </p:sp>
+      <p:pic>
+        <p:nvPicPr>
+          <p:cNvPr id="8" name="图片 7"/>
+          <p:cNvPicPr>
+            <a:picLocks noChangeAspect="1"/>
+          </p:cNvPicPr>
+          <p:nvPr/>
+        </p:nvPicPr>
+        <p:blipFill>
+          <a:blip r:embed="rId4">
+            <a:extLst>
+              <a:ext uri="{28A0092B-C50C-407E-A947-70E740481C1C}">
+                <a14:useLocalDpi xmlns:a14="http://schemas.microsoft.com/office/drawing/2010/main" val="0"/>
+              </a:ext>
+            </a:extLst>
+          </a:blip>
+          <a:stretch>
+            <a:fillRect/>
+          </a:stretch>
+        </p:blipFill>
+        <p:spPr>
+          <a:xfrm>
+            <a:off x="716280" y="5084361"/>
+            <a:ext cx="8811855" cy="1200318"/>
+          </a:xfrm>
+          <a:prstGeom prst="rect">
+            <a:avLst/>
+          </a:prstGeom>
+        </p:spPr>
+      </p:pic>
+    </p:spTree>
+    <p:extLst>
+      <p:ext uri="{BB962C8B-B14F-4D97-AF65-F5344CB8AC3E}">
+        <p14:creationId xmlns:p14="http://schemas.microsoft.com/office/powerpoint/2010/main" val="996027058"/>
+      </p:ext>
+    </p:extLst>
+  </p:cSld>
+  <p:clrMapOvr>
+    <a:masterClrMapping/>
+  </p:clrMapOvr>
+  <p:timing>
+    <p:tnLst>
+      <p:par>
+        <p:cTn id="1" dur="indefinite" restart="never" nodeType="tmRoot">
+          <p:childTnLst>
+            <p:seq concurrent="1" nextAc="seek">
+              <p:cTn id="2" dur="indefinite" nodeType="mainSeq">
+                <p:childTnLst>
+                  <p:par>
+                    <p:cTn id="3" fill="hold">
+                      <p:stCondLst>
+                        <p:cond delay="indefinite"/>
+                      </p:stCondLst>
+                      <p:childTnLst>
+                        <p:par>
+                          <p:cTn id="4" fill="hold">
+                            <p:stCondLst>
+                              <p:cond delay="0"/>
+                            </p:stCondLst>
+                            <p:childTnLst>
+                              <p:par>
+                                <p:cTn id="5" presetID="42" presetClass="entr" presetSubtype="0" fill="hold" nodeType="clickEffect">
+                                  <p:stCondLst>
+                                    <p:cond delay="0"/>
+                                  </p:stCondLst>
+                                  <p:childTnLst>
+                                    <p:set>
+                                      <p:cBhvr>
+                                        <p:cTn id="6" dur="1" fill="hold">
+                                          <p:stCondLst>
+                                            <p:cond delay="0"/>
+                                          </p:stCondLst>
+                                        </p:cTn>
+                                        <p:tgtEl>
+                                          <p:spTgt spid="8"/>
+                                        </p:tgtEl>
+                                        <p:attrNameLst>
+                                          <p:attrName>style.visibility</p:attrName>
+                                        </p:attrNameLst>
+                                      </p:cBhvr>
+                                      <p:to>
+                                        <p:strVal val="visible"/>
+                                      </p:to>
+                                    </p:set>
+                                    <p:animEffect transition="in" filter="fade">
+                                      <p:cBhvr>
+                                        <p:cTn id="7" dur="500"/>
+                                        <p:tgtEl>
+                                          <p:spTgt spid="8"/>
+                                        </p:tgtEl>
+                                      </p:cBhvr>
+                                    </p:animEffect>
+                                    <p:anim calcmode="lin" valueType="num">
+                                      <p:cBhvr>
+                                        <p:cTn id="8" dur="500" fill="hold"/>
+                                        <p:tgtEl>
+                                          <p:spTgt spid="8"/>
+                                        </p:tgtEl>
+                                        <p:attrNameLst>
+                                          <p:attrName>ppt_x</p:attrName>
+                                        </p:attrNameLst>
+                                      </p:cBhvr>
+                                      <p:tavLst>
+                                        <p:tav tm="0">
+                                          <p:val>
+                                            <p:strVal val="#ppt_x"/>
+                                          </p:val>
+                                        </p:tav>
+                                        <p:tav tm="100000">
+                                          <p:val>
+                                            <p:strVal val="#ppt_x"/>
+                                          </p:val>
+                                        </p:tav>
+                                      </p:tavLst>
+                                    </p:anim>
+                                    <p:anim calcmode="lin" valueType="num">
+                                      <p:cBhvr>
+                                        <p:cTn id="9" dur="500" fill="hold"/>
+                                        <p:tgtEl>
+                                          <p:spTgt spid="8"/>
+                                        </p:tgtEl>
+                                        <p:attrNameLst>
+                                          <p:attrName>ppt_y</p:attrName>
+                                        </p:attrNameLst>
+                                      </p:cBhvr>
+                                      <p:tavLst>
+                                        <p:tav tm="0">
+                                          <p:val>
+                                            <p:strVal val="#ppt_y+.1"/>
+                                          </p:val>
+                                        </p:tav>
+                                        <p:tav tm="100000">
+                                          <p:val>
+                                            <p:strVal val="#ppt_y"/>
+                                          </p:val>
+                                        </p:tav>
+                                      </p:tavLst>
+                                    </p:anim>
+                                  </p:childTnLst>
+                                </p:cTn>
+                              </p:par>
+                            </p:childTnLst>
+                          </p:cTn>
+                        </p:par>
+                      </p:childTnLst>
+                    </p:cTn>
+                  </p:par>
+                </p:childTnLst>
+              </p:cTn>
+              <p:prevCondLst>
+                <p:cond evt="onPrev" delay="0">
+                  <p:tgtEl>
+                    <p:sldTgt/>
+                  </p:tgtEl>
+                </p:cond>
+              </p:prevCondLst>
+              <p:nextCondLst>
+                <p:cond evt="onNext" delay="0">
+                  <p:tgtEl>
+                    <p:sldTgt/>
+                  </p:tgtEl>
+                </p:cond>
+              </p:nextCondLst>
+            </p:seq>
+          </p:childTnLst>
+        </p:cTn>
+      </p:par>
+    </p:tnLst>
+  </p:timing>
+</p:sld>
+</file>
+
+<file path=ppt/slides/slide26.xml><?xml version="1.0" encoding="utf-8"?>
+<p:sld xmlns:a="http://schemas.openxmlformats.org/drawingml/2006/main" xmlns:r="http://schemas.openxmlformats.org/officeDocument/2006/relationships" xmlns:p="http://schemas.openxmlformats.org/presentationml/2006/main">
+  <p:cSld>
+    <p:spTree>
+      <p:nvGrpSpPr>
+        <p:cNvPr id="1" name=""/>
+        <p:cNvGrpSpPr/>
+        <p:nvPr/>
+      </p:nvGrpSpPr>
+      <p:grpSpPr>
+        <a:xfrm>
+          <a:off x="0" y="0"/>
+          <a:ext cx="0" cy="0"/>
+          <a:chOff x="0" y="0"/>
+          <a:chExt cx="0" cy="0"/>
+        </a:xfrm>
+      </p:grpSpPr>
+      <p:sp>
+        <p:nvSpPr>
+          <p:cNvPr id="2" name="标题 1"/>
+          <p:cNvSpPr>
+            <a:spLocks noGrp="1"/>
+          </p:cNvSpPr>
+          <p:nvPr>
+            <p:ph type="title"/>
+          </p:nvPr>
+        </p:nvSpPr>
         <p:spPr>
           <a:xfrm>
             <a:off x="838200" y="121285"/>
@@ -16390,7 +15728,7 @@
 </p:sld>
 </file>
 
-<file path=ppt/slides/slide26.xml><?xml version="1.0" encoding="utf-8"?>
+<file path=ppt/slides/slide27.xml><?xml version="1.0" encoding="utf-8"?>
 <p:sld xmlns:a="http://schemas.openxmlformats.org/drawingml/2006/main" xmlns:r="http://schemas.openxmlformats.org/officeDocument/2006/relationships" xmlns:p="http://schemas.openxmlformats.org/presentationml/2006/main">
   <p:cSld>
     <p:spTree>
@@ -16473,7 +15811,7 @@
 </p:sld>
 </file>
 
-<file path=ppt/slides/slide27.xml><?xml version="1.0" encoding="utf-8"?>
+<file path=ppt/slides/slide28.xml><?xml version="1.0" encoding="utf-8"?>
 <p:sld xmlns:a="http://schemas.openxmlformats.org/drawingml/2006/main" xmlns:r="http://schemas.openxmlformats.org/officeDocument/2006/relationships" xmlns:p="http://schemas.openxmlformats.org/presentationml/2006/main">
   <p:cSld>
     <p:spTree>
@@ -16893,7 +16231,7 @@
 </p:sld>
 </file>
 
-<file path=ppt/slides/slide28.xml><?xml version="1.0" encoding="utf-8"?>
+<file path=ppt/slides/slide29.xml><?xml version="1.0" encoding="utf-8"?>
 <p:sld xmlns:a="http://schemas.openxmlformats.org/drawingml/2006/main" xmlns:r="http://schemas.openxmlformats.org/officeDocument/2006/relationships" xmlns:p="http://schemas.openxmlformats.org/presentationml/2006/main">
   <p:cSld>
     <p:spTree>
@@ -16946,106 +16284,13 @@
       </p:sp>
       <p:sp>
         <p:nvSpPr>
-          <p:cNvPr id="3" name="内容占位符 2"/>
-          <p:cNvSpPr>
-            <a:spLocks noGrp="1"/>
-          </p:cNvSpPr>
-          <p:nvPr>
-            <p:ph idx="1"/>
-          </p:nvPr>
-        </p:nvSpPr>
-        <p:spPr>
-          <a:xfrm>
-            <a:off x="1056640" y="2384425"/>
-            <a:ext cx="10515600" cy="1608455"/>
-          </a:xfrm>
-        </p:spPr>
-        <p:txBody>
-          <a:bodyPr/>
-          <a:lstStyle/>
-          <a:p>
-            <a:pPr>
-              <a:lnSpc>
-                <a:spcPct val="150000"/>
-              </a:lnSpc>
-            </a:pPr>
-            <a:r>
-              <a:rPr lang="zh-CN" altLang="en-US" dirty="0" smtClean="0">
-                <a:latin typeface="Times New Roman" panose="02020603050405020304" pitchFamily="18" charset="0"/>
-                <a:ea typeface="楷体" panose="02010609060101010101" pitchFamily="49" charset="-122"/>
-              </a:rPr>
-              <a:t>将</a:t>
-            </a:r>
-            <a:r>
-              <a:rPr lang="en-US" altLang="zh-CN" dirty="0" smtClean="0">
-                <a:latin typeface="Times New Roman" panose="02020603050405020304" pitchFamily="18" charset="0"/>
-                <a:ea typeface="楷体" panose="02010609060101010101" pitchFamily="49" charset="-122"/>
-              </a:rPr>
-              <a:t>RDF</a:t>
-            </a:r>
-            <a:r>
-              <a:rPr lang="zh-CN" altLang="en-US" dirty="0" smtClean="0">
-                <a:latin typeface="Times New Roman" panose="02020603050405020304" pitchFamily="18" charset="0"/>
-                <a:ea typeface="楷体" panose="02010609060101010101" pitchFamily="49" charset="-122"/>
-              </a:rPr>
-              <a:t>数据图的邻接表载入</a:t>
-            </a:r>
-            <a:r>
-              <a:rPr lang="en-US" altLang="zh-CN" dirty="0" smtClean="0">
-                <a:latin typeface="Times New Roman" panose="02020603050405020304" pitchFamily="18" charset="0"/>
-                <a:ea typeface="楷体" panose="02010609060101010101" pitchFamily="49" charset="-122"/>
-              </a:rPr>
-              <a:t>Trinity</a:t>
-            </a:r>
-            <a:r>
-              <a:rPr lang="zh-CN" altLang="en-US" dirty="0" smtClean="0">
-                <a:latin typeface="Times New Roman" panose="02020603050405020304" pitchFamily="18" charset="0"/>
-                <a:ea typeface="楷体" panose="02010609060101010101" pitchFamily="49" charset="-122"/>
-              </a:rPr>
-              <a:t>的内存云中。</a:t>
-            </a:r>
-            <a:endParaRPr lang="en-US" altLang="zh-CN" dirty="0">
-              <a:latin typeface="Times New Roman" panose="02020603050405020304" pitchFamily="18" charset="0"/>
-              <a:ea typeface="楷体" panose="02010609060101010101" pitchFamily="49" charset="-122"/>
-            </a:endParaRPr>
-          </a:p>
-          <a:p>
-            <a:pPr>
-              <a:lnSpc>
-                <a:spcPct val="150000"/>
-              </a:lnSpc>
-            </a:pPr>
-            <a:r>
-              <a:rPr lang="zh-CN" altLang="en-US" dirty="0" smtClean="0">
-                <a:latin typeface="Times New Roman" panose="02020603050405020304" pitchFamily="18" charset="0"/>
-                <a:ea typeface="楷体" panose="02010609060101010101" pitchFamily="49" charset="-122"/>
-              </a:rPr>
-              <a:t>对查询图每个变量的候选点进行图探索，直到得到解</a:t>
-            </a:r>
-            <a:r>
-              <a:rPr lang="zh-CN" altLang="en-US" dirty="0" smtClean="0">
-                <a:latin typeface="Times New Roman" panose="02020603050405020304" pitchFamily="18" charset="0"/>
-              </a:rPr>
-              <a:t>。</a:t>
-            </a:r>
-            <a:endParaRPr lang="en-US" altLang="zh-CN" dirty="0">
-              <a:latin typeface="Times New Roman" panose="02020603050405020304" pitchFamily="18" charset="0"/>
-            </a:endParaRPr>
-          </a:p>
-          <a:p>
-            <a:endParaRPr lang="zh-CN" altLang="en-US" dirty="0"/>
-          </a:p>
-        </p:txBody>
-      </p:sp>
-      <p:sp>
-        <p:nvSpPr>
           <p:cNvPr id="4" name="文本框 3"/>
           <p:cNvSpPr txBox="1"/>
           <p:nvPr/>
         </p:nvSpPr>
         <p:spPr>
           <a:xfrm>
-            <a:off x="873760" y="1617781"/>
+            <a:off x="873760" y="1869808"/>
             <a:ext cx="10281920" cy="553998"/>
           </a:xfrm>
           <a:prstGeom prst="rect">
@@ -17071,9 +16316,16 @@
                 <a:latin typeface="Times New Roman" panose="02020603050405020304" pitchFamily="18" charset="0"/>
                 <a:ea typeface="楷体" panose="02010609060101010101" pitchFamily="49" charset="-122"/>
               </a:rPr>
-              <a:t>是微软开发的一个基于内存的分布式图数据管理系统</a:t>
-            </a:r>
-            <a:endParaRPr lang="zh-CN" altLang="en-US" sz="3000" dirty="0">
+              <a:t>是微软开发的一个基于内存的分布式图数据管理系</a:t>
+            </a:r>
+            <a:r>
+              <a:rPr lang="zh-CN" altLang="en-US" sz="3000" dirty="0" smtClean="0">
+                <a:latin typeface="Times New Roman" panose="02020603050405020304" pitchFamily="18" charset="0"/>
+                <a:ea typeface="楷体" panose="02010609060101010101" pitchFamily="49" charset="-122"/>
+              </a:rPr>
+              <a:t>统</a:t>
+            </a:r>
+            <a:endParaRPr lang="en-US" altLang="zh-CN" sz="3000" dirty="0" smtClean="0">
               <a:latin typeface="Times New Roman" panose="02020603050405020304" pitchFamily="18" charset="0"/>
               <a:ea typeface="楷体" panose="02010609060101010101" pitchFamily="49" charset="-122"/>
             </a:endParaRPr>
@@ -17082,14 +16334,14 @@
       </p:sp>
       <p:sp>
         <p:nvSpPr>
-          <p:cNvPr id="5" name="文本框 4"/>
+          <p:cNvPr id="7" name="文本框 6"/>
           <p:cNvSpPr txBox="1"/>
           <p:nvPr/>
         </p:nvSpPr>
         <p:spPr>
           <a:xfrm>
-            <a:off x="1452880" y="4409440"/>
-            <a:ext cx="9784080" cy="1754326"/>
+            <a:off x="782320" y="3181272"/>
+            <a:ext cx="3525520" cy="523220"/>
           </a:xfrm>
           <a:prstGeom prst="rect">
             <a:avLst/>
@@ -17102,151 +16354,194 @@
           </a:bodyPr>
           <a:lstStyle/>
           <a:p>
-            <a:pPr marL="285750" indent="-285750">
-              <a:lnSpc>
-                <a:spcPct val="150000"/>
-              </a:lnSpc>
-              <a:buFont typeface="Wingdings" panose="05000000000000000000" pitchFamily="2" charset="2"/>
-              <a:buChar char="u"/>
-            </a:pPr>
-            <a:r>
-              <a:rPr lang="zh-CN" altLang="en-US" sz="2400" dirty="0" smtClean="0">
+            <a:r>
+              <a:rPr lang="zh-CN" altLang="en-US" sz="2800" dirty="0">
                 <a:latin typeface="Times New Roman" panose="02020603050405020304" pitchFamily="18" charset="0"/>
                 <a:ea typeface="楷体" panose="02010609060101010101" pitchFamily="49" charset="-122"/>
               </a:rPr>
-              <a:t>检查查询图中变量</a:t>
-            </a:r>
-            <a:r>
-              <a:rPr lang="en-US" altLang="zh-CN" sz="2400" dirty="0" smtClean="0">
+              <a:t>邻接</a:t>
+            </a:r>
+            <a:r>
+              <a:rPr lang="zh-CN" altLang="en-US" sz="2800" dirty="0" smtClean="0">
                 <a:latin typeface="Times New Roman" panose="02020603050405020304" pitchFamily="18" charset="0"/>
                 <a:ea typeface="楷体" panose="02010609060101010101" pitchFamily="49" charset="-122"/>
               </a:rPr>
-              <a:t>v</a:t>
-            </a:r>
-            <a:r>
-              <a:rPr lang="zh-CN" altLang="en-US" sz="2400" dirty="0" smtClean="0">
-                <a:latin typeface="Times New Roman" panose="02020603050405020304" pitchFamily="18" charset="0"/>
-                <a:ea typeface="楷体" panose="02010609060101010101" pitchFamily="49" charset="-122"/>
-              </a:rPr>
-              <a:t>的候选点</a:t>
-            </a:r>
-            <a:r>
-              <a:rPr lang="en-US" altLang="zh-CN" sz="2400" dirty="0" smtClean="0">
-                <a:latin typeface="Times New Roman" panose="02020603050405020304" pitchFamily="18" charset="0"/>
-                <a:ea typeface="楷体" panose="02010609060101010101" pitchFamily="49" charset="-122"/>
-              </a:rPr>
-              <a:t>u</a:t>
-            </a:r>
-            <a:r>
-              <a:rPr lang="zh-CN" altLang="en-US" sz="2400" dirty="0" smtClean="0">
-                <a:latin typeface="Times New Roman" panose="02020603050405020304" pitchFamily="18" charset="0"/>
-                <a:ea typeface="楷体" panose="02010609060101010101" pitchFamily="49" charset="-122"/>
-              </a:rPr>
-              <a:t>的邻居是否满足</a:t>
-            </a:r>
-            <a:r>
-              <a:rPr lang="en-US" altLang="zh-CN" sz="2400" dirty="0" smtClean="0">
-                <a:latin typeface="Times New Roman" panose="02020603050405020304" pitchFamily="18" charset="0"/>
-                <a:ea typeface="楷体" panose="02010609060101010101" pitchFamily="49" charset="-122"/>
-              </a:rPr>
-              <a:t>v</a:t>
-            </a:r>
-            <a:r>
-              <a:rPr lang="zh-CN" altLang="en-US" sz="2400" dirty="0" smtClean="0">
-                <a:latin typeface="Times New Roman" panose="02020603050405020304" pitchFamily="18" charset="0"/>
-                <a:ea typeface="楷体" panose="02010609060101010101" pitchFamily="49" charset="-122"/>
-              </a:rPr>
-              <a:t>在查询图中邻居的条件</a:t>
-            </a:r>
-            <a:endParaRPr lang="en-US" altLang="zh-CN" sz="2400" dirty="0" smtClean="0">
+              <a:t>表存储</a:t>
+            </a:r>
+            <a:endParaRPr lang="zh-CN" altLang="en-US" sz="2800" dirty="0">
               <a:latin typeface="Times New Roman" panose="02020603050405020304" pitchFamily="18" charset="0"/>
               <a:ea typeface="楷体" panose="02010609060101010101" pitchFamily="49" charset="-122"/>
             </a:endParaRPr>
           </a:p>
-          <a:p>
-            <a:pPr marL="285750" indent="-285750">
-              <a:lnSpc>
-                <a:spcPct val="150000"/>
-              </a:lnSpc>
-              <a:buFont typeface="Wingdings" panose="05000000000000000000" pitchFamily="2" charset="2"/>
-              <a:buChar char="u"/>
-            </a:pPr>
-            <a:r>
-              <a:rPr lang="zh-CN" altLang="en-US" sz="2400" dirty="0">
+        </p:txBody>
+      </p:sp>
+      <p:graphicFrame>
+        <p:nvGraphicFramePr>
+          <p:cNvPr id="9" name="对象 8"/>
+          <p:cNvGraphicFramePr>
+            <a:graphicFrameLocks noChangeAspect="1"/>
+          </p:cNvGraphicFramePr>
+          <p:nvPr>
+            <p:extLst>
+              <p:ext uri="{D42A27DB-BD31-4B8C-83A1-F6EECF244321}">
+                <p14:modId xmlns:p14="http://schemas.microsoft.com/office/powerpoint/2010/main" val="3292561751"/>
+              </p:ext>
+            </p:extLst>
+          </p:nvPr>
+        </p:nvGraphicFramePr>
+        <p:xfrm>
+          <a:off x="873759" y="3919451"/>
+          <a:ext cx="10281921" cy="684613"/>
+        </p:xfrm>
+        <a:graphic>
+          <a:graphicData uri="http://schemas.openxmlformats.org/presentationml/2006/ole">
+            <mc:AlternateContent xmlns:mc="http://schemas.openxmlformats.org/markup-compatibility/2006">
+              <mc:Choice xmlns:v="urn:schemas-microsoft-com:vml" Requires="v">
+                <p:oleObj spid="_x0000_s1030" name="Equation" r:id="rId4" imgW="3543120" imgH="203040" progId="Equation.DSMT4">
+                  <p:embed/>
+                </p:oleObj>
+              </mc:Choice>
+              <mc:Fallback>
+                <p:oleObj name="Equation" r:id="rId4" imgW="3543120" imgH="203040" progId="Equation.DSMT4">
+                  <p:embed/>
+                  <p:pic>
+                    <p:nvPicPr>
+                      <p:cNvPr id="0" name=""/>
+                      <p:cNvPicPr/>
+                      <p:nvPr/>
+                    </p:nvPicPr>
+                    <p:blipFill>
+                      <a:blip r:embed="rId5"/>
+                      <a:stretch>
+                        <a:fillRect/>
+                      </a:stretch>
+                    </p:blipFill>
+                    <p:spPr>
+                      <a:xfrm>
+                        <a:off x="873759" y="3919451"/>
+                        <a:ext cx="10281921" cy="684613"/>
+                      </a:xfrm>
+                      <a:prstGeom prst="rect">
+                        <a:avLst/>
+                      </a:prstGeom>
+                    </p:spPr>
+                  </p:pic>
+                </p:oleObj>
+              </mc:Fallback>
+            </mc:AlternateContent>
+          </a:graphicData>
+        </a:graphic>
+      </p:graphicFrame>
+      <p:sp>
+        <p:nvSpPr>
+          <p:cNvPr id="10" name="文本框 9"/>
+          <p:cNvSpPr txBox="1"/>
+          <p:nvPr/>
+        </p:nvSpPr>
+        <p:spPr>
+          <a:xfrm>
+            <a:off x="990599" y="1234748"/>
+            <a:ext cx="8417561" cy="369332"/>
+          </a:xfrm>
+          <a:prstGeom prst="rect">
+            <a:avLst/>
+          </a:prstGeom>
+          <a:noFill/>
+        </p:spPr>
+        <p:txBody>
+          <a:bodyPr wrap="square" rtlCol="0">
+            <a:spAutoFit/>
+          </a:bodyPr>
+          <a:lstStyle/>
+          <a:p>
+            <a:r>
+              <a:rPr lang="en-US" altLang="zh-CN" dirty="0">
                 <a:latin typeface="Times New Roman" panose="02020603050405020304" pitchFamily="18" charset="0"/>
                 <a:ea typeface="楷体" panose="02010609060101010101" pitchFamily="49" charset="-122"/>
-              </a:rPr>
-              <a:t>不满</a:t>
-            </a:r>
-            <a:r>
-              <a:rPr lang="zh-CN" altLang="en-US" sz="2400" dirty="0" smtClean="0">
+                <a:cs typeface="Times New Roman" panose="02020603050405020304" pitchFamily="18" charset="0"/>
+              </a:rPr>
+              <a:t>[</a:t>
+            </a:r>
+            <a:r>
+              <a:rPr lang="en-US" altLang="zh-CN" dirty="0">
+                <a:latin typeface="Times New Roman" panose="02020603050405020304" pitchFamily="18" charset="0"/>
+                <a:cs typeface="Times New Roman" panose="02020603050405020304" pitchFamily="18" charset="0"/>
+              </a:rPr>
+              <a:t>A Distributed Graph Engine for Web Scale RDF Data</a:t>
+            </a:r>
+            <a:r>
+              <a:rPr lang="en-US" altLang="zh-CN" dirty="0" smtClean="0">
                 <a:latin typeface="Times New Roman" panose="02020603050405020304" pitchFamily="18" charset="0"/>
                 <a:ea typeface="楷体" panose="02010609060101010101" pitchFamily="49" charset="-122"/>
-              </a:rPr>
-              <a:t>足停止</a:t>
-            </a:r>
-            <a:endParaRPr lang="en-US" altLang="zh-CN" sz="2400" dirty="0" smtClean="0">
+                <a:cs typeface="Times New Roman" panose="02020603050405020304" pitchFamily="18" charset="0"/>
+              </a:rPr>
+              <a:t>]</a:t>
+            </a:r>
+            <a:endParaRPr lang="zh-CN" altLang="en-US" dirty="0">
               <a:latin typeface="Times New Roman" panose="02020603050405020304" pitchFamily="18" charset="0"/>
               <a:ea typeface="楷体" panose="02010609060101010101" pitchFamily="49" charset="-122"/>
-            </a:endParaRPr>
-          </a:p>
-          <a:p>
-            <a:pPr marL="285750" indent="-285750">
-              <a:lnSpc>
-                <a:spcPct val="150000"/>
-              </a:lnSpc>
-              <a:buFont typeface="Wingdings" panose="05000000000000000000" pitchFamily="2" charset="2"/>
-              <a:buChar char="u"/>
-            </a:pPr>
-            <a:r>
-              <a:rPr lang="zh-CN" altLang="en-US" sz="2400" dirty="0">
-                <a:latin typeface="Times New Roman" panose="02020603050405020304" pitchFamily="18" charset="0"/>
-                <a:ea typeface="楷体" panose="02010609060101010101" pitchFamily="49" charset="-122"/>
-              </a:rPr>
-              <a:t>满</a:t>
-            </a:r>
-            <a:r>
-              <a:rPr lang="zh-CN" altLang="en-US" sz="2400" dirty="0" smtClean="0">
-                <a:latin typeface="Times New Roman" panose="02020603050405020304" pitchFamily="18" charset="0"/>
-                <a:ea typeface="楷体" panose="02010609060101010101" pitchFamily="49" charset="-122"/>
-              </a:rPr>
-              <a:t>足检查</a:t>
-            </a:r>
-            <a:r>
-              <a:rPr lang="zh-CN" altLang="en-US" sz="2400" dirty="0">
-                <a:latin typeface="Times New Roman" panose="02020603050405020304" pitchFamily="18" charset="0"/>
-                <a:ea typeface="楷体" panose="02010609060101010101" pitchFamily="49" charset="-122"/>
-              </a:rPr>
-              <a:t>变</a:t>
-            </a:r>
-            <a:r>
-              <a:rPr lang="zh-CN" altLang="en-US" sz="2400" dirty="0" smtClean="0">
-                <a:latin typeface="Times New Roman" panose="02020603050405020304" pitchFamily="18" charset="0"/>
-                <a:ea typeface="楷体" panose="02010609060101010101" pitchFamily="49" charset="-122"/>
-              </a:rPr>
-              <a:t>量</a:t>
-            </a:r>
-            <a:r>
-              <a:rPr lang="en-US" altLang="zh-CN" sz="2400" dirty="0" smtClean="0">
-                <a:latin typeface="Times New Roman" panose="02020603050405020304" pitchFamily="18" charset="0"/>
-                <a:ea typeface="楷体" panose="02010609060101010101" pitchFamily="49" charset="-122"/>
-              </a:rPr>
-              <a:t>u</a:t>
-            </a:r>
-            <a:r>
-              <a:rPr lang="zh-CN" altLang="en-US" sz="2400" dirty="0" smtClean="0">
-                <a:latin typeface="Times New Roman" panose="02020603050405020304" pitchFamily="18" charset="0"/>
-                <a:ea typeface="楷体" panose="02010609060101010101" pitchFamily="49" charset="-122"/>
-              </a:rPr>
-              <a:t>的邻居的邻居</a:t>
-            </a:r>
-            <a:endParaRPr lang="zh-CN" altLang="en-US" sz="2400" dirty="0">
-              <a:latin typeface="Times New Roman" panose="02020603050405020304" pitchFamily="18" charset="0"/>
-              <a:ea typeface="楷体" panose="02010609060101010101" pitchFamily="49" charset="-122"/>
+              <a:cs typeface="Times New Roman" panose="02020603050405020304" pitchFamily="18" charset="0"/>
             </a:endParaRPr>
           </a:p>
         </p:txBody>
       </p:sp>
+      <p:graphicFrame>
+        <p:nvGraphicFramePr>
+          <p:cNvPr id="12" name="对象 11"/>
+          <p:cNvGraphicFramePr>
+            <a:graphicFrameLocks noChangeAspect="1"/>
+          </p:cNvGraphicFramePr>
+          <p:nvPr>
+            <p:extLst>
+              <p:ext uri="{D42A27DB-BD31-4B8C-83A1-F6EECF244321}">
+                <p14:modId xmlns:p14="http://schemas.microsoft.com/office/powerpoint/2010/main" val="2280151271"/>
+              </p:ext>
+            </p:extLst>
+          </p:nvPr>
+        </p:nvGraphicFramePr>
+        <p:xfrm>
+          <a:off x="3179377" y="5014707"/>
+          <a:ext cx="2569745" cy="370860"/>
+        </p:xfrm>
+        <a:graphic>
+          <a:graphicData uri="http://schemas.openxmlformats.org/presentationml/2006/ole">
+            <mc:AlternateContent xmlns:mc="http://schemas.openxmlformats.org/markup-compatibility/2006">
+              <mc:Choice xmlns:v="urn:schemas-microsoft-com:vml" Requires="v">
+                <p:oleObj spid="_x0000_s1031" name="Equation" r:id="rId6" imgW="1358640" imgH="203040" progId="Equation.DSMT4">
+                  <p:embed/>
+                </p:oleObj>
+              </mc:Choice>
+              <mc:Fallback>
+                <p:oleObj name="Equation" r:id="rId6" imgW="1358640" imgH="203040" progId="Equation.DSMT4">
+                  <p:embed/>
+                  <p:pic>
+                    <p:nvPicPr>
+                      <p:cNvPr id="0" name=""/>
+                      <p:cNvPicPr/>
+                      <p:nvPr/>
+                    </p:nvPicPr>
+                    <p:blipFill>
+                      <a:blip r:embed="rId7"/>
+                      <a:stretch>
+                        <a:fillRect/>
+                      </a:stretch>
+                    </p:blipFill>
+                    <p:spPr>
+                      <a:xfrm>
+                        <a:off x="3179377" y="5014707"/>
+                        <a:ext cx="2569745" cy="370860"/>
+                      </a:xfrm>
+                      <a:prstGeom prst="rect">
+                        <a:avLst/>
+                      </a:prstGeom>
+                    </p:spPr>
+                  </p:pic>
+                </p:oleObj>
+              </mc:Fallback>
+            </mc:AlternateContent>
+          </a:graphicData>
+        </a:graphic>
+      </p:graphicFrame>
     </p:spTree>
     <p:extLst>
       <p:ext uri="{BB962C8B-B14F-4D97-AF65-F5344CB8AC3E}">
@@ -17267,7 +16562,342 @@
 </p:sld>
 </file>
 
-<file path=ppt/slides/slide29.xml><?xml version="1.0" encoding="utf-8"?>
+<file path=ppt/slides/slide3.xml><?xml version="1.0" encoding="utf-8"?>
+<p:sld xmlns:a="http://schemas.openxmlformats.org/drawingml/2006/main" xmlns:r="http://schemas.openxmlformats.org/officeDocument/2006/relationships" xmlns:p="http://schemas.openxmlformats.org/presentationml/2006/main">
+  <p:cSld>
+    <p:spTree>
+      <p:nvGrpSpPr>
+        <p:cNvPr id="1" name=""/>
+        <p:cNvGrpSpPr/>
+        <p:nvPr/>
+      </p:nvGrpSpPr>
+      <p:grpSpPr>
+        <a:xfrm>
+          <a:off x="0" y="0"/>
+          <a:ext cx="0" cy="0"/>
+          <a:chOff x="0" y="0"/>
+          <a:chExt cx="0" cy="0"/>
+        </a:xfrm>
+      </p:grpSpPr>
+      <p:sp>
+        <p:nvSpPr>
+          <p:cNvPr id="3" name="内容占位符 2"/>
+          <p:cNvSpPr>
+            <a:spLocks noGrp="1"/>
+          </p:cNvSpPr>
+          <p:nvPr>
+            <p:ph idx="1"/>
+          </p:nvPr>
+        </p:nvSpPr>
+        <p:spPr>
+          <a:xfrm>
+            <a:off x="529441" y="2395642"/>
+            <a:ext cx="10918371" cy="1796347"/>
+          </a:xfrm>
+        </p:spPr>
+        <p:txBody>
+          <a:bodyPr anchor="ctr" anchorCtr="1">
+            <a:normAutofit/>
+          </a:bodyPr>
+          <a:lstStyle/>
+          <a:p>
+            <a:pPr marL="0" indent="0">
+              <a:buNone/>
+            </a:pPr>
+            <a:r>
+              <a:rPr lang="en-US" altLang="zh-CN" sz="6000" dirty="0" smtClean="0">
+                <a:latin typeface="楷体" panose="02010609060101010101" pitchFamily="49" charset="-122"/>
+                <a:ea typeface="楷体" panose="02010609060101010101" pitchFamily="49" charset="-122"/>
+              </a:rPr>
+              <a:t>1.</a:t>
+            </a:r>
+            <a:r>
+              <a:rPr lang="zh-CN" altLang="en-US" sz="6000" dirty="0" smtClean="0">
+                <a:latin typeface="楷体" panose="02010609060101010101" pitchFamily="49" charset="-122"/>
+                <a:ea typeface="楷体" panose="02010609060101010101" pitchFamily="49" charset="-122"/>
+              </a:rPr>
+              <a:t>知识图谱的基本概念</a:t>
+            </a:r>
+            <a:endParaRPr lang="zh-CN" altLang="en-US" sz="6000" dirty="0">
+              <a:latin typeface="楷体" panose="02010609060101010101" pitchFamily="49" charset="-122"/>
+              <a:ea typeface="楷体" panose="02010609060101010101" pitchFamily="49" charset="-122"/>
+            </a:endParaRPr>
+          </a:p>
+        </p:txBody>
+      </p:sp>
+    </p:spTree>
+    <p:extLst>
+      <p:ext uri="{BB962C8B-B14F-4D97-AF65-F5344CB8AC3E}">
+        <p14:creationId xmlns:p14="http://schemas.microsoft.com/office/powerpoint/2010/main" val="115120652"/>
+      </p:ext>
+    </p:extLst>
+  </p:cSld>
+  <p:clrMapOvr>
+    <a:masterClrMapping/>
+  </p:clrMapOvr>
+  <p:timing>
+    <p:tnLst>
+      <p:par>
+        <p:cTn id="1" dur="indefinite" restart="never" nodeType="tmRoot"/>
+      </p:par>
+    </p:tnLst>
+  </p:timing>
+</p:sld>
+</file>
+
+<file path=ppt/slides/slide30.xml><?xml version="1.0" encoding="utf-8"?>
+<p:sld xmlns:a="http://schemas.openxmlformats.org/drawingml/2006/main" xmlns:r="http://schemas.openxmlformats.org/officeDocument/2006/relationships" xmlns:p="http://schemas.openxmlformats.org/presentationml/2006/main">
+  <p:cSld>
+    <p:spTree>
+      <p:nvGrpSpPr>
+        <p:cNvPr id="1" name=""/>
+        <p:cNvGrpSpPr/>
+        <p:nvPr/>
+      </p:nvGrpSpPr>
+      <p:grpSpPr>
+        <a:xfrm>
+          <a:off x="0" y="0"/>
+          <a:ext cx="0" cy="0"/>
+          <a:chOff x="0" y="0"/>
+          <a:chExt cx="0" cy="0"/>
+        </a:xfrm>
+      </p:grpSpPr>
+      <p:pic>
+        <p:nvPicPr>
+          <p:cNvPr id="4" name="图片 3"/>
+          <p:cNvPicPr>
+            <a:picLocks noChangeAspect="1"/>
+          </p:cNvPicPr>
+          <p:nvPr/>
+        </p:nvPicPr>
+        <p:blipFill>
+          <a:blip r:embed="rId2">
+            <a:extLst>
+              <a:ext uri="{28A0092B-C50C-407E-A947-70E740481C1C}">
+                <a14:useLocalDpi xmlns:a14="http://schemas.microsoft.com/office/drawing/2010/main" val="0"/>
+              </a:ext>
+            </a:extLst>
+          </a:blip>
+          <a:stretch>
+            <a:fillRect/>
+          </a:stretch>
+        </p:blipFill>
+        <p:spPr>
+          <a:xfrm>
+            <a:off x="0" y="2596092"/>
+            <a:ext cx="6115638" cy="2753109"/>
+          </a:xfrm>
+          <a:prstGeom prst="rect">
+            <a:avLst/>
+          </a:prstGeom>
+        </p:spPr>
+      </p:pic>
+      <p:pic>
+        <p:nvPicPr>
+          <p:cNvPr id="5" name="图片 4"/>
+          <p:cNvPicPr>
+            <a:picLocks noChangeAspect="1"/>
+          </p:cNvPicPr>
+          <p:nvPr/>
+        </p:nvPicPr>
+        <p:blipFill>
+          <a:blip r:embed="rId3">
+            <a:extLst>
+              <a:ext uri="{28A0092B-C50C-407E-A947-70E740481C1C}">
+                <a14:useLocalDpi xmlns:a14="http://schemas.microsoft.com/office/drawing/2010/main" val="0"/>
+              </a:ext>
+            </a:extLst>
+          </a:blip>
+          <a:stretch>
+            <a:fillRect/>
+          </a:stretch>
+        </p:blipFill>
+        <p:spPr>
+          <a:xfrm>
+            <a:off x="5866517" y="2161520"/>
+            <a:ext cx="6325483" cy="4696480"/>
+          </a:xfrm>
+          <a:prstGeom prst="rect">
+            <a:avLst/>
+          </a:prstGeom>
+        </p:spPr>
+      </p:pic>
+      <p:sp>
+        <p:nvSpPr>
+          <p:cNvPr id="6" name="矩形 5"/>
+          <p:cNvSpPr/>
+          <p:nvPr/>
+        </p:nvSpPr>
+        <p:spPr>
+          <a:xfrm>
+            <a:off x="192664" y="1087293"/>
+            <a:ext cx="4843570" cy="923330"/>
+          </a:xfrm>
+          <a:prstGeom prst="rect">
+            <a:avLst/>
+          </a:prstGeom>
+          <a:noFill/>
+        </p:spPr>
+        <p:txBody>
+          <a:bodyPr wrap="none" lIns="91440" tIns="45720" rIns="91440" bIns="45720">
+            <a:spAutoFit/>
+          </a:bodyPr>
+          <a:lstStyle/>
+          <a:p>
+            <a:pPr algn="ctr"/>
+            <a:r>
+              <a:rPr lang="en-US" altLang="zh-CN" sz="5400" dirty="0">
+                <a:ln w="0"/>
+                <a:effectLst>
+                  <a:outerShdw blurRad="38100" dist="19050" dir="2700000" algn="tl" rotWithShape="0">
+                    <a:schemeClr val="dk1">
+                      <a:alpha val="40000"/>
+                    </a:schemeClr>
+                  </a:outerShdw>
+                </a:effectLst>
+              </a:rPr>
+              <a:t>q</a:t>
+            </a:r>
+            <a:r>
+              <a:rPr lang="en-US" altLang="zh-CN" sz="5400" dirty="0" smtClean="0">
+                <a:ln w="0"/>
+                <a:effectLst>
+                  <a:outerShdw blurRad="38100" dist="19050" dir="2700000" algn="tl" rotWithShape="0">
+                    <a:schemeClr val="dk1">
+                      <a:alpha val="40000"/>
+                    </a:schemeClr>
+                  </a:outerShdw>
+                </a:effectLst>
+              </a:rPr>
+              <a:t>uery statement</a:t>
+            </a:r>
+            <a:endParaRPr lang="zh-CN" altLang="en-US" sz="5400" b="0" cap="none" spc="0" dirty="0">
+              <a:ln w="0"/>
+              <a:solidFill>
+                <a:schemeClr val="tx1"/>
+              </a:solidFill>
+              <a:effectLst>
+                <a:outerShdw blurRad="38100" dist="19050" dir="2700000" algn="tl" rotWithShape="0">
+                  <a:schemeClr val="dk1">
+                    <a:alpha val="40000"/>
+                  </a:schemeClr>
+                </a:outerShdw>
+              </a:effectLst>
+            </a:endParaRPr>
+          </a:p>
+        </p:txBody>
+      </p:sp>
+      <p:sp>
+        <p:nvSpPr>
+          <p:cNvPr id="7" name="矩形 6"/>
+          <p:cNvSpPr/>
+          <p:nvPr/>
+        </p:nvSpPr>
+        <p:spPr>
+          <a:xfrm>
+            <a:off x="6552561" y="1087293"/>
+            <a:ext cx="3586688" cy="923330"/>
+          </a:xfrm>
+          <a:prstGeom prst="rect">
+            <a:avLst/>
+          </a:prstGeom>
+          <a:noFill/>
+        </p:spPr>
+        <p:txBody>
+          <a:bodyPr wrap="none" lIns="91440" tIns="45720" rIns="91440" bIns="45720">
+            <a:spAutoFit/>
+          </a:bodyPr>
+          <a:lstStyle/>
+          <a:p>
+            <a:pPr algn="ctr"/>
+            <a:r>
+              <a:rPr lang="en-US" altLang="zh-CN" sz="5400" dirty="0">
+                <a:ln w="0"/>
+                <a:effectLst>
+                  <a:outerShdw blurRad="38100" dist="19050" dir="2700000" algn="tl" rotWithShape="0">
+                    <a:schemeClr val="dk1">
+                      <a:alpha val="40000"/>
+                    </a:schemeClr>
+                  </a:outerShdw>
+                </a:effectLst>
+              </a:rPr>
+              <a:t>q</a:t>
+            </a:r>
+            <a:r>
+              <a:rPr lang="en-US" altLang="zh-CN" sz="5400" dirty="0" smtClean="0">
+                <a:ln w="0"/>
+                <a:effectLst>
+                  <a:outerShdw blurRad="38100" dist="19050" dir="2700000" algn="tl" rotWithShape="0">
+                    <a:schemeClr val="dk1">
+                      <a:alpha val="40000"/>
+                    </a:schemeClr>
+                  </a:outerShdw>
+                </a:effectLst>
+              </a:rPr>
+              <a:t>uery graph</a:t>
+            </a:r>
+            <a:endParaRPr lang="zh-CN" altLang="en-US" sz="5400" b="0" cap="none" spc="0" dirty="0">
+              <a:ln w="0"/>
+              <a:solidFill>
+                <a:schemeClr val="tx1"/>
+              </a:solidFill>
+              <a:effectLst>
+                <a:outerShdw blurRad="38100" dist="19050" dir="2700000" algn="tl" rotWithShape="0">
+                  <a:schemeClr val="dk1">
+                    <a:alpha val="40000"/>
+                  </a:schemeClr>
+                </a:outerShdw>
+              </a:effectLst>
+            </a:endParaRPr>
+          </a:p>
+        </p:txBody>
+      </p:sp>
+      <p:sp>
+        <p:nvSpPr>
+          <p:cNvPr id="8" name="文本框 7"/>
+          <p:cNvSpPr txBox="1"/>
+          <p:nvPr/>
+        </p:nvSpPr>
+        <p:spPr>
+          <a:xfrm>
+            <a:off x="192664" y="332894"/>
+            <a:ext cx="4434655" cy="923330"/>
+          </a:xfrm>
+          <a:prstGeom prst="rect">
+            <a:avLst/>
+          </a:prstGeom>
+          <a:noFill/>
+        </p:spPr>
+        <p:txBody>
+          <a:bodyPr wrap="square" rtlCol="0">
+            <a:spAutoFit/>
+          </a:bodyPr>
+          <a:lstStyle/>
+          <a:p>
+            <a:r>
+              <a:rPr lang="zh-CN" altLang="en-US" sz="5400" dirty="0">
+                <a:latin typeface="Times New Roman" panose="02020603050405020304" pitchFamily="18" charset="0"/>
+                <a:ea typeface="楷体" panose="02010609060101010101" pitchFamily="49" charset="-122"/>
+              </a:rPr>
+              <a:t>查询</a:t>
+            </a:r>
+          </a:p>
+        </p:txBody>
+      </p:sp>
+    </p:spTree>
+    <p:extLst>
+      <p:ext uri="{BB962C8B-B14F-4D97-AF65-F5344CB8AC3E}">
+        <p14:creationId xmlns:p14="http://schemas.microsoft.com/office/powerpoint/2010/main" val="2879432429"/>
+      </p:ext>
+    </p:extLst>
+  </p:cSld>
+  <p:clrMapOvr>
+    <a:masterClrMapping/>
+  </p:clrMapOvr>
+</p:sld>
+</file>
+
+<file path=ppt/slides/slide31.xml><?xml version="1.0" encoding="utf-8"?>
 <p:sld xmlns:a="http://schemas.openxmlformats.org/drawingml/2006/main" xmlns:r="http://schemas.openxmlformats.org/officeDocument/2006/relationships" xmlns:p="http://schemas.openxmlformats.org/presentationml/2006/main">
   <p:cSld>
     <p:spTree>
@@ -17510,89 +17140,6 @@
 </p:sld>
 </file>
 
-<file path=ppt/slides/slide3.xml><?xml version="1.0" encoding="utf-8"?>
-<p:sld xmlns:a="http://schemas.openxmlformats.org/drawingml/2006/main" xmlns:r="http://schemas.openxmlformats.org/officeDocument/2006/relationships" xmlns:p="http://schemas.openxmlformats.org/presentationml/2006/main">
-  <p:cSld>
-    <p:spTree>
-      <p:nvGrpSpPr>
-        <p:cNvPr id="1" name=""/>
-        <p:cNvGrpSpPr/>
-        <p:nvPr/>
-      </p:nvGrpSpPr>
-      <p:grpSpPr>
-        <a:xfrm>
-          <a:off x="0" y="0"/>
-          <a:ext cx="0" cy="0"/>
-          <a:chOff x="0" y="0"/>
-          <a:chExt cx="0" cy="0"/>
-        </a:xfrm>
-      </p:grpSpPr>
-      <p:sp>
-        <p:nvSpPr>
-          <p:cNvPr id="3" name="内容占位符 2"/>
-          <p:cNvSpPr>
-            <a:spLocks noGrp="1"/>
-          </p:cNvSpPr>
-          <p:nvPr>
-            <p:ph idx="1"/>
-          </p:nvPr>
-        </p:nvSpPr>
-        <p:spPr>
-          <a:xfrm>
-            <a:off x="529441" y="2395642"/>
-            <a:ext cx="10918371" cy="1796347"/>
-          </a:xfrm>
-        </p:spPr>
-        <p:txBody>
-          <a:bodyPr anchor="ctr" anchorCtr="1">
-            <a:normAutofit/>
-          </a:bodyPr>
-          <a:lstStyle/>
-          <a:p>
-            <a:pPr marL="0" indent="0">
-              <a:buNone/>
-            </a:pPr>
-            <a:r>
-              <a:rPr lang="en-US" altLang="zh-CN" sz="6000" dirty="0" smtClean="0">
-                <a:latin typeface="楷体" panose="02010609060101010101" pitchFamily="49" charset="-122"/>
-                <a:ea typeface="楷体" panose="02010609060101010101" pitchFamily="49" charset="-122"/>
-              </a:rPr>
-              <a:t>1.</a:t>
-            </a:r>
-            <a:r>
-              <a:rPr lang="zh-CN" altLang="en-US" sz="6000" dirty="0" smtClean="0">
-                <a:latin typeface="楷体" panose="02010609060101010101" pitchFamily="49" charset="-122"/>
-                <a:ea typeface="楷体" panose="02010609060101010101" pitchFamily="49" charset="-122"/>
-              </a:rPr>
-              <a:t>知识图谱的基本概念</a:t>
-            </a:r>
-            <a:endParaRPr lang="zh-CN" altLang="en-US" sz="6000" dirty="0">
-              <a:latin typeface="楷体" panose="02010609060101010101" pitchFamily="49" charset="-122"/>
-              <a:ea typeface="楷体" panose="02010609060101010101" pitchFamily="49" charset="-122"/>
-            </a:endParaRPr>
-          </a:p>
-        </p:txBody>
-      </p:sp>
-    </p:spTree>
-    <p:extLst>
-      <p:ext uri="{BB962C8B-B14F-4D97-AF65-F5344CB8AC3E}">
-        <p14:creationId xmlns:p14="http://schemas.microsoft.com/office/powerpoint/2010/main" val="115120652"/>
-      </p:ext>
-    </p:extLst>
-  </p:cSld>
-  <p:clrMapOvr>
-    <a:masterClrMapping/>
-  </p:clrMapOvr>
-  <p:timing>
-    <p:tnLst>
-      <p:par>
-        <p:cTn id="1" dur="indefinite" restart="never" nodeType="tmRoot"/>
-      </p:par>
-    </p:tnLst>
-  </p:timing>
-</p:sld>
-</file>
-
 <file path=ppt/slides/slide4.xml><?xml version="1.0" encoding="utf-8"?>
 <p:sld xmlns:a="http://schemas.openxmlformats.org/drawingml/2006/main" xmlns:r="http://schemas.openxmlformats.org/officeDocument/2006/relationships" xmlns:p="http://schemas.openxmlformats.org/presentationml/2006/main">
   <p:cSld>
@@ -17612,7 +17159,7 @@
       </p:grpSpPr>
       <p:pic>
         <p:nvPicPr>
-          <p:cNvPr id="4" name="图片 3"/>
+          <p:cNvPr id="5" name="图片 4"/>
           <p:cNvPicPr>
             <a:picLocks noChangeAspect="1"/>
           </p:cNvPicPr>
@@ -17632,31 +17179,209 @@
         </p:blipFill>
         <p:spPr>
           <a:xfrm>
-            <a:off x="534390" y="285008"/>
-            <a:ext cx="11115303" cy="6151418"/>
+            <a:off x="4505612" y="0"/>
+            <a:ext cx="8468939" cy="6636773"/>
           </a:xfrm>
           <a:prstGeom prst="rect">
             <a:avLst/>
           </a:prstGeom>
         </p:spPr>
       </p:pic>
+      <p:sp>
+        <p:nvSpPr>
+          <p:cNvPr id="6" name="文本框 5"/>
+          <p:cNvSpPr txBox="1"/>
+          <p:nvPr/>
+        </p:nvSpPr>
+        <p:spPr>
+          <a:xfrm>
+            <a:off x="366646" y="2220964"/>
+            <a:ext cx="6597446" cy="2246769"/>
+          </a:xfrm>
+          <a:prstGeom prst="rect">
+            <a:avLst/>
+          </a:prstGeom>
+          <a:noFill/>
+        </p:spPr>
+        <p:txBody>
+          <a:bodyPr wrap="square" rtlCol="0">
+            <a:spAutoFit/>
+          </a:bodyPr>
+          <a:lstStyle/>
+          <a:p>
+            <a:pPr marL="285750" indent="-285750">
+              <a:buFont typeface="Wingdings" panose="05000000000000000000" pitchFamily="2" charset="2"/>
+              <a:buChar char="ü"/>
+            </a:pPr>
+            <a:r>
+              <a:rPr lang="zh-CN" altLang="en-US" sz="2800" dirty="0">
+                <a:ln w="0"/>
+                <a:solidFill>
+                  <a:schemeClr val="accent1"/>
+                </a:solidFill>
+                <a:effectLst>
+                  <a:outerShdw blurRad="38100" dist="25400" dir="5400000" algn="ctr" rotWithShape="0">
+                    <a:srgbClr val="6E747A">
+                      <a:alpha val="43000"/>
+                    </a:srgbClr>
+                  </a:outerShdw>
+                </a:effectLst>
+                <a:latin typeface="楷体" panose="02010609060101010101" pitchFamily="49" charset="-122"/>
+                <a:ea typeface="楷体" panose="02010609060101010101" pitchFamily="49" charset="-122"/>
+              </a:rPr>
+              <a:t>王大</a:t>
+            </a:r>
+            <a:r>
+              <a:rPr lang="zh-CN" altLang="en-US" sz="2800" dirty="0" smtClean="0">
+                <a:ln w="0"/>
+                <a:solidFill>
+                  <a:schemeClr val="accent1"/>
+                </a:solidFill>
+                <a:effectLst>
+                  <a:outerShdw blurRad="38100" dist="25400" dir="5400000" algn="ctr" rotWithShape="0">
+                    <a:srgbClr val="6E747A">
+                      <a:alpha val="43000"/>
+                    </a:srgbClr>
+                  </a:outerShdw>
+                </a:effectLst>
+                <a:latin typeface="楷体" panose="02010609060101010101" pitchFamily="49" charset="-122"/>
+                <a:ea typeface="楷体" panose="02010609060101010101" pitchFamily="49" charset="-122"/>
+              </a:rPr>
+              <a:t>路背锅，引咎辞职</a:t>
+            </a:r>
+            <a:endParaRPr lang="en-US" altLang="zh-CN" sz="2800" dirty="0" smtClean="0">
+              <a:ln w="0"/>
+              <a:solidFill>
+                <a:schemeClr val="accent1"/>
+              </a:solidFill>
+              <a:effectLst>
+                <a:outerShdw blurRad="38100" dist="25400" dir="5400000" algn="ctr" rotWithShape="0">
+                  <a:srgbClr val="6E747A">
+                    <a:alpha val="43000"/>
+                  </a:srgbClr>
+                </a:outerShdw>
+              </a:effectLst>
+              <a:latin typeface="楷体" panose="02010609060101010101" pitchFamily="49" charset="-122"/>
+              <a:ea typeface="楷体" panose="02010609060101010101" pitchFamily="49" charset="-122"/>
+            </a:endParaRPr>
+          </a:p>
+          <a:p>
+            <a:pPr marL="285750" indent="-285750">
+              <a:buFont typeface="Wingdings" panose="05000000000000000000" pitchFamily="2" charset="2"/>
+              <a:buChar char="ü"/>
+            </a:pPr>
+            <a:endParaRPr lang="en-US" altLang="zh-CN" sz="2800" dirty="0">
+              <a:latin typeface="楷体" panose="02010609060101010101" pitchFamily="49" charset="-122"/>
+              <a:ea typeface="楷体" panose="02010609060101010101" pitchFamily="49" charset="-122"/>
+            </a:endParaRPr>
+          </a:p>
+          <a:p>
+            <a:pPr marL="285750" indent="-285750">
+              <a:buFont typeface="Wingdings" panose="05000000000000000000" pitchFamily="2" charset="2"/>
+              <a:buChar char="ü"/>
+            </a:pPr>
+            <a:r>
+              <a:rPr lang="zh-CN" altLang="en-US" sz="2800" dirty="0" smtClean="0">
+                <a:ln w="0"/>
+                <a:solidFill>
+                  <a:schemeClr val="accent1"/>
+                </a:solidFill>
+                <a:effectLst>
+                  <a:outerShdw blurRad="38100" dist="25400" dir="5400000" algn="ctr" rotWithShape="0">
+                    <a:srgbClr val="6E747A">
+                      <a:alpha val="43000"/>
+                    </a:srgbClr>
+                  </a:outerShdw>
+                </a:effectLst>
+                <a:latin typeface="楷体" panose="02010609060101010101" pitchFamily="49" charset="-122"/>
+                <a:ea typeface="楷体" panose="02010609060101010101" pitchFamily="49" charset="-122"/>
+              </a:rPr>
+              <a:t>李达康与易学习资助王大路创业</a:t>
+            </a:r>
+            <a:endParaRPr lang="en-US" altLang="zh-CN" sz="2800" dirty="0" smtClean="0">
+              <a:ln w="0"/>
+              <a:solidFill>
+                <a:schemeClr val="accent1"/>
+              </a:solidFill>
+              <a:effectLst>
+                <a:outerShdw blurRad="38100" dist="25400" dir="5400000" algn="ctr" rotWithShape="0">
+                  <a:srgbClr val="6E747A">
+                    <a:alpha val="43000"/>
+                  </a:srgbClr>
+                </a:outerShdw>
+              </a:effectLst>
+              <a:latin typeface="楷体" panose="02010609060101010101" pitchFamily="49" charset="-122"/>
+              <a:ea typeface="楷体" panose="02010609060101010101" pitchFamily="49" charset="-122"/>
+            </a:endParaRPr>
+          </a:p>
+          <a:p>
+            <a:pPr marL="285750" indent="-285750">
+              <a:buFont typeface="Wingdings" panose="05000000000000000000" pitchFamily="2" charset="2"/>
+              <a:buChar char="ü"/>
+            </a:pPr>
+            <a:endParaRPr lang="en-US" altLang="zh-CN" sz="2800" dirty="0">
+              <a:latin typeface="楷体" panose="02010609060101010101" pitchFamily="49" charset="-122"/>
+              <a:ea typeface="楷体" panose="02010609060101010101" pitchFamily="49" charset="-122"/>
+            </a:endParaRPr>
+          </a:p>
+          <a:p>
+            <a:pPr marL="285750" indent="-285750">
+              <a:buFont typeface="Wingdings" panose="05000000000000000000" pitchFamily="2" charset="2"/>
+              <a:buChar char="ü"/>
+            </a:pPr>
+            <a:r>
+              <a:rPr lang="zh-CN" altLang="en-US" sz="2800" dirty="0" smtClean="0">
+                <a:ln w="0"/>
+                <a:solidFill>
+                  <a:schemeClr val="accent1"/>
+                </a:solidFill>
+                <a:effectLst>
+                  <a:outerShdw blurRad="38100" dist="25400" dir="5400000" algn="ctr" rotWithShape="0">
+                    <a:srgbClr val="6E747A">
+                      <a:alpha val="43000"/>
+                    </a:srgbClr>
+                  </a:outerShdw>
+                </a:effectLst>
+                <a:latin typeface="楷体" panose="02010609060101010101" pitchFamily="49" charset="-122"/>
+                <a:ea typeface="楷体" panose="02010609060101010101" pitchFamily="49" charset="-122"/>
+              </a:rPr>
+              <a:t>王大路多年经营，拥有今天的大路集团</a:t>
+            </a:r>
+            <a:endParaRPr lang="zh-CN" altLang="en-US" sz="2800" dirty="0">
+              <a:ln w="0"/>
+              <a:solidFill>
+                <a:schemeClr val="accent1"/>
+              </a:solidFill>
+              <a:effectLst>
+                <a:outerShdw blurRad="38100" dist="25400" dir="5400000" algn="ctr" rotWithShape="0">
+                  <a:srgbClr val="6E747A">
+                    <a:alpha val="43000"/>
+                  </a:srgbClr>
+                </a:outerShdw>
+              </a:effectLst>
+              <a:latin typeface="楷体" panose="02010609060101010101" pitchFamily="49" charset="-122"/>
+              <a:ea typeface="楷体" panose="02010609060101010101" pitchFamily="49" charset="-122"/>
+            </a:endParaRPr>
+          </a:p>
+        </p:txBody>
+      </p:sp>
       <p:graphicFrame>
         <p:nvGraphicFramePr>
-          <p:cNvPr id="2" name="表格 1"/>
+          <p:cNvPr id="7" name="表格 6"/>
           <p:cNvGraphicFramePr>
             <a:graphicFrameLocks noGrp="1"/>
           </p:cNvGraphicFramePr>
           <p:nvPr>
             <p:extLst>
               <p:ext uri="{D42A27DB-BD31-4B8C-83A1-F6EECF244321}">
-                <p14:modId xmlns:p14="http://schemas.microsoft.com/office/powerpoint/2010/main" val="2366709444"/>
+                <p14:modId xmlns:p14="http://schemas.microsoft.com/office/powerpoint/2010/main" val="1106258341"/>
               </p:ext>
             </p:extLst>
           </p:nvPr>
         </p:nvGraphicFramePr>
         <p:xfrm>
-          <a:off x="7960660" y="5550947"/>
-          <a:ext cx="3496236" cy="1075764"/>
+          <a:off x="485365" y="5181413"/>
+          <a:ext cx="5852160" cy="741680"/>
         </p:xfrm>
         <a:graphic>
           <a:graphicData uri="http://schemas.openxmlformats.org/drawingml/2006/table">
@@ -17665,29 +17390,11 @@
                 <a:tableStyleId>{5C22544A-7EE6-4342-B048-85BDC9FD1C3A}</a:tableStyleId>
               </a:tblPr>
               <a:tblGrid>
-                <a:gridCol w="1165412">
-                  <a:extLst>
-                    <a:ext uri="{9D8B030D-6E8A-4147-A177-3AD203B41FA5}">
-                      <a16:colId xmlns:a16="http://schemas.microsoft.com/office/drawing/2014/main" val="1982786234"/>
-                    </a:ext>
-                  </a:extLst>
-                </a:gridCol>
-                <a:gridCol w="1165412">
-                  <a:extLst>
-                    <a:ext uri="{9D8B030D-6E8A-4147-A177-3AD203B41FA5}">
-                      <a16:colId xmlns:a16="http://schemas.microsoft.com/office/drawing/2014/main" val="2986268853"/>
-                    </a:ext>
-                  </a:extLst>
-                </a:gridCol>
-                <a:gridCol w="1165412">
-                  <a:extLst>
-                    <a:ext uri="{9D8B030D-6E8A-4147-A177-3AD203B41FA5}">
-                      <a16:colId xmlns:a16="http://schemas.microsoft.com/office/drawing/2014/main" val="3456988091"/>
-                    </a:ext>
-                  </a:extLst>
-                </a:gridCol>
+                <a:gridCol w="1950720"/>
+                <a:gridCol w="1950720"/>
+                <a:gridCol w="1950720"/>
               </a:tblGrid>
-              <a:tr h="537882">
+              <a:tr h="370840">
                 <a:tc>
                   <a:txBody>
                     <a:bodyPr/>
@@ -17733,13 +17440,8 @@
                   </a:txBody>
                   <a:tcPr/>
                 </a:tc>
-                <a:extLst>
-                  <a:ext uri="{0D108BD9-81ED-4DB2-BD59-A6C34878D82A}">
-                    <a16:rowId xmlns:a16="http://schemas.microsoft.com/office/drawing/2014/main" val="3359476891"/>
-                  </a:ext>
-                </a:extLst>
               </a:tr>
-              <a:tr h="537882">
+              <a:tr h="370840">
                 <a:tc>
                   <a:txBody>
                     <a:bodyPr/>
@@ -17785,11 +17487,6 @@
                   </a:txBody>
                   <a:tcPr/>
                 </a:tc>
-                <a:extLst>
-                  <a:ext uri="{0D108BD9-81ED-4DB2-BD59-A6C34878D82A}">
-                    <a16:rowId xmlns:a16="http://schemas.microsoft.com/office/drawing/2014/main" val="573425369"/>
-                  </a:ext>
-                </a:extLst>
               </a:tr>
             </a:tbl>
           </a:graphicData>
@@ -18089,46 +17786,6 @@
           </a:prstGeom>
         </p:spPr>
       </p:pic>
-      <p:sp>
-        <p:nvSpPr>
-          <p:cNvPr id="2" name="椭圆 1"/>
-          <p:cNvSpPr/>
-          <p:nvPr/>
-        </p:nvSpPr>
-        <p:spPr>
-          <a:xfrm>
-            <a:off x="8411434" y="2199938"/>
-            <a:ext cx="1807285" cy="1247887"/>
-          </a:xfrm>
-          <a:prstGeom prst="ellipse">
-            <a:avLst/>
-          </a:prstGeom>
-        </p:spPr>
-        <p:style>
-          <a:lnRef idx="2">
-            <a:schemeClr val="accent1">
-              <a:shade val="50000"/>
-            </a:schemeClr>
-          </a:lnRef>
-          <a:fillRef idx="1">
-            <a:schemeClr val="accent1"/>
-          </a:fillRef>
-          <a:effectRef idx="0">
-            <a:schemeClr val="accent1"/>
-          </a:effectRef>
-          <a:fontRef idx="minor">
-            <a:schemeClr val="lt1"/>
-          </a:fontRef>
-        </p:style>
-        <p:txBody>
-          <a:bodyPr rtlCol="0" anchor="ctr"/>
-          <a:lstStyle/>
-          <a:p>
-            <a:pPr algn="ctr"/>
-            <a:endParaRPr lang="zh-CN" altLang="en-US" dirty="0"/>
-          </a:p>
-        </p:txBody>
-      </p:sp>
     </p:spTree>
     <p:extLst>
       <p:ext uri="{BB962C8B-B14F-4D97-AF65-F5344CB8AC3E}">

--- a/知识图谱存储与查询/知识图谱的查询与存储.pptx
+++ b/知识图谱存储与查询/知识图谱的查询与存储.pptx
@@ -5,7 +5,7 @@
     <p:sldMasterId id="2147483648" r:id="rId1"/>
   </p:sldMasterIdLst>
   <p:notesMasterIdLst>
-    <p:notesMasterId r:id="rId33"/>
+    <p:notesMasterId r:id="rId35"/>
   </p:notesMasterIdLst>
   <p:sldIdLst>
     <p:sldId id="256" r:id="rId2"/>
@@ -37,8 +37,10 @@
     <p:sldId id="281" r:id="rId28"/>
     <p:sldId id="282" r:id="rId29"/>
     <p:sldId id="283" r:id="rId30"/>
-    <p:sldId id="286" r:id="rId31"/>
-    <p:sldId id="284" r:id="rId32"/>
+    <p:sldId id="287" r:id="rId31"/>
+    <p:sldId id="288" r:id="rId32"/>
+    <p:sldId id="289" r:id="rId33"/>
+    <p:sldId id="284" r:id="rId34"/>
   </p:sldIdLst>
   <p:sldSz cx="12192000" cy="6858000"/>
   <p:notesSz cx="6858000" cy="9144000"/>
@@ -227,7 +229,7 @@
           <a:p>
             <a:fld id="{D8338CEC-2FB8-4ECC-9513-BA91313A9ADD}" type="datetimeFigureOut">
               <a:rPr lang="zh-CN" altLang="en-US" smtClean="0"/>
-              <a:t>2018/12/3</a:t>
+              <a:t>2018/12/4</a:t>
             </a:fld>
             <a:endParaRPr lang="zh-CN" altLang="en-US"/>
           </a:p>
@@ -560,7 +562,7 @@
           <a:p>
             <a:fld id="{18E79C09-4E72-49BD-A5C9-2924744C885B}" type="slidenum">
               <a:rPr lang="zh-CN" altLang="en-US" smtClean="0"/>
-              <a:t>2</a:t>
+              <a:t>1</a:t>
             </a:fld>
             <a:endParaRPr lang="zh-CN" altLang="en-US"/>
           </a:p>
@@ -569,7 +571,7 @@
     </p:spTree>
     <p:extLst>
       <p:ext uri="{BB962C8B-B14F-4D97-AF65-F5344CB8AC3E}">
-        <p14:creationId xmlns:p14="http://schemas.microsoft.com/office/powerpoint/2010/main" val="3284185842"/>
+        <p14:creationId xmlns:p14="http://schemas.microsoft.com/office/powerpoint/2010/main" val="4070194727"/>
       </p:ext>
     </p:extLst>
   </p:cSld>
@@ -623,6 +625,219 @@
           <a:bodyPr/>
           <a:lstStyle/>
           <a:p>
+            <a:r>
+              <a:rPr lang="en-US" altLang="zh-CN" dirty="0" smtClean="0"/>
+              <a:t>N-Triple</a:t>
+            </a:r>
+            <a:r>
+              <a:rPr lang="zh-CN" altLang="en-US" dirty="0" smtClean="0"/>
+              <a:t>是</a:t>
+            </a:r>
+            <a:r>
+              <a:rPr lang="en-US" altLang="zh-CN" dirty="0" smtClean="0"/>
+              <a:t>Turtle</a:t>
+            </a:r>
+            <a:r>
+              <a:rPr lang="zh-CN" altLang="en-US" dirty="0" smtClean="0"/>
+              <a:t>标准的一个拓展，其不能应用前缀缩写</a:t>
+            </a:r>
+            <a:endParaRPr lang="en-US" altLang="zh-CN" dirty="0" smtClean="0"/>
+          </a:p>
+          <a:p>
+            <a:r>
+              <a:rPr lang="en-US" altLang="zh-CN" sz="1200" b="0" i="0" kern="1200" dirty="0" smtClean="0">
+                <a:solidFill>
+                  <a:schemeClr val="tx1"/>
+                </a:solidFill>
+                <a:effectLst/>
+                <a:latin typeface="+mn-lt"/>
+                <a:ea typeface="+mn-ea"/>
+                <a:cs typeface="+mn-cs"/>
+              </a:rPr>
+              <a:t>N-Triples,</a:t>
+            </a:r>
+            <a:r>
+              <a:rPr lang="zh-CN" altLang="en-US" sz="1200" b="0" i="0" kern="1200" dirty="0" smtClean="0">
+                <a:solidFill>
+                  <a:schemeClr val="tx1"/>
+                </a:solidFill>
+                <a:effectLst/>
+                <a:latin typeface="+mn-lt"/>
+                <a:ea typeface="+mn-ea"/>
+                <a:cs typeface="+mn-cs"/>
+              </a:rPr>
+              <a:t>就是用三元组的方式来表示</a:t>
+            </a:r>
+            <a:r>
+              <a:rPr lang="en-US" altLang="zh-CN" sz="1200" b="0" i="0" kern="1200" dirty="0" smtClean="0">
+                <a:solidFill>
+                  <a:schemeClr val="tx1"/>
+                </a:solidFill>
+                <a:effectLst/>
+                <a:latin typeface="+mn-lt"/>
+                <a:ea typeface="+mn-ea"/>
+                <a:cs typeface="+mn-cs"/>
+              </a:rPr>
+              <a:t>RDF</a:t>
+            </a:r>
+            <a:r>
+              <a:rPr lang="zh-CN" altLang="en-US" sz="1200" b="0" i="0" kern="1200" dirty="0" smtClean="0">
+                <a:solidFill>
+                  <a:schemeClr val="tx1"/>
+                </a:solidFill>
+                <a:effectLst/>
+                <a:latin typeface="+mn-lt"/>
+                <a:ea typeface="+mn-ea"/>
+                <a:cs typeface="+mn-cs"/>
+              </a:rPr>
+              <a:t>数据集，是最直观的表述方法。在文件中每一行表示一个三元组，方便机器的解析和处理。开放知识领域的图谱</a:t>
+            </a:r>
+            <a:r>
+              <a:rPr lang="en-US" altLang="zh-CN" sz="1200" b="0" i="0" kern="1200" dirty="0" err="1" smtClean="0">
+                <a:solidFill>
+                  <a:schemeClr val="tx1"/>
+                </a:solidFill>
+                <a:effectLst/>
+                <a:latin typeface="+mn-lt"/>
+                <a:ea typeface="+mn-ea"/>
+                <a:cs typeface="+mn-cs"/>
+              </a:rPr>
+              <a:t>DBpedia</a:t>
+            </a:r>
+            <a:r>
+              <a:rPr lang="zh-CN" altLang="en-US" sz="1200" b="0" i="0" kern="1200" dirty="0" smtClean="0">
+                <a:solidFill>
+                  <a:schemeClr val="tx1"/>
+                </a:solidFill>
+                <a:effectLst/>
+                <a:latin typeface="+mn-lt"/>
+                <a:ea typeface="+mn-ea"/>
+                <a:cs typeface="+mn-cs"/>
+              </a:rPr>
+              <a:t>通常是用这种格式来发布数据的。</a:t>
+            </a:r>
+            <a:endParaRPr lang="en-US" altLang="zh-CN" sz="1200" b="0" i="0" kern="1200" dirty="0" smtClean="0">
+              <a:solidFill>
+                <a:schemeClr val="tx1"/>
+              </a:solidFill>
+              <a:effectLst/>
+              <a:latin typeface="+mn-lt"/>
+              <a:ea typeface="+mn-ea"/>
+              <a:cs typeface="+mn-cs"/>
+            </a:endParaRPr>
+          </a:p>
+          <a:p>
+            <a:r>
+              <a:rPr lang="en-US" altLang="zh-CN" sz="1200" b="0" i="0" kern="1200" dirty="0" smtClean="0">
+                <a:solidFill>
+                  <a:schemeClr val="tx1"/>
+                </a:solidFill>
+                <a:effectLst/>
+                <a:latin typeface="+mn-lt"/>
+                <a:ea typeface="+mn-ea"/>
+                <a:cs typeface="+mn-cs"/>
+              </a:rPr>
+              <a:t>N-Triples</a:t>
+            </a:r>
+            <a:r>
+              <a:rPr lang="zh-CN" altLang="en-US" sz="1200" b="0" i="0" kern="1200" dirty="0" smtClean="0">
+                <a:solidFill>
+                  <a:schemeClr val="tx1"/>
+                </a:solidFill>
+                <a:effectLst/>
+                <a:latin typeface="+mn-lt"/>
+                <a:ea typeface="+mn-ea"/>
+                <a:cs typeface="+mn-cs"/>
+              </a:rPr>
+              <a:t>有个好处是</a:t>
+            </a:r>
+            <a:r>
+              <a:rPr lang="zh-CN" altLang="en-US" sz="1200" b="0" i="0" kern="1200" baseline="0" dirty="0" smtClean="0">
+                <a:solidFill>
+                  <a:schemeClr val="tx1"/>
+                </a:solidFill>
+                <a:effectLst/>
+                <a:latin typeface="+mn-lt"/>
+                <a:ea typeface="+mn-ea"/>
+                <a:cs typeface="+mn-cs"/>
+              </a:rPr>
+              <a:t> 当</a:t>
+            </a:r>
+            <a:r>
+              <a:rPr lang="en-US" altLang="zh-CN" sz="1200" b="0" i="0" kern="1200" baseline="0" dirty="0" err="1" smtClean="0">
+                <a:solidFill>
+                  <a:schemeClr val="tx1"/>
+                </a:solidFill>
+                <a:effectLst/>
+                <a:latin typeface="+mn-lt"/>
+                <a:ea typeface="+mn-ea"/>
+                <a:cs typeface="+mn-cs"/>
+              </a:rPr>
+              <a:t>rdf</a:t>
+            </a:r>
+            <a:r>
+              <a:rPr lang="zh-CN" altLang="en-US" sz="1200" b="0" i="0" kern="1200" baseline="0" dirty="0" smtClean="0">
+                <a:solidFill>
+                  <a:schemeClr val="tx1"/>
+                </a:solidFill>
+                <a:effectLst/>
+                <a:latin typeface="+mn-lt"/>
+                <a:ea typeface="+mn-ea"/>
+                <a:cs typeface="+mn-cs"/>
+              </a:rPr>
+              <a:t>文件很大，在解析使使用</a:t>
+            </a:r>
+            <a:r>
+              <a:rPr lang="en-US" altLang="zh-CN" sz="1200" b="0" i="0" kern="1200" baseline="0" dirty="0" err="1" smtClean="0">
+                <a:solidFill>
+                  <a:schemeClr val="tx1"/>
+                </a:solidFill>
+                <a:effectLst/>
+                <a:latin typeface="+mn-lt"/>
+                <a:ea typeface="+mn-ea"/>
+                <a:cs typeface="+mn-cs"/>
+              </a:rPr>
+              <a:t>Trutle</a:t>
+            </a:r>
+            <a:r>
+              <a:rPr lang="zh-CN" altLang="en-US" sz="1200" b="0" i="0" kern="1200" baseline="0" dirty="0" smtClean="0">
+                <a:solidFill>
+                  <a:schemeClr val="tx1"/>
+                </a:solidFill>
+                <a:effectLst/>
+                <a:latin typeface="+mn-lt"/>
+                <a:ea typeface="+mn-ea"/>
+                <a:cs typeface="+mn-cs"/>
+              </a:rPr>
+              <a:t>格式的文件，必须全部读入内存能解析， 而</a:t>
+            </a:r>
+            <a:r>
+              <a:rPr lang="en-US" altLang="zh-CN" sz="1200" b="0" i="0" kern="1200" baseline="0" dirty="0" smtClean="0">
+                <a:solidFill>
+                  <a:schemeClr val="tx1"/>
+                </a:solidFill>
+                <a:effectLst/>
+                <a:latin typeface="+mn-lt"/>
+                <a:ea typeface="+mn-ea"/>
+                <a:cs typeface="+mn-cs"/>
+              </a:rPr>
+              <a:t>N-Triples</a:t>
+            </a:r>
+            <a:r>
+              <a:rPr lang="zh-CN" altLang="en-US" sz="1200" b="0" i="0" kern="1200" baseline="0" dirty="0" smtClean="0">
+                <a:solidFill>
+                  <a:schemeClr val="tx1"/>
+                </a:solidFill>
+                <a:effectLst/>
+                <a:latin typeface="+mn-lt"/>
+                <a:ea typeface="+mn-ea"/>
+                <a:cs typeface="+mn-cs"/>
+              </a:rPr>
+              <a:t>可以一部分一部分解析，不必全部读入内存</a:t>
+            </a:r>
+            <a:endParaRPr lang="en-US" altLang="zh-CN" dirty="0" smtClean="0"/>
+          </a:p>
+          <a:p>
             <a:endParaRPr lang="zh-CN" altLang="en-US" dirty="0"/>
           </a:p>
         </p:txBody>
@@ -644,7 +859,7 @@
           <a:p>
             <a:fld id="{18E79C09-4E72-49BD-A5C9-2924744C885B}" type="slidenum">
               <a:rPr lang="zh-CN" altLang="en-US" smtClean="0"/>
-              <a:t>12</a:t>
+              <a:t>10</a:t>
             </a:fld>
             <a:endParaRPr lang="zh-CN" altLang="en-US"/>
           </a:p>
@@ -653,7 +868,7 @@
     </p:spTree>
     <p:extLst>
       <p:ext uri="{BB962C8B-B14F-4D97-AF65-F5344CB8AC3E}">
-        <p14:creationId xmlns:p14="http://schemas.microsoft.com/office/powerpoint/2010/main" val="3923831850"/>
+        <p14:creationId xmlns:p14="http://schemas.microsoft.com/office/powerpoint/2010/main" val="1601139445"/>
       </p:ext>
     </p:extLst>
   </p:cSld>
@@ -707,36 +922,6 @@
           <a:bodyPr/>
           <a:lstStyle/>
           <a:p>
-            <a:r>
-              <a:rPr lang="zh-CN" altLang="en-US" dirty="0" smtClean="0"/>
-              <a:t>维护一张巨大的三元组表来管理</a:t>
-            </a:r>
-            <a:r>
-              <a:rPr lang="en-US" altLang="zh-CN" dirty="0" smtClean="0"/>
-              <a:t>RDF</a:t>
-            </a:r>
-            <a:r>
-              <a:rPr lang="zh-CN" altLang="en-US" dirty="0" smtClean="0"/>
-              <a:t>数据</a:t>
-            </a:r>
-            <a:endParaRPr lang="en-US" altLang="zh-CN" dirty="0" smtClean="0"/>
-          </a:p>
-          <a:p>
-            <a:r>
-              <a:rPr lang="zh-CN" altLang="en-US" dirty="0" smtClean="0"/>
-              <a:t>三元组表包含三列，分别是主语列，谓语列，</a:t>
-            </a:r>
-            <a:r>
-              <a:rPr lang="zh-CN" altLang="en-US" baseline="0" dirty="0" smtClean="0"/>
-              <a:t> 和宾语列。</a:t>
-            </a:r>
-            <a:endParaRPr lang="en-US" altLang="zh-CN" baseline="0" dirty="0" smtClean="0"/>
-          </a:p>
-          <a:p>
-            <a:r>
-              <a:rPr lang="zh-CN" altLang="en-US" baseline="0" dirty="0" smtClean="0"/>
-              <a:t>存在大量的自连接操作开销巨大</a:t>
-            </a:r>
             <a:endParaRPr lang="zh-CN" altLang="en-US" dirty="0"/>
           </a:p>
         </p:txBody>
@@ -758,7 +943,7 @@
           <a:p>
             <a:fld id="{18E79C09-4E72-49BD-A5C9-2924744C885B}" type="slidenum">
               <a:rPr lang="zh-CN" altLang="en-US" smtClean="0"/>
-              <a:t>19</a:t>
+              <a:t>12</a:t>
             </a:fld>
             <a:endParaRPr lang="zh-CN" altLang="en-US"/>
           </a:p>
@@ -767,7 +952,7 @@
     </p:spTree>
     <p:extLst>
       <p:ext uri="{BB962C8B-B14F-4D97-AF65-F5344CB8AC3E}">
-        <p14:creationId xmlns:p14="http://schemas.microsoft.com/office/powerpoint/2010/main" val="4133005710"/>
+        <p14:creationId xmlns:p14="http://schemas.microsoft.com/office/powerpoint/2010/main" val="3923831850"/>
       </p:ext>
     </p:extLst>
   </p:cSld>
@@ -823,28 +1008,34 @@
           <a:p>
             <a:r>
               <a:rPr lang="zh-CN" altLang="en-US" dirty="0" smtClean="0"/>
-              <a:t>属性相似的主语聚集在一张表上。</a:t>
+              <a:t>维护一张巨大的三元组表来管理</a:t>
+            </a:r>
+            <a:r>
+              <a:rPr lang="en-US" altLang="zh-CN" dirty="0" smtClean="0"/>
+              <a:t>RDF</a:t>
+            </a:r>
+            <a:r>
+              <a:rPr lang="zh-CN" altLang="en-US" dirty="0" smtClean="0"/>
+              <a:t>数据</a:t>
             </a:r>
             <a:endParaRPr lang="en-US" altLang="zh-CN" dirty="0" smtClean="0"/>
           </a:p>
           <a:p>
             <a:r>
               <a:rPr lang="zh-CN" altLang="en-US" dirty="0" smtClean="0"/>
-              <a:t>属性表对可以提高某些查询的效率， 比如查包含名字的三元组模式，就可以在这个表查。</a:t>
-            </a:r>
-            <a:endParaRPr lang="en-US" altLang="zh-CN" dirty="0" smtClean="0"/>
-          </a:p>
-          <a:p>
-            <a:r>
-              <a:rPr lang="zh-CN" altLang="en-US" dirty="0" smtClean="0"/>
-              <a:t>但是属性作为变量时，效率低下。</a:t>
-            </a:r>
-            <a:endParaRPr lang="en-US" altLang="zh-CN" dirty="0" smtClean="0"/>
-          </a:p>
-          <a:p>
-            <a:endParaRPr lang="en-US" altLang="zh-CN" dirty="0" smtClean="0"/>
-          </a:p>
-          <a:p>
+              <a:t>三元组表包含三列，分别是主语列，谓语列，</a:t>
+            </a:r>
+            <a:r>
+              <a:rPr lang="zh-CN" altLang="en-US" baseline="0" dirty="0" smtClean="0"/>
+              <a:t> 和宾语列。</a:t>
+            </a:r>
+            <a:endParaRPr lang="en-US" altLang="zh-CN" baseline="0" dirty="0" smtClean="0"/>
+          </a:p>
+          <a:p>
+            <a:r>
+              <a:rPr lang="zh-CN" altLang="en-US" baseline="0" dirty="0" smtClean="0"/>
+              <a:t>存在大量的自连接操作开销巨大</a:t>
+            </a:r>
             <a:endParaRPr lang="zh-CN" altLang="en-US" dirty="0"/>
           </a:p>
         </p:txBody>
@@ -866,7 +1057,7 @@
           <a:p>
             <a:fld id="{18E79C09-4E72-49BD-A5C9-2924744C885B}" type="slidenum">
               <a:rPr lang="zh-CN" altLang="en-US" smtClean="0"/>
-              <a:t>20</a:t>
+              <a:t>19</a:t>
             </a:fld>
             <a:endParaRPr lang="zh-CN" altLang="en-US"/>
           </a:p>
@@ -875,7 +1066,7 @@
     </p:spTree>
     <p:extLst>
       <p:ext uri="{BB962C8B-B14F-4D97-AF65-F5344CB8AC3E}">
-        <p14:creationId xmlns:p14="http://schemas.microsoft.com/office/powerpoint/2010/main" val="872994223"/>
+        <p14:creationId xmlns:p14="http://schemas.microsoft.com/office/powerpoint/2010/main" val="4133005710"/>
       </p:ext>
     </p:extLst>
   </p:cSld>
@@ -931,56 +1122,26 @@
           <a:p>
             <a:r>
               <a:rPr lang="zh-CN" altLang="en-US" dirty="0" smtClean="0"/>
-              <a:t>每张表保存谓词相同的三元组</a:t>
+              <a:t>属性相似的主语聚集在一张表上。</a:t>
             </a:r>
             <a:endParaRPr lang="en-US" altLang="zh-CN" dirty="0" smtClean="0"/>
           </a:p>
           <a:p>
+            <a:r>
+              <a:rPr lang="zh-CN" altLang="en-US" dirty="0" smtClean="0"/>
+              <a:t>属性表对可以提高某些查询的效率， 比如查包含名字的三元组模式，就可以在这个表查。</a:t>
+            </a:r>
             <a:endParaRPr lang="en-US" altLang="zh-CN" dirty="0" smtClean="0"/>
           </a:p>
           <a:p>
+            <a:r>
+              <a:rPr lang="zh-CN" altLang="en-US" dirty="0" smtClean="0"/>
+              <a:t>但是属性作为变量时，效率低下。</a:t>
+            </a:r>
             <a:endParaRPr lang="en-US" altLang="zh-CN" dirty="0" smtClean="0"/>
           </a:p>
           <a:p>
-            <a:r>
-              <a:rPr lang="zh-CN" altLang="en-US" dirty="0" smtClean="0"/>
-              <a:t>对属性是不变量来说，是很友好的</a:t>
-            </a:r>
             <a:endParaRPr lang="en-US" altLang="zh-CN" dirty="0" smtClean="0"/>
-          </a:p>
-          <a:p>
-            <a:endParaRPr lang="en-US" altLang="zh-CN" dirty="0" smtClean="0"/>
-          </a:p>
-          <a:p>
-            <a:r>
-              <a:rPr lang="zh-CN" altLang="en-US" dirty="0" smtClean="0"/>
-              <a:t>避免了大量的自连接操作，</a:t>
-            </a:r>
-            <a:r>
-              <a:rPr lang="zh-CN" altLang="en-US" baseline="0" dirty="0" smtClean="0"/>
-              <a:t> 变成不同表之间的连接。 不同表之间的连接操作效率优于自连接。</a:t>
-            </a:r>
-            <a:endParaRPr lang="en-US" altLang="zh-CN" baseline="0" dirty="0" smtClean="0"/>
-          </a:p>
-          <a:p>
-            <a:endParaRPr lang="en-US" altLang="zh-CN" baseline="0" dirty="0" smtClean="0"/>
-          </a:p>
-          <a:p>
-            <a:r>
-              <a:rPr lang="zh-CN" altLang="en-US" baseline="0" dirty="0" smtClean="0"/>
-              <a:t>不能很好得支持，属性是变量的情况。</a:t>
-            </a:r>
-            <a:endParaRPr lang="en-US" altLang="zh-CN" baseline="0" dirty="0" smtClean="0"/>
-          </a:p>
-          <a:p>
-            <a:endParaRPr lang="en-US" altLang="zh-CN" baseline="0" dirty="0" smtClean="0"/>
-          </a:p>
-          <a:p>
-            <a:r>
-              <a:rPr lang="zh-CN" altLang="en-US" baseline="0" dirty="0" smtClean="0"/>
-              <a:t>删除代价太大。</a:t>
-            </a:r>
-            <a:endParaRPr lang="en-US" altLang="zh-CN" baseline="0" dirty="0" smtClean="0"/>
           </a:p>
           <a:p>
             <a:endParaRPr lang="zh-CN" altLang="en-US" dirty="0"/>
@@ -1004,7 +1165,7 @@
           <a:p>
             <a:fld id="{18E79C09-4E72-49BD-A5C9-2924744C885B}" type="slidenum">
               <a:rPr lang="zh-CN" altLang="en-US" smtClean="0"/>
-              <a:t>21</a:t>
+              <a:t>20</a:t>
             </a:fld>
             <a:endParaRPr lang="zh-CN" altLang="en-US"/>
           </a:p>
@@ -1013,7 +1174,7 @@
     </p:spTree>
     <p:extLst>
       <p:ext uri="{BB962C8B-B14F-4D97-AF65-F5344CB8AC3E}">
-        <p14:creationId xmlns:p14="http://schemas.microsoft.com/office/powerpoint/2010/main" val="276497870"/>
+        <p14:creationId xmlns:p14="http://schemas.microsoft.com/office/powerpoint/2010/main" val="872994223"/>
       </p:ext>
     </p:extLst>
   </p:cSld>
@@ -1069,105 +1230,54 @@
           <a:p>
             <a:r>
               <a:rPr lang="zh-CN" altLang="en-US" dirty="0" smtClean="0"/>
-              <a:t>为了加速</a:t>
-            </a:r>
-            <a:r>
-              <a:rPr lang="en-US" altLang="zh-CN" dirty="0" smtClean="0"/>
-              <a:t>RDF</a:t>
-            </a:r>
+              <a:t>每张表保存谓词相同的三元组</a:t>
+            </a:r>
+            <a:endParaRPr lang="en-US" altLang="zh-CN" dirty="0" smtClean="0"/>
+          </a:p>
+          <a:p>
+            <a:endParaRPr lang="en-US" altLang="zh-CN" dirty="0" smtClean="0"/>
+          </a:p>
+          <a:p>
+            <a:endParaRPr lang="en-US" altLang="zh-CN" dirty="0" smtClean="0"/>
+          </a:p>
+          <a:p>
             <a:r>
               <a:rPr lang="zh-CN" altLang="en-US" dirty="0" smtClean="0"/>
-              <a:t>三元组在</a:t>
-            </a:r>
-            <a:r>
-              <a:rPr lang="en-US" altLang="zh-CN" dirty="0" smtClean="0"/>
-              <a:t>SPARQL</a:t>
-            </a:r>
+              <a:t>对属性是不变量来说，是很友好的</a:t>
+            </a:r>
+            <a:endParaRPr lang="en-US" altLang="zh-CN" dirty="0" smtClean="0"/>
+          </a:p>
+          <a:p>
+            <a:endParaRPr lang="en-US" altLang="zh-CN" dirty="0" smtClean="0"/>
+          </a:p>
+          <a:p>
             <a:r>
               <a:rPr lang="zh-CN" altLang="en-US" dirty="0" smtClean="0"/>
-              <a:t>查询过程中的连接操作速度，将三元组中的主语，谓语，宾语的各种排列枚举出来，分别为它们建立索引。</a:t>
-            </a:r>
-            <a:endParaRPr lang="en-US" altLang="zh-CN" dirty="0" smtClean="0"/>
-          </a:p>
-          <a:p>
-            <a:endParaRPr lang="en-US" altLang="zh-CN" dirty="0" smtClean="0"/>
-          </a:p>
-          <a:p>
+              <a:t>避免了大量的自连接操作，</a:t>
+            </a:r>
+            <a:r>
+              <a:rPr lang="zh-CN" altLang="en-US" baseline="0" dirty="0" smtClean="0"/>
+              <a:t> 变成不同表之间的连接。 不同表之间的连接操作效率优于自连接。</a:t>
+            </a:r>
             <a:endParaRPr lang="en-US" altLang="zh-CN" baseline="0" dirty="0" smtClean="0"/>
           </a:p>
           <a:p>
+            <a:endParaRPr lang="en-US" altLang="zh-CN" baseline="0" dirty="0" smtClean="0"/>
+          </a:p>
+          <a:p>
             <a:r>
               <a:rPr lang="zh-CN" altLang="en-US" baseline="0" dirty="0" smtClean="0"/>
-              <a:t>三元组模式查询能高效执行</a:t>
+              <a:t>不能很好得支持，属性是变量的情况。</a:t>
             </a:r>
             <a:endParaRPr lang="en-US" altLang="zh-CN" baseline="0" dirty="0" smtClean="0"/>
           </a:p>
           <a:p>
-            <a:endParaRPr lang="en-US" altLang="zh-CN" dirty="0" smtClean="0"/>
-          </a:p>
-          <a:p>
             <a:endParaRPr lang="en-US" altLang="zh-CN" baseline="0" dirty="0" smtClean="0"/>
           </a:p>
           <a:p>
             <a:r>
-              <a:rPr lang="en-US" altLang="zh-CN" dirty="0" smtClean="0"/>
-              <a:t>JENA</a:t>
-            </a:r>
-            <a:r>
-              <a:rPr lang="zh-CN" altLang="en-US" dirty="0" smtClean="0"/>
-              <a:t>是一个开源的</a:t>
-            </a:r>
-            <a:r>
-              <a:rPr lang="en-US" altLang="zh-CN" dirty="0" smtClean="0"/>
-              <a:t>java</a:t>
-            </a:r>
-            <a:r>
-              <a:rPr lang="en-US" altLang="zh-CN" baseline="0" dirty="0" smtClean="0"/>
-              <a:t> </a:t>
-            </a:r>
-            <a:r>
-              <a:rPr lang="en-US" altLang="zh-CN" baseline="0" dirty="0" err="1" smtClean="0"/>
-              <a:t>api</a:t>
-            </a:r>
-            <a:r>
-              <a:rPr lang="en-US" altLang="zh-CN" baseline="0" dirty="0" smtClean="0"/>
-              <a:t>. </a:t>
-            </a:r>
-            <a:r>
               <a:rPr lang="zh-CN" altLang="en-US" baseline="0" dirty="0" smtClean="0"/>
-              <a:t>支持</a:t>
-            </a:r>
-            <a:r>
-              <a:rPr lang="en-US" altLang="zh-CN" baseline="0" dirty="0" err="1" smtClean="0"/>
-              <a:t>rdf</a:t>
-            </a:r>
-            <a:r>
-              <a:rPr lang="zh-CN" altLang="en-US" baseline="0" dirty="0" smtClean="0"/>
-              <a:t>数据的存储与</a:t>
-            </a:r>
-            <a:r>
-              <a:rPr lang="en-US" altLang="zh-CN" baseline="0" dirty="0" err="1" smtClean="0"/>
-              <a:t>sparql</a:t>
-            </a:r>
-            <a:r>
-              <a:rPr lang="zh-CN" altLang="en-US" baseline="0" dirty="0" smtClean="0"/>
-              <a:t>查询。 其中的用于存储管理</a:t>
-            </a:r>
-            <a:r>
-              <a:rPr lang="en-US" altLang="zh-CN" baseline="0" dirty="0" err="1" smtClean="0"/>
-              <a:t>rdf</a:t>
-            </a:r>
-            <a:r>
-              <a:rPr lang="zh-CN" altLang="en-US" baseline="0" dirty="0" smtClean="0"/>
-              <a:t>的数据库</a:t>
-            </a:r>
-            <a:r>
-              <a:rPr lang="en-US" altLang="zh-CN" baseline="0" dirty="0" smtClean="0"/>
-              <a:t>TDB</a:t>
-            </a:r>
-            <a:r>
-              <a:rPr lang="zh-CN" altLang="en-US" baseline="0" dirty="0" smtClean="0"/>
-              <a:t>就是使用全索引策略实现。</a:t>
+              <a:t>删除代价太大。</a:t>
             </a:r>
             <a:endParaRPr lang="en-US" altLang="zh-CN" baseline="0" dirty="0" smtClean="0"/>
           </a:p>
@@ -1193,7 +1303,7 @@
           <a:p>
             <a:fld id="{18E79C09-4E72-49BD-A5C9-2924744C885B}" type="slidenum">
               <a:rPr lang="zh-CN" altLang="en-US" smtClean="0"/>
-              <a:t>22</a:t>
+              <a:t>21</a:t>
             </a:fld>
             <a:endParaRPr lang="zh-CN" altLang="en-US"/>
           </a:p>
@@ -1202,7 +1312,7 @@
     </p:spTree>
     <p:extLst>
       <p:ext uri="{BB962C8B-B14F-4D97-AF65-F5344CB8AC3E}">
-        <p14:creationId xmlns:p14="http://schemas.microsoft.com/office/powerpoint/2010/main" val="2741638125"/>
+        <p14:creationId xmlns:p14="http://schemas.microsoft.com/office/powerpoint/2010/main" val="276497870"/>
       </p:ext>
     </p:extLst>
   </p:cSld>
@@ -1258,30 +1368,109 @@
           <a:p>
             <a:r>
               <a:rPr lang="zh-CN" altLang="en-US" dirty="0" smtClean="0"/>
-              <a:t>图形数据库，支持图的挖掘算法，所以查询速度相对较快</a:t>
+              <a:t>为了加速</a:t>
+            </a:r>
+            <a:r>
+              <a:rPr lang="en-US" altLang="zh-CN" dirty="0" smtClean="0"/>
+              <a:t>RDF</a:t>
+            </a:r>
+            <a:r>
+              <a:rPr lang="zh-CN" altLang="en-US" dirty="0" smtClean="0"/>
+              <a:t>三元组在</a:t>
+            </a:r>
+            <a:r>
+              <a:rPr lang="en-US" altLang="zh-CN" dirty="0" smtClean="0"/>
+              <a:t>SPARQL</a:t>
+            </a:r>
+            <a:r>
+              <a:rPr lang="zh-CN" altLang="en-US" dirty="0" smtClean="0"/>
+              <a:t>查询过程中的连接操作速度，将三元组中的主语，谓语，宾语的各种排列枚举出来，分别为它们建立索引。</a:t>
             </a:r>
             <a:endParaRPr lang="en-US" altLang="zh-CN" dirty="0" smtClean="0"/>
           </a:p>
           <a:p>
+            <a:endParaRPr lang="en-US" altLang="zh-CN" dirty="0" smtClean="0"/>
+          </a:p>
+          <a:p>
+            <a:endParaRPr lang="en-US" altLang="zh-CN" baseline="0" dirty="0" smtClean="0"/>
+          </a:p>
+          <a:p>
+            <a:r>
+              <a:rPr lang="zh-CN" altLang="en-US" baseline="0" dirty="0" smtClean="0"/>
+              <a:t>三元组模式查询能高效执行</a:t>
+            </a:r>
+            <a:endParaRPr lang="en-US" altLang="zh-CN" baseline="0" dirty="0" smtClean="0"/>
+          </a:p>
+          <a:p>
+            <a:endParaRPr lang="en-US" altLang="zh-CN" dirty="0" smtClean="0"/>
+          </a:p>
+          <a:p>
+            <a:endParaRPr lang="en-US" altLang="zh-CN" baseline="0" dirty="0" smtClean="0"/>
+          </a:p>
+          <a:p>
             <a:r>
               <a:rPr lang="en-US" altLang="zh-CN" dirty="0" smtClean="0"/>
-              <a:t>Neo4j</a:t>
+              <a:t>JENA</a:t>
+            </a:r>
+            <a:r>
+              <a:rPr lang="zh-CN" altLang="en-US" dirty="0" smtClean="0"/>
+              <a:t>是一个开源的</a:t>
+            </a:r>
+            <a:r>
+              <a:rPr lang="en-US" altLang="zh-CN" dirty="0" smtClean="0"/>
+              <a:t>java</a:t>
             </a:r>
             <a:r>
               <a:rPr lang="en-US" altLang="zh-CN" baseline="0" dirty="0" smtClean="0"/>
               <a:t> </a:t>
             </a:r>
             <a:r>
+              <a:rPr lang="en-US" altLang="zh-CN" baseline="0" dirty="0" err="1" smtClean="0"/>
+              <a:t>api</a:t>
+            </a:r>
+            <a:r>
+              <a:rPr lang="en-US" altLang="zh-CN" baseline="0" dirty="0" smtClean="0"/>
+              <a:t>. </a:t>
+            </a:r>
+            <a:r>
               <a:rPr lang="zh-CN" altLang="en-US" baseline="0" dirty="0" smtClean="0"/>
-              <a:t>难以分片</a:t>
+              <a:t>支持</a:t>
+            </a:r>
+            <a:r>
+              <a:rPr lang="en-US" altLang="zh-CN" baseline="0" dirty="0" err="1" smtClean="0"/>
+              <a:t>rdf</a:t>
+            </a:r>
+            <a:r>
+              <a:rPr lang="zh-CN" altLang="en-US" baseline="0" dirty="0" smtClean="0"/>
+              <a:t>数据的存储与</a:t>
+            </a:r>
+            <a:r>
+              <a:rPr lang="en-US" altLang="zh-CN" baseline="0" dirty="0" err="1" smtClean="0"/>
+              <a:t>sparql</a:t>
+            </a:r>
+            <a:r>
+              <a:rPr lang="zh-CN" altLang="en-US" baseline="0" dirty="0" smtClean="0"/>
+              <a:t>查询。 其中的用于存储管理</a:t>
+            </a:r>
+            <a:r>
+              <a:rPr lang="en-US" altLang="zh-CN" baseline="0" dirty="0" err="1" smtClean="0"/>
+              <a:t>rdf</a:t>
+            </a:r>
+            <a:r>
+              <a:rPr lang="zh-CN" altLang="en-US" baseline="0" dirty="0" smtClean="0"/>
+              <a:t>的数据库</a:t>
+            </a:r>
+            <a:r>
+              <a:rPr lang="en-US" altLang="zh-CN" baseline="0" dirty="0" smtClean="0"/>
+              <a:t>TDB</a:t>
+            </a:r>
+            <a:r>
+              <a:rPr lang="zh-CN" altLang="en-US" baseline="0" dirty="0" smtClean="0"/>
+              <a:t>就是使用全索引策略实现。</a:t>
             </a:r>
             <a:endParaRPr lang="en-US" altLang="zh-CN" baseline="0" dirty="0" smtClean="0"/>
           </a:p>
           <a:p>
-            <a:r>
-              <a:rPr lang="zh-CN" altLang="en-US" baseline="0" dirty="0" smtClean="0"/>
-              <a:t>很难处理超级节点。</a:t>
-            </a:r>
             <a:endParaRPr lang="zh-CN" altLang="en-US" dirty="0"/>
           </a:p>
         </p:txBody>
@@ -1303,7 +1492,7 @@
           <a:p>
             <a:fld id="{18E79C09-4E72-49BD-A5C9-2924744C885B}" type="slidenum">
               <a:rPr lang="zh-CN" altLang="en-US" smtClean="0"/>
-              <a:t>24</a:t>
+              <a:t>22</a:t>
             </a:fld>
             <a:endParaRPr lang="zh-CN" altLang="en-US"/>
           </a:p>
@@ -1312,7 +1501,7 @@
     </p:spTree>
     <p:extLst>
       <p:ext uri="{BB962C8B-B14F-4D97-AF65-F5344CB8AC3E}">
-        <p14:creationId xmlns:p14="http://schemas.microsoft.com/office/powerpoint/2010/main" val="1864745631"/>
+        <p14:creationId xmlns:p14="http://schemas.microsoft.com/office/powerpoint/2010/main" val="2741638125"/>
       </p:ext>
     </p:extLst>
   </p:cSld>
@@ -1366,6 +1555,32 @@
           <a:bodyPr/>
           <a:lstStyle/>
           <a:p>
+            <a:r>
+              <a:rPr lang="zh-CN" altLang="en-US" dirty="0" smtClean="0"/>
+              <a:t>图形数据库，支持图的挖掘算法，所以查询速度相对较快</a:t>
+            </a:r>
+            <a:endParaRPr lang="en-US" altLang="zh-CN" dirty="0" smtClean="0"/>
+          </a:p>
+          <a:p>
+            <a:r>
+              <a:rPr lang="en-US" altLang="zh-CN" dirty="0" smtClean="0"/>
+              <a:t>Neo4j</a:t>
+            </a:r>
+            <a:r>
+              <a:rPr lang="en-US" altLang="zh-CN" baseline="0" dirty="0" smtClean="0"/>
+              <a:t> </a:t>
+            </a:r>
+            <a:r>
+              <a:rPr lang="zh-CN" altLang="en-US" baseline="0" dirty="0" smtClean="0"/>
+              <a:t>难以分片</a:t>
+            </a:r>
+            <a:endParaRPr lang="en-US" altLang="zh-CN" baseline="0" dirty="0" smtClean="0"/>
+          </a:p>
+          <a:p>
+            <a:r>
+              <a:rPr lang="zh-CN" altLang="en-US" baseline="0" dirty="0" smtClean="0"/>
+              <a:t>很难处理超级节点。</a:t>
+            </a:r>
             <a:endParaRPr lang="zh-CN" altLang="en-US" dirty="0"/>
           </a:p>
         </p:txBody>
@@ -1387,7 +1602,7 @@
           <a:p>
             <a:fld id="{18E79C09-4E72-49BD-A5C9-2924744C885B}" type="slidenum">
               <a:rPr lang="zh-CN" altLang="en-US" smtClean="0"/>
-              <a:t>25</a:t>
+              <a:t>24</a:t>
             </a:fld>
             <a:endParaRPr lang="zh-CN" altLang="en-US"/>
           </a:p>
@@ -1396,7 +1611,7 @@
     </p:spTree>
     <p:extLst>
       <p:ext uri="{BB962C8B-B14F-4D97-AF65-F5344CB8AC3E}">
-        <p14:creationId xmlns:p14="http://schemas.microsoft.com/office/powerpoint/2010/main" val="2007111110"/>
+        <p14:creationId xmlns:p14="http://schemas.microsoft.com/office/powerpoint/2010/main" val="1864745631"/>
       </p:ext>
     </p:extLst>
   </p:cSld>
@@ -1450,10 +1665,6 @@
           <a:bodyPr/>
           <a:lstStyle/>
           <a:p>
-            <a:r>
-              <a:rPr lang="en-US" altLang="zh-CN" dirty="0" smtClean="0"/>
-              <a:t>http://hao.jobbole.com/titan/</a:t>
-            </a:r>
             <a:endParaRPr lang="zh-CN" altLang="en-US" dirty="0"/>
           </a:p>
         </p:txBody>
@@ -1475,7 +1686,7 @@
           <a:p>
             <a:fld id="{18E79C09-4E72-49BD-A5C9-2924744C885B}" type="slidenum">
               <a:rPr lang="zh-CN" altLang="en-US" smtClean="0"/>
-              <a:t>26</a:t>
+              <a:t>25</a:t>
             </a:fld>
             <a:endParaRPr lang="zh-CN" altLang="en-US"/>
           </a:p>
@@ -1484,7 +1695,7 @@
     </p:spTree>
     <p:extLst>
       <p:ext uri="{BB962C8B-B14F-4D97-AF65-F5344CB8AC3E}">
-        <p14:creationId xmlns:p14="http://schemas.microsoft.com/office/powerpoint/2010/main" val="3467127840"/>
+        <p14:creationId xmlns:p14="http://schemas.microsoft.com/office/powerpoint/2010/main" val="2007111110"/>
       </p:ext>
     </p:extLst>
   </p:cSld>
@@ -1539,100 +1750,8 @@
           <a:lstStyle/>
           <a:p>
             <a:r>
-              <a:rPr lang="zh-CN" altLang="en-US" dirty="0" smtClean="0"/>
-              <a:t>基于</a:t>
-            </a:r>
-            <a:r>
               <a:rPr lang="en-US" altLang="zh-CN" dirty="0" smtClean="0"/>
-              <a:t>Hadoop</a:t>
-            </a:r>
-            <a:r>
-              <a:rPr lang="zh-CN" altLang="en-US" dirty="0" smtClean="0"/>
-              <a:t>的</a:t>
-            </a:r>
-            <a:r>
-              <a:rPr lang="en-US" altLang="zh-CN" dirty="0" smtClean="0"/>
-              <a:t>RDF</a:t>
-            </a:r>
-            <a:r>
-              <a:rPr lang="zh-CN" altLang="en-US" dirty="0" smtClean="0"/>
-              <a:t>数据上的分布式查询处理方法将</a:t>
-            </a:r>
-            <a:r>
-              <a:rPr lang="en-US" altLang="zh-CN" dirty="0" smtClean="0"/>
-              <a:t>RDF</a:t>
-            </a:r>
-            <a:r>
-              <a:rPr lang="zh-CN" altLang="en-US" dirty="0" smtClean="0"/>
-              <a:t>数据转化为平面文件</a:t>
-            </a:r>
-            <a:endParaRPr lang="en-US" altLang="zh-CN" dirty="0" smtClean="0"/>
-          </a:p>
-          <a:p>
-            <a:r>
-              <a:rPr lang="zh-CN" altLang="en-US" dirty="0" smtClean="0"/>
-              <a:t>存储在</a:t>
-            </a:r>
-            <a:r>
-              <a:rPr lang="en-US" altLang="zh-CN" dirty="0" smtClean="0"/>
-              <a:t>HDFS</a:t>
-            </a:r>
-            <a:r>
-              <a:rPr lang="zh-CN" altLang="en-US" dirty="0" smtClean="0"/>
-              <a:t>上。在进行查询处理的时候，这些方法将查询分解为若干个子查询</a:t>
-            </a:r>
-            <a:endParaRPr lang="en-US" altLang="zh-CN" dirty="0" smtClean="0"/>
-          </a:p>
-          <a:p>
-            <a:r>
-              <a:rPr lang="zh-CN" altLang="en-US" dirty="0" smtClean="0"/>
-              <a:t>每个子查询通过在</a:t>
-            </a:r>
-            <a:r>
-              <a:rPr lang="en-US" altLang="zh-CN" dirty="0" smtClean="0"/>
-              <a:t>HDFS</a:t>
-            </a:r>
-            <a:r>
-              <a:rPr lang="zh-CN" altLang="en-US" dirty="0" smtClean="0"/>
-              <a:t>上扫描得到候选解，然后用</a:t>
-            </a:r>
-            <a:r>
-              <a:rPr lang="en-US" altLang="zh-CN" dirty="0" err="1" smtClean="0"/>
-              <a:t>MapReduce</a:t>
-            </a:r>
-            <a:r>
-              <a:rPr lang="zh-CN" altLang="en-US" dirty="0" smtClean="0"/>
-              <a:t>将候选解连接起来</a:t>
-            </a:r>
-            <a:endParaRPr lang="en-US" altLang="zh-CN" dirty="0" smtClean="0"/>
-          </a:p>
-          <a:p>
-            <a:r>
-              <a:rPr lang="zh-CN" altLang="en-US" dirty="0" smtClean="0"/>
-              <a:t>以得到最终解</a:t>
-            </a:r>
-            <a:endParaRPr lang="en-US" altLang="zh-CN" dirty="0" smtClean="0"/>
-          </a:p>
-          <a:p>
-            <a:r>
-              <a:rPr lang="zh-CN" altLang="en-US" dirty="0" smtClean="0"/>
-              <a:t>不同方法的区别是</a:t>
-            </a:r>
-            <a:r>
-              <a:rPr lang="en-US" altLang="zh-CN" dirty="0" smtClean="0"/>
-              <a:t>RDF</a:t>
-            </a:r>
-            <a:r>
-              <a:rPr lang="zh-CN" altLang="en-US" dirty="0" smtClean="0"/>
-              <a:t>转为</a:t>
-            </a:r>
-            <a:r>
-              <a:rPr lang="en-US" altLang="zh-CN" dirty="0" smtClean="0"/>
-              <a:t>HDFS</a:t>
-            </a:r>
-            <a:r>
-              <a:rPr lang="zh-CN" altLang="en-US" dirty="0" smtClean="0"/>
-              <a:t>平面文件的方式不同。</a:t>
+              <a:t>http://hao.jobbole.com/titan/</a:t>
             </a:r>
             <a:endParaRPr lang="zh-CN" altLang="en-US" dirty="0"/>
           </a:p>
@@ -1655,7 +1774,7 @@
           <a:p>
             <a:fld id="{18E79C09-4E72-49BD-A5C9-2924744C885B}" type="slidenum">
               <a:rPr lang="zh-CN" altLang="en-US" smtClean="0"/>
-              <a:t>28</a:t>
+              <a:t>26</a:t>
             </a:fld>
             <a:endParaRPr lang="zh-CN" altLang="en-US"/>
           </a:p>
@@ -1664,7 +1783,7 @@
     </p:spTree>
     <p:extLst>
       <p:ext uri="{BB962C8B-B14F-4D97-AF65-F5344CB8AC3E}">
-        <p14:creationId xmlns:p14="http://schemas.microsoft.com/office/powerpoint/2010/main" val="2379797977"/>
+        <p14:creationId xmlns:p14="http://schemas.microsoft.com/office/powerpoint/2010/main" val="3467127840"/>
       </p:ext>
     </p:extLst>
   </p:cSld>
@@ -1719,87 +1838,100 @@
           <a:lstStyle/>
           <a:p>
             <a:r>
+              <a:rPr lang="zh-CN" altLang="en-US" dirty="0" smtClean="0"/>
+              <a:t>基于</a:t>
+            </a:r>
+            <a:r>
               <a:rPr lang="en-US" altLang="zh-CN" dirty="0" smtClean="0"/>
-              <a:t>Trinity</a:t>
+              <a:t>Hadoop</a:t>
             </a:r>
             <a:r>
               <a:rPr lang="zh-CN" altLang="en-US" dirty="0" smtClean="0"/>
-              <a:t>是微软开发的一个基于内存的分布式图数据管理系统。</a:t>
+              <a:t>的</a:t>
+            </a:r>
+            <a:r>
+              <a:rPr lang="en-US" altLang="zh-CN" dirty="0" smtClean="0"/>
+              <a:t>RDF</a:t>
+            </a:r>
+            <a:r>
+              <a:rPr lang="zh-CN" altLang="en-US" dirty="0" smtClean="0"/>
+              <a:t>数据上的分布式查询处理方法将</a:t>
+            </a:r>
+            <a:r>
+              <a:rPr lang="en-US" altLang="zh-CN" dirty="0" smtClean="0"/>
+              <a:t>RDF</a:t>
+            </a:r>
+            <a:r>
+              <a:rPr lang="zh-CN" altLang="en-US" dirty="0" smtClean="0"/>
+              <a:t>数据转化为平面文件</a:t>
             </a:r>
             <a:endParaRPr lang="en-US" altLang="zh-CN" dirty="0" smtClean="0"/>
           </a:p>
           <a:p>
             <a:r>
               <a:rPr lang="zh-CN" altLang="en-US" dirty="0" smtClean="0"/>
-              <a:t>有关学者提出了</a:t>
+              <a:t>存储在</a:t>
+            </a:r>
+            <a:r>
+              <a:rPr lang="en-US" altLang="zh-CN" dirty="0" smtClean="0"/>
+              <a:t>HDFS</a:t>
+            </a:r>
+            <a:r>
+              <a:rPr lang="zh-CN" altLang="en-US" dirty="0" smtClean="0"/>
+              <a:t>上。在进行查询处理的时候，这些方法将查询分解为若干个子查询</a:t>
+            </a:r>
+            <a:endParaRPr lang="en-US" altLang="zh-CN" dirty="0" smtClean="0"/>
+          </a:p>
+          <a:p>
+            <a:r>
+              <a:rPr lang="zh-CN" altLang="en-US" dirty="0" smtClean="0"/>
+              <a:t>每个子查询通过在</a:t>
+            </a:r>
+            <a:r>
+              <a:rPr lang="en-US" altLang="zh-CN" dirty="0" smtClean="0"/>
+              <a:t>HDFS</a:t>
+            </a:r>
+            <a:r>
+              <a:rPr lang="zh-CN" altLang="en-US" dirty="0" smtClean="0"/>
+              <a:t>上扫描得到候选解，然后用</a:t>
             </a:r>
             <a:r>
               <a:rPr lang="en-US" altLang="zh-CN" dirty="0" err="1" smtClean="0"/>
-              <a:t>Trinity.RDF</a:t>
+              <a:t>MapReduce</a:t>
             </a:r>
             <a:r>
               <a:rPr lang="zh-CN" altLang="en-US" dirty="0" smtClean="0"/>
-              <a:t>，就是利用</a:t>
+              <a:t>将候选解连接起来</a:t>
+            </a:r>
+            <a:endParaRPr lang="en-US" altLang="zh-CN" dirty="0" smtClean="0"/>
+          </a:p>
+          <a:p>
+            <a:r>
+              <a:rPr lang="zh-CN" altLang="en-US" dirty="0" smtClean="0"/>
+              <a:t>以得到最终解</a:t>
+            </a:r>
+            <a:endParaRPr lang="en-US" altLang="zh-CN" dirty="0" smtClean="0"/>
+          </a:p>
+          <a:p>
+            <a:r>
+              <a:rPr lang="zh-CN" altLang="en-US" dirty="0" smtClean="0"/>
+              <a:t>不同方法的区别是</a:t>
             </a:r>
             <a:r>
               <a:rPr lang="en-US" altLang="zh-CN" dirty="0" smtClean="0"/>
-              <a:t>Trinity</a:t>
+              <a:t>RDF</a:t>
             </a:r>
             <a:r>
               <a:rPr lang="zh-CN" altLang="en-US" dirty="0" smtClean="0"/>
-              <a:t>，进行知识图谱的存储与查询。</a:t>
-            </a:r>
-            <a:endParaRPr lang="en-US" altLang="zh-CN" dirty="0" smtClean="0"/>
-          </a:p>
-          <a:p>
-            <a:endParaRPr lang="en-US" altLang="zh-CN" dirty="0" smtClean="0"/>
-          </a:p>
-          <a:p>
+              <a:t>转为</a:t>
+            </a:r>
+            <a:r>
+              <a:rPr lang="en-US" altLang="zh-CN" dirty="0" smtClean="0"/>
+              <a:t>HDFS</a:t>
+            </a:r>
             <a:r>
               <a:rPr lang="zh-CN" altLang="en-US" dirty="0" smtClean="0"/>
-              <a:t>知识图谱在</a:t>
-            </a:r>
-            <a:r>
-              <a:rPr lang="en-US" altLang="zh-CN" dirty="0" smtClean="0"/>
-              <a:t>trinity</a:t>
-            </a:r>
-            <a:r>
-              <a:rPr lang="zh-CN" altLang="en-US" dirty="0" smtClean="0"/>
-              <a:t>中是以邻接表的形式存储的。</a:t>
-            </a:r>
-            <a:endParaRPr lang="en-US" altLang="zh-CN" dirty="0" smtClean="0"/>
-          </a:p>
-          <a:p>
-            <a:endParaRPr lang="en-US" altLang="zh-CN" dirty="0" smtClean="0"/>
-          </a:p>
-          <a:p>
-            <a:r>
-              <a:rPr lang="zh-CN" altLang="en-US" dirty="0" smtClean="0"/>
-              <a:t>实体是以</a:t>
-            </a:r>
-            <a:r>
-              <a:rPr lang="en-US" altLang="zh-CN" dirty="0" smtClean="0"/>
-              <a:t>key-value</a:t>
-            </a:r>
-            <a:r>
-              <a:rPr lang="zh-CN" altLang="en-US" dirty="0" smtClean="0"/>
-              <a:t>形式存储的</a:t>
-            </a:r>
-            <a:r>
-              <a:rPr lang="zh-CN" altLang="en-US" baseline="0" dirty="0" smtClean="0"/>
-              <a:t> </a:t>
-            </a:r>
-            <a:r>
-              <a:rPr lang="en-US" altLang="zh-CN" baseline="0" dirty="0" smtClean="0"/>
-              <a:t>node-id</a:t>
-            </a:r>
-            <a:r>
-              <a:rPr lang="zh-CN" altLang="en-US" baseline="0" dirty="0" smtClean="0"/>
-              <a:t>是其</a:t>
-            </a:r>
-            <a:r>
-              <a:rPr lang="en-US" altLang="zh-CN" baseline="0" dirty="0" smtClean="0"/>
-              <a:t>key</a:t>
+              <a:t>平面文件的方式不同。</a:t>
             </a:r>
             <a:endParaRPr lang="zh-CN" altLang="en-US" dirty="0"/>
           </a:p>
@@ -1822,7 +1954,7 @@
           <a:p>
             <a:fld id="{18E79C09-4E72-49BD-A5C9-2924744C885B}" type="slidenum">
               <a:rPr lang="zh-CN" altLang="en-US" smtClean="0"/>
-              <a:t>29</a:t>
+              <a:t>28</a:t>
             </a:fld>
             <a:endParaRPr lang="zh-CN" altLang="en-US"/>
           </a:p>
@@ -1831,7 +1963,7 @@
     </p:spTree>
     <p:extLst>
       <p:ext uri="{BB962C8B-B14F-4D97-AF65-F5344CB8AC3E}">
-        <p14:creationId xmlns:p14="http://schemas.microsoft.com/office/powerpoint/2010/main" val="570811089"/>
+        <p14:creationId xmlns:p14="http://schemas.microsoft.com/office/powerpoint/2010/main" val="2379797977"/>
       </p:ext>
     </p:extLst>
   </p:cSld>
@@ -1906,7 +2038,7 @@
           <a:p>
             <a:fld id="{18E79C09-4E72-49BD-A5C9-2924744C885B}" type="slidenum">
               <a:rPr lang="zh-CN" altLang="en-US" smtClean="0"/>
-              <a:t>3</a:t>
+              <a:t>2</a:t>
             </a:fld>
             <a:endParaRPr lang="zh-CN" altLang="en-US"/>
           </a:p>
@@ -1915,7 +2047,353 @@
     </p:spTree>
     <p:extLst>
       <p:ext uri="{BB962C8B-B14F-4D97-AF65-F5344CB8AC3E}">
-        <p14:creationId xmlns:p14="http://schemas.microsoft.com/office/powerpoint/2010/main" val="3822236278"/>
+        <p14:creationId xmlns:p14="http://schemas.microsoft.com/office/powerpoint/2010/main" val="3284185842"/>
+      </p:ext>
+    </p:extLst>
+  </p:cSld>
+  <p:clrMapOvr>
+    <a:masterClrMapping/>
+  </p:clrMapOvr>
+</p:notes>
+</file>
+
+<file path=ppt/notesSlides/notesSlide20.xml><?xml version="1.0" encoding="utf-8"?>
+<p:notes xmlns:a="http://schemas.openxmlformats.org/drawingml/2006/main" xmlns:r="http://schemas.openxmlformats.org/officeDocument/2006/relationships" xmlns:p="http://schemas.openxmlformats.org/presentationml/2006/main">
+  <p:cSld>
+    <p:spTree>
+      <p:nvGrpSpPr>
+        <p:cNvPr id="1" name=""/>
+        <p:cNvGrpSpPr/>
+        <p:nvPr/>
+      </p:nvGrpSpPr>
+      <p:grpSpPr>
+        <a:xfrm>
+          <a:off x="0" y="0"/>
+          <a:ext cx="0" cy="0"/>
+          <a:chOff x="0" y="0"/>
+          <a:chExt cx="0" cy="0"/>
+        </a:xfrm>
+      </p:grpSpPr>
+      <p:sp>
+        <p:nvSpPr>
+          <p:cNvPr id="2" name="幻灯片图像占位符 1"/>
+          <p:cNvSpPr>
+            <a:spLocks noGrp="1" noRot="1" noChangeAspect="1"/>
+          </p:cNvSpPr>
+          <p:nvPr>
+            <p:ph type="sldImg"/>
+          </p:nvPr>
+        </p:nvSpPr>
+        <p:spPr/>
+      </p:sp>
+      <p:sp>
+        <p:nvSpPr>
+          <p:cNvPr id="3" name="备注占位符 2"/>
+          <p:cNvSpPr>
+            <a:spLocks noGrp="1"/>
+          </p:cNvSpPr>
+          <p:nvPr>
+            <p:ph type="body" idx="1"/>
+          </p:nvPr>
+        </p:nvSpPr>
+        <p:spPr/>
+        <p:txBody>
+          <a:bodyPr/>
+          <a:lstStyle/>
+          <a:p>
+            <a:r>
+              <a:rPr lang="en-US" altLang="zh-CN" dirty="0" smtClean="0"/>
+              <a:t>Trinity</a:t>
+            </a:r>
+            <a:r>
+              <a:rPr lang="zh-CN" altLang="en-US" dirty="0" smtClean="0"/>
+              <a:t>是微软开发的一个基于内存的分布式图数据管理系统。</a:t>
+            </a:r>
+            <a:endParaRPr lang="en-US" altLang="zh-CN" dirty="0" smtClean="0"/>
+          </a:p>
+          <a:p>
+            <a:r>
+              <a:rPr lang="zh-CN" altLang="en-US" dirty="0" smtClean="0"/>
+              <a:t>有关学者提出了</a:t>
+            </a:r>
+            <a:r>
+              <a:rPr lang="en-US" altLang="zh-CN" dirty="0" err="1" smtClean="0"/>
+              <a:t>Trinity.RDF</a:t>
+            </a:r>
+            <a:r>
+              <a:rPr lang="zh-CN" altLang="en-US" dirty="0" smtClean="0"/>
+              <a:t>，就是利用</a:t>
+            </a:r>
+            <a:r>
+              <a:rPr lang="en-US" altLang="zh-CN" dirty="0" smtClean="0"/>
+              <a:t>Trinity</a:t>
+            </a:r>
+            <a:r>
+              <a:rPr lang="zh-CN" altLang="en-US" dirty="0" smtClean="0"/>
+              <a:t>，进行知识图谱的存储与查询。</a:t>
+            </a:r>
+            <a:endParaRPr lang="en-US" altLang="zh-CN" dirty="0" smtClean="0"/>
+          </a:p>
+          <a:p>
+            <a:endParaRPr lang="en-US" altLang="zh-CN" dirty="0" smtClean="0"/>
+          </a:p>
+          <a:p>
+            <a:r>
+              <a:rPr lang="zh-CN" altLang="en-US" dirty="0" smtClean="0"/>
+              <a:t>知识图谱在</a:t>
+            </a:r>
+            <a:r>
+              <a:rPr lang="en-US" altLang="zh-CN" dirty="0" smtClean="0"/>
+              <a:t>trinity</a:t>
+            </a:r>
+            <a:r>
+              <a:rPr lang="zh-CN" altLang="en-US" dirty="0" smtClean="0"/>
+              <a:t>中是以邻接表的形式存储的。</a:t>
+            </a:r>
+            <a:endParaRPr lang="en-US" altLang="zh-CN" dirty="0" smtClean="0"/>
+          </a:p>
+          <a:p>
+            <a:endParaRPr lang="en-US" altLang="zh-CN" dirty="0" smtClean="0"/>
+          </a:p>
+          <a:p>
+            <a:r>
+              <a:rPr lang="zh-CN" altLang="en-US" dirty="0" smtClean="0"/>
+              <a:t>实体是以</a:t>
+            </a:r>
+            <a:r>
+              <a:rPr lang="en-US" altLang="zh-CN" dirty="0" smtClean="0"/>
+              <a:t>key-value</a:t>
+            </a:r>
+            <a:r>
+              <a:rPr lang="zh-CN" altLang="en-US" dirty="0" smtClean="0"/>
+              <a:t>形式存储的</a:t>
+            </a:r>
+            <a:r>
+              <a:rPr lang="zh-CN" altLang="en-US" baseline="0" dirty="0" smtClean="0"/>
+              <a:t> </a:t>
+            </a:r>
+            <a:r>
+              <a:rPr lang="en-US" altLang="zh-CN" baseline="0" dirty="0" smtClean="0"/>
+              <a:t>node-id</a:t>
+            </a:r>
+            <a:r>
+              <a:rPr lang="zh-CN" altLang="en-US" baseline="0" dirty="0" smtClean="0"/>
+              <a:t>是其</a:t>
+            </a:r>
+            <a:r>
+              <a:rPr lang="en-US" altLang="zh-CN" baseline="0" dirty="0" smtClean="0"/>
+              <a:t>key</a:t>
+            </a:r>
+            <a:endParaRPr lang="zh-CN" altLang="en-US" dirty="0"/>
+          </a:p>
+        </p:txBody>
+      </p:sp>
+      <p:sp>
+        <p:nvSpPr>
+          <p:cNvPr id="4" name="灯片编号占位符 3"/>
+          <p:cNvSpPr>
+            <a:spLocks noGrp="1"/>
+          </p:cNvSpPr>
+          <p:nvPr>
+            <p:ph type="sldNum" sz="quarter" idx="10"/>
+          </p:nvPr>
+        </p:nvSpPr>
+        <p:spPr/>
+        <p:txBody>
+          <a:bodyPr/>
+          <a:lstStyle/>
+          <a:p>
+            <a:fld id="{18E79C09-4E72-49BD-A5C9-2924744C885B}" type="slidenum">
+              <a:rPr lang="zh-CN" altLang="en-US" smtClean="0"/>
+              <a:t>29</a:t>
+            </a:fld>
+            <a:endParaRPr lang="zh-CN" altLang="en-US"/>
+          </a:p>
+        </p:txBody>
+      </p:sp>
+    </p:spTree>
+    <p:extLst>
+      <p:ext uri="{BB962C8B-B14F-4D97-AF65-F5344CB8AC3E}">
+        <p14:creationId xmlns:p14="http://schemas.microsoft.com/office/powerpoint/2010/main" val="570811089"/>
+      </p:ext>
+    </p:extLst>
+  </p:cSld>
+  <p:clrMapOvr>
+    <a:masterClrMapping/>
+  </p:clrMapOvr>
+</p:notes>
+</file>
+
+<file path=ppt/notesSlides/notesSlide21.xml><?xml version="1.0" encoding="utf-8"?>
+<p:notes xmlns:a="http://schemas.openxmlformats.org/drawingml/2006/main" xmlns:r="http://schemas.openxmlformats.org/officeDocument/2006/relationships" xmlns:p="http://schemas.openxmlformats.org/presentationml/2006/main">
+  <p:cSld>
+    <p:spTree>
+      <p:nvGrpSpPr>
+        <p:cNvPr id="1" name=""/>
+        <p:cNvGrpSpPr/>
+        <p:nvPr/>
+      </p:nvGrpSpPr>
+      <p:grpSpPr>
+        <a:xfrm>
+          <a:off x="0" y="0"/>
+          <a:ext cx="0" cy="0"/>
+          <a:chOff x="0" y="0"/>
+          <a:chExt cx="0" cy="0"/>
+        </a:xfrm>
+      </p:grpSpPr>
+      <p:sp>
+        <p:nvSpPr>
+          <p:cNvPr id="2" name="幻灯片图像占位符 1"/>
+          <p:cNvSpPr>
+            <a:spLocks noGrp="1" noRot="1" noChangeAspect="1"/>
+          </p:cNvSpPr>
+          <p:nvPr>
+            <p:ph type="sldImg"/>
+          </p:nvPr>
+        </p:nvSpPr>
+        <p:spPr/>
+      </p:sp>
+      <p:sp>
+        <p:nvSpPr>
+          <p:cNvPr id="3" name="备注占位符 2"/>
+          <p:cNvSpPr>
+            <a:spLocks noGrp="1"/>
+          </p:cNvSpPr>
+          <p:nvPr>
+            <p:ph type="body" idx="1"/>
+          </p:nvPr>
+        </p:nvSpPr>
+        <p:spPr/>
+        <p:txBody>
+          <a:bodyPr/>
+          <a:lstStyle/>
+          <a:p>
+            <a:r>
+              <a:rPr lang="zh-CN" altLang="en-US" dirty="0" smtClean="0"/>
+              <a:t>入邻接列表</a:t>
+            </a:r>
+            <a:endParaRPr lang="en-US" altLang="zh-CN" dirty="0" smtClean="0"/>
+          </a:p>
+          <a:p>
+            <a:r>
+              <a:rPr lang="zh-CN" altLang="en-US" dirty="0" smtClean="0"/>
+              <a:t>出邻接列表</a:t>
+            </a:r>
+            <a:endParaRPr lang="zh-CN" altLang="en-US" dirty="0"/>
+          </a:p>
+        </p:txBody>
+      </p:sp>
+      <p:sp>
+        <p:nvSpPr>
+          <p:cNvPr id="4" name="灯片编号占位符 3"/>
+          <p:cNvSpPr>
+            <a:spLocks noGrp="1"/>
+          </p:cNvSpPr>
+          <p:nvPr>
+            <p:ph type="sldNum" sz="quarter" idx="10"/>
+          </p:nvPr>
+        </p:nvSpPr>
+        <p:spPr/>
+        <p:txBody>
+          <a:bodyPr/>
+          <a:lstStyle/>
+          <a:p>
+            <a:fld id="{18E79C09-4E72-49BD-A5C9-2924744C885B}" type="slidenum">
+              <a:rPr lang="zh-CN" altLang="en-US" smtClean="0"/>
+              <a:t>30</a:t>
+            </a:fld>
+            <a:endParaRPr lang="zh-CN" altLang="en-US"/>
+          </a:p>
+        </p:txBody>
+      </p:sp>
+    </p:spTree>
+    <p:extLst>
+      <p:ext uri="{BB962C8B-B14F-4D97-AF65-F5344CB8AC3E}">
+        <p14:creationId xmlns:p14="http://schemas.microsoft.com/office/powerpoint/2010/main" val="824358153"/>
+      </p:ext>
+    </p:extLst>
+  </p:cSld>
+  <p:clrMapOvr>
+    <a:masterClrMapping/>
+  </p:clrMapOvr>
+</p:notes>
+</file>
+
+<file path=ppt/notesSlides/notesSlide22.xml><?xml version="1.0" encoding="utf-8"?>
+<p:notes xmlns:a="http://schemas.openxmlformats.org/drawingml/2006/main" xmlns:r="http://schemas.openxmlformats.org/officeDocument/2006/relationships" xmlns:p="http://schemas.openxmlformats.org/presentationml/2006/main">
+  <p:cSld>
+    <p:spTree>
+      <p:nvGrpSpPr>
+        <p:cNvPr id="1" name=""/>
+        <p:cNvGrpSpPr/>
+        <p:nvPr/>
+      </p:nvGrpSpPr>
+      <p:grpSpPr>
+        <a:xfrm>
+          <a:off x="0" y="0"/>
+          <a:ext cx="0" cy="0"/>
+          <a:chOff x="0" y="0"/>
+          <a:chExt cx="0" cy="0"/>
+        </a:xfrm>
+      </p:grpSpPr>
+      <p:sp>
+        <p:nvSpPr>
+          <p:cNvPr id="2" name="幻灯片图像占位符 1"/>
+          <p:cNvSpPr>
+            <a:spLocks noGrp="1" noRot="1" noChangeAspect="1"/>
+          </p:cNvSpPr>
+          <p:nvPr>
+            <p:ph type="sldImg"/>
+          </p:nvPr>
+        </p:nvSpPr>
+        <p:spPr/>
+      </p:sp>
+      <p:sp>
+        <p:nvSpPr>
+          <p:cNvPr id="3" name="备注占位符 2"/>
+          <p:cNvSpPr>
+            <a:spLocks noGrp="1"/>
+          </p:cNvSpPr>
+          <p:nvPr>
+            <p:ph type="body" idx="1"/>
+          </p:nvPr>
+        </p:nvSpPr>
+        <p:spPr/>
+        <p:txBody>
+          <a:bodyPr/>
+          <a:lstStyle/>
+          <a:p>
+            <a:endParaRPr lang="zh-CN" altLang="en-US" dirty="0"/>
+          </a:p>
+        </p:txBody>
+      </p:sp>
+      <p:sp>
+        <p:nvSpPr>
+          <p:cNvPr id="4" name="灯片编号占位符 3"/>
+          <p:cNvSpPr>
+            <a:spLocks noGrp="1"/>
+          </p:cNvSpPr>
+          <p:nvPr>
+            <p:ph type="sldNum" sz="quarter" idx="10"/>
+          </p:nvPr>
+        </p:nvSpPr>
+        <p:spPr/>
+        <p:txBody>
+          <a:bodyPr/>
+          <a:lstStyle/>
+          <a:p>
+            <a:fld id="{18E79C09-4E72-49BD-A5C9-2924744C885B}" type="slidenum">
+              <a:rPr lang="zh-CN" altLang="en-US" smtClean="0"/>
+              <a:t>31</a:t>
+            </a:fld>
+            <a:endParaRPr lang="zh-CN" altLang="en-US"/>
+          </a:p>
+        </p:txBody>
+      </p:sp>
+    </p:spTree>
+    <p:extLst>
+      <p:ext uri="{BB962C8B-B14F-4D97-AF65-F5344CB8AC3E}">
+        <p14:creationId xmlns:p14="http://schemas.microsoft.com/office/powerpoint/2010/main" val="36364906"/>
       </p:ext>
     </p:extLst>
   </p:cSld>
@@ -1969,123 +2447,6 @@
           <a:bodyPr/>
           <a:lstStyle/>
           <a:p>
-            <a:r>
-              <a:rPr lang="zh-CN" altLang="en-US" dirty="0" smtClean="0">
-                <a:latin typeface="楷体" panose="02010609060101010101" pitchFamily="49" charset="-122"/>
-                <a:ea typeface="楷体" panose="02010609060101010101" pitchFamily="49" charset="-122"/>
-              </a:rPr>
-              <a:t>知识图谱本质上是一种语义网络。其节点代表实体（</a:t>
-            </a:r>
-            <a:r>
-              <a:rPr lang="en-US" altLang="zh-CN" dirty="0" smtClean="0">
-                <a:latin typeface="楷体" panose="02010609060101010101" pitchFamily="49" charset="-122"/>
-                <a:ea typeface="楷体" panose="02010609060101010101" pitchFamily="49" charset="-122"/>
-              </a:rPr>
-              <a:t>entity</a:t>
-            </a:r>
-            <a:r>
-              <a:rPr lang="zh-CN" altLang="en-US" dirty="0" smtClean="0">
-                <a:latin typeface="楷体" panose="02010609060101010101" pitchFamily="49" charset="-122"/>
-                <a:ea typeface="楷体" panose="02010609060101010101" pitchFamily="49" charset="-122"/>
-              </a:rPr>
-              <a:t>）或者概念，边代表实体</a:t>
-            </a:r>
-            <a:r>
-              <a:rPr lang="en-US" altLang="zh-CN" dirty="0" smtClean="0">
-                <a:latin typeface="楷体" panose="02010609060101010101" pitchFamily="49" charset="-122"/>
-                <a:ea typeface="楷体" panose="02010609060101010101" pitchFamily="49" charset="-122"/>
-              </a:rPr>
-              <a:t>/</a:t>
-            </a:r>
-            <a:r>
-              <a:rPr lang="zh-CN" altLang="en-US" dirty="0" smtClean="0">
-                <a:latin typeface="楷体" panose="02010609060101010101" pitchFamily="49" charset="-122"/>
-                <a:ea typeface="楷体" panose="02010609060101010101" pitchFamily="49" charset="-122"/>
-              </a:rPr>
-              <a:t>概念之间</a:t>
-            </a:r>
-            <a:endParaRPr lang="en-US" altLang="zh-CN" dirty="0" smtClean="0">
-              <a:latin typeface="楷体" panose="02010609060101010101" pitchFamily="49" charset="-122"/>
-              <a:ea typeface="楷体" panose="02010609060101010101" pitchFamily="49" charset="-122"/>
-            </a:endParaRPr>
-          </a:p>
-          <a:p>
-            <a:r>
-              <a:rPr lang="zh-CN" altLang="en-US" dirty="0" smtClean="0">
-                <a:latin typeface="楷体" panose="02010609060101010101" pitchFamily="49" charset="-122"/>
-                <a:ea typeface="楷体" panose="02010609060101010101" pitchFamily="49" charset="-122"/>
-              </a:rPr>
-              <a:t>的各种语义关系。</a:t>
-            </a:r>
-            <a:endParaRPr lang="en-US" altLang="zh-CN" dirty="0" smtClean="0">
-              <a:latin typeface="楷体" panose="02010609060101010101" pitchFamily="49" charset="-122"/>
-              <a:ea typeface="楷体" panose="02010609060101010101" pitchFamily="49" charset="-122"/>
-            </a:endParaRPr>
-          </a:p>
-          <a:p>
-            <a:r>
-              <a:rPr lang="zh-CN" altLang="en-US" dirty="0" smtClean="0">
-                <a:latin typeface="楷体" panose="02010609060101010101" pitchFamily="49" charset="-122"/>
-                <a:ea typeface="楷体" panose="02010609060101010101" pitchFamily="49" charset="-122"/>
-              </a:rPr>
-              <a:t>知识图谱是一条条知识组成</a:t>
-            </a:r>
-            <a:r>
-              <a:rPr lang="zh-CN" altLang="en-US" baseline="0" dirty="0" smtClean="0">
-                <a:latin typeface="楷体" panose="02010609060101010101" pitchFamily="49" charset="-122"/>
-                <a:ea typeface="楷体" panose="02010609060101010101" pitchFamily="49" charset="-122"/>
-              </a:rPr>
-              <a:t> 每个知识为</a:t>
-            </a:r>
-            <a:r>
-              <a:rPr lang="en-US" altLang="zh-CN" baseline="0" dirty="0" smtClean="0">
-                <a:latin typeface="楷体" panose="02010609060101010101" pitchFamily="49" charset="-122"/>
-                <a:ea typeface="楷体" panose="02010609060101010101" pitchFamily="49" charset="-122"/>
-              </a:rPr>
-              <a:t>SPO</a:t>
-            </a:r>
-            <a:r>
-              <a:rPr lang="zh-CN" altLang="en-US" baseline="0" dirty="0" smtClean="0">
-                <a:latin typeface="楷体" panose="02010609060101010101" pitchFamily="49" charset="-122"/>
-                <a:ea typeface="楷体" panose="02010609060101010101" pitchFamily="49" charset="-122"/>
-              </a:rPr>
-              <a:t>三元组（</a:t>
-            </a:r>
-            <a:r>
-              <a:rPr lang="en-US" altLang="zh-CN" baseline="0" dirty="0" smtClean="0">
-                <a:latin typeface="楷体" panose="02010609060101010101" pitchFamily="49" charset="-122"/>
-                <a:ea typeface="楷体" panose="02010609060101010101" pitchFamily="49" charset="-122"/>
-              </a:rPr>
-              <a:t>Subject,  </a:t>
-            </a:r>
-            <a:r>
-              <a:rPr lang="en-US" altLang="zh-CN" baseline="0" dirty="0" err="1" smtClean="0">
-                <a:latin typeface="楷体" panose="02010609060101010101" pitchFamily="49" charset="-122"/>
-                <a:ea typeface="楷体" panose="02010609060101010101" pitchFamily="49" charset="-122"/>
-              </a:rPr>
-              <a:t>Precidate</a:t>
-            </a:r>
-            <a:r>
-              <a:rPr lang="en-US" altLang="zh-CN" baseline="0" dirty="0" smtClean="0">
-                <a:latin typeface="楷体" panose="02010609060101010101" pitchFamily="49" charset="-122"/>
-                <a:ea typeface="楷体" panose="02010609060101010101" pitchFamily="49" charset="-122"/>
-              </a:rPr>
-              <a:t>, Object</a:t>
-            </a:r>
-            <a:r>
-              <a:rPr lang="zh-CN" altLang="en-US" baseline="0" dirty="0" smtClean="0">
-                <a:latin typeface="楷体" panose="02010609060101010101" pitchFamily="49" charset="-122"/>
-                <a:ea typeface="楷体" panose="02010609060101010101" pitchFamily="49" charset="-122"/>
-              </a:rPr>
-              <a:t>）</a:t>
-            </a:r>
-            <a:r>
-              <a:rPr lang="zh-CN" altLang="en-US" dirty="0" smtClean="0"/>
-              <a:t/>
-            </a:r>
-            <a:br>
-              <a:rPr lang="zh-CN" altLang="en-US" dirty="0" smtClean="0"/>
-            </a:br>
             <a:endParaRPr lang="zh-CN" altLang="en-US" dirty="0"/>
           </a:p>
         </p:txBody>
@@ -2107,7 +2468,7 @@
           <a:p>
             <a:fld id="{18E79C09-4E72-49BD-A5C9-2924744C885B}" type="slidenum">
               <a:rPr lang="zh-CN" altLang="en-US" smtClean="0"/>
-              <a:t>4</a:t>
+              <a:t>3</a:t>
             </a:fld>
             <a:endParaRPr lang="zh-CN" altLang="en-US"/>
           </a:p>
@@ -2116,7 +2477,7 @@
     </p:spTree>
     <p:extLst>
       <p:ext uri="{BB962C8B-B14F-4D97-AF65-F5344CB8AC3E}">
-        <p14:creationId xmlns:p14="http://schemas.microsoft.com/office/powerpoint/2010/main" val="389162529"/>
+        <p14:creationId xmlns:p14="http://schemas.microsoft.com/office/powerpoint/2010/main" val="3822236278"/>
       </p:ext>
     </p:extLst>
   </p:cSld>
@@ -2171,139 +2532,122 @@
           <a:lstStyle/>
           <a:p>
             <a:r>
+              <a:rPr lang="zh-CN" altLang="en-US" dirty="0" smtClean="0">
+                <a:latin typeface="楷体" panose="02010609060101010101" pitchFamily="49" charset="-122"/>
+                <a:ea typeface="楷体" panose="02010609060101010101" pitchFamily="49" charset="-122"/>
+              </a:rPr>
+              <a:t>知识图谱本质上是一种语义网络。其节点代表实体（</a:t>
+            </a:r>
+            <a:r>
+              <a:rPr lang="en-US" altLang="zh-CN" dirty="0" smtClean="0">
+                <a:latin typeface="楷体" panose="02010609060101010101" pitchFamily="49" charset="-122"/>
+                <a:ea typeface="楷体" panose="02010609060101010101" pitchFamily="49" charset="-122"/>
+              </a:rPr>
+              <a:t>entity</a:t>
+            </a:r>
+            <a:r>
+              <a:rPr lang="zh-CN" altLang="en-US" dirty="0" smtClean="0">
+                <a:latin typeface="楷体" panose="02010609060101010101" pitchFamily="49" charset="-122"/>
+                <a:ea typeface="楷体" panose="02010609060101010101" pitchFamily="49" charset="-122"/>
+              </a:rPr>
+              <a:t>）或者概念，边代表实体</a:t>
+            </a:r>
+            <a:r>
+              <a:rPr lang="en-US" altLang="zh-CN" dirty="0" smtClean="0">
+                <a:latin typeface="楷体" panose="02010609060101010101" pitchFamily="49" charset="-122"/>
+                <a:ea typeface="楷体" panose="02010609060101010101" pitchFamily="49" charset="-122"/>
+              </a:rPr>
+              <a:t>/</a:t>
+            </a:r>
+            <a:r>
+              <a:rPr lang="zh-CN" altLang="en-US" dirty="0" smtClean="0">
+                <a:latin typeface="楷体" panose="02010609060101010101" pitchFamily="49" charset="-122"/>
+                <a:ea typeface="楷体" panose="02010609060101010101" pitchFamily="49" charset="-122"/>
+              </a:rPr>
+              <a:t>概念之间</a:t>
+            </a:r>
+            <a:endParaRPr lang="en-US" altLang="zh-CN" dirty="0" smtClean="0">
+              <a:latin typeface="楷体" panose="02010609060101010101" pitchFamily="49" charset="-122"/>
+              <a:ea typeface="楷体" panose="02010609060101010101" pitchFamily="49" charset="-122"/>
+            </a:endParaRPr>
+          </a:p>
+          <a:p>
+            <a:r>
+              <a:rPr lang="zh-CN" altLang="en-US" dirty="0" smtClean="0">
+                <a:latin typeface="楷体" panose="02010609060101010101" pitchFamily="49" charset="-122"/>
+                <a:ea typeface="楷体" panose="02010609060101010101" pitchFamily="49" charset="-122"/>
+              </a:rPr>
+              <a:t>的各种语义关系。</a:t>
+            </a:r>
+            <a:endParaRPr lang="en-US" altLang="zh-CN" dirty="0" smtClean="0">
+              <a:latin typeface="楷体" panose="02010609060101010101" pitchFamily="49" charset="-122"/>
+              <a:ea typeface="楷体" panose="02010609060101010101" pitchFamily="49" charset="-122"/>
+            </a:endParaRPr>
+          </a:p>
+          <a:p>
+            <a:r>
+              <a:rPr lang="zh-CN" altLang="en-US" dirty="0" smtClean="0">
+                <a:latin typeface="楷体" panose="02010609060101010101" pitchFamily="49" charset="-122"/>
+                <a:ea typeface="楷体" panose="02010609060101010101" pitchFamily="49" charset="-122"/>
+              </a:rPr>
+              <a:t>知识图谱是一条条知识组成</a:t>
+            </a:r>
+            <a:r>
+              <a:rPr lang="zh-CN" altLang="en-US" baseline="0" dirty="0" smtClean="0">
+                <a:latin typeface="楷体" panose="02010609060101010101" pitchFamily="49" charset="-122"/>
+                <a:ea typeface="楷体" panose="02010609060101010101" pitchFamily="49" charset="-122"/>
+              </a:rPr>
+              <a:t> 每个知识为</a:t>
+            </a:r>
+            <a:r>
+              <a:rPr lang="en-US" altLang="zh-CN" baseline="0" dirty="0" smtClean="0">
+                <a:latin typeface="楷体" panose="02010609060101010101" pitchFamily="49" charset="-122"/>
+                <a:ea typeface="楷体" panose="02010609060101010101" pitchFamily="49" charset="-122"/>
+              </a:rPr>
+              <a:t>SPO</a:t>
+            </a:r>
+            <a:r>
+              <a:rPr lang="zh-CN" altLang="en-US" baseline="0" dirty="0" smtClean="0">
+                <a:latin typeface="楷体" panose="02010609060101010101" pitchFamily="49" charset="-122"/>
+                <a:ea typeface="楷体" panose="02010609060101010101" pitchFamily="49" charset="-122"/>
+              </a:rPr>
+              <a:t>三元组（</a:t>
+            </a:r>
+            <a:r>
+              <a:rPr lang="en-US" altLang="zh-CN" baseline="0" dirty="0" smtClean="0">
+                <a:latin typeface="楷体" panose="02010609060101010101" pitchFamily="49" charset="-122"/>
+                <a:ea typeface="楷体" panose="02010609060101010101" pitchFamily="49" charset="-122"/>
+              </a:rPr>
+              <a:t>Subject,  </a:t>
+            </a:r>
+            <a:r>
+              <a:rPr lang="en-US" altLang="zh-CN" baseline="0" dirty="0" err="1" smtClean="0">
+                <a:latin typeface="楷体" panose="02010609060101010101" pitchFamily="49" charset="-122"/>
+                <a:ea typeface="楷体" panose="02010609060101010101" pitchFamily="49" charset="-122"/>
+              </a:rPr>
+              <a:t>Precidate</a:t>
+            </a:r>
+            <a:r>
+              <a:rPr lang="en-US" altLang="zh-CN" baseline="0" dirty="0" smtClean="0">
+                <a:latin typeface="楷体" panose="02010609060101010101" pitchFamily="49" charset="-122"/>
+                <a:ea typeface="楷体" panose="02010609060101010101" pitchFamily="49" charset="-122"/>
+              </a:rPr>
+              <a:t>, Object</a:t>
+            </a:r>
+            <a:r>
+              <a:rPr lang="zh-CN" altLang="en-US" baseline="0" dirty="0" smtClean="0">
+                <a:latin typeface="楷体" panose="02010609060101010101" pitchFamily="49" charset="-122"/>
+                <a:ea typeface="楷体" panose="02010609060101010101" pitchFamily="49" charset="-122"/>
+              </a:rPr>
+              <a:t>）</a:t>
+            </a:r>
+            <a:r>
               <a:rPr lang="zh-CN" altLang="en-US" dirty="0" smtClean="0"/>
-              <a:t>在知识图谱中，我们用</a:t>
-            </a:r>
-            <a:r>
-              <a:rPr lang="en-US" altLang="zh-CN" dirty="0" smtClean="0"/>
-              <a:t>RDF</a:t>
-            </a:r>
-            <a:r>
+              <a:t/>
+            </a:r>
+            <a:br>
               <a:rPr lang="zh-CN" altLang="en-US" dirty="0" smtClean="0"/>
-              <a:t>来表示这种（主谓宾）三元关系。</a:t>
-            </a:r>
-            <a:endParaRPr lang="en-US" altLang="zh-CN" dirty="0" smtClean="0"/>
-          </a:p>
-          <a:p>
-            <a:r>
-              <a:rPr lang="en-US" altLang="zh-CN" sz="1200" b="0" i="0" kern="1200" dirty="0" smtClean="0">
-                <a:solidFill>
-                  <a:schemeClr val="tx1"/>
-                </a:solidFill>
-                <a:effectLst/>
-                <a:latin typeface="+mn-lt"/>
-                <a:ea typeface="+mn-ea"/>
-                <a:cs typeface="+mn-cs"/>
-              </a:rPr>
-              <a:t>IRI</a:t>
-            </a:r>
-            <a:r>
-              <a:rPr lang="zh-CN" altLang="en-US" sz="1200" b="0" i="0" kern="1200" dirty="0" smtClean="0">
-                <a:solidFill>
-                  <a:schemeClr val="tx1"/>
-                </a:solidFill>
-                <a:effectLst/>
-                <a:latin typeface="+mn-lt"/>
-                <a:ea typeface="+mn-ea"/>
-                <a:cs typeface="+mn-cs"/>
-              </a:rPr>
-              <a:t>我们可以看做是</a:t>
-            </a:r>
-            <a:r>
-              <a:rPr lang="en-US" altLang="zh-CN" sz="1200" b="0" i="0" kern="1200" dirty="0" smtClean="0">
-                <a:solidFill>
-                  <a:schemeClr val="tx1"/>
-                </a:solidFill>
-                <a:effectLst/>
-                <a:latin typeface="+mn-lt"/>
-                <a:ea typeface="+mn-ea"/>
-                <a:cs typeface="+mn-cs"/>
-              </a:rPr>
-              <a:t>URI</a:t>
-            </a:r>
-            <a:r>
-              <a:rPr lang="zh-CN" altLang="en-US" sz="1200" b="0" i="0" kern="1200" dirty="0" smtClean="0">
-                <a:solidFill>
-                  <a:schemeClr val="tx1"/>
-                </a:solidFill>
-                <a:effectLst/>
-                <a:latin typeface="+mn-lt"/>
-                <a:ea typeface="+mn-ea"/>
-                <a:cs typeface="+mn-cs"/>
-              </a:rPr>
-              <a:t>或者</a:t>
-            </a:r>
-            <a:r>
-              <a:rPr lang="en-US" altLang="zh-CN" sz="1200" b="0" i="0" kern="1200" dirty="0" smtClean="0">
-                <a:solidFill>
-                  <a:schemeClr val="tx1"/>
-                </a:solidFill>
-                <a:effectLst/>
-                <a:latin typeface="+mn-lt"/>
-                <a:ea typeface="+mn-ea"/>
-                <a:cs typeface="+mn-cs"/>
-              </a:rPr>
-              <a:t>URL</a:t>
-            </a:r>
-            <a:r>
-              <a:rPr lang="zh-CN" altLang="en-US" sz="1200" b="0" i="0" kern="1200" dirty="0" smtClean="0">
-                <a:solidFill>
-                  <a:schemeClr val="tx1"/>
-                </a:solidFill>
-                <a:effectLst/>
-                <a:latin typeface="+mn-lt"/>
-                <a:ea typeface="+mn-ea"/>
-                <a:cs typeface="+mn-cs"/>
-              </a:rPr>
-              <a:t>的泛化和推广，意思就是在互联网上，每个</a:t>
-            </a:r>
-            <a:r>
-              <a:rPr lang="en-US" altLang="zh-CN" sz="1200" b="0" i="0" kern="1200" dirty="0" smtClean="0">
-                <a:solidFill>
-                  <a:schemeClr val="tx1"/>
-                </a:solidFill>
-                <a:effectLst/>
-                <a:latin typeface="+mn-lt"/>
-                <a:ea typeface="+mn-ea"/>
-                <a:cs typeface="+mn-cs"/>
-              </a:rPr>
-              <a:t>IRI</a:t>
-            </a:r>
-            <a:r>
-              <a:rPr lang="zh-CN" altLang="en-US" sz="1200" b="0" i="0" kern="1200" dirty="0" smtClean="0">
-                <a:solidFill>
-                  <a:schemeClr val="tx1"/>
-                </a:solidFill>
-                <a:effectLst/>
-                <a:latin typeface="+mn-lt"/>
-                <a:ea typeface="+mn-ea"/>
-                <a:cs typeface="+mn-cs"/>
-              </a:rPr>
-              <a:t>标识唯一的资源</a:t>
-            </a:r>
-            <a:endParaRPr lang="en-US" altLang="zh-CN" sz="1200" b="0" i="0" kern="1200" dirty="0" smtClean="0">
-              <a:solidFill>
-                <a:schemeClr val="tx1"/>
-              </a:solidFill>
-              <a:effectLst/>
-              <a:latin typeface="+mn-lt"/>
-              <a:ea typeface="+mn-ea"/>
-              <a:cs typeface="+mn-cs"/>
-            </a:endParaRPr>
-          </a:p>
-          <a:p>
-            <a:r>
-              <a:rPr lang="zh-CN" altLang="en-US" sz="1200" b="0" i="0" kern="1200" dirty="0" smtClean="0">
-                <a:solidFill>
-                  <a:schemeClr val="tx1"/>
-                </a:solidFill>
-                <a:effectLst/>
-                <a:latin typeface="+mn-lt"/>
-                <a:ea typeface="+mn-ea"/>
-                <a:cs typeface="+mn-cs"/>
-              </a:rPr>
-              <a:t>类似于我们的身份证号</a:t>
-            </a:r>
+            </a:br>
             <a:endParaRPr lang="zh-CN" altLang="en-US" dirty="0"/>
           </a:p>
         </p:txBody>
@@ -2325,7 +2669,7 @@
           <a:p>
             <a:fld id="{18E79C09-4E72-49BD-A5C9-2924744C885B}" type="slidenum">
               <a:rPr lang="zh-CN" altLang="en-US" smtClean="0"/>
-              <a:t>5</a:t>
+              <a:t>4</a:t>
             </a:fld>
             <a:endParaRPr lang="zh-CN" altLang="en-US"/>
           </a:p>
@@ -2334,7 +2678,7 @@
     </p:spTree>
     <p:extLst>
       <p:ext uri="{BB962C8B-B14F-4D97-AF65-F5344CB8AC3E}">
-        <p14:creationId xmlns:p14="http://schemas.microsoft.com/office/powerpoint/2010/main" val="591029196"/>
+        <p14:creationId xmlns:p14="http://schemas.microsoft.com/office/powerpoint/2010/main" val="389162529"/>
       </p:ext>
     </p:extLst>
   </p:cSld>
@@ -2388,6 +2732,140 @@
           <a:bodyPr/>
           <a:lstStyle/>
           <a:p>
+            <a:r>
+              <a:rPr lang="zh-CN" altLang="en-US" dirty="0" smtClean="0"/>
+              <a:t>在知识图谱中，我们用</a:t>
+            </a:r>
+            <a:r>
+              <a:rPr lang="en-US" altLang="zh-CN" dirty="0" smtClean="0"/>
+              <a:t>RDF</a:t>
+            </a:r>
+            <a:r>
+              <a:rPr lang="zh-CN" altLang="en-US" dirty="0" smtClean="0"/>
+              <a:t>来表示这种（主谓宾）三元关系。</a:t>
+            </a:r>
+            <a:endParaRPr lang="en-US" altLang="zh-CN" dirty="0" smtClean="0"/>
+          </a:p>
+          <a:p>
+            <a:r>
+              <a:rPr lang="en-US" altLang="zh-CN" sz="1200" b="0" i="0" kern="1200" dirty="0" smtClean="0">
+                <a:solidFill>
+                  <a:schemeClr val="tx1"/>
+                </a:solidFill>
+                <a:effectLst/>
+                <a:latin typeface="+mn-lt"/>
+                <a:ea typeface="+mn-ea"/>
+                <a:cs typeface="+mn-cs"/>
+              </a:rPr>
+              <a:t>IRI</a:t>
+            </a:r>
+            <a:r>
+              <a:rPr lang="zh-CN" altLang="en-US" sz="1200" b="0" i="0" kern="1200" dirty="0" smtClean="0">
+                <a:solidFill>
+                  <a:schemeClr val="tx1"/>
+                </a:solidFill>
+                <a:effectLst/>
+                <a:latin typeface="+mn-lt"/>
+                <a:ea typeface="+mn-ea"/>
+                <a:cs typeface="+mn-cs"/>
+              </a:rPr>
+              <a:t>我们可以看做是</a:t>
+            </a:r>
+            <a:r>
+              <a:rPr lang="en-US" altLang="zh-CN" sz="1200" b="0" i="0" kern="1200" dirty="0" smtClean="0">
+                <a:solidFill>
+                  <a:schemeClr val="tx1"/>
+                </a:solidFill>
+                <a:effectLst/>
+                <a:latin typeface="+mn-lt"/>
+                <a:ea typeface="+mn-ea"/>
+                <a:cs typeface="+mn-cs"/>
+              </a:rPr>
+              <a:t>URI</a:t>
+            </a:r>
+            <a:r>
+              <a:rPr lang="zh-CN" altLang="en-US" sz="1200" b="0" i="0" kern="1200" dirty="0" smtClean="0">
+                <a:solidFill>
+                  <a:schemeClr val="tx1"/>
+                </a:solidFill>
+                <a:effectLst/>
+                <a:latin typeface="+mn-lt"/>
+                <a:ea typeface="+mn-ea"/>
+                <a:cs typeface="+mn-cs"/>
+              </a:rPr>
+              <a:t>或者</a:t>
+            </a:r>
+            <a:r>
+              <a:rPr lang="en-US" altLang="zh-CN" sz="1200" b="0" i="0" kern="1200" dirty="0" smtClean="0">
+                <a:solidFill>
+                  <a:schemeClr val="tx1"/>
+                </a:solidFill>
+                <a:effectLst/>
+                <a:latin typeface="+mn-lt"/>
+                <a:ea typeface="+mn-ea"/>
+                <a:cs typeface="+mn-cs"/>
+              </a:rPr>
+              <a:t>URL</a:t>
+            </a:r>
+            <a:r>
+              <a:rPr lang="zh-CN" altLang="en-US" sz="1200" b="0" i="0" kern="1200" dirty="0" smtClean="0">
+                <a:solidFill>
+                  <a:schemeClr val="tx1"/>
+                </a:solidFill>
+                <a:effectLst/>
+                <a:latin typeface="+mn-lt"/>
+                <a:ea typeface="+mn-ea"/>
+                <a:cs typeface="+mn-cs"/>
+              </a:rPr>
+              <a:t>的泛化和推广，意思就是在互联网上，每个</a:t>
+            </a:r>
+            <a:r>
+              <a:rPr lang="en-US" altLang="zh-CN" sz="1200" b="0" i="0" kern="1200" dirty="0" smtClean="0">
+                <a:solidFill>
+                  <a:schemeClr val="tx1"/>
+                </a:solidFill>
+                <a:effectLst/>
+                <a:latin typeface="+mn-lt"/>
+                <a:ea typeface="+mn-ea"/>
+                <a:cs typeface="+mn-cs"/>
+              </a:rPr>
+              <a:t>IRI</a:t>
+            </a:r>
+            <a:r>
+              <a:rPr lang="zh-CN" altLang="en-US" sz="1200" b="0" i="0" kern="1200" dirty="0" smtClean="0">
+                <a:solidFill>
+                  <a:schemeClr val="tx1"/>
+                </a:solidFill>
+                <a:effectLst/>
+                <a:latin typeface="+mn-lt"/>
+                <a:ea typeface="+mn-ea"/>
+                <a:cs typeface="+mn-cs"/>
+              </a:rPr>
+              <a:t>标识唯一的资源</a:t>
+            </a:r>
+            <a:endParaRPr lang="en-US" altLang="zh-CN" sz="1200" b="0" i="0" kern="1200" dirty="0" smtClean="0">
+              <a:solidFill>
+                <a:schemeClr val="tx1"/>
+              </a:solidFill>
+              <a:effectLst/>
+              <a:latin typeface="+mn-lt"/>
+              <a:ea typeface="+mn-ea"/>
+              <a:cs typeface="+mn-cs"/>
+            </a:endParaRPr>
+          </a:p>
+          <a:p>
+            <a:r>
+              <a:rPr lang="zh-CN" altLang="en-US" sz="1200" b="0" i="0" kern="1200" dirty="0" smtClean="0">
+                <a:solidFill>
+                  <a:schemeClr val="tx1"/>
+                </a:solidFill>
+                <a:effectLst/>
+                <a:latin typeface="+mn-lt"/>
+                <a:ea typeface="+mn-ea"/>
+                <a:cs typeface="+mn-cs"/>
+              </a:rPr>
+              <a:t>类似于我们的身份证号</a:t>
+            </a:r>
             <a:endParaRPr lang="zh-CN" altLang="en-US" dirty="0"/>
           </a:p>
         </p:txBody>
@@ -2409,7 +2887,7 @@
           <a:p>
             <a:fld id="{18E79C09-4E72-49BD-A5C9-2924744C885B}" type="slidenum">
               <a:rPr lang="zh-CN" altLang="en-US" smtClean="0"/>
-              <a:t>6</a:t>
+              <a:t>5</a:t>
             </a:fld>
             <a:endParaRPr lang="zh-CN" altLang="en-US"/>
           </a:p>
@@ -2418,7 +2896,7 @@
     </p:spTree>
     <p:extLst>
       <p:ext uri="{BB962C8B-B14F-4D97-AF65-F5344CB8AC3E}">
-        <p14:creationId xmlns:p14="http://schemas.microsoft.com/office/powerpoint/2010/main" val="2295134527"/>
+        <p14:creationId xmlns:p14="http://schemas.microsoft.com/office/powerpoint/2010/main" val="591029196"/>
       </p:ext>
     </p:extLst>
   </p:cSld>
@@ -2472,18 +2950,6 @@
           <a:bodyPr/>
           <a:lstStyle/>
           <a:p>
-            <a:r>
-              <a:rPr lang="zh-CN" altLang="en-US" dirty="0" smtClean="0"/>
-              <a:t>我们怎么存储或者传输</a:t>
-            </a:r>
-            <a:r>
-              <a:rPr lang="en-US" altLang="zh-CN" dirty="0" smtClean="0"/>
-              <a:t>RDF</a:t>
-            </a:r>
-            <a:r>
-              <a:rPr lang="zh-CN" altLang="en-US" dirty="0" smtClean="0"/>
-              <a:t>数据</a:t>
-            </a:r>
             <a:endParaRPr lang="zh-CN" altLang="en-US" dirty="0"/>
           </a:p>
         </p:txBody>
@@ -2505,7 +2971,7 @@
           <a:p>
             <a:fld id="{18E79C09-4E72-49BD-A5C9-2924744C885B}" type="slidenum">
               <a:rPr lang="zh-CN" altLang="en-US" smtClean="0"/>
-              <a:t>7</a:t>
+              <a:t>6</a:t>
             </a:fld>
             <a:endParaRPr lang="zh-CN" altLang="en-US"/>
           </a:p>
@@ -2514,7 +2980,7 @@
     </p:spTree>
     <p:extLst>
       <p:ext uri="{BB962C8B-B14F-4D97-AF65-F5344CB8AC3E}">
-        <p14:creationId xmlns:p14="http://schemas.microsoft.com/office/powerpoint/2010/main" val="3471675854"/>
+        <p14:creationId xmlns:p14="http://schemas.microsoft.com/office/powerpoint/2010/main" val="2295134527"/>
       </p:ext>
     </p:extLst>
   </p:cSld>
@@ -2569,196 +3035,16 @@
           <a:lstStyle/>
           <a:p>
             <a:r>
-              <a:rPr lang="en-US" altLang="zh-CN" sz="1200" b="0" i="0" kern="1200" dirty="0" smtClean="0">
-                <a:solidFill>
-                  <a:schemeClr val="tx1"/>
-                </a:solidFill>
-                <a:effectLst/>
-                <a:latin typeface="+mn-lt"/>
-                <a:ea typeface="+mn-ea"/>
-                <a:cs typeface="+mn-cs"/>
-              </a:rPr>
-              <a:t>RDF/XML</a:t>
-            </a:r>
-            <a:r>
-              <a:rPr lang="zh-CN" altLang="en-US" sz="1200" b="0" i="0" kern="1200" dirty="0" smtClean="0">
-                <a:solidFill>
-                  <a:schemeClr val="tx1"/>
-                </a:solidFill>
-                <a:effectLst/>
-                <a:latin typeface="+mn-lt"/>
-                <a:ea typeface="+mn-ea"/>
-                <a:cs typeface="+mn-cs"/>
-              </a:rPr>
-              <a:t>，顾名思义，就是</a:t>
-            </a:r>
-            <a:r>
-              <a:rPr lang="en-US" altLang="zh-CN" sz="1200" b="0" i="0" kern="1200" dirty="0" smtClean="0">
-                <a:solidFill>
-                  <a:schemeClr val="tx1"/>
-                </a:solidFill>
-                <a:effectLst/>
-                <a:latin typeface="+mn-lt"/>
-                <a:ea typeface="+mn-ea"/>
-                <a:cs typeface="+mn-cs"/>
-              </a:rPr>
-              <a:t>XML</a:t>
-            </a:r>
-            <a:r>
-              <a:rPr lang="zh-CN" altLang="en-US" sz="1200" b="0" i="0" kern="1200" dirty="0" smtClean="0">
-                <a:solidFill>
-                  <a:schemeClr val="tx1"/>
-                </a:solidFill>
-                <a:effectLst/>
-                <a:latin typeface="+mn-lt"/>
-                <a:ea typeface="+mn-ea"/>
-                <a:cs typeface="+mn-cs"/>
-              </a:rPr>
-              <a:t>的格式来表示</a:t>
-            </a:r>
-            <a:r>
-              <a:rPr lang="en-US" altLang="zh-CN" sz="1200" b="0" i="0" kern="1200" dirty="0" smtClean="0">
-                <a:solidFill>
-                  <a:schemeClr val="tx1"/>
-                </a:solidFill>
-                <a:effectLst/>
-                <a:latin typeface="+mn-lt"/>
-                <a:ea typeface="+mn-ea"/>
-                <a:cs typeface="+mn-cs"/>
-              </a:rPr>
+              <a:rPr lang="zh-CN" altLang="en-US" dirty="0" smtClean="0"/>
+              <a:t>我们怎么存储或者传输</a:t>
+            </a:r>
+            <a:r>
+              <a:rPr lang="en-US" altLang="zh-CN" dirty="0" smtClean="0"/>
               <a:t>RDF</a:t>
             </a:r>
             <a:r>
-              <a:rPr lang="zh-CN" altLang="en-US" sz="1200" b="0" i="0" kern="1200" dirty="0" smtClean="0">
-                <a:solidFill>
-                  <a:schemeClr val="tx1"/>
-                </a:solidFill>
-                <a:effectLst/>
-                <a:latin typeface="+mn-lt"/>
-                <a:ea typeface="+mn-ea"/>
-                <a:cs typeface="+mn-cs"/>
-              </a:rPr>
-              <a:t>数据，之所以用到这个方法就是因为</a:t>
-            </a:r>
-            <a:r>
-              <a:rPr lang="en-US" altLang="zh-CN" sz="1200" b="0" i="0" kern="1200" dirty="0" smtClean="0">
-                <a:solidFill>
-                  <a:schemeClr val="tx1"/>
-                </a:solidFill>
-                <a:effectLst/>
-                <a:latin typeface="+mn-lt"/>
-                <a:ea typeface="+mn-ea"/>
-                <a:cs typeface="+mn-cs"/>
-              </a:rPr>
-              <a:t>XML</a:t>
-            </a:r>
-            <a:r>
-              <a:rPr lang="zh-CN" altLang="en-US" sz="1200" b="0" i="0" kern="1200" dirty="0" smtClean="0">
-                <a:solidFill>
-                  <a:schemeClr val="tx1"/>
-                </a:solidFill>
-                <a:effectLst/>
-                <a:latin typeface="+mn-lt"/>
-                <a:ea typeface="+mn-ea"/>
-                <a:cs typeface="+mn-cs"/>
-              </a:rPr>
-              <a:t>技术比较成熟，有很多现成的工具来存储和进行解析</a:t>
-            </a:r>
-            <a:r>
-              <a:rPr lang="en-US" altLang="zh-CN" sz="1200" b="0" i="0" kern="1200" dirty="0" smtClean="0">
-                <a:solidFill>
-                  <a:schemeClr val="tx1"/>
-                </a:solidFill>
-                <a:effectLst/>
-                <a:latin typeface="+mn-lt"/>
-                <a:ea typeface="+mn-ea"/>
-                <a:cs typeface="+mn-cs"/>
-              </a:rPr>
-              <a:t>XML</a:t>
-            </a:r>
-            <a:r>
-              <a:rPr lang="zh-CN" altLang="en-US" sz="1200" b="0" i="0" kern="1200" dirty="0" smtClean="0">
-                <a:solidFill>
-                  <a:schemeClr val="tx1"/>
-                </a:solidFill>
-                <a:effectLst/>
-                <a:latin typeface="+mn-lt"/>
-                <a:ea typeface="+mn-ea"/>
-                <a:cs typeface="+mn-cs"/>
-              </a:rPr>
-              <a:t>。然而，对于</a:t>
-            </a:r>
-            <a:r>
-              <a:rPr lang="en-US" altLang="zh-CN" sz="1200" b="0" i="0" kern="1200" dirty="0" smtClean="0">
-                <a:solidFill>
-                  <a:schemeClr val="tx1"/>
-                </a:solidFill>
-                <a:effectLst/>
-                <a:latin typeface="+mn-lt"/>
-                <a:ea typeface="+mn-ea"/>
-                <a:cs typeface="+mn-cs"/>
-              </a:rPr>
-              <a:t>RDF</a:t>
-            </a:r>
-            <a:r>
-              <a:rPr lang="zh-CN" altLang="en-US" sz="1200" b="0" i="0" kern="1200" dirty="0" smtClean="0">
-                <a:solidFill>
-                  <a:schemeClr val="tx1"/>
-                </a:solidFill>
-                <a:effectLst/>
-                <a:latin typeface="+mn-lt"/>
-                <a:ea typeface="+mn-ea"/>
-                <a:cs typeface="+mn-cs"/>
-              </a:rPr>
-              <a:t>来说，</a:t>
-            </a:r>
-            <a:r>
-              <a:rPr lang="en-US" altLang="zh-CN" sz="1200" b="0" i="0" kern="1200" dirty="0" smtClean="0">
-                <a:solidFill>
-                  <a:schemeClr val="tx1"/>
-                </a:solidFill>
-                <a:effectLst/>
-                <a:latin typeface="+mn-lt"/>
-                <a:ea typeface="+mn-ea"/>
-                <a:cs typeface="+mn-cs"/>
-              </a:rPr>
-              <a:t>XML</a:t>
-            </a:r>
-            <a:r>
-              <a:rPr lang="zh-CN" altLang="en-US" sz="1200" b="0" i="0" kern="1200" dirty="0" smtClean="0">
-                <a:solidFill>
-                  <a:schemeClr val="tx1"/>
-                </a:solidFill>
-                <a:effectLst/>
-                <a:latin typeface="+mn-lt"/>
-                <a:ea typeface="+mn-ea"/>
-                <a:cs typeface="+mn-cs"/>
-              </a:rPr>
-              <a:t>的格式太冗长，也不便于阅读，通常我们不会使用这种方式来处理</a:t>
-            </a:r>
-            <a:r>
-              <a:rPr lang="en-US" altLang="zh-CN" sz="1200" b="0" i="0" kern="1200" dirty="0" smtClean="0">
-                <a:solidFill>
-                  <a:schemeClr val="tx1"/>
-                </a:solidFill>
-                <a:effectLst/>
-                <a:latin typeface="+mn-lt"/>
-                <a:ea typeface="+mn-ea"/>
-                <a:cs typeface="+mn-cs"/>
-              </a:rPr>
-              <a:t>RDF</a:t>
-            </a:r>
-            <a:r>
-              <a:rPr lang="zh-CN" altLang="en-US" sz="1200" b="0" i="0" kern="1200" dirty="0" smtClean="0">
-                <a:solidFill>
-                  <a:schemeClr val="tx1"/>
-                </a:solidFill>
-                <a:effectLst/>
-                <a:latin typeface="+mn-lt"/>
-                <a:ea typeface="+mn-ea"/>
-                <a:cs typeface="+mn-cs"/>
-              </a:rPr>
-              <a:t>数据。</a:t>
+              <a:rPr lang="zh-CN" altLang="en-US" dirty="0" smtClean="0"/>
+              <a:t>数据</a:t>
             </a:r>
             <a:endParaRPr lang="zh-CN" altLang="en-US" dirty="0"/>
           </a:p>
@@ -2781,7 +3067,7 @@
           <a:p>
             <a:fld id="{18E79C09-4E72-49BD-A5C9-2924744C885B}" type="slidenum">
               <a:rPr lang="zh-CN" altLang="en-US" smtClean="0"/>
-              <a:t>8</a:t>
+              <a:t>7</a:t>
             </a:fld>
             <a:endParaRPr lang="zh-CN" altLang="en-US"/>
           </a:p>
@@ -2790,7 +3076,7 @@
     </p:spTree>
     <p:extLst>
       <p:ext uri="{BB962C8B-B14F-4D97-AF65-F5344CB8AC3E}">
-        <p14:creationId xmlns:p14="http://schemas.microsoft.com/office/powerpoint/2010/main" val="3517370386"/>
+        <p14:creationId xmlns:p14="http://schemas.microsoft.com/office/powerpoint/2010/main" val="3471675854"/>
       </p:ext>
     </p:extLst>
   </p:cSld>
@@ -2854,7 +3140,7 @@
                 <a:ea typeface="+mn-ea"/>
                 <a:cs typeface="+mn-cs"/>
               </a:rPr>
-              <a:t>Turtle,</a:t>
+              <a:t>RDF/XML</a:t>
             </a:r>
             <a:r>
               <a:rPr lang="zh-CN" altLang="en-US" sz="1200" b="0" i="0" kern="1200" dirty="0" smtClean="0">
@@ -2866,7 +3152,7 @@
                 <a:ea typeface="+mn-ea"/>
                 <a:cs typeface="+mn-cs"/>
               </a:rPr>
-              <a:t>是用的最多的一种</a:t>
+              <a:t>，顾名思义，就是</a:t>
             </a:r>
             <a:r>
               <a:rPr lang="en-US" altLang="zh-CN" sz="1200" b="0" i="0" kern="1200" dirty="0" smtClean="0">
@@ -2878,7 +3164,7 @@
                 <a:ea typeface="+mn-ea"/>
                 <a:cs typeface="+mn-cs"/>
               </a:rPr>
-              <a:t>RDF</a:t>
+              <a:t>XML</a:t>
             </a:r>
             <a:r>
               <a:rPr lang="zh-CN" altLang="en-US" sz="1200" b="0" i="0" kern="1200" dirty="0" smtClean="0">
@@ -2890,7 +3176,7 @@
                 <a:ea typeface="+mn-ea"/>
                 <a:cs typeface="+mn-cs"/>
               </a:rPr>
-              <a:t>序列化的方式了。他比</a:t>
+              <a:t>的格式来表示</a:t>
             </a:r>
             <a:r>
               <a:rPr lang="en-US" altLang="zh-CN" sz="1200" b="0" i="0" kern="1200" dirty="0" smtClean="0">
@@ -2902,7 +3188,7 @@
                 <a:ea typeface="+mn-ea"/>
                 <a:cs typeface="+mn-cs"/>
               </a:rPr>
-              <a:t>RDF/XML</a:t>
+              <a:t>RDF</a:t>
             </a:r>
             <a:r>
               <a:rPr lang="zh-CN" altLang="en-US" sz="1200" b="0" i="0" kern="1200" dirty="0" smtClean="0">
@@ -2914,7 +3200,7 @@
                 <a:ea typeface="+mn-ea"/>
                 <a:cs typeface="+mn-cs"/>
               </a:rPr>
-              <a:t>紧凑，并且可读性比</a:t>
+              <a:t>数据，之所以用到这个方法就是因为</a:t>
             </a:r>
             <a:r>
               <a:rPr lang="en-US" altLang="zh-CN" sz="1200" b="0" i="0" kern="1200" dirty="0" smtClean="0">
@@ -2926,7 +3212,7 @@
                 <a:ea typeface="+mn-ea"/>
                 <a:cs typeface="+mn-cs"/>
               </a:rPr>
-              <a:t>N-Triple</a:t>
+              <a:t>XML</a:t>
             </a:r>
             <a:r>
               <a:rPr lang="zh-CN" altLang="en-US" sz="1200" b="0" i="0" kern="1200" dirty="0" smtClean="0">
@@ -2938,7 +3224,103 @@
                 <a:ea typeface="+mn-ea"/>
                 <a:cs typeface="+mn-cs"/>
               </a:rPr>
-              <a:t>要好一些。</a:t>
+              <a:t>技术比较成熟，有很多现成的工具来存储和进行解析</a:t>
+            </a:r>
+            <a:r>
+              <a:rPr lang="en-US" altLang="zh-CN" sz="1200" b="0" i="0" kern="1200" dirty="0" smtClean="0">
+                <a:solidFill>
+                  <a:schemeClr val="tx1"/>
+                </a:solidFill>
+                <a:effectLst/>
+                <a:latin typeface="+mn-lt"/>
+                <a:ea typeface="+mn-ea"/>
+                <a:cs typeface="+mn-cs"/>
+              </a:rPr>
+              <a:t>XML</a:t>
+            </a:r>
+            <a:r>
+              <a:rPr lang="zh-CN" altLang="en-US" sz="1200" b="0" i="0" kern="1200" dirty="0" smtClean="0">
+                <a:solidFill>
+                  <a:schemeClr val="tx1"/>
+                </a:solidFill>
+                <a:effectLst/>
+                <a:latin typeface="+mn-lt"/>
+                <a:ea typeface="+mn-ea"/>
+                <a:cs typeface="+mn-cs"/>
+              </a:rPr>
+              <a:t>。然而，对于</a:t>
+            </a:r>
+            <a:r>
+              <a:rPr lang="en-US" altLang="zh-CN" sz="1200" b="0" i="0" kern="1200" dirty="0" smtClean="0">
+                <a:solidFill>
+                  <a:schemeClr val="tx1"/>
+                </a:solidFill>
+                <a:effectLst/>
+                <a:latin typeface="+mn-lt"/>
+                <a:ea typeface="+mn-ea"/>
+                <a:cs typeface="+mn-cs"/>
+              </a:rPr>
+              <a:t>RDF</a:t>
+            </a:r>
+            <a:r>
+              <a:rPr lang="zh-CN" altLang="en-US" sz="1200" b="0" i="0" kern="1200" dirty="0" smtClean="0">
+                <a:solidFill>
+                  <a:schemeClr val="tx1"/>
+                </a:solidFill>
+                <a:effectLst/>
+                <a:latin typeface="+mn-lt"/>
+                <a:ea typeface="+mn-ea"/>
+                <a:cs typeface="+mn-cs"/>
+              </a:rPr>
+              <a:t>来说，</a:t>
+            </a:r>
+            <a:r>
+              <a:rPr lang="en-US" altLang="zh-CN" sz="1200" b="0" i="0" kern="1200" dirty="0" smtClean="0">
+                <a:solidFill>
+                  <a:schemeClr val="tx1"/>
+                </a:solidFill>
+                <a:effectLst/>
+                <a:latin typeface="+mn-lt"/>
+                <a:ea typeface="+mn-ea"/>
+                <a:cs typeface="+mn-cs"/>
+              </a:rPr>
+              <a:t>XML</a:t>
+            </a:r>
+            <a:r>
+              <a:rPr lang="zh-CN" altLang="en-US" sz="1200" b="0" i="0" kern="1200" dirty="0" smtClean="0">
+                <a:solidFill>
+                  <a:schemeClr val="tx1"/>
+                </a:solidFill>
+                <a:effectLst/>
+                <a:latin typeface="+mn-lt"/>
+                <a:ea typeface="+mn-ea"/>
+                <a:cs typeface="+mn-cs"/>
+              </a:rPr>
+              <a:t>的格式太冗长，也不便于阅读，通常我们不会使用这种方式来处理</a:t>
+            </a:r>
+            <a:r>
+              <a:rPr lang="en-US" altLang="zh-CN" sz="1200" b="0" i="0" kern="1200" dirty="0" smtClean="0">
+                <a:solidFill>
+                  <a:schemeClr val="tx1"/>
+                </a:solidFill>
+                <a:effectLst/>
+                <a:latin typeface="+mn-lt"/>
+                <a:ea typeface="+mn-ea"/>
+                <a:cs typeface="+mn-cs"/>
+              </a:rPr>
+              <a:t>RDF</a:t>
+            </a:r>
+            <a:r>
+              <a:rPr lang="zh-CN" altLang="en-US" sz="1200" b="0" i="0" kern="1200" dirty="0" smtClean="0">
+                <a:solidFill>
+                  <a:schemeClr val="tx1"/>
+                </a:solidFill>
+                <a:effectLst/>
+                <a:latin typeface="+mn-lt"/>
+                <a:ea typeface="+mn-ea"/>
+                <a:cs typeface="+mn-cs"/>
+              </a:rPr>
+              <a:t>数据。</a:t>
             </a:r>
             <a:endParaRPr lang="zh-CN" altLang="en-US" dirty="0"/>
           </a:p>
@@ -2961,7 +3343,7 @@
           <a:p>
             <a:fld id="{18E79C09-4E72-49BD-A5C9-2924744C885B}" type="slidenum">
               <a:rPr lang="zh-CN" altLang="en-US" smtClean="0"/>
-              <a:t>9</a:t>
+              <a:t>8</a:t>
             </a:fld>
             <a:endParaRPr lang="zh-CN" altLang="en-US"/>
           </a:p>
@@ -2970,7 +3352,7 @@
     </p:spTree>
     <p:extLst>
       <p:ext uri="{BB962C8B-B14F-4D97-AF65-F5344CB8AC3E}">
-        <p14:creationId xmlns:p14="http://schemas.microsoft.com/office/powerpoint/2010/main" val="1204197331"/>
+        <p14:creationId xmlns:p14="http://schemas.microsoft.com/office/powerpoint/2010/main" val="3517370386"/>
       </p:ext>
     </p:extLst>
   </p:cSld>
@@ -3025,25 +3407,6 @@
           <a:lstStyle/>
           <a:p>
             <a:r>
-              <a:rPr lang="en-US" altLang="zh-CN" dirty="0" smtClean="0"/>
-              <a:t>N-Triple</a:t>
-            </a:r>
-            <a:r>
-              <a:rPr lang="zh-CN" altLang="en-US" dirty="0" smtClean="0"/>
-              <a:t>是</a:t>
-            </a:r>
-            <a:r>
-              <a:rPr lang="en-US" altLang="zh-CN" dirty="0" smtClean="0"/>
-              <a:t>Turtle</a:t>
-            </a:r>
-            <a:r>
-              <a:rPr lang="zh-CN" altLang="en-US" dirty="0" smtClean="0"/>
-              <a:t>标准的一个拓展，其不能应用前缀缩写</a:t>
-            </a:r>
-            <a:endParaRPr lang="en-US" altLang="zh-CN" dirty="0" smtClean="0"/>
-          </a:p>
-          <a:p>
-            <a:r>
               <a:rPr lang="en-US" altLang="zh-CN" sz="1200" b="0" i="0" kern="1200" dirty="0" smtClean="0">
                 <a:solidFill>
                   <a:schemeClr val="tx1"/>
@@ -3053,7 +3416,7 @@
                 <a:ea typeface="+mn-ea"/>
                 <a:cs typeface="+mn-cs"/>
               </a:rPr>
-              <a:t>N-Triples,</a:t>
+              <a:t>Turtle,</a:t>
             </a:r>
             <a:r>
               <a:rPr lang="zh-CN" altLang="en-US" sz="1200" b="0" i="0" kern="1200" dirty="0" smtClean="0">
@@ -3065,7 +3428,7 @@
                 <a:ea typeface="+mn-ea"/>
                 <a:cs typeface="+mn-cs"/>
               </a:rPr>
-              <a:t>就是用三元组的方式来表示</a:t>
+              <a:t>是用的最多的一种</a:t>
             </a:r>
             <a:r>
               <a:rPr lang="en-US" altLang="zh-CN" sz="1200" b="0" i="0" kern="1200" dirty="0" smtClean="0">
@@ -3089,10 +3452,10 @@
                 <a:ea typeface="+mn-ea"/>
                 <a:cs typeface="+mn-cs"/>
               </a:rPr>
-              <a:t>数据集，是最直观的表述方法。在文件中每一行表示一个三元组，方便机器的解析和处理。开放知识领域的图谱</a:t>
-            </a:r>
-            <a:r>
-              <a:rPr lang="en-US" altLang="zh-CN" sz="1200" b="0" i="0" kern="1200" dirty="0" err="1" smtClean="0">
+              <a:t>序列化的方式了。他比</a:t>
+            </a:r>
+            <a:r>
+              <a:rPr lang="en-US" altLang="zh-CN" sz="1200" b="0" i="0" kern="1200" dirty="0" smtClean="0">
                 <a:solidFill>
                   <a:schemeClr val="tx1"/>
                 </a:solidFill>
@@ -3101,7 +3464,7 @@
                 <a:ea typeface="+mn-ea"/>
                 <a:cs typeface="+mn-cs"/>
               </a:rPr>
-              <a:t>DBpedia</a:t>
+              <a:t>RDF/XML</a:t>
             </a:r>
             <a:r>
               <a:rPr lang="zh-CN" altLang="en-US" sz="1200" b="0" i="0" kern="1200" dirty="0" smtClean="0">
@@ -3113,19 +3476,8 @@
                 <a:ea typeface="+mn-ea"/>
                 <a:cs typeface="+mn-cs"/>
               </a:rPr>
-              <a:t>通常是用这种格式来发布数据的。</a:t>
-            </a:r>
-            <a:endParaRPr lang="en-US" altLang="zh-CN" sz="1200" b="0" i="0" kern="1200" dirty="0" smtClean="0">
-              <a:solidFill>
-                <a:schemeClr val="tx1"/>
-              </a:solidFill>
-              <a:effectLst/>
-              <a:latin typeface="+mn-lt"/>
-              <a:ea typeface="+mn-ea"/>
-              <a:cs typeface="+mn-cs"/>
-            </a:endParaRPr>
-          </a:p>
-          <a:p>
+              <a:t>紧凑，并且可读性比</a:t>
+            </a:r>
             <a:r>
               <a:rPr lang="en-US" altLang="zh-CN" sz="1200" b="0" i="0" kern="1200" dirty="0" smtClean="0">
                 <a:solidFill>
@@ -3136,7 +3488,7 @@
                 <a:ea typeface="+mn-ea"/>
                 <a:cs typeface="+mn-cs"/>
               </a:rPr>
-              <a:t>N-Triples</a:t>
+              <a:t>N-Triple</a:t>
             </a:r>
             <a:r>
               <a:rPr lang="zh-CN" altLang="en-US" sz="1200" b="0" i="0" kern="1200" dirty="0" smtClean="0">
@@ -3148,95 +3500,8 @@
                 <a:ea typeface="+mn-ea"/>
                 <a:cs typeface="+mn-cs"/>
               </a:rPr>
-              <a:t>有个好处是</a:t>
-            </a:r>
-            <a:r>
-              <a:rPr lang="zh-CN" altLang="en-US" sz="1200" b="0" i="0" kern="1200" baseline="0" dirty="0" smtClean="0">
-                <a:solidFill>
-                  <a:schemeClr val="tx1"/>
-                </a:solidFill>
-                <a:effectLst/>
-                <a:latin typeface="+mn-lt"/>
-                <a:ea typeface="+mn-ea"/>
-                <a:cs typeface="+mn-cs"/>
-              </a:rPr>
-              <a:t> 当</a:t>
-            </a:r>
-            <a:r>
-              <a:rPr lang="en-US" altLang="zh-CN" sz="1200" b="0" i="0" kern="1200" baseline="0" dirty="0" err="1" smtClean="0">
-                <a:solidFill>
-                  <a:schemeClr val="tx1"/>
-                </a:solidFill>
-                <a:effectLst/>
-                <a:latin typeface="+mn-lt"/>
-                <a:ea typeface="+mn-ea"/>
-                <a:cs typeface="+mn-cs"/>
-              </a:rPr>
-              <a:t>rdf</a:t>
-            </a:r>
-            <a:r>
-              <a:rPr lang="zh-CN" altLang="en-US" sz="1200" b="0" i="0" kern="1200" baseline="0" dirty="0" smtClean="0">
-                <a:solidFill>
-                  <a:schemeClr val="tx1"/>
-                </a:solidFill>
-                <a:effectLst/>
-                <a:latin typeface="+mn-lt"/>
-                <a:ea typeface="+mn-ea"/>
-                <a:cs typeface="+mn-cs"/>
-              </a:rPr>
-              <a:t>文件很大，在解析使使用</a:t>
-            </a:r>
-            <a:r>
-              <a:rPr lang="en-US" altLang="zh-CN" sz="1200" b="0" i="0" kern="1200" baseline="0" dirty="0" err="1" smtClean="0">
-                <a:solidFill>
-                  <a:schemeClr val="tx1"/>
-                </a:solidFill>
-                <a:effectLst/>
-                <a:latin typeface="+mn-lt"/>
-                <a:ea typeface="+mn-ea"/>
-                <a:cs typeface="+mn-cs"/>
-              </a:rPr>
-              <a:t>Trutle</a:t>
-            </a:r>
-            <a:r>
-              <a:rPr lang="zh-CN" altLang="en-US" sz="1200" b="0" i="0" kern="1200" baseline="0" dirty="0" smtClean="0">
-                <a:solidFill>
-                  <a:schemeClr val="tx1"/>
-                </a:solidFill>
-                <a:effectLst/>
-                <a:latin typeface="+mn-lt"/>
-                <a:ea typeface="+mn-ea"/>
-                <a:cs typeface="+mn-cs"/>
-              </a:rPr>
-              <a:t>格式的文件，必须全部读入内存能解析， 而</a:t>
-            </a:r>
-            <a:r>
-              <a:rPr lang="en-US" altLang="zh-CN" sz="1200" b="0" i="0" kern="1200" baseline="0" dirty="0" smtClean="0">
-                <a:solidFill>
-                  <a:schemeClr val="tx1"/>
-                </a:solidFill>
-                <a:effectLst/>
-                <a:latin typeface="+mn-lt"/>
-                <a:ea typeface="+mn-ea"/>
-                <a:cs typeface="+mn-cs"/>
-              </a:rPr>
-              <a:t>N-Triples</a:t>
-            </a:r>
-            <a:r>
-              <a:rPr lang="zh-CN" altLang="en-US" sz="1200" b="0" i="0" kern="1200" baseline="0" dirty="0" smtClean="0">
-                <a:solidFill>
-                  <a:schemeClr val="tx1"/>
-                </a:solidFill>
-                <a:effectLst/>
-                <a:latin typeface="+mn-lt"/>
-                <a:ea typeface="+mn-ea"/>
-                <a:cs typeface="+mn-cs"/>
-              </a:rPr>
-              <a:t>可以一部分一部分解析，不必全部读入内存</a:t>
-            </a:r>
-            <a:endParaRPr lang="en-US" altLang="zh-CN" dirty="0" smtClean="0"/>
-          </a:p>
-          <a:p>
+              <a:t>要好一些。</a:t>
+            </a:r>
             <a:endParaRPr lang="zh-CN" altLang="en-US" dirty="0"/>
           </a:p>
         </p:txBody>
@@ -3258,7 +3523,7 @@
           <a:p>
             <a:fld id="{18E79C09-4E72-49BD-A5C9-2924744C885B}" type="slidenum">
               <a:rPr lang="zh-CN" altLang="en-US" smtClean="0"/>
-              <a:t>10</a:t>
+              <a:t>9</a:t>
             </a:fld>
             <a:endParaRPr lang="zh-CN" altLang="en-US"/>
           </a:p>
@@ -3267,7 +3532,7 @@
     </p:spTree>
     <p:extLst>
       <p:ext uri="{BB962C8B-B14F-4D97-AF65-F5344CB8AC3E}">
-        <p14:creationId xmlns:p14="http://schemas.microsoft.com/office/powerpoint/2010/main" val="1601139445"/>
+        <p14:creationId xmlns:p14="http://schemas.microsoft.com/office/powerpoint/2010/main" val="1204197331"/>
       </p:ext>
     </p:extLst>
   </p:cSld>
@@ -3408,7 +3673,7 @@
           <a:p>
             <a:fld id="{36A27063-7994-4CEA-AE6D-DF3D05296A9C}" type="datetimeFigureOut">
               <a:rPr lang="zh-CN" altLang="en-US" smtClean="0"/>
-              <a:t>2018/12/3</a:t>
+              <a:t>2018/12/4</a:t>
             </a:fld>
             <a:endParaRPr lang="zh-CN" altLang="en-US"/>
           </a:p>
@@ -3578,7 +3843,7 @@
           <a:p>
             <a:fld id="{36A27063-7994-4CEA-AE6D-DF3D05296A9C}" type="datetimeFigureOut">
               <a:rPr lang="zh-CN" altLang="en-US" smtClean="0"/>
-              <a:t>2018/12/3</a:t>
+              <a:t>2018/12/4</a:t>
             </a:fld>
             <a:endParaRPr lang="zh-CN" altLang="en-US"/>
           </a:p>
@@ -3758,7 +4023,7 @@
           <a:p>
             <a:fld id="{36A27063-7994-4CEA-AE6D-DF3D05296A9C}" type="datetimeFigureOut">
               <a:rPr lang="zh-CN" altLang="en-US" smtClean="0"/>
-              <a:t>2018/12/3</a:t>
+              <a:t>2018/12/4</a:t>
             </a:fld>
             <a:endParaRPr lang="zh-CN" altLang="en-US"/>
           </a:p>
@@ -3928,7 +4193,7 @@
           <a:p>
             <a:fld id="{36A27063-7994-4CEA-AE6D-DF3D05296A9C}" type="datetimeFigureOut">
               <a:rPr lang="zh-CN" altLang="en-US" smtClean="0"/>
-              <a:t>2018/12/3</a:t>
+              <a:t>2018/12/4</a:t>
             </a:fld>
             <a:endParaRPr lang="zh-CN" altLang="en-US"/>
           </a:p>
@@ -4174,7 +4439,7 @@
           <a:p>
             <a:fld id="{36A27063-7994-4CEA-AE6D-DF3D05296A9C}" type="datetimeFigureOut">
               <a:rPr lang="zh-CN" altLang="en-US" smtClean="0"/>
-              <a:t>2018/12/3</a:t>
+              <a:t>2018/12/4</a:t>
             </a:fld>
             <a:endParaRPr lang="zh-CN" altLang="en-US"/>
           </a:p>
@@ -4406,7 +4671,7 @@
           <a:p>
             <a:fld id="{36A27063-7994-4CEA-AE6D-DF3D05296A9C}" type="datetimeFigureOut">
               <a:rPr lang="zh-CN" altLang="en-US" smtClean="0"/>
-              <a:t>2018/12/3</a:t>
+              <a:t>2018/12/4</a:t>
             </a:fld>
             <a:endParaRPr lang="zh-CN" altLang="en-US"/>
           </a:p>
@@ -4773,7 +5038,7 @@
           <a:p>
             <a:fld id="{36A27063-7994-4CEA-AE6D-DF3D05296A9C}" type="datetimeFigureOut">
               <a:rPr lang="zh-CN" altLang="en-US" smtClean="0"/>
-              <a:t>2018/12/3</a:t>
+              <a:t>2018/12/4</a:t>
             </a:fld>
             <a:endParaRPr lang="zh-CN" altLang="en-US"/>
           </a:p>
@@ -4891,7 +5156,7 @@
           <a:p>
             <a:fld id="{36A27063-7994-4CEA-AE6D-DF3D05296A9C}" type="datetimeFigureOut">
               <a:rPr lang="zh-CN" altLang="en-US" smtClean="0"/>
-              <a:t>2018/12/3</a:t>
+              <a:t>2018/12/4</a:t>
             </a:fld>
             <a:endParaRPr lang="zh-CN" altLang="en-US"/>
           </a:p>
@@ -4986,7 +5251,7 @@
           <a:p>
             <a:fld id="{36A27063-7994-4CEA-AE6D-DF3D05296A9C}" type="datetimeFigureOut">
               <a:rPr lang="zh-CN" altLang="en-US" smtClean="0"/>
-              <a:t>2018/12/3</a:t>
+              <a:t>2018/12/4</a:t>
             </a:fld>
             <a:endParaRPr lang="zh-CN" altLang="en-US"/>
           </a:p>
@@ -5263,7 +5528,7 @@
           <a:p>
             <a:fld id="{36A27063-7994-4CEA-AE6D-DF3D05296A9C}" type="datetimeFigureOut">
               <a:rPr lang="zh-CN" altLang="en-US" smtClean="0"/>
-              <a:t>2018/12/3</a:t>
+              <a:t>2018/12/4</a:t>
             </a:fld>
             <a:endParaRPr lang="zh-CN" altLang="en-US"/>
           </a:p>
@@ -5516,7 +5781,7 @@
           <a:p>
             <a:fld id="{36A27063-7994-4CEA-AE6D-DF3D05296A9C}" type="datetimeFigureOut">
               <a:rPr lang="zh-CN" altLang="en-US" smtClean="0"/>
-              <a:t>2018/12/3</a:t>
+              <a:t>2018/12/4</a:t>
             </a:fld>
             <a:endParaRPr lang="zh-CN" altLang="en-US"/>
           </a:p>
@@ -5729,7 +5994,7 @@
           <a:p>
             <a:fld id="{36A27063-7994-4CEA-AE6D-DF3D05296A9C}" type="datetimeFigureOut">
               <a:rPr lang="zh-CN" altLang="en-US" smtClean="0"/>
-              <a:t>2018/12/3</a:t>
+              <a:t>2018/12/4</a:t>
             </a:fld>
             <a:endParaRPr lang="zh-CN" altLang="en-US"/>
           </a:p>
@@ -6181,7 +6446,7 @@
         <p:spPr>
           <a:xfrm>
             <a:off x="1318054" y="4153973"/>
-            <a:ext cx="9144000" cy="1655762"/>
+            <a:ext cx="9144000" cy="1200080"/>
           </a:xfrm>
         </p:spPr>
         <p:txBody>
@@ -6191,10 +6456,64 @@
           <a:lstStyle/>
           <a:p>
             <a:r>
-              <a:rPr lang="zh-CN" altLang="en-US" sz="4000" dirty="0" smtClean="0"/>
-              <a:t>周宇</a:t>
-            </a:r>
-            <a:endParaRPr lang="zh-CN" altLang="en-US" sz="4000" dirty="0"/>
+              <a:rPr lang="zh-CN" altLang="en-US" sz="3200" dirty="0" smtClean="0">
+                <a:latin typeface="Times New Roman" panose="02020603050405020304" pitchFamily="18" charset="0"/>
+                <a:ea typeface="楷体" panose="02010609060101010101" pitchFamily="49" charset="-122"/>
+              </a:rPr>
+              <a:t>周</a:t>
+            </a:r>
+            <a:r>
+              <a:rPr lang="zh-CN" altLang="en-US" sz="3200" dirty="0" smtClean="0">
+                <a:latin typeface="Times New Roman" panose="02020603050405020304" pitchFamily="18" charset="0"/>
+                <a:ea typeface="楷体" panose="02010609060101010101" pitchFamily="49" charset="-122"/>
+              </a:rPr>
+              <a:t>宇</a:t>
+            </a:r>
+            <a:endParaRPr lang="en-US" altLang="zh-CN" sz="3200" dirty="0" smtClean="0">
+              <a:latin typeface="Times New Roman" panose="02020603050405020304" pitchFamily="18" charset="0"/>
+              <a:ea typeface="楷体" panose="02010609060101010101" pitchFamily="49" charset="-122"/>
+            </a:endParaRPr>
+          </a:p>
+          <a:p>
+            <a:r>
+              <a:rPr lang="en-US" altLang="zh-CN" sz="3600" dirty="0" smtClean="0">
+                <a:latin typeface="Times New Roman" panose="02020603050405020304" pitchFamily="18" charset="0"/>
+                <a:ea typeface="楷体" panose="02010609060101010101" pitchFamily="49" charset="-122"/>
+              </a:rPr>
+              <a:t>2018</a:t>
+            </a:r>
+            <a:r>
+              <a:rPr lang="en-US" altLang="zh-CN" sz="3600" dirty="0" smtClean="0">
+                <a:latin typeface="Times New Roman" panose="02020603050405020304" pitchFamily="18" charset="0"/>
+                <a:ea typeface="楷体" panose="02010609060101010101" pitchFamily="49" charset="-122"/>
+              </a:rPr>
+              <a:t>.</a:t>
+            </a:r>
+            <a:r>
+              <a:rPr lang="en-US" altLang="zh-CN" sz="3600" dirty="0" smtClean="0">
+                <a:latin typeface="Times New Roman" panose="02020603050405020304" pitchFamily="18" charset="0"/>
+                <a:ea typeface="楷体" panose="02010609060101010101" pitchFamily="49" charset="-122"/>
+              </a:rPr>
+              <a:t>12</a:t>
+            </a:r>
+            <a:r>
+              <a:rPr lang="en-US" altLang="zh-CN" sz="3600" dirty="0" smtClean="0">
+                <a:latin typeface="Times New Roman" panose="02020603050405020304" pitchFamily="18" charset="0"/>
+                <a:ea typeface="楷体" panose="02010609060101010101" pitchFamily="49" charset="-122"/>
+              </a:rPr>
+              <a:t>.</a:t>
+            </a:r>
+            <a:r>
+              <a:rPr lang="en-US" altLang="zh-CN" sz="3600" dirty="0" smtClean="0">
+                <a:latin typeface="Times New Roman" panose="02020603050405020304" pitchFamily="18" charset="0"/>
+                <a:ea typeface="楷体" panose="02010609060101010101" pitchFamily="49" charset="-122"/>
+              </a:rPr>
+              <a:t>5</a:t>
+            </a:r>
+            <a:endParaRPr lang="zh-CN" altLang="en-US" sz="3600" dirty="0">
+              <a:latin typeface="Times New Roman" panose="02020603050405020304" pitchFamily="18" charset="0"/>
+              <a:ea typeface="楷体" panose="02010609060101010101" pitchFamily="49" charset="-122"/>
+            </a:endParaRPr>
           </a:p>
         </p:txBody>
       </p:sp>
@@ -10001,7 +10320,7 @@
           <p:nvPr>
             <p:extLst>
               <p:ext uri="{D42A27DB-BD31-4B8C-83A1-F6EECF244321}">
-                <p14:modId xmlns:p14="http://schemas.microsoft.com/office/powerpoint/2010/main" val="3545955112"/>
+                <p14:modId xmlns:p14="http://schemas.microsoft.com/office/powerpoint/2010/main" val="4102848362"/>
               </p:ext>
             </p:extLst>
           </p:nvPr>
@@ -10071,6 +10390,10 @@
                     <a:bodyPr/>
                     <a:lstStyle/>
                     <a:p>
+                      <a:r>
+                        <a:rPr lang="en-US" altLang="zh-CN" dirty="0" smtClean="0"/>
+                        <a:t>Tom</a:t>
+                      </a:r>
                       <a:endParaRPr lang="zh-CN" altLang="en-US" dirty="0"/>
                     </a:p>
                   </a:txBody>
@@ -10081,6 +10404,10 @@
                     <a:bodyPr/>
                     <a:lstStyle/>
                     <a:p>
+                      <a:r>
+                        <a:rPr lang="en-US" altLang="zh-CN" dirty="0" err="1" smtClean="0"/>
+                        <a:t>Info:name</a:t>
+                      </a:r>
                       <a:endParaRPr lang="zh-CN" altLang="en-US" dirty="0"/>
                     </a:p>
                   </a:txBody>
@@ -10091,6 +10418,10 @@
                     <a:bodyPr/>
                     <a:lstStyle/>
                     <a:p>
+                      <a:r>
+                        <a:rPr lang="en-US" altLang="zh-CN" dirty="0" smtClean="0"/>
+                        <a:t>“Tom”</a:t>
+                      </a:r>
                       <a:endParaRPr lang="zh-CN" altLang="en-US" dirty="0"/>
                     </a:p>
                   </a:txBody>
@@ -10103,16 +10434,10 @@
                     <a:bodyPr/>
                     <a:lstStyle/>
                     <a:p>
-                      <a:endParaRPr lang="zh-CN" altLang="en-US"/>
-                    </a:p>
-                  </a:txBody>
-                  <a:tcPr/>
-                </a:tc>
-                <a:tc>
-                  <a:txBody>
-                    <a:bodyPr/>
-                    <a:lstStyle/>
-                    <a:p>
+                      <a:r>
+                        <a:rPr lang="en-US" altLang="zh-CN" dirty="0" smtClean="0"/>
+                        <a:t>Jim</a:t>
+                      </a:r>
                       <a:endParaRPr lang="zh-CN" altLang="en-US" dirty="0"/>
                     </a:p>
                   </a:txBody>
@@ -10123,6 +10448,24 @@
                     <a:bodyPr/>
                     <a:lstStyle/>
                     <a:p>
+                      <a:r>
+                        <a:rPr lang="en-US" altLang="zh-CN" dirty="0" err="1" smtClean="0"/>
+                        <a:t>Info:name</a:t>
+                      </a:r>
+                      <a:endParaRPr lang="zh-CN" altLang="en-US" dirty="0"/>
+                    </a:p>
+                  </a:txBody>
+                  <a:tcPr/>
+                </a:tc>
+                <a:tc>
+                  <a:txBody>
+                    <a:bodyPr/>
+                    <a:lstStyle/>
+                    <a:p>
+                      <a:r>
+                        <a:rPr lang="en-US" altLang="zh-CN" dirty="0" smtClean="0"/>
+                        <a:t>“Jim”</a:t>
+                      </a:r>
                       <a:endParaRPr lang="zh-CN" altLang="en-US" dirty="0"/>
                     </a:p>
                   </a:txBody>
@@ -16290,7 +16633,7 @@
         </p:nvSpPr>
         <p:spPr>
           <a:xfrm>
-            <a:off x="873760" y="1869808"/>
+            <a:off x="850232" y="2092426"/>
             <a:ext cx="10281920" cy="553998"/>
           </a:xfrm>
           <a:prstGeom prst="rect">
@@ -16316,14 +16659,7 @@
                 <a:latin typeface="Times New Roman" panose="02020603050405020304" pitchFamily="18" charset="0"/>
                 <a:ea typeface="楷体" panose="02010609060101010101" pitchFamily="49" charset="-122"/>
               </a:rPr>
-              <a:t>是微软开发的一个基于内存的分布式图数据管理系</a:t>
-            </a:r>
-            <a:r>
-              <a:rPr lang="zh-CN" altLang="en-US" sz="3000" dirty="0" smtClean="0">
-                <a:latin typeface="Times New Roman" panose="02020603050405020304" pitchFamily="18" charset="0"/>
-                <a:ea typeface="楷体" panose="02010609060101010101" pitchFamily="49" charset="-122"/>
-              </a:rPr>
-              <a:t>统</a:t>
+              <a:t>是微软开发的一个基于内存的分布式图数据管理系统</a:t>
             </a:r>
             <a:endParaRPr lang="en-US" altLang="zh-CN" sz="3000" dirty="0" smtClean="0">
               <a:latin typeface="Times New Roman" panose="02020603050405020304" pitchFamily="18" charset="0"/>
@@ -16332,106 +16668,6 @@
           </a:p>
         </p:txBody>
       </p:sp>
-      <p:sp>
-        <p:nvSpPr>
-          <p:cNvPr id="7" name="文本框 6"/>
-          <p:cNvSpPr txBox="1"/>
-          <p:nvPr/>
-        </p:nvSpPr>
-        <p:spPr>
-          <a:xfrm>
-            <a:off x="782320" y="3181272"/>
-            <a:ext cx="3525520" cy="523220"/>
-          </a:xfrm>
-          <a:prstGeom prst="rect">
-            <a:avLst/>
-          </a:prstGeom>
-          <a:noFill/>
-        </p:spPr>
-        <p:txBody>
-          <a:bodyPr wrap="square" rtlCol="0">
-            <a:spAutoFit/>
-          </a:bodyPr>
-          <a:lstStyle/>
-          <a:p>
-            <a:r>
-              <a:rPr lang="zh-CN" altLang="en-US" sz="2800" dirty="0">
-                <a:latin typeface="Times New Roman" panose="02020603050405020304" pitchFamily="18" charset="0"/>
-                <a:ea typeface="楷体" panose="02010609060101010101" pitchFamily="49" charset="-122"/>
-              </a:rPr>
-              <a:t>邻接</a:t>
-            </a:r>
-            <a:r>
-              <a:rPr lang="zh-CN" altLang="en-US" sz="2800" dirty="0" smtClean="0">
-                <a:latin typeface="Times New Roman" panose="02020603050405020304" pitchFamily="18" charset="0"/>
-                <a:ea typeface="楷体" panose="02010609060101010101" pitchFamily="49" charset="-122"/>
-              </a:rPr>
-              <a:t>表存储</a:t>
-            </a:r>
-            <a:endParaRPr lang="zh-CN" altLang="en-US" sz="2800" dirty="0">
-              <a:latin typeface="Times New Roman" panose="02020603050405020304" pitchFamily="18" charset="0"/>
-              <a:ea typeface="楷体" panose="02010609060101010101" pitchFamily="49" charset="-122"/>
-            </a:endParaRPr>
-          </a:p>
-        </p:txBody>
-      </p:sp>
-      <p:graphicFrame>
-        <p:nvGraphicFramePr>
-          <p:cNvPr id="9" name="对象 8"/>
-          <p:cNvGraphicFramePr>
-            <a:graphicFrameLocks noChangeAspect="1"/>
-          </p:cNvGraphicFramePr>
-          <p:nvPr>
-            <p:extLst>
-              <p:ext uri="{D42A27DB-BD31-4B8C-83A1-F6EECF244321}">
-                <p14:modId xmlns:p14="http://schemas.microsoft.com/office/powerpoint/2010/main" val="3292561751"/>
-              </p:ext>
-            </p:extLst>
-          </p:nvPr>
-        </p:nvGraphicFramePr>
-        <p:xfrm>
-          <a:off x="873759" y="3919451"/>
-          <a:ext cx="10281921" cy="684613"/>
-        </p:xfrm>
-        <a:graphic>
-          <a:graphicData uri="http://schemas.openxmlformats.org/presentationml/2006/ole">
-            <mc:AlternateContent xmlns:mc="http://schemas.openxmlformats.org/markup-compatibility/2006">
-              <mc:Choice xmlns:v="urn:schemas-microsoft-com:vml" Requires="v">
-                <p:oleObj spid="_x0000_s1030" name="Equation" r:id="rId4" imgW="3543120" imgH="203040" progId="Equation.DSMT4">
-                  <p:embed/>
-                </p:oleObj>
-              </mc:Choice>
-              <mc:Fallback>
-                <p:oleObj name="Equation" r:id="rId4" imgW="3543120" imgH="203040" progId="Equation.DSMT4">
-                  <p:embed/>
-                  <p:pic>
-                    <p:nvPicPr>
-                      <p:cNvPr id="0" name=""/>
-                      <p:cNvPicPr/>
-                      <p:nvPr/>
-                    </p:nvPicPr>
-                    <p:blipFill>
-                      <a:blip r:embed="rId5"/>
-                      <a:stretch>
-                        <a:fillRect/>
-                      </a:stretch>
-                    </p:blipFill>
-                    <p:spPr>
-                      <a:xfrm>
-                        <a:off x="873759" y="3919451"/>
-                        <a:ext cx="10281921" cy="684613"/>
-                      </a:xfrm>
-                      <a:prstGeom prst="rect">
-                        <a:avLst/>
-                      </a:prstGeom>
-                    </p:spPr>
-                  </p:pic>
-                </p:oleObj>
-              </mc:Fallback>
-            </mc:AlternateContent>
-          </a:graphicData>
-        </a:graphic>
-      </p:graphicFrame>
       <p:sp>
         <p:nvSpPr>
           <p:cNvPr id="10" name="文本框 9"/>
@@ -16485,63 +16721,59 @@
           </a:p>
         </p:txBody>
       </p:sp>
-      <p:graphicFrame>
-        <p:nvGraphicFramePr>
-          <p:cNvPr id="12" name="对象 11"/>
-          <p:cNvGraphicFramePr>
-            <a:graphicFrameLocks noChangeAspect="1"/>
-          </p:cNvGraphicFramePr>
-          <p:nvPr>
-            <p:extLst>
-              <p:ext uri="{D42A27DB-BD31-4B8C-83A1-F6EECF244321}">
-                <p14:modId xmlns:p14="http://schemas.microsoft.com/office/powerpoint/2010/main" val="2280151271"/>
-              </p:ext>
-            </p:extLst>
-          </p:nvPr>
-        </p:nvGraphicFramePr>
-        <p:xfrm>
-          <a:off x="3179377" y="5014707"/>
-          <a:ext cx="2569745" cy="370860"/>
-        </p:xfrm>
-        <a:graphic>
-          <a:graphicData uri="http://schemas.openxmlformats.org/presentationml/2006/ole">
-            <mc:AlternateContent xmlns:mc="http://schemas.openxmlformats.org/markup-compatibility/2006">
-              <mc:Choice xmlns:v="urn:schemas-microsoft-com:vml" Requires="v">
-                <p:oleObj spid="_x0000_s1031" name="Equation" r:id="rId6" imgW="1358640" imgH="203040" progId="Equation.DSMT4">
-                  <p:embed/>
-                </p:oleObj>
-              </mc:Choice>
-              <mc:Fallback>
-                <p:oleObj name="Equation" r:id="rId6" imgW="1358640" imgH="203040" progId="Equation.DSMT4">
-                  <p:embed/>
-                  <p:pic>
-                    <p:nvPicPr>
-                      <p:cNvPr id="0" name=""/>
-                      <p:cNvPicPr/>
-                      <p:nvPr/>
-                    </p:nvPicPr>
-                    <p:blipFill>
-                      <a:blip r:embed="rId7"/>
-                      <a:stretch>
-                        <a:fillRect/>
-                      </a:stretch>
-                    </p:blipFill>
-                    <p:spPr>
-                      <a:xfrm>
-                        <a:off x="3179377" y="5014707"/>
-                        <a:ext cx="2569745" cy="370860"/>
-                      </a:xfrm>
-                      <a:prstGeom prst="rect">
-                        <a:avLst/>
-                      </a:prstGeom>
-                    </p:spPr>
-                  </p:pic>
-                </p:oleObj>
-              </mc:Fallback>
-            </mc:AlternateContent>
-          </a:graphicData>
-        </a:graphic>
-      </p:graphicFrame>
+      <p:sp>
+        <p:nvSpPr>
+          <p:cNvPr id="3" name="文本框 2"/>
+          <p:cNvSpPr txBox="1"/>
+          <p:nvPr/>
+        </p:nvSpPr>
+        <p:spPr>
+          <a:xfrm>
+            <a:off x="850232" y="3513221"/>
+            <a:ext cx="7471611" cy="584775"/>
+          </a:xfrm>
+          <a:prstGeom prst="rect">
+            <a:avLst/>
+          </a:prstGeom>
+          <a:noFill/>
+        </p:spPr>
+        <p:txBody>
+          <a:bodyPr wrap="square" rtlCol="0">
+            <a:spAutoFit/>
+          </a:bodyPr>
+          <a:lstStyle/>
+          <a:p>
+            <a:r>
+              <a:rPr lang="en-US" altLang="zh-CN" sz="3200" dirty="0" smtClean="0">
+                <a:latin typeface="Times New Roman" panose="02020603050405020304" pitchFamily="18" charset="0"/>
+                <a:ea typeface="楷体" panose="02010609060101010101" pitchFamily="49" charset="-122"/>
+              </a:rPr>
+              <a:t>Trinity</a:t>
+            </a:r>
+            <a:r>
+              <a:rPr lang="zh-CN" altLang="en-US" sz="3200" dirty="0" smtClean="0">
+                <a:latin typeface="Times New Roman" panose="02020603050405020304" pitchFamily="18" charset="0"/>
+                <a:ea typeface="楷体" panose="02010609060101010101" pitchFamily="49" charset="-122"/>
+              </a:rPr>
+              <a:t>是一个</a:t>
+            </a:r>
+            <a:r>
+              <a:rPr lang="en-US" altLang="zh-CN" sz="3200" dirty="0" smtClean="0">
+                <a:latin typeface="Times New Roman" panose="02020603050405020304" pitchFamily="18" charset="0"/>
+                <a:ea typeface="楷体" panose="02010609060101010101" pitchFamily="49" charset="-122"/>
+              </a:rPr>
+              <a:t>key-value</a:t>
+            </a:r>
+            <a:r>
+              <a:rPr lang="zh-CN" altLang="en-US" sz="3200" dirty="0">
+                <a:latin typeface="Times New Roman" panose="02020603050405020304" pitchFamily="18" charset="0"/>
+                <a:ea typeface="楷体" panose="02010609060101010101" pitchFamily="49" charset="-122"/>
+              </a:rPr>
+              <a:t>数据库</a:t>
+            </a:r>
+          </a:p>
+        </p:txBody>
+      </p:sp>
     </p:spTree>
     <p:extLst>
       <p:ext uri="{BB962C8B-B14F-4D97-AF65-F5344CB8AC3E}">
@@ -16662,39 +16894,340 @@
           <a:chExt cx="0" cy="0"/>
         </a:xfrm>
       </p:grpSpPr>
-      <p:pic>
-        <p:nvPicPr>
-          <p:cNvPr id="4" name="图片 3"/>
-          <p:cNvPicPr>
-            <a:picLocks noChangeAspect="1"/>
-          </p:cNvPicPr>
+      <p:graphicFrame>
+        <p:nvGraphicFramePr>
+          <p:cNvPr id="4" name="表格 3"/>
+          <p:cNvGraphicFramePr>
+            <a:graphicFrameLocks noGrp="1"/>
+          </p:cNvGraphicFramePr>
+          <p:nvPr>
+            <p:extLst>
+              <p:ext uri="{D42A27DB-BD31-4B8C-83A1-F6EECF244321}">
+                <p14:modId xmlns:p14="http://schemas.microsoft.com/office/powerpoint/2010/main" val="3086133065"/>
+              </p:ext>
+            </p:extLst>
+          </p:nvPr>
+        </p:nvGraphicFramePr>
+        <p:xfrm>
+          <a:off x="878305" y="1718288"/>
+          <a:ext cx="9879264" cy="1957671"/>
+        </p:xfrm>
+        <a:graphic>
+          <a:graphicData uri="http://schemas.openxmlformats.org/drawingml/2006/table">
+            <a:tbl>
+              <a:tblPr firstRow="1" bandRow="1">
+                <a:tableStyleId>{5C22544A-7EE6-4342-B048-85BDC9FD1C3A}</a:tableStyleId>
+              </a:tblPr>
+              <a:tblGrid>
+                <a:gridCol w="2564065"/>
+                <a:gridCol w="7315199"/>
+              </a:tblGrid>
+              <a:tr h="652557">
+                <a:tc>
+                  <a:txBody>
+                    <a:bodyPr/>
+                    <a:lstStyle/>
+                    <a:p>
+                      <a:pPr algn="ctr"/>
+                      <a:r>
+                        <a:rPr lang="en-US" altLang="zh-CN" sz="2400" baseline="0" dirty="0" smtClean="0"/>
+                        <a:t>key</a:t>
+                      </a:r>
+                      <a:endParaRPr lang="zh-CN" altLang="en-US" sz="2400" baseline="0" dirty="0"/>
+                    </a:p>
+                  </a:txBody>
+                  <a:tcPr/>
+                </a:tc>
+                <a:tc>
+                  <a:txBody>
+                    <a:bodyPr/>
+                    <a:lstStyle/>
+                    <a:p>
+                      <a:pPr algn="ctr"/>
+                      <a:r>
+                        <a:rPr lang="en-US" altLang="zh-CN" sz="2400" baseline="0" dirty="0" smtClean="0"/>
+                        <a:t>Value</a:t>
+                      </a:r>
+                      <a:endParaRPr lang="zh-CN" altLang="en-US" sz="2400" baseline="0" dirty="0"/>
+                    </a:p>
+                  </a:txBody>
+                  <a:tcPr/>
+                </a:tc>
+              </a:tr>
+              <a:tr h="652557">
+                <a:tc>
+                  <a:txBody>
+                    <a:bodyPr/>
+                    <a:lstStyle/>
+                    <a:p>
+                      <a:pPr algn="ctr"/>
+                      <a:r>
+                        <a:rPr lang="en-US" altLang="zh-CN" sz="2400" baseline="0" dirty="0" err="1" smtClean="0"/>
+                        <a:t>node_id</a:t>
+                      </a:r>
+                      <a:endParaRPr lang="zh-CN" altLang="en-US" sz="2400" baseline="0" dirty="0"/>
+                    </a:p>
+                  </a:txBody>
+                  <a:tcPr/>
+                </a:tc>
+                <a:tc>
+                  <a:txBody>
+                    <a:bodyPr/>
+                    <a:lstStyle/>
+                    <a:p>
+                      <a:pPr algn="ctr"/>
+                      <a:r>
+                        <a:rPr lang="en-US" altLang="zh-CN" sz="2400" baseline="0" dirty="0" smtClean="0"/>
+                        <a:t>&lt;</a:t>
+                      </a:r>
+                      <a:r>
+                        <a:rPr lang="en-US" altLang="zh-CN" sz="2400" baseline="0" dirty="0" err="1" smtClean="0"/>
+                        <a:t>in_adjacency_lists</a:t>
+                      </a:r>
+                      <a:r>
+                        <a:rPr lang="en-US" altLang="zh-CN" sz="2400" baseline="0" dirty="0" smtClean="0"/>
+                        <a:t>, </a:t>
+                      </a:r>
+                      <a:r>
+                        <a:rPr lang="en-US" altLang="zh-CN" sz="2400" baseline="0" dirty="0" err="1" smtClean="0"/>
+                        <a:t>out_adjacency_lists</a:t>
+                      </a:r>
+                      <a:r>
+                        <a:rPr lang="en-US" altLang="zh-CN" sz="2400" baseline="0" dirty="0" smtClean="0"/>
+                        <a:t>&gt;</a:t>
+                      </a:r>
+                      <a:endParaRPr lang="zh-CN" altLang="en-US" sz="2400" baseline="0" dirty="0"/>
+                    </a:p>
+                  </a:txBody>
+                  <a:tcPr/>
+                </a:tc>
+              </a:tr>
+              <a:tr h="652557">
+                <a:tc>
+                  <a:txBody>
+                    <a:bodyPr/>
+                    <a:lstStyle/>
+                    <a:p>
+                      <a:pPr algn="ctr"/>
+                      <a:r>
+                        <a:rPr lang="en-US" altLang="zh-CN" sz="2400" baseline="0" dirty="0" smtClean="0"/>
+                        <a:t>…………</a:t>
+                      </a:r>
+                      <a:endParaRPr lang="zh-CN" altLang="en-US" sz="2400" baseline="0" dirty="0"/>
+                    </a:p>
+                  </a:txBody>
+                  <a:tcPr/>
+                </a:tc>
+                <a:tc>
+                  <a:txBody>
+                    <a:bodyPr/>
+                    <a:lstStyle/>
+                    <a:p>
+                      <a:pPr algn="ctr"/>
+                      <a:r>
+                        <a:rPr lang="en-US" altLang="zh-CN" sz="2400" baseline="0" dirty="0" smtClean="0"/>
+                        <a:t>………….</a:t>
+                      </a:r>
+                      <a:endParaRPr lang="zh-CN" altLang="en-US" sz="2400" baseline="0" dirty="0"/>
+                    </a:p>
+                  </a:txBody>
+                  <a:tcPr/>
+                </a:tc>
+              </a:tr>
+            </a:tbl>
+          </a:graphicData>
+        </a:graphic>
+      </p:graphicFrame>
+      <p:sp>
+        <p:nvSpPr>
+          <p:cNvPr id="5" name="文本框 4"/>
+          <p:cNvSpPr txBox="1"/>
           <p:nvPr/>
-        </p:nvPicPr>
-        <p:blipFill>
-          <a:blip r:embed="rId2">
-            <a:extLst>
-              <a:ext uri="{28A0092B-C50C-407E-A947-70E740481C1C}">
-                <a14:useLocalDpi xmlns:a14="http://schemas.microsoft.com/office/drawing/2010/main" val="0"/>
-              </a:ext>
-            </a:extLst>
-          </a:blip>
-          <a:stretch>
-            <a:fillRect/>
-          </a:stretch>
-        </p:blipFill>
+        </p:nvSpPr>
         <p:spPr>
           <a:xfrm>
-            <a:off x="0" y="2596092"/>
-            <a:ext cx="6115638" cy="2753109"/>
+            <a:off x="878305" y="577516"/>
+            <a:ext cx="5678906" cy="923330"/>
           </a:xfrm>
           <a:prstGeom prst="rect">
             <a:avLst/>
           </a:prstGeom>
+          <a:noFill/>
         </p:spPr>
-      </p:pic>
+        <p:txBody>
+          <a:bodyPr wrap="square" rtlCol="0">
+            <a:spAutoFit/>
+          </a:bodyPr>
+          <a:lstStyle/>
+          <a:p>
+            <a:r>
+              <a:rPr lang="zh-CN" altLang="en-US" sz="5400" dirty="0">
+                <a:latin typeface="Times New Roman" panose="02020603050405020304" pitchFamily="18" charset="0"/>
+                <a:ea typeface="楷体" panose="02010609060101010101" pitchFamily="49" charset="-122"/>
+              </a:rPr>
+              <a:t>邻接</a:t>
+            </a:r>
+            <a:r>
+              <a:rPr lang="zh-CN" altLang="en-US" sz="5400" dirty="0" smtClean="0">
+                <a:latin typeface="Times New Roman" panose="02020603050405020304" pitchFamily="18" charset="0"/>
+                <a:ea typeface="楷体" panose="02010609060101010101" pitchFamily="49" charset="-122"/>
+              </a:rPr>
+              <a:t>表存储</a:t>
+            </a:r>
+            <a:endParaRPr lang="zh-CN" altLang="en-US" sz="5400" dirty="0">
+              <a:latin typeface="Times New Roman" panose="02020603050405020304" pitchFamily="18" charset="0"/>
+              <a:ea typeface="楷体" panose="02010609060101010101" pitchFamily="49" charset="-122"/>
+            </a:endParaRPr>
+          </a:p>
+        </p:txBody>
+      </p:sp>
+      <p:graphicFrame>
+        <p:nvGraphicFramePr>
+          <p:cNvPr id="6" name="对象 5"/>
+          <p:cNvGraphicFramePr>
+            <a:graphicFrameLocks noChangeAspect="1"/>
+          </p:cNvGraphicFramePr>
+          <p:nvPr>
+            <p:extLst>
+              <p:ext uri="{D42A27DB-BD31-4B8C-83A1-F6EECF244321}">
+                <p14:modId xmlns:p14="http://schemas.microsoft.com/office/powerpoint/2010/main" val="3634297398"/>
+              </p:ext>
+            </p:extLst>
+          </p:nvPr>
+        </p:nvGraphicFramePr>
+        <p:xfrm>
+          <a:off x="388938" y="5324976"/>
+          <a:ext cx="11234737" cy="522371"/>
+        </p:xfrm>
+        <a:graphic>
+          <a:graphicData uri="http://schemas.openxmlformats.org/presentationml/2006/ole">
+            <mc:AlternateContent xmlns:mc="http://schemas.openxmlformats.org/markup-compatibility/2006">
+              <mc:Choice xmlns:v="urn:schemas-microsoft-com:vml" Requires="v">
+                <p:oleObj spid="_x0000_s2053" name="Equation" r:id="rId4" imgW="4356000" imgH="203040" progId="Equation.DSMT4">
+                  <p:embed/>
+                </p:oleObj>
+              </mc:Choice>
+              <mc:Fallback>
+                <p:oleObj name="Equation" r:id="rId4" imgW="4356000" imgH="203040" progId="Equation.DSMT4">
+                  <p:embed/>
+                  <p:pic>
+                    <p:nvPicPr>
+                      <p:cNvPr id="0" name=""/>
+                      <p:cNvPicPr/>
+                      <p:nvPr/>
+                    </p:nvPicPr>
+                    <p:blipFill>
+                      <a:blip r:embed="rId5"/>
+                      <a:stretch>
+                        <a:fillRect/>
+                      </a:stretch>
+                    </p:blipFill>
+                    <p:spPr>
+                      <a:xfrm>
+                        <a:off x="388938" y="5324976"/>
+                        <a:ext cx="11234737" cy="522371"/>
+                      </a:xfrm>
+                      <a:prstGeom prst="rect">
+                        <a:avLst/>
+                      </a:prstGeom>
+                    </p:spPr>
+                  </p:pic>
+                </p:oleObj>
+              </mc:Fallback>
+            </mc:AlternateContent>
+          </a:graphicData>
+        </a:graphic>
+      </p:graphicFrame>
+      <p:graphicFrame>
+        <p:nvGraphicFramePr>
+          <p:cNvPr id="7" name="对象 6"/>
+          <p:cNvGraphicFramePr>
+            <a:graphicFrameLocks noChangeAspect="1"/>
+          </p:cNvGraphicFramePr>
+          <p:nvPr>
+            <p:extLst>
+              <p:ext uri="{D42A27DB-BD31-4B8C-83A1-F6EECF244321}">
+                <p14:modId xmlns:p14="http://schemas.microsoft.com/office/powerpoint/2010/main" val="285986157"/>
+              </p:ext>
+            </p:extLst>
+          </p:nvPr>
+        </p:nvGraphicFramePr>
+        <p:xfrm>
+          <a:off x="388938" y="4373563"/>
+          <a:ext cx="11234737" cy="547687"/>
+        </p:xfrm>
+        <a:graphic>
+          <a:graphicData uri="http://schemas.openxmlformats.org/presentationml/2006/ole">
+            <mc:AlternateContent xmlns:mc="http://schemas.openxmlformats.org/markup-compatibility/2006">
+              <mc:Choice xmlns:v="urn:schemas-microsoft-com:vml" Requires="v">
+                <p:oleObj spid="_x0000_s2054" name="Equation" r:id="rId6" imgW="3860640" imgH="203040" progId="Equation.DSMT4">
+                  <p:embed/>
+                </p:oleObj>
+              </mc:Choice>
+              <mc:Fallback>
+                <p:oleObj name="Equation" r:id="rId6" imgW="3860640" imgH="203040" progId="Equation.DSMT4">
+                  <p:embed/>
+                  <p:pic>
+                    <p:nvPicPr>
+                      <p:cNvPr id="0" name=""/>
+                      <p:cNvPicPr/>
+                      <p:nvPr/>
+                    </p:nvPicPr>
+                    <p:blipFill>
+                      <a:blip r:embed="rId7"/>
+                      <a:stretch>
+                        <a:fillRect/>
+                      </a:stretch>
+                    </p:blipFill>
+                    <p:spPr>
+                      <a:xfrm>
+                        <a:off x="388938" y="4373563"/>
+                        <a:ext cx="11234737" cy="547687"/>
+                      </a:xfrm>
+                      <a:prstGeom prst="rect">
+                        <a:avLst/>
+                      </a:prstGeom>
+                    </p:spPr>
+                  </p:pic>
+                </p:oleObj>
+              </mc:Fallback>
+            </mc:AlternateContent>
+          </a:graphicData>
+        </a:graphic>
+      </p:graphicFrame>
+    </p:spTree>
+    <p:extLst>
+      <p:ext uri="{BB962C8B-B14F-4D97-AF65-F5344CB8AC3E}">
+        <p14:creationId xmlns:p14="http://schemas.microsoft.com/office/powerpoint/2010/main" val="1328292803"/>
+      </p:ext>
+    </p:extLst>
+  </p:cSld>
+  <p:clrMapOvr>
+    <a:masterClrMapping/>
+  </p:clrMapOvr>
+</p:sld>
+</file>
+
+<file path=ppt/slides/slide31.xml><?xml version="1.0" encoding="utf-8"?>
+<p:sld xmlns:a="http://schemas.openxmlformats.org/drawingml/2006/main" xmlns:r="http://schemas.openxmlformats.org/officeDocument/2006/relationships" xmlns:p="http://schemas.openxmlformats.org/presentationml/2006/main">
+  <p:cSld>
+    <p:spTree>
+      <p:nvGrpSpPr>
+        <p:cNvPr id="1" name=""/>
+        <p:cNvGrpSpPr/>
+        <p:nvPr/>
+      </p:nvGrpSpPr>
+      <p:grpSpPr>
+        <a:xfrm>
+          <a:off x="0" y="0"/>
+          <a:ext cx="0" cy="0"/>
+          <a:chOff x="0" y="0"/>
+          <a:chExt cx="0" cy="0"/>
+        </a:xfrm>
+      </p:grpSpPr>
       <p:pic>
         <p:nvPicPr>
-          <p:cNvPr id="5" name="图片 4"/>
+          <p:cNvPr id="4" name="图片 3"/>
           <p:cNvPicPr>
             <a:picLocks noChangeAspect="1"/>
           </p:cNvPicPr>
@@ -16714,8 +17247,8 @@
         </p:blipFill>
         <p:spPr>
           <a:xfrm>
-            <a:off x="5866517" y="2161520"/>
-            <a:ext cx="6325483" cy="4696480"/>
+            <a:off x="4194778" y="-84222"/>
+            <a:ext cx="8181938" cy="6858000"/>
           </a:xfrm>
           <a:prstGeom prst="rect">
             <a:avLst/>
@@ -16724,14 +17257,14 @@
       </p:pic>
       <p:sp>
         <p:nvSpPr>
-          <p:cNvPr id="6" name="矩形 5"/>
+          <p:cNvPr id="5" name="矩形 4"/>
           <p:cNvSpPr/>
           <p:nvPr/>
         </p:nvSpPr>
         <p:spPr>
           <a:xfrm>
-            <a:off x="192664" y="1087293"/>
-            <a:ext cx="4843570" cy="923330"/>
+            <a:off x="219084" y="585082"/>
+            <a:ext cx="3187347" cy="923330"/>
           </a:xfrm>
           <a:prstGeom prst="rect">
             <a:avLst/>
@@ -16746,7 +17279,23 @@
           <a:p>
             <a:pPr algn="ctr"/>
             <a:r>
-              <a:rPr lang="en-US" altLang="zh-CN" sz="5400" dirty="0">
+              <a:rPr lang="en-US" altLang="zh-CN" sz="5400" b="0" cap="none" spc="0" dirty="0" smtClean="0">
+                <a:ln w="0"/>
+                <a:solidFill>
+                  <a:schemeClr val="tx1"/>
+                </a:solidFill>
+                <a:effectLst>
+                  <a:outerShdw blurRad="38100" dist="19050" dir="2700000" algn="tl" rotWithShape="0">
+                    <a:schemeClr val="dk1">
+                      <a:alpha val="40000"/>
+                    </a:schemeClr>
+                  </a:outerShdw>
+                </a:effectLst>
+              </a:rPr>
+              <a:t>RDF</a:t>
+            </a:r>
+            <a:r>
+              <a:rPr lang="zh-CN" altLang="en-US" sz="5400" dirty="0">
                 <a:ln w="0"/>
                 <a:effectLst>
                   <a:outerShdw blurRad="38100" dist="19050" dir="2700000" algn="tl" rotWithShape="0">
@@ -16756,7 +17305,7 @@
                   </a:outerShdw>
                 </a:effectLst>
               </a:rPr>
-              <a:t>q</a:t>
+              <a:t> </a:t>
             </a:r>
             <a:r>
               <a:rPr lang="en-US" altLang="zh-CN" sz="5400" dirty="0" smtClean="0">
@@ -16769,7 +17318,7 @@
                   </a:outerShdw>
                 </a:effectLst>
               </a:rPr>
-              <a:t>uery statement</a:t>
+              <a:t>Graph</a:t>
             </a:r>
             <a:endParaRPr lang="zh-CN" altLang="en-US" sz="5400" b="0" cap="none" spc="0" dirty="0">
               <a:ln w="0"/>
@@ -16787,81 +17336,629 @@
           </a:p>
         </p:txBody>
       </p:sp>
+      <p:graphicFrame>
+        <p:nvGraphicFramePr>
+          <p:cNvPr id="7" name="表格 6"/>
+          <p:cNvGraphicFramePr>
+            <a:graphicFrameLocks noGrp="1"/>
+          </p:cNvGraphicFramePr>
+          <p:nvPr>
+            <p:extLst>
+              <p:ext uri="{D42A27DB-BD31-4B8C-83A1-F6EECF244321}">
+                <p14:modId xmlns:p14="http://schemas.microsoft.com/office/powerpoint/2010/main" val="1422599354"/>
+              </p:ext>
+            </p:extLst>
+          </p:nvPr>
+        </p:nvGraphicFramePr>
+        <p:xfrm>
+          <a:off x="226873" y="1898760"/>
+          <a:ext cx="3370570" cy="741680"/>
+        </p:xfrm>
+        <a:graphic>
+          <a:graphicData uri="http://schemas.openxmlformats.org/drawingml/2006/table">
+            <a:tbl>
+              <a:tblPr firstRow="1" bandRow="1">
+                <a:tableStyleId>{5C22544A-7EE6-4342-B048-85BDC9FD1C3A}</a:tableStyleId>
+              </a:tblPr>
+              <a:tblGrid>
+                <a:gridCol w="1685285"/>
+                <a:gridCol w="1685285"/>
+              </a:tblGrid>
+              <a:tr h="370840">
+                <a:tc>
+                  <a:txBody>
+                    <a:bodyPr/>
+                    <a:lstStyle/>
+                    <a:p>
+                      <a:r>
+                        <a:rPr lang="en-US" altLang="zh-CN" dirty="0" smtClean="0"/>
+                        <a:t>person</a:t>
+                      </a:r>
+                      <a:endParaRPr lang="zh-CN" altLang="en-US" dirty="0"/>
+                    </a:p>
+                  </a:txBody>
+                  <a:tcPr/>
+                </a:tc>
+                <a:tc>
+                  <a:txBody>
+                    <a:bodyPr/>
+                    <a:lstStyle/>
+                    <a:p>
+                      <a:r>
+                        <a:rPr lang="en-US" altLang="zh-CN" dirty="0" err="1" smtClean="0"/>
+                        <a:t>tempPerson</a:t>
+                      </a:r>
+                      <a:endParaRPr lang="zh-CN" altLang="en-US" dirty="0"/>
+                    </a:p>
+                  </a:txBody>
+                  <a:tcPr/>
+                </a:tc>
+              </a:tr>
+              <a:tr h="370840">
+                <a:tc>
+                  <a:txBody>
+                    <a:bodyPr/>
+                    <a:lstStyle/>
+                    <a:p>
+                      <a:r>
+                        <a:rPr lang="en-US" altLang="zh-CN" dirty="0" smtClean="0"/>
+                        <a:t>Tom</a:t>
+                      </a:r>
+                      <a:endParaRPr lang="zh-CN" altLang="en-US" dirty="0"/>
+                    </a:p>
+                  </a:txBody>
+                  <a:tcPr/>
+                </a:tc>
+                <a:tc>
+                  <a:txBody>
+                    <a:bodyPr/>
+                    <a:lstStyle/>
+                    <a:p>
+                      <a:r>
+                        <a:rPr lang="en-US" altLang="zh-CN" dirty="0" smtClean="0"/>
+                        <a:t>Jim</a:t>
+                      </a:r>
+                      <a:endParaRPr lang="zh-CN" altLang="en-US" dirty="0"/>
+                    </a:p>
+                  </a:txBody>
+                  <a:tcPr/>
+                </a:tc>
+              </a:tr>
+            </a:tbl>
+          </a:graphicData>
+        </a:graphic>
+      </p:graphicFrame>
+      <p:graphicFrame>
+        <p:nvGraphicFramePr>
+          <p:cNvPr id="8" name="表格 7"/>
+          <p:cNvGraphicFramePr>
+            <a:graphicFrameLocks noGrp="1"/>
+          </p:cNvGraphicFramePr>
+          <p:nvPr>
+            <p:extLst>
+              <p:ext uri="{D42A27DB-BD31-4B8C-83A1-F6EECF244321}">
+                <p14:modId xmlns:p14="http://schemas.microsoft.com/office/powerpoint/2010/main" val="2424919230"/>
+              </p:ext>
+            </p:extLst>
+          </p:nvPr>
+        </p:nvGraphicFramePr>
+        <p:xfrm>
+          <a:off x="226873" y="3030788"/>
+          <a:ext cx="3370570" cy="741680"/>
+        </p:xfrm>
+        <a:graphic>
+          <a:graphicData uri="http://schemas.openxmlformats.org/drawingml/2006/table">
+            <a:tbl>
+              <a:tblPr firstRow="1" bandRow="1">
+                <a:tableStyleId>{5C22544A-7EE6-4342-B048-85BDC9FD1C3A}</a:tableStyleId>
+              </a:tblPr>
+              <a:tblGrid>
+                <a:gridCol w="1685285"/>
+                <a:gridCol w="1685285"/>
+              </a:tblGrid>
+              <a:tr h="370840">
+                <a:tc>
+                  <a:txBody>
+                    <a:bodyPr/>
+                    <a:lstStyle/>
+                    <a:p>
+                      <a:r>
+                        <a:rPr lang="en-US" altLang="zh-CN" dirty="0" smtClean="0"/>
+                        <a:t>person</a:t>
+                      </a:r>
+                      <a:endParaRPr lang="zh-CN" altLang="en-US" dirty="0"/>
+                    </a:p>
+                  </a:txBody>
+                  <a:tcPr/>
+                </a:tc>
+                <a:tc>
+                  <a:txBody>
+                    <a:bodyPr/>
+                    <a:lstStyle/>
+                    <a:p>
+                      <a:r>
+                        <a:rPr lang="en-US" altLang="zh-CN" dirty="0" err="1" smtClean="0"/>
+                        <a:t>tempPerson</a:t>
+                      </a:r>
+                      <a:endParaRPr lang="zh-CN" altLang="en-US" dirty="0"/>
+                    </a:p>
+                  </a:txBody>
+                  <a:tcPr/>
+                </a:tc>
+              </a:tr>
+              <a:tr h="370840">
+                <a:tc>
+                  <a:txBody>
+                    <a:bodyPr/>
+                    <a:lstStyle/>
+                    <a:p>
+                      <a:r>
+                        <a:rPr lang="en-US" altLang="zh-CN" dirty="0" smtClean="0"/>
+                        <a:t>Jim</a:t>
+                      </a:r>
+                      <a:endParaRPr lang="zh-CN" altLang="en-US" dirty="0"/>
+                    </a:p>
+                  </a:txBody>
+                  <a:tcPr/>
+                </a:tc>
+                <a:tc>
+                  <a:txBody>
+                    <a:bodyPr/>
+                    <a:lstStyle/>
+                    <a:p>
+                      <a:r>
+                        <a:rPr lang="en-US" altLang="zh-CN" dirty="0" smtClean="0"/>
+                        <a:t>Cherry</a:t>
+                      </a:r>
+                      <a:endParaRPr lang="zh-CN" altLang="en-US" dirty="0"/>
+                    </a:p>
+                  </a:txBody>
+                  <a:tcPr/>
+                </a:tc>
+              </a:tr>
+            </a:tbl>
+          </a:graphicData>
+        </a:graphic>
+      </p:graphicFrame>
+      <p:graphicFrame>
+        <p:nvGraphicFramePr>
+          <p:cNvPr id="9" name="表格 8"/>
+          <p:cNvGraphicFramePr>
+            <a:graphicFrameLocks noGrp="1"/>
+          </p:cNvGraphicFramePr>
+          <p:nvPr>
+            <p:extLst>
+              <p:ext uri="{D42A27DB-BD31-4B8C-83A1-F6EECF244321}">
+                <p14:modId xmlns:p14="http://schemas.microsoft.com/office/powerpoint/2010/main" val="3450326743"/>
+              </p:ext>
+            </p:extLst>
+          </p:nvPr>
+        </p:nvGraphicFramePr>
+        <p:xfrm>
+          <a:off x="226873" y="4293045"/>
+          <a:ext cx="3466822" cy="741680"/>
+        </p:xfrm>
+        <a:graphic>
+          <a:graphicData uri="http://schemas.openxmlformats.org/drawingml/2006/table">
+            <a:tbl>
+              <a:tblPr firstRow="1" bandRow="1">
+                <a:tableStyleId>{21E4AEA4-8DFA-4A89-87EB-49C32662AFE0}</a:tableStyleId>
+              </a:tblPr>
+              <a:tblGrid>
+                <a:gridCol w="1733411"/>
+                <a:gridCol w="1733411"/>
+              </a:tblGrid>
+              <a:tr h="370840">
+                <a:tc>
+                  <a:txBody>
+                    <a:bodyPr/>
+                    <a:lstStyle/>
+                    <a:p>
+                      <a:r>
+                        <a:rPr lang="en-US" altLang="zh-CN" dirty="0" err="1" smtClean="0"/>
+                        <a:t>tempPerson</a:t>
+                      </a:r>
+                      <a:endParaRPr lang="zh-CN" altLang="en-US" dirty="0"/>
+                    </a:p>
+                  </a:txBody>
+                  <a:tcPr/>
+                </a:tc>
+                <a:tc>
+                  <a:txBody>
+                    <a:bodyPr/>
+                    <a:lstStyle/>
+                    <a:p>
+                      <a:r>
+                        <a:rPr lang="en-US" altLang="zh-CN" dirty="0" err="1" smtClean="0"/>
+                        <a:t>grandPerson</a:t>
+                      </a:r>
+                      <a:endParaRPr lang="zh-CN" altLang="en-US" dirty="0"/>
+                    </a:p>
+                  </a:txBody>
+                  <a:tcPr/>
+                </a:tc>
+              </a:tr>
+              <a:tr h="370840">
+                <a:tc>
+                  <a:txBody>
+                    <a:bodyPr/>
+                    <a:lstStyle/>
+                    <a:p>
+                      <a:r>
+                        <a:rPr lang="en-US" altLang="zh-CN" dirty="0" smtClean="0"/>
+                        <a:t>Jim</a:t>
+                      </a:r>
+                      <a:endParaRPr lang="zh-CN" altLang="en-US" dirty="0"/>
+                    </a:p>
+                  </a:txBody>
+                  <a:tcPr/>
+                </a:tc>
+                <a:tc>
+                  <a:txBody>
+                    <a:bodyPr/>
+                    <a:lstStyle/>
+                    <a:p>
+                      <a:r>
+                        <a:rPr lang="en-US" altLang="zh-CN" dirty="0" smtClean="0"/>
+                        <a:t>Cherry</a:t>
+                      </a:r>
+                      <a:endParaRPr lang="zh-CN" altLang="en-US" dirty="0"/>
+                    </a:p>
+                  </a:txBody>
+                  <a:tcPr/>
+                </a:tc>
+              </a:tr>
+            </a:tbl>
+          </a:graphicData>
+        </a:graphic>
+      </p:graphicFrame>
+      <p:graphicFrame>
+        <p:nvGraphicFramePr>
+          <p:cNvPr id="11" name="表格 10"/>
+          <p:cNvGraphicFramePr>
+            <a:graphicFrameLocks noGrp="1"/>
+          </p:cNvGraphicFramePr>
+          <p:nvPr>
+            <p:extLst>
+              <p:ext uri="{D42A27DB-BD31-4B8C-83A1-F6EECF244321}">
+                <p14:modId xmlns:p14="http://schemas.microsoft.com/office/powerpoint/2010/main" val="3255342129"/>
+              </p:ext>
+            </p:extLst>
+          </p:nvPr>
+        </p:nvGraphicFramePr>
+        <p:xfrm>
+          <a:off x="226873" y="5555302"/>
+          <a:ext cx="4453411" cy="741680"/>
+        </p:xfrm>
+        <a:graphic>
+          <a:graphicData uri="http://schemas.openxmlformats.org/drawingml/2006/table">
+            <a:tbl>
+              <a:tblPr firstRow="1" bandRow="1">
+                <a:tableStyleId>{93296810-A885-4BE3-A3E7-6D5BEEA58F35}</a:tableStyleId>
+              </a:tblPr>
+              <a:tblGrid>
+                <a:gridCol w="1293827"/>
+                <a:gridCol w="1631574"/>
+                <a:gridCol w="1528010"/>
+              </a:tblGrid>
+              <a:tr h="370840">
+                <a:tc>
+                  <a:txBody>
+                    <a:bodyPr/>
+                    <a:lstStyle/>
+                    <a:p>
+                      <a:r>
+                        <a:rPr lang="en-US" altLang="zh-CN" dirty="0" smtClean="0"/>
+                        <a:t>person</a:t>
+                      </a:r>
+                      <a:endParaRPr lang="zh-CN" altLang="en-US" dirty="0"/>
+                    </a:p>
+                  </a:txBody>
+                  <a:tcPr/>
+                </a:tc>
+                <a:tc>
+                  <a:txBody>
+                    <a:bodyPr/>
+                    <a:lstStyle/>
+                    <a:p>
+                      <a:r>
+                        <a:rPr lang="en-US" altLang="zh-CN" dirty="0" err="1" smtClean="0"/>
+                        <a:t>tempPerson</a:t>
+                      </a:r>
+                      <a:endParaRPr lang="zh-CN" altLang="en-US" dirty="0"/>
+                    </a:p>
+                  </a:txBody>
+                  <a:tcPr/>
+                </a:tc>
+                <a:tc>
+                  <a:txBody>
+                    <a:bodyPr/>
+                    <a:lstStyle/>
+                    <a:p>
+                      <a:r>
+                        <a:rPr lang="en-US" altLang="zh-CN" dirty="0" err="1" smtClean="0"/>
+                        <a:t>grandPerson</a:t>
+                      </a:r>
+                      <a:endParaRPr lang="zh-CN" altLang="en-US" dirty="0"/>
+                    </a:p>
+                  </a:txBody>
+                  <a:tcPr/>
+                </a:tc>
+              </a:tr>
+              <a:tr h="370840">
+                <a:tc>
+                  <a:txBody>
+                    <a:bodyPr/>
+                    <a:lstStyle/>
+                    <a:p>
+                      <a:r>
+                        <a:rPr lang="en-US" altLang="zh-CN" dirty="0" smtClean="0"/>
+                        <a:t>Tom</a:t>
+                      </a:r>
+                      <a:endParaRPr lang="zh-CN" altLang="en-US" dirty="0"/>
+                    </a:p>
+                  </a:txBody>
+                  <a:tcPr/>
+                </a:tc>
+                <a:tc>
+                  <a:txBody>
+                    <a:bodyPr/>
+                    <a:lstStyle/>
+                    <a:p>
+                      <a:r>
+                        <a:rPr lang="en-US" altLang="zh-CN" dirty="0" smtClean="0"/>
+                        <a:t>Jim</a:t>
+                      </a:r>
+                      <a:endParaRPr lang="zh-CN" altLang="en-US" dirty="0"/>
+                    </a:p>
+                  </a:txBody>
+                  <a:tcPr/>
+                </a:tc>
+                <a:tc>
+                  <a:txBody>
+                    <a:bodyPr/>
+                    <a:lstStyle/>
+                    <a:p>
+                      <a:r>
+                        <a:rPr lang="en-US" altLang="zh-CN" dirty="0" smtClean="0"/>
+                        <a:t>Cherry</a:t>
+                      </a:r>
+                      <a:endParaRPr lang="zh-CN" altLang="en-US" dirty="0"/>
+                    </a:p>
+                  </a:txBody>
+                  <a:tcPr/>
+                </a:tc>
+              </a:tr>
+            </a:tbl>
+          </a:graphicData>
+        </a:graphic>
+      </p:graphicFrame>
+    </p:spTree>
+    <p:extLst>
+      <p:ext uri="{BB962C8B-B14F-4D97-AF65-F5344CB8AC3E}">
+        <p14:creationId xmlns:p14="http://schemas.microsoft.com/office/powerpoint/2010/main" val="4016533101"/>
+      </p:ext>
+    </p:extLst>
+  </p:cSld>
+  <p:clrMapOvr>
+    <a:masterClrMapping/>
+  </p:clrMapOvr>
+</p:sld>
+</file>
+
+<file path=ppt/slides/slide32.xml><?xml version="1.0" encoding="utf-8"?>
+<p:sld xmlns:a="http://schemas.openxmlformats.org/drawingml/2006/main" xmlns:r="http://schemas.openxmlformats.org/officeDocument/2006/relationships" xmlns:p="http://schemas.openxmlformats.org/presentationml/2006/main">
+  <p:cSld>
+    <p:spTree>
+      <p:nvGrpSpPr>
+        <p:cNvPr id="1" name=""/>
+        <p:cNvGrpSpPr/>
+        <p:nvPr/>
+      </p:nvGrpSpPr>
+      <p:grpSpPr>
+        <a:xfrm>
+          <a:off x="0" y="0"/>
+          <a:ext cx="0" cy="0"/>
+          <a:chOff x="0" y="0"/>
+          <a:chExt cx="0" cy="0"/>
+        </a:xfrm>
+      </p:grpSpPr>
       <p:sp>
         <p:nvSpPr>
-          <p:cNvPr id="7" name="矩形 6"/>
-          <p:cNvSpPr/>
-          <p:nvPr/>
+          <p:cNvPr id="2" name="标题 1"/>
+          <p:cNvSpPr>
+            <a:spLocks noGrp="1"/>
+          </p:cNvSpPr>
+          <p:nvPr>
+            <p:ph type="title"/>
+          </p:nvPr>
         </p:nvSpPr>
         <p:spPr>
           <a:xfrm>
-            <a:off x="6552561" y="1087293"/>
-            <a:ext cx="3586688" cy="923330"/>
+            <a:off x="453190" y="353094"/>
+            <a:ext cx="10515600" cy="1325563"/>
           </a:xfrm>
-          <a:prstGeom prst="rect">
-            <a:avLst/>
-          </a:prstGeom>
-          <a:noFill/>
         </p:spPr>
         <p:txBody>
-          <a:bodyPr wrap="none" lIns="91440" tIns="45720" rIns="91440" bIns="45720">
-            <a:spAutoFit/>
-          </a:bodyPr>
+          <a:bodyPr/>
           <a:lstStyle/>
           <a:p>
-            <a:pPr algn="ctr"/>
-            <a:r>
-              <a:rPr lang="en-US" altLang="zh-CN" sz="5400" dirty="0">
-                <a:ln w="0"/>
-                <a:effectLst>
-                  <a:outerShdw blurRad="38100" dist="19050" dir="2700000" algn="tl" rotWithShape="0">
-                    <a:schemeClr val="dk1">
-                      <a:alpha val="40000"/>
-                    </a:schemeClr>
-                  </a:outerShdw>
-                </a:effectLst>
-              </a:rPr>
-              <a:t>q</a:t>
-            </a:r>
-            <a:r>
-              <a:rPr lang="en-US" altLang="zh-CN" sz="5400" dirty="0" smtClean="0">
-                <a:ln w="0"/>
-                <a:effectLst>
-                  <a:outerShdw blurRad="38100" dist="19050" dir="2700000" algn="tl" rotWithShape="0">
-                    <a:schemeClr val="dk1">
-                      <a:alpha val="40000"/>
-                    </a:schemeClr>
-                  </a:outerShdw>
-                </a:effectLst>
-              </a:rPr>
-              <a:t>uery graph</a:t>
-            </a:r>
-            <a:endParaRPr lang="zh-CN" altLang="en-US" sz="5400" b="0" cap="none" spc="0" dirty="0">
-              <a:ln w="0"/>
-              <a:solidFill>
-                <a:schemeClr val="tx1"/>
-              </a:solidFill>
-              <a:effectLst>
-                <a:outerShdw blurRad="38100" dist="19050" dir="2700000" algn="tl" rotWithShape="0">
-                  <a:schemeClr val="dk1">
-                    <a:alpha val="40000"/>
-                  </a:schemeClr>
-                </a:outerShdw>
-              </a:effectLst>
-            </a:endParaRPr>
+            <a:r>
+              <a:rPr lang="zh-CN" altLang="en-US" dirty="0"/>
+              <a:t>查询</a:t>
+            </a:r>
           </a:p>
         </p:txBody>
       </p:sp>
       <p:sp>
         <p:nvSpPr>
-          <p:cNvPr id="8" name="文本框 7"/>
+          <p:cNvPr id="3" name="内容占位符 2"/>
+          <p:cNvSpPr>
+            <a:spLocks noGrp="1"/>
+          </p:cNvSpPr>
+          <p:nvPr>
+            <p:ph idx="1"/>
+          </p:nvPr>
+        </p:nvSpPr>
+        <p:spPr>
+          <a:xfrm>
+            <a:off x="453190" y="2102351"/>
+            <a:ext cx="6561221" cy="2289175"/>
+          </a:xfrm>
+        </p:spPr>
+        <p:txBody>
+          <a:bodyPr>
+            <a:normAutofit/>
+          </a:bodyPr>
+          <a:lstStyle/>
+          <a:p>
+            <a:pPr marL="0" indent="0">
+              <a:buNone/>
+            </a:pPr>
+            <a:r>
+              <a:rPr lang="en-US" altLang="zh-CN" sz="2200" dirty="0">
+                <a:latin typeface="Courier New" panose="02070309020205020404" pitchFamily="49" charset="0"/>
+              </a:rPr>
+              <a:t>select ?person ?</a:t>
+            </a:r>
+            <a:r>
+              <a:rPr lang="en-US" altLang="zh-CN" sz="2200" dirty="0" err="1">
+                <a:latin typeface="Courier New" panose="02070309020205020404" pitchFamily="49" charset="0"/>
+              </a:rPr>
+              <a:t>grandPerson</a:t>
+            </a:r>
+            <a:endParaRPr lang="en-US" altLang="zh-CN" sz="2200" dirty="0">
+              <a:latin typeface="Courier New" panose="02070309020205020404" pitchFamily="49" charset="0"/>
+            </a:endParaRPr>
+          </a:p>
+          <a:p>
+            <a:pPr marL="0" indent="0">
+              <a:buNone/>
+            </a:pPr>
+            <a:r>
+              <a:rPr lang="en-US" altLang="zh-CN" sz="2200" dirty="0" smtClean="0">
+                <a:latin typeface="Courier New" panose="02070309020205020404" pitchFamily="49" charset="0"/>
+              </a:rPr>
+              <a:t>Where{</a:t>
+            </a:r>
+            <a:endParaRPr lang="en-US" altLang="zh-CN" sz="2200" dirty="0">
+              <a:latin typeface="Courier New" panose="02070309020205020404" pitchFamily="49" charset="0"/>
+            </a:endParaRPr>
+          </a:p>
+          <a:p>
+            <a:pPr marL="0" indent="0">
+              <a:buNone/>
+            </a:pPr>
+            <a:r>
+              <a:rPr lang="en-US" altLang="zh-CN" sz="2200" dirty="0" smtClean="0">
+                <a:latin typeface="Courier New" panose="02070309020205020404" pitchFamily="49" charset="0"/>
+              </a:rPr>
+              <a:t>?</a:t>
+            </a:r>
+            <a:r>
+              <a:rPr lang="en-US" altLang="zh-CN" sz="2200" dirty="0">
+                <a:latin typeface="Courier New" panose="02070309020205020404" pitchFamily="49" charset="0"/>
+              </a:rPr>
+              <a:t>person </a:t>
+            </a:r>
+            <a:r>
+              <a:rPr lang="en-US" altLang="zh-CN" sz="2200" dirty="0" err="1">
+                <a:latin typeface="Courier New" panose="02070309020205020404" pitchFamily="49" charset="0"/>
+              </a:rPr>
+              <a:t>rel:fatherof</a:t>
+            </a:r>
+            <a:r>
+              <a:rPr lang="en-US" altLang="zh-CN" sz="2200" dirty="0">
+                <a:latin typeface="Courier New" panose="02070309020205020404" pitchFamily="49" charset="0"/>
+              </a:rPr>
+              <a:t> ?</a:t>
+            </a:r>
+            <a:r>
+              <a:rPr lang="en-US" altLang="zh-CN" sz="2200" dirty="0" err="1">
+                <a:latin typeface="Courier New" panose="02070309020205020404" pitchFamily="49" charset="0"/>
+              </a:rPr>
+              <a:t>tempPerson</a:t>
+            </a:r>
+            <a:r>
+              <a:rPr lang="en-US" altLang="zh-CN" sz="2200" dirty="0">
+                <a:latin typeface="Courier New" panose="02070309020205020404" pitchFamily="49" charset="0"/>
+              </a:rPr>
+              <a:t>.</a:t>
+            </a:r>
+          </a:p>
+          <a:p>
+            <a:pPr marL="0" indent="0">
+              <a:buNone/>
+            </a:pPr>
+            <a:r>
+              <a:rPr lang="en-US" altLang="zh-CN" sz="2200" dirty="0" smtClean="0">
+                <a:latin typeface="Courier New" panose="02070309020205020404" pitchFamily="49" charset="0"/>
+              </a:rPr>
+              <a:t>?</a:t>
+            </a:r>
+            <a:r>
+              <a:rPr lang="en-US" altLang="zh-CN" sz="2200" dirty="0" err="1">
+                <a:latin typeface="Courier New" panose="02070309020205020404" pitchFamily="49" charset="0"/>
+              </a:rPr>
+              <a:t>tempPerson</a:t>
+            </a:r>
+            <a:r>
+              <a:rPr lang="en-US" altLang="zh-CN" sz="2200" dirty="0">
+                <a:latin typeface="Courier New" panose="02070309020205020404" pitchFamily="49" charset="0"/>
+              </a:rPr>
+              <a:t> </a:t>
+            </a:r>
+            <a:r>
+              <a:rPr lang="en-US" altLang="zh-CN" sz="2200" dirty="0" err="1">
+                <a:latin typeface="Courier New" panose="02070309020205020404" pitchFamily="49" charset="0"/>
+              </a:rPr>
+              <a:t>rel:fatherof</a:t>
+            </a:r>
+            <a:r>
+              <a:rPr lang="en-US" altLang="zh-CN" sz="2200" dirty="0">
+                <a:latin typeface="Courier New" panose="02070309020205020404" pitchFamily="49" charset="0"/>
+              </a:rPr>
+              <a:t> ?</a:t>
+            </a:r>
+            <a:r>
+              <a:rPr lang="en-US" altLang="zh-CN" sz="2200" dirty="0" err="1">
+                <a:latin typeface="Courier New" panose="02070309020205020404" pitchFamily="49" charset="0"/>
+              </a:rPr>
+              <a:t>grandPerson</a:t>
+            </a:r>
+            <a:r>
+              <a:rPr lang="en-US" altLang="zh-CN" sz="2200" dirty="0">
+                <a:latin typeface="Courier New" panose="02070309020205020404" pitchFamily="49" charset="0"/>
+              </a:rPr>
+              <a:t>.</a:t>
+            </a:r>
+          </a:p>
+          <a:p>
+            <a:pPr marL="0" indent="0">
+              <a:buNone/>
+            </a:pPr>
+            <a:r>
+              <a:rPr lang="en-US" altLang="zh-CN" sz="2200" dirty="0">
+                <a:latin typeface="Courier New" panose="02070309020205020404" pitchFamily="49" charset="0"/>
+              </a:rPr>
+              <a:t>}</a:t>
+            </a:r>
+            <a:endParaRPr lang="zh-CN" altLang="en-US" sz="2200" dirty="0">
+              <a:latin typeface="Courier New" panose="02070309020205020404" pitchFamily="49" charset="0"/>
+            </a:endParaRPr>
+          </a:p>
+        </p:txBody>
+      </p:sp>
+      <p:sp>
+        <p:nvSpPr>
+          <p:cNvPr id="4" name="文本框 3"/>
           <p:cNvSpPr txBox="1"/>
           <p:nvPr/>
         </p:nvSpPr>
         <p:spPr>
           <a:xfrm>
-            <a:off x="192664" y="332894"/>
-            <a:ext cx="4434655" cy="923330"/>
+            <a:off x="453190" y="4698438"/>
+            <a:ext cx="6637422" cy="461665"/>
           </a:xfrm>
           <a:prstGeom prst="rect">
             <a:avLst/>
@@ -16875,19 +17972,103 @@
           <a:lstStyle/>
           <a:p>
             <a:r>
-              <a:rPr lang="zh-CN" altLang="en-US" sz="5400" dirty="0">
-                <a:latin typeface="Times New Roman" panose="02020603050405020304" pitchFamily="18" charset="0"/>
-                <a:ea typeface="楷体" panose="02010609060101010101" pitchFamily="49" charset="-122"/>
-              </a:rPr>
-              <a:t>查询</a:t>
-            </a:r>
+              <a:rPr lang="en-US" altLang="zh-CN" sz="2400" b="1" dirty="0" smtClean="0">
+                <a:latin typeface="Courier New" panose="02070309020205020404" pitchFamily="49" charset="0"/>
+              </a:rPr>
+              <a:t>Q1:?person </a:t>
+            </a:r>
+            <a:r>
+              <a:rPr lang="en-US" altLang="zh-CN" sz="2400" b="1" dirty="0" err="1" smtClean="0">
+                <a:latin typeface="Courier New" panose="02070309020205020404" pitchFamily="49" charset="0"/>
+              </a:rPr>
+              <a:t>rel:fatherof</a:t>
+            </a:r>
+            <a:r>
+              <a:rPr lang="en-US" altLang="zh-CN" sz="2400" b="1" dirty="0" smtClean="0">
+                <a:latin typeface="Courier New" panose="02070309020205020404" pitchFamily="49" charset="0"/>
+              </a:rPr>
+              <a:t> ?</a:t>
+            </a:r>
+            <a:r>
+              <a:rPr lang="en-US" altLang="zh-CN" sz="2400" b="1" dirty="0" err="1" smtClean="0">
+                <a:latin typeface="Courier New" panose="02070309020205020404" pitchFamily="49" charset="0"/>
+              </a:rPr>
+              <a:t>tempPerson</a:t>
+            </a:r>
+            <a:endParaRPr lang="zh-CN" altLang="en-US" sz="2400" b="1" dirty="0">
+              <a:latin typeface="Courier New" panose="02070309020205020404" pitchFamily="49" charset="0"/>
+            </a:endParaRPr>
+          </a:p>
+        </p:txBody>
+      </p:sp>
+      <p:sp>
+        <p:nvSpPr>
+          <p:cNvPr id="6" name="文本框 5"/>
+          <p:cNvSpPr txBox="1"/>
+          <p:nvPr/>
+        </p:nvSpPr>
+        <p:spPr>
+          <a:xfrm>
+            <a:off x="453190" y="5483725"/>
+            <a:ext cx="7607968" cy="461665"/>
+          </a:xfrm>
+          <a:prstGeom prst="rect">
+            <a:avLst/>
+          </a:prstGeom>
+          <a:noFill/>
+        </p:spPr>
+        <p:txBody>
+          <a:bodyPr wrap="square" rtlCol="0">
+            <a:spAutoFit/>
+          </a:bodyPr>
+          <a:lstStyle/>
+          <a:p>
+            <a:r>
+              <a:rPr lang="en-US" altLang="zh-CN" sz="2400" b="1" dirty="0" smtClean="0">
+                <a:latin typeface="Courier New" panose="02070309020205020404" pitchFamily="49" charset="0"/>
+              </a:rPr>
+              <a:t>Q2:?</a:t>
+            </a:r>
+            <a:r>
+              <a:rPr lang="en-US" altLang="zh-CN" sz="2400" b="1" dirty="0" err="1" smtClean="0">
+                <a:latin typeface="Courier New" panose="02070309020205020404" pitchFamily="49" charset="0"/>
+              </a:rPr>
+              <a:t>tempPerson</a:t>
+            </a:r>
+            <a:r>
+              <a:rPr lang="en-US" altLang="zh-CN" sz="2400" b="1" dirty="0" smtClean="0">
+                <a:latin typeface="Courier New" panose="02070309020205020404" pitchFamily="49" charset="0"/>
+              </a:rPr>
+              <a:t> </a:t>
+            </a:r>
+            <a:r>
+              <a:rPr lang="en-US" altLang="zh-CN" sz="2400" b="1" dirty="0" err="1" smtClean="0">
+                <a:latin typeface="Courier New" panose="02070309020205020404" pitchFamily="49" charset="0"/>
+              </a:rPr>
+              <a:t>rel:fatherof</a:t>
+            </a:r>
+            <a:r>
+              <a:rPr lang="en-US" altLang="zh-CN" sz="2400" b="1" dirty="0" smtClean="0">
+                <a:latin typeface="Courier New" panose="02070309020205020404" pitchFamily="49" charset="0"/>
+              </a:rPr>
+              <a:t> ?</a:t>
+            </a:r>
+            <a:r>
+              <a:rPr lang="en-US" altLang="zh-CN" sz="2400" b="1" dirty="0" err="1" smtClean="0">
+                <a:latin typeface="Courier New" panose="02070309020205020404" pitchFamily="49" charset="0"/>
+              </a:rPr>
+              <a:t>grandPerson</a:t>
+            </a:r>
+            <a:endParaRPr lang="zh-CN" altLang="en-US" sz="2400" b="1" dirty="0">
+              <a:latin typeface="Courier New" panose="02070309020205020404" pitchFamily="49" charset="0"/>
+            </a:endParaRPr>
           </a:p>
         </p:txBody>
       </p:sp>
     </p:spTree>
     <p:extLst>
       <p:ext uri="{BB962C8B-B14F-4D97-AF65-F5344CB8AC3E}">
-        <p14:creationId xmlns:p14="http://schemas.microsoft.com/office/powerpoint/2010/main" val="2879432429"/>
+        <p14:creationId xmlns:p14="http://schemas.microsoft.com/office/powerpoint/2010/main" val="1197345441"/>
       </p:ext>
     </p:extLst>
   </p:cSld>
@@ -16897,7 +18078,7 @@
 </p:sld>
 </file>
 
-<file path=ppt/slides/slide31.xml><?xml version="1.0" encoding="utf-8"?>
+<file path=ppt/slides/slide33.xml><?xml version="1.0" encoding="utf-8"?>
 <p:sld xmlns:a="http://schemas.openxmlformats.org/drawingml/2006/main" xmlns:r="http://schemas.openxmlformats.org/officeDocument/2006/relationships" xmlns:p="http://schemas.openxmlformats.org/presentationml/2006/main">
   <p:cSld>
     <p:spTree>
@@ -17778,7 +18959,7 @@
         </p:blipFill>
         <p:spPr>
           <a:xfrm>
-            <a:off x="2005031" y="0"/>
+            <a:off x="3545073" y="-156411"/>
             <a:ext cx="8181938" cy="6858000"/>
           </a:xfrm>
           <a:prstGeom prst="rect">
@@ -17786,6 +18967,87 @@
           </a:prstGeom>
         </p:spPr>
       </p:pic>
+      <p:sp>
+        <p:nvSpPr>
+          <p:cNvPr id="3" name="矩形 2"/>
+          <p:cNvSpPr/>
+          <p:nvPr/>
+        </p:nvSpPr>
+        <p:spPr>
+          <a:xfrm>
+            <a:off x="219084" y="585082"/>
+            <a:ext cx="3187347" cy="923330"/>
+          </a:xfrm>
+          <a:prstGeom prst="rect">
+            <a:avLst/>
+          </a:prstGeom>
+          <a:noFill/>
+        </p:spPr>
+        <p:txBody>
+          <a:bodyPr wrap="none" lIns="91440" tIns="45720" rIns="91440" bIns="45720">
+            <a:spAutoFit/>
+          </a:bodyPr>
+          <a:lstStyle/>
+          <a:p>
+            <a:pPr algn="ctr"/>
+            <a:r>
+              <a:rPr lang="en-US" altLang="zh-CN" sz="5400" b="0" cap="none" spc="0" dirty="0" smtClean="0">
+                <a:ln w="0"/>
+                <a:solidFill>
+                  <a:schemeClr val="tx1"/>
+                </a:solidFill>
+                <a:effectLst>
+                  <a:outerShdw blurRad="38100" dist="19050" dir="2700000" algn="tl" rotWithShape="0">
+                    <a:schemeClr val="dk1">
+                      <a:alpha val="40000"/>
+                    </a:schemeClr>
+                  </a:outerShdw>
+                </a:effectLst>
+              </a:rPr>
+              <a:t>RDF</a:t>
+            </a:r>
+            <a:r>
+              <a:rPr lang="zh-CN" altLang="en-US" sz="5400" dirty="0">
+                <a:ln w="0"/>
+                <a:effectLst>
+                  <a:outerShdw blurRad="38100" dist="19050" dir="2700000" algn="tl" rotWithShape="0">
+                    <a:schemeClr val="dk1">
+                      <a:alpha val="40000"/>
+                    </a:schemeClr>
+                  </a:outerShdw>
+                </a:effectLst>
+              </a:rPr>
+              <a:t> </a:t>
+            </a:r>
+            <a:r>
+              <a:rPr lang="en-US" altLang="zh-CN" sz="5400" dirty="0" smtClean="0">
+                <a:ln w="0"/>
+                <a:effectLst>
+                  <a:outerShdw blurRad="38100" dist="19050" dir="2700000" algn="tl" rotWithShape="0">
+                    <a:schemeClr val="dk1">
+                      <a:alpha val="40000"/>
+                    </a:schemeClr>
+                  </a:outerShdw>
+                </a:effectLst>
+              </a:rPr>
+              <a:t>Graph</a:t>
+            </a:r>
+            <a:endParaRPr lang="zh-CN" altLang="en-US" sz="5400" b="0" cap="none" spc="0" dirty="0">
+              <a:ln w="0"/>
+              <a:solidFill>
+                <a:schemeClr val="tx1"/>
+              </a:solidFill>
+              <a:effectLst>
+                <a:outerShdw blurRad="38100" dist="19050" dir="2700000" algn="tl" rotWithShape="0">
+                  <a:schemeClr val="dk1">
+                    <a:alpha val="40000"/>
+                  </a:schemeClr>
+                </a:outerShdw>
+              </a:effectLst>
+            </a:endParaRPr>
+          </a:p>
+        </p:txBody>
+      </p:sp>
     </p:spTree>
     <p:extLst>
       <p:ext uri="{BB962C8B-B14F-4D97-AF65-F5344CB8AC3E}">

--- a/知识图谱存储与查询/知识图谱的查询与存储.pptx
+++ b/知识图谱存储与查询/知识图谱的查询与存储.pptx
@@ -147,6 +147,2285 @@
 </p:presentation>
 </file>
 
+<file path=ppt/diagrams/colors1.xml><?xml version="1.0" encoding="utf-8"?>
+<dgm:colorsDef xmlns:dgm="http://schemas.openxmlformats.org/drawingml/2006/diagram" xmlns:a="http://schemas.openxmlformats.org/drawingml/2006/main" uniqueId="urn:microsoft.com/office/officeart/2005/8/colors/accent1_2">
+  <dgm:title val=""/>
+  <dgm:desc val=""/>
+  <dgm:catLst>
+    <dgm:cat type="accent1" pri="11200"/>
+  </dgm:catLst>
+  <dgm:styleLbl name="node0">
+    <dgm:fillClrLst meth="repeat">
+      <a:schemeClr val="accent1"/>
+    </dgm:fillClrLst>
+    <dgm:linClrLst meth="repeat">
+      <a:schemeClr val="lt1"/>
+    </dgm:linClrLst>
+    <dgm:effectClrLst/>
+    <dgm:txLinClrLst/>
+    <dgm:txFillClrLst/>
+    <dgm:txEffectClrLst/>
+  </dgm:styleLbl>
+  <dgm:styleLbl name="alignNode1">
+    <dgm:fillClrLst meth="repeat">
+      <a:schemeClr val="accent1"/>
+    </dgm:fillClrLst>
+    <dgm:linClrLst meth="repeat">
+      <a:schemeClr val="accent1"/>
+    </dgm:linClrLst>
+    <dgm:effectClrLst/>
+    <dgm:txLinClrLst/>
+    <dgm:txFillClrLst/>
+    <dgm:txEffectClrLst/>
+  </dgm:styleLbl>
+  <dgm:styleLbl name="node1">
+    <dgm:fillClrLst meth="repeat">
+      <a:schemeClr val="accent1"/>
+    </dgm:fillClrLst>
+    <dgm:linClrLst meth="repeat">
+      <a:schemeClr val="lt1"/>
+    </dgm:linClrLst>
+    <dgm:effectClrLst/>
+    <dgm:txLinClrLst/>
+    <dgm:txFillClrLst/>
+    <dgm:txEffectClrLst/>
+  </dgm:styleLbl>
+  <dgm:styleLbl name="lnNode1">
+    <dgm:fillClrLst meth="repeat">
+      <a:schemeClr val="accent1"/>
+    </dgm:fillClrLst>
+    <dgm:linClrLst meth="repeat">
+      <a:schemeClr val="lt1"/>
+    </dgm:linClrLst>
+    <dgm:effectClrLst/>
+    <dgm:txLinClrLst/>
+    <dgm:txFillClrLst/>
+    <dgm:txEffectClrLst/>
+  </dgm:styleLbl>
+  <dgm:styleLbl name="vennNode1">
+    <dgm:fillClrLst meth="repeat">
+      <a:schemeClr val="accent1">
+        <a:alpha val="50000"/>
+      </a:schemeClr>
+    </dgm:fillClrLst>
+    <dgm:linClrLst meth="repeat">
+      <a:schemeClr val="lt1"/>
+    </dgm:linClrLst>
+    <dgm:effectClrLst/>
+    <dgm:txLinClrLst/>
+    <dgm:txFillClrLst/>
+    <dgm:txEffectClrLst/>
+  </dgm:styleLbl>
+  <dgm:styleLbl name="node2">
+    <dgm:fillClrLst meth="repeat">
+      <a:schemeClr val="accent1"/>
+    </dgm:fillClrLst>
+    <dgm:linClrLst meth="repeat">
+      <a:schemeClr val="lt1"/>
+    </dgm:linClrLst>
+    <dgm:effectClrLst/>
+    <dgm:txLinClrLst/>
+    <dgm:txFillClrLst/>
+    <dgm:txEffectClrLst/>
+  </dgm:styleLbl>
+  <dgm:styleLbl name="node3">
+    <dgm:fillClrLst meth="repeat">
+      <a:schemeClr val="accent1"/>
+    </dgm:fillClrLst>
+    <dgm:linClrLst meth="repeat">
+      <a:schemeClr val="lt1"/>
+    </dgm:linClrLst>
+    <dgm:effectClrLst/>
+    <dgm:txLinClrLst/>
+    <dgm:txFillClrLst/>
+    <dgm:txEffectClrLst/>
+  </dgm:styleLbl>
+  <dgm:styleLbl name="node4">
+    <dgm:fillClrLst meth="repeat">
+      <a:schemeClr val="accent1"/>
+    </dgm:fillClrLst>
+    <dgm:linClrLst meth="repeat">
+      <a:schemeClr val="lt1"/>
+    </dgm:linClrLst>
+    <dgm:effectClrLst/>
+    <dgm:txLinClrLst/>
+    <dgm:txFillClrLst/>
+    <dgm:txEffectClrLst/>
+  </dgm:styleLbl>
+  <dgm:styleLbl name="fgImgPlace1">
+    <dgm:fillClrLst meth="repeat">
+      <a:schemeClr val="accent1">
+        <a:tint val="50000"/>
+      </a:schemeClr>
+    </dgm:fillClrLst>
+    <dgm:linClrLst meth="repeat">
+      <a:schemeClr val="lt1"/>
+    </dgm:linClrLst>
+    <dgm:effectClrLst/>
+    <dgm:txLinClrLst/>
+    <dgm:txFillClrLst meth="repeat">
+      <a:schemeClr val="lt1"/>
+    </dgm:txFillClrLst>
+    <dgm:txEffectClrLst/>
+  </dgm:styleLbl>
+  <dgm:styleLbl name="alignImgPlace1">
+    <dgm:fillClrLst meth="repeat">
+      <a:schemeClr val="accent1">
+        <a:tint val="50000"/>
+      </a:schemeClr>
+    </dgm:fillClrLst>
+    <dgm:linClrLst meth="repeat">
+      <a:schemeClr val="lt1"/>
+    </dgm:linClrLst>
+    <dgm:effectClrLst/>
+    <dgm:txLinClrLst/>
+    <dgm:txFillClrLst meth="repeat">
+      <a:schemeClr val="lt1"/>
+    </dgm:txFillClrLst>
+    <dgm:txEffectClrLst/>
+  </dgm:styleLbl>
+  <dgm:styleLbl name="bgImgPlace1">
+    <dgm:fillClrLst meth="repeat">
+      <a:schemeClr val="accent1">
+        <a:tint val="50000"/>
+      </a:schemeClr>
+    </dgm:fillClrLst>
+    <dgm:linClrLst meth="repeat">
+      <a:schemeClr val="lt1"/>
+    </dgm:linClrLst>
+    <dgm:effectClrLst/>
+    <dgm:txLinClrLst/>
+    <dgm:txFillClrLst meth="repeat">
+      <a:schemeClr val="lt1"/>
+    </dgm:txFillClrLst>
+    <dgm:txEffectClrLst/>
+  </dgm:styleLbl>
+  <dgm:styleLbl name="sibTrans2D1">
+    <dgm:fillClrLst meth="repeat">
+      <a:schemeClr val="accent1">
+        <a:tint val="60000"/>
+      </a:schemeClr>
+    </dgm:fillClrLst>
+    <dgm:linClrLst meth="repeat">
+      <a:schemeClr val="accent1">
+        <a:tint val="60000"/>
+      </a:schemeClr>
+    </dgm:linClrLst>
+    <dgm:effectClrLst/>
+    <dgm:txLinClrLst/>
+    <dgm:txFillClrLst/>
+    <dgm:txEffectClrLst/>
+  </dgm:styleLbl>
+  <dgm:styleLbl name="fgSibTrans2D1">
+    <dgm:fillClrLst meth="repeat">
+      <a:schemeClr val="accent1">
+        <a:tint val="60000"/>
+      </a:schemeClr>
+    </dgm:fillClrLst>
+    <dgm:linClrLst meth="repeat">
+      <a:schemeClr val="accent1">
+        <a:tint val="60000"/>
+      </a:schemeClr>
+    </dgm:linClrLst>
+    <dgm:effectClrLst/>
+    <dgm:txLinClrLst/>
+    <dgm:txFillClrLst/>
+    <dgm:txEffectClrLst/>
+  </dgm:styleLbl>
+  <dgm:styleLbl name="bgSibTrans2D1">
+    <dgm:fillClrLst meth="repeat">
+      <a:schemeClr val="accent1">
+        <a:tint val="60000"/>
+      </a:schemeClr>
+    </dgm:fillClrLst>
+    <dgm:linClrLst meth="repeat">
+      <a:schemeClr val="accent1">
+        <a:tint val="60000"/>
+      </a:schemeClr>
+    </dgm:linClrLst>
+    <dgm:effectClrLst/>
+    <dgm:txLinClrLst/>
+    <dgm:txFillClrLst/>
+    <dgm:txEffectClrLst/>
+  </dgm:styleLbl>
+  <dgm:styleLbl name="sibTrans1D1">
+    <dgm:fillClrLst meth="repeat">
+      <a:schemeClr val="accent1"/>
+    </dgm:fillClrLst>
+    <dgm:linClrLst meth="repeat">
+      <a:schemeClr val="accent1"/>
+    </dgm:linClrLst>
+    <dgm:effectClrLst/>
+    <dgm:txLinClrLst/>
+    <dgm:txFillClrLst meth="repeat">
+      <a:schemeClr val="tx1"/>
+    </dgm:txFillClrLst>
+    <dgm:txEffectClrLst/>
+  </dgm:styleLbl>
+  <dgm:styleLbl name="callout">
+    <dgm:fillClrLst meth="repeat">
+      <a:schemeClr val="accent1"/>
+    </dgm:fillClrLst>
+    <dgm:linClrLst meth="repeat">
+      <a:schemeClr val="accent1">
+        <a:tint val="50000"/>
+      </a:schemeClr>
+    </dgm:linClrLst>
+    <dgm:effectClrLst/>
+    <dgm:txLinClrLst/>
+    <dgm:txFillClrLst meth="repeat">
+      <a:schemeClr val="tx1"/>
+    </dgm:txFillClrLst>
+    <dgm:txEffectClrLst/>
+  </dgm:styleLbl>
+  <dgm:styleLbl name="asst0">
+    <dgm:fillClrLst meth="repeat">
+      <a:schemeClr val="accent1"/>
+    </dgm:fillClrLst>
+    <dgm:linClrLst meth="repeat">
+      <a:schemeClr val="lt1"/>
+    </dgm:linClrLst>
+    <dgm:effectClrLst/>
+    <dgm:txLinClrLst/>
+    <dgm:txFillClrLst/>
+    <dgm:txEffectClrLst/>
+  </dgm:styleLbl>
+  <dgm:styleLbl name="asst1">
+    <dgm:fillClrLst meth="repeat">
+      <a:schemeClr val="accent1"/>
+    </dgm:fillClrLst>
+    <dgm:linClrLst meth="repeat">
+      <a:schemeClr val="lt1"/>
+    </dgm:linClrLst>
+    <dgm:effectClrLst/>
+    <dgm:txLinClrLst/>
+    <dgm:txFillClrLst/>
+    <dgm:txEffectClrLst/>
+  </dgm:styleLbl>
+  <dgm:styleLbl name="asst2">
+    <dgm:fillClrLst meth="repeat">
+      <a:schemeClr val="accent1"/>
+    </dgm:fillClrLst>
+    <dgm:linClrLst meth="repeat">
+      <a:schemeClr val="lt1"/>
+    </dgm:linClrLst>
+    <dgm:effectClrLst/>
+    <dgm:txLinClrLst/>
+    <dgm:txFillClrLst/>
+    <dgm:txEffectClrLst/>
+  </dgm:styleLbl>
+  <dgm:styleLbl name="asst3">
+    <dgm:fillClrLst meth="repeat">
+      <a:schemeClr val="accent1"/>
+    </dgm:fillClrLst>
+    <dgm:linClrLst meth="repeat">
+      <a:schemeClr val="lt1"/>
+    </dgm:linClrLst>
+    <dgm:effectClrLst/>
+    <dgm:txLinClrLst/>
+    <dgm:txFillClrLst/>
+    <dgm:txEffectClrLst/>
+  </dgm:styleLbl>
+  <dgm:styleLbl name="asst4">
+    <dgm:fillClrLst meth="repeat">
+      <a:schemeClr val="accent1"/>
+    </dgm:fillClrLst>
+    <dgm:linClrLst meth="repeat">
+      <a:schemeClr val="lt1"/>
+    </dgm:linClrLst>
+    <dgm:effectClrLst/>
+    <dgm:txLinClrLst/>
+    <dgm:txFillClrLst/>
+    <dgm:txEffectClrLst/>
+  </dgm:styleLbl>
+  <dgm:styleLbl name="parChTrans2D1">
+    <dgm:fillClrLst meth="repeat">
+      <a:schemeClr val="accent1">
+        <a:tint val="60000"/>
+      </a:schemeClr>
+    </dgm:fillClrLst>
+    <dgm:linClrLst meth="repeat">
+      <a:schemeClr val="accent1">
+        <a:tint val="60000"/>
+      </a:schemeClr>
+    </dgm:linClrLst>
+    <dgm:effectClrLst/>
+    <dgm:txLinClrLst/>
+    <dgm:txFillClrLst meth="repeat">
+      <a:schemeClr val="lt1"/>
+    </dgm:txFillClrLst>
+    <dgm:txEffectClrLst/>
+  </dgm:styleLbl>
+  <dgm:styleLbl name="parChTrans2D2">
+    <dgm:fillClrLst meth="repeat">
+      <a:schemeClr val="accent1"/>
+    </dgm:fillClrLst>
+    <dgm:linClrLst meth="repeat">
+      <a:schemeClr val="accent1"/>
+    </dgm:linClrLst>
+    <dgm:effectClrLst/>
+    <dgm:txLinClrLst/>
+    <dgm:txFillClrLst meth="repeat">
+      <a:schemeClr val="lt1"/>
+    </dgm:txFillClrLst>
+    <dgm:txEffectClrLst/>
+  </dgm:styleLbl>
+  <dgm:styleLbl name="parChTrans2D3">
+    <dgm:fillClrLst meth="repeat">
+      <a:schemeClr val="accent1"/>
+    </dgm:fillClrLst>
+    <dgm:linClrLst meth="repeat">
+      <a:schemeClr val="accent1"/>
+    </dgm:linClrLst>
+    <dgm:effectClrLst/>
+    <dgm:txLinClrLst/>
+    <dgm:txFillClrLst meth="repeat">
+      <a:schemeClr val="lt1"/>
+    </dgm:txFillClrLst>
+    <dgm:txEffectClrLst/>
+  </dgm:styleLbl>
+  <dgm:styleLbl name="parChTrans2D4">
+    <dgm:fillClrLst meth="repeat">
+      <a:schemeClr val="accent1"/>
+    </dgm:fillClrLst>
+    <dgm:linClrLst meth="repeat">
+      <a:schemeClr val="accent1"/>
+    </dgm:linClrLst>
+    <dgm:effectClrLst/>
+    <dgm:txLinClrLst/>
+    <dgm:txFillClrLst meth="repeat">
+      <a:schemeClr val="lt1"/>
+    </dgm:txFillClrLst>
+    <dgm:txEffectClrLst/>
+  </dgm:styleLbl>
+  <dgm:styleLbl name="parChTrans1D1">
+    <dgm:fillClrLst meth="repeat">
+      <a:schemeClr val="accent1"/>
+    </dgm:fillClrLst>
+    <dgm:linClrLst meth="repeat">
+      <a:schemeClr val="accent1">
+        <a:shade val="60000"/>
+      </a:schemeClr>
+    </dgm:linClrLst>
+    <dgm:effectClrLst/>
+    <dgm:txLinClrLst/>
+    <dgm:txFillClrLst meth="repeat">
+      <a:schemeClr val="tx1"/>
+    </dgm:txFillClrLst>
+    <dgm:txEffectClrLst/>
+  </dgm:styleLbl>
+  <dgm:styleLbl name="parChTrans1D2">
+    <dgm:fillClrLst meth="repeat">
+      <a:schemeClr val="accent1"/>
+    </dgm:fillClrLst>
+    <dgm:linClrLst meth="repeat">
+      <a:schemeClr val="accent1">
+        <a:shade val="60000"/>
+      </a:schemeClr>
+    </dgm:linClrLst>
+    <dgm:effectClrLst/>
+    <dgm:txLinClrLst/>
+    <dgm:txFillClrLst meth="repeat">
+      <a:schemeClr val="tx1"/>
+    </dgm:txFillClrLst>
+    <dgm:txEffectClrLst/>
+  </dgm:styleLbl>
+  <dgm:styleLbl name="parChTrans1D3">
+    <dgm:fillClrLst meth="repeat">
+      <a:schemeClr val="accent1"/>
+    </dgm:fillClrLst>
+    <dgm:linClrLst meth="repeat">
+      <a:schemeClr val="accent1">
+        <a:shade val="80000"/>
+      </a:schemeClr>
+    </dgm:linClrLst>
+    <dgm:effectClrLst/>
+    <dgm:txLinClrLst/>
+    <dgm:txFillClrLst meth="repeat">
+      <a:schemeClr val="tx1"/>
+    </dgm:txFillClrLst>
+    <dgm:txEffectClrLst/>
+  </dgm:styleLbl>
+  <dgm:styleLbl name="parChTrans1D4">
+    <dgm:fillClrLst meth="repeat">
+      <a:schemeClr val="accent1"/>
+    </dgm:fillClrLst>
+    <dgm:linClrLst meth="repeat">
+      <a:schemeClr val="accent1">
+        <a:shade val="80000"/>
+      </a:schemeClr>
+    </dgm:linClrLst>
+    <dgm:effectClrLst/>
+    <dgm:txLinClrLst/>
+    <dgm:txFillClrLst meth="repeat">
+      <a:schemeClr val="tx1"/>
+    </dgm:txFillClrLst>
+    <dgm:txEffectClrLst/>
+  </dgm:styleLbl>
+  <dgm:styleLbl name="fgAcc1">
+    <dgm:fillClrLst meth="repeat">
+      <a:schemeClr val="lt1">
+        <a:alpha val="90000"/>
+      </a:schemeClr>
+    </dgm:fillClrLst>
+    <dgm:linClrLst meth="repeat">
+      <a:schemeClr val="accent1"/>
+    </dgm:linClrLst>
+    <dgm:effectClrLst/>
+    <dgm:txLinClrLst/>
+    <dgm:txFillClrLst meth="repeat">
+      <a:schemeClr val="dk1"/>
+    </dgm:txFillClrLst>
+    <dgm:txEffectClrLst/>
+  </dgm:styleLbl>
+  <dgm:styleLbl name="conFgAcc1">
+    <dgm:fillClrLst meth="repeat">
+      <a:schemeClr val="lt1">
+        <a:alpha val="90000"/>
+      </a:schemeClr>
+    </dgm:fillClrLst>
+    <dgm:linClrLst meth="repeat">
+      <a:schemeClr val="accent1"/>
+    </dgm:linClrLst>
+    <dgm:effectClrLst/>
+    <dgm:txLinClrLst/>
+    <dgm:txFillClrLst meth="repeat">
+      <a:schemeClr val="dk1"/>
+    </dgm:txFillClrLst>
+    <dgm:txEffectClrLst/>
+  </dgm:styleLbl>
+  <dgm:styleLbl name="alignAcc1">
+    <dgm:fillClrLst meth="repeat">
+      <a:schemeClr val="lt1">
+        <a:alpha val="90000"/>
+      </a:schemeClr>
+    </dgm:fillClrLst>
+    <dgm:linClrLst meth="repeat">
+      <a:schemeClr val="accent1"/>
+    </dgm:linClrLst>
+    <dgm:effectClrLst/>
+    <dgm:txLinClrLst/>
+    <dgm:txFillClrLst meth="repeat">
+      <a:schemeClr val="dk1"/>
+    </dgm:txFillClrLst>
+    <dgm:txEffectClrLst/>
+  </dgm:styleLbl>
+  <dgm:styleLbl name="trAlignAcc1">
+    <dgm:fillClrLst meth="repeat">
+      <a:schemeClr val="lt1">
+        <a:alpha val="40000"/>
+      </a:schemeClr>
+    </dgm:fillClrLst>
+    <dgm:linClrLst meth="repeat">
+      <a:schemeClr val="accent1"/>
+    </dgm:linClrLst>
+    <dgm:effectClrLst/>
+    <dgm:txLinClrLst/>
+    <dgm:txFillClrLst meth="repeat">
+      <a:schemeClr val="dk1"/>
+    </dgm:txFillClrLst>
+    <dgm:txEffectClrLst/>
+  </dgm:styleLbl>
+  <dgm:styleLbl name="bgAcc1">
+    <dgm:fillClrLst meth="repeat">
+      <a:schemeClr val="lt1">
+        <a:alpha val="90000"/>
+      </a:schemeClr>
+    </dgm:fillClrLst>
+    <dgm:linClrLst meth="repeat">
+      <a:schemeClr val="accent1"/>
+    </dgm:linClrLst>
+    <dgm:effectClrLst/>
+    <dgm:txLinClrLst/>
+    <dgm:txFillClrLst meth="repeat">
+      <a:schemeClr val="dk1"/>
+    </dgm:txFillClrLst>
+    <dgm:txEffectClrLst/>
+  </dgm:styleLbl>
+  <dgm:styleLbl name="solidFgAcc1">
+    <dgm:fillClrLst meth="repeat">
+      <a:schemeClr val="lt1"/>
+    </dgm:fillClrLst>
+    <dgm:linClrLst meth="repeat">
+      <a:schemeClr val="accent1"/>
+    </dgm:linClrLst>
+    <dgm:effectClrLst/>
+    <dgm:txLinClrLst/>
+    <dgm:txFillClrLst meth="repeat">
+      <a:schemeClr val="dk1"/>
+    </dgm:txFillClrLst>
+    <dgm:txEffectClrLst/>
+  </dgm:styleLbl>
+  <dgm:styleLbl name="solidAlignAcc1">
+    <dgm:fillClrLst meth="repeat">
+      <a:schemeClr val="lt1"/>
+    </dgm:fillClrLst>
+    <dgm:linClrLst meth="repeat">
+      <a:schemeClr val="accent1"/>
+    </dgm:linClrLst>
+    <dgm:effectClrLst/>
+    <dgm:txLinClrLst/>
+    <dgm:txFillClrLst meth="repeat">
+      <a:schemeClr val="dk1"/>
+    </dgm:txFillClrLst>
+    <dgm:txEffectClrLst/>
+  </dgm:styleLbl>
+  <dgm:styleLbl name="solidBgAcc1">
+    <dgm:fillClrLst meth="repeat">
+      <a:schemeClr val="lt1"/>
+    </dgm:fillClrLst>
+    <dgm:linClrLst meth="repeat">
+      <a:schemeClr val="accent1"/>
+    </dgm:linClrLst>
+    <dgm:effectClrLst/>
+    <dgm:txLinClrLst/>
+    <dgm:txFillClrLst meth="repeat">
+      <a:schemeClr val="dk1"/>
+    </dgm:txFillClrLst>
+    <dgm:txEffectClrLst/>
+  </dgm:styleLbl>
+  <dgm:styleLbl name="fgAccFollowNode1">
+    <dgm:fillClrLst meth="repeat">
+      <a:schemeClr val="accent1">
+        <a:alpha val="90000"/>
+        <a:tint val="40000"/>
+      </a:schemeClr>
+    </dgm:fillClrLst>
+    <dgm:linClrLst meth="repeat">
+      <a:schemeClr val="accent1">
+        <a:alpha val="90000"/>
+        <a:tint val="40000"/>
+      </a:schemeClr>
+    </dgm:linClrLst>
+    <dgm:effectClrLst/>
+    <dgm:txLinClrLst/>
+    <dgm:txFillClrLst meth="repeat">
+      <a:schemeClr val="dk1"/>
+    </dgm:txFillClrLst>
+    <dgm:txEffectClrLst/>
+  </dgm:styleLbl>
+  <dgm:styleLbl name="alignAccFollowNode1">
+    <dgm:fillClrLst meth="repeat">
+      <a:schemeClr val="accent1">
+        <a:alpha val="90000"/>
+        <a:tint val="40000"/>
+      </a:schemeClr>
+    </dgm:fillClrLst>
+    <dgm:linClrLst meth="repeat">
+      <a:schemeClr val="accent1">
+        <a:alpha val="90000"/>
+        <a:tint val="40000"/>
+      </a:schemeClr>
+    </dgm:linClrLst>
+    <dgm:effectClrLst/>
+    <dgm:txLinClrLst/>
+    <dgm:txFillClrLst meth="repeat">
+      <a:schemeClr val="dk1"/>
+    </dgm:txFillClrLst>
+    <dgm:txEffectClrLst/>
+  </dgm:styleLbl>
+  <dgm:styleLbl name="bgAccFollowNode1">
+    <dgm:fillClrLst meth="repeat">
+      <a:schemeClr val="accent1">
+        <a:alpha val="90000"/>
+        <a:tint val="40000"/>
+      </a:schemeClr>
+    </dgm:fillClrLst>
+    <dgm:linClrLst meth="repeat">
+      <a:schemeClr val="accent1">
+        <a:alpha val="90000"/>
+        <a:tint val="40000"/>
+      </a:schemeClr>
+    </dgm:linClrLst>
+    <dgm:effectClrLst/>
+    <dgm:txLinClrLst/>
+    <dgm:txFillClrLst meth="repeat">
+      <a:schemeClr val="dk1"/>
+    </dgm:txFillClrLst>
+    <dgm:txEffectClrLst/>
+  </dgm:styleLbl>
+  <dgm:styleLbl name="fgAcc0">
+    <dgm:fillClrLst meth="repeat">
+      <a:schemeClr val="lt1">
+        <a:alpha val="90000"/>
+      </a:schemeClr>
+    </dgm:fillClrLst>
+    <dgm:linClrLst meth="repeat">
+      <a:schemeClr val="accent1"/>
+    </dgm:linClrLst>
+    <dgm:effectClrLst/>
+    <dgm:txLinClrLst/>
+    <dgm:txFillClrLst meth="repeat">
+      <a:schemeClr val="dk1"/>
+    </dgm:txFillClrLst>
+    <dgm:txEffectClrLst/>
+  </dgm:styleLbl>
+  <dgm:styleLbl name="fgAcc2">
+    <dgm:fillClrLst meth="repeat">
+      <a:schemeClr val="lt1">
+        <a:alpha val="90000"/>
+      </a:schemeClr>
+    </dgm:fillClrLst>
+    <dgm:linClrLst meth="repeat">
+      <a:schemeClr val="accent1"/>
+    </dgm:linClrLst>
+    <dgm:effectClrLst/>
+    <dgm:txLinClrLst/>
+    <dgm:txFillClrLst meth="repeat">
+      <a:schemeClr val="dk1"/>
+    </dgm:txFillClrLst>
+    <dgm:txEffectClrLst/>
+  </dgm:styleLbl>
+  <dgm:styleLbl name="fgAcc3">
+    <dgm:fillClrLst meth="repeat">
+      <a:schemeClr val="lt1">
+        <a:alpha val="90000"/>
+      </a:schemeClr>
+    </dgm:fillClrLst>
+    <dgm:linClrLst meth="repeat">
+      <a:schemeClr val="accent1"/>
+    </dgm:linClrLst>
+    <dgm:effectClrLst/>
+    <dgm:txLinClrLst/>
+    <dgm:txFillClrLst meth="repeat">
+      <a:schemeClr val="dk1"/>
+    </dgm:txFillClrLst>
+    <dgm:txEffectClrLst/>
+  </dgm:styleLbl>
+  <dgm:styleLbl name="fgAcc4">
+    <dgm:fillClrLst meth="repeat">
+      <a:schemeClr val="lt1">
+        <a:alpha val="90000"/>
+      </a:schemeClr>
+    </dgm:fillClrLst>
+    <dgm:linClrLst meth="repeat">
+      <a:schemeClr val="accent1"/>
+    </dgm:linClrLst>
+    <dgm:effectClrLst/>
+    <dgm:txLinClrLst/>
+    <dgm:txFillClrLst meth="repeat">
+      <a:schemeClr val="dk1"/>
+    </dgm:txFillClrLst>
+    <dgm:txEffectClrLst/>
+  </dgm:styleLbl>
+  <dgm:styleLbl name="bgShp">
+    <dgm:fillClrLst meth="repeat">
+      <a:schemeClr val="accent1">
+        <a:tint val="40000"/>
+      </a:schemeClr>
+    </dgm:fillClrLst>
+    <dgm:linClrLst meth="repeat">
+      <a:schemeClr val="accent1"/>
+    </dgm:linClrLst>
+    <dgm:effectClrLst/>
+    <dgm:txLinClrLst/>
+    <dgm:txFillClrLst meth="repeat">
+      <a:schemeClr val="dk1"/>
+    </dgm:txFillClrLst>
+    <dgm:txEffectClrLst/>
+  </dgm:styleLbl>
+  <dgm:styleLbl name="dkBgShp">
+    <dgm:fillClrLst meth="repeat">
+      <a:schemeClr val="accent1">
+        <a:shade val="80000"/>
+      </a:schemeClr>
+    </dgm:fillClrLst>
+    <dgm:linClrLst meth="repeat">
+      <a:schemeClr val="accent1"/>
+    </dgm:linClrLst>
+    <dgm:effectClrLst/>
+    <dgm:txLinClrLst/>
+    <dgm:txFillClrLst meth="repeat">
+      <a:schemeClr val="lt1"/>
+    </dgm:txFillClrLst>
+    <dgm:txEffectClrLst/>
+  </dgm:styleLbl>
+  <dgm:styleLbl name="trBgShp">
+    <dgm:fillClrLst meth="repeat">
+      <a:schemeClr val="accent1">
+        <a:tint val="50000"/>
+        <a:alpha val="40000"/>
+      </a:schemeClr>
+    </dgm:fillClrLst>
+    <dgm:linClrLst meth="repeat">
+      <a:schemeClr val="accent1"/>
+    </dgm:linClrLst>
+    <dgm:effectClrLst/>
+    <dgm:txLinClrLst/>
+    <dgm:txFillClrLst meth="repeat">
+      <a:schemeClr val="lt1"/>
+    </dgm:txFillClrLst>
+    <dgm:txEffectClrLst/>
+  </dgm:styleLbl>
+  <dgm:styleLbl name="fgShp">
+    <dgm:fillClrLst meth="repeat">
+      <a:schemeClr val="accent1">
+        <a:tint val="60000"/>
+      </a:schemeClr>
+    </dgm:fillClrLst>
+    <dgm:linClrLst meth="repeat">
+      <a:schemeClr val="lt1"/>
+    </dgm:linClrLst>
+    <dgm:effectClrLst/>
+    <dgm:txLinClrLst/>
+    <dgm:txFillClrLst meth="repeat">
+      <a:schemeClr val="dk1"/>
+    </dgm:txFillClrLst>
+    <dgm:txEffectClrLst/>
+  </dgm:styleLbl>
+  <dgm:styleLbl name="revTx">
+    <dgm:fillClrLst meth="repeat">
+      <a:schemeClr val="lt1">
+        <a:alpha val="0"/>
+      </a:schemeClr>
+    </dgm:fillClrLst>
+    <dgm:linClrLst meth="repeat">
+      <a:schemeClr val="dk1">
+        <a:alpha val="0"/>
+      </a:schemeClr>
+    </dgm:linClrLst>
+    <dgm:effectClrLst/>
+    <dgm:txLinClrLst/>
+    <dgm:txFillClrLst meth="repeat">
+      <a:schemeClr val="tx1"/>
+    </dgm:txFillClrLst>
+    <dgm:txEffectClrLst/>
+  </dgm:styleLbl>
+</dgm:colorsDef>
+</file>
+
+<file path=ppt/diagrams/data1.xml><?xml version="1.0" encoding="utf-8"?>
+<dgm:dataModel xmlns:dgm="http://schemas.openxmlformats.org/drawingml/2006/diagram" xmlns:a="http://schemas.openxmlformats.org/drawingml/2006/main">
+  <dgm:ptLst>
+    <dgm:pt modelId="{F6557A3C-36B9-4DD6-9586-FF65E53670E1}" type="doc">
+      <dgm:prSet loTypeId="urn:microsoft.com/office/officeart/2005/8/layout/vList2" loCatId="list" qsTypeId="urn:microsoft.com/office/officeart/2005/8/quickstyle/simple1" qsCatId="simple" csTypeId="urn:microsoft.com/office/officeart/2005/8/colors/accent1_2" csCatId="accent1"/>
+      <dgm:spPr/>
+      <dgm:t>
+        <a:bodyPr/>
+        <a:lstStyle/>
+        <a:p>
+          <a:endParaRPr lang="zh-CN" altLang="en-US"/>
+        </a:p>
+      </dgm:t>
+    </dgm:pt>
+    <dgm:pt modelId="{3A66EEEC-A138-4F50-9E0C-6E2F3168EFC8}">
+      <dgm:prSet/>
+      <dgm:spPr/>
+      <dgm:t>
+        <a:bodyPr/>
+        <a:lstStyle/>
+        <a:p>
+          <a:pPr rtl="0"/>
+          <a:r>
+            <a:rPr lang="en-US" dirty="0" smtClean="0"/>
+            <a:t>(Subject, Predicate, Object)</a:t>
+          </a:r>
+          <a:endParaRPr lang="zh-CN" dirty="0"/>
+        </a:p>
+      </dgm:t>
+    </dgm:pt>
+    <dgm:pt modelId="{E9AD3A10-6AE4-42C3-9193-C8E5477D81FF}" type="parTrans" cxnId="{FC6370C0-6F16-4C72-9576-BB13CD9BDA14}">
+      <dgm:prSet/>
+      <dgm:spPr/>
+      <dgm:t>
+        <a:bodyPr/>
+        <a:lstStyle/>
+        <a:p>
+          <a:endParaRPr lang="zh-CN" altLang="en-US"/>
+        </a:p>
+      </dgm:t>
+    </dgm:pt>
+    <dgm:pt modelId="{0910B0A5-F123-4FE6-9960-980FF72CC093}" type="sibTrans" cxnId="{FC6370C0-6F16-4C72-9576-BB13CD9BDA14}">
+      <dgm:prSet/>
+      <dgm:spPr/>
+      <dgm:t>
+        <a:bodyPr/>
+        <a:lstStyle/>
+        <a:p>
+          <a:endParaRPr lang="zh-CN" altLang="en-US"/>
+        </a:p>
+      </dgm:t>
+    </dgm:pt>
+    <dgm:pt modelId="{125E6CDD-4932-40B3-A7F4-A7E3070CC6FD}">
+      <dgm:prSet/>
+      <dgm:spPr/>
+      <dgm:t>
+        <a:bodyPr/>
+        <a:lstStyle/>
+        <a:p>
+          <a:pPr rtl="0"/>
+          <a:r>
+            <a:rPr lang="en-US" dirty="0" smtClean="0"/>
+            <a:t>(Entity, Relationship, Entity)</a:t>
+          </a:r>
+          <a:endParaRPr lang="zh-CN" dirty="0"/>
+        </a:p>
+      </dgm:t>
+    </dgm:pt>
+    <dgm:pt modelId="{460E10E3-D461-425B-939C-789DC379582C}" type="parTrans" cxnId="{3C08904C-9639-46F7-B1BE-767BE8ADB04B}">
+      <dgm:prSet/>
+      <dgm:spPr/>
+      <dgm:t>
+        <a:bodyPr/>
+        <a:lstStyle/>
+        <a:p>
+          <a:endParaRPr lang="zh-CN" altLang="en-US"/>
+        </a:p>
+      </dgm:t>
+    </dgm:pt>
+    <dgm:pt modelId="{A1838544-53A2-46B7-9A47-E01CD89B95BB}" type="sibTrans" cxnId="{3C08904C-9639-46F7-B1BE-767BE8ADB04B}">
+      <dgm:prSet/>
+      <dgm:spPr/>
+      <dgm:t>
+        <a:bodyPr/>
+        <a:lstStyle/>
+        <a:p>
+          <a:endParaRPr lang="zh-CN" altLang="en-US"/>
+        </a:p>
+      </dgm:t>
+    </dgm:pt>
+    <dgm:pt modelId="{2A87C9A5-9165-481C-8128-486AF0B7E510}" type="pres">
+      <dgm:prSet presAssocID="{F6557A3C-36B9-4DD6-9586-FF65E53670E1}" presName="linear" presStyleCnt="0">
+        <dgm:presLayoutVars>
+          <dgm:animLvl val="lvl"/>
+          <dgm:resizeHandles val="exact"/>
+        </dgm:presLayoutVars>
+      </dgm:prSet>
+      <dgm:spPr/>
+      <dgm:t>
+        <a:bodyPr/>
+        <a:lstStyle/>
+        <a:p>
+          <a:endParaRPr lang="zh-CN" altLang="en-US"/>
+        </a:p>
+      </dgm:t>
+    </dgm:pt>
+    <dgm:pt modelId="{CB022C8E-0941-4DF9-9E18-8DD6FE12F5B8}" type="pres">
+      <dgm:prSet presAssocID="{3A66EEEC-A138-4F50-9E0C-6E2F3168EFC8}" presName="parentText" presStyleLbl="node1" presStyleIdx="0" presStyleCnt="2" custLinFactY="9135" custLinFactNeighborY="100000">
+        <dgm:presLayoutVars>
+          <dgm:chMax val="0"/>
+          <dgm:bulletEnabled val="1"/>
+        </dgm:presLayoutVars>
+      </dgm:prSet>
+      <dgm:spPr/>
+      <dgm:t>
+        <a:bodyPr/>
+        <a:lstStyle/>
+        <a:p>
+          <a:endParaRPr lang="zh-CN" altLang="en-US"/>
+        </a:p>
+      </dgm:t>
+    </dgm:pt>
+    <dgm:pt modelId="{0029A2E0-8CC0-4788-94BC-EBFBC31BAB9E}" type="pres">
+      <dgm:prSet presAssocID="{0910B0A5-F123-4FE6-9960-980FF72CC093}" presName="spacer" presStyleCnt="0"/>
+      <dgm:spPr/>
+    </dgm:pt>
+    <dgm:pt modelId="{D1835198-3AA6-4839-B670-AA8EB56A7241}" type="pres">
+      <dgm:prSet presAssocID="{125E6CDD-4932-40B3-A7F4-A7E3070CC6FD}" presName="parentText" presStyleLbl="node1" presStyleIdx="1" presStyleCnt="2" custLinFactY="1872" custLinFactNeighborX="1373" custLinFactNeighborY="100000">
+        <dgm:presLayoutVars>
+          <dgm:chMax val="0"/>
+          <dgm:bulletEnabled val="1"/>
+        </dgm:presLayoutVars>
+      </dgm:prSet>
+      <dgm:spPr/>
+      <dgm:t>
+        <a:bodyPr/>
+        <a:lstStyle/>
+        <a:p>
+          <a:endParaRPr lang="zh-CN" altLang="en-US"/>
+        </a:p>
+      </dgm:t>
+    </dgm:pt>
+  </dgm:ptLst>
+  <dgm:cxnLst>
+    <dgm:cxn modelId="{3C08904C-9639-46F7-B1BE-767BE8ADB04B}" srcId="{F6557A3C-36B9-4DD6-9586-FF65E53670E1}" destId="{125E6CDD-4932-40B3-A7F4-A7E3070CC6FD}" srcOrd="1" destOrd="0" parTransId="{460E10E3-D461-425B-939C-789DC379582C}" sibTransId="{A1838544-53A2-46B7-9A47-E01CD89B95BB}"/>
+    <dgm:cxn modelId="{FA85509E-9462-4C75-9257-074CBD1B172A}" type="presOf" srcId="{125E6CDD-4932-40B3-A7F4-A7E3070CC6FD}" destId="{D1835198-3AA6-4839-B670-AA8EB56A7241}" srcOrd="0" destOrd="0" presId="urn:microsoft.com/office/officeart/2005/8/layout/vList2"/>
+    <dgm:cxn modelId="{FC6370C0-6F16-4C72-9576-BB13CD9BDA14}" srcId="{F6557A3C-36B9-4DD6-9586-FF65E53670E1}" destId="{3A66EEEC-A138-4F50-9E0C-6E2F3168EFC8}" srcOrd="0" destOrd="0" parTransId="{E9AD3A10-6AE4-42C3-9193-C8E5477D81FF}" sibTransId="{0910B0A5-F123-4FE6-9960-980FF72CC093}"/>
+    <dgm:cxn modelId="{9A6AAE2A-CC1C-41F1-BA8C-B2A035A29A6E}" type="presOf" srcId="{3A66EEEC-A138-4F50-9E0C-6E2F3168EFC8}" destId="{CB022C8E-0941-4DF9-9E18-8DD6FE12F5B8}" srcOrd="0" destOrd="0" presId="urn:microsoft.com/office/officeart/2005/8/layout/vList2"/>
+    <dgm:cxn modelId="{5CEAE672-DE95-4F81-B42E-3FDFC1EDDDE3}" type="presOf" srcId="{F6557A3C-36B9-4DD6-9586-FF65E53670E1}" destId="{2A87C9A5-9165-481C-8128-486AF0B7E510}" srcOrd="0" destOrd="0" presId="urn:microsoft.com/office/officeart/2005/8/layout/vList2"/>
+    <dgm:cxn modelId="{889610CF-EB69-45D4-8405-45FF1014EFF0}" type="presParOf" srcId="{2A87C9A5-9165-481C-8128-486AF0B7E510}" destId="{CB022C8E-0941-4DF9-9E18-8DD6FE12F5B8}" srcOrd="0" destOrd="0" presId="urn:microsoft.com/office/officeart/2005/8/layout/vList2"/>
+    <dgm:cxn modelId="{F0D7A861-95C3-4C9A-9EAD-FADC2770AD57}" type="presParOf" srcId="{2A87C9A5-9165-481C-8128-486AF0B7E510}" destId="{0029A2E0-8CC0-4788-94BC-EBFBC31BAB9E}" srcOrd="1" destOrd="0" presId="urn:microsoft.com/office/officeart/2005/8/layout/vList2"/>
+    <dgm:cxn modelId="{899E30A5-C5C6-4EB9-AA8C-59E3A08BF13F}" type="presParOf" srcId="{2A87C9A5-9165-481C-8128-486AF0B7E510}" destId="{D1835198-3AA6-4839-B670-AA8EB56A7241}" srcOrd="2" destOrd="0" presId="urn:microsoft.com/office/officeart/2005/8/layout/vList2"/>
+  </dgm:cxnLst>
+  <dgm:bg/>
+  <dgm:whole/>
+  <dgm:extLst>
+    <a:ext uri="http://schemas.microsoft.com/office/drawing/2008/diagram">
+      <dsp:dataModelExt xmlns:dsp="http://schemas.microsoft.com/office/drawing/2008/diagram" relId="rId8" minVer="http://schemas.openxmlformats.org/drawingml/2006/diagram"/>
+    </a:ext>
+  </dgm:extLst>
+</dgm:dataModel>
+</file>
+
+<file path=ppt/diagrams/drawing1.xml><?xml version="1.0" encoding="utf-8"?>
+<dsp:drawing xmlns:dgm="http://schemas.openxmlformats.org/drawingml/2006/diagram" xmlns:dsp="http://schemas.microsoft.com/office/drawing/2008/diagram" xmlns:a="http://schemas.openxmlformats.org/drawingml/2006/main">
+  <dsp:spTree>
+    <dsp:nvGrpSpPr>
+      <dsp:cNvPr id="0" name=""/>
+      <dsp:cNvGrpSpPr/>
+    </dsp:nvGrpSpPr>
+    <dsp:grpSpPr/>
+    <dsp:sp modelId="{CB022C8E-0941-4DF9-9E18-8DD6FE12F5B8}">
+      <dsp:nvSpPr>
+        <dsp:cNvPr id="0" name=""/>
+        <dsp:cNvSpPr/>
+      </dsp:nvSpPr>
+      <dsp:spPr>
+        <a:xfrm>
+          <a:off x="0" y="205627"/>
+          <a:ext cx="3504986" cy="551655"/>
+        </a:xfrm>
+        <a:prstGeom prst="roundRect">
+          <a:avLst/>
+        </a:prstGeom>
+        <a:solidFill>
+          <a:schemeClr val="accent1">
+            <a:hueOff val="0"/>
+            <a:satOff val="0"/>
+            <a:lumOff val="0"/>
+            <a:alphaOff val="0"/>
+          </a:schemeClr>
+        </a:solidFill>
+        <a:ln w="12700" cap="flat" cmpd="sng" algn="ctr">
+          <a:solidFill>
+            <a:schemeClr val="lt1">
+              <a:hueOff val="0"/>
+              <a:satOff val="0"/>
+              <a:lumOff val="0"/>
+              <a:alphaOff val="0"/>
+            </a:schemeClr>
+          </a:solidFill>
+          <a:prstDash val="solid"/>
+          <a:miter lim="800000"/>
+        </a:ln>
+        <a:effectLst/>
+      </dsp:spPr>
+      <dsp:style>
+        <a:lnRef idx="2">
+          <a:scrgbClr r="0" g="0" b="0"/>
+        </a:lnRef>
+        <a:fillRef idx="1">
+          <a:scrgbClr r="0" g="0" b="0"/>
+        </a:fillRef>
+        <a:effectRef idx="0">
+          <a:scrgbClr r="0" g="0" b="0"/>
+        </a:effectRef>
+        <a:fontRef idx="minor">
+          <a:schemeClr val="lt1"/>
+        </a:fontRef>
+      </dsp:style>
+      <dsp:txBody>
+        <a:bodyPr spcFirstLastPara="0" vert="horz" wrap="square" lIns="87630" tIns="87630" rIns="87630" bIns="87630" numCol="1" spcCol="1270" anchor="ctr" anchorCtr="0">
+          <a:noAutofit/>
+        </a:bodyPr>
+        <a:lstStyle/>
+        <a:p>
+          <a:pPr lvl="0" algn="l" defTabSz="1022350" rtl="0">
+            <a:lnSpc>
+              <a:spcPct val="90000"/>
+            </a:lnSpc>
+            <a:spcBef>
+              <a:spcPct val="0"/>
+            </a:spcBef>
+            <a:spcAft>
+              <a:spcPct val="35000"/>
+            </a:spcAft>
+          </a:pPr>
+          <a:r>
+            <a:rPr lang="en-US" sz="2300" kern="1200" dirty="0" smtClean="0"/>
+            <a:t>(Subject, Predicate, Object)</a:t>
+          </a:r>
+          <a:endParaRPr lang="zh-CN" sz="2300" kern="1200" dirty="0"/>
+        </a:p>
+      </dsp:txBody>
+      <dsp:txXfrm>
+        <a:off x="26930" y="232557"/>
+        <a:ext cx="3451126" cy="497795"/>
+      </dsp:txXfrm>
+    </dsp:sp>
+    <dsp:sp modelId="{D1835198-3AA6-4839-B670-AA8EB56A7241}">
+      <dsp:nvSpPr>
+        <dsp:cNvPr id="0" name=""/>
+        <dsp:cNvSpPr/>
+      </dsp:nvSpPr>
+      <dsp:spPr>
+        <a:xfrm>
+          <a:off x="0" y="783455"/>
+          <a:ext cx="3504986" cy="551655"/>
+        </a:xfrm>
+        <a:prstGeom prst="roundRect">
+          <a:avLst/>
+        </a:prstGeom>
+        <a:solidFill>
+          <a:schemeClr val="accent1">
+            <a:hueOff val="0"/>
+            <a:satOff val="0"/>
+            <a:lumOff val="0"/>
+            <a:alphaOff val="0"/>
+          </a:schemeClr>
+        </a:solidFill>
+        <a:ln w="12700" cap="flat" cmpd="sng" algn="ctr">
+          <a:solidFill>
+            <a:schemeClr val="lt1">
+              <a:hueOff val="0"/>
+              <a:satOff val="0"/>
+              <a:lumOff val="0"/>
+              <a:alphaOff val="0"/>
+            </a:schemeClr>
+          </a:solidFill>
+          <a:prstDash val="solid"/>
+          <a:miter lim="800000"/>
+        </a:ln>
+        <a:effectLst/>
+      </dsp:spPr>
+      <dsp:style>
+        <a:lnRef idx="2">
+          <a:scrgbClr r="0" g="0" b="0"/>
+        </a:lnRef>
+        <a:fillRef idx="1">
+          <a:scrgbClr r="0" g="0" b="0"/>
+        </a:fillRef>
+        <a:effectRef idx="0">
+          <a:scrgbClr r="0" g="0" b="0"/>
+        </a:effectRef>
+        <a:fontRef idx="minor">
+          <a:schemeClr val="lt1"/>
+        </a:fontRef>
+      </dsp:style>
+      <dsp:txBody>
+        <a:bodyPr spcFirstLastPara="0" vert="horz" wrap="square" lIns="87630" tIns="87630" rIns="87630" bIns="87630" numCol="1" spcCol="1270" anchor="ctr" anchorCtr="0">
+          <a:noAutofit/>
+        </a:bodyPr>
+        <a:lstStyle/>
+        <a:p>
+          <a:pPr lvl="0" algn="l" defTabSz="1022350" rtl="0">
+            <a:lnSpc>
+              <a:spcPct val="90000"/>
+            </a:lnSpc>
+            <a:spcBef>
+              <a:spcPct val="0"/>
+            </a:spcBef>
+            <a:spcAft>
+              <a:spcPct val="35000"/>
+            </a:spcAft>
+          </a:pPr>
+          <a:r>
+            <a:rPr lang="en-US" sz="2300" kern="1200" dirty="0" smtClean="0"/>
+            <a:t>(Entity, Relationship, Entity)</a:t>
+          </a:r>
+          <a:endParaRPr lang="zh-CN" sz="2300" kern="1200" dirty="0"/>
+        </a:p>
+      </dsp:txBody>
+      <dsp:txXfrm>
+        <a:off x="26930" y="810385"/>
+        <a:ext cx="3451126" cy="497795"/>
+      </dsp:txXfrm>
+    </dsp:sp>
+  </dsp:spTree>
+</dsp:drawing>
+</file>
+
+<file path=ppt/diagrams/layout1.xml><?xml version="1.0" encoding="utf-8"?>
+<dgm:layoutDef xmlns:dgm="http://schemas.openxmlformats.org/drawingml/2006/diagram" xmlns:a="http://schemas.openxmlformats.org/drawingml/2006/main" uniqueId="urn:microsoft.com/office/officeart/2005/8/layout/vList2">
+  <dgm:title val=""/>
+  <dgm:desc val=""/>
+  <dgm:catLst>
+    <dgm:cat type="list" pri="3000"/>
+    <dgm:cat type="convert" pri="1000"/>
+  </dgm:catLst>
+  <dgm:sampData>
+    <dgm:dataModel>
+      <dgm:ptLst>
+        <dgm:pt modelId="0" type="doc"/>
+        <dgm:pt modelId="1">
+          <dgm:prSet phldr="1"/>
+        </dgm:pt>
+        <dgm:pt modelId="11">
+          <dgm:prSet phldr="1"/>
+        </dgm:pt>
+        <dgm:pt modelId="2">
+          <dgm:prSet phldr="1"/>
+        </dgm:pt>
+        <dgm:pt modelId="21">
+          <dgm:prSet phldr="1"/>
+        </dgm:pt>
+      </dgm:ptLst>
+      <dgm:cxnLst>
+        <dgm:cxn modelId="4" srcId="0" destId="1" srcOrd="0" destOrd="0"/>
+        <dgm:cxn modelId="5" srcId="0" destId="2" srcOrd="1" destOrd="0"/>
+        <dgm:cxn modelId="12" srcId="1" destId="11" srcOrd="0" destOrd="0"/>
+        <dgm:cxn modelId="23" srcId="2" destId="21" srcOrd="0" destOrd="0"/>
+      </dgm:cxnLst>
+      <dgm:bg/>
+      <dgm:whole/>
+    </dgm:dataModel>
+  </dgm:sampData>
+  <dgm:styleData>
+    <dgm:dataModel>
+      <dgm:ptLst>
+        <dgm:pt modelId="0" type="doc"/>
+        <dgm:pt modelId="1"/>
+        <dgm:pt modelId="2"/>
+      </dgm:ptLst>
+      <dgm:cxnLst>
+        <dgm:cxn modelId="3" srcId="0" destId="1" srcOrd="0" destOrd="0"/>
+        <dgm:cxn modelId="4" srcId="0" destId="2" srcOrd="1" destOrd="0"/>
+      </dgm:cxnLst>
+      <dgm:bg/>
+      <dgm:whole/>
+    </dgm:dataModel>
+  </dgm:styleData>
+  <dgm:clrData>
+    <dgm:dataModel>
+      <dgm:ptLst>
+        <dgm:pt modelId="0" type="doc"/>
+        <dgm:pt modelId="1"/>
+        <dgm:pt modelId="2"/>
+        <dgm:pt modelId="3"/>
+        <dgm:pt modelId="4"/>
+      </dgm:ptLst>
+      <dgm:cxnLst>
+        <dgm:cxn modelId="5" srcId="0" destId="1" srcOrd="0" destOrd="0"/>
+        <dgm:cxn modelId="6" srcId="0" destId="2" srcOrd="1" destOrd="0"/>
+        <dgm:cxn modelId="7" srcId="0" destId="3" srcOrd="2" destOrd="0"/>
+        <dgm:cxn modelId="8" srcId="0" destId="4" srcOrd="3" destOrd="0"/>
+      </dgm:cxnLst>
+      <dgm:bg/>
+      <dgm:whole/>
+    </dgm:dataModel>
+  </dgm:clrData>
+  <dgm:layoutNode name="linear">
+    <dgm:varLst>
+      <dgm:animLvl val="lvl"/>
+      <dgm:resizeHandles val="exact"/>
+    </dgm:varLst>
+    <dgm:alg type="lin">
+      <dgm:param type="linDir" val="fromT"/>
+      <dgm:param type="vertAlign" val="mid"/>
+    </dgm:alg>
+    <dgm:shape xmlns:r="http://schemas.openxmlformats.org/officeDocument/2006/relationships" r:blip="">
+      <dgm:adjLst/>
+    </dgm:shape>
+    <dgm:presOf/>
+    <dgm:constrLst>
+      <dgm:constr type="w" for="ch" forName="parentText" refType="w"/>
+      <dgm:constr type="h" for="ch" forName="parentText" refType="primFontSz" refFor="ch" refForName="parentText" fact="0.52"/>
+      <dgm:constr type="w" for="ch" forName="childText" refType="w"/>
+      <dgm:constr type="h" for="ch" forName="childText" refType="primFontSz" refFor="ch" refForName="parentText" fact="0.46"/>
+      <dgm:constr type="h" for="ch" forName="parentText" op="equ"/>
+      <dgm:constr type="primFontSz" for="ch" forName="parentText" op="equ" val="65"/>
+      <dgm:constr type="primFontSz" for="ch" forName="childText" refType="primFontSz" refFor="ch" refForName="parentText" op="equ"/>
+      <dgm:constr type="h" for="ch" forName="spacer" refType="primFontSz" refFor="ch" refForName="parentText" fact="0.08"/>
+    </dgm:constrLst>
+    <dgm:ruleLst>
+      <dgm:rule type="primFontSz" for="ch" forName="parentText" val="5" fact="NaN" max="NaN"/>
+    </dgm:ruleLst>
+    <dgm:forEach name="Name0" axis="ch" ptType="node">
+      <dgm:layoutNode name="parentText" styleLbl="node1">
+        <dgm:varLst>
+          <dgm:chMax val="0"/>
+          <dgm:bulletEnabled val="1"/>
+        </dgm:varLst>
+        <dgm:alg type="tx">
+          <dgm:param type="parTxLTRAlign" val="l"/>
+          <dgm:param type="parTxRTLAlign" val="r"/>
+        </dgm:alg>
+        <dgm:shape xmlns:r="http://schemas.openxmlformats.org/officeDocument/2006/relationships" type="roundRect" r:blip="">
+          <dgm:adjLst/>
+        </dgm:shape>
+        <dgm:presOf axis="self"/>
+        <dgm:constrLst>
+          <dgm:constr type="tMarg" refType="primFontSz" fact="0.3"/>
+          <dgm:constr type="bMarg" refType="primFontSz" fact="0.3"/>
+          <dgm:constr type="lMarg" refType="primFontSz" fact="0.3"/>
+          <dgm:constr type="rMarg" refType="primFontSz" fact="0.3"/>
+        </dgm:constrLst>
+        <dgm:ruleLst>
+          <dgm:rule type="h" val="INF" fact="NaN" max="NaN"/>
+        </dgm:ruleLst>
+      </dgm:layoutNode>
+      <dgm:choose name="Name1">
+        <dgm:if name="Name2" axis="ch" ptType="node" func="cnt" op="gte" val="1">
+          <dgm:layoutNode name="childText" styleLbl="revTx">
+            <dgm:varLst>
+              <dgm:bulletEnabled val="1"/>
+            </dgm:varLst>
+            <dgm:alg type="tx">
+              <dgm:param type="stBulletLvl" val="1"/>
+              <dgm:param type="lnSpAfChP" val="20"/>
+            </dgm:alg>
+            <dgm:shape xmlns:r="http://schemas.openxmlformats.org/officeDocument/2006/relationships" type="rect" r:blip="">
+              <dgm:adjLst/>
+            </dgm:shape>
+            <dgm:presOf axis="des" ptType="node"/>
+            <dgm:constrLst>
+              <dgm:constr type="tMarg" refType="primFontSz" fact="0.1"/>
+              <dgm:constr type="bMarg" refType="primFontSz" fact="0.1"/>
+              <dgm:constr type="lMarg" refType="w" fact="0.09"/>
+            </dgm:constrLst>
+            <dgm:ruleLst>
+              <dgm:rule type="h" val="INF" fact="NaN" max="NaN"/>
+            </dgm:ruleLst>
+          </dgm:layoutNode>
+        </dgm:if>
+        <dgm:else name="Name3">
+          <dgm:choose name="Name4">
+            <dgm:if name="Name5" axis="par ch" ptType="doc node" func="cnt" op="gte" val="2">
+              <dgm:forEach name="Name6" axis="followSib" ptType="sibTrans" cnt="1">
+                <dgm:layoutNode name="spacer">
+                  <dgm:alg type="sp"/>
+                  <dgm:shape xmlns:r="http://schemas.openxmlformats.org/officeDocument/2006/relationships" r:blip="">
+                    <dgm:adjLst/>
+                  </dgm:shape>
+                  <dgm:presOf/>
+                  <dgm:constrLst/>
+                  <dgm:ruleLst/>
+                </dgm:layoutNode>
+              </dgm:forEach>
+            </dgm:if>
+            <dgm:else name="Name7"/>
+          </dgm:choose>
+        </dgm:else>
+      </dgm:choose>
+    </dgm:forEach>
+  </dgm:layoutNode>
+</dgm:layoutDef>
+</file>
+
+<file path=ppt/diagrams/quickStyle1.xml><?xml version="1.0" encoding="utf-8"?>
+<dgm:styleDef xmlns:dgm="http://schemas.openxmlformats.org/drawingml/2006/diagram" xmlns:a="http://schemas.openxmlformats.org/drawingml/2006/main" uniqueId="urn:microsoft.com/office/officeart/2005/8/quickstyle/simple1">
+  <dgm:title val=""/>
+  <dgm:desc val=""/>
+  <dgm:catLst>
+    <dgm:cat type="simple" pri="10100"/>
+  </dgm:catLst>
+  <dgm:scene3d>
+    <a:camera prst="orthographicFront"/>
+    <a:lightRig rig="threePt" dir="t"/>
+  </dgm:scene3d>
+  <dgm:styleLbl name="node0">
+    <dgm:scene3d>
+      <a:camera prst="orthographicFront"/>
+      <a:lightRig rig="threePt" dir="t"/>
+    </dgm:scene3d>
+    <dgm:sp3d/>
+    <dgm:txPr/>
+    <dgm:style>
+      <a:lnRef idx="2">
+        <a:scrgbClr r="0" g="0" b="0"/>
+      </a:lnRef>
+      <a:fillRef idx="1">
+        <a:scrgbClr r="0" g="0" b="0"/>
+      </a:fillRef>
+      <a:effectRef idx="0">
+        <a:scrgbClr r="0" g="0" b="0"/>
+      </a:effectRef>
+      <a:fontRef idx="minor">
+        <a:schemeClr val="lt1"/>
+      </a:fontRef>
+    </dgm:style>
+  </dgm:styleLbl>
+  <dgm:styleLbl name="lnNode1">
+    <dgm:scene3d>
+      <a:camera prst="orthographicFront"/>
+      <a:lightRig rig="threePt" dir="t"/>
+    </dgm:scene3d>
+    <dgm:sp3d/>
+    <dgm:txPr/>
+    <dgm:style>
+      <a:lnRef idx="2">
+        <a:scrgbClr r="0" g="0" b="0"/>
+      </a:lnRef>
+      <a:fillRef idx="1">
+        <a:scrgbClr r="0" g="0" b="0"/>
+      </a:fillRef>
+      <a:effectRef idx="0">
+        <a:scrgbClr r="0" g="0" b="0"/>
+      </a:effectRef>
+      <a:fontRef idx="minor">
+        <a:schemeClr val="lt1"/>
+      </a:fontRef>
+    </dgm:style>
+  </dgm:styleLbl>
+  <dgm:styleLbl name="vennNode1">
+    <dgm:scene3d>
+      <a:camera prst="orthographicFront"/>
+      <a:lightRig rig="threePt" dir="t"/>
+    </dgm:scene3d>
+    <dgm:sp3d/>
+    <dgm:txPr/>
+    <dgm:style>
+      <a:lnRef idx="2">
+        <a:scrgbClr r="0" g="0" b="0"/>
+      </a:lnRef>
+      <a:fillRef idx="1">
+        <a:scrgbClr r="0" g="0" b="0"/>
+      </a:fillRef>
+      <a:effectRef idx="0">
+        <a:scrgbClr r="0" g="0" b="0"/>
+      </a:effectRef>
+      <a:fontRef idx="minor">
+        <a:schemeClr val="tx1"/>
+      </a:fontRef>
+    </dgm:style>
+  </dgm:styleLbl>
+  <dgm:styleLbl name="alignNode1">
+    <dgm:scene3d>
+      <a:camera prst="orthographicFront"/>
+      <a:lightRig rig="threePt" dir="t"/>
+    </dgm:scene3d>
+    <dgm:sp3d/>
+    <dgm:txPr/>
+    <dgm:style>
+      <a:lnRef idx="2">
+        <a:scrgbClr r="0" g="0" b="0"/>
+      </a:lnRef>
+      <a:fillRef idx="1">
+        <a:scrgbClr r="0" g="0" b="0"/>
+      </a:fillRef>
+      <a:effectRef idx="0">
+        <a:scrgbClr r="0" g="0" b="0"/>
+      </a:effectRef>
+      <a:fontRef idx="minor">
+        <a:schemeClr val="lt1"/>
+      </a:fontRef>
+    </dgm:style>
+  </dgm:styleLbl>
+  <dgm:styleLbl name="node1">
+    <dgm:scene3d>
+      <a:camera prst="orthographicFront"/>
+      <a:lightRig rig="threePt" dir="t"/>
+    </dgm:scene3d>
+    <dgm:sp3d/>
+    <dgm:txPr/>
+    <dgm:style>
+      <a:lnRef idx="2">
+        <a:scrgbClr r="0" g="0" b="0"/>
+      </a:lnRef>
+      <a:fillRef idx="1">
+        <a:scrgbClr r="0" g="0" b="0"/>
+      </a:fillRef>
+      <a:effectRef idx="0">
+        <a:scrgbClr r="0" g="0" b="0"/>
+      </a:effectRef>
+      <a:fontRef idx="minor">
+        <a:schemeClr val="lt1"/>
+      </a:fontRef>
+    </dgm:style>
+  </dgm:styleLbl>
+  <dgm:styleLbl name="node2">
+    <dgm:scene3d>
+      <a:camera prst="orthographicFront"/>
+      <a:lightRig rig="threePt" dir="t"/>
+    </dgm:scene3d>
+    <dgm:sp3d/>
+    <dgm:txPr/>
+    <dgm:style>
+      <a:lnRef idx="2">
+        <a:scrgbClr r="0" g="0" b="0"/>
+      </a:lnRef>
+      <a:fillRef idx="1">
+        <a:scrgbClr r="0" g="0" b="0"/>
+      </a:fillRef>
+      <a:effectRef idx="0">
+        <a:scrgbClr r="0" g="0" b="0"/>
+      </a:effectRef>
+      <a:fontRef idx="minor">
+        <a:schemeClr val="lt1"/>
+      </a:fontRef>
+    </dgm:style>
+  </dgm:styleLbl>
+  <dgm:styleLbl name="node3">
+    <dgm:scene3d>
+      <a:camera prst="orthographicFront"/>
+      <a:lightRig rig="threePt" dir="t"/>
+    </dgm:scene3d>
+    <dgm:sp3d/>
+    <dgm:txPr/>
+    <dgm:style>
+      <a:lnRef idx="2">
+        <a:scrgbClr r="0" g="0" b="0"/>
+      </a:lnRef>
+      <a:fillRef idx="1">
+        <a:scrgbClr r="0" g="0" b="0"/>
+      </a:fillRef>
+      <a:effectRef idx="0">
+        <a:scrgbClr r="0" g="0" b="0"/>
+      </a:effectRef>
+      <a:fontRef idx="minor">
+        <a:schemeClr val="lt1"/>
+      </a:fontRef>
+    </dgm:style>
+  </dgm:styleLbl>
+  <dgm:styleLbl name="node4">
+    <dgm:scene3d>
+      <a:camera prst="orthographicFront"/>
+      <a:lightRig rig="threePt" dir="t"/>
+    </dgm:scene3d>
+    <dgm:sp3d/>
+    <dgm:txPr/>
+    <dgm:style>
+      <a:lnRef idx="2">
+        <a:scrgbClr r="0" g="0" b="0"/>
+      </a:lnRef>
+      <a:fillRef idx="1">
+        <a:scrgbClr r="0" g="0" b="0"/>
+      </a:fillRef>
+      <a:effectRef idx="0">
+        <a:scrgbClr r="0" g="0" b="0"/>
+      </a:effectRef>
+      <a:fontRef idx="minor">
+        <a:schemeClr val="lt1"/>
+      </a:fontRef>
+    </dgm:style>
+  </dgm:styleLbl>
+  <dgm:styleLbl name="fgImgPlace1">
+    <dgm:scene3d>
+      <a:camera prst="orthographicFront"/>
+      <a:lightRig rig="threePt" dir="t"/>
+    </dgm:scene3d>
+    <dgm:sp3d/>
+    <dgm:txPr/>
+    <dgm:style>
+      <a:lnRef idx="2">
+        <a:scrgbClr r="0" g="0" b="0"/>
+      </a:lnRef>
+      <a:fillRef idx="1">
+        <a:scrgbClr r="0" g="0" b="0"/>
+      </a:fillRef>
+      <a:effectRef idx="0">
+        <a:scrgbClr r="0" g="0" b="0"/>
+      </a:effectRef>
+      <a:fontRef idx="minor"/>
+    </dgm:style>
+  </dgm:styleLbl>
+  <dgm:styleLbl name="alignImgPlace1">
+    <dgm:scene3d>
+      <a:camera prst="orthographicFront"/>
+      <a:lightRig rig="threePt" dir="t"/>
+    </dgm:scene3d>
+    <dgm:sp3d/>
+    <dgm:txPr/>
+    <dgm:style>
+      <a:lnRef idx="2">
+        <a:scrgbClr r="0" g="0" b="0"/>
+      </a:lnRef>
+      <a:fillRef idx="1">
+        <a:scrgbClr r="0" g="0" b="0"/>
+      </a:fillRef>
+      <a:effectRef idx="0">
+        <a:scrgbClr r="0" g="0" b="0"/>
+      </a:effectRef>
+      <a:fontRef idx="minor"/>
+    </dgm:style>
+  </dgm:styleLbl>
+  <dgm:styleLbl name="bgImgPlace1">
+    <dgm:scene3d>
+      <a:camera prst="orthographicFront"/>
+      <a:lightRig rig="threePt" dir="t"/>
+    </dgm:scene3d>
+    <dgm:sp3d/>
+    <dgm:txPr/>
+    <dgm:style>
+      <a:lnRef idx="2">
+        <a:scrgbClr r="0" g="0" b="0"/>
+      </a:lnRef>
+      <a:fillRef idx="1">
+        <a:scrgbClr r="0" g="0" b="0"/>
+      </a:fillRef>
+      <a:effectRef idx="0">
+        <a:scrgbClr r="0" g="0" b="0"/>
+      </a:effectRef>
+      <a:fontRef idx="minor"/>
+    </dgm:style>
+  </dgm:styleLbl>
+  <dgm:styleLbl name="sibTrans2D1">
+    <dgm:scene3d>
+      <a:camera prst="orthographicFront"/>
+      <a:lightRig rig="threePt" dir="t"/>
+    </dgm:scene3d>
+    <dgm:sp3d/>
+    <dgm:txPr/>
+    <dgm:style>
+      <a:lnRef idx="0">
+        <a:scrgbClr r="0" g="0" b="0"/>
+      </a:lnRef>
+      <a:fillRef idx="1">
+        <a:scrgbClr r="0" g="0" b="0"/>
+      </a:fillRef>
+      <a:effectRef idx="0">
+        <a:scrgbClr r="0" g="0" b="0"/>
+      </a:effectRef>
+      <a:fontRef idx="minor">
+        <a:schemeClr val="lt1"/>
+      </a:fontRef>
+    </dgm:style>
+  </dgm:styleLbl>
+  <dgm:styleLbl name="fgSibTrans2D1">
+    <dgm:scene3d>
+      <a:camera prst="orthographicFront"/>
+      <a:lightRig rig="threePt" dir="t"/>
+    </dgm:scene3d>
+    <dgm:sp3d/>
+    <dgm:txPr/>
+    <dgm:style>
+      <a:lnRef idx="0">
+        <a:scrgbClr r="0" g="0" b="0"/>
+      </a:lnRef>
+      <a:fillRef idx="1">
+        <a:scrgbClr r="0" g="0" b="0"/>
+      </a:fillRef>
+      <a:effectRef idx="0">
+        <a:scrgbClr r="0" g="0" b="0"/>
+      </a:effectRef>
+      <a:fontRef idx="minor">
+        <a:schemeClr val="lt1"/>
+      </a:fontRef>
+    </dgm:style>
+  </dgm:styleLbl>
+  <dgm:styleLbl name="bgSibTrans2D1">
+    <dgm:scene3d>
+      <a:camera prst="orthographicFront"/>
+      <a:lightRig rig="threePt" dir="t"/>
+    </dgm:scene3d>
+    <dgm:sp3d/>
+    <dgm:txPr/>
+    <dgm:style>
+      <a:lnRef idx="0">
+        <a:scrgbClr r="0" g="0" b="0"/>
+      </a:lnRef>
+      <a:fillRef idx="1">
+        <a:scrgbClr r="0" g="0" b="0"/>
+      </a:fillRef>
+      <a:effectRef idx="0">
+        <a:scrgbClr r="0" g="0" b="0"/>
+      </a:effectRef>
+      <a:fontRef idx="minor">
+        <a:schemeClr val="lt1"/>
+      </a:fontRef>
+    </dgm:style>
+  </dgm:styleLbl>
+  <dgm:styleLbl name="sibTrans1D1">
+    <dgm:scene3d>
+      <a:camera prst="orthographicFront"/>
+      <a:lightRig rig="threePt" dir="t"/>
+    </dgm:scene3d>
+    <dgm:sp3d/>
+    <dgm:txPr/>
+    <dgm:style>
+      <a:lnRef idx="1">
+        <a:scrgbClr r="0" g="0" b="0"/>
+      </a:lnRef>
+      <a:fillRef idx="0">
+        <a:scrgbClr r="0" g="0" b="0"/>
+      </a:fillRef>
+      <a:effectRef idx="0">
+        <a:scrgbClr r="0" g="0" b="0"/>
+      </a:effectRef>
+      <a:fontRef idx="minor"/>
+    </dgm:style>
+  </dgm:styleLbl>
+  <dgm:styleLbl name="callout">
+    <dgm:scene3d>
+      <a:camera prst="orthographicFront"/>
+      <a:lightRig rig="threePt" dir="t"/>
+    </dgm:scene3d>
+    <dgm:sp3d/>
+    <dgm:txPr/>
+    <dgm:style>
+      <a:lnRef idx="2">
+        <a:scrgbClr r="0" g="0" b="0"/>
+      </a:lnRef>
+      <a:fillRef idx="1">
+        <a:scrgbClr r="0" g="0" b="0"/>
+      </a:fillRef>
+      <a:effectRef idx="0">
+        <a:scrgbClr r="0" g="0" b="0"/>
+      </a:effectRef>
+      <a:fontRef idx="minor"/>
+    </dgm:style>
+  </dgm:styleLbl>
+  <dgm:styleLbl name="asst0">
+    <dgm:scene3d>
+      <a:camera prst="orthographicFront"/>
+      <a:lightRig rig="threePt" dir="t"/>
+    </dgm:scene3d>
+    <dgm:sp3d/>
+    <dgm:txPr/>
+    <dgm:style>
+      <a:lnRef idx="2">
+        <a:scrgbClr r="0" g="0" b="0"/>
+      </a:lnRef>
+      <a:fillRef idx="1">
+        <a:scrgbClr r="0" g="0" b="0"/>
+      </a:fillRef>
+      <a:effectRef idx="0">
+        <a:scrgbClr r="0" g="0" b="0"/>
+      </a:effectRef>
+      <a:fontRef idx="minor">
+        <a:schemeClr val="lt1"/>
+      </a:fontRef>
+    </dgm:style>
+  </dgm:styleLbl>
+  <dgm:styleLbl name="asst1">
+    <dgm:scene3d>
+      <a:camera prst="orthographicFront"/>
+      <a:lightRig rig="threePt" dir="t"/>
+    </dgm:scene3d>
+    <dgm:sp3d/>
+    <dgm:txPr/>
+    <dgm:style>
+      <a:lnRef idx="2">
+        <a:scrgbClr r="0" g="0" b="0"/>
+      </a:lnRef>
+      <a:fillRef idx="1">
+        <a:scrgbClr r="0" g="0" b="0"/>
+      </a:fillRef>
+      <a:effectRef idx="0">
+        <a:scrgbClr r="0" g="0" b="0"/>
+      </a:effectRef>
+      <a:fontRef idx="minor">
+        <a:schemeClr val="lt1"/>
+      </a:fontRef>
+    </dgm:style>
+  </dgm:styleLbl>
+  <dgm:styleLbl name="asst2">
+    <dgm:scene3d>
+      <a:camera prst="orthographicFront"/>
+      <a:lightRig rig="threePt" dir="t"/>
+    </dgm:scene3d>
+    <dgm:sp3d/>
+    <dgm:txPr/>
+    <dgm:style>
+      <a:lnRef idx="2">
+        <a:scrgbClr r="0" g="0" b="0"/>
+      </a:lnRef>
+      <a:fillRef idx="1">
+        <a:scrgbClr r="0" g="0" b="0"/>
+      </a:fillRef>
+      <a:effectRef idx="0">
+        <a:scrgbClr r="0" g="0" b="0"/>
+      </a:effectRef>
+      <a:fontRef idx="minor">
+        <a:schemeClr val="lt1"/>
+      </a:fontRef>
+    </dgm:style>
+  </dgm:styleLbl>
+  <dgm:styleLbl name="asst3">
+    <dgm:scene3d>
+      <a:camera prst="orthographicFront"/>
+      <a:lightRig rig="threePt" dir="t"/>
+    </dgm:scene3d>
+    <dgm:sp3d/>
+    <dgm:txPr/>
+    <dgm:style>
+      <a:lnRef idx="2">
+        <a:scrgbClr r="0" g="0" b="0"/>
+      </a:lnRef>
+      <a:fillRef idx="1">
+        <a:scrgbClr r="0" g="0" b="0"/>
+      </a:fillRef>
+      <a:effectRef idx="0">
+        <a:scrgbClr r="0" g="0" b="0"/>
+      </a:effectRef>
+      <a:fontRef idx="minor">
+        <a:schemeClr val="lt1"/>
+      </a:fontRef>
+    </dgm:style>
+  </dgm:styleLbl>
+  <dgm:styleLbl name="asst4">
+    <dgm:scene3d>
+      <a:camera prst="orthographicFront"/>
+      <a:lightRig rig="threePt" dir="t"/>
+    </dgm:scene3d>
+    <dgm:sp3d/>
+    <dgm:txPr/>
+    <dgm:style>
+      <a:lnRef idx="2">
+        <a:scrgbClr r="0" g="0" b="0"/>
+      </a:lnRef>
+      <a:fillRef idx="1">
+        <a:scrgbClr r="0" g="0" b="0"/>
+      </a:fillRef>
+      <a:effectRef idx="0">
+        <a:scrgbClr r="0" g="0" b="0"/>
+      </a:effectRef>
+      <a:fontRef idx="minor">
+        <a:schemeClr val="lt1"/>
+      </a:fontRef>
+    </dgm:style>
+  </dgm:styleLbl>
+  <dgm:styleLbl name="parChTrans2D1">
+    <dgm:scene3d>
+      <a:camera prst="orthographicFront"/>
+      <a:lightRig rig="threePt" dir="t"/>
+    </dgm:scene3d>
+    <dgm:sp3d/>
+    <dgm:txPr/>
+    <dgm:style>
+      <a:lnRef idx="2">
+        <a:scrgbClr r="0" g="0" b="0"/>
+      </a:lnRef>
+      <a:fillRef idx="1">
+        <a:scrgbClr r="0" g="0" b="0"/>
+      </a:fillRef>
+      <a:effectRef idx="0">
+        <a:scrgbClr r="0" g="0" b="0"/>
+      </a:effectRef>
+      <a:fontRef idx="minor">
+        <a:schemeClr val="lt1"/>
+      </a:fontRef>
+    </dgm:style>
+  </dgm:styleLbl>
+  <dgm:styleLbl name="parChTrans2D2">
+    <dgm:scene3d>
+      <a:camera prst="orthographicFront"/>
+      <a:lightRig rig="threePt" dir="t"/>
+    </dgm:scene3d>
+    <dgm:sp3d/>
+    <dgm:txPr/>
+    <dgm:style>
+      <a:lnRef idx="2">
+        <a:scrgbClr r="0" g="0" b="0"/>
+      </a:lnRef>
+      <a:fillRef idx="1">
+        <a:scrgbClr r="0" g="0" b="0"/>
+      </a:fillRef>
+      <a:effectRef idx="0">
+        <a:scrgbClr r="0" g="0" b="0"/>
+      </a:effectRef>
+      <a:fontRef idx="minor">
+        <a:schemeClr val="lt1"/>
+      </a:fontRef>
+    </dgm:style>
+  </dgm:styleLbl>
+  <dgm:styleLbl name="parChTrans2D3">
+    <dgm:scene3d>
+      <a:camera prst="orthographicFront"/>
+      <a:lightRig rig="threePt" dir="t"/>
+    </dgm:scene3d>
+    <dgm:sp3d/>
+    <dgm:txPr/>
+    <dgm:style>
+      <a:lnRef idx="2">
+        <a:scrgbClr r="0" g="0" b="0"/>
+      </a:lnRef>
+      <a:fillRef idx="1">
+        <a:scrgbClr r="0" g="0" b="0"/>
+      </a:fillRef>
+      <a:effectRef idx="0">
+        <a:scrgbClr r="0" g="0" b="0"/>
+      </a:effectRef>
+      <a:fontRef idx="minor">
+        <a:schemeClr val="lt1"/>
+      </a:fontRef>
+    </dgm:style>
+  </dgm:styleLbl>
+  <dgm:styleLbl name="parChTrans2D4">
+    <dgm:scene3d>
+      <a:camera prst="orthographicFront"/>
+      <a:lightRig rig="threePt" dir="t"/>
+    </dgm:scene3d>
+    <dgm:sp3d/>
+    <dgm:txPr/>
+    <dgm:style>
+      <a:lnRef idx="2">
+        <a:scrgbClr r="0" g="0" b="0"/>
+      </a:lnRef>
+      <a:fillRef idx="1">
+        <a:scrgbClr r="0" g="0" b="0"/>
+      </a:fillRef>
+      <a:effectRef idx="0">
+        <a:scrgbClr r="0" g="0" b="0"/>
+      </a:effectRef>
+      <a:fontRef idx="minor">
+        <a:schemeClr val="lt1"/>
+      </a:fontRef>
+    </dgm:style>
+  </dgm:styleLbl>
+  <dgm:styleLbl name="parChTrans1D1">
+    <dgm:scene3d>
+      <a:camera prst="orthographicFront"/>
+      <a:lightRig rig="threePt" dir="t"/>
+    </dgm:scene3d>
+    <dgm:sp3d/>
+    <dgm:txPr/>
+    <dgm:style>
+      <a:lnRef idx="2">
+        <a:scrgbClr r="0" g="0" b="0"/>
+      </a:lnRef>
+      <a:fillRef idx="0">
+        <a:scrgbClr r="0" g="0" b="0"/>
+      </a:fillRef>
+      <a:effectRef idx="0">
+        <a:scrgbClr r="0" g="0" b="0"/>
+      </a:effectRef>
+      <a:fontRef idx="minor"/>
+    </dgm:style>
+  </dgm:styleLbl>
+  <dgm:styleLbl name="parChTrans1D2">
+    <dgm:scene3d>
+      <a:camera prst="orthographicFront"/>
+      <a:lightRig rig="threePt" dir="t"/>
+    </dgm:scene3d>
+    <dgm:sp3d/>
+    <dgm:txPr/>
+    <dgm:style>
+      <a:lnRef idx="2">
+        <a:scrgbClr r="0" g="0" b="0"/>
+      </a:lnRef>
+      <a:fillRef idx="0">
+        <a:scrgbClr r="0" g="0" b="0"/>
+      </a:fillRef>
+      <a:effectRef idx="0">
+        <a:scrgbClr r="0" g="0" b="0"/>
+      </a:effectRef>
+      <a:fontRef idx="minor"/>
+    </dgm:style>
+  </dgm:styleLbl>
+  <dgm:styleLbl name="parChTrans1D3">
+    <dgm:scene3d>
+      <a:camera prst="orthographicFront"/>
+      <a:lightRig rig="threePt" dir="t"/>
+    </dgm:scene3d>
+    <dgm:sp3d/>
+    <dgm:txPr/>
+    <dgm:style>
+      <a:lnRef idx="2">
+        <a:scrgbClr r="0" g="0" b="0"/>
+      </a:lnRef>
+      <a:fillRef idx="0">
+        <a:scrgbClr r="0" g="0" b="0"/>
+      </a:fillRef>
+      <a:effectRef idx="0">
+        <a:scrgbClr r="0" g="0" b="0"/>
+      </a:effectRef>
+      <a:fontRef idx="minor"/>
+    </dgm:style>
+  </dgm:styleLbl>
+  <dgm:styleLbl name="parChTrans1D4">
+    <dgm:scene3d>
+      <a:camera prst="orthographicFront"/>
+      <a:lightRig rig="threePt" dir="t"/>
+    </dgm:scene3d>
+    <dgm:sp3d/>
+    <dgm:txPr/>
+    <dgm:style>
+      <a:lnRef idx="2">
+        <a:scrgbClr r="0" g="0" b="0"/>
+      </a:lnRef>
+      <a:fillRef idx="0">
+        <a:scrgbClr r="0" g="0" b="0"/>
+      </a:fillRef>
+      <a:effectRef idx="0">
+        <a:scrgbClr r="0" g="0" b="0"/>
+      </a:effectRef>
+      <a:fontRef idx="minor"/>
+    </dgm:style>
+  </dgm:styleLbl>
+  <dgm:styleLbl name="fgAcc1">
+    <dgm:scene3d>
+      <a:camera prst="orthographicFront"/>
+      <a:lightRig rig="threePt" dir="t"/>
+    </dgm:scene3d>
+    <dgm:sp3d/>
+    <dgm:txPr/>
+    <dgm:style>
+      <a:lnRef idx="2">
+        <a:scrgbClr r="0" g="0" b="0"/>
+      </a:lnRef>
+      <a:fillRef idx="1">
+        <a:scrgbClr r="0" g="0" b="0"/>
+      </a:fillRef>
+      <a:effectRef idx="0">
+        <a:scrgbClr r="0" g="0" b="0"/>
+      </a:effectRef>
+      <a:fontRef idx="minor"/>
+    </dgm:style>
+  </dgm:styleLbl>
+  <dgm:styleLbl name="conFgAcc1">
+    <dgm:scene3d>
+      <a:camera prst="orthographicFront"/>
+      <a:lightRig rig="threePt" dir="t"/>
+    </dgm:scene3d>
+    <dgm:sp3d/>
+    <dgm:txPr/>
+    <dgm:style>
+      <a:lnRef idx="2">
+        <a:scrgbClr r="0" g="0" b="0"/>
+      </a:lnRef>
+      <a:fillRef idx="1">
+        <a:scrgbClr r="0" g="0" b="0"/>
+      </a:fillRef>
+      <a:effectRef idx="0">
+        <a:scrgbClr r="0" g="0" b="0"/>
+      </a:effectRef>
+      <a:fontRef idx="minor"/>
+    </dgm:style>
+  </dgm:styleLbl>
+  <dgm:styleLbl name="alignAcc1">
+    <dgm:scene3d>
+      <a:camera prst="orthographicFront"/>
+      <a:lightRig rig="threePt" dir="t"/>
+    </dgm:scene3d>
+    <dgm:sp3d/>
+    <dgm:txPr/>
+    <dgm:style>
+      <a:lnRef idx="2">
+        <a:scrgbClr r="0" g="0" b="0"/>
+      </a:lnRef>
+      <a:fillRef idx="1">
+        <a:scrgbClr r="0" g="0" b="0"/>
+      </a:fillRef>
+      <a:effectRef idx="0">
+        <a:scrgbClr r="0" g="0" b="0"/>
+      </a:effectRef>
+      <a:fontRef idx="minor"/>
+    </dgm:style>
+  </dgm:styleLbl>
+  <dgm:styleLbl name="trAlignAcc1">
+    <dgm:scene3d>
+      <a:camera prst="orthographicFront"/>
+      <a:lightRig rig="threePt" dir="t"/>
+    </dgm:scene3d>
+    <dgm:sp3d/>
+    <dgm:txPr/>
+    <dgm:style>
+      <a:lnRef idx="1">
+        <a:scrgbClr r="0" g="0" b="0"/>
+      </a:lnRef>
+      <a:fillRef idx="1">
+        <a:scrgbClr r="0" g="0" b="0"/>
+      </a:fillRef>
+      <a:effectRef idx="0">
+        <a:scrgbClr r="0" g="0" b="0"/>
+      </a:effectRef>
+      <a:fontRef idx="minor"/>
+    </dgm:style>
+  </dgm:styleLbl>
+  <dgm:styleLbl name="bgAcc1">
+    <dgm:scene3d>
+      <a:camera prst="orthographicFront"/>
+      <a:lightRig rig="threePt" dir="t"/>
+    </dgm:scene3d>
+    <dgm:sp3d/>
+    <dgm:txPr/>
+    <dgm:style>
+      <a:lnRef idx="2">
+        <a:scrgbClr r="0" g="0" b="0"/>
+      </a:lnRef>
+      <a:fillRef idx="1">
+        <a:scrgbClr r="0" g="0" b="0"/>
+      </a:fillRef>
+      <a:effectRef idx="0">
+        <a:scrgbClr r="0" g="0" b="0"/>
+      </a:effectRef>
+      <a:fontRef idx="minor"/>
+    </dgm:style>
+  </dgm:styleLbl>
+  <dgm:styleLbl name="solidFgAcc1">
+    <dgm:scene3d>
+      <a:camera prst="orthographicFront"/>
+      <a:lightRig rig="threePt" dir="t"/>
+    </dgm:scene3d>
+    <dgm:sp3d/>
+    <dgm:txPr/>
+    <dgm:style>
+      <a:lnRef idx="2">
+        <a:scrgbClr r="0" g="0" b="0"/>
+      </a:lnRef>
+      <a:fillRef idx="1">
+        <a:scrgbClr r="0" g="0" b="0"/>
+      </a:fillRef>
+      <a:effectRef idx="0">
+        <a:scrgbClr r="0" g="0" b="0"/>
+      </a:effectRef>
+      <a:fontRef idx="minor"/>
+    </dgm:style>
+  </dgm:styleLbl>
+  <dgm:styleLbl name="solidAlignAcc1">
+    <dgm:scene3d>
+      <a:camera prst="orthographicFront"/>
+      <a:lightRig rig="threePt" dir="t"/>
+    </dgm:scene3d>
+    <dgm:sp3d/>
+    <dgm:txPr/>
+    <dgm:style>
+      <a:lnRef idx="2">
+        <a:scrgbClr r="0" g="0" b="0"/>
+      </a:lnRef>
+      <a:fillRef idx="1">
+        <a:scrgbClr r="0" g="0" b="0"/>
+      </a:fillRef>
+      <a:effectRef idx="0">
+        <a:scrgbClr r="0" g="0" b="0"/>
+      </a:effectRef>
+      <a:fontRef idx="minor"/>
+    </dgm:style>
+  </dgm:styleLbl>
+  <dgm:styleLbl name="solidBgAcc1">
+    <dgm:scene3d>
+      <a:camera prst="orthographicFront"/>
+      <a:lightRig rig="threePt" dir="t"/>
+    </dgm:scene3d>
+    <dgm:sp3d/>
+    <dgm:txPr/>
+    <dgm:style>
+      <a:lnRef idx="2">
+        <a:scrgbClr r="0" g="0" b="0"/>
+      </a:lnRef>
+      <a:fillRef idx="1">
+        <a:scrgbClr r="0" g="0" b="0"/>
+      </a:fillRef>
+      <a:effectRef idx="0">
+        <a:scrgbClr r="0" g="0" b="0"/>
+      </a:effectRef>
+      <a:fontRef idx="minor"/>
+    </dgm:style>
+  </dgm:styleLbl>
+  <dgm:styleLbl name="fgAccFollowNode1">
+    <dgm:scene3d>
+      <a:camera prst="orthographicFront"/>
+      <a:lightRig rig="threePt" dir="t"/>
+    </dgm:scene3d>
+    <dgm:sp3d/>
+    <dgm:txPr/>
+    <dgm:style>
+      <a:lnRef idx="2">
+        <a:scrgbClr r="0" g="0" b="0"/>
+      </a:lnRef>
+      <a:fillRef idx="1">
+        <a:scrgbClr r="0" g="0" b="0"/>
+      </a:fillRef>
+      <a:effectRef idx="0">
+        <a:scrgbClr r="0" g="0" b="0"/>
+      </a:effectRef>
+      <a:fontRef idx="minor"/>
+    </dgm:style>
+  </dgm:styleLbl>
+  <dgm:styleLbl name="alignAccFollowNode1">
+    <dgm:scene3d>
+      <a:camera prst="orthographicFront"/>
+      <a:lightRig rig="threePt" dir="t"/>
+    </dgm:scene3d>
+    <dgm:sp3d/>
+    <dgm:txPr/>
+    <dgm:style>
+      <a:lnRef idx="2">
+        <a:scrgbClr r="0" g="0" b="0"/>
+      </a:lnRef>
+      <a:fillRef idx="1">
+        <a:scrgbClr r="0" g="0" b="0"/>
+      </a:fillRef>
+      <a:effectRef idx="0">
+        <a:scrgbClr r="0" g="0" b="0"/>
+      </a:effectRef>
+      <a:fontRef idx="minor"/>
+    </dgm:style>
+  </dgm:styleLbl>
+  <dgm:styleLbl name="bgAccFollowNode1">
+    <dgm:scene3d>
+      <a:camera prst="orthographicFront"/>
+      <a:lightRig rig="threePt" dir="t"/>
+    </dgm:scene3d>
+    <dgm:sp3d/>
+    <dgm:txPr/>
+    <dgm:style>
+      <a:lnRef idx="2">
+        <a:scrgbClr r="0" g="0" b="0"/>
+      </a:lnRef>
+      <a:fillRef idx="1">
+        <a:scrgbClr r="0" g="0" b="0"/>
+      </a:fillRef>
+      <a:effectRef idx="0">
+        <a:scrgbClr r="0" g="0" b="0"/>
+      </a:effectRef>
+      <a:fontRef idx="minor"/>
+    </dgm:style>
+  </dgm:styleLbl>
+  <dgm:styleLbl name="fgAcc0">
+    <dgm:scene3d>
+      <a:camera prst="orthographicFront"/>
+      <a:lightRig rig="threePt" dir="t"/>
+    </dgm:scene3d>
+    <dgm:sp3d/>
+    <dgm:txPr/>
+    <dgm:style>
+      <a:lnRef idx="2">
+        <a:scrgbClr r="0" g="0" b="0"/>
+      </a:lnRef>
+      <a:fillRef idx="1">
+        <a:scrgbClr r="0" g="0" b="0"/>
+      </a:fillRef>
+      <a:effectRef idx="0">
+        <a:scrgbClr r="0" g="0" b="0"/>
+      </a:effectRef>
+      <a:fontRef idx="minor"/>
+    </dgm:style>
+  </dgm:styleLbl>
+  <dgm:styleLbl name="fgAcc2">
+    <dgm:scene3d>
+      <a:camera prst="orthographicFront"/>
+      <a:lightRig rig="threePt" dir="t"/>
+    </dgm:scene3d>
+    <dgm:sp3d/>
+    <dgm:txPr/>
+    <dgm:style>
+      <a:lnRef idx="2">
+        <a:scrgbClr r="0" g="0" b="0"/>
+      </a:lnRef>
+      <a:fillRef idx="1">
+        <a:scrgbClr r="0" g="0" b="0"/>
+      </a:fillRef>
+      <a:effectRef idx="0">
+        <a:scrgbClr r="0" g="0" b="0"/>
+      </a:effectRef>
+      <a:fontRef idx="minor"/>
+    </dgm:style>
+  </dgm:styleLbl>
+  <dgm:styleLbl name="fgAcc3">
+    <dgm:scene3d>
+      <a:camera prst="orthographicFront"/>
+      <a:lightRig rig="threePt" dir="t"/>
+    </dgm:scene3d>
+    <dgm:sp3d/>
+    <dgm:txPr/>
+    <dgm:style>
+      <a:lnRef idx="2">
+        <a:scrgbClr r="0" g="0" b="0"/>
+      </a:lnRef>
+      <a:fillRef idx="1">
+        <a:scrgbClr r="0" g="0" b="0"/>
+      </a:fillRef>
+      <a:effectRef idx="0">
+        <a:scrgbClr r="0" g="0" b="0"/>
+      </a:effectRef>
+      <a:fontRef idx="minor"/>
+    </dgm:style>
+  </dgm:styleLbl>
+  <dgm:styleLbl name="fgAcc4">
+    <dgm:scene3d>
+      <a:camera prst="orthographicFront"/>
+      <a:lightRig rig="threePt" dir="t"/>
+    </dgm:scene3d>
+    <dgm:sp3d/>
+    <dgm:txPr/>
+    <dgm:style>
+      <a:lnRef idx="2">
+        <a:scrgbClr r="0" g="0" b="0"/>
+      </a:lnRef>
+      <a:fillRef idx="1">
+        <a:scrgbClr r="0" g="0" b="0"/>
+      </a:fillRef>
+      <a:effectRef idx="0">
+        <a:scrgbClr r="0" g="0" b="0"/>
+      </a:effectRef>
+      <a:fontRef idx="minor"/>
+    </dgm:style>
+  </dgm:styleLbl>
+  <dgm:styleLbl name="bgShp">
+    <dgm:scene3d>
+      <a:camera prst="orthographicFront"/>
+      <a:lightRig rig="threePt" dir="t"/>
+    </dgm:scene3d>
+    <dgm:sp3d/>
+    <dgm:txPr/>
+    <dgm:style>
+      <a:lnRef idx="0">
+        <a:scrgbClr r="0" g="0" b="0"/>
+      </a:lnRef>
+      <a:fillRef idx="1">
+        <a:scrgbClr r="0" g="0" b="0"/>
+      </a:fillRef>
+      <a:effectRef idx="0">
+        <a:scrgbClr r="0" g="0" b="0"/>
+      </a:effectRef>
+      <a:fontRef idx="minor"/>
+    </dgm:style>
+  </dgm:styleLbl>
+  <dgm:styleLbl name="dkBgShp">
+    <dgm:scene3d>
+      <a:camera prst="orthographicFront"/>
+      <a:lightRig rig="threePt" dir="t"/>
+    </dgm:scene3d>
+    <dgm:sp3d/>
+    <dgm:txPr/>
+    <dgm:style>
+      <a:lnRef idx="0">
+        <a:scrgbClr r="0" g="0" b="0"/>
+      </a:lnRef>
+      <a:fillRef idx="1">
+        <a:scrgbClr r="0" g="0" b="0"/>
+      </a:fillRef>
+      <a:effectRef idx="0">
+        <a:scrgbClr r="0" g="0" b="0"/>
+      </a:effectRef>
+      <a:fontRef idx="minor"/>
+    </dgm:style>
+  </dgm:styleLbl>
+  <dgm:styleLbl name="trBgShp">
+    <dgm:scene3d>
+      <a:camera prst="orthographicFront"/>
+      <a:lightRig rig="threePt" dir="t"/>
+    </dgm:scene3d>
+    <dgm:sp3d/>
+    <dgm:txPr/>
+    <dgm:style>
+      <a:lnRef idx="0">
+        <a:scrgbClr r="0" g="0" b="0"/>
+      </a:lnRef>
+      <a:fillRef idx="1">
+        <a:scrgbClr r="0" g="0" b="0"/>
+      </a:fillRef>
+      <a:effectRef idx="0">
+        <a:scrgbClr r="0" g="0" b="0"/>
+      </a:effectRef>
+      <a:fontRef idx="minor"/>
+    </dgm:style>
+  </dgm:styleLbl>
+  <dgm:styleLbl name="fgShp">
+    <dgm:scene3d>
+      <a:camera prst="orthographicFront"/>
+      <a:lightRig rig="threePt" dir="t"/>
+    </dgm:scene3d>
+    <dgm:sp3d/>
+    <dgm:txPr/>
+    <dgm:style>
+      <a:lnRef idx="2">
+        <a:scrgbClr r="0" g="0" b="0"/>
+      </a:lnRef>
+      <a:fillRef idx="1">
+        <a:scrgbClr r="0" g="0" b="0"/>
+      </a:fillRef>
+      <a:effectRef idx="0">
+        <a:scrgbClr r="0" g="0" b="0"/>
+      </a:effectRef>
+      <a:fontRef idx="minor"/>
+    </dgm:style>
+  </dgm:styleLbl>
+  <dgm:styleLbl name="revTx">
+    <dgm:scene3d>
+      <a:camera prst="orthographicFront"/>
+      <a:lightRig rig="threePt" dir="t"/>
+    </dgm:scene3d>
+    <dgm:sp3d/>
+    <dgm:txPr/>
+    <dgm:style>
+      <a:lnRef idx="0">
+        <a:scrgbClr r="0" g="0" b="0"/>
+      </a:lnRef>
+      <a:fillRef idx="0">
+        <a:scrgbClr r="0" g="0" b="0"/>
+      </a:fillRef>
+      <a:effectRef idx="0">
+        <a:scrgbClr r="0" g="0" b="0"/>
+      </a:effectRef>
+      <a:fontRef idx="minor"/>
+    </dgm:style>
+  </dgm:styleLbl>
+</dgm:styleDef>
+</file>
+
 <file path=ppt/notesMasters/notesMaster1.xml><?xml version="1.0" encoding="utf-8"?>
 <p:notesMaster xmlns:a="http://schemas.openxmlformats.org/drawingml/2006/main" xmlns:r="http://schemas.openxmlformats.org/officeDocument/2006/relationships" xmlns:p="http://schemas.openxmlformats.org/presentationml/2006/main">
   <p:cSld>
@@ -2532,123 +4811,40 @@
           <a:lstStyle/>
           <a:p>
             <a:r>
-              <a:rPr lang="zh-CN" altLang="en-US" dirty="0" smtClean="0">
-                <a:latin typeface="楷体" panose="02010609060101010101" pitchFamily="49" charset="-122"/>
-                <a:ea typeface="楷体" panose="02010609060101010101" pitchFamily="49" charset="-122"/>
-              </a:rPr>
-              <a:t>知识图谱本质上是一种语义网络。其节点代表实体（</a:t>
-            </a:r>
-            <a:r>
-              <a:rPr lang="en-US" altLang="zh-CN" dirty="0" smtClean="0">
-                <a:latin typeface="楷体" panose="02010609060101010101" pitchFamily="49" charset="-122"/>
-                <a:ea typeface="楷体" panose="02010609060101010101" pitchFamily="49" charset="-122"/>
-              </a:rPr>
-              <a:t>entity</a:t>
-            </a:r>
-            <a:r>
-              <a:rPr lang="zh-CN" altLang="en-US" dirty="0" smtClean="0">
-                <a:latin typeface="楷体" panose="02010609060101010101" pitchFamily="49" charset="-122"/>
-                <a:ea typeface="楷体" panose="02010609060101010101" pitchFamily="49" charset="-122"/>
-              </a:rPr>
-              <a:t>）或者概念，边代表实体</a:t>
-            </a:r>
-            <a:r>
-              <a:rPr lang="en-US" altLang="zh-CN" dirty="0" smtClean="0">
-                <a:latin typeface="楷体" panose="02010609060101010101" pitchFamily="49" charset="-122"/>
-                <a:ea typeface="楷体" panose="02010609060101010101" pitchFamily="49" charset="-122"/>
-              </a:rPr>
-              <a:t>/</a:t>
-            </a:r>
-            <a:r>
-              <a:rPr lang="zh-CN" altLang="en-US" dirty="0" smtClean="0">
-                <a:latin typeface="楷体" panose="02010609060101010101" pitchFamily="49" charset="-122"/>
-                <a:ea typeface="楷体" panose="02010609060101010101" pitchFamily="49" charset="-122"/>
-              </a:rPr>
-              <a:t>概念之间</a:t>
-            </a:r>
-            <a:endParaRPr lang="en-US" altLang="zh-CN" dirty="0" smtClean="0">
-              <a:latin typeface="楷体" panose="02010609060101010101" pitchFamily="49" charset="-122"/>
-              <a:ea typeface="楷体" panose="02010609060101010101" pitchFamily="49" charset="-122"/>
+              <a:rPr lang="zh-CN" altLang="en-US" sz="1200" b="0" i="0" kern="1200" dirty="0" smtClean="0">
+                <a:solidFill>
+                  <a:schemeClr val="tx1"/>
+                </a:solidFill>
+                <a:effectLst/>
+                <a:latin typeface="+mn-lt"/>
+                <a:ea typeface="+mn-ea"/>
+                <a:cs typeface="+mn-cs"/>
+              </a:rPr>
+              <a:t>知识图谱本质上是一种语义网络。其节点代表实体，边代表实体之间的各种语义关系。</a:t>
+            </a:r>
+          </a:p>
+          <a:p>
+            <a:r>
+              <a:rPr lang="zh-CN" altLang="en-US" sz="1200" b="0" i="0" kern="1200" dirty="0" smtClean="0">
+                <a:solidFill>
+                  <a:schemeClr val="tx1"/>
+                </a:solidFill>
+                <a:effectLst/>
+                <a:latin typeface="+mn-lt"/>
+                <a:ea typeface="+mn-ea"/>
+                <a:cs typeface="+mn-cs"/>
+              </a:rPr>
+              <a:t>知识图谱是由一条条知识组成。每个知识为主谓宾三元组 或者也可以称为实体 关系 实体三元组。</a:t>
+            </a:r>
+            <a:endParaRPr lang="zh-CN" altLang="en-US" sz="1200" b="0" i="0" kern="1200" dirty="0">
+              <a:solidFill>
+                <a:schemeClr val="tx1"/>
+              </a:solidFill>
+              <a:effectLst/>
+              <a:latin typeface="+mn-lt"/>
+              <a:ea typeface="+mn-ea"/>
+              <a:cs typeface="+mn-cs"/>
             </a:endParaRPr>
-          </a:p>
-          <a:p>
-            <a:r>
-              <a:rPr lang="zh-CN" altLang="en-US" dirty="0" smtClean="0">
-                <a:latin typeface="楷体" panose="02010609060101010101" pitchFamily="49" charset="-122"/>
-                <a:ea typeface="楷体" panose="02010609060101010101" pitchFamily="49" charset="-122"/>
-              </a:rPr>
-              <a:t>的各种语义关系。</a:t>
-            </a:r>
-            <a:endParaRPr lang="en-US" altLang="zh-CN" dirty="0" smtClean="0">
-              <a:latin typeface="楷体" panose="02010609060101010101" pitchFamily="49" charset="-122"/>
-              <a:ea typeface="楷体" panose="02010609060101010101" pitchFamily="49" charset="-122"/>
-            </a:endParaRPr>
-          </a:p>
-          <a:p>
-            <a:r>
-              <a:rPr lang="zh-CN" altLang="en-US" dirty="0" smtClean="0">
-                <a:latin typeface="楷体" panose="02010609060101010101" pitchFamily="49" charset="-122"/>
-                <a:ea typeface="楷体" panose="02010609060101010101" pitchFamily="49" charset="-122"/>
-              </a:rPr>
-              <a:t>知识图谱是一条条知识组成</a:t>
-            </a:r>
-            <a:r>
-              <a:rPr lang="zh-CN" altLang="en-US" baseline="0" dirty="0" smtClean="0">
-                <a:latin typeface="楷体" panose="02010609060101010101" pitchFamily="49" charset="-122"/>
-                <a:ea typeface="楷体" panose="02010609060101010101" pitchFamily="49" charset="-122"/>
-              </a:rPr>
-              <a:t> 每个知识为</a:t>
-            </a:r>
-            <a:r>
-              <a:rPr lang="en-US" altLang="zh-CN" baseline="0" dirty="0" smtClean="0">
-                <a:latin typeface="楷体" panose="02010609060101010101" pitchFamily="49" charset="-122"/>
-                <a:ea typeface="楷体" panose="02010609060101010101" pitchFamily="49" charset="-122"/>
-              </a:rPr>
-              <a:t>SPO</a:t>
-            </a:r>
-            <a:r>
-              <a:rPr lang="zh-CN" altLang="en-US" baseline="0" dirty="0" smtClean="0">
-                <a:latin typeface="楷体" panose="02010609060101010101" pitchFamily="49" charset="-122"/>
-                <a:ea typeface="楷体" panose="02010609060101010101" pitchFamily="49" charset="-122"/>
-              </a:rPr>
-              <a:t>三元组（</a:t>
-            </a:r>
-            <a:r>
-              <a:rPr lang="en-US" altLang="zh-CN" baseline="0" dirty="0" smtClean="0">
-                <a:latin typeface="楷体" panose="02010609060101010101" pitchFamily="49" charset="-122"/>
-                <a:ea typeface="楷体" panose="02010609060101010101" pitchFamily="49" charset="-122"/>
-              </a:rPr>
-              <a:t>Subject,  </a:t>
-            </a:r>
-            <a:r>
-              <a:rPr lang="en-US" altLang="zh-CN" baseline="0" dirty="0" err="1" smtClean="0">
-                <a:latin typeface="楷体" panose="02010609060101010101" pitchFamily="49" charset="-122"/>
-                <a:ea typeface="楷体" panose="02010609060101010101" pitchFamily="49" charset="-122"/>
-              </a:rPr>
-              <a:t>Precidate</a:t>
-            </a:r>
-            <a:r>
-              <a:rPr lang="en-US" altLang="zh-CN" baseline="0" dirty="0" smtClean="0">
-                <a:latin typeface="楷体" panose="02010609060101010101" pitchFamily="49" charset="-122"/>
-                <a:ea typeface="楷体" panose="02010609060101010101" pitchFamily="49" charset="-122"/>
-              </a:rPr>
-              <a:t>, Object</a:t>
-            </a:r>
-            <a:r>
-              <a:rPr lang="zh-CN" altLang="en-US" baseline="0" dirty="0" smtClean="0">
-                <a:latin typeface="楷体" panose="02010609060101010101" pitchFamily="49" charset="-122"/>
-                <a:ea typeface="楷体" panose="02010609060101010101" pitchFamily="49" charset="-122"/>
-              </a:rPr>
-              <a:t>）</a:t>
-            </a:r>
-            <a:r>
-              <a:rPr lang="zh-CN" altLang="en-US" dirty="0" smtClean="0"/>
-              <a:t/>
-            </a:r>
-            <a:br>
-              <a:rPr lang="zh-CN" altLang="en-US" dirty="0" smtClean="0"/>
-            </a:br>
-            <a:endParaRPr lang="zh-CN" altLang="en-US" dirty="0"/>
           </a:p>
         </p:txBody>
       </p:sp>
@@ -2732,140 +4928,6 @@
           <a:bodyPr/>
           <a:lstStyle/>
           <a:p>
-            <a:r>
-              <a:rPr lang="zh-CN" altLang="en-US" dirty="0" smtClean="0"/>
-              <a:t>在知识图谱中，我们用</a:t>
-            </a:r>
-            <a:r>
-              <a:rPr lang="en-US" altLang="zh-CN" dirty="0" smtClean="0"/>
-              <a:t>RDF</a:t>
-            </a:r>
-            <a:r>
-              <a:rPr lang="zh-CN" altLang="en-US" dirty="0" smtClean="0"/>
-              <a:t>来表示这种（主谓宾）三元关系。</a:t>
-            </a:r>
-            <a:endParaRPr lang="en-US" altLang="zh-CN" dirty="0" smtClean="0"/>
-          </a:p>
-          <a:p>
-            <a:r>
-              <a:rPr lang="en-US" altLang="zh-CN" sz="1200" b="0" i="0" kern="1200" dirty="0" smtClean="0">
-                <a:solidFill>
-                  <a:schemeClr val="tx1"/>
-                </a:solidFill>
-                <a:effectLst/>
-                <a:latin typeface="+mn-lt"/>
-                <a:ea typeface="+mn-ea"/>
-                <a:cs typeface="+mn-cs"/>
-              </a:rPr>
-              <a:t>IRI</a:t>
-            </a:r>
-            <a:r>
-              <a:rPr lang="zh-CN" altLang="en-US" sz="1200" b="0" i="0" kern="1200" dirty="0" smtClean="0">
-                <a:solidFill>
-                  <a:schemeClr val="tx1"/>
-                </a:solidFill>
-                <a:effectLst/>
-                <a:latin typeface="+mn-lt"/>
-                <a:ea typeface="+mn-ea"/>
-                <a:cs typeface="+mn-cs"/>
-              </a:rPr>
-              <a:t>我们可以看做是</a:t>
-            </a:r>
-            <a:r>
-              <a:rPr lang="en-US" altLang="zh-CN" sz="1200" b="0" i="0" kern="1200" dirty="0" smtClean="0">
-                <a:solidFill>
-                  <a:schemeClr val="tx1"/>
-                </a:solidFill>
-                <a:effectLst/>
-                <a:latin typeface="+mn-lt"/>
-                <a:ea typeface="+mn-ea"/>
-                <a:cs typeface="+mn-cs"/>
-              </a:rPr>
-              <a:t>URI</a:t>
-            </a:r>
-            <a:r>
-              <a:rPr lang="zh-CN" altLang="en-US" sz="1200" b="0" i="0" kern="1200" dirty="0" smtClean="0">
-                <a:solidFill>
-                  <a:schemeClr val="tx1"/>
-                </a:solidFill>
-                <a:effectLst/>
-                <a:latin typeface="+mn-lt"/>
-                <a:ea typeface="+mn-ea"/>
-                <a:cs typeface="+mn-cs"/>
-              </a:rPr>
-              <a:t>或者</a:t>
-            </a:r>
-            <a:r>
-              <a:rPr lang="en-US" altLang="zh-CN" sz="1200" b="0" i="0" kern="1200" dirty="0" smtClean="0">
-                <a:solidFill>
-                  <a:schemeClr val="tx1"/>
-                </a:solidFill>
-                <a:effectLst/>
-                <a:latin typeface="+mn-lt"/>
-                <a:ea typeface="+mn-ea"/>
-                <a:cs typeface="+mn-cs"/>
-              </a:rPr>
-              <a:t>URL</a:t>
-            </a:r>
-            <a:r>
-              <a:rPr lang="zh-CN" altLang="en-US" sz="1200" b="0" i="0" kern="1200" dirty="0" smtClean="0">
-                <a:solidFill>
-                  <a:schemeClr val="tx1"/>
-                </a:solidFill>
-                <a:effectLst/>
-                <a:latin typeface="+mn-lt"/>
-                <a:ea typeface="+mn-ea"/>
-                <a:cs typeface="+mn-cs"/>
-              </a:rPr>
-              <a:t>的泛化和推广，意思就是在互联网上，每个</a:t>
-            </a:r>
-            <a:r>
-              <a:rPr lang="en-US" altLang="zh-CN" sz="1200" b="0" i="0" kern="1200" dirty="0" smtClean="0">
-                <a:solidFill>
-                  <a:schemeClr val="tx1"/>
-                </a:solidFill>
-                <a:effectLst/>
-                <a:latin typeface="+mn-lt"/>
-                <a:ea typeface="+mn-ea"/>
-                <a:cs typeface="+mn-cs"/>
-              </a:rPr>
-              <a:t>IRI</a:t>
-            </a:r>
-            <a:r>
-              <a:rPr lang="zh-CN" altLang="en-US" sz="1200" b="0" i="0" kern="1200" dirty="0" smtClean="0">
-                <a:solidFill>
-                  <a:schemeClr val="tx1"/>
-                </a:solidFill>
-                <a:effectLst/>
-                <a:latin typeface="+mn-lt"/>
-                <a:ea typeface="+mn-ea"/>
-                <a:cs typeface="+mn-cs"/>
-              </a:rPr>
-              <a:t>标识唯一的资源</a:t>
-            </a:r>
-            <a:endParaRPr lang="en-US" altLang="zh-CN" sz="1200" b="0" i="0" kern="1200" dirty="0" smtClean="0">
-              <a:solidFill>
-                <a:schemeClr val="tx1"/>
-              </a:solidFill>
-              <a:effectLst/>
-              <a:latin typeface="+mn-lt"/>
-              <a:ea typeface="+mn-ea"/>
-              <a:cs typeface="+mn-cs"/>
-            </a:endParaRPr>
-          </a:p>
-          <a:p>
-            <a:r>
-              <a:rPr lang="zh-CN" altLang="en-US" sz="1200" b="0" i="0" kern="1200" dirty="0" smtClean="0">
-                <a:solidFill>
-                  <a:schemeClr val="tx1"/>
-                </a:solidFill>
-                <a:effectLst/>
-                <a:latin typeface="+mn-lt"/>
-                <a:ea typeface="+mn-ea"/>
-                <a:cs typeface="+mn-cs"/>
-              </a:rPr>
-              <a:t>类似于我们的身份证号</a:t>
-            </a:r>
             <a:endParaRPr lang="zh-CN" altLang="en-US" dirty="0"/>
           </a:p>
         </p:txBody>
@@ -3476,31 +5538,7 @@
                 <a:ea typeface="+mn-ea"/>
                 <a:cs typeface="+mn-cs"/>
               </a:rPr>
-              <a:t>紧凑，并且可读性比</a:t>
-            </a:r>
-            <a:r>
-              <a:rPr lang="en-US" altLang="zh-CN" sz="1200" b="0" i="0" kern="1200" dirty="0" smtClean="0">
-                <a:solidFill>
-                  <a:schemeClr val="tx1"/>
-                </a:solidFill>
-                <a:effectLst/>
-                <a:latin typeface="+mn-lt"/>
-                <a:ea typeface="+mn-ea"/>
-                <a:cs typeface="+mn-cs"/>
-              </a:rPr>
-              <a:t>N-Triple</a:t>
-            </a:r>
-            <a:r>
-              <a:rPr lang="zh-CN" altLang="en-US" sz="1200" b="0" i="0" kern="1200" dirty="0" smtClean="0">
-                <a:solidFill>
-                  <a:schemeClr val="tx1"/>
-                </a:solidFill>
-                <a:effectLst/>
-                <a:latin typeface="+mn-lt"/>
-                <a:ea typeface="+mn-ea"/>
-                <a:cs typeface="+mn-cs"/>
-              </a:rPr>
-              <a:t>要好一些。</a:t>
+              <a:t>紧凑，并且可读性比较好。</a:t>
             </a:r>
             <a:endParaRPr lang="zh-CN" altLang="en-US" dirty="0"/>
           </a:p>
@@ -6460,14 +8498,7 @@
                 <a:latin typeface="Times New Roman" panose="02020603050405020304" pitchFamily="18" charset="0"/>
                 <a:ea typeface="楷体" panose="02010609060101010101" pitchFamily="49" charset="-122"/>
               </a:rPr>
-              <a:t>周</a:t>
-            </a:r>
-            <a:r>
-              <a:rPr lang="zh-CN" altLang="en-US" sz="3200" dirty="0" smtClean="0">
-                <a:latin typeface="Times New Roman" panose="02020603050405020304" pitchFamily="18" charset="0"/>
-                <a:ea typeface="楷体" panose="02010609060101010101" pitchFamily="49" charset="-122"/>
-              </a:rPr>
-              <a:t>宇</a:t>
+              <a:t>周宇</a:t>
             </a:r>
             <a:endParaRPr lang="en-US" altLang="zh-CN" sz="3200" dirty="0" smtClean="0">
               <a:latin typeface="Times New Roman" panose="02020603050405020304" pitchFamily="18" charset="0"/>
@@ -6480,35 +8511,7 @@
                 <a:latin typeface="Times New Roman" panose="02020603050405020304" pitchFamily="18" charset="0"/>
                 <a:ea typeface="楷体" panose="02010609060101010101" pitchFamily="49" charset="-122"/>
               </a:rPr>
-              <a:t>2018</a:t>
-            </a:r>
-            <a:r>
-              <a:rPr lang="en-US" altLang="zh-CN" sz="3600" dirty="0" smtClean="0">
-                <a:latin typeface="Times New Roman" panose="02020603050405020304" pitchFamily="18" charset="0"/>
-                <a:ea typeface="楷体" panose="02010609060101010101" pitchFamily="49" charset="-122"/>
-              </a:rPr>
-              <a:t>.</a:t>
-            </a:r>
-            <a:r>
-              <a:rPr lang="en-US" altLang="zh-CN" sz="3600" dirty="0" smtClean="0">
-                <a:latin typeface="Times New Roman" panose="02020603050405020304" pitchFamily="18" charset="0"/>
-                <a:ea typeface="楷体" panose="02010609060101010101" pitchFamily="49" charset="-122"/>
-              </a:rPr>
-              <a:t>12</a:t>
-            </a:r>
-            <a:r>
-              <a:rPr lang="en-US" altLang="zh-CN" sz="3600" dirty="0" smtClean="0">
-                <a:latin typeface="Times New Roman" panose="02020603050405020304" pitchFamily="18" charset="0"/>
-                <a:ea typeface="楷体" panose="02010609060101010101" pitchFamily="49" charset="-122"/>
-              </a:rPr>
-              <a:t>.</a:t>
-            </a:r>
-            <a:r>
-              <a:rPr lang="en-US" altLang="zh-CN" sz="3600" dirty="0" smtClean="0">
-                <a:latin typeface="Times New Roman" panose="02020603050405020304" pitchFamily="18" charset="0"/>
-                <a:ea typeface="楷体" panose="02010609060101010101" pitchFamily="49" charset="-122"/>
-              </a:rPr>
-              <a:t>5</a:t>
+              <a:t>2018.12.5</a:t>
             </a:r>
             <a:endParaRPr lang="zh-CN" altLang="en-US" sz="3600" dirty="0">
               <a:latin typeface="Times New Roman" panose="02020603050405020304" pitchFamily="18" charset="0"/>
@@ -17103,7 +19106,7 @@
           <a:graphicData uri="http://schemas.openxmlformats.org/presentationml/2006/ole">
             <mc:AlternateContent xmlns:mc="http://schemas.openxmlformats.org/markup-compatibility/2006">
               <mc:Choice xmlns:v="urn:schemas-microsoft-com:vml" Requires="v">
-                <p:oleObj spid="_x0000_s2053" name="Equation" r:id="rId4" imgW="4356000" imgH="203040" progId="Equation.DSMT4">
+                <p:oleObj spid="_x0000_s2059" name="Equation" r:id="rId4" imgW="4356000" imgH="203040" progId="Equation.DSMT4">
                   <p:embed/>
                 </p:oleObj>
               </mc:Choice>
@@ -17160,7 +19163,7 @@
           <a:graphicData uri="http://schemas.openxmlformats.org/presentationml/2006/ole">
             <mc:AlternateContent xmlns:mc="http://schemas.openxmlformats.org/markup-compatibility/2006">
               <mc:Choice xmlns:v="urn:schemas-microsoft-com:vml" Requires="v">
-                <p:oleObj spid="_x0000_s2054" name="Equation" r:id="rId6" imgW="3860640" imgH="203040" progId="Equation.DSMT4">
+                <p:oleObj spid="_x0000_s2060" name="Equation" r:id="rId6" imgW="3860640" imgH="203040" progId="Equation.DSMT4">
                   <p:embed/>
                 </p:oleObj>
               </mc:Choice>
@@ -18376,7 +20379,7 @@
         </p:nvSpPr>
         <p:spPr>
           <a:xfrm>
-            <a:off x="366646" y="2220964"/>
+            <a:off x="112722" y="1306564"/>
             <a:ext cx="6597446" cy="2246769"/>
           </a:xfrm>
           <a:prstGeom prst="rect">
@@ -18555,13 +20558,13 @@
           <p:nvPr>
             <p:extLst>
               <p:ext uri="{D42A27DB-BD31-4B8C-83A1-F6EECF244321}">
-                <p14:modId xmlns:p14="http://schemas.microsoft.com/office/powerpoint/2010/main" val="1106258341"/>
+                <p14:modId xmlns:p14="http://schemas.microsoft.com/office/powerpoint/2010/main" val="4231337140"/>
               </p:ext>
             </p:extLst>
           </p:nvPr>
         </p:nvGraphicFramePr>
         <p:xfrm>
-          <a:off x="485365" y="5181413"/>
+          <a:off x="112722" y="5895093"/>
           <a:ext cx="5852160" cy="741680"/>
         </p:xfrm>
         <a:graphic>
@@ -18673,6 +20676,28 @@
           </a:graphicData>
         </a:graphic>
       </p:graphicFrame>
+      <p:graphicFrame>
+        <p:nvGraphicFramePr>
+          <p:cNvPr id="8" name="图示 7"/>
+          <p:cNvGraphicFramePr/>
+          <p:nvPr>
+            <p:extLst>
+              <p:ext uri="{D42A27DB-BD31-4B8C-83A1-F6EECF244321}">
+                <p14:modId xmlns:p14="http://schemas.microsoft.com/office/powerpoint/2010/main" val="3156031599"/>
+              </p:ext>
+            </p:extLst>
+          </p:nvPr>
+        </p:nvGraphicFramePr>
+        <p:xfrm>
+          <a:off x="224803" y="3958389"/>
+          <a:ext cx="3504986" cy="1347537"/>
+        </p:xfrm>
+        <a:graphic>
+          <a:graphicData uri="http://schemas.openxmlformats.org/drawingml/2006/diagram">
+            <dgm:relIds xmlns:dgm="http://schemas.openxmlformats.org/drawingml/2006/diagram" xmlns:r="http://schemas.openxmlformats.org/officeDocument/2006/relationships" r:dm="rId4" r:lo="rId5" r:qs="rId6" r:cs="rId7"/>
+          </a:graphicData>
+        </a:graphic>
+      </p:graphicFrame>
     </p:spTree>
     <p:extLst>
       <p:ext uri="{BB962C8B-B14F-4D97-AF65-F5344CB8AC3E}">
@@ -18959,7 +20984,7 @@
         </p:blipFill>
         <p:spPr>
           <a:xfrm>
-            <a:off x="3545073" y="-156411"/>
+            <a:off x="4010062" y="-188496"/>
             <a:ext cx="8181938" cy="6858000"/>
           </a:xfrm>
           <a:prstGeom prst="rect">
@@ -19048,6 +21073,64 @@
           </a:p>
         </p:txBody>
       </p:sp>
+      <p:sp>
+        <p:nvSpPr>
+          <p:cNvPr id="4" name="文本框 3"/>
+          <p:cNvSpPr txBox="1"/>
+          <p:nvPr/>
+        </p:nvSpPr>
+        <p:spPr>
+          <a:xfrm>
+            <a:off x="0" y="3529047"/>
+            <a:ext cx="6816330" cy="477054"/>
+          </a:xfrm>
+          <a:prstGeom prst="rect">
+            <a:avLst/>
+          </a:prstGeom>
+          <a:noFill/>
+        </p:spPr>
+        <p:txBody>
+          <a:bodyPr wrap="square" rtlCol="0">
+            <a:spAutoFit/>
+          </a:bodyPr>
+          <a:lstStyle/>
+          <a:p>
+            <a:r>
+              <a:rPr lang="en-US" altLang="zh-CN" sz="2500" b="1" dirty="0" err="1">
+                <a:latin typeface="Times New Roman" panose="02020603050405020304" pitchFamily="18" charset="0"/>
+              </a:rPr>
+              <a:t>i</a:t>
+            </a:r>
+            <a:r>
+              <a:rPr lang="en-US" altLang="zh-CN" sz="2500" b="1" dirty="0" err="1" smtClean="0">
+                <a:latin typeface="Times New Roman" panose="02020603050405020304" pitchFamily="18" charset="0"/>
+              </a:rPr>
+              <a:t>nfo:age</a:t>
+            </a:r>
+            <a:r>
+              <a:rPr lang="en-US" altLang="zh-CN" sz="2500" b="1" dirty="0" smtClean="0">
+                <a:latin typeface="Times New Roman" panose="02020603050405020304" pitchFamily="18" charset="0"/>
+              </a:rPr>
+              <a:t> </a:t>
+            </a:r>
+            <a:r>
+              <a:rPr lang="en-US" altLang="zh-CN" sz="2500" dirty="0" smtClean="0">
+                <a:latin typeface="Times New Roman" panose="02020603050405020304" pitchFamily="18" charset="0"/>
+              </a:rPr>
+              <a:t> ==   </a:t>
+            </a:r>
+            <a:r>
+              <a:rPr lang="en-US" altLang="zh-CN" sz="2500" b="1" dirty="0" smtClean="0">
+                <a:latin typeface="Times New Roman" panose="02020603050405020304" pitchFamily="18" charset="0"/>
+              </a:rPr>
+              <a:t>&lt;http://zy.example.com/info#age&gt;</a:t>
+            </a:r>
+            <a:endParaRPr lang="zh-CN" altLang="en-US" sz="2500" b="1" dirty="0">
+              <a:latin typeface="Times New Roman" panose="02020603050405020304" pitchFamily="18" charset="0"/>
+            </a:endParaRPr>
+          </a:p>
+        </p:txBody>
+      </p:sp>
     </p:spTree>
     <p:extLst>
       <p:ext uri="{BB962C8B-B14F-4D97-AF65-F5344CB8AC3E}">
@@ -19061,9 +21144,134 @@
   <p:timing>
     <p:tnLst>
       <p:par>
-        <p:cTn id="1" dur="indefinite" restart="never" nodeType="tmRoot"/>
+        <p:cTn id="1" dur="indefinite" restart="never" nodeType="tmRoot">
+          <p:childTnLst>
+            <p:seq concurrent="1" nextAc="seek">
+              <p:cTn id="2" dur="indefinite" nodeType="mainSeq">
+                <p:childTnLst>
+                  <p:par>
+                    <p:cTn id="3" fill="hold">
+                      <p:stCondLst>
+                        <p:cond delay="indefinite"/>
+                      </p:stCondLst>
+                      <p:childTnLst>
+                        <p:par>
+                          <p:cTn id="4" fill="hold">
+                            <p:stCondLst>
+                              <p:cond delay="0"/>
+                            </p:stCondLst>
+                            <p:childTnLst>
+                              <p:par>
+                                <p:cTn id="5" presetID="42" presetClass="entr" presetSubtype="0" fill="hold" grpId="0" nodeType="clickEffect">
+                                  <p:stCondLst>
+                                    <p:cond delay="0"/>
+                                  </p:stCondLst>
+                                  <p:childTnLst>
+                                    <p:set>
+                                      <p:cBhvr>
+                                        <p:cTn id="6" dur="1" fill="hold">
+                                          <p:stCondLst>
+                                            <p:cond delay="0"/>
+                                          </p:stCondLst>
+                                        </p:cTn>
+                                        <p:tgtEl>
+                                          <p:spTgt spid="4"/>
+                                        </p:tgtEl>
+                                        <p:attrNameLst>
+                                          <p:attrName>style.visibility</p:attrName>
+                                        </p:attrNameLst>
+                                      </p:cBhvr>
+                                      <p:to>
+                                        <p:strVal val="visible"/>
+                                      </p:to>
+                                    </p:set>
+                                    <p:animEffect transition="in" filter="fade">
+                                      <p:cBhvr>
+                                        <p:cTn id="7" dur="500"/>
+                                        <p:tgtEl>
+                                          <p:spTgt spid="4"/>
+                                        </p:tgtEl>
+                                      </p:cBhvr>
+                                    </p:animEffect>
+                                    <p:anim calcmode="lin" valueType="num">
+                                      <p:cBhvr>
+                                        <p:cTn id="8" dur="500" fill="hold"/>
+                                        <p:tgtEl>
+                                          <p:spTgt spid="4"/>
+                                        </p:tgtEl>
+                                        <p:attrNameLst>
+                                          <p:attrName>ppt_x</p:attrName>
+                                        </p:attrNameLst>
+                                      </p:cBhvr>
+                                      <p:tavLst>
+                                        <p:tav tm="0">
+                                          <p:val>
+                                            <p:strVal val="#ppt_x"/>
+                                          </p:val>
+                                        </p:tav>
+                                        <p:tav tm="100000">
+                                          <p:val>
+                                            <p:strVal val="#ppt_x"/>
+                                          </p:val>
+                                        </p:tav>
+                                      </p:tavLst>
+                                    </p:anim>
+                                    <p:anim calcmode="lin" valueType="num">
+                                      <p:cBhvr>
+                                        <p:cTn id="9" dur="500" fill="hold"/>
+                                        <p:tgtEl>
+                                          <p:spTgt spid="4"/>
+                                        </p:tgtEl>
+                                        <p:attrNameLst>
+                                          <p:attrName>ppt_y</p:attrName>
+                                        </p:attrNameLst>
+                                      </p:cBhvr>
+                                      <p:tavLst>
+                                        <p:tav tm="0">
+                                          <p:val>
+                                            <p:strVal val="#ppt_y+.1"/>
+                                          </p:val>
+                                        </p:tav>
+                                        <p:tav tm="100000">
+                                          <p:val>
+                                            <p:strVal val="#ppt_y"/>
+                                          </p:val>
+                                        </p:tav>
+                                      </p:tavLst>
+                                    </p:anim>
+                                  </p:childTnLst>
+                                </p:cTn>
+                              </p:par>
+                            </p:childTnLst>
+                          </p:cTn>
+                        </p:par>
+                      </p:childTnLst>
+                    </p:cTn>
+                  </p:par>
+                </p:childTnLst>
+              </p:cTn>
+              <p:prevCondLst>
+                <p:cond evt="onPrev" delay="0">
+                  <p:tgtEl>
+                    <p:sldTgt/>
+                  </p:tgtEl>
+                </p:cond>
+              </p:prevCondLst>
+              <p:nextCondLst>
+                <p:cond evt="onNext" delay="0">
+                  <p:tgtEl>
+                    <p:sldTgt/>
+                  </p:tgtEl>
+                </p:cond>
+              </p:nextCondLst>
+            </p:seq>
+          </p:childTnLst>
+        </p:cTn>
       </p:par>
     </p:tnLst>
+    <p:bldLst>
+      <p:bldP spid="4" grpId="0"/>
+    </p:bldLst>
   </p:timing>
 </p:sld>
 </file>

--- a/知识图谱存储与查询/知识图谱的查询与存储.pptx
+++ b/知识图谱存储与查询/知识图谱的查询与存储.pptx
@@ -5,7 +5,7 @@
     <p:sldMasterId id="2147483648" r:id="rId1"/>
   </p:sldMasterIdLst>
   <p:notesMasterIdLst>
-    <p:notesMasterId r:id="rId35"/>
+    <p:notesMasterId r:id="rId34"/>
   </p:notesMasterIdLst>
   <p:sldIdLst>
     <p:sldId id="256" r:id="rId2"/>
@@ -33,14 +33,13 @@
     <p:sldId id="278" r:id="rId24"/>
     <p:sldId id="279" r:id="rId25"/>
     <p:sldId id="285" r:id="rId26"/>
-    <p:sldId id="280" r:id="rId27"/>
-    <p:sldId id="281" r:id="rId28"/>
-    <p:sldId id="282" r:id="rId29"/>
-    <p:sldId id="283" r:id="rId30"/>
-    <p:sldId id="287" r:id="rId31"/>
-    <p:sldId id="288" r:id="rId32"/>
-    <p:sldId id="289" r:id="rId33"/>
-    <p:sldId id="284" r:id="rId34"/>
+    <p:sldId id="281" r:id="rId27"/>
+    <p:sldId id="282" r:id="rId28"/>
+    <p:sldId id="283" r:id="rId29"/>
+    <p:sldId id="287" r:id="rId30"/>
+    <p:sldId id="288" r:id="rId31"/>
+    <p:sldId id="289" r:id="rId32"/>
+    <p:sldId id="284" r:id="rId33"/>
   </p:sldIdLst>
   <p:sldSz cx="12192000" cy="6858000"/>
   <p:notesSz cx="6858000" cy="9144000"/>
@@ -1041,8 +1040,8 @@
     <dgm:cxn modelId="{3C08904C-9639-46F7-B1BE-767BE8ADB04B}" srcId="{F6557A3C-36B9-4DD6-9586-FF65E53670E1}" destId="{125E6CDD-4932-40B3-A7F4-A7E3070CC6FD}" srcOrd="1" destOrd="0" parTransId="{460E10E3-D461-425B-939C-789DC379582C}" sibTransId="{A1838544-53A2-46B7-9A47-E01CD89B95BB}"/>
     <dgm:cxn modelId="{FA85509E-9462-4C75-9257-074CBD1B172A}" type="presOf" srcId="{125E6CDD-4932-40B3-A7F4-A7E3070CC6FD}" destId="{D1835198-3AA6-4839-B670-AA8EB56A7241}" srcOrd="0" destOrd="0" presId="urn:microsoft.com/office/officeart/2005/8/layout/vList2"/>
     <dgm:cxn modelId="{FC6370C0-6F16-4C72-9576-BB13CD9BDA14}" srcId="{F6557A3C-36B9-4DD6-9586-FF65E53670E1}" destId="{3A66EEEC-A138-4F50-9E0C-6E2F3168EFC8}" srcOrd="0" destOrd="0" parTransId="{E9AD3A10-6AE4-42C3-9193-C8E5477D81FF}" sibTransId="{0910B0A5-F123-4FE6-9960-980FF72CC093}"/>
+    <dgm:cxn modelId="{5CEAE672-DE95-4F81-B42E-3FDFC1EDDDE3}" type="presOf" srcId="{F6557A3C-36B9-4DD6-9586-FF65E53670E1}" destId="{2A87C9A5-9165-481C-8128-486AF0B7E510}" srcOrd="0" destOrd="0" presId="urn:microsoft.com/office/officeart/2005/8/layout/vList2"/>
     <dgm:cxn modelId="{9A6AAE2A-CC1C-41F1-BA8C-B2A035A29A6E}" type="presOf" srcId="{3A66EEEC-A138-4F50-9E0C-6E2F3168EFC8}" destId="{CB022C8E-0941-4DF9-9E18-8DD6FE12F5B8}" srcOrd="0" destOrd="0" presId="urn:microsoft.com/office/officeart/2005/8/layout/vList2"/>
-    <dgm:cxn modelId="{5CEAE672-DE95-4F81-B42E-3FDFC1EDDDE3}" type="presOf" srcId="{F6557A3C-36B9-4DD6-9586-FF65E53670E1}" destId="{2A87C9A5-9165-481C-8128-486AF0B7E510}" srcOrd="0" destOrd="0" presId="urn:microsoft.com/office/officeart/2005/8/layout/vList2"/>
     <dgm:cxn modelId="{889610CF-EB69-45D4-8405-45FF1014EFF0}" type="presParOf" srcId="{2A87C9A5-9165-481C-8128-486AF0B7E510}" destId="{CB022C8E-0941-4DF9-9E18-8DD6FE12F5B8}" srcOrd="0" destOrd="0" presId="urn:microsoft.com/office/officeart/2005/8/layout/vList2"/>
     <dgm:cxn modelId="{F0D7A861-95C3-4C9A-9EAD-FADC2770AD57}" type="presParOf" srcId="{2A87C9A5-9165-481C-8128-486AF0B7E510}" destId="{0029A2E0-8CC0-4788-94BC-EBFBC31BAB9E}" srcOrd="1" destOrd="0" presId="urn:microsoft.com/office/officeart/2005/8/layout/vList2"/>
     <dgm:cxn modelId="{899E30A5-C5C6-4EB9-AA8C-59E3A08BF13F}" type="presParOf" srcId="{2A87C9A5-9165-481C-8128-486AF0B7E510}" destId="{D1835198-3AA6-4839-B670-AA8EB56A7241}" srcOrd="2" destOrd="0" presId="urn:microsoft.com/office/officeart/2005/8/layout/vList2"/>
@@ -2508,7 +2507,7 @@
           <a:p>
             <a:fld id="{D8338CEC-2FB8-4ECC-9513-BA91313A9ADD}" type="datetimeFigureOut">
               <a:rPr lang="zh-CN" altLang="en-US" smtClean="0"/>
-              <a:t>2018/12/4</a:t>
+              <a:t>2018/12/5</a:t>
             </a:fld>
             <a:endParaRPr lang="zh-CN" altLang="en-US"/>
           </a:p>
@@ -3286,34 +3285,124 @@
           <a:lstStyle/>
           <a:p>
             <a:r>
+              <a:rPr lang="en-US" altLang="zh-CN" dirty="0" err="1" smtClean="0"/>
+              <a:t>SparkQL</a:t>
+            </a:r>
+            <a:r>
               <a:rPr lang="zh-CN" altLang="en-US" dirty="0" smtClean="0"/>
-              <a:t>维护一张巨大的三元组表来管理</a:t>
+              <a:t>同样也支持过滤查询。</a:t>
+            </a:r>
+            <a:endParaRPr lang="en-US" altLang="zh-CN" dirty="0" smtClean="0"/>
+          </a:p>
+          <a:p>
+            <a:r>
+              <a:rPr lang="zh-CN" altLang="en-US" dirty="0" smtClean="0"/>
+              <a:t>过滤查询是通过 </a:t>
+            </a:r>
+            <a:r>
+              <a:rPr lang="en-US" altLang="zh-CN" dirty="0" err="1" smtClean="0"/>
+              <a:t>FIlTER</a:t>
             </a:r>
             <a:r>
               <a:rPr lang="en-US" altLang="zh-CN" dirty="0" smtClean="0"/>
-              <a:t>RDF</a:t>
-            </a:r>
-            <a:r>
-              <a:rPr lang="zh-CN" altLang="en-US" dirty="0" smtClean="0"/>
-              <a:t>数据</a:t>
-            </a:r>
-            <a:endParaRPr lang="en-US" altLang="zh-CN" dirty="0" smtClean="0"/>
-          </a:p>
-          <a:p>
-            <a:r>
-              <a:rPr lang="zh-CN" altLang="en-US" dirty="0" smtClean="0"/>
-              <a:t>三元组表包含三列，分别是主语列，谓语列，</a:t>
+              <a:t>, OPTIOANL,</a:t>
+            </a:r>
+            <a:r>
+              <a:rPr lang="en-US" altLang="zh-CN" baseline="0" dirty="0" smtClean="0"/>
+              <a:t> ORDER BY, LIMITS</a:t>
             </a:r>
             <a:r>
               <a:rPr lang="zh-CN" altLang="en-US" baseline="0" dirty="0" smtClean="0"/>
-              <a:t> 和宾语列。</a:t>
+              <a:t>这些关键词实现的。</a:t>
             </a:r>
             <a:endParaRPr lang="en-US" altLang="zh-CN" baseline="0" dirty="0" smtClean="0"/>
           </a:p>
           <a:p>
             <a:r>
+              <a:rPr lang="en-US" altLang="zh-CN" baseline="0" dirty="0" smtClean="0"/>
+              <a:t>Filter(</a:t>
+            </a:r>
+            <a:r>
               <a:rPr lang="zh-CN" altLang="en-US" baseline="0" dirty="0" smtClean="0"/>
-              <a:t>存在大量的自连接操作开销巨大</a:t>
+              <a:t>？</a:t>
+            </a:r>
+            <a:r>
+              <a:rPr lang="en-US" altLang="zh-CN" baseline="0" dirty="0" smtClean="0"/>
+              <a:t>Age &lt;= 30) </a:t>
+            </a:r>
+            <a:r>
+              <a:rPr lang="zh-CN" altLang="en-US" baseline="0" dirty="0" smtClean="0"/>
+              <a:t>就表示 ？</a:t>
+            </a:r>
+            <a:r>
+              <a:rPr lang="en-US" altLang="zh-CN" baseline="0" dirty="0" smtClean="0"/>
+              <a:t>Age</a:t>
+            </a:r>
+            <a:r>
+              <a:rPr lang="zh-CN" altLang="en-US" baseline="0" dirty="0" smtClean="0"/>
+              <a:t>这个变量要</a:t>
+            </a:r>
+            <a:r>
+              <a:rPr lang="en-US" altLang="zh-CN" baseline="0" dirty="0" smtClean="0"/>
+              <a:t>&lt;= 30</a:t>
+            </a:r>
+          </a:p>
+          <a:p>
+            <a:endParaRPr lang="en-US" altLang="zh-CN" baseline="0" dirty="0" smtClean="0"/>
+          </a:p>
+          <a:p>
+            <a:r>
+              <a:rPr lang="en-US" altLang="zh-CN" baseline="0" dirty="0" smtClean="0"/>
+              <a:t>optional</a:t>
+            </a:r>
+            <a:r>
+              <a:rPr lang="zh-CN" altLang="en-US" baseline="0" dirty="0" smtClean="0"/>
+              <a:t>可选的 </a:t>
+            </a:r>
+            <a:r>
+              <a:rPr lang="en-US" altLang="zh-CN" baseline="0" dirty="0" smtClean="0"/>
+              <a:t>optional{</a:t>
+            </a:r>
+            <a:r>
+              <a:rPr lang="zh-CN" altLang="en-US" baseline="0" dirty="0" smtClean="0"/>
+              <a:t>？</a:t>
+            </a:r>
+            <a:r>
+              <a:rPr lang="en-US" altLang="zh-CN" baseline="0" dirty="0" smtClean="0"/>
+              <a:t>Person </a:t>
+            </a:r>
+            <a:r>
+              <a:rPr lang="en-US" altLang="zh-CN" baseline="0" dirty="0" err="1" smtClean="0"/>
+              <a:t>info:job</a:t>
+            </a:r>
+            <a:r>
+              <a:rPr lang="en-US" altLang="zh-CN" baseline="0" dirty="0" smtClean="0"/>
+              <a:t> ?job}</a:t>
+            </a:r>
+            <a:r>
+              <a:rPr lang="zh-CN" altLang="en-US" baseline="0" dirty="0" smtClean="0"/>
+              <a:t>意思就是</a:t>
+            </a:r>
+            <a:endParaRPr lang="en-US" altLang="zh-CN" baseline="0" dirty="0" smtClean="0"/>
+          </a:p>
+          <a:p>
+            <a:r>
+              <a:rPr lang="zh-CN" altLang="en-US" baseline="0" dirty="0" smtClean="0"/>
+              <a:t>这个三元组不是必须匹配的。</a:t>
+            </a:r>
+            <a:endParaRPr lang="en-US" altLang="zh-CN" baseline="0" dirty="0" smtClean="0"/>
+          </a:p>
+          <a:p>
+            <a:endParaRPr lang="en-US" altLang="zh-CN" baseline="0" dirty="0" smtClean="0"/>
+          </a:p>
+          <a:p>
+            <a:r>
+              <a:rPr lang="en-US" altLang="zh-CN" baseline="0" dirty="0" smtClean="0"/>
+              <a:t>order by</a:t>
+            </a:r>
+            <a:r>
+              <a:rPr lang="zh-CN" altLang="en-US" baseline="0" dirty="0" smtClean="0"/>
+              <a:t>就是通过给定的变量对结果集进行排序</a:t>
             </a:r>
             <a:endParaRPr lang="zh-CN" altLang="en-US" dirty="0"/>
           </a:p>
@@ -3336,7 +3425,7 @@
           <a:p>
             <a:fld id="{18E79C09-4E72-49BD-A5C9-2924744C885B}" type="slidenum">
               <a:rPr lang="zh-CN" altLang="en-US" smtClean="0"/>
-              <a:t>19</a:t>
+              <a:t>14</a:t>
             </a:fld>
             <a:endParaRPr lang="zh-CN" altLang="en-US"/>
           </a:p>
@@ -3345,7 +3434,7 @@
     </p:spTree>
     <p:extLst>
       <p:ext uri="{BB962C8B-B14F-4D97-AF65-F5344CB8AC3E}">
-        <p14:creationId xmlns:p14="http://schemas.microsoft.com/office/powerpoint/2010/main" val="4133005710"/>
+        <p14:creationId xmlns:p14="http://schemas.microsoft.com/office/powerpoint/2010/main" val="2179482045"/>
       </p:ext>
     </p:extLst>
   </p:cSld>
@@ -3400,29 +3489,51 @@
           <a:lstStyle/>
           <a:p>
             <a:r>
+              <a:rPr lang="en-US" altLang="zh-CN" dirty="0" err="1" smtClean="0"/>
+              <a:t>Sparql</a:t>
+            </a:r>
+            <a:r>
               <a:rPr lang="zh-CN" altLang="en-US" dirty="0" smtClean="0"/>
-              <a:t>属性相似的主语聚集在一张表上。</a:t>
+              <a:t>也包含</a:t>
+            </a:r>
+            <a:r>
+              <a:rPr lang="en-US" altLang="zh-CN" dirty="0" smtClean="0"/>
+              <a:t>count sum min max, </a:t>
+            </a:r>
+            <a:r>
+              <a:rPr lang="en-US" altLang="zh-CN" dirty="0" err="1" smtClean="0"/>
+              <a:t>avg</a:t>
+            </a:r>
+            <a:r>
+              <a:rPr lang="zh-CN" altLang="en-US" dirty="0" smtClean="0"/>
+              <a:t>这些聚合函数。</a:t>
             </a:r>
             <a:endParaRPr lang="en-US" altLang="zh-CN" dirty="0" smtClean="0"/>
           </a:p>
           <a:p>
+            <a:endParaRPr lang="en-US" altLang="zh-CN" dirty="0" smtClean="0"/>
+          </a:p>
+          <a:p>
             <a:r>
               <a:rPr lang="zh-CN" altLang="en-US" dirty="0" smtClean="0"/>
-              <a:t>属性表对可以提高某些查询的效率， 比如查包含名字的三元组模式，就可以在这个表查。</a:t>
-            </a:r>
-            <a:endParaRPr lang="en-US" altLang="zh-CN" dirty="0" smtClean="0"/>
-          </a:p>
-          <a:p>
+              <a:t>求出？</a:t>
+            </a:r>
+            <a:r>
+              <a:rPr lang="en-US" altLang="zh-CN" dirty="0" smtClean="0"/>
+              <a:t>Age</a:t>
+            </a:r>
             <a:r>
               <a:rPr lang="zh-CN" altLang="en-US" dirty="0" smtClean="0"/>
-              <a:t>但是属性作为变量时，效率低下。</a:t>
-            </a:r>
-            <a:endParaRPr lang="en-US" altLang="zh-CN" dirty="0" smtClean="0"/>
-          </a:p>
-          <a:p>
-            <a:endParaRPr lang="en-US" altLang="zh-CN" dirty="0" smtClean="0"/>
-          </a:p>
-          <a:p>
+              <a:t>的平均值赋给？</a:t>
+            </a:r>
+            <a:r>
+              <a:rPr lang="en-US" altLang="zh-CN" dirty="0" err="1" smtClean="0"/>
+              <a:t>AvgAge</a:t>
+            </a:r>
+            <a:r>
+              <a:rPr lang="zh-CN" altLang="en-US" dirty="0" smtClean="0"/>
+              <a:t>这个变量。</a:t>
+            </a:r>
             <a:endParaRPr lang="zh-CN" altLang="en-US" dirty="0"/>
           </a:p>
         </p:txBody>
@@ -3444,7 +3555,7 @@
           <a:p>
             <a:fld id="{18E79C09-4E72-49BD-A5C9-2924744C885B}" type="slidenum">
               <a:rPr lang="zh-CN" altLang="en-US" smtClean="0"/>
-              <a:t>20</a:t>
+              <a:t>15</a:t>
             </a:fld>
             <a:endParaRPr lang="zh-CN" altLang="en-US"/>
           </a:p>
@@ -3453,7 +3564,7 @@
     </p:spTree>
     <p:extLst>
       <p:ext uri="{BB962C8B-B14F-4D97-AF65-F5344CB8AC3E}">
-        <p14:creationId xmlns:p14="http://schemas.microsoft.com/office/powerpoint/2010/main" val="872994223"/>
+        <p14:creationId xmlns:p14="http://schemas.microsoft.com/office/powerpoint/2010/main" val="3456387782"/>
       </p:ext>
     </p:extLst>
   </p:cSld>
@@ -3509,56 +3620,20 @@
           <a:p>
             <a:r>
               <a:rPr lang="zh-CN" altLang="en-US" dirty="0" smtClean="0"/>
-              <a:t>每张表保存谓词相同的三元组</a:t>
+              <a:t>经过两个大括号内的约束分别会产生一个满足约束的结果集。</a:t>
             </a:r>
             <a:endParaRPr lang="en-US" altLang="zh-CN" dirty="0" smtClean="0"/>
           </a:p>
           <a:p>
+            <a:r>
+              <a:rPr lang="en-US" altLang="zh-CN" dirty="0" smtClean="0"/>
+              <a:t>Union</a:t>
+            </a:r>
+            <a:r>
+              <a:rPr lang="zh-CN" altLang="en-US" dirty="0" smtClean="0"/>
+              <a:t>的作用就是联合这两个结果集形成一个结果集。</a:t>
+            </a:r>
             <a:endParaRPr lang="en-US" altLang="zh-CN" dirty="0" smtClean="0"/>
-          </a:p>
-          <a:p>
-            <a:endParaRPr lang="en-US" altLang="zh-CN" dirty="0" smtClean="0"/>
-          </a:p>
-          <a:p>
-            <a:r>
-              <a:rPr lang="zh-CN" altLang="en-US" dirty="0" smtClean="0"/>
-              <a:t>对属性是不变量来说，是很友好的</a:t>
-            </a:r>
-            <a:endParaRPr lang="en-US" altLang="zh-CN" dirty="0" smtClean="0"/>
-          </a:p>
-          <a:p>
-            <a:endParaRPr lang="en-US" altLang="zh-CN" dirty="0" smtClean="0"/>
-          </a:p>
-          <a:p>
-            <a:r>
-              <a:rPr lang="zh-CN" altLang="en-US" dirty="0" smtClean="0"/>
-              <a:t>避免了大量的自连接操作，</a:t>
-            </a:r>
-            <a:r>
-              <a:rPr lang="zh-CN" altLang="en-US" baseline="0" dirty="0" smtClean="0"/>
-              <a:t> 变成不同表之间的连接。 不同表之间的连接操作效率优于自连接。</a:t>
-            </a:r>
-            <a:endParaRPr lang="en-US" altLang="zh-CN" baseline="0" dirty="0" smtClean="0"/>
-          </a:p>
-          <a:p>
-            <a:endParaRPr lang="en-US" altLang="zh-CN" baseline="0" dirty="0" smtClean="0"/>
-          </a:p>
-          <a:p>
-            <a:r>
-              <a:rPr lang="zh-CN" altLang="en-US" baseline="0" dirty="0" smtClean="0"/>
-              <a:t>不能很好得支持，属性是变量的情况。</a:t>
-            </a:r>
-            <a:endParaRPr lang="en-US" altLang="zh-CN" baseline="0" dirty="0" smtClean="0"/>
-          </a:p>
-          <a:p>
-            <a:endParaRPr lang="en-US" altLang="zh-CN" baseline="0" dirty="0" smtClean="0"/>
-          </a:p>
-          <a:p>
-            <a:r>
-              <a:rPr lang="zh-CN" altLang="en-US" baseline="0" dirty="0" smtClean="0"/>
-              <a:t>删除代价太大。</a:t>
-            </a:r>
-            <a:endParaRPr lang="en-US" altLang="zh-CN" baseline="0" dirty="0" smtClean="0"/>
           </a:p>
           <a:p>
             <a:endParaRPr lang="zh-CN" altLang="en-US" dirty="0"/>
@@ -3582,7 +3657,7 @@
           <a:p>
             <a:fld id="{18E79C09-4E72-49BD-A5C9-2924744C885B}" type="slidenum">
               <a:rPr lang="zh-CN" altLang="en-US" smtClean="0"/>
-              <a:t>21</a:t>
+              <a:t>16</a:t>
             </a:fld>
             <a:endParaRPr lang="zh-CN" altLang="en-US"/>
           </a:p>
@@ -3591,7 +3666,7 @@
     </p:spTree>
     <p:extLst>
       <p:ext uri="{BB962C8B-B14F-4D97-AF65-F5344CB8AC3E}">
-        <p14:creationId xmlns:p14="http://schemas.microsoft.com/office/powerpoint/2010/main" val="276497870"/>
+        <p14:creationId xmlns:p14="http://schemas.microsoft.com/office/powerpoint/2010/main" val="3562135081"/>
       </p:ext>
     </p:extLst>
   </p:cSld>
@@ -3647,109 +3722,56 @@
           <a:p>
             <a:r>
               <a:rPr lang="zh-CN" altLang="en-US" dirty="0" smtClean="0"/>
-              <a:t>为了加速</a:t>
+              <a:t>子查询的话就是查询里面嵌套查询。</a:t>
+            </a:r>
+            <a:endParaRPr lang="en-US" altLang="zh-CN" dirty="0" smtClean="0"/>
+          </a:p>
+          <a:p>
+            <a:r>
+              <a:rPr lang="zh-CN" altLang="en-US" dirty="0" smtClean="0"/>
+              <a:t>执行这种查询的时候，会先进行子查询，然后利用子查询的结果，进行父查询。</a:t>
+            </a:r>
+            <a:endParaRPr lang="en-US" altLang="zh-CN" dirty="0" smtClean="0"/>
+          </a:p>
+          <a:p>
+            <a:endParaRPr lang="en-US" altLang="zh-CN" dirty="0" smtClean="0"/>
+          </a:p>
+          <a:p>
+            <a:r>
+              <a:rPr lang="zh-CN" altLang="en-US" dirty="0" smtClean="0"/>
+              <a:t>比如，针对这个查询，首先执行子查询，求出？</a:t>
+            </a:r>
+            <a:r>
+              <a:rPr lang="en-US" altLang="zh-CN" dirty="0" err="1" smtClean="0"/>
+              <a:t>sonpeson</a:t>
+            </a:r>
+            <a:r>
+              <a:rPr lang="zh-CN" altLang="en-US" dirty="0" smtClean="0"/>
+              <a:t>的值</a:t>
             </a:r>
             <a:r>
               <a:rPr lang="en-US" altLang="zh-CN" dirty="0" smtClean="0"/>
-              <a:t>RDF</a:t>
+              <a:t>,</a:t>
             </a:r>
             <a:r>
               <a:rPr lang="zh-CN" altLang="en-US" dirty="0" smtClean="0"/>
-              <a:t>三元组在</a:t>
-            </a:r>
-            <a:r>
-              <a:rPr lang="en-US" altLang="zh-CN" dirty="0" smtClean="0"/>
-              <a:t>SPARQL</a:t>
-            </a:r>
+              <a:t>然后</a:t>
+            </a:r>
+            <a:endParaRPr lang="en-US" altLang="zh-CN" dirty="0" smtClean="0"/>
+          </a:p>
+          <a:p>
             <a:r>
               <a:rPr lang="zh-CN" altLang="en-US" dirty="0" smtClean="0"/>
-              <a:t>查询过程中的连接操作速度，将三元组中的主语，谓语，宾语的各种排列枚举出来，分别为它们建立索引。</a:t>
-            </a:r>
-            <a:endParaRPr lang="en-US" altLang="zh-CN" dirty="0" smtClean="0"/>
-          </a:p>
-          <a:p>
-            <a:endParaRPr lang="en-US" altLang="zh-CN" dirty="0" smtClean="0"/>
-          </a:p>
-          <a:p>
-            <a:endParaRPr lang="en-US" altLang="zh-CN" baseline="0" dirty="0" smtClean="0"/>
-          </a:p>
-          <a:p>
-            <a:r>
-              <a:rPr lang="zh-CN" altLang="en-US" baseline="0" dirty="0" smtClean="0"/>
-              <a:t>三元组模式查询能高效执行</a:t>
-            </a:r>
-            <a:endParaRPr lang="en-US" altLang="zh-CN" baseline="0" dirty="0" smtClean="0"/>
-          </a:p>
-          <a:p>
-            <a:endParaRPr lang="en-US" altLang="zh-CN" dirty="0" smtClean="0"/>
-          </a:p>
-          <a:p>
-            <a:endParaRPr lang="en-US" altLang="zh-CN" baseline="0" dirty="0" smtClean="0"/>
-          </a:p>
-          <a:p>
-            <a:r>
-              <a:rPr lang="en-US" altLang="zh-CN" dirty="0" smtClean="0"/>
-              <a:t>JENA</a:t>
+              <a:t>？</a:t>
+            </a:r>
+            <a:r>
+              <a:rPr lang="en-US" altLang="zh-CN" dirty="0" err="1" smtClean="0"/>
+              <a:t>sonperson</a:t>
             </a:r>
             <a:r>
               <a:rPr lang="zh-CN" altLang="en-US" dirty="0" smtClean="0"/>
-              <a:t>是一个开源的</a:t>
-            </a:r>
-            <a:r>
-              <a:rPr lang="en-US" altLang="zh-CN" dirty="0" smtClean="0"/>
-              <a:t>java</a:t>
-            </a:r>
-            <a:r>
-              <a:rPr lang="en-US" altLang="zh-CN" baseline="0" dirty="0" smtClean="0"/>
-              <a:t> </a:t>
-            </a:r>
-            <a:r>
-              <a:rPr lang="en-US" altLang="zh-CN" baseline="0" dirty="0" err="1" smtClean="0"/>
-              <a:t>api</a:t>
-            </a:r>
-            <a:r>
-              <a:rPr lang="en-US" altLang="zh-CN" baseline="0" dirty="0" smtClean="0"/>
-              <a:t>. </a:t>
-            </a:r>
-            <a:r>
-              <a:rPr lang="zh-CN" altLang="en-US" baseline="0" dirty="0" smtClean="0"/>
-              <a:t>支持</a:t>
-            </a:r>
-            <a:r>
-              <a:rPr lang="en-US" altLang="zh-CN" baseline="0" dirty="0" err="1" smtClean="0"/>
-              <a:t>rdf</a:t>
-            </a:r>
-            <a:r>
-              <a:rPr lang="zh-CN" altLang="en-US" baseline="0" dirty="0" smtClean="0"/>
-              <a:t>数据的存储与</a:t>
-            </a:r>
-            <a:r>
-              <a:rPr lang="en-US" altLang="zh-CN" baseline="0" dirty="0" err="1" smtClean="0"/>
-              <a:t>sparql</a:t>
-            </a:r>
-            <a:r>
-              <a:rPr lang="zh-CN" altLang="en-US" baseline="0" dirty="0" smtClean="0"/>
-              <a:t>查询。 其中的用于存储管理</a:t>
-            </a:r>
-            <a:r>
-              <a:rPr lang="en-US" altLang="zh-CN" baseline="0" dirty="0" err="1" smtClean="0"/>
-              <a:t>rdf</a:t>
-            </a:r>
-            <a:r>
-              <a:rPr lang="zh-CN" altLang="en-US" baseline="0" dirty="0" smtClean="0"/>
-              <a:t>的数据库</a:t>
-            </a:r>
-            <a:r>
-              <a:rPr lang="en-US" altLang="zh-CN" baseline="0" dirty="0" smtClean="0"/>
-              <a:t>TDB</a:t>
-            </a:r>
-            <a:r>
-              <a:rPr lang="zh-CN" altLang="en-US" baseline="0" dirty="0" smtClean="0"/>
-              <a:t>就是使用全索引策略实现。</a:t>
-            </a:r>
-            <a:endParaRPr lang="en-US" altLang="zh-CN" baseline="0" dirty="0" smtClean="0"/>
-          </a:p>
-          <a:p>
+              <a:t>的值作为一个约束条件，作用于父查询。</a:t>
+            </a:r>
             <a:endParaRPr lang="zh-CN" altLang="en-US" dirty="0"/>
           </a:p>
         </p:txBody>
@@ -3771,7 +3793,7 @@
           <a:p>
             <a:fld id="{18E79C09-4E72-49BD-A5C9-2924744C885B}" type="slidenum">
               <a:rPr lang="zh-CN" altLang="en-US" smtClean="0"/>
-              <a:t>22</a:t>
+              <a:t>17</a:t>
             </a:fld>
             <a:endParaRPr lang="zh-CN" altLang="en-US"/>
           </a:p>
@@ -3780,7 +3802,7 @@
     </p:spTree>
     <p:extLst>
       <p:ext uri="{BB962C8B-B14F-4D97-AF65-F5344CB8AC3E}">
-        <p14:creationId xmlns:p14="http://schemas.microsoft.com/office/powerpoint/2010/main" val="2741638125"/>
+        <p14:creationId xmlns:p14="http://schemas.microsoft.com/office/powerpoint/2010/main" val="1979155625"/>
       </p:ext>
     </p:extLst>
   </p:cSld>
@@ -3836,29 +3858,33 @@
           <a:p>
             <a:r>
               <a:rPr lang="zh-CN" altLang="en-US" dirty="0" smtClean="0"/>
-              <a:t>图形数据库，支持图的挖掘算法，所以查询速度相对较快</a:t>
+              <a:t>维护一张巨大的三元组表来管理</a:t>
+            </a:r>
+            <a:r>
+              <a:rPr lang="en-US" altLang="zh-CN" dirty="0" smtClean="0"/>
+              <a:t>RDF</a:t>
+            </a:r>
+            <a:r>
+              <a:rPr lang="zh-CN" altLang="en-US" dirty="0" smtClean="0"/>
+              <a:t>数据</a:t>
             </a:r>
             <a:endParaRPr lang="en-US" altLang="zh-CN" dirty="0" smtClean="0"/>
           </a:p>
           <a:p>
             <a:r>
-              <a:rPr lang="en-US" altLang="zh-CN" dirty="0" smtClean="0"/>
-              <a:t>Neo4j</a:t>
-            </a:r>
-            <a:r>
-              <a:rPr lang="en-US" altLang="zh-CN" baseline="0" dirty="0" smtClean="0"/>
-              <a:t> </a:t>
+              <a:rPr lang="zh-CN" altLang="en-US" dirty="0" smtClean="0"/>
+              <a:t>三元组表包含三列，分别是主语列，谓语列，</a:t>
             </a:r>
             <a:r>
               <a:rPr lang="zh-CN" altLang="en-US" baseline="0" dirty="0" smtClean="0"/>
-              <a:t>难以分片</a:t>
+              <a:t> 和宾语列。</a:t>
             </a:r>
             <a:endParaRPr lang="en-US" altLang="zh-CN" baseline="0" dirty="0" smtClean="0"/>
           </a:p>
           <a:p>
             <a:r>
               <a:rPr lang="zh-CN" altLang="en-US" baseline="0" dirty="0" smtClean="0"/>
-              <a:t>很难处理超级节点。</a:t>
+              <a:t>存在大量的自连接操作开销巨大</a:t>
             </a:r>
             <a:endParaRPr lang="zh-CN" altLang="en-US" dirty="0"/>
           </a:p>
@@ -3881,7 +3907,7 @@
           <a:p>
             <a:fld id="{18E79C09-4E72-49BD-A5C9-2924744C885B}" type="slidenum">
               <a:rPr lang="zh-CN" altLang="en-US" smtClean="0"/>
-              <a:t>24</a:t>
+              <a:t>19</a:t>
             </a:fld>
             <a:endParaRPr lang="zh-CN" altLang="en-US"/>
           </a:p>
@@ -3890,7 +3916,7 @@
     </p:spTree>
     <p:extLst>
       <p:ext uri="{BB962C8B-B14F-4D97-AF65-F5344CB8AC3E}">
-        <p14:creationId xmlns:p14="http://schemas.microsoft.com/office/powerpoint/2010/main" val="1864745631"/>
+        <p14:creationId xmlns:p14="http://schemas.microsoft.com/office/powerpoint/2010/main" val="4133005710"/>
       </p:ext>
     </p:extLst>
   </p:cSld>
@@ -3944,6 +3970,30 @@
           <a:bodyPr/>
           <a:lstStyle/>
           <a:p>
+            <a:r>
+              <a:rPr lang="zh-CN" altLang="en-US" dirty="0" smtClean="0"/>
+              <a:t>属性相似的主语聚集在一张表上。</a:t>
+            </a:r>
+            <a:endParaRPr lang="en-US" altLang="zh-CN" dirty="0" smtClean="0"/>
+          </a:p>
+          <a:p>
+            <a:r>
+              <a:rPr lang="zh-CN" altLang="en-US" dirty="0" smtClean="0"/>
+              <a:t>属性表对可以提高某些查询的效率， 比如查包含名字的三元组模式，就可以在这个表查。</a:t>
+            </a:r>
+            <a:endParaRPr lang="en-US" altLang="zh-CN" dirty="0" smtClean="0"/>
+          </a:p>
+          <a:p>
+            <a:r>
+              <a:rPr lang="zh-CN" altLang="en-US" dirty="0" smtClean="0"/>
+              <a:t>但是属性作为变量时，效率低下。</a:t>
+            </a:r>
+            <a:endParaRPr lang="en-US" altLang="zh-CN" dirty="0" smtClean="0"/>
+          </a:p>
+          <a:p>
+            <a:endParaRPr lang="en-US" altLang="zh-CN" dirty="0" smtClean="0"/>
+          </a:p>
+          <a:p>
             <a:endParaRPr lang="zh-CN" altLang="en-US" dirty="0"/>
           </a:p>
         </p:txBody>
@@ -3965,7 +4015,7 @@
           <a:p>
             <a:fld id="{18E79C09-4E72-49BD-A5C9-2924744C885B}" type="slidenum">
               <a:rPr lang="zh-CN" altLang="en-US" smtClean="0"/>
-              <a:t>25</a:t>
+              <a:t>20</a:t>
             </a:fld>
             <a:endParaRPr lang="zh-CN" altLang="en-US"/>
           </a:p>
@@ -3974,7 +4024,7 @@
     </p:spTree>
     <p:extLst>
       <p:ext uri="{BB962C8B-B14F-4D97-AF65-F5344CB8AC3E}">
-        <p14:creationId xmlns:p14="http://schemas.microsoft.com/office/powerpoint/2010/main" val="2007111110"/>
+        <p14:creationId xmlns:p14="http://schemas.microsoft.com/office/powerpoint/2010/main" val="872994223"/>
       </p:ext>
     </p:extLst>
   </p:cSld>
@@ -4029,9 +4079,63 @@
           <a:lstStyle/>
           <a:p>
             <a:r>
-              <a:rPr lang="en-US" altLang="zh-CN" dirty="0" smtClean="0"/>
-              <a:t>http://hao.jobbole.com/titan/</a:t>
-            </a:r>
+              <a:rPr lang="zh-CN" altLang="en-US" dirty="0" smtClean="0"/>
+              <a:t>每张表保存谓词相同的三元组</a:t>
+            </a:r>
+            <a:endParaRPr lang="en-US" altLang="zh-CN" dirty="0" smtClean="0"/>
+          </a:p>
+          <a:p>
+            <a:endParaRPr lang="en-US" altLang="zh-CN" dirty="0" smtClean="0"/>
+          </a:p>
+          <a:p>
+            <a:endParaRPr lang="en-US" altLang="zh-CN" dirty="0" smtClean="0"/>
+          </a:p>
+          <a:p>
+            <a:r>
+              <a:rPr lang="zh-CN" altLang="en-US" dirty="0" smtClean="0"/>
+              <a:t>对属性是不变量来说，是很友好的</a:t>
+            </a:r>
+            <a:endParaRPr lang="en-US" altLang="zh-CN" dirty="0" smtClean="0"/>
+          </a:p>
+          <a:p>
+            <a:endParaRPr lang="en-US" altLang="zh-CN" dirty="0" smtClean="0"/>
+          </a:p>
+          <a:p>
+            <a:r>
+              <a:rPr lang="zh-CN" altLang="en-US" dirty="0" smtClean="0"/>
+              <a:t>避免了大量的自连接操作，</a:t>
+            </a:r>
+            <a:r>
+              <a:rPr lang="zh-CN" altLang="en-US" baseline="0" dirty="0" smtClean="0"/>
+              <a:t> 变成不同表之间的连接。 不同表之间的连接操作效率优于自连接。</a:t>
+            </a:r>
+            <a:endParaRPr lang="en-US" altLang="zh-CN" baseline="0" dirty="0" smtClean="0"/>
+          </a:p>
+          <a:p>
+            <a:endParaRPr lang="en-US" altLang="zh-CN" baseline="0" dirty="0" smtClean="0"/>
+          </a:p>
+          <a:p>
+            <a:r>
+              <a:rPr lang="zh-CN" altLang="en-US" baseline="0" dirty="0" smtClean="0"/>
+              <a:t>不能很好得支持，属性是变量的情况。</a:t>
+            </a:r>
+            <a:endParaRPr lang="en-US" altLang="zh-CN" baseline="0" dirty="0" smtClean="0"/>
+          </a:p>
+          <a:p>
+            <a:endParaRPr lang="en-US" altLang="zh-CN" baseline="0" dirty="0" smtClean="0"/>
+          </a:p>
+          <a:p>
+            <a:r>
+              <a:rPr lang="zh-CN" altLang="en-US" baseline="0" dirty="0" smtClean="0"/>
+              <a:t>删除代价太大</a:t>
+            </a:r>
+            <a:r>
+              <a:rPr lang="zh-CN" altLang="en-US" baseline="0" dirty="0" smtClean="0"/>
+              <a:t>。？？</a:t>
+            </a:r>
+            <a:endParaRPr lang="en-US" altLang="zh-CN" baseline="0" dirty="0" smtClean="0"/>
+          </a:p>
+          <a:p>
             <a:endParaRPr lang="zh-CN" altLang="en-US" dirty="0"/>
           </a:p>
         </p:txBody>
@@ -4053,7 +4157,7 @@
           <a:p>
             <a:fld id="{18E79C09-4E72-49BD-A5C9-2924744C885B}" type="slidenum">
               <a:rPr lang="zh-CN" altLang="en-US" smtClean="0"/>
-              <a:t>26</a:t>
+              <a:t>21</a:t>
             </a:fld>
             <a:endParaRPr lang="zh-CN" altLang="en-US"/>
           </a:p>
@@ -4062,7 +4166,7 @@
     </p:spTree>
     <p:extLst>
       <p:ext uri="{BB962C8B-B14F-4D97-AF65-F5344CB8AC3E}">
-        <p14:creationId xmlns:p14="http://schemas.microsoft.com/office/powerpoint/2010/main" val="3467127840"/>
+        <p14:creationId xmlns:p14="http://schemas.microsoft.com/office/powerpoint/2010/main" val="276497870"/>
       </p:ext>
     </p:extLst>
   </p:cSld>
@@ -4118,15 +4222,7 @@
           <a:p>
             <a:r>
               <a:rPr lang="zh-CN" altLang="en-US" dirty="0" smtClean="0"/>
-              <a:t>基于</a:t>
-            </a:r>
-            <a:r>
-              <a:rPr lang="en-US" altLang="zh-CN" dirty="0" smtClean="0"/>
-              <a:t>Hadoop</a:t>
-            </a:r>
-            <a:r>
-              <a:rPr lang="zh-CN" altLang="en-US" dirty="0" smtClean="0"/>
-              <a:t>的</a:t>
+              <a:t>为了加速</a:t>
             </a:r>
             <a:r>
               <a:rPr lang="en-US" altLang="zh-CN" dirty="0" smtClean="0"/>
@@ -4134,84 +4230,101 @@
             </a:r>
             <a:r>
               <a:rPr lang="zh-CN" altLang="en-US" dirty="0" smtClean="0"/>
-              <a:t>数据上的分布式查询处理方法将</a:t>
+              <a:t>三元组在</a:t>
             </a:r>
             <a:r>
               <a:rPr lang="en-US" altLang="zh-CN" dirty="0" smtClean="0"/>
-              <a:t>RDF</a:t>
+              <a:t>SPARQL</a:t>
             </a:r>
             <a:r>
               <a:rPr lang="zh-CN" altLang="en-US" dirty="0" smtClean="0"/>
-              <a:t>数据转化为平面文件</a:t>
+              <a:t>查询过程中的连接操作速度，将三元组中的主语，谓语，宾语的各种排列枚举出来，分别为它们建立索引。</a:t>
             </a:r>
             <a:endParaRPr lang="en-US" altLang="zh-CN" dirty="0" smtClean="0"/>
           </a:p>
           <a:p>
+            <a:endParaRPr lang="en-US" altLang="zh-CN" dirty="0" smtClean="0"/>
+          </a:p>
+          <a:p>
+            <a:endParaRPr lang="en-US" altLang="zh-CN" baseline="0" dirty="0" smtClean="0"/>
+          </a:p>
+          <a:p>
+            <a:r>
+              <a:rPr lang="zh-CN" altLang="en-US" baseline="0" dirty="0" smtClean="0"/>
+              <a:t>三元组模式查询能高效执行</a:t>
+            </a:r>
+            <a:endParaRPr lang="en-US" altLang="zh-CN" baseline="0" dirty="0" smtClean="0"/>
+          </a:p>
+          <a:p>
+            <a:endParaRPr lang="en-US" altLang="zh-CN" dirty="0" smtClean="0"/>
+          </a:p>
+          <a:p>
+            <a:endParaRPr lang="en-US" altLang="zh-CN" baseline="0" dirty="0" smtClean="0"/>
+          </a:p>
+          <a:p>
+            <a:r>
+              <a:rPr lang="en-US" altLang="zh-CN" dirty="0" smtClean="0"/>
+              <a:t>JENA</a:t>
+            </a:r>
             <a:r>
               <a:rPr lang="zh-CN" altLang="en-US" dirty="0" smtClean="0"/>
-              <a:t>存储在</a:t>
+              <a:t>是一个开源的</a:t>
             </a:r>
             <a:r>
               <a:rPr lang="en-US" altLang="zh-CN" dirty="0" smtClean="0"/>
-              <a:t>HDFS</a:t>
-            </a:r>
-            <a:r>
-              <a:rPr lang="zh-CN" altLang="en-US" dirty="0" smtClean="0"/>
-              <a:t>上。在进行查询处理的时候，这些方法将查询分解为若干个子查询</a:t>
-            </a:r>
-            <a:endParaRPr lang="en-US" altLang="zh-CN" dirty="0" smtClean="0"/>
-          </a:p>
-          <a:p>
-            <a:r>
-              <a:rPr lang="zh-CN" altLang="en-US" dirty="0" smtClean="0"/>
-              <a:t>每个子查询通过在</a:t>
-            </a:r>
-            <a:r>
-              <a:rPr lang="en-US" altLang="zh-CN" dirty="0" smtClean="0"/>
-              <a:t>HDFS</a:t>
-            </a:r>
-            <a:r>
-              <a:rPr lang="zh-CN" altLang="en-US" dirty="0" smtClean="0"/>
-              <a:t>上扫描得到候选解，然后用</a:t>
-            </a:r>
-            <a:r>
-              <a:rPr lang="en-US" altLang="zh-CN" dirty="0" err="1" smtClean="0"/>
-              <a:t>MapReduce</a:t>
-            </a:r>
-            <a:r>
-              <a:rPr lang="zh-CN" altLang="en-US" dirty="0" smtClean="0"/>
-              <a:t>将候选解连接起来</a:t>
-            </a:r>
-            <a:endParaRPr lang="en-US" altLang="zh-CN" dirty="0" smtClean="0"/>
-          </a:p>
-          <a:p>
-            <a:r>
-              <a:rPr lang="zh-CN" altLang="en-US" dirty="0" smtClean="0"/>
-              <a:t>以得到最终解</a:t>
-            </a:r>
-            <a:endParaRPr lang="en-US" altLang="zh-CN" dirty="0" smtClean="0"/>
-          </a:p>
-          <a:p>
-            <a:r>
-              <a:rPr lang="zh-CN" altLang="en-US" dirty="0" smtClean="0"/>
-              <a:t>不同方法的区别是</a:t>
-            </a:r>
-            <a:r>
-              <a:rPr lang="en-US" altLang="zh-CN" dirty="0" smtClean="0"/>
-              <a:t>RDF</a:t>
-            </a:r>
-            <a:r>
-              <a:rPr lang="zh-CN" altLang="en-US" dirty="0" smtClean="0"/>
-              <a:t>转为</a:t>
-            </a:r>
-            <a:r>
-              <a:rPr lang="en-US" altLang="zh-CN" dirty="0" smtClean="0"/>
-              <a:t>HDFS</a:t>
-            </a:r>
-            <a:r>
-              <a:rPr lang="zh-CN" altLang="en-US" dirty="0" smtClean="0"/>
-              <a:t>平面文件的方式不同。</a:t>
-            </a:r>
+              <a:t>java</a:t>
+            </a:r>
+            <a:r>
+              <a:rPr lang="en-US" altLang="zh-CN" baseline="0" dirty="0" smtClean="0"/>
+              <a:t> </a:t>
+            </a:r>
+            <a:r>
+              <a:rPr lang="en-US" altLang="zh-CN" baseline="0" dirty="0" err="1" smtClean="0"/>
+              <a:t>api</a:t>
+            </a:r>
+            <a:r>
+              <a:rPr lang="en-US" altLang="zh-CN" baseline="0" dirty="0" smtClean="0"/>
+              <a:t>. </a:t>
+            </a:r>
+            <a:r>
+              <a:rPr lang="zh-CN" altLang="en-US" baseline="0" dirty="0" smtClean="0"/>
+              <a:t>支持</a:t>
+            </a:r>
+            <a:r>
+              <a:rPr lang="en-US" altLang="zh-CN" baseline="0" dirty="0" err="1" smtClean="0"/>
+              <a:t>rdf</a:t>
+            </a:r>
+            <a:r>
+              <a:rPr lang="zh-CN" altLang="en-US" baseline="0" dirty="0" smtClean="0"/>
+              <a:t>数据的存储与</a:t>
+            </a:r>
+            <a:r>
+              <a:rPr lang="en-US" altLang="zh-CN" baseline="0" dirty="0" err="1" smtClean="0"/>
+              <a:t>sparql</a:t>
+            </a:r>
+            <a:r>
+              <a:rPr lang="zh-CN" altLang="en-US" baseline="0" dirty="0" smtClean="0"/>
+              <a:t>查询。 其中的用于存储管理</a:t>
+            </a:r>
+            <a:r>
+              <a:rPr lang="en-US" altLang="zh-CN" baseline="0" dirty="0" err="1" smtClean="0"/>
+              <a:t>rdf</a:t>
+            </a:r>
+            <a:r>
+              <a:rPr lang="zh-CN" altLang="en-US" baseline="0" dirty="0" smtClean="0"/>
+              <a:t>的数据库</a:t>
+            </a:r>
+            <a:r>
+              <a:rPr lang="en-US" altLang="zh-CN" baseline="0" dirty="0" smtClean="0"/>
+              <a:t>TDB</a:t>
+            </a:r>
+            <a:r>
+              <a:rPr lang="zh-CN" altLang="en-US" baseline="0" dirty="0" smtClean="0"/>
+              <a:t>就是使用全索引策略实现。</a:t>
+            </a:r>
+            <a:endParaRPr lang="en-US" altLang="zh-CN" baseline="0" dirty="0" smtClean="0"/>
+          </a:p>
+          <a:p>
             <a:endParaRPr lang="zh-CN" altLang="en-US" dirty="0"/>
           </a:p>
         </p:txBody>
@@ -4233,7 +4346,7 @@
           <a:p>
             <a:fld id="{18E79C09-4E72-49BD-A5C9-2924744C885B}" type="slidenum">
               <a:rPr lang="zh-CN" altLang="en-US" smtClean="0"/>
-              <a:t>28</a:t>
+              <a:t>22</a:t>
             </a:fld>
             <a:endParaRPr lang="zh-CN" altLang="en-US"/>
           </a:p>
@@ -4242,7 +4355,7 @@
     </p:spTree>
     <p:extLst>
       <p:ext uri="{BB962C8B-B14F-4D97-AF65-F5344CB8AC3E}">
-        <p14:creationId xmlns:p14="http://schemas.microsoft.com/office/powerpoint/2010/main" val="2379797977"/>
+        <p14:creationId xmlns:p14="http://schemas.microsoft.com/office/powerpoint/2010/main" val="2741638125"/>
       </p:ext>
     </p:extLst>
   </p:cSld>
@@ -4381,87 +4494,30 @@
           <a:lstStyle/>
           <a:p>
             <a:r>
+              <a:rPr lang="zh-CN" altLang="en-US" dirty="0" smtClean="0"/>
+              <a:t>图形数据库，支持图的挖掘算法，所以查询速度相对较快</a:t>
+            </a:r>
+            <a:endParaRPr lang="en-US" altLang="zh-CN" dirty="0" smtClean="0"/>
+          </a:p>
+          <a:p>
+            <a:r>
               <a:rPr lang="en-US" altLang="zh-CN" dirty="0" smtClean="0"/>
-              <a:t>Trinity</a:t>
-            </a:r>
-            <a:r>
-              <a:rPr lang="zh-CN" altLang="en-US" dirty="0" smtClean="0"/>
-              <a:t>是微软开发的一个基于内存的分布式图数据管理系统。</a:t>
-            </a:r>
-            <a:endParaRPr lang="en-US" altLang="zh-CN" dirty="0" smtClean="0"/>
-          </a:p>
-          <a:p>
-            <a:r>
-              <a:rPr lang="zh-CN" altLang="en-US" dirty="0" smtClean="0"/>
-              <a:t>有关学者提出了</a:t>
-            </a:r>
-            <a:r>
-              <a:rPr lang="en-US" altLang="zh-CN" dirty="0" err="1" smtClean="0"/>
-              <a:t>Trinity.RDF</a:t>
-            </a:r>
-            <a:r>
-              <a:rPr lang="zh-CN" altLang="en-US" dirty="0" smtClean="0"/>
-              <a:t>，就是利用</a:t>
-            </a:r>
-            <a:r>
-              <a:rPr lang="en-US" altLang="zh-CN" dirty="0" smtClean="0"/>
-              <a:t>Trinity</a:t>
-            </a:r>
-            <a:r>
-              <a:rPr lang="zh-CN" altLang="en-US" dirty="0" smtClean="0"/>
-              <a:t>，进行知识图谱的存储与查询。</a:t>
-            </a:r>
-            <a:endParaRPr lang="en-US" altLang="zh-CN" dirty="0" smtClean="0"/>
-          </a:p>
-          <a:p>
-            <a:endParaRPr lang="en-US" altLang="zh-CN" dirty="0" smtClean="0"/>
-          </a:p>
-          <a:p>
-            <a:r>
-              <a:rPr lang="zh-CN" altLang="en-US" dirty="0" smtClean="0"/>
-              <a:t>知识图谱在</a:t>
-            </a:r>
-            <a:r>
-              <a:rPr lang="en-US" altLang="zh-CN" dirty="0" smtClean="0"/>
-              <a:t>trinity</a:t>
-            </a:r>
-            <a:r>
-              <a:rPr lang="zh-CN" altLang="en-US" dirty="0" smtClean="0"/>
-              <a:t>中是以邻接表的形式存储的。</a:t>
-            </a:r>
-            <a:endParaRPr lang="en-US" altLang="zh-CN" dirty="0" smtClean="0"/>
-          </a:p>
-          <a:p>
-            <a:endParaRPr lang="en-US" altLang="zh-CN" dirty="0" smtClean="0"/>
-          </a:p>
-          <a:p>
-            <a:r>
-              <a:rPr lang="zh-CN" altLang="en-US" dirty="0" smtClean="0"/>
-              <a:t>实体是以</a:t>
-            </a:r>
-            <a:r>
-              <a:rPr lang="en-US" altLang="zh-CN" dirty="0" smtClean="0"/>
-              <a:t>key-value</a:t>
-            </a:r>
-            <a:r>
-              <a:rPr lang="zh-CN" altLang="en-US" dirty="0" smtClean="0"/>
-              <a:t>形式存储的</a:t>
+              <a:t>Neo4j</a:t>
+            </a:r>
+            <a:r>
+              <a:rPr lang="en-US" altLang="zh-CN" baseline="0" dirty="0" smtClean="0"/>
+              <a:t> </a:t>
             </a:r>
             <a:r>
               <a:rPr lang="zh-CN" altLang="en-US" baseline="0" dirty="0" smtClean="0"/>
-              <a:t> </a:t>
-            </a:r>
-            <a:r>
-              <a:rPr lang="en-US" altLang="zh-CN" baseline="0" dirty="0" smtClean="0"/>
-              <a:t>node-id</a:t>
-            </a:r>
+              <a:t>难以分片</a:t>
+            </a:r>
+            <a:endParaRPr lang="en-US" altLang="zh-CN" baseline="0" dirty="0" smtClean="0"/>
+          </a:p>
+          <a:p>
             <a:r>
               <a:rPr lang="zh-CN" altLang="en-US" baseline="0" dirty="0" smtClean="0"/>
-              <a:t>是其</a:t>
-            </a:r>
-            <a:r>
-              <a:rPr lang="en-US" altLang="zh-CN" baseline="0" dirty="0" smtClean="0"/>
-              <a:t>key</a:t>
+              <a:t>很难处理超级节点。</a:t>
             </a:r>
             <a:endParaRPr lang="zh-CN" altLang="en-US" dirty="0"/>
           </a:p>
@@ -4484,7 +4540,7 @@
           <a:p>
             <a:fld id="{18E79C09-4E72-49BD-A5C9-2924744C885B}" type="slidenum">
               <a:rPr lang="zh-CN" altLang="en-US" smtClean="0"/>
-              <a:t>29</a:t>
+              <a:t>24</a:t>
             </a:fld>
             <a:endParaRPr lang="zh-CN" altLang="en-US"/>
           </a:p>
@@ -4493,7 +4549,7 @@
     </p:spTree>
     <p:extLst>
       <p:ext uri="{BB962C8B-B14F-4D97-AF65-F5344CB8AC3E}">
-        <p14:creationId xmlns:p14="http://schemas.microsoft.com/office/powerpoint/2010/main" val="570811089"/>
+        <p14:creationId xmlns:p14="http://schemas.microsoft.com/office/powerpoint/2010/main" val="1864745631"/>
       </p:ext>
     </p:extLst>
   </p:cSld>
@@ -4547,17 +4603,6 @@
           <a:bodyPr/>
           <a:lstStyle/>
           <a:p>
-            <a:r>
-              <a:rPr lang="zh-CN" altLang="en-US" dirty="0" smtClean="0"/>
-              <a:t>入邻接列表</a:t>
-            </a:r>
-            <a:endParaRPr lang="en-US" altLang="zh-CN" dirty="0" smtClean="0"/>
-          </a:p>
-          <a:p>
-            <a:r>
-              <a:rPr lang="zh-CN" altLang="en-US" dirty="0" smtClean="0"/>
-              <a:t>出邻接列表</a:t>
-            </a:r>
             <a:endParaRPr lang="zh-CN" altLang="en-US" dirty="0"/>
           </a:p>
         </p:txBody>
@@ -4579,7 +4624,7 @@
           <a:p>
             <a:fld id="{18E79C09-4E72-49BD-A5C9-2924744C885B}" type="slidenum">
               <a:rPr lang="zh-CN" altLang="en-US" smtClean="0"/>
-              <a:t>30</a:t>
+              <a:t>25</a:t>
             </a:fld>
             <a:endParaRPr lang="zh-CN" altLang="en-US"/>
           </a:p>
@@ -4588,7 +4633,7 @@
     </p:spTree>
     <p:extLst>
       <p:ext uri="{BB962C8B-B14F-4D97-AF65-F5344CB8AC3E}">
-        <p14:creationId xmlns:p14="http://schemas.microsoft.com/office/powerpoint/2010/main" val="824358153"/>
+        <p14:creationId xmlns:p14="http://schemas.microsoft.com/office/powerpoint/2010/main" val="2007111110"/>
       </p:ext>
     </p:extLst>
   </p:cSld>
@@ -4642,6 +4687,102 @@
           <a:bodyPr/>
           <a:lstStyle/>
           <a:p>
+            <a:r>
+              <a:rPr lang="zh-CN" altLang="en-US" dirty="0" smtClean="0"/>
+              <a:t>基于</a:t>
+            </a:r>
+            <a:r>
+              <a:rPr lang="en-US" altLang="zh-CN" dirty="0" smtClean="0"/>
+              <a:t>Hadoop</a:t>
+            </a:r>
+            <a:r>
+              <a:rPr lang="zh-CN" altLang="en-US" dirty="0" smtClean="0"/>
+              <a:t>的</a:t>
+            </a:r>
+            <a:r>
+              <a:rPr lang="en-US" altLang="zh-CN" dirty="0" smtClean="0"/>
+              <a:t>RDF</a:t>
+            </a:r>
+            <a:r>
+              <a:rPr lang="zh-CN" altLang="en-US" dirty="0" smtClean="0"/>
+              <a:t>数据上的分布式查询处理方法将</a:t>
+            </a:r>
+            <a:r>
+              <a:rPr lang="en-US" altLang="zh-CN" dirty="0" smtClean="0"/>
+              <a:t>RDF</a:t>
+            </a:r>
+            <a:r>
+              <a:rPr lang="zh-CN" altLang="en-US" dirty="0" smtClean="0"/>
+              <a:t>数据转化为平面文件</a:t>
+            </a:r>
+            <a:endParaRPr lang="en-US" altLang="zh-CN" dirty="0" smtClean="0"/>
+          </a:p>
+          <a:p>
+            <a:r>
+              <a:rPr lang="zh-CN" altLang="en-US" dirty="0" smtClean="0"/>
+              <a:t>存储在</a:t>
+            </a:r>
+            <a:r>
+              <a:rPr lang="en-US" altLang="zh-CN" dirty="0" smtClean="0"/>
+              <a:t>HDFS</a:t>
+            </a:r>
+            <a:r>
+              <a:rPr lang="zh-CN" altLang="en-US" dirty="0" smtClean="0"/>
+              <a:t>上。在进行查询处理的时候，这些方法将查询分解为若干个子查询</a:t>
+            </a:r>
+            <a:endParaRPr lang="en-US" altLang="zh-CN" dirty="0" smtClean="0"/>
+          </a:p>
+          <a:p>
+            <a:r>
+              <a:rPr lang="zh-CN" altLang="en-US" dirty="0" smtClean="0"/>
+              <a:t>每个子查询通过在</a:t>
+            </a:r>
+            <a:r>
+              <a:rPr lang="en-US" altLang="zh-CN" dirty="0" smtClean="0"/>
+              <a:t>HDFS</a:t>
+            </a:r>
+            <a:r>
+              <a:rPr lang="zh-CN" altLang="en-US" dirty="0" smtClean="0"/>
+              <a:t>上扫描得到候选解，然后用</a:t>
+            </a:r>
+            <a:r>
+              <a:rPr lang="en-US" altLang="zh-CN" dirty="0" err="1" smtClean="0"/>
+              <a:t>MapReduce</a:t>
+            </a:r>
+            <a:r>
+              <a:rPr lang="zh-CN" altLang="en-US" dirty="0" smtClean="0"/>
+              <a:t>将候选解连接起来</a:t>
+            </a:r>
+            <a:endParaRPr lang="en-US" altLang="zh-CN" dirty="0" smtClean="0"/>
+          </a:p>
+          <a:p>
+            <a:r>
+              <a:rPr lang="zh-CN" altLang="en-US" dirty="0" smtClean="0"/>
+              <a:t>以得到最终解</a:t>
+            </a:r>
+            <a:endParaRPr lang="en-US" altLang="zh-CN" dirty="0" smtClean="0"/>
+          </a:p>
+          <a:p>
+            <a:r>
+              <a:rPr lang="zh-CN" altLang="en-US" dirty="0" smtClean="0"/>
+              <a:t>不同方法的区别是</a:t>
+            </a:r>
+            <a:r>
+              <a:rPr lang="en-US" altLang="zh-CN" dirty="0" smtClean="0"/>
+              <a:t>RDF</a:t>
+            </a:r>
+            <a:r>
+              <a:rPr lang="zh-CN" altLang="en-US" dirty="0" smtClean="0"/>
+              <a:t>转为</a:t>
+            </a:r>
+            <a:r>
+              <a:rPr lang="en-US" altLang="zh-CN" dirty="0" smtClean="0"/>
+              <a:t>HDFS</a:t>
+            </a:r>
+            <a:r>
+              <a:rPr lang="zh-CN" altLang="en-US" dirty="0" smtClean="0"/>
+              <a:t>平面文件的方式不同。</a:t>
+            </a:r>
             <a:endParaRPr lang="zh-CN" altLang="en-US" dirty="0"/>
           </a:p>
         </p:txBody>
@@ -4663,7 +4804,353 @@
           <a:p>
             <a:fld id="{18E79C09-4E72-49BD-A5C9-2924744C885B}" type="slidenum">
               <a:rPr lang="zh-CN" altLang="en-US" smtClean="0"/>
-              <a:t>31</a:t>
+              <a:t>27</a:t>
+            </a:fld>
+            <a:endParaRPr lang="zh-CN" altLang="en-US"/>
+          </a:p>
+        </p:txBody>
+      </p:sp>
+    </p:spTree>
+    <p:extLst>
+      <p:ext uri="{BB962C8B-B14F-4D97-AF65-F5344CB8AC3E}">
+        <p14:creationId xmlns:p14="http://schemas.microsoft.com/office/powerpoint/2010/main" val="2379797977"/>
+      </p:ext>
+    </p:extLst>
+  </p:cSld>
+  <p:clrMapOvr>
+    <a:masterClrMapping/>
+  </p:clrMapOvr>
+</p:notes>
+</file>
+
+<file path=ppt/notesSlides/notesSlide23.xml><?xml version="1.0" encoding="utf-8"?>
+<p:notes xmlns:a="http://schemas.openxmlformats.org/drawingml/2006/main" xmlns:r="http://schemas.openxmlformats.org/officeDocument/2006/relationships" xmlns:p="http://schemas.openxmlformats.org/presentationml/2006/main">
+  <p:cSld>
+    <p:spTree>
+      <p:nvGrpSpPr>
+        <p:cNvPr id="1" name=""/>
+        <p:cNvGrpSpPr/>
+        <p:nvPr/>
+      </p:nvGrpSpPr>
+      <p:grpSpPr>
+        <a:xfrm>
+          <a:off x="0" y="0"/>
+          <a:ext cx="0" cy="0"/>
+          <a:chOff x="0" y="0"/>
+          <a:chExt cx="0" cy="0"/>
+        </a:xfrm>
+      </p:grpSpPr>
+      <p:sp>
+        <p:nvSpPr>
+          <p:cNvPr id="2" name="幻灯片图像占位符 1"/>
+          <p:cNvSpPr>
+            <a:spLocks noGrp="1" noRot="1" noChangeAspect="1"/>
+          </p:cNvSpPr>
+          <p:nvPr>
+            <p:ph type="sldImg"/>
+          </p:nvPr>
+        </p:nvSpPr>
+        <p:spPr/>
+      </p:sp>
+      <p:sp>
+        <p:nvSpPr>
+          <p:cNvPr id="3" name="备注占位符 2"/>
+          <p:cNvSpPr>
+            <a:spLocks noGrp="1"/>
+          </p:cNvSpPr>
+          <p:nvPr>
+            <p:ph type="body" idx="1"/>
+          </p:nvPr>
+        </p:nvSpPr>
+        <p:spPr/>
+        <p:txBody>
+          <a:bodyPr/>
+          <a:lstStyle/>
+          <a:p>
+            <a:r>
+              <a:rPr lang="en-US" altLang="zh-CN" dirty="0" smtClean="0"/>
+              <a:t>Trinity</a:t>
+            </a:r>
+            <a:r>
+              <a:rPr lang="zh-CN" altLang="en-US" dirty="0" smtClean="0"/>
+              <a:t>是微软开发的一个基于内存的分布式图数据管理系统。</a:t>
+            </a:r>
+            <a:endParaRPr lang="en-US" altLang="zh-CN" dirty="0" smtClean="0"/>
+          </a:p>
+          <a:p>
+            <a:r>
+              <a:rPr lang="zh-CN" altLang="en-US" dirty="0" smtClean="0"/>
+              <a:t>有关学者提出了</a:t>
+            </a:r>
+            <a:r>
+              <a:rPr lang="en-US" altLang="zh-CN" dirty="0" err="1" smtClean="0"/>
+              <a:t>Trinity.RDF</a:t>
+            </a:r>
+            <a:r>
+              <a:rPr lang="zh-CN" altLang="en-US" dirty="0" smtClean="0"/>
+              <a:t>，就是利用</a:t>
+            </a:r>
+            <a:r>
+              <a:rPr lang="en-US" altLang="zh-CN" dirty="0" smtClean="0"/>
+              <a:t>Trinity</a:t>
+            </a:r>
+            <a:r>
+              <a:rPr lang="zh-CN" altLang="en-US" dirty="0" smtClean="0"/>
+              <a:t>，进行知识图谱的存储与查询。</a:t>
+            </a:r>
+            <a:endParaRPr lang="en-US" altLang="zh-CN" dirty="0" smtClean="0"/>
+          </a:p>
+          <a:p>
+            <a:endParaRPr lang="en-US" altLang="zh-CN" dirty="0" smtClean="0"/>
+          </a:p>
+          <a:p>
+            <a:r>
+              <a:rPr lang="zh-CN" altLang="en-US" dirty="0" smtClean="0"/>
+              <a:t>知识图谱在</a:t>
+            </a:r>
+            <a:r>
+              <a:rPr lang="en-US" altLang="zh-CN" dirty="0" smtClean="0"/>
+              <a:t>trinity</a:t>
+            </a:r>
+            <a:r>
+              <a:rPr lang="zh-CN" altLang="en-US" dirty="0" smtClean="0"/>
+              <a:t>中是以邻接表的形式存储的。</a:t>
+            </a:r>
+            <a:endParaRPr lang="en-US" altLang="zh-CN" dirty="0" smtClean="0"/>
+          </a:p>
+          <a:p>
+            <a:endParaRPr lang="en-US" altLang="zh-CN" dirty="0" smtClean="0"/>
+          </a:p>
+          <a:p>
+            <a:r>
+              <a:rPr lang="zh-CN" altLang="en-US" dirty="0" smtClean="0"/>
+              <a:t>实体是以</a:t>
+            </a:r>
+            <a:r>
+              <a:rPr lang="en-US" altLang="zh-CN" dirty="0" smtClean="0"/>
+              <a:t>key-value</a:t>
+            </a:r>
+            <a:r>
+              <a:rPr lang="zh-CN" altLang="en-US" dirty="0" smtClean="0"/>
+              <a:t>形式存储的</a:t>
+            </a:r>
+            <a:r>
+              <a:rPr lang="zh-CN" altLang="en-US" baseline="0" dirty="0" smtClean="0"/>
+              <a:t> </a:t>
+            </a:r>
+            <a:r>
+              <a:rPr lang="en-US" altLang="zh-CN" baseline="0" dirty="0" smtClean="0"/>
+              <a:t>node-id</a:t>
+            </a:r>
+            <a:r>
+              <a:rPr lang="zh-CN" altLang="en-US" baseline="0" dirty="0" smtClean="0"/>
+              <a:t>是其</a:t>
+            </a:r>
+            <a:r>
+              <a:rPr lang="en-US" altLang="zh-CN" baseline="0" dirty="0" smtClean="0"/>
+              <a:t>key</a:t>
+            </a:r>
+            <a:endParaRPr lang="zh-CN" altLang="en-US" dirty="0"/>
+          </a:p>
+        </p:txBody>
+      </p:sp>
+      <p:sp>
+        <p:nvSpPr>
+          <p:cNvPr id="4" name="灯片编号占位符 3"/>
+          <p:cNvSpPr>
+            <a:spLocks noGrp="1"/>
+          </p:cNvSpPr>
+          <p:nvPr>
+            <p:ph type="sldNum" sz="quarter" idx="10"/>
+          </p:nvPr>
+        </p:nvSpPr>
+        <p:spPr/>
+        <p:txBody>
+          <a:bodyPr/>
+          <a:lstStyle/>
+          <a:p>
+            <a:fld id="{18E79C09-4E72-49BD-A5C9-2924744C885B}" type="slidenum">
+              <a:rPr lang="zh-CN" altLang="en-US" smtClean="0"/>
+              <a:t>28</a:t>
+            </a:fld>
+            <a:endParaRPr lang="zh-CN" altLang="en-US"/>
+          </a:p>
+        </p:txBody>
+      </p:sp>
+    </p:spTree>
+    <p:extLst>
+      <p:ext uri="{BB962C8B-B14F-4D97-AF65-F5344CB8AC3E}">
+        <p14:creationId xmlns:p14="http://schemas.microsoft.com/office/powerpoint/2010/main" val="570811089"/>
+      </p:ext>
+    </p:extLst>
+  </p:cSld>
+  <p:clrMapOvr>
+    <a:masterClrMapping/>
+  </p:clrMapOvr>
+</p:notes>
+</file>
+
+<file path=ppt/notesSlides/notesSlide24.xml><?xml version="1.0" encoding="utf-8"?>
+<p:notes xmlns:a="http://schemas.openxmlformats.org/drawingml/2006/main" xmlns:r="http://schemas.openxmlformats.org/officeDocument/2006/relationships" xmlns:p="http://schemas.openxmlformats.org/presentationml/2006/main">
+  <p:cSld>
+    <p:spTree>
+      <p:nvGrpSpPr>
+        <p:cNvPr id="1" name=""/>
+        <p:cNvGrpSpPr/>
+        <p:nvPr/>
+      </p:nvGrpSpPr>
+      <p:grpSpPr>
+        <a:xfrm>
+          <a:off x="0" y="0"/>
+          <a:ext cx="0" cy="0"/>
+          <a:chOff x="0" y="0"/>
+          <a:chExt cx="0" cy="0"/>
+        </a:xfrm>
+      </p:grpSpPr>
+      <p:sp>
+        <p:nvSpPr>
+          <p:cNvPr id="2" name="幻灯片图像占位符 1"/>
+          <p:cNvSpPr>
+            <a:spLocks noGrp="1" noRot="1" noChangeAspect="1"/>
+          </p:cNvSpPr>
+          <p:nvPr>
+            <p:ph type="sldImg"/>
+          </p:nvPr>
+        </p:nvSpPr>
+        <p:spPr/>
+      </p:sp>
+      <p:sp>
+        <p:nvSpPr>
+          <p:cNvPr id="3" name="备注占位符 2"/>
+          <p:cNvSpPr>
+            <a:spLocks noGrp="1"/>
+          </p:cNvSpPr>
+          <p:nvPr>
+            <p:ph type="body" idx="1"/>
+          </p:nvPr>
+        </p:nvSpPr>
+        <p:spPr/>
+        <p:txBody>
+          <a:bodyPr/>
+          <a:lstStyle/>
+          <a:p>
+            <a:r>
+              <a:rPr lang="zh-CN" altLang="en-US" dirty="0" smtClean="0"/>
+              <a:t>入邻接列表</a:t>
+            </a:r>
+            <a:endParaRPr lang="en-US" altLang="zh-CN" dirty="0" smtClean="0"/>
+          </a:p>
+          <a:p>
+            <a:r>
+              <a:rPr lang="zh-CN" altLang="en-US" dirty="0" smtClean="0"/>
+              <a:t>出邻接列表</a:t>
+            </a:r>
+            <a:endParaRPr lang="zh-CN" altLang="en-US" dirty="0"/>
+          </a:p>
+        </p:txBody>
+      </p:sp>
+      <p:sp>
+        <p:nvSpPr>
+          <p:cNvPr id="4" name="灯片编号占位符 3"/>
+          <p:cNvSpPr>
+            <a:spLocks noGrp="1"/>
+          </p:cNvSpPr>
+          <p:nvPr>
+            <p:ph type="sldNum" sz="quarter" idx="10"/>
+          </p:nvPr>
+        </p:nvSpPr>
+        <p:spPr/>
+        <p:txBody>
+          <a:bodyPr/>
+          <a:lstStyle/>
+          <a:p>
+            <a:fld id="{18E79C09-4E72-49BD-A5C9-2924744C885B}" type="slidenum">
+              <a:rPr lang="zh-CN" altLang="en-US" smtClean="0"/>
+              <a:t>29</a:t>
+            </a:fld>
+            <a:endParaRPr lang="zh-CN" altLang="en-US"/>
+          </a:p>
+        </p:txBody>
+      </p:sp>
+    </p:spTree>
+    <p:extLst>
+      <p:ext uri="{BB962C8B-B14F-4D97-AF65-F5344CB8AC3E}">
+        <p14:creationId xmlns:p14="http://schemas.microsoft.com/office/powerpoint/2010/main" val="824358153"/>
+      </p:ext>
+    </p:extLst>
+  </p:cSld>
+  <p:clrMapOvr>
+    <a:masterClrMapping/>
+  </p:clrMapOvr>
+</p:notes>
+</file>
+
+<file path=ppt/notesSlides/notesSlide25.xml><?xml version="1.0" encoding="utf-8"?>
+<p:notes xmlns:a="http://schemas.openxmlformats.org/drawingml/2006/main" xmlns:r="http://schemas.openxmlformats.org/officeDocument/2006/relationships" xmlns:p="http://schemas.openxmlformats.org/presentationml/2006/main">
+  <p:cSld>
+    <p:spTree>
+      <p:nvGrpSpPr>
+        <p:cNvPr id="1" name=""/>
+        <p:cNvGrpSpPr/>
+        <p:nvPr/>
+      </p:nvGrpSpPr>
+      <p:grpSpPr>
+        <a:xfrm>
+          <a:off x="0" y="0"/>
+          <a:ext cx="0" cy="0"/>
+          <a:chOff x="0" y="0"/>
+          <a:chExt cx="0" cy="0"/>
+        </a:xfrm>
+      </p:grpSpPr>
+      <p:sp>
+        <p:nvSpPr>
+          <p:cNvPr id="2" name="幻灯片图像占位符 1"/>
+          <p:cNvSpPr>
+            <a:spLocks noGrp="1" noRot="1" noChangeAspect="1"/>
+          </p:cNvSpPr>
+          <p:nvPr>
+            <p:ph type="sldImg"/>
+          </p:nvPr>
+        </p:nvSpPr>
+        <p:spPr/>
+      </p:sp>
+      <p:sp>
+        <p:nvSpPr>
+          <p:cNvPr id="3" name="备注占位符 2"/>
+          <p:cNvSpPr>
+            <a:spLocks noGrp="1"/>
+          </p:cNvSpPr>
+          <p:nvPr>
+            <p:ph type="body" idx="1"/>
+          </p:nvPr>
+        </p:nvSpPr>
+        <p:spPr/>
+        <p:txBody>
+          <a:bodyPr/>
+          <a:lstStyle/>
+          <a:p>
+            <a:endParaRPr lang="zh-CN" altLang="en-US" dirty="0"/>
+          </a:p>
+        </p:txBody>
+      </p:sp>
+      <p:sp>
+        <p:nvSpPr>
+          <p:cNvPr id="4" name="灯片编号占位符 3"/>
+          <p:cNvSpPr>
+            <a:spLocks noGrp="1"/>
+          </p:cNvSpPr>
+          <p:nvPr>
+            <p:ph type="sldNum" sz="quarter" idx="10"/>
+          </p:nvPr>
+        </p:nvSpPr>
+        <p:spPr/>
+        <p:txBody>
+          <a:bodyPr/>
+          <a:lstStyle/>
+          <a:p>
+            <a:fld id="{18E79C09-4E72-49BD-A5C9-2924744C885B}" type="slidenum">
+              <a:rPr lang="zh-CN" altLang="en-US" smtClean="0"/>
+              <a:t>30</a:t>
             </a:fld>
             <a:endParaRPr lang="zh-CN" altLang="en-US"/>
           </a:p>
@@ -4673,6 +5160,90 @@
     <p:extLst>
       <p:ext uri="{BB962C8B-B14F-4D97-AF65-F5344CB8AC3E}">
         <p14:creationId xmlns:p14="http://schemas.microsoft.com/office/powerpoint/2010/main" val="36364906"/>
+      </p:ext>
+    </p:extLst>
+  </p:cSld>
+  <p:clrMapOvr>
+    <a:masterClrMapping/>
+  </p:clrMapOvr>
+</p:notes>
+</file>
+
+<file path=ppt/notesSlides/notesSlide26.xml><?xml version="1.0" encoding="utf-8"?>
+<p:notes xmlns:a="http://schemas.openxmlformats.org/drawingml/2006/main" xmlns:r="http://schemas.openxmlformats.org/officeDocument/2006/relationships" xmlns:p="http://schemas.openxmlformats.org/presentationml/2006/main">
+  <p:cSld>
+    <p:spTree>
+      <p:nvGrpSpPr>
+        <p:cNvPr id="1" name=""/>
+        <p:cNvGrpSpPr/>
+        <p:nvPr/>
+      </p:nvGrpSpPr>
+      <p:grpSpPr>
+        <a:xfrm>
+          <a:off x="0" y="0"/>
+          <a:ext cx="0" cy="0"/>
+          <a:chOff x="0" y="0"/>
+          <a:chExt cx="0" cy="0"/>
+        </a:xfrm>
+      </p:grpSpPr>
+      <p:sp>
+        <p:nvSpPr>
+          <p:cNvPr id="2" name="幻灯片图像占位符 1"/>
+          <p:cNvSpPr>
+            <a:spLocks noGrp="1" noRot="1" noChangeAspect="1"/>
+          </p:cNvSpPr>
+          <p:nvPr>
+            <p:ph type="sldImg"/>
+          </p:nvPr>
+        </p:nvSpPr>
+        <p:spPr/>
+      </p:sp>
+      <p:sp>
+        <p:nvSpPr>
+          <p:cNvPr id="3" name="备注占位符 2"/>
+          <p:cNvSpPr>
+            <a:spLocks noGrp="1"/>
+          </p:cNvSpPr>
+          <p:nvPr>
+            <p:ph type="body" idx="1"/>
+          </p:nvPr>
+        </p:nvSpPr>
+        <p:spPr/>
+        <p:txBody>
+          <a:bodyPr/>
+          <a:lstStyle/>
+          <a:p>
+            <a:endParaRPr lang="zh-CN" altLang="en-US"/>
+          </a:p>
+        </p:txBody>
+      </p:sp>
+      <p:sp>
+        <p:nvSpPr>
+          <p:cNvPr id="4" name="灯片编号占位符 3"/>
+          <p:cNvSpPr>
+            <a:spLocks noGrp="1"/>
+          </p:cNvSpPr>
+          <p:nvPr>
+            <p:ph type="sldNum" sz="quarter" idx="10"/>
+          </p:nvPr>
+        </p:nvSpPr>
+        <p:spPr/>
+        <p:txBody>
+          <a:bodyPr/>
+          <a:lstStyle/>
+          <a:p>
+            <a:fld id="{18E79C09-4E72-49BD-A5C9-2924744C885B}" type="slidenum">
+              <a:rPr lang="zh-CN" altLang="en-US" smtClean="0"/>
+              <a:t>32</a:t>
+            </a:fld>
+            <a:endParaRPr lang="zh-CN" altLang="en-US"/>
+          </a:p>
+        </p:txBody>
+      </p:sp>
+    </p:spTree>
+    <p:extLst>
+      <p:ext uri="{BB962C8B-B14F-4D97-AF65-F5344CB8AC3E}">
+        <p14:creationId xmlns:p14="http://schemas.microsoft.com/office/powerpoint/2010/main" val="3236538855"/>
       </p:ext>
     </p:extLst>
   </p:cSld>
@@ -5711,7 +6282,7 @@
           <a:p>
             <a:fld id="{36A27063-7994-4CEA-AE6D-DF3D05296A9C}" type="datetimeFigureOut">
               <a:rPr lang="zh-CN" altLang="en-US" smtClean="0"/>
-              <a:t>2018/12/4</a:t>
+              <a:t>2018/12/5</a:t>
             </a:fld>
             <a:endParaRPr lang="zh-CN" altLang="en-US"/>
           </a:p>
@@ -5881,7 +6452,7 @@
           <a:p>
             <a:fld id="{36A27063-7994-4CEA-AE6D-DF3D05296A9C}" type="datetimeFigureOut">
               <a:rPr lang="zh-CN" altLang="en-US" smtClean="0"/>
-              <a:t>2018/12/4</a:t>
+              <a:t>2018/12/5</a:t>
             </a:fld>
             <a:endParaRPr lang="zh-CN" altLang="en-US"/>
           </a:p>
@@ -6061,7 +6632,7 @@
           <a:p>
             <a:fld id="{36A27063-7994-4CEA-AE6D-DF3D05296A9C}" type="datetimeFigureOut">
               <a:rPr lang="zh-CN" altLang="en-US" smtClean="0"/>
-              <a:t>2018/12/4</a:t>
+              <a:t>2018/12/5</a:t>
             </a:fld>
             <a:endParaRPr lang="zh-CN" altLang="en-US"/>
           </a:p>
@@ -6231,7 +6802,7 @@
           <a:p>
             <a:fld id="{36A27063-7994-4CEA-AE6D-DF3D05296A9C}" type="datetimeFigureOut">
               <a:rPr lang="zh-CN" altLang="en-US" smtClean="0"/>
-              <a:t>2018/12/4</a:t>
+              <a:t>2018/12/5</a:t>
             </a:fld>
             <a:endParaRPr lang="zh-CN" altLang="en-US"/>
           </a:p>
@@ -6477,7 +7048,7 @@
           <a:p>
             <a:fld id="{36A27063-7994-4CEA-AE6D-DF3D05296A9C}" type="datetimeFigureOut">
               <a:rPr lang="zh-CN" altLang="en-US" smtClean="0"/>
-              <a:t>2018/12/4</a:t>
+              <a:t>2018/12/5</a:t>
             </a:fld>
             <a:endParaRPr lang="zh-CN" altLang="en-US"/>
           </a:p>
@@ -6709,7 +7280,7 @@
           <a:p>
             <a:fld id="{36A27063-7994-4CEA-AE6D-DF3D05296A9C}" type="datetimeFigureOut">
               <a:rPr lang="zh-CN" altLang="en-US" smtClean="0"/>
-              <a:t>2018/12/4</a:t>
+              <a:t>2018/12/5</a:t>
             </a:fld>
             <a:endParaRPr lang="zh-CN" altLang="en-US"/>
           </a:p>
@@ -7076,7 +7647,7 @@
           <a:p>
             <a:fld id="{36A27063-7994-4CEA-AE6D-DF3D05296A9C}" type="datetimeFigureOut">
               <a:rPr lang="zh-CN" altLang="en-US" smtClean="0"/>
-              <a:t>2018/12/4</a:t>
+              <a:t>2018/12/5</a:t>
             </a:fld>
             <a:endParaRPr lang="zh-CN" altLang="en-US"/>
           </a:p>
@@ -7194,7 +7765,7 @@
           <a:p>
             <a:fld id="{36A27063-7994-4CEA-AE6D-DF3D05296A9C}" type="datetimeFigureOut">
               <a:rPr lang="zh-CN" altLang="en-US" smtClean="0"/>
-              <a:t>2018/12/4</a:t>
+              <a:t>2018/12/5</a:t>
             </a:fld>
             <a:endParaRPr lang="zh-CN" altLang="en-US"/>
           </a:p>
@@ -7289,7 +7860,7 @@
           <a:p>
             <a:fld id="{36A27063-7994-4CEA-AE6D-DF3D05296A9C}" type="datetimeFigureOut">
               <a:rPr lang="zh-CN" altLang="en-US" smtClean="0"/>
-              <a:t>2018/12/4</a:t>
+              <a:t>2018/12/5</a:t>
             </a:fld>
             <a:endParaRPr lang="zh-CN" altLang="en-US"/>
           </a:p>
@@ -7566,7 +8137,7 @@
           <a:p>
             <a:fld id="{36A27063-7994-4CEA-AE6D-DF3D05296A9C}" type="datetimeFigureOut">
               <a:rPr lang="zh-CN" altLang="en-US" smtClean="0"/>
-              <a:t>2018/12/4</a:t>
+              <a:t>2018/12/5</a:t>
             </a:fld>
             <a:endParaRPr lang="zh-CN" altLang="en-US"/>
           </a:p>
@@ -7819,7 +8390,7 @@
           <a:p>
             <a:fld id="{36A27063-7994-4CEA-AE6D-DF3D05296A9C}" type="datetimeFigureOut">
               <a:rPr lang="zh-CN" altLang="en-US" smtClean="0"/>
-              <a:t>2018/12/4</a:t>
+              <a:t>2018/12/5</a:t>
             </a:fld>
             <a:endParaRPr lang="zh-CN" altLang="en-US"/>
           </a:p>
@@ -8032,7 +8603,7 @@
           <a:p>
             <a:fld id="{36A27063-7994-4CEA-AE6D-DF3D05296A9C}" type="datetimeFigureOut">
               <a:rPr lang="zh-CN" altLang="en-US" smtClean="0"/>
-              <a:t>2018/12/4</a:t>
+              <a:t>2018/12/5</a:t>
             </a:fld>
             <a:endParaRPr lang="zh-CN" altLang="en-US"/>
           </a:p>
@@ -9936,7 +10507,7 @@
           <p:nvPr/>
         </p:nvPicPr>
         <p:blipFill>
-          <a:blip r:embed="rId2">
+          <a:blip r:embed="rId3">
             <a:extLst>
               <a:ext uri="{28A0092B-C50C-407E-A947-70E740481C1C}">
                 <a14:useLocalDpi xmlns:a14="http://schemas.microsoft.com/office/drawing/2010/main" val="0"/>
@@ -10602,7 +11173,7 @@
           <p:nvPr/>
         </p:nvPicPr>
         <p:blipFill>
-          <a:blip r:embed="rId2">
+          <a:blip r:embed="rId3">
             <a:extLst>
               <a:ext uri="{28A0092B-C50C-407E-A947-70E740481C1C}">
                 <a14:useLocalDpi xmlns:a14="http://schemas.microsoft.com/office/drawing/2010/main" val="0"/>
@@ -11316,7 +11887,7 @@
           <p:nvPr/>
         </p:nvPicPr>
         <p:blipFill>
-          <a:blip r:embed="rId2">
+          <a:blip r:embed="rId3">
             <a:extLst>
               <a:ext uri="{28A0092B-C50C-407E-A947-70E740481C1C}">
                 <a14:useLocalDpi xmlns:a14="http://schemas.microsoft.com/office/drawing/2010/main" val="0"/>
@@ -11915,7 +12486,7 @@
           <p:nvPr/>
         </p:nvPicPr>
         <p:blipFill>
-          <a:blip r:embed="rId2">
+          <a:blip r:embed="rId3">
             <a:extLst>
               <a:ext uri="{28A0092B-C50C-407E-A947-70E740481C1C}">
                 <a14:useLocalDpi xmlns:a14="http://schemas.microsoft.com/office/drawing/2010/main" val="0"/>
@@ -12339,9 +12910,27 @@
                 <a:tableStyleId>{5C22544A-7EE6-4342-B048-85BDC9FD1C3A}</a:tableStyleId>
               </a:tblPr>
               <a:tblGrid>
-                <a:gridCol w="2295456"/>
-                <a:gridCol w="2295456"/>
-                <a:gridCol w="2295456"/>
+                <a:gridCol w="2295456">
+                  <a:extLst>
+                    <a:ext uri="{9D8B030D-6E8A-4147-A177-3AD203B41FA5}">
+                      <a16:colId xmlns:a16="http://schemas.microsoft.com/office/drawing/2014/main" val="20000"/>
+                    </a:ext>
+                  </a:extLst>
+                </a:gridCol>
+                <a:gridCol w="2295456">
+                  <a:extLst>
+                    <a:ext uri="{9D8B030D-6E8A-4147-A177-3AD203B41FA5}">
+                      <a16:colId xmlns:a16="http://schemas.microsoft.com/office/drawing/2014/main" val="20001"/>
+                    </a:ext>
+                  </a:extLst>
+                </a:gridCol>
+                <a:gridCol w="2295456">
+                  <a:extLst>
+                    <a:ext uri="{9D8B030D-6E8A-4147-A177-3AD203B41FA5}">
+                      <a16:colId xmlns:a16="http://schemas.microsoft.com/office/drawing/2014/main" val="20002"/>
+                    </a:ext>
+                  </a:extLst>
+                </a:gridCol>
               </a:tblGrid>
               <a:tr h="380447">
                 <a:tc>
@@ -12386,6 +12975,11 @@
                   </a:txBody>
                   <a:tcPr anchorCtr="1"/>
                 </a:tc>
+                <a:extLst>
+                  <a:ext uri="{0D108BD9-81ED-4DB2-BD59-A6C34878D82A}">
+                    <a16:rowId xmlns:a16="http://schemas.microsoft.com/office/drawing/2014/main" val="10000"/>
+                  </a:ext>
+                </a:extLst>
               </a:tr>
               <a:tr h="385731">
                 <a:tc>
@@ -12430,6 +13024,11 @@
                   </a:txBody>
                   <a:tcPr/>
                 </a:tc>
+                <a:extLst>
+                  <a:ext uri="{0D108BD9-81ED-4DB2-BD59-A6C34878D82A}">
+                    <a16:rowId xmlns:a16="http://schemas.microsoft.com/office/drawing/2014/main" val="10001"/>
+                  </a:ext>
+                </a:extLst>
               </a:tr>
               <a:tr h="385731">
                 <a:tc>
@@ -12474,6 +13073,11 @@
                   </a:txBody>
                   <a:tcPr/>
                 </a:tc>
+                <a:extLst>
+                  <a:ext uri="{0D108BD9-81ED-4DB2-BD59-A6C34878D82A}">
+                    <a16:rowId xmlns:a16="http://schemas.microsoft.com/office/drawing/2014/main" val="10002"/>
+                  </a:ext>
+                </a:extLst>
               </a:tr>
             </a:tbl>
           </a:graphicData>
@@ -12504,9 +13108,27 @@
                 <a:tableStyleId>{5C22544A-7EE6-4342-B048-85BDC9FD1C3A}</a:tableStyleId>
               </a:tblPr>
               <a:tblGrid>
-                <a:gridCol w="1242372"/>
-                <a:gridCol w="1242372"/>
-                <a:gridCol w="1242372"/>
+                <a:gridCol w="1242372">
+                  <a:extLst>
+                    <a:ext uri="{9D8B030D-6E8A-4147-A177-3AD203B41FA5}">
+                      <a16:colId xmlns:a16="http://schemas.microsoft.com/office/drawing/2014/main" val="20000"/>
+                    </a:ext>
+                  </a:extLst>
+                </a:gridCol>
+                <a:gridCol w="1242372">
+                  <a:extLst>
+                    <a:ext uri="{9D8B030D-6E8A-4147-A177-3AD203B41FA5}">
+                      <a16:colId xmlns:a16="http://schemas.microsoft.com/office/drawing/2014/main" val="20001"/>
+                    </a:ext>
+                  </a:extLst>
+                </a:gridCol>
+                <a:gridCol w="1242372">
+                  <a:extLst>
+                    <a:ext uri="{9D8B030D-6E8A-4147-A177-3AD203B41FA5}">
+                      <a16:colId xmlns:a16="http://schemas.microsoft.com/office/drawing/2014/main" val="20002"/>
+                    </a:ext>
+                  </a:extLst>
+                </a:gridCol>
               </a:tblGrid>
               <a:tr h="370840">
                 <a:tc>
@@ -12568,6 +13190,11 @@
                   </a:txBody>
                   <a:tcPr/>
                 </a:tc>
+                <a:extLst>
+                  <a:ext uri="{0D108BD9-81ED-4DB2-BD59-A6C34878D82A}">
+                    <a16:rowId xmlns:a16="http://schemas.microsoft.com/office/drawing/2014/main" val="10000"/>
+                  </a:ext>
+                </a:extLst>
               </a:tr>
               <a:tr h="370840">
                 <a:tc>
@@ -12615,6 +13242,11 @@
                   </a:txBody>
                   <a:tcPr/>
                 </a:tc>
+                <a:extLst>
+                  <a:ext uri="{0D108BD9-81ED-4DB2-BD59-A6C34878D82A}">
+                    <a16:rowId xmlns:a16="http://schemas.microsoft.com/office/drawing/2014/main" val="10001"/>
+                  </a:ext>
+                </a:extLst>
               </a:tr>
               <a:tr h="370840">
                 <a:tc>
@@ -12662,6 +13294,11 @@
                   </a:txBody>
                   <a:tcPr/>
                 </a:tc>
+                <a:extLst>
+                  <a:ext uri="{0D108BD9-81ED-4DB2-BD59-A6C34878D82A}">
+                    <a16:rowId xmlns:a16="http://schemas.microsoft.com/office/drawing/2014/main" val="10002"/>
+                  </a:ext>
+                </a:extLst>
               </a:tr>
             </a:tbl>
           </a:graphicData>
@@ -12692,9 +13329,27 @@
                 <a:tableStyleId>{5C22544A-7EE6-4342-B048-85BDC9FD1C3A}</a:tableStyleId>
               </a:tblPr>
               <a:tblGrid>
-                <a:gridCol w="1242372"/>
-                <a:gridCol w="1242372"/>
-                <a:gridCol w="1242372"/>
+                <a:gridCol w="1242372">
+                  <a:extLst>
+                    <a:ext uri="{9D8B030D-6E8A-4147-A177-3AD203B41FA5}">
+                      <a16:colId xmlns:a16="http://schemas.microsoft.com/office/drawing/2014/main" val="20000"/>
+                    </a:ext>
+                  </a:extLst>
+                </a:gridCol>
+                <a:gridCol w="1242372">
+                  <a:extLst>
+                    <a:ext uri="{9D8B030D-6E8A-4147-A177-3AD203B41FA5}">
+                      <a16:colId xmlns:a16="http://schemas.microsoft.com/office/drawing/2014/main" val="20001"/>
+                    </a:ext>
+                  </a:extLst>
+                </a:gridCol>
+                <a:gridCol w="1242372">
+                  <a:extLst>
+                    <a:ext uri="{9D8B030D-6E8A-4147-A177-3AD203B41FA5}">
+                      <a16:colId xmlns:a16="http://schemas.microsoft.com/office/drawing/2014/main" val="20002"/>
+                    </a:ext>
+                  </a:extLst>
+                </a:gridCol>
               </a:tblGrid>
               <a:tr h="370840">
                 <a:tc>
@@ -12756,6 +13411,11 @@
                   </a:txBody>
                   <a:tcPr/>
                 </a:tc>
+                <a:extLst>
+                  <a:ext uri="{0D108BD9-81ED-4DB2-BD59-A6C34878D82A}">
+                    <a16:rowId xmlns:a16="http://schemas.microsoft.com/office/drawing/2014/main" val="10000"/>
+                  </a:ext>
+                </a:extLst>
               </a:tr>
               <a:tr h="370840">
                 <a:tc>
@@ -12803,6 +13463,11 @@
                   </a:txBody>
                   <a:tcPr/>
                 </a:tc>
+                <a:extLst>
+                  <a:ext uri="{0D108BD9-81ED-4DB2-BD59-A6C34878D82A}">
+                    <a16:rowId xmlns:a16="http://schemas.microsoft.com/office/drawing/2014/main" val="10001"/>
+                  </a:ext>
+                </a:extLst>
               </a:tr>
               <a:tr h="370840">
                 <a:tc>
@@ -12850,6 +13515,11 @@
                   </a:txBody>
                   <a:tcPr/>
                 </a:tc>
+                <a:extLst>
+                  <a:ext uri="{0D108BD9-81ED-4DB2-BD59-A6C34878D82A}">
+                    <a16:rowId xmlns:a16="http://schemas.microsoft.com/office/drawing/2014/main" val="10002"/>
+                  </a:ext>
+                </a:extLst>
               </a:tr>
             </a:tbl>
           </a:graphicData>
@@ -12880,11 +13550,41 @@
                 <a:tableStyleId>{5C22544A-7EE6-4342-B048-85BDC9FD1C3A}</a:tableStyleId>
               </a:tblPr>
               <a:tblGrid>
-                <a:gridCol w="1625600"/>
-                <a:gridCol w="1625600"/>
-                <a:gridCol w="1625600"/>
-                <a:gridCol w="1625600"/>
-                <a:gridCol w="1625600"/>
+                <a:gridCol w="1625600">
+                  <a:extLst>
+                    <a:ext uri="{9D8B030D-6E8A-4147-A177-3AD203B41FA5}">
+                      <a16:colId xmlns:a16="http://schemas.microsoft.com/office/drawing/2014/main" val="20000"/>
+                    </a:ext>
+                  </a:extLst>
+                </a:gridCol>
+                <a:gridCol w="1625600">
+                  <a:extLst>
+                    <a:ext uri="{9D8B030D-6E8A-4147-A177-3AD203B41FA5}">
+                      <a16:colId xmlns:a16="http://schemas.microsoft.com/office/drawing/2014/main" val="20001"/>
+                    </a:ext>
+                  </a:extLst>
+                </a:gridCol>
+                <a:gridCol w="1625600">
+                  <a:extLst>
+                    <a:ext uri="{9D8B030D-6E8A-4147-A177-3AD203B41FA5}">
+                      <a16:colId xmlns:a16="http://schemas.microsoft.com/office/drawing/2014/main" val="20002"/>
+                    </a:ext>
+                  </a:extLst>
+                </a:gridCol>
+                <a:gridCol w="1625600">
+                  <a:extLst>
+                    <a:ext uri="{9D8B030D-6E8A-4147-A177-3AD203B41FA5}">
+                      <a16:colId xmlns:a16="http://schemas.microsoft.com/office/drawing/2014/main" val="20003"/>
+                    </a:ext>
+                  </a:extLst>
+                </a:gridCol>
+                <a:gridCol w="1625600">
+                  <a:extLst>
+                    <a:ext uri="{9D8B030D-6E8A-4147-A177-3AD203B41FA5}">
+                      <a16:colId xmlns:a16="http://schemas.microsoft.com/office/drawing/2014/main" val="20004"/>
+                    </a:ext>
+                  </a:extLst>
+                </a:gridCol>
               </a:tblGrid>
               <a:tr h="370840">
                 <a:tc>
@@ -12962,6 +13662,11 @@
                   </a:txBody>
                   <a:tcPr/>
                 </a:tc>
+                <a:extLst>
+                  <a:ext uri="{0D108BD9-81ED-4DB2-BD59-A6C34878D82A}">
+                    <a16:rowId xmlns:a16="http://schemas.microsoft.com/office/drawing/2014/main" val="10000"/>
+                  </a:ext>
+                </a:extLst>
               </a:tr>
               <a:tr h="370840">
                 <a:tc>
@@ -13039,6 +13744,11 @@
                   </a:txBody>
                   <a:tcPr/>
                 </a:tc>
+                <a:extLst>
+                  <a:ext uri="{0D108BD9-81ED-4DB2-BD59-A6C34878D82A}">
+                    <a16:rowId xmlns:a16="http://schemas.microsoft.com/office/drawing/2014/main" val="10001"/>
+                  </a:ext>
+                </a:extLst>
               </a:tr>
             </a:tbl>
           </a:graphicData>
@@ -13925,9 +14635,27 @@
                 <a:tableStyleId>{5C22544A-7EE6-4342-B048-85BDC9FD1C3A}</a:tableStyleId>
               </a:tblPr>
               <a:tblGrid>
-                <a:gridCol w="2709333"/>
-                <a:gridCol w="2709333"/>
-                <a:gridCol w="2709333"/>
+                <a:gridCol w="2709333">
+                  <a:extLst>
+                    <a:ext uri="{9D8B030D-6E8A-4147-A177-3AD203B41FA5}">
+                      <a16:colId xmlns:a16="http://schemas.microsoft.com/office/drawing/2014/main" val="20000"/>
+                    </a:ext>
+                  </a:extLst>
+                </a:gridCol>
+                <a:gridCol w="2709333">
+                  <a:extLst>
+                    <a:ext uri="{9D8B030D-6E8A-4147-A177-3AD203B41FA5}">
+                      <a16:colId xmlns:a16="http://schemas.microsoft.com/office/drawing/2014/main" val="20001"/>
+                    </a:ext>
+                  </a:extLst>
+                </a:gridCol>
+                <a:gridCol w="2709333">
+                  <a:extLst>
+                    <a:ext uri="{9D8B030D-6E8A-4147-A177-3AD203B41FA5}">
+                      <a16:colId xmlns:a16="http://schemas.microsoft.com/office/drawing/2014/main" val="20002"/>
+                    </a:ext>
+                  </a:extLst>
+                </a:gridCol>
               </a:tblGrid>
               <a:tr h="370840">
                 <a:tc>
@@ -13975,6 +14703,11 @@
                   </a:txBody>
                   <a:tcPr/>
                 </a:tc>
+                <a:extLst>
+                  <a:ext uri="{0D108BD9-81ED-4DB2-BD59-A6C34878D82A}">
+                    <a16:rowId xmlns:a16="http://schemas.microsoft.com/office/drawing/2014/main" val="10000"/>
+                  </a:ext>
+                </a:extLst>
               </a:tr>
               <a:tr h="370840">
                 <a:tc>
@@ -14022,6 +14755,11 @@
                   </a:txBody>
                   <a:tcPr/>
                 </a:tc>
+                <a:extLst>
+                  <a:ext uri="{0D108BD9-81ED-4DB2-BD59-A6C34878D82A}">
+                    <a16:rowId xmlns:a16="http://schemas.microsoft.com/office/drawing/2014/main" val="10001"/>
+                  </a:ext>
+                </a:extLst>
               </a:tr>
               <a:tr h="370840">
                 <a:tc>
@@ -14069,6 +14807,11 @@
                   </a:txBody>
                   <a:tcPr/>
                 </a:tc>
+                <a:extLst>
+                  <a:ext uri="{0D108BD9-81ED-4DB2-BD59-A6C34878D82A}">
+                    <a16:rowId xmlns:a16="http://schemas.microsoft.com/office/drawing/2014/main" val="10002"/>
+                  </a:ext>
+                </a:extLst>
               </a:tr>
               <a:tr h="370840">
                 <a:tc>
@@ -14116,6 +14859,11 @@
                   </a:txBody>
                   <a:tcPr/>
                 </a:tc>
+                <a:extLst>
+                  <a:ext uri="{0D108BD9-81ED-4DB2-BD59-A6C34878D82A}">
+                    <a16:rowId xmlns:a16="http://schemas.microsoft.com/office/drawing/2014/main" val="10003"/>
+                  </a:ext>
+                </a:extLst>
               </a:tr>
             </a:tbl>
           </a:graphicData>
@@ -14146,8 +14894,20 @@
                 <a:tableStyleId>{5C22544A-7EE6-4342-B048-85BDC9FD1C3A}</a:tableStyleId>
               </a:tblPr>
               <a:tblGrid>
-                <a:gridCol w="2709333"/>
-                <a:gridCol w="2709333"/>
+                <a:gridCol w="2709333">
+                  <a:extLst>
+                    <a:ext uri="{9D8B030D-6E8A-4147-A177-3AD203B41FA5}">
+                      <a16:colId xmlns:a16="http://schemas.microsoft.com/office/drawing/2014/main" val="20000"/>
+                    </a:ext>
+                  </a:extLst>
+                </a:gridCol>
+                <a:gridCol w="2709333">
+                  <a:extLst>
+                    <a:ext uri="{9D8B030D-6E8A-4147-A177-3AD203B41FA5}">
+                      <a16:colId xmlns:a16="http://schemas.microsoft.com/office/drawing/2014/main" val="20001"/>
+                    </a:ext>
+                  </a:extLst>
+                </a:gridCol>
               </a:tblGrid>
               <a:tr h="370840">
                 <a:tc>
@@ -14180,6 +14940,11 @@
                   </a:txBody>
                   <a:tcPr/>
                 </a:tc>
+                <a:extLst>
+                  <a:ext uri="{0D108BD9-81ED-4DB2-BD59-A6C34878D82A}">
+                    <a16:rowId xmlns:a16="http://schemas.microsoft.com/office/drawing/2014/main" val="10000"/>
+                  </a:ext>
+                </a:extLst>
               </a:tr>
               <a:tr h="370840">
                 <a:tc>
@@ -14212,6 +14977,11 @@
                   </a:txBody>
                   <a:tcPr/>
                 </a:tc>
+                <a:extLst>
+                  <a:ext uri="{0D108BD9-81ED-4DB2-BD59-A6C34878D82A}">
+                    <a16:rowId xmlns:a16="http://schemas.microsoft.com/office/drawing/2014/main" val="10001"/>
+                  </a:ext>
+                </a:extLst>
               </a:tr>
               <a:tr h="370840">
                 <a:tc>
@@ -14244,6 +15014,11 @@
                   </a:txBody>
                   <a:tcPr/>
                 </a:tc>
+                <a:extLst>
+                  <a:ext uri="{0D108BD9-81ED-4DB2-BD59-A6C34878D82A}">
+                    <a16:rowId xmlns:a16="http://schemas.microsoft.com/office/drawing/2014/main" val="10002"/>
+                  </a:ext>
+                </a:extLst>
               </a:tr>
             </a:tbl>
           </a:graphicData>
@@ -14839,8 +15614,20 @@
                 <a:tableStyleId>{5C22544A-7EE6-4342-B048-85BDC9FD1C3A}</a:tableStyleId>
               </a:tblPr>
               <a:tblGrid>
-                <a:gridCol w="1376680"/>
-                <a:gridCol w="1376680"/>
+                <a:gridCol w="1376680">
+                  <a:extLst>
+                    <a:ext uri="{9D8B030D-6E8A-4147-A177-3AD203B41FA5}">
+                      <a16:colId xmlns:a16="http://schemas.microsoft.com/office/drawing/2014/main" val="20000"/>
+                    </a:ext>
+                  </a:extLst>
+                </a:gridCol>
+                <a:gridCol w="1376680">
+                  <a:extLst>
+                    <a:ext uri="{9D8B030D-6E8A-4147-A177-3AD203B41FA5}">
+                      <a16:colId xmlns:a16="http://schemas.microsoft.com/office/drawing/2014/main" val="20001"/>
+                    </a:ext>
+                  </a:extLst>
+                </a:gridCol>
               </a:tblGrid>
               <a:tr h="370840">
                 <a:tc>
@@ -14873,6 +15660,11 @@
                   </a:txBody>
                   <a:tcPr/>
                 </a:tc>
+                <a:extLst>
+                  <a:ext uri="{0D108BD9-81ED-4DB2-BD59-A6C34878D82A}">
+                    <a16:rowId xmlns:a16="http://schemas.microsoft.com/office/drawing/2014/main" val="10000"/>
+                  </a:ext>
+                </a:extLst>
               </a:tr>
               <a:tr h="370840">
                 <a:tc>
@@ -14905,6 +15697,11 @@
                   </a:txBody>
                   <a:tcPr/>
                 </a:tc>
+                <a:extLst>
+                  <a:ext uri="{0D108BD9-81ED-4DB2-BD59-A6C34878D82A}">
+                    <a16:rowId xmlns:a16="http://schemas.microsoft.com/office/drawing/2014/main" val="10001"/>
+                  </a:ext>
+                </a:extLst>
               </a:tr>
               <a:tr h="370840">
                 <a:tc>
@@ -14937,6 +15734,11 @@
                   </a:txBody>
                   <a:tcPr/>
                 </a:tc>
+                <a:extLst>
+                  <a:ext uri="{0D108BD9-81ED-4DB2-BD59-A6C34878D82A}">
+                    <a16:rowId xmlns:a16="http://schemas.microsoft.com/office/drawing/2014/main" val="10002"/>
+                  </a:ext>
+                </a:extLst>
               </a:tr>
               <a:tr h="370840">
                 <a:tc>
@@ -14969,6 +15771,11 @@
                   </a:txBody>
                   <a:tcPr/>
                 </a:tc>
+                <a:extLst>
+                  <a:ext uri="{0D108BD9-81ED-4DB2-BD59-A6C34878D82A}">
+                    <a16:rowId xmlns:a16="http://schemas.microsoft.com/office/drawing/2014/main" val="10003"/>
+                  </a:ext>
+                </a:extLst>
               </a:tr>
             </a:tbl>
           </a:graphicData>
@@ -14999,8 +15806,20 @@
                 <a:tableStyleId>{5C22544A-7EE6-4342-B048-85BDC9FD1C3A}</a:tableStyleId>
               </a:tblPr>
               <a:tblGrid>
-                <a:gridCol w="1341121"/>
-                <a:gridCol w="1341121"/>
+                <a:gridCol w="1341121">
+                  <a:extLst>
+                    <a:ext uri="{9D8B030D-6E8A-4147-A177-3AD203B41FA5}">
+                      <a16:colId xmlns:a16="http://schemas.microsoft.com/office/drawing/2014/main" val="20000"/>
+                    </a:ext>
+                  </a:extLst>
+                </a:gridCol>
+                <a:gridCol w="1341121">
+                  <a:extLst>
+                    <a:ext uri="{9D8B030D-6E8A-4147-A177-3AD203B41FA5}">
+                      <a16:colId xmlns:a16="http://schemas.microsoft.com/office/drawing/2014/main" val="20001"/>
+                    </a:ext>
+                  </a:extLst>
+                </a:gridCol>
               </a:tblGrid>
               <a:tr h="370840">
                 <a:tc>
@@ -15033,6 +15852,11 @@
                   </a:txBody>
                   <a:tcPr/>
                 </a:tc>
+                <a:extLst>
+                  <a:ext uri="{0D108BD9-81ED-4DB2-BD59-A6C34878D82A}">
+                    <a16:rowId xmlns:a16="http://schemas.microsoft.com/office/drawing/2014/main" val="10000"/>
+                  </a:ext>
+                </a:extLst>
               </a:tr>
               <a:tr h="370840">
                 <a:tc>
@@ -15065,6 +15889,11 @@
                   </a:txBody>
                   <a:tcPr/>
                 </a:tc>
+                <a:extLst>
+                  <a:ext uri="{0D108BD9-81ED-4DB2-BD59-A6C34878D82A}">
+                    <a16:rowId xmlns:a16="http://schemas.microsoft.com/office/drawing/2014/main" val="10001"/>
+                  </a:ext>
+                </a:extLst>
               </a:tr>
               <a:tr h="370840">
                 <a:tc>
@@ -15097,6 +15926,11 @@
                   </a:txBody>
                   <a:tcPr/>
                 </a:tc>
+                <a:extLst>
+                  <a:ext uri="{0D108BD9-81ED-4DB2-BD59-A6C34878D82A}">
+                    <a16:rowId xmlns:a16="http://schemas.microsoft.com/office/drawing/2014/main" val="10002"/>
+                  </a:ext>
+                </a:extLst>
               </a:tr>
               <a:tr h="370840">
                 <a:tc>
@@ -15129,6 +15963,11 @@
                   </a:txBody>
                   <a:tcPr/>
                 </a:tc>
+                <a:extLst>
+                  <a:ext uri="{0D108BD9-81ED-4DB2-BD59-A6C34878D82A}">
+                    <a16:rowId xmlns:a16="http://schemas.microsoft.com/office/drawing/2014/main" val="10003"/>
+                  </a:ext>
+                </a:extLst>
               </a:tr>
             </a:tbl>
           </a:graphicData>
@@ -15159,8 +15998,20 @@
                 <a:tableStyleId>{5C22544A-7EE6-4342-B048-85BDC9FD1C3A}</a:tableStyleId>
               </a:tblPr>
               <a:tblGrid>
-                <a:gridCol w="2341880"/>
-                <a:gridCol w="2341880"/>
+                <a:gridCol w="2341880">
+                  <a:extLst>
+                    <a:ext uri="{9D8B030D-6E8A-4147-A177-3AD203B41FA5}">
+                      <a16:colId xmlns:a16="http://schemas.microsoft.com/office/drawing/2014/main" val="20000"/>
+                    </a:ext>
+                  </a:extLst>
+                </a:gridCol>
+                <a:gridCol w="2341880">
+                  <a:extLst>
+                    <a:ext uri="{9D8B030D-6E8A-4147-A177-3AD203B41FA5}">
+                      <a16:colId xmlns:a16="http://schemas.microsoft.com/office/drawing/2014/main" val="20001"/>
+                    </a:ext>
+                  </a:extLst>
+                </a:gridCol>
               </a:tblGrid>
               <a:tr h="370840">
                 <a:tc>
@@ -15193,6 +16044,11 @@
                   </a:txBody>
                   <a:tcPr/>
                 </a:tc>
+                <a:extLst>
+                  <a:ext uri="{0D108BD9-81ED-4DB2-BD59-A6C34878D82A}">
+                    <a16:rowId xmlns:a16="http://schemas.microsoft.com/office/drawing/2014/main" val="10000"/>
+                  </a:ext>
+                </a:extLst>
               </a:tr>
               <a:tr h="370840">
                 <a:tc>
@@ -15225,6 +16081,11 @@
                   </a:txBody>
                   <a:tcPr/>
                 </a:tc>
+                <a:extLst>
+                  <a:ext uri="{0D108BD9-81ED-4DB2-BD59-A6C34878D82A}">
+                    <a16:rowId xmlns:a16="http://schemas.microsoft.com/office/drawing/2014/main" val="10001"/>
+                  </a:ext>
+                </a:extLst>
               </a:tr>
               <a:tr h="370840">
                 <a:tc>
@@ -15257,6 +16118,11 @@
                   </a:txBody>
                   <a:tcPr/>
                 </a:tc>
+                <a:extLst>
+                  <a:ext uri="{0D108BD9-81ED-4DB2-BD59-A6C34878D82A}">
+                    <a16:rowId xmlns:a16="http://schemas.microsoft.com/office/drawing/2014/main" val="10002"/>
+                  </a:ext>
+                </a:extLst>
               </a:tr>
             </a:tbl>
           </a:graphicData>
@@ -17104,7 +17970,7 @@
         <p:spPr>
           <a:xfrm>
             <a:off x="838200" y="4452890"/>
-            <a:ext cx="8029353" cy="1938992"/>
+            <a:ext cx="8029353" cy="1200329"/>
           </a:xfrm>
           <a:prstGeom prst="rect">
             <a:avLst/>
@@ -17123,31 +17989,14 @@
             </a:pPr>
             <a:r>
               <a:rPr lang="zh-CN" altLang="en-US" sz="2400" dirty="0" smtClean="0">
+                <a:solidFill>
+                  <a:srgbClr val="FF0000"/>
+                </a:solidFill>
                 <a:latin typeface="楷体" panose="02010609060101010101" pitchFamily="49" charset="-122"/>
                 <a:ea typeface="楷体" panose="02010609060101010101" pitchFamily="49" charset="-122"/>
               </a:rPr>
-              <a:t>图挖掘算法</a:t>
-            </a:r>
-            <a:endParaRPr lang="en-US" altLang="zh-CN" sz="2400" dirty="0" smtClean="0">
-              <a:latin typeface="楷体" panose="02010609060101010101" pitchFamily="49" charset="-122"/>
-              <a:ea typeface="楷体" panose="02010609060101010101" pitchFamily="49" charset="-122"/>
-            </a:endParaRPr>
-          </a:p>
-          <a:p>
-            <a:pPr marL="285750" indent="-285750">
-              <a:buFont typeface="Wingdings" panose="05000000000000000000" pitchFamily="2" charset="2"/>
-              <a:buChar char="ü"/>
-            </a:pPr>
-            <a:endParaRPr lang="en-US" altLang="zh-CN" sz="2400" dirty="0" smtClean="0">
-              <a:latin typeface="楷体" panose="02010609060101010101" pitchFamily="49" charset="-122"/>
-              <a:ea typeface="楷体" panose="02010609060101010101" pitchFamily="49" charset="-122"/>
-            </a:endParaRPr>
-          </a:p>
-          <a:p>
-            <a:pPr marL="285750" indent="-285750">
-              <a:buFont typeface="Wingdings" panose="05000000000000000000" pitchFamily="2" charset="2"/>
-              <a:buChar char="ü"/>
-            </a:pPr>
+              <a:t>数据</a:t>
+            </a:r>
             <a:r>
               <a:rPr lang="zh-CN" altLang="en-US" sz="2400" dirty="0" smtClean="0">
                 <a:solidFill>
@@ -17156,7 +18005,7 @@
                 <a:latin typeface="楷体" panose="02010609060101010101" pitchFamily="49" charset="-122"/>
                 <a:ea typeface="楷体" panose="02010609060101010101" pitchFamily="49" charset="-122"/>
               </a:rPr>
-              <a:t>数据更新速度慢</a:t>
+              <a:t>更新速度慢</a:t>
             </a:r>
             <a:endParaRPr lang="en-US" altLang="zh-CN" sz="2400" dirty="0" smtClean="0">
               <a:solidFill>
@@ -17753,346 +18602,6 @@
       </p:grpSpPr>
       <p:sp>
         <p:nvSpPr>
-          <p:cNvPr id="2" name="标题 1"/>
-          <p:cNvSpPr>
-            <a:spLocks noGrp="1"/>
-          </p:cNvSpPr>
-          <p:nvPr>
-            <p:ph type="title"/>
-          </p:nvPr>
-        </p:nvSpPr>
-        <p:spPr>
-          <a:xfrm>
-            <a:off x="838200" y="121285"/>
-            <a:ext cx="10515600" cy="1325563"/>
-          </a:xfrm>
-        </p:spPr>
-        <p:txBody>
-          <a:bodyPr/>
-          <a:lstStyle/>
-          <a:p>
-            <a:r>
-              <a:rPr lang="en-US" altLang="zh-CN" dirty="0" smtClean="0"/>
-              <a:t>Titan: </a:t>
-            </a:r>
-            <a:r>
-              <a:rPr lang="zh-CN" altLang="en-US" dirty="0" smtClean="0"/>
-              <a:t>一个分布式图形数据库</a:t>
-            </a:r>
-            <a:endParaRPr lang="zh-CN" altLang="en-US" dirty="0"/>
-          </a:p>
-        </p:txBody>
-      </p:sp>
-      <p:sp>
-        <p:nvSpPr>
-          <p:cNvPr id="3" name="内容占位符 2"/>
-          <p:cNvSpPr>
-            <a:spLocks noGrp="1"/>
-          </p:cNvSpPr>
-          <p:nvPr>
-            <p:ph idx="1"/>
-          </p:nvPr>
-        </p:nvSpPr>
-        <p:spPr>
-          <a:xfrm>
-            <a:off x="838200" y="1318093"/>
-            <a:ext cx="10515600" cy="2831435"/>
-          </a:xfrm>
-        </p:spPr>
-        <p:txBody>
-          <a:bodyPr>
-            <a:noAutofit/>
-          </a:bodyPr>
-          <a:lstStyle/>
-          <a:p>
-            <a:pPr>
-              <a:lnSpc>
-                <a:spcPct val="150000"/>
-              </a:lnSpc>
-            </a:pPr>
-            <a:r>
-              <a:rPr lang="zh-CN" altLang="en-US" sz="2400" dirty="0" smtClean="0">
-                <a:latin typeface="楷体" panose="02010609060101010101" pitchFamily="49" charset="-122"/>
-                <a:ea typeface="楷体" panose="02010609060101010101" pitchFamily="49" charset="-122"/>
-              </a:rPr>
-              <a:t>可容纳数千亿个顶点和边</a:t>
-            </a:r>
-            <a:endParaRPr lang="en-US" altLang="zh-CN" sz="2400" dirty="0">
-              <a:latin typeface="楷体" panose="02010609060101010101" pitchFamily="49" charset="-122"/>
-              <a:ea typeface="楷体" panose="02010609060101010101" pitchFamily="49" charset="-122"/>
-            </a:endParaRPr>
-          </a:p>
-          <a:p>
-            <a:pPr>
-              <a:lnSpc>
-                <a:spcPct val="150000"/>
-              </a:lnSpc>
-            </a:pPr>
-            <a:r>
-              <a:rPr lang="zh-CN" altLang="en-US" sz="2400" dirty="0">
-                <a:latin typeface="楷体" panose="02010609060101010101" pitchFamily="49" charset="-122"/>
-                <a:ea typeface="楷体" panose="02010609060101010101" pitchFamily="49" charset="-122"/>
-              </a:rPr>
-              <a:t>可</a:t>
-            </a:r>
-            <a:r>
-              <a:rPr lang="zh-CN" altLang="en-US" sz="2400" dirty="0" smtClean="0">
-                <a:latin typeface="楷体" panose="02010609060101010101" pitchFamily="49" charset="-122"/>
-                <a:ea typeface="楷体" panose="02010609060101010101" pitchFamily="49" charset="-122"/>
-              </a:rPr>
-              <a:t>以支撑上千并发用户</a:t>
-            </a:r>
-            <a:endParaRPr lang="en-US" altLang="zh-CN" sz="2400" dirty="0" smtClean="0">
-              <a:latin typeface="楷体" panose="02010609060101010101" pitchFamily="49" charset="-122"/>
-              <a:ea typeface="楷体" panose="02010609060101010101" pitchFamily="49" charset="-122"/>
-            </a:endParaRPr>
-          </a:p>
-          <a:p>
-            <a:pPr>
-              <a:lnSpc>
-                <a:spcPct val="150000"/>
-              </a:lnSpc>
-            </a:pPr>
-            <a:r>
-              <a:rPr lang="zh-CN" altLang="en-US" sz="2400" dirty="0">
-                <a:latin typeface="楷体" panose="02010609060101010101" pitchFamily="49" charset="-122"/>
-                <a:ea typeface="楷体" panose="02010609060101010101" pitchFamily="49" charset="-122"/>
-              </a:rPr>
-              <a:t>支</a:t>
-            </a:r>
-            <a:r>
-              <a:rPr lang="zh-CN" altLang="en-US" sz="2400" dirty="0" smtClean="0">
-                <a:latin typeface="楷体" panose="02010609060101010101" pitchFamily="49" charset="-122"/>
-                <a:ea typeface="楷体" panose="02010609060101010101" pitchFamily="49" charset="-122"/>
-              </a:rPr>
-              <a:t>持事务</a:t>
-            </a:r>
-            <a:endParaRPr lang="en-US" altLang="zh-CN" sz="2400" dirty="0">
-              <a:latin typeface="楷体" panose="02010609060101010101" pitchFamily="49" charset="-122"/>
-              <a:ea typeface="楷体" panose="02010609060101010101" pitchFamily="49" charset="-122"/>
-            </a:endParaRPr>
-          </a:p>
-          <a:p>
-            <a:pPr>
-              <a:lnSpc>
-                <a:spcPct val="150000"/>
-              </a:lnSpc>
-            </a:pPr>
-            <a:r>
-              <a:rPr lang="zh-CN" altLang="en-US" sz="2400" dirty="0" smtClean="0">
-                <a:latin typeface="楷体" panose="02010609060101010101" pitchFamily="49" charset="-122"/>
-                <a:ea typeface="楷体" panose="02010609060101010101" pitchFamily="49" charset="-122"/>
-              </a:rPr>
-              <a:t>计算复杂图形遍历</a:t>
-            </a:r>
-            <a:endParaRPr lang="en-US" altLang="zh-CN" sz="2400" dirty="0">
-              <a:latin typeface="楷体" panose="02010609060101010101" pitchFamily="49" charset="-122"/>
-              <a:ea typeface="楷体" panose="02010609060101010101" pitchFamily="49" charset="-122"/>
-            </a:endParaRPr>
-          </a:p>
-          <a:p>
-            <a:pPr>
-              <a:lnSpc>
-                <a:spcPct val="150000"/>
-              </a:lnSpc>
-            </a:pPr>
-            <a:r>
-              <a:rPr lang="zh-CN" altLang="en-US" sz="2400" dirty="0" smtClean="0">
-                <a:latin typeface="楷体" panose="02010609060101010101" pitchFamily="49" charset="-122"/>
-                <a:ea typeface="楷体" panose="02010609060101010101" pitchFamily="49" charset="-122"/>
-              </a:rPr>
-              <a:t>支持多种存储后端</a:t>
-            </a:r>
-          </a:p>
-        </p:txBody>
-      </p:sp>
-      <p:sp>
-        <p:nvSpPr>
-          <p:cNvPr id="4" name="文本框 3"/>
-          <p:cNvSpPr txBox="1"/>
-          <p:nvPr/>
-        </p:nvSpPr>
-        <p:spPr>
-          <a:xfrm>
-            <a:off x="2551814" y="6464595"/>
-            <a:ext cx="489098" cy="369332"/>
-          </a:xfrm>
-          <a:prstGeom prst="rect">
-            <a:avLst/>
-          </a:prstGeom>
-          <a:noFill/>
-        </p:spPr>
-        <p:txBody>
-          <a:bodyPr wrap="square" rtlCol="0">
-            <a:spAutoFit/>
-          </a:bodyPr>
-          <a:lstStyle/>
-          <a:p>
-            <a:endParaRPr lang="zh-CN" altLang="en-US" dirty="0"/>
-          </a:p>
-        </p:txBody>
-      </p:sp>
-      <p:sp>
-        <p:nvSpPr>
-          <p:cNvPr id="5" name="文本框 4"/>
-          <p:cNvSpPr txBox="1"/>
-          <p:nvPr/>
-        </p:nvSpPr>
-        <p:spPr>
-          <a:xfrm>
-            <a:off x="1133666" y="4665896"/>
-            <a:ext cx="3997842" cy="1477328"/>
-          </a:xfrm>
-          <a:prstGeom prst="rect">
-            <a:avLst/>
-          </a:prstGeom>
-          <a:noFill/>
-        </p:spPr>
-        <p:txBody>
-          <a:bodyPr wrap="square" rtlCol="0">
-            <a:spAutoFit/>
-          </a:bodyPr>
-          <a:lstStyle/>
-          <a:p>
-            <a:pPr marL="285750" indent="-285750">
-              <a:lnSpc>
-                <a:spcPct val="150000"/>
-              </a:lnSpc>
-              <a:buFont typeface="Arial" panose="020B0604020202020204" pitchFamily="34" charset="0"/>
-              <a:buChar char="•"/>
-            </a:pPr>
-            <a:r>
-              <a:rPr lang="en-US" altLang="zh-CN" sz="2000" dirty="0" smtClean="0">
-                <a:latin typeface="Times New Roman" panose="02020603050405020304" pitchFamily="18" charset="0"/>
-              </a:rPr>
-              <a:t>Apache Cassandra(distributed)</a:t>
-            </a:r>
-          </a:p>
-          <a:p>
-            <a:pPr marL="285750" indent="-285750">
-              <a:lnSpc>
-                <a:spcPct val="150000"/>
-              </a:lnSpc>
-              <a:buFont typeface="Arial" panose="020B0604020202020204" pitchFamily="34" charset="0"/>
-              <a:buChar char="•"/>
-            </a:pPr>
-            <a:r>
-              <a:rPr lang="en-US" altLang="zh-CN" sz="2000" dirty="0" smtClean="0">
-                <a:latin typeface="Times New Roman" panose="02020603050405020304" pitchFamily="18" charset="0"/>
-              </a:rPr>
-              <a:t>Apache </a:t>
-            </a:r>
-            <a:r>
-              <a:rPr lang="en-US" altLang="zh-CN" sz="2000" dirty="0" err="1" smtClean="0">
-                <a:latin typeface="Times New Roman" panose="02020603050405020304" pitchFamily="18" charset="0"/>
-              </a:rPr>
-              <a:t>HBase</a:t>
-            </a:r>
-            <a:r>
-              <a:rPr lang="en-US" altLang="zh-CN" sz="2000" dirty="0" smtClean="0">
-                <a:latin typeface="Times New Roman" panose="02020603050405020304" pitchFamily="18" charset="0"/>
-              </a:rPr>
-              <a:t>(distributed)</a:t>
-            </a:r>
-          </a:p>
-          <a:p>
-            <a:pPr marL="285750" indent="-285750">
-              <a:lnSpc>
-                <a:spcPct val="150000"/>
-              </a:lnSpc>
-              <a:buFont typeface="Arial" panose="020B0604020202020204" pitchFamily="34" charset="0"/>
-              <a:buChar char="•"/>
-            </a:pPr>
-            <a:r>
-              <a:rPr lang="en-US" altLang="zh-CN" sz="2000" dirty="0" smtClean="0">
-                <a:latin typeface="Times New Roman" panose="02020603050405020304" pitchFamily="18" charset="0"/>
-              </a:rPr>
-              <a:t>Oracle </a:t>
-            </a:r>
-            <a:r>
-              <a:rPr lang="en-US" altLang="zh-CN" sz="2000" dirty="0" err="1" smtClean="0">
-                <a:latin typeface="Times New Roman" panose="02020603050405020304" pitchFamily="18" charset="0"/>
-              </a:rPr>
-              <a:t>BerkekeyDB</a:t>
-            </a:r>
-            <a:r>
-              <a:rPr lang="en-US" altLang="zh-CN" sz="2000" dirty="0" smtClean="0">
-                <a:latin typeface="Times New Roman" panose="02020603050405020304" pitchFamily="18" charset="0"/>
-              </a:rPr>
-              <a:t>(local)</a:t>
-            </a:r>
-          </a:p>
-        </p:txBody>
-      </p:sp>
-      <p:pic>
-        <p:nvPicPr>
-          <p:cNvPr id="6" name="图片 5"/>
-          <p:cNvPicPr>
-            <a:picLocks noChangeAspect="1"/>
-          </p:cNvPicPr>
-          <p:nvPr/>
-        </p:nvPicPr>
-        <p:blipFill>
-          <a:blip r:embed="rId3">
-            <a:extLst>
-              <a:ext uri="{28A0092B-C50C-407E-A947-70E740481C1C}">
-                <a14:useLocalDpi xmlns:a14="http://schemas.microsoft.com/office/drawing/2010/main" val="0"/>
-              </a:ext>
-            </a:extLst>
-          </a:blip>
-          <a:stretch>
-            <a:fillRect/>
-          </a:stretch>
-        </p:blipFill>
-        <p:spPr>
-          <a:xfrm>
-            <a:off x="8842547" y="784066"/>
-            <a:ext cx="2086266" cy="3839111"/>
-          </a:xfrm>
-          <a:prstGeom prst="rect">
-            <a:avLst/>
-          </a:prstGeom>
-        </p:spPr>
-      </p:pic>
-    </p:spTree>
-    <p:extLst>
-      <p:ext uri="{BB962C8B-B14F-4D97-AF65-F5344CB8AC3E}">
-        <p14:creationId xmlns:p14="http://schemas.microsoft.com/office/powerpoint/2010/main" val="1077278632"/>
-      </p:ext>
-    </p:extLst>
-  </p:cSld>
-  <p:clrMapOvr>
-    <a:masterClrMapping/>
-  </p:clrMapOvr>
-  <p:timing>
-    <p:tnLst>
-      <p:par>
-        <p:cTn id="1" dur="indefinite" restart="never" nodeType="tmRoot"/>
-      </p:par>
-    </p:tnLst>
-  </p:timing>
-</p:sld>
-</file>
-
-<file path=ppt/slides/slide27.xml><?xml version="1.0" encoding="utf-8"?>
-<p:sld xmlns:a="http://schemas.openxmlformats.org/drawingml/2006/main" xmlns:r="http://schemas.openxmlformats.org/officeDocument/2006/relationships" xmlns:p="http://schemas.openxmlformats.org/presentationml/2006/main">
-  <p:cSld>
-    <p:spTree>
-      <p:nvGrpSpPr>
-        <p:cNvPr id="1" name=""/>
-        <p:cNvGrpSpPr/>
-        <p:nvPr/>
-      </p:nvGrpSpPr>
-      <p:grpSpPr>
-        <a:xfrm>
-          <a:off x="0" y="0"/>
-          <a:ext cx="0" cy="0"/>
-          <a:chOff x="0" y="0"/>
-          <a:chExt cx="0" cy="0"/>
-        </a:xfrm>
-      </p:grpSpPr>
-      <p:sp>
-        <p:nvSpPr>
           <p:cNvPr id="4" name="内容占位符 2"/>
           <p:cNvSpPr>
             <a:spLocks noGrp="1"/>
@@ -18157,7 +18666,7 @@
 </p:sld>
 </file>
 
-<file path=ppt/slides/slide28.xml><?xml version="1.0" encoding="utf-8"?>
+<file path=ppt/slides/slide27.xml><?xml version="1.0" encoding="utf-8"?>
 <p:sld xmlns:a="http://schemas.openxmlformats.org/drawingml/2006/main" xmlns:r="http://schemas.openxmlformats.org/officeDocument/2006/relationships" xmlns:p="http://schemas.openxmlformats.org/presentationml/2006/main">
   <p:cSld>
     <p:spTree>
@@ -18577,7 +19086,7 @@
 </p:sld>
 </file>
 
-<file path=ppt/slides/slide29.xml><?xml version="1.0" encoding="utf-8"?>
+<file path=ppt/slides/slide28.xml><?xml version="1.0" encoding="utf-8"?>
 <p:sld xmlns:a="http://schemas.openxmlformats.org/drawingml/2006/main" xmlns:r="http://schemas.openxmlformats.org/officeDocument/2006/relationships" xmlns:p="http://schemas.openxmlformats.org/presentationml/2006/main">
   <p:cSld>
     <p:spTree>
@@ -18797,90 +19306,7 @@
 </p:sld>
 </file>
 
-<file path=ppt/slides/slide3.xml><?xml version="1.0" encoding="utf-8"?>
-<p:sld xmlns:a="http://schemas.openxmlformats.org/drawingml/2006/main" xmlns:r="http://schemas.openxmlformats.org/officeDocument/2006/relationships" xmlns:p="http://schemas.openxmlformats.org/presentationml/2006/main">
-  <p:cSld>
-    <p:spTree>
-      <p:nvGrpSpPr>
-        <p:cNvPr id="1" name=""/>
-        <p:cNvGrpSpPr/>
-        <p:nvPr/>
-      </p:nvGrpSpPr>
-      <p:grpSpPr>
-        <a:xfrm>
-          <a:off x="0" y="0"/>
-          <a:ext cx="0" cy="0"/>
-          <a:chOff x="0" y="0"/>
-          <a:chExt cx="0" cy="0"/>
-        </a:xfrm>
-      </p:grpSpPr>
-      <p:sp>
-        <p:nvSpPr>
-          <p:cNvPr id="3" name="内容占位符 2"/>
-          <p:cNvSpPr>
-            <a:spLocks noGrp="1"/>
-          </p:cNvSpPr>
-          <p:nvPr>
-            <p:ph idx="1"/>
-          </p:nvPr>
-        </p:nvSpPr>
-        <p:spPr>
-          <a:xfrm>
-            <a:off x="529441" y="2395642"/>
-            <a:ext cx="10918371" cy="1796347"/>
-          </a:xfrm>
-        </p:spPr>
-        <p:txBody>
-          <a:bodyPr anchor="ctr" anchorCtr="1">
-            <a:normAutofit/>
-          </a:bodyPr>
-          <a:lstStyle/>
-          <a:p>
-            <a:pPr marL="0" indent="0">
-              <a:buNone/>
-            </a:pPr>
-            <a:r>
-              <a:rPr lang="en-US" altLang="zh-CN" sz="6000" dirty="0" smtClean="0">
-                <a:latin typeface="楷体" panose="02010609060101010101" pitchFamily="49" charset="-122"/>
-                <a:ea typeface="楷体" panose="02010609060101010101" pitchFamily="49" charset="-122"/>
-              </a:rPr>
-              <a:t>1.</a:t>
-            </a:r>
-            <a:r>
-              <a:rPr lang="zh-CN" altLang="en-US" sz="6000" dirty="0" smtClean="0">
-                <a:latin typeface="楷体" panose="02010609060101010101" pitchFamily="49" charset="-122"/>
-                <a:ea typeface="楷体" panose="02010609060101010101" pitchFamily="49" charset="-122"/>
-              </a:rPr>
-              <a:t>知识图谱的基本概念</a:t>
-            </a:r>
-            <a:endParaRPr lang="zh-CN" altLang="en-US" sz="6000" dirty="0">
-              <a:latin typeface="楷体" panose="02010609060101010101" pitchFamily="49" charset="-122"/>
-              <a:ea typeface="楷体" panose="02010609060101010101" pitchFamily="49" charset="-122"/>
-            </a:endParaRPr>
-          </a:p>
-        </p:txBody>
-      </p:sp>
-    </p:spTree>
-    <p:extLst>
-      <p:ext uri="{BB962C8B-B14F-4D97-AF65-F5344CB8AC3E}">
-        <p14:creationId xmlns:p14="http://schemas.microsoft.com/office/powerpoint/2010/main" val="115120652"/>
-      </p:ext>
-    </p:extLst>
-  </p:cSld>
-  <p:clrMapOvr>
-    <a:masterClrMapping/>
-  </p:clrMapOvr>
-  <p:timing>
-    <p:tnLst>
-      <p:par>
-        <p:cTn id="1" dur="indefinite" restart="never" nodeType="tmRoot"/>
-      </p:par>
-    </p:tnLst>
-  </p:timing>
-</p:sld>
-</file>
-
-<file path=ppt/slides/slide30.xml><?xml version="1.0" encoding="utf-8"?>
+<file path=ppt/slides/slide29.xml><?xml version="1.0" encoding="utf-8"?>
 <p:sld xmlns:a="http://schemas.openxmlformats.org/drawingml/2006/main" xmlns:r="http://schemas.openxmlformats.org/officeDocument/2006/relationships" xmlns:p="http://schemas.openxmlformats.org/presentationml/2006/main">
   <p:cSld>
     <p:spTree>
@@ -18922,8 +19348,20 @@
                 <a:tableStyleId>{5C22544A-7EE6-4342-B048-85BDC9FD1C3A}</a:tableStyleId>
               </a:tblPr>
               <a:tblGrid>
-                <a:gridCol w="2564065"/>
-                <a:gridCol w="7315199"/>
+                <a:gridCol w="2564065">
+                  <a:extLst>
+                    <a:ext uri="{9D8B030D-6E8A-4147-A177-3AD203B41FA5}">
+                      <a16:colId xmlns:a16="http://schemas.microsoft.com/office/drawing/2014/main" val="20000"/>
+                    </a:ext>
+                  </a:extLst>
+                </a:gridCol>
+                <a:gridCol w="7315199">
+                  <a:extLst>
+                    <a:ext uri="{9D8B030D-6E8A-4147-A177-3AD203B41FA5}">
+                      <a16:colId xmlns:a16="http://schemas.microsoft.com/office/drawing/2014/main" val="20001"/>
+                    </a:ext>
+                  </a:extLst>
+                </a:gridCol>
               </a:tblGrid>
               <a:tr h="652557">
                 <a:tc>
@@ -18956,6 +19394,11 @@
                   </a:txBody>
                   <a:tcPr/>
                 </a:tc>
+                <a:extLst>
+                  <a:ext uri="{0D108BD9-81ED-4DB2-BD59-A6C34878D82A}">
+                    <a16:rowId xmlns:a16="http://schemas.microsoft.com/office/drawing/2014/main" val="10000"/>
+                  </a:ext>
+                </a:extLst>
               </a:tr>
               <a:tr h="652557">
                 <a:tc>
@@ -19004,6 +19447,11 @@
                   </a:txBody>
                   <a:tcPr/>
                 </a:tc>
+                <a:extLst>
+                  <a:ext uri="{0D108BD9-81ED-4DB2-BD59-A6C34878D82A}">
+                    <a16:rowId xmlns:a16="http://schemas.microsoft.com/office/drawing/2014/main" val="10001"/>
+                  </a:ext>
+                </a:extLst>
               </a:tr>
               <a:tr h="652557">
                 <a:tc>
@@ -19036,6 +19484,11 @@
                   </a:txBody>
                   <a:tcPr/>
                 </a:tc>
+                <a:extLst>
+                  <a:ext uri="{0D108BD9-81ED-4DB2-BD59-A6C34878D82A}">
+                    <a16:rowId xmlns:a16="http://schemas.microsoft.com/office/drawing/2014/main" val="10002"/>
+                  </a:ext>
+                </a:extLst>
               </a:tr>
             </a:tbl>
           </a:graphicData>
@@ -19106,7 +19559,7 @@
           <a:graphicData uri="http://schemas.openxmlformats.org/presentationml/2006/ole">
             <mc:AlternateContent xmlns:mc="http://schemas.openxmlformats.org/markup-compatibility/2006">
               <mc:Choice xmlns:v="urn:schemas-microsoft-com:vml" Requires="v">
-                <p:oleObj spid="_x0000_s2059" name="Equation" r:id="rId4" imgW="4356000" imgH="203040" progId="Equation.DSMT4">
+                <p:oleObj spid="_x0000_s2069" name="Equation" r:id="rId4" imgW="4356000" imgH="203040" progId="Equation.DSMT4">
                   <p:embed/>
                 </p:oleObj>
               </mc:Choice>
@@ -19163,7 +19616,7 @@
           <a:graphicData uri="http://schemas.openxmlformats.org/presentationml/2006/ole">
             <mc:AlternateContent xmlns:mc="http://schemas.openxmlformats.org/markup-compatibility/2006">
               <mc:Choice xmlns:v="urn:schemas-microsoft-com:vml" Requires="v">
-                <p:oleObj spid="_x0000_s2060" name="Equation" r:id="rId6" imgW="3860640" imgH="203040" progId="Equation.DSMT4">
+                <p:oleObj spid="_x0000_s2070" name="Equation" r:id="rId6" imgW="3860640" imgH="203040" progId="Equation.DSMT4">
                   <p:embed/>
                 </p:oleObj>
               </mc:Choice>
@@ -19211,7 +19664,90 @@
 </p:sld>
 </file>
 
-<file path=ppt/slides/slide31.xml><?xml version="1.0" encoding="utf-8"?>
+<file path=ppt/slides/slide3.xml><?xml version="1.0" encoding="utf-8"?>
+<p:sld xmlns:a="http://schemas.openxmlformats.org/drawingml/2006/main" xmlns:r="http://schemas.openxmlformats.org/officeDocument/2006/relationships" xmlns:p="http://schemas.openxmlformats.org/presentationml/2006/main">
+  <p:cSld>
+    <p:spTree>
+      <p:nvGrpSpPr>
+        <p:cNvPr id="1" name=""/>
+        <p:cNvGrpSpPr/>
+        <p:nvPr/>
+      </p:nvGrpSpPr>
+      <p:grpSpPr>
+        <a:xfrm>
+          <a:off x="0" y="0"/>
+          <a:ext cx="0" cy="0"/>
+          <a:chOff x="0" y="0"/>
+          <a:chExt cx="0" cy="0"/>
+        </a:xfrm>
+      </p:grpSpPr>
+      <p:sp>
+        <p:nvSpPr>
+          <p:cNvPr id="3" name="内容占位符 2"/>
+          <p:cNvSpPr>
+            <a:spLocks noGrp="1"/>
+          </p:cNvSpPr>
+          <p:nvPr>
+            <p:ph idx="1"/>
+          </p:nvPr>
+        </p:nvSpPr>
+        <p:spPr>
+          <a:xfrm>
+            <a:off x="529441" y="2395642"/>
+            <a:ext cx="10918371" cy="1796347"/>
+          </a:xfrm>
+        </p:spPr>
+        <p:txBody>
+          <a:bodyPr anchor="ctr" anchorCtr="1">
+            <a:normAutofit/>
+          </a:bodyPr>
+          <a:lstStyle/>
+          <a:p>
+            <a:pPr marL="0" indent="0">
+              <a:buNone/>
+            </a:pPr>
+            <a:r>
+              <a:rPr lang="en-US" altLang="zh-CN" sz="6000" dirty="0" smtClean="0">
+                <a:latin typeface="楷体" panose="02010609060101010101" pitchFamily="49" charset="-122"/>
+                <a:ea typeface="楷体" panose="02010609060101010101" pitchFamily="49" charset="-122"/>
+              </a:rPr>
+              <a:t>1.</a:t>
+            </a:r>
+            <a:r>
+              <a:rPr lang="zh-CN" altLang="en-US" sz="6000" dirty="0" smtClean="0">
+                <a:latin typeface="楷体" panose="02010609060101010101" pitchFamily="49" charset="-122"/>
+                <a:ea typeface="楷体" panose="02010609060101010101" pitchFamily="49" charset="-122"/>
+              </a:rPr>
+              <a:t>知识图谱的基本概念</a:t>
+            </a:r>
+            <a:endParaRPr lang="zh-CN" altLang="en-US" sz="6000" dirty="0">
+              <a:latin typeface="楷体" panose="02010609060101010101" pitchFamily="49" charset="-122"/>
+              <a:ea typeface="楷体" panose="02010609060101010101" pitchFamily="49" charset="-122"/>
+            </a:endParaRPr>
+          </a:p>
+        </p:txBody>
+      </p:sp>
+    </p:spTree>
+    <p:extLst>
+      <p:ext uri="{BB962C8B-B14F-4D97-AF65-F5344CB8AC3E}">
+        <p14:creationId xmlns:p14="http://schemas.microsoft.com/office/powerpoint/2010/main" val="115120652"/>
+      </p:ext>
+    </p:extLst>
+  </p:cSld>
+  <p:clrMapOvr>
+    <a:masterClrMapping/>
+  </p:clrMapOvr>
+  <p:timing>
+    <p:tnLst>
+      <p:par>
+        <p:cTn id="1" dur="indefinite" restart="never" nodeType="tmRoot"/>
+      </p:par>
+    </p:tnLst>
+  </p:timing>
+</p:sld>
+</file>
+
+<file path=ppt/slides/slide30.xml><?xml version="1.0" encoding="utf-8"?>
 <p:sld xmlns:a="http://schemas.openxmlformats.org/drawingml/2006/main" xmlns:r="http://schemas.openxmlformats.org/officeDocument/2006/relationships" xmlns:p="http://schemas.openxmlformats.org/presentationml/2006/main">
   <p:cSld>
     <p:spTree>
@@ -19364,8 +19900,20 @@
                 <a:tableStyleId>{5C22544A-7EE6-4342-B048-85BDC9FD1C3A}</a:tableStyleId>
               </a:tblPr>
               <a:tblGrid>
-                <a:gridCol w="1685285"/>
-                <a:gridCol w="1685285"/>
+                <a:gridCol w="1685285">
+                  <a:extLst>
+                    <a:ext uri="{9D8B030D-6E8A-4147-A177-3AD203B41FA5}">
+                      <a16:colId xmlns:a16="http://schemas.microsoft.com/office/drawing/2014/main" val="20000"/>
+                    </a:ext>
+                  </a:extLst>
+                </a:gridCol>
+                <a:gridCol w="1685285">
+                  <a:extLst>
+                    <a:ext uri="{9D8B030D-6E8A-4147-A177-3AD203B41FA5}">
+                      <a16:colId xmlns:a16="http://schemas.microsoft.com/office/drawing/2014/main" val="20001"/>
+                    </a:ext>
+                  </a:extLst>
+                </a:gridCol>
               </a:tblGrid>
               <a:tr h="370840">
                 <a:tc>
@@ -19396,6 +19944,11 @@
                   </a:txBody>
                   <a:tcPr/>
                 </a:tc>
+                <a:extLst>
+                  <a:ext uri="{0D108BD9-81ED-4DB2-BD59-A6C34878D82A}">
+                    <a16:rowId xmlns:a16="http://schemas.microsoft.com/office/drawing/2014/main" val="10000"/>
+                  </a:ext>
+                </a:extLst>
               </a:tr>
               <a:tr h="370840">
                 <a:tc>
@@ -19426,6 +19979,11 @@
                   </a:txBody>
                   <a:tcPr/>
                 </a:tc>
+                <a:extLst>
+                  <a:ext uri="{0D108BD9-81ED-4DB2-BD59-A6C34878D82A}">
+                    <a16:rowId xmlns:a16="http://schemas.microsoft.com/office/drawing/2014/main" val="10001"/>
+                  </a:ext>
+                </a:extLst>
               </a:tr>
             </a:tbl>
           </a:graphicData>
@@ -19456,8 +20014,20 @@
                 <a:tableStyleId>{5C22544A-7EE6-4342-B048-85BDC9FD1C3A}</a:tableStyleId>
               </a:tblPr>
               <a:tblGrid>
-                <a:gridCol w="1685285"/>
-                <a:gridCol w="1685285"/>
+                <a:gridCol w="1685285">
+                  <a:extLst>
+                    <a:ext uri="{9D8B030D-6E8A-4147-A177-3AD203B41FA5}">
+                      <a16:colId xmlns:a16="http://schemas.microsoft.com/office/drawing/2014/main" val="20000"/>
+                    </a:ext>
+                  </a:extLst>
+                </a:gridCol>
+                <a:gridCol w="1685285">
+                  <a:extLst>
+                    <a:ext uri="{9D8B030D-6E8A-4147-A177-3AD203B41FA5}">
+                      <a16:colId xmlns:a16="http://schemas.microsoft.com/office/drawing/2014/main" val="20001"/>
+                    </a:ext>
+                  </a:extLst>
+                </a:gridCol>
               </a:tblGrid>
               <a:tr h="370840">
                 <a:tc>
@@ -19488,6 +20058,11 @@
                   </a:txBody>
                   <a:tcPr/>
                 </a:tc>
+                <a:extLst>
+                  <a:ext uri="{0D108BD9-81ED-4DB2-BD59-A6C34878D82A}">
+                    <a16:rowId xmlns:a16="http://schemas.microsoft.com/office/drawing/2014/main" val="10000"/>
+                  </a:ext>
+                </a:extLst>
               </a:tr>
               <a:tr h="370840">
                 <a:tc>
@@ -19518,6 +20093,11 @@
                   </a:txBody>
                   <a:tcPr/>
                 </a:tc>
+                <a:extLst>
+                  <a:ext uri="{0D108BD9-81ED-4DB2-BD59-A6C34878D82A}">
+                    <a16:rowId xmlns:a16="http://schemas.microsoft.com/office/drawing/2014/main" val="10001"/>
+                  </a:ext>
+                </a:extLst>
               </a:tr>
             </a:tbl>
           </a:graphicData>
@@ -19548,8 +20128,20 @@
                 <a:tableStyleId>{21E4AEA4-8DFA-4A89-87EB-49C32662AFE0}</a:tableStyleId>
               </a:tblPr>
               <a:tblGrid>
-                <a:gridCol w="1733411"/>
-                <a:gridCol w="1733411"/>
+                <a:gridCol w="1733411">
+                  <a:extLst>
+                    <a:ext uri="{9D8B030D-6E8A-4147-A177-3AD203B41FA5}">
+                      <a16:colId xmlns:a16="http://schemas.microsoft.com/office/drawing/2014/main" val="20000"/>
+                    </a:ext>
+                  </a:extLst>
+                </a:gridCol>
+                <a:gridCol w="1733411">
+                  <a:extLst>
+                    <a:ext uri="{9D8B030D-6E8A-4147-A177-3AD203B41FA5}">
+                      <a16:colId xmlns:a16="http://schemas.microsoft.com/office/drawing/2014/main" val="20001"/>
+                    </a:ext>
+                  </a:extLst>
+                </a:gridCol>
               </a:tblGrid>
               <a:tr h="370840">
                 <a:tc>
@@ -19580,6 +20172,11 @@
                   </a:txBody>
                   <a:tcPr/>
                 </a:tc>
+                <a:extLst>
+                  <a:ext uri="{0D108BD9-81ED-4DB2-BD59-A6C34878D82A}">
+                    <a16:rowId xmlns:a16="http://schemas.microsoft.com/office/drawing/2014/main" val="10000"/>
+                  </a:ext>
+                </a:extLst>
               </a:tr>
               <a:tr h="370840">
                 <a:tc>
@@ -19610,6 +20207,11 @@
                   </a:txBody>
                   <a:tcPr/>
                 </a:tc>
+                <a:extLst>
+                  <a:ext uri="{0D108BD9-81ED-4DB2-BD59-A6C34878D82A}">
+                    <a16:rowId xmlns:a16="http://schemas.microsoft.com/office/drawing/2014/main" val="10001"/>
+                  </a:ext>
+                </a:extLst>
               </a:tr>
             </a:tbl>
           </a:graphicData>
@@ -19640,9 +20242,27 @@
                 <a:tableStyleId>{93296810-A885-4BE3-A3E7-6D5BEEA58F35}</a:tableStyleId>
               </a:tblPr>
               <a:tblGrid>
-                <a:gridCol w="1293827"/>
-                <a:gridCol w="1631574"/>
-                <a:gridCol w="1528010"/>
+                <a:gridCol w="1293827">
+                  <a:extLst>
+                    <a:ext uri="{9D8B030D-6E8A-4147-A177-3AD203B41FA5}">
+                      <a16:colId xmlns:a16="http://schemas.microsoft.com/office/drawing/2014/main" val="20000"/>
+                    </a:ext>
+                  </a:extLst>
+                </a:gridCol>
+                <a:gridCol w="1631574">
+                  <a:extLst>
+                    <a:ext uri="{9D8B030D-6E8A-4147-A177-3AD203B41FA5}">
+                      <a16:colId xmlns:a16="http://schemas.microsoft.com/office/drawing/2014/main" val="20001"/>
+                    </a:ext>
+                  </a:extLst>
+                </a:gridCol>
+                <a:gridCol w="1528010">
+                  <a:extLst>
+                    <a:ext uri="{9D8B030D-6E8A-4147-A177-3AD203B41FA5}">
+                      <a16:colId xmlns:a16="http://schemas.microsoft.com/office/drawing/2014/main" val="20002"/>
+                    </a:ext>
+                  </a:extLst>
+                </a:gridCol>
               </a:tblGrid>
               <a:tr h="370840">
                 <a:tc>
@@ -19687,6 +20307,11 @@
                   </a:txBody>
                   <a:tcPr/>
                 </a:tc>
+                <a:extLst>
+                  <a:ext uri="{0D108BD9-81ED-4DB2-BD59-A6C34878D82A}">
+                    <a16:rowId xmlns:a16="http://schemas.microsoft.com/office/drawing/2014/main" val="10000"/>
+                  </a:ext>
+                </a:extLst>
               </a:tr>
               <a:tr h="370840">
                 <a:tc>
@@ -19731,6 +20356,11 @@
                   </a:txBody>
                   <a:tcPr/>
                 </a:tc>
+                <a:extLst>
+                  <a:ext uri="{0D108BD9-81ED-4DB2-BD59-A6C34878D82A}">
+                    <a16:rowId xmlns:a16="http://schemas.microsoft.com/office/drawing/2014/main" val="10001"/>
+                  </a:ext>
+                </a:extLst>
               </a:tr>
             </a:tbl>
           </a:graphicData>
@@ -19749,7 +20379,7 @@
 </p:sld>
 </file>
 
-<file path=ppt/slides/slide32.xml><?xml version="1.0" encoding="utf-8"?>
+<file path=ppt/slides/slide31.xml><?xml version="1.0" encoding="utf-8"?>
 <p:sld xmlns:a="http://schemas.openxmlformats.org/drawingml/2006/main" xmlns:r="http://schemas.openxmlformats.org/officeDocument/2006/relationships" xmlns:p="http://schemas.openxmlformats.org/presentationml/2006/main">
   <p:cSld>
     <p:spTree>
@@ -20081,7 +20711,7 @@
 </p:sld>
 </file>
 
-<file path=ppt/slides/slide33.xml><?xml version="1.0" encoding="utf-8"?>
+<file path=ppt/slides/slide32.xml><?xml version="1.0" encoding="utf-8"?>
 <p:sld xmlns:a="http://schemas.openxmlformats.org/drawingml/2006/main" xmlns:r="http://schemas.openxmlformats.org/officeDocument/2006/relationships" xmlns:p="http://schemas.openxmlformats.org/presentationml/2006/main">
   <p:cSld>
     <p:spTree>
@@ -20574,9 +21204,27 @@
                 <a:tableStyleId>{5C22544A-7EE6-4342-B048-85BDC9FD1C3A}</a:tableStyleId>
               </a:tblPr>
               <a:tblGrid>
-                <a:gridCol w="1950720"/>
-                <a:gridCol w="1950720"/>
-                <a:gridCol w="1950720"/>
+                <a:gridCol w="1950720">
+                  <a:extLst>
+                    <a:ext uri="{9D8B030D-6E8A-4147-A177-3AD203B41FA5}">
+                      <a16:colId xmlns:a16="http://schemas.microsoft.com/office/drawing/2014/main" val="20000"/>
+                    </a:ext>
+                  </a:extLst>
+                </a:gridCol>
+                <a:gridCol w="1950720">
+                  <a:extLst>
+                    <a:ext uri="{9D8B030D-6E8A-4147-A177-3AD203B41FA5}">
+                      <a16:colId xmlns:a16="http://schemas.microsoft.com/office/drawing/2014/main" val="20001"/>
+                    </a:ext>
+                  </a:extLst>
+                </a:gridCol>
+                <a:gridCol w="1950720">
+                  <a:extLst>
+                    <a:ext uri="{9D8B030D-6E8A-4147-A177-3AD203B41FA5}">
+                      <a16:colId xmlns:a16="http://schemas.microsoft.com/office/drawing/2014/main" val="20002"/>
+                    </a:ext>
+                  </a:extLst>
+                </a:gridCol>
               </a:tblGrid>
               <a:tr h="370840">
                 <a:tc>
@@ -20624,6 +21272,11 @@
                   </a:txBody>
                   <a:tcPr/>
                 </a:tc>
+                <a:extLst>
+                  <a:ext uri="{0D108BD9-81ED-4DB2-BD59-A6C34878D82A}">
+                    <a16:rowId xmlns:a16="http://schemas.microsoft.com/office/drawing/2014/main" val="10000"/>
+                  </a:ext>
+                </a:extLst>
               </a:tr>
               <a:tr h="370840">
                 <a:tc>
@@ -20671,6 +21324,11 @@
                   </a:txBody>
                   <a:tcPr/>
                 </a:tc>
+                <a:extLst>
+                  <a:ext uri="{0D108BD9-81ED-4DB2-BD59-A6C34878D82A}">
+                    <a16:rowId xmlns:a16="http://schemas.microsoft.com/office/drawing/2014/main" val="10001"/>
+                  </a:ext>
+                </a:extLst>
               </a:tr>
             </a:tbl>
           </a:graphicData>

--- a/知识图谱存储与查询/知识图谱的查询与存储.pptx
+++ b/知识图谱存储与查询/知识图谱的查询与存储.pptx
@@ -893,6 +893,753 @@
 </dgm:colorsDef>
 </file>
 
+<file path=ppt/diagrams/colors2.xml><?xml version="1.0" encoding="utf-8"?>
+<dgm:colorsDef xmlns:dgm="http://schemas.openxmlformats.org/drawingml/2006/diagram" xmlns:a="http://schemas.openxmlformats.org/drawingml/2006/main" uniqueId="urn:microsoft.com/office/officeart/2005/8/colors/accent1_2">
+  <dgm:title val=""/>
+  <dgm:desc val=""/>
+  <dgm:catLst>
+    <dgm:cat type="accent1" pri="11200"/>
+  </dgm:catLst>
+  <dgm:styleLbl name="node0">
+    <dgm:fillClrLst meth="repeat">
+      <a:schemeClr val="accent1"/>
+    </dgm:fillClrLst>
+    <dgm:linClrLst meth="repeat">
+      <a:schemeClr val="lt1"/>
+    </dgm:linClrLst>
+    <dgm:effectClrLst/>
+    <dgm:txLinClrLst/>
+    <dgm:txFillClrLst/>
+    <dgm:txEffectClrLst/>
+  </dgm:styleLbl>
+  <dgm:styleLbl name="alignNode1">
+    <dgm:fillClrLst meth="repeat">
+      <a:schemeClr val="accent1"/>
+    </dgm:fillClrLst>
+    <dgm:linClrLst meth="repeat">
+      <a:schemeClr val="accent1"/>
+    </dgm:linClrLst>
+    <dgm:effectClrLst/>
+    <dgm:txLinClrLst/>
+    <dgm:txFillClrLst/>
+    <dgm:txEffectClrLst/>
+  </dgm:styleLbl>
+  <dgm:styleLbl name="node1">
+    <dgm:fillClrLst meth="repeat">
+      <a:schemeClr val="accent1"/>
+    </dgm:fillClrLst>
+    <dgm:linClrLst meth="repeat">
+      <a:schemeClr val="lt1"/>
+    </dgm:linClrLst>
+    <dgm:effectClrLst/>
+    <dgm:txLinClrLst/>
+    <dgm:txFillClrLst/>
+    <dgm:txEffectClrLst/>
+  </dgm:styleLbl>
+  <dgm:styleLbl name="lnNode1">
+    <dgm:fillClrLst meth="repeat">
+      <a:schemeClr val="accent1"/>
+    </dgm:fillClrLst>
+    <dgm:linClrLst meth="repeat">
+      <a:schemeClr val="lt1"/>
+    </dgm:linClrLst>
+    <dgm:effectClrLst/>
+    <dgm:txLinClrLst/>
+    <dgm:txFillClrLst/>
+    <dgm:txEffectClrLst/>
+  </dgm:styleLbl>
+  <dgm:styleLbl name="vennNode1">
+    <dgm:fillClrLst meth="repeat">
+      <a:schemeClr val="accent1">
+        <a:alpha val="50000"/>
+      </a:schemeClr>
+    </dgm:fillClrLst>
+    <dgm:linClrLst meth="repeat">
+      <a:schemeClr val="lt1"/>
+    </dgm:linClrLst>
+    <dgm:effectClrLst/>
+    <dgm:txLinClrLst/>
+    <dgm:txFillClrLst/>
+    <dgm:txEffectClrLst/>
+  </dgm:styleLbl>
+  <dgm:styleLbl name="node2">
+    <dgm:fillClrLst meth="repeat">
+      <a:schemeClr val="accent1"/>
+    </dgm:fillClrLst>
+    <dgm:linClrLst meth="repeat">
+      <a:schemeClr val="lt1"/>
+    </dgm:linClrLst>
+    <dgm:effectClrLst/>
+    <dgm:txLinClrLst/>
+    <dgm:txFillClrLst/>
+    <dgm:txEffectClrLst/>
+  </dgm:styleLbl>
+  <dgm:styleLbl name="node3">
+    <dgm:fillClrLst meth="repeat">
+      <a:schemeClr val="accent1"/>
+    </dgm:fillClrLst>
+    <dgm:linClrLst meth="repeat">
+      <a:schemeClr val="lt1"/>
+    </dgm:linClrLst>
+    <dgm:effectClrLst/>
+    <dgm:txLinClrLst/>
+    <dgm:txFillClrLst/>
+    <dgm:txEffectClrLst/>
+  </dgm:styleLbl>
+  <dgm:styleLbl name="node4">
+    <dgm:fillClrLst meth="repeat">
+      <a:schemeClr val="accent1"/>
+    </dgm:fillClrLst>
+    <dgm:linClrLst meth="repeat">
+      <a:schemeClr val="lt1"/>
+    </dgm:linClrLst>
+    <dgm:effectClrLst/>
+    <dgm:txLinClrLst/>
+    <dgm:txFillClrLst/>
+    <dgm:txEffectClrLst/>
+  </dgm:styleLbl>
+  <dgm:styleLbl name="fgImgPlace1">
+    <dgm:fillClrLst meth="repeat">
+      <a:schemeClr val="accent1">
+        <a:tint val="50000"/>
+      </a:schemeClr>
+    </dgm:fillClrLst>
+    <dgm:linClrLst meth="repeat">
+      <a:schemeClr val="lt1"/>
+    </dgm:linClrLst>
+    <dgm:effectClrLst/>
+    <dgm:txLinClrLst/>
+    <dgm:txFillClrLst meth="repeat">
+      <a:schemeClr val="lt1"/>
+    </dgm:txFillClrLst>
+    <dgm:txEffectClrLst/>
+  </dgm:styleLbl>
+  <dgm:styleLbl name="alignImgPlace1">
+    <dgm:fillClrLst meth="repeat">
+      <a:schemeClr val="accent1">
+        <a:tint val="50000"/>
+      </a:schemeClr>
+    </dgm:fillClrLst>
+    <dgm:linClrLst meth="repeat">
+      <a:schemeClr val="lt1"/>
+    </dgm:linClrLst>
+    <dgm:effectClrLst/>
+    <dgm:txLinClrLst/>
+    <dgm:txFillClrLst meth="repeat">
+      <a:schemeClr val="lt1"/>
+    </dgm:txFillClrLst>
+    <dgm:txEffectClrLst/>
+  </dgm:styleLbl>
+  <dgm:styleLbl name="bgImgPlace1">
+    <dgm:fillClrLst meth="repeat">
+      <a:schemeClr val="accent1">
+        <a:tint val="50000"/>
+      </a:schemeClr>
+    </dgm:fillClrLst>
+    <dgm:linClrLst meth="repeat">
+      <a:schemeClr val="lt1"/>
+    </dgm:linClrLst>
+    <dgm:effectClrLst/>
+    <dgm:txLinClrLst/>
+    <dgm:txFillClrLst meth="repeat">
+      <a:schemeClr val="lt1"/>
+    </dgm:txFillClrLst>
+    <dgm:txEffectClrLst/>
+  </dgm:styleLbl>
+  <dgm:styleLbl name="sibTrans2D1">
+    <dgm:fillClrLst meth="repeat">
+      <a:schemeClr val="accent1">
+        <a:tint val="60000"/>
+      </a:schemeClr>
+    </dgm:fillClrLst>
+    <dgm:linClrLst meth="repeat">
+      <a:schemeClr val="accent1">
+        <a:tint val="60000"/>
+      </a:schemeClr>
+    </dgm:linClrLst>
+    <dgm:effectClrLst/>
+    <dgm:txLinClrLst/>
+    <dgm:txFillClrLst/>
+    <dgm:txEffectClrLst/>
+  </dgm:styleLbl>
+  <dgm:styleLbl name="fgSibTrans2D1">
+    <dgm:fillClrLst meth="repeat">
+      <a:schemeClr val="accent1">
+        <a:tint val="60000"/>
+      </a:schemeClr>
+    </dgm:fillClrLst>
+    <dgm:linClrLst meth="repeat">
+      <a:schemeClr val="accent1">
+        <a:tint val="60000"/>
+      </a:schemeClr>
+    </dgm:linClrLst>
+    <dgm:effectClrLst/>
+    <dgm:txLinClrLst/>
+    <dgm:txFillClrLst/>
+    <dgm:txEffectClrLst/>
+  </dgm:styleLbl>
+  <dgm:styleLbl name="bgSibTrans2D1">
+    <dgm:fillClrLst meth="repeat">
+      <a:schemeClr val="accent1">
+        <a:tint val="60000"/>
+      </a:schemeClr>
+    </dgm:fillClrLst>
+    <dgm:linClrLst meth="repeat">
+      <a:schemeClr val="accent1">
+        <a:tint val="60000"/>
+      </a:schemeClr>
+    </dgm:linClrLst>
+    <dgm:effectClrLst/>
+    <dgm:txLinClrLst/>
+    <dgm:txFillClrLst/>
+    <dgm:txEffectClrLst/>
+  </dgm:styleLbl>
+  <dgm:styleLbl name="sibTrans1D1">
+    <dgm:fillClrLst meth="repeat">
+      <a:schemeClr val="accent1"/>
+    </dgm:fillClrLst>
+    <dgm:linClrLst meth="repeat">
+      <a:schemeClr val="accent1"/>
+    </dgm:linClrLst>
+    <dgm:effectClrLst/>
+    <dgm:txLinClrLst/>
+    <dgm:txFillClrLst meth="repeat">
+      <a:schemeClr val="tx1"/>
+    </dgm:txFillClrLst>
+    <dgm:txEffectClrLst/>
+  </dgm:styleLbl>
+  <dgm:styleLbl name="callout">
+    <dgm:fillClrLst meth="repeat">
+      <a:schemeClr val="accent1"/>
+    </dgm:fillClrLst>
+    <dgm:linClrLst meth="repeat">
+      <a:schemeClr val="accent1">
+        <a:tint val="50000"/>
+      </a:schemeClr>
+    </dgm:linClrLst>
+    <dgm:effectClrLst/>
+    <dgm:txLinClrLst/>
+    <dgm:txFillClrLst meth="repeat">
+      <a:schemeClr val="tx1"/>
+    </dgm:txFillClrLst>
+    <dgm:txEffectClrLst/>
+  </dgm:styleLbl>
+  <dgm:styleLbl name="asst0">
+    <dgm:fillClrLst meth="repeat">
+      <a:schemeClr val="accent1"/>
+    </dgm:fillClrLst>
+    <dgm:linClrLst meth="repeat">
+      <a:schemeClr val="lt1"/>
+    </dgm:linClrLst>
+    <dgm:effectClrLst/>
+    <dgm:txLinClrLst/>
+    <dgm:txFillClrLst/>
+    <dgm:txEffectClrLst/>
+  </dgm:styleLbl>
+  <dgm:styleLbl name="asst1">
+    <dgm:fillClrLst meth="repeat">
+      <a:schemeClr val="accent1"/>
+    </dgm:fillClrLst>
+    <dgm:linClrLst meth="repeat">
+      <a:schemeClr val="lt1"/>
+    </dgm:linClrLst>
+    <dgm:effectClrLst/>
+    <dgm:txLinClrLst/>
+    <dgm:txFillClrLst/>
+    <dgm:txEffectClrLst/>
+  </dgm:styleLbl>
+  <dgm:styleLbl name="asst2">
+    <dgm:fillClrLst meth="repeat">
+      <a:schemeClr val="accent1"/>
+    </dgm:fillClrLst>
+    <dgm:linClrLst meth="repeat">
+      <a:schemeClr val="lt1"/>
+    </dgm:linClrLst>
+    <dgm:effectClrLst/>
+    <dgm:txLinClrLst/>
+    <dgm:txFillClrLst/>
+    <dgm:txEffectClrLst/>
+  </dgm:styleLbl>
+  <dgm:styleLbl name="asst3">
+    <dgm:fillClrLst meth="repeat">
+      <a:schemeClr val="accent1"/>
+    </dgm:fillClrLst>
+    <dgm:linClrLst meth="repeat">
+      <a:schemeClr val="lt1"/>
+    </dgm:linClrLst>
+    <dgm:effectClrLst/>
+    <dgm:txLinClrLst/>
+    <dgm:txFillClrLst/>
+    <dgm:txEffectClrLst/>
+  </dgm:styleLbl>
+  <dgm:styleLbl name="asst4">
+    <dgm:fillClrLst meth="repeat">
+      <a:schemeClr val="accent1"/>
+    </dgm:fillClrLst>
+    <dgm:linClrLst meth="repeat">
+      <a:schemeClr val="lt1"/>
+    </dgm:linClrLst>
+    <dgm:effectClrLst/>
+    <dgm:txLinClrLst/>
+    <dgm:txFillClrLst/>
+    <dgm:txEffectClrLst/>
+  </dgm:styleLbl>
+  <dgm:styleLbl name="parChTrans2D1">
+    <dgm:fillClrLst meth="repeat">
+      <a:schemeClr val="accent1">
+        <a:tint val="60000"/>
+      </a:schemeClr>
+    </dgm:fillClrLst>
+    <dgm:linClrLst meth="repeat">
+      <a:schemeClr val="accent1">
+        <a:tint val="60000"/>
+      </a:schemeClr>
+    </dgm:linClrLst>
+    <dgm:effectClrLst/>
+    <dgm:txLinClrLst/>
+    <dgm:txFillClrLst meth="repeat">
+      <a:schemeClr val="lt1"/>
+    </dgm:txFillClrLst>
+    <dgm:txEffectClrLst/>
+  </dgm:styleLbl>
+  <dgm:styleLbl name="parChTrans2D2">
+    <dgm:fillClrLst meth="repeat">
+      <a:schemeClr val="accent1"/>
+    </dgm:fillClrLst>
+    <dgm:linClrLst meth="repeat">
+      <a:schemeClr val="accent1"/>
+    </dgm:linClrLst>
+    <dgm:effectClrLst/>
+    <dgm:txLinClrLst/>
+    <dgm:txFillClrLst meth="repeat">
+      <a:schemeClr val="lt1"/>
+    </dgm:txFillClrLst>
+    <dgm:txEffectClrLst/>
+  </dgm:styleLbl>
+  <dgm:styleLbl name="parChTrans2D3">
+    <dgm:fillClrLst meth="repeat">
+      <a:schemeClr val="accent1"/>
+    </dgm:fillClrLst>
+    <dgm:linClrLst meth="repeat">
+      <a:schemeClr val="accent1"/>
+    </dgm:linClrLst>
+    <dgm:effectClrLst/>
+    <dgm:txLinClrLst/>
+    <dgm:txFillClrLst meth="repeat">
+      <a:schemeClr val="lt1"/>
+    </dgm:txFillClrLst>
+    <dgm:txEffectClrLst/>
+  </dgm:styleLbl>
+  <dgm:styleLbl name="parChTrans2D4">
+    <dgm:fillClrLst meth="repeat">
+      <a:schemeClr val="accent1"/>
+    </dgm:fillClrLst>
+    <dgm:linClrLst meth="repeat">
+      <a:schemeClr val="accent1"/>
+    </dgm:linClrLst>
+    <dgm:effectClrLst/>
+    <dgm:txLinClrLst/>
+    <dgm:txFillClrLst meth="repeat">
+      <a:schemeClr val="lt1"/>
+    </dgm:txFillClrLst>
+    <dgm:txEffectClrLst/>
+  </dgm:styleLbl>
+  <dgm:styleLbl name="parChTrans1D1">
+    <dgm:fillClrLst meth="repeat">
+      <a:schemeClr val="accent1"/>
+    </dgm:fillClrLst>
+    <dgm:linClrLst meth="repeat">
+      <a:schemeClr val="accent1">
+        <a:shade val="60000"/>
+      </a:schemeClr>
+    </dgm:linClrLst>
+    <dgm:effectClrLst/>
+    <dgm:txLinClrLst/>
+    <dgm:txFillClrLst meth="repeat">
+      <a:schemeClr val="tx1"/>
+    </dgm:txFillClrLst>
+    <dgm:txEffectClrLst/>
+  </dgm:styleLbl>
+  <dgm:styleLbl name="parChTrans1D2">
+    <dgm:fillClrLst meth="repeat">
+      <a:schemeClr val="accent1"/>
+    </dgm:fillClrLst>
+    <dgm:linClrLst meth="repeat">
+      <a:schemeClr val="accent1">
+        <a:shade val="60000"/>
+      </a:schemeClr>
+    </dgm:linClrLst>
+    <dgm:effectClrLst/>
+    <dgm:txLinClrLst/>
+    <dgm:txFillClrLst meth="repeat">
+      <a:schemeClr val="tx1"/>
+    </dgm:txFillClrLst>
+    <dgm:txEffectClrLst/>
+  </dgm:styleLbl>
+  <dgm:styleLbl name="parChTrans1D3">
+    <dgm:fillClrLst meth="repeat">
+      <a:schemeClr val="accent1"/>
+    </dgm:fillClrLst>
+    <dgm:linClrLst meth="repeat">
+      <a:schemeClr val="accent1">
+        <a:shade val="80000"/>
+      </a:schemeClr>
+    </dgm:linClrLst>
+    <dgm:effectClrLst/>
+    <dgm:txLinClrLst/>
+    <dgm:txFillClrLst meth="repeat">
+      <a:schemeClr val="tx1"/>
+    </dgm:txFillClrLst>
+    <dgm:txEffectClrLst/>
+  </dgm:styleLbl>
+  <dgm:styleLbl name="parChTrans1D4">
+    <dgm:fillClrLst meth="repeat">
+      <a:schemeClr val="accent1"/>
+    </dgm:fillClrLst>
+    <dgm:linClrLst meth="repeat">
+      <a:schemeClr val="accent1">
+        <a:shade val="80000"/>
+      </a:schemeClr>
+    </dgm:linClrLst>
+    <dgm:effectClrLst/>
+    <dgm:txLinClrLst/>
+    <dgm:txFillClrLst meth="repeat">
+      <a:schemeClr val="tx1"/>
+    </dgm:txFillClrLst>
+    <dgm:txEffectClrLst/>
+  </dgm:styleLbl>
+  <dgm:styleLbl name="fgAcc1">
+    <dgm:fillClrLst meth="repeat">
+      <a:schemeClr val="lt1">
+        <a:alpha val="90000"/>
+      </a:schemeClr>
+    </dgm:fillClrLst>
+    <dgm:linClrLst meth="repeat">
+      <a:schemeClr val="accent1"/>
+    </dgm:linClrLst>
+    <dgm:effectClrLst/>
+    <dgm:txLinClrLst/>
+    <dgm:txFillClrLst meth="repeat">
+      <a:schemeClr val="dk1"/>
+    </dgm:txFillClrLst>
+    <dgm:txEffectClrLst/>
+  </dgm:styleLbl>
+  <dgm:styleLbl name="conFgAcc1">
+    <dgm:fillClrLst meth="repeat">
+      <a:schemeClr val="lt1">
+        <a:alpha val="90000"/>
+      </a:schemeClr>
+    </dgm:fillClrLst>
+    <dgm:linClrLst meth="repeat">
+      <a:schemeClr val="accent1"/>
+    </dgm:linClrLst>
+    <dgm:effectClrLst/>
+    <dgm:txLinClrLst/>
+    <dgm:txFillClrLst meth="repeat">
+      <a:schemeClr val="dk1"/>
+    </dgm:txFillClrLst>
+    <dgm:txEffectClrLst/>
+  </dgm:styleLbl>
+  <dgm:styleLbl name="alignAcc1">
+    <dgm:fillClrLst meth="repeat">
+      <a:schemeClr val="lt1">
+        <a:alpha val="90000"/>
+      </a:schemeClr>
+    </dgm:fillClrLst>
+    <dgm:linClrLst meth="repeat">
+      <a:schemeClr val="accent1"/>
+    </dgm:linClrLst>
+    <dgm:effectClrLst/>
+    <dgm:txLinClrLst/>
+    <dgm:txFillClrLst meth="repeat">
+      <a:schemeClr val="dk1"/>
+    </dgm:txFillClrLst>
+    <dgm:txEffectClrLst/>
+  </dgm:styleLbl>
+  <dgm:styleLbl name="trAlignAcc1">
+    <dgm:fillClrLst meth="repeat">
+      <a:schemeClr val="lt1">
+        <a:alpha val="40000"/>
+      </a:schemeClr>
+    </dgm:fillClrLst>
+    <dgm:linClrLst meth="repeat">
+      <a:schemeClr val="accent1"/>
+    </dgm:linClrLst>
+    <dgm:effectClrLst/>
+    <dgm:txLinClrLst/>
+    <dgm:txFillClrLst meth="repeat">
+      <a:schemeClr val="dk1"/>
+    </dgm:txFillClrLst>
+    <dgm:txEffectClrLst/>
+  </dgm:styleLbl>
+  <dgm:styleLbl name="bgAcc1">
+    <dgm:fillClrLst meth="repeat">
+      <a:schemeClr val="lt1">
+        <a:alpha val="90000"/>
+      </a:schemeClr>
+    </dgm:fillClrLst>
+    <dgm:linClrLst meth="repeat">
+      <a:schemeClr val="accent1"/>
+    </dgm:linClrLst>
+    <dgm:effectClrLst/>
+    <dgm:txLinClrLst/>
+    <dgm:txFillClrLst meth="repeat">
+      <a:schemeClr val="dk1"/>
+    </dgm:txFillClrLst>
+    <dgm:txEffectClrLst/>
+  </dgm:styleLbl>
+  <dgm:styleLbl name="solidFgAcc1">
+    <dgm:fillClrLst meth="repeat">
+      <a:schemeClr val="lt1"/>
+    </dgm:fillClrLst>
+    <dgm:linClrLst meth="repeat">
+      <a:schemeClr val="accent1"/>
+    </dgm:linClrLst>
+    <dgm:effectClrLst/>
+    <dgm:txLinClrLst/>
+    <dgm:txFillClrLst meth="repeat">
+      <a:schemeClr val="dk1"/>
+    </dgm:txFillClrLst>
+    <dgm:txEffectClrLst/>
+  </dgm:styleLbl>
+  <dgm:styleLbl name="solidAlignAcc1">
+    <dgm:fillClrLst meth="repeat">
+      <a:schemeClr val="lt1"/>
+    </dgm:fillClrLst>
+    <dgm:linClrLst meth="repeat">
+      <a:schemeClr val="accent1"/>
+    </dgm:linClrLst>
+    <dgm:effectClrLst/>
+    <dgm:txLinClrLst/>
+    <dgm:txFillClrLst meth="repeat">
+      <a:schemeClr val="dk1"/>
+    </dgm:txFillClrLst>
+    <dgm:txEffectClrLst/>
+  </dgm:styleLbl>
+  <dgm:styleLbl name="solidBgAcc1">
+    <dgm:fillClrLst meth="repeat">
+      <a:schemeClr val="lt1"/>
+    </dgm:fillClrLst>
+    <dgm:linClrLst meth="repeat">
+      <a:schemeClr val="accent1"/>
+    </dgm:linClrLst>
+    <dgm:effectClrLst/>
+    <dgm:txLinClrLst/>
+    <dgm:txFillClrLst meth="repeat">
+      <a:schemeClr val="dk1"/>
+    </dgm:txFillClrLst>
+    <dgm:txEffectClrLst/>
+  </dgm:styleLbl>
+  <dgm:styleLbl name="fgAccFollowNode1">
+    <dgm:fillClrLst meth="repeat">
+      <a:schemeClr val="accent1">
+        <a:alpha val="90000"/>
+        <a:tint val="40000"/>
+      </a:schemeClr>
+    </dgm:fillClrLst>
+    <dgm:linClrLst meth="repeat">
+      <a:schemeClr val="accent1">
+        <a:alpha val="90000"/>
+        <a:tint val="40000"/>
+      </a:schemeClr>
+    </dgm:linClrLst>
+    <dgm:effectClrLst/>
+    <dgm:txLinClrLst/>
+    <dgm:txFillClrLst meth="repeat">
+      <a:schemeClr val="dk1"/>
+    </dgm:txFillClrLst>
+    <dgm:txEffectClrLst/>
+  </dgm:styleLbl>
+  <dgm:styleLbl name="alignAccFollowNode1">
+    <dgm:fillClrLst meth="repeat">
+      <a:schemeClr val="accent1">
+        <a:alpha val="90000"/>
+        <a:tint val="40000"/>
+      </a:schemeClr>
+    </dgm:fillClrLst>
+    <dgm:linClrLst meth="repeat">
+      <a:schemeClr val="accent1">
+        <a:alpha val="90000"/>
+        <a:tint val="40000"/>
+      </a:schemeClr>
+    </dgm:linClrLst>
+    <dgm:effectClrLst/>
+    <dgm:txLinClrLst/>
+    <dgm:txFillClrLst meth="repeat">
+      <a:schemeClr val="dk1"/>
+    </dgm:txFillClrLst>
+    <dgm:txEffectClrLst/>
+  </dgm:styleLbl>
+  <dgm:styleLbl name="bgAccFollowNode1">
+    <dgm:fillClrLst meth="repeat">
+      <a:schemeClr val="accent1">
+        <a:alpha val="90000"/>
+        <a:tint val="40000"/>
+      </a:schemeClr>
+    </dgm:fillClrLst>
+    <dgm:linClrLst meth="repeat">
+      <a:schemeClr val="accent1">
+        <a:alpha val="90000"/>
+        <a:tint val="40000"/>
+      </a:schemeClr>
+    </dgm:linClrLst>
+    <dgm:effectClrLst/>
+    <dgm:txLinClrLst/>
+    <dgm:txFillClrLst meth="repeat">
+      <a:schemeClr val="dk1"/>
+    </dgm:txFillClrLst>
+    <dgm:txEffectClrLst/>
+  </dgm:styleLbl>
+  <dgm:styleLbl name="fgAcc0">
+    <dgm:fillClrLst meth="repeat">
+      <a:schemeClr val="lt1">
+        <a:alpha val="90000"/>
+      </a:schemeClr>
+    </dgm:fillClrLst>
+    <dgm:linClrLst meth="repeat">
+      <a:schemeClr val="accent1"/>
+    </dgm:linClrLst>
+    <dgm:effectClrLst/>
+    <dgm:txLinClrLst/>
+    <dgm:txFillClrLst meth="repeat">
+      <a:schemeClr val="dk1"/>
+    </dgm:txFillClrLst>
+    <dgm:txEffectClrLst/>
+  </dgm:styleLbl>
+  <dgm:styleLbl name="fgAcc2">
+    <dgm:fillClrLst meth="repeat">
+      <a:schemeClr val="lt1">
+        <a:alpha val="90000"/>
+      </a:schemeClr>
+    </dgm:fillClrLst>
+    <dgm:linClrLst meth="repeat">
+      <a:schemeClr val="accent1"/>
+    </dgm:linClrLst>
+    <dgm:effectClrLst/>
+    <dgm:txLinClrLst/>
+    <dgm:txFillClrLst meth="repeat">
+      <a:schemeClr val="dk1"/>
+    </dgm:txFillClrLst>
+    <dgm:txEffectClrLst/>
+  </dgm:styleLbl>
+  <dgm:styleLbl name="fgAcc3">
+    <dgm:fillClrLst meth="repeat">
+      <a:schemeClr val="lt1">
+        <a:alpha val="90000"/>
+      </a:schemeClr>
+    </dgm:fillClrLst>
+    <dgm:linClrLst meth="repeat">
+      <a:schemeClr val="accent1"/>
+    </dgm:linClrLst>
+    <dgm:effectClrLst/>
+    <dgm:txLinClrLst/>
+    <dgm:txFillClrLst meth="repeat">
+      <a:schemeClr val="dk1"/>
+    </dgm:txFillClrLst>
+    <dgm:txEffectClrLst/>
+  </dgm:styleLbl>
+  <dgm:styleLbl name="fgAcc4">
+    <dgm:fillClrLst meth="repeat">
+      <a:schemeClr val="lt1">
+        <a:alpha val="90000"/>
+      </a:schemeClr>
+    </dgm:fillClrLst>
+    <dgm:linClrLst meth="repeat">
+      <a:schemeClr val="accent1"/>
+    </dgm:linClrLst>
+    <dgm:effectClrLst/>
+    <dgm:txLinClrLst/>
+    <dgm:txFillClrLst meth="repeat">
+      <a:schemeClr val="dk1"/>
+    </dgm:txFillClrLst>
+    <dgm:txEffectClrLst/>
+  </dgm:styleLbl>
+  <dgm:styleLbl name="bgShp">
+    <dgm:fillClrLst meth="repeat">
+      <a:schemeClr val="accent1">
+        <a:tint val="40000"/>
+      </a:schemeClr>
+    </dgm:fillClrLst>
+    <dgm:linClrLst meth="repeat">
+      <a:schemeClr val="accent1"/>
+    </dgm:linClrLst>
+    <dgm:effectClrLst/>
+    <dgm:txLinClrLst/>
+    <dgm:txFillClrLst meth="repeat">
+      <a:schemeClr val="dk1"/>
+    </dgm:txFillClrLst>
+    <dgm:txEffectClrLst/>
+  </dgm:styleLbl>
+  <dgm:styleLbl name="dkBgShp">
+    <dgm:fillClrLst meth="repeat">
+      <a:schemeClr val="accent1">
+        <a:shade val="80000"/>
+      </a:schemeClr>
+    </dgm:fillClrLst>
+    <dgm:linClrLst meth="repeat">
+      <a:schemeClr val="accent1"/>
+    </dgm:linClrLst>
+    <dgm:effectClrLst/>
+    <dgm:txLinClrLst/>
+    <dgm:txFillClrLst meth="repeat">
+      <a:schemeClr val="lt1"/>
+    </dgm:txFillClrLst>
+    <dgm:txEffectClrLst/>
+  </dgm:styleLbl>
+  <dgm:styleLbl name="trBgShp">
+    <dgm:fillClrLst meth="repeat">
+      <a:schemeClr val="accent1">
+        <a:tint val="50000"/>
+        <a:alpha val="40000"/>
+      </a:schemeClr>
+    </dgm:fillClrLst>
+    <dgm:linClrLst meth="repeat">
+      <a:schemeClr val="accent1"/>
+    </dgm:linClrLst>
+    <dgm:effectClrLst/>
+    <dgm:txLinClrLst/>
+    <dgm:txFillClrLst meth="repeat">
+      <a:schemeClr val="lt1"/>
+    </dgm:txFillClrLst>
+    <dgm:txEffectClrLst/>
+  </dgm:styleLbl>
+  <dgm:styleLbl name="fgShp">
+    <dgm:fillClrLst meth="repeat">
+      <a:schemeClr val="accent1">
+        <a:tint val="60000"/>
+      </a:schemeClr>
+    </dgm:fillClrLst>
+    <dgm:linClrLst meth="repeat">
+      <a:schemeClr val="lt1"/>
+    </dgm:linClrLst>
+    <dgm:effectClrLst/>
+    <dgm:txLinClrLst/>
+    <dgm:txFillClrLst meth="repeat">
+      <a:schemeClr val="dk1"/>
+    </dgm:txFillClrLst>
+    <dgm:txEffectClrLst/>
+  </dgm:styleLbl>
+  <dgm:styleLbl name="revTx">
+    <dgm:fillClrLst meth="repeat">
+      <a:schemeClr val="lt1">
+        <a:alpha val="0"/>
+      </a:schemeClr>
+    </dgm:fillClrLst>
+    <dgm:linClrLst meth="repeat">
+      <a:schemeClr val="dk1">
+        <a:alpha val="0"/>
+      </a:schemeClr>
+    </dgm:linClrLst>
+    <dgm:effectClrLst/>
+    <dgm:txLinClrLst/>
+    <dgm:txFillClrLst meth="repeat">
+      <a:schemeClr val="tx1"/>
+    </dgm:txFillClrLst>
+    <dgm:txEffectClrLst/>
+  </dgm:styleLbl>
+</dgm:colorsDef>
+</file>
+
 <file path=ppt/diagrams/data1.xml><?xml version="1.0" encoding="utf-8"?>
 <dgm:dataModel xmlns:dgm="http://schemas.openxmlformats.org/drawingml/2006/diagram" xmlns:a="http://schemas.openxmlformats.org/drawingml/2006/main">
   <dgm:ptLst>
@@ -1040,8 +1787,8 @@
     <dgm:cxn modelId="{3C08904C-9639-46F7-B1BE-767BE8ADB04B}" srcId="{F6557A3C-36B9-4DD6-9586-FF65E53670E1}" destId="{125E6CDD-4932-40B3-A7F4-A7E3070CC6FD}" srcOrd="1" destOrd="0" parTransId="{460E10E3-D461-425B-939C-789DC379582C}" sibTransId="{A1838544-53A2-46B7-9A47-E01CD89B95BB}"/>
     <dgm:cxn modelId="{FA85509E-9462-4C75-9257-074CBD1B172A}" type="presOf" srcId="{125E6CDD-4932-40B3-A7F4-A7E3070CC6FD}" destId="{D1835198-3AA6-4839-B670-AA8EB56A7241}" srcOrd="0" destOrd="0" presId="urn:microsoft.com/office/officeart/2005/8/layout/vList2"/>
     <dgm:cxn modelId="{FC6370C0-6F16-4C72-9576-BB13CD9BDA14}" srcId="{F6557A3C-36B9-4DD6-9586-FF65E53670E1}" destId="{3A66EEEC-A138-4F50-9E0C-6E2F3168EFC8}" srcOrd="0" destOrd="0" parTransId="{E9AD3A10-6AE4-42C3-9193-C8E5477D81FF}" sibTransId="{0910B0A5-F123-4FE6-9960-980FF72CC093}"/>
+    <dgm:cxn modelId="{9A6AAE2A-CC1C-41F1-BA8C-B2A035A29A6E}" type="presOf" srcId="{3A66EEEC-A138-4F50-9E0C-6E2F3168EFC8}" destId="{CB022C8E-0941-4DF9-9E18-8DD6FE12F5B8}" srcOrd="0" destOrd="0" presId="urn:microsoft.com/office/officeart/2005/8/layout/vList2"/>
     <dgm:cxn modelId="{5CEAE672-DE95-4F81-B42E-3FDFC1EDDDE3}" type="presOf" srcId="{F6557A3C-36B9-4DD6-9586-FF65E53670E1}" destId="{2A87C9A5-9165-481C-8128-486AF0B7E510}" srcOrd="0" destOrd="0" presId="urn:microsoft.com/office/officeart/2005/8/layout/vList2"/>
-    <dgm:cxn modelId="{9A6AAE2A-CC1C-41F1-BA8C-B2A035A29A6E}" type="presOf" srcId="{3A66EEEC-A138-4F50-9E0C-6E2F3168EFC8}" destId="{CB022C8E-0941-4DF9-9E18-8DD6FE12F5B8}" srcOrd="0" destOrd="0" presId="urn:microsoft.com/office/officeart/2005/8/layout/vList2"/>
     <dgm:cxn modelId="{889610CF-EB69-45D4-8405-45FF1014EFF0}" type="presParOf" srcId="{2A87C9A5-9165-481C-8128-486AF0B7E510}" destId="{CB022C8E-0941-4DF9-9E18-8DD6FE12F5B8}" srcOrd="0" destOrd="0" presId="urn:microsoft.com/office/officeart/2005/8/layout/vList2"/>
     <dgm:cxn modelId="{F0D7A861-95C3-4C9A-9EAD-FADC2770AD57}" type="presParOf" srcId="{2A87C9A5-9165-481C-8128-486AF0B7E510}" destId="{0029A2E0-8CC0-4788-94BC-EBFBC31BAB9E}" srcOrd="1" destOrd="0" presId="urn:microsoft.com/office/officeart/2005/8/layout/vList2"/>
     <dgm:cxn modelId="{899E30A5-C5C6-4EB9-AA8C-59E3A08BF13F}" type="presParOf" srcId="{2A87C9A5-9165-481C-8128-486AF0B7E510}" destId="{D1835198-3AA6-4839-B670-AA8EB56A7241}" srcOrd="2" destOrd="0" presId="urn:microsoft.com/office/officeart/2005/8/layout/vList2"/>
@@ -1051,6 +1798,167 @@
   <dgm:extLst>
     <a:ext uri="http://schemas.microsoft.com/office/drawing/2008/diagram">
       <dsp:dataModelExt xmlns:dsp="http://schemas.microsoft.com/office/drawing/2008/diagram" relId="rId8" minVer="http://schemas.openxmlformats.org/drawingml/2006/diagram"/>
+    </a:ext>
+  </dgm:extLst>
+</dgm:dataModel>
+</file>
+
+<file path=ppt/diagrams/data2.xml><?xml version="1.0" encoding="utf-8"?>
+<dgm:dataModel xmlns:dgm="http://schemas.openxmlformats.org/drawingml/2006/diagram" xmlns:a="http://schemas.openxmlformats.org/drawingml/2006/main">
+  <dgm:ptLst>
+    <dgm:pt modelId="{A7D790BB-064D-47D4-89A7-C4D090063983}" type="doc">
+      <dgm:prSet loTypeId="urn:microsoft.com/office/officeart/2005/8/layout/vList2" loCatId="list" qsTypeId="urn:microsoft.com/office/officeart/2005/8/quickstyle/simple1" qsCatId="simple" csTypeId="urn:microsoft.com/office/officeart/2005/8/colors/accent1_2" csCatId="accent1" phldr="1"/>
+      <dgm:spPr/>
+      <dgm:t>
+        <a:bodyPr/>
+        <a:lstStyle/>
+        <a:p>
+          <a:endParaRPr lang="zh-CN" altLang="en-US"/>
+        </a:p>
+      </dgm:t>
+    </dgm:pt>
+    <dgm:pt modelId="{14557C05-1A05-4C2F-8480-03FE9F221929}">
+      <dgm:prSet custT="1"/>
+      <dgm:spPr/>
+      <dgm:t>
+        <a:bodyPr/>
+        <a:lstStyle/>
+        <a:p>
+          <a:pPr rtl="0"/>
+          <a:r>
+            <a:rPr lang="en-US" sz="1800" dirty="0" smtClean="0"/>
+            <a:t>Tom == http://zy.example.com/person/Tom</a:t>
+          </a:r>
+          <a:endParaRPr lang="zh-CN" sz="1800" dirty="0"/>
+        </a:p>
+      </dgm:t>
+    </dgm:pt>
+    <dgm:pt modelId="{E6305387-710B-4E74-ABF5-D85CA196F03B}" type="parTrans" cxnId="{236C7F1D-B4AB-4FC0-BBC1-438402DE8743}">
+      <dgm:prSet/>
+      <dgm:spPr/>
+      <dgm:t>
+        <a:bodyPr/>
+        <a:lstStyle/>
+        <a:p>
+          <a:endParaRPr lang="zh-CN" altLang="en-US"/>
+        </a:p>
+      </dgm:t>
+    </dgm:pt>
+    <dgm:pt modelId="{D4D73150-D550-4BAB-9F26-C31DFDE86137}" type="sibTrans" cxnId="{236C7F1D-B4AB-4FC0-BBC1-438402DE8743}">
+      <dgm:prSet/>
+      <dgm:spPr/>
+      <dgm:t>
+        <a:bodyPr/>
+        <a:lstStyle/>
+        <a:p>
+          <a:endParaRPr lang="zh-CN" altLang="en-US"/>
+        </a:p>
+      </dgm:t>
+    </dgm:pt>
+    <dgm:pt modelId="{EF05E487-9CA0-458F-88FE-FA2691CFF922}">
+      <dgm:prSet custT="1"/>
+      <dgm:spPr/>
+      <dgm:t>
+        <a:bodyPr/>
+        <a:lstStyle/>
+        <a:p>
+          <a:pPr rtl="0"/>
+          <a:r>
+            <a:rPr lang="en-US" sz="1800" b="1" dirty="0" err="1" smtClean="0"/>
+            <a:t>info:age</a:t>
+          </a:r>
+          <a:r>
+            <a:rPr lang="en-US" sz="1800" b="1" dirty="0" smtClean="0"/>
+            <a:t> </a:t>
+          </a:r>
+          <a:r>
+            <a:rPr lang="en-US" sz="1800" dirty="0" smtClean="0"/>
+            <a:t> ==   </a:t>
+          </a:r>
+          <a:r>
+            <a:rPr lang="en-US" sz="1800" b="1" dirty="0" smtClean="0"/>
+            <a:t>&lt;http://zy.example.com/info#age&gt;</a:t>
+          </a:r>
+          <a:endParaRPr lang="zh-CN" sz="1800" dirty="0"/>
+        </a:p>
+      </dgm:t>
+    </dgm:pt>
+    <dgm:pt modelId="{D2277DE7-763C-486A-A698-AB95AB2CBE90}" type="parTrans" cxnId="{75E7CCA5-57D7-44F5-9FCA-0D3317D66201}">
+      <dgm:prSet/>
+      <dgm:spPr/>
+      <dgm:t>
+        <a:bodyPr/>
+        <a:lstStyle/>
+        <a:p>
+          <a:endParaRPr lang="zh-CN" altLang="en-US"/>
+        </a:p>
+      </dgm:t>
+    </dgm:pt>
+    <dgm:pt modelId="{336479E6-EA3D-45DF-8C31-9BEE770825C2}" type="sibTrans" cxnId="{75E7CCA5-57D7-44F5-9FCA-0D3317D66201}">
+      <dgm:prSet/>
+      <dgm:spPr/>
+      <dgm:t>
+        <a:bodyPr/>
+        <a:lstStyle/>
+        <a:p>
+          <a:endParaRPr lang="zh-CN" altLang="en-US"/>
+        </a:p>
+      </dgm:t>
+    </dgm:pt>
+    <dgm:pt modelId="{DBA6EA7E-0601-416D-B1A3-7AF13FF57B64}" type="pres">
+      <dgm:prSet presAssocID="{A7D790BB-064D-47D4-89A7-C4D090063983}" presName="linear" presStyleCnt="0">
+        <dgm:presLayoutVars>
+          <dgm:animLvl val="lvl"/>
+          <dgm:resizeHandles val="exact"/>
+        </dgm:presLayoutVars>
+      </dgm:prSet>
+      <dgm:spPr/>
+    </dgm:pt>
+    <dgm:pt modelId="{1B0A1094-24F0-41D3-B630-F5A1DD814DB4}" type="pres">
+      <dgm:prSet presAssocID="{14557C05-1A05-4C2F-8480-03FE9F221929}" presName="parentText" presStyleLbl="node1" presStyleIdx="0" presStyleCnt="2">
+        <dgm:presLayoutVars>
+          <dgm:chMax val="0"/>
+          <dgm:bulletEnabled val="1"/>
+        </dgm:presLayoutVars>
+      </dgm:prSet>
+      <dgm:spPr/>
+      <dgm:t>
+        <a:bodyPr/>
+        <a:lstStyle/>
+        <a:p>
+          <a:endParaRPr lang="zh-CN" altLang="en-US"/>
+        </a:p>
+      </dgm:t>
+    </dgm:pt>
+    <dgm:pt modelId="{D8472983-9198-45C7-83AA-D8566EA5250D}" type="pres">
+      <dgm:prSet presAssocID="{D4D73150-D550-4BAB-9F26-C31DFDE86137}" presName="spacer" presStyleCnt="0"/>
+      <dgm:spPr/>
+    </dgm:pt>
+    <dgm:pt modelId="{6EA50E45-C554-4D73-B4AC-F7F10F3BB9B2}" type="pres">
+      <dgm:prSet presAssocID="{EF05E487-9CA0-458F-88FE-FA2691CFF922}" presName="parentText" presStyleLbl="node1" presStyleIdx="1" presStyleCnt="2">
+        <dgm:presLayoutVars>
+          <dgm:chMax val="0"/>
+          <dgm:bulletEnabled val="1"/>
+        </dgm:presLayoutVars>
+      </dgm:prSet>
+      <dgm:spPr/>
+    </dgm:pt>
+  </dgm:ptLst>
+  <dgm:cxnLst>
+    <dgm:cxn modelId="{662BE8BB-8AF4-40A0-89E4-468FEF8E0ECF}" type="presOf" srcId="{EF05E487-9CA0-458F-88FE-FA2691CFF922}" destId="{6EA50E45-C554-4D73-B4AC-F7F10F3BB9B2}" srcOrd="0" destOrd="0" presId="urn:microsoft.com/office/officeart/2005/8/layout/vList2"/>
+    <dgm:cxn modelId="{AA75A501-F637-4C1A-8214-E722C9BFCB94}" type="presOf" srcId="{A7D790BB-064D-47D4-89A7-C4D090063983}" destId="{DBA6EA7E-0601-416D-B1A3-7AF13FF57B64}" srcOrd="0" destOrd="0" presId="urn:microsoft.com/office/officeart/2005/8/layout/vList2"/>
+    <dgm:cxn modelId="{236C7F1D-B4AB-4FC0-BBC1-438402DE8743}" srcId="{A7D790BB-064D-47D4-89A7-C4D090063983}" destId="{14557C05-1A05-4C2F-8480-03FE9F221929}" srcOrd="0" destOrd="0" parTransId="{E6305387-710B-4E74-ABF5-D85CA196F03B}" sibTransId="{D4D73150-D550-4BAB-9F26-C31DFDE86137}"/>
+    <dgm:cxn modelId="{A152312C-79DF-4A87-A4EC-CD0DB63D4D89}" type="presOf" srcId="{14557C05-1A05-4C2F-8480-03FE9F221929}" destId="{1B0A1094-24F0-41D3-B630-F5A1DD814DB4}" srcOrd="0" destOrd="0" presId="urn:microsoft.com/office/officeart/2005/8/layout/vList2"/>
+    <dgm:cxn modelId="{75E7CCA5-57D7-44F5-9FCA-0D3317D66201}" srcId="{A7D790BB-064D-47D4-89A7-C4D090063983}" destId="{EF05E487-9CA0-458F-88FE-FA2691CFF922}" srcOrd="1" destOrd="0" parTransId="{D2277DE7-763C-486A-A698-AB95AB2CBE90}" sibTransId="{336479E6-EA3D-45DF-8C31-9BEE770825C2}"/>
+    <dgm:cxn modelId="{CA9B405A-8530-4094-9236-C809E023C888}" type="presParOf" srcId="{DBA6EA7E-0601-416D-B1A3-7AF13FF57B64}" destId="{1B0A1094-24F0-41D3-B630-F5A1DD814DB4}" srcOrd="0" destOrd="0" presId="urn:microsoft.com/office/officeart/2005/8/layout/vList2"/>
+    <dgm:cxn modelId="{3E123D0F-4349-4AC3-B638-D61FBDD216AE}" type="presParOf" srcId="{DBA6EA7E-0601-416D-B1A3-7AF13FF57B64}" destId="{D8472983-9198-45C7-83AA-D8566EA5250D}" srcOrd="1" destOrd="0" presId="urn:microsoft.com/office/officeart/2005/8/layout/vList2"/>
+    <dgm:cxn modelId="{5EC8B46C-CB4A-4F32-A499-7A40683CCDDE}" type="presParOf" srcId="{DBA6EA7E-0601-416D-B1A3-7AF13FF57B64}" destId="{6EA50E45-C554-4D73-B4AC-F7F10F3BB9B2}" srcOrd="2" destOrd="0" presId="urn:microsoft.com/office/officeart/2005/8/layout/vList2"/>
+  </dgm:cxnLst>
+  <dgm:bg/>
+  <dgm:whole/>
+  <dgm:extLst>
+    <a:ext uri="http://schemas.microsoft.com/office/drawing/2008/diagram">
+      <dsp:dataModelExt xmlns:dsp="http://schemas.microsoft.com/office/drawing/2008/diagram" relId="rId7" minVer="http://schemas.openxmlformats.org/drawingml/2006/diagram"/>
     </a:ext>
   </dgm:extLst>
 </dgm:dataModel>
@@ -1224,7 +2132,354 @@
 </dsp:drawing>
 </file>
 
+<file path=ppt/diagrams/drawing2.xml><?xml version="1.0" encoding="utf-8"?>
+<dsp:drawing xmlns:dgm="http://schemas.openxmlformats.org/drawingml/2006/diagram" xmlns:dsp="http://schemas.microsoft.com/office/drawing/2008/diagram" xmlns:a="http://schemas.openxmlformats.org/drawingml/2006/main">
+  <dsp:spTree>
+    <dsp:nvGrpSpPr>
+      <dsp:cNvPr id="0" name=""/>
+      <dsp:cNvGrpSpPr/>
+    </dsp:nvGrpSpPr>
+    <dsp:grpSpPr/>
+    <dsp:sp modelId="{1B0A1094-24F0-41D3-B630-F5A1DD814DB4}">
+      <dsp:nvSpPr>
+        <dsp:cNvPr id="0" name=""/>
+        <dsp:cNvSpPr/>
+      </dsp:nvSpPr>
+      <dsp:spPr>
+        <a:xfrm>
+          <a:off x="0" y="16371"/>
+          <a:ext cx="4763386" cy="449280"/>
+        </a:xfrm>
+        <a:prstGeom prst="roundRect">
+          <a:avLst/>
+        </a:prstGeom>
+        <a:solidFill>
+          <a:schemeClr val="accent1">
+            <a:hueOff val="0"/>
+            <a:satOff val="0"/>
+            <a:lumOff val="0"/>
+            <a:alphaOff val="0"/>
+          </a:schemeClr>
+        </a:solidFill>
+        <a:ln w="12700" cap="flat" cmpd="sng" algn="ctr">
+          <a:solidFill>
+            <a:schemeClr val="lt1">
+              <a:hueOff val="0"/>
+              <a:satOff val="0"/>
+              <a:lumOff val="0"/>
+              <a:alphaOff val="0"/>
+            </a:schemeClr>
+          </a:solidFill>
+          <a:prstDash val="solid"/>
+          <a:miter lim="800000"/>
+        </a:ln>
+        <a:effectLst/>
+      </dsp:spPr>
+      <dsp:style>
+        <a:lnRef idx="2">
+          <a:scrgbClr r="0" g="0" b="0"/>
+        </a:lnRef>
+        <a:fillRef idx="1">
+          <a:scrgbClr r="0" g="0" b="0"/>
+        </a:fillRef>
+        <a:effectRef idx="0">
+          <a:scrgbClr r="0" g="0" b="0"/>
+        </a:effectRef>
+        <a:fontRef idx="minor">
+          <a:schemeClr val="lt1"/>
+        </a:fontRef>
+      </dsp:style>
+      <dsp:txBody>
+        <a:bodyPr spcFirstLastPara="0" vert="horz" wrap="square" lIns="68580" tIns="68580" rIns="68580" bIns="68580" numCol="1" spcCol="1270" anchor="ctr" anchorCtr="0">
+          <a:noAutofit/>
+        </a:bodyPr>
+        <a:lstStyle/>
+        <a:p>
+          <a:pPr lvl="0" algn="l" defTabSz="800100" rtl="0">
+            <a:lnSpc>
+              <a:spcPct val="90000"/>
+            </a:lnSpc>
+            <a:spcBef>
+              <a:spcPct val="0"/>
+            </a:spcBef>
+            <a:spcAft>
+              <a:spcPct val="35000"/>
+            </a:spcAft>
+          </a:pPr>
+          <a:r>
+            <a:rPr lang="en-US" sz="1800" kern="1200" dirty="0" smtClean="0"/>
+            <a:t>Tom == http://zy.example.com/person/Tom</a:t>
+          </a:r>
+          <a:endParaRPr lang="zh-CN" sz="1800" kern="1200" dirty="0"/>
+        </a:p>
+      </dsp:txBody>
+      <dsp:txXfrm>
+        <a:off x="21932" y="38303"/>
+        <a:ext cx="4719522" cy="405416"/>
+      </dsp:txXfrm>
+    </dsp:sp>
+    <dsp:sp modelId="{6EA50E45-C554-4D73-B4AC-F7F10F3BB9B2}">
+      <dsp:nvSpPr>
+        <dsp:cNvPr id="0" name=""/>
+        <dsp:cNvSpPr/>
+      </dsp:nvSpPr>
+      <dsp:spPr>
+        <a:xfrm>
+          <a:off x="0" y="534771"/>
+          <a:ext cx="4763386" cy="449280"/>
+        </a:xfrm>
+        <a:prstGeom prst="roundRect">
+          <a:avLst/>
+        </a:prstGeom>
+        <a:solidFill>
+          <a:schemeClr val="accent1">
+            <a:hueOff val="0"/>
+            <a:satOff val="0"/>
+            <a:lumOff val="0"/>
+            <a:alphaOff val="0"/>
+          </a:schemeClr>
+        </a:solidFill>
+        <a:ln w="12700" cap="flat" cmpd="sng" algn="ctr">
+          <a:solidFill>
+            <a:schemeClr val="lt1">
+              <a:hueOff val="0"/>
+              <a:satOff val="0"/>
+              <a:lumOff val="0"/>
+              <a:alphaOff val="0"/>
+            </a:schemeClr>
+          </a:solidFill>
+          <a:prstDash val="solid"/>
+          <a:miter lim="800000"/>
+        </a:ln>
+        <a:effectLst/>
+      </dsp:spPr>
+      <dsp:style>
+        <a:lnRef idx="2">
+          <a:scrgbClr r="0" g="0" b="0"/>
+        </a:lnRef>
+        <a:fillRef idx="1">
+          <a:scrgbClr r="0" g="0" b="0"/>
+        </a:fillRef>
+        <a:effectRef idx="0">
+          <a:scrgbClr r="0" g="0" b="0"/>
+        </a:effectRef>
+        <a:fontRef idx="minor">
+          <a:schemeClr val="lt1"/>
+        </a:fontRef>
+      </dsp:style>
+      <dsp:txBody>
+        <a:bodyPr spcFirstLastPara="0" vert="horz" wrap="square" lIns="68580" tIns="68580" rIns="68580" bIns="68580" numCol="1" spcCol="1270" anchor="ctr" anchorCtr="0">
+          <a:noAutofit/>
+        </a:bodyPr>
+        <a:lstStyle/>
+        <a:p>
+          <a:pPr lvl="0" algn="l" defTabSz="800100" rtl="0">
+            <a:lnSpc>
+              <a:spcPct val="90000"/>
+            </a:lnSpc>
+            <a:spcBef>
+              <a:spcPct val="0"/>
+            </a:spcBef>
+            <a:spcAft>
+              <a:spcPct val="35000"/>
+            </a:spcAft>
+          </a:pPr>
+          <a:r>
+            <a:rPr lang="en-US" sz="1800" b="1" kern="1200" dirty="0" err="1" smtClean="0"/>
+            <a:t>info:age</a:t>
+          </a:r>
+          <a:r>
+            <a:rPr lang="en-US" sz="1800" b="1" kern="1200" dirty="0" smtClean="0"/>
+            <a:t> </a:t>
+          </a:r>
+          <a:r>
+            <a:rPr lang="en-US" sz="1800" kern="1200" dirty="0" smtClean="0"/>
+            <a:t> ==   </a:t>
+          </a:r>
+          <a:r>
+            <a:rPr lang="en-US" sz="1800" b="1" kern="1200" dirty="0" smtClean="0"/>
+            <a:t>&lt;http://zy.example.com/info#age&gt;</a:t>
+          </a:r>
+          <a:endParaRPr lang="zh-CN" sz="1800" kern="1200" dirty="0"/>
+        </a:p>
+      </dsp:txBody>
+      <dsp:txXfrm>
+        <a:off x="21932" y="556703"/>
+        <a:ext cx="4719522" cy="405416"/>
+      </dsp:txXfrm>
+    </dsp:sp>
+  </dsp:spTree>
+</dsp:drawing>
+</file>
+
 <file path=ppt/diagrams/layout1.xml><?xml version="1.0" encoding="utf-8"?>
+<dgm:layoutDef xmlns:dgm="http://schemas.openxmlformats.org/drawingml/2006/diagram" xmlns:a="http://schemas.openxmlformats.org/drawingml/2006/main" uniqueId="urn:microsoft.com/office/officeart/2005/8/layout/vList2">
+  <dgm:title val=""/>
+  <dgm:desc val=""/>
+  <dgm:catLst>
+    <dgm:cat type="list" pri="3000"/>
+    <dgm:cat type="convert" pri="1000"/>
+  </dgm:catLst>
+  <dgm:sampData>
+    <dgm:dataModel>
+      <dgm:ptLst>
+        <dgm:pt modelId="0" type="doc"/>
+        <dgm:pt modelId="1">
+          <dgm:prSet phldr="1"/>
+        </dgm:pt>
+        <dgm:pt modelId="11">
+          <dgm:prSet phldr="1"/>
+        </dgm:pt>
+        <dgm:pt modelId="2">
+          <dgm:prSet phldr="1"/>
+        </dgm:pt>
+        <dgm:pt modelId="21">
+          <dgm:prSet phldr="1"/>
+        </dgm:pt>
+      </dgm:ptLst>
+      <dgm:cxnLst>
+        <dgm:cxn modelId="4" srcId="0" destId="1" srcOrd="0" destOrd="0"/>
+        <dgm:cxn modelId="5" srcId="0" destId="2" srcOrd="1" destOrd="0"/>
+        <dgm:cxn modelId="12" srcId="1" destId="11" srcOrd="0" destOrd="0"/>
+        <dgm:cxn modelId="23" srcId="2" destId="21" srcOrd="0" destOrd="0"/>
+      </dgm:cxnLst>
+      <dgm:bg/>
+      <dgm:whole/>
+    </dgm:dataModel>
+  </dgm:sampData>
+  <dgm:styleData>
+    <dgm:dataModel>
+      <dgm:ptLst>
+        <dgm:pt modelId="0" type="doc"/>
+        <dgm:pt modelId="1"/>
+        <dgm:pt modelId="2"/>
+      </dgm:ptLst>
+      <dgm:cxnLst>
+        <dgm:cxn modelId="3" srcId="0" destId="1" srcOrd="0" destOrd="0"/>
+        <dgm:cxn modelId="4" srcId="0" destId="2" srcOrd="1" destOrd="0"/>
+      </dgm:cxnLst>
+      <dgm:bg/>
+      <dgm:whole/>
+    </dgm:dataModel>
+  </dgm:styleData>
+  <dgm:clrData>
+    <dgm:dataModel>
+      <dgm:ptLst>
+        <dgm:pt modelId="0" type="doc"/>
+        <dgm:pt modelId="1"/>
+        <dgm:pt modelId="2"/>
+        <dgm:pt modelId="3"/>
+        <dgm:pt modelId="4"/>
+      </dgm:ptLst>
+      <dgm:cxnLst>
+        <dgm:cxn modelId="5" srcId="0" destId="1" srcOrd="0" destOrd="0"/>
+        <dgm:cxn modelId="6" srcId="0" destId="2" srcOrd="1" destOrd="0"/>
+        <dgm:cxn modelId="7" srcId="0" destId="3" srcOrd="2" destOrd="0"/>
+        <dgm:cxn modelId="8" srcId="0" destId="4" srcOrd="3" destOrd="0"/>
+      </dgm:cxnLst>
+      <dgm:bg/>
+      <dgm:whole/>
+    </dgm:dataModel>
+  </dgm:clrData>
+  <dgm:layoutNode name="linear">
+    <dgm:varLst>
+      <dgm:animLvl val="lvl"/>
+      <dgm:resizeHandles val="exact"/>
+    </dgm:varLst>
+    <dgm:alg type="lin">
+      <dgm:param type="linDir" val="fromT"/>
+      <dgm:param type="vertAlign" val="mid"/>
+    </dgm:alg>
+    <dgm:shape xmlns:r="http://schemas.openxmlformats.org/officeDocument/2006/relationships" r:blip="">
+      <dgm:adjLst/>
+    </dgm:shape>
+    <dgm:presOf/>
+    <dgm:constrLst>
+      <dgm:constr type="w" for="ch" forName="parentText" refType="w"/>
+      <dgm:constr type="h" for="ch" forName="parentText" refType="primFontSz" refFor="ch" refForName="parentText" fact="0.52"/>
+      <dgm:constr type="w" for="ch" forName="childText" refType="w"/>
+      <dgm:constr type="h" for="ch" forName="childText" refType="primFontSz" refFor="ch" refForName="parentText" fact="0.46"/>
+      <dgm:constr type="h" for="ch" forName="parentText" op="equ"/>
+      <dgm:constr type="primFontSz" for="ch" forName="parentText" op="equ" val="65"/>
+      <dgm:constr type="primFontSz" for="ch" forName="childText" refType="primFontSz" refFor="ch" refForName="parentText" op="equ"/>
+      <dgm:constr type="h" for="ch" forName="spacer" refType="primFontSz" refFor="ch" refForName="parentText" fact="0.08"/>
+    </dgm:constrLst>
+    <dgm:ruleLst>
+      <dgm:rule type="primFontSz" for="ch" forName="parentText" val="5" fact="NaN" max="NaN"/>
+    </dgm:ruleLst>
+    <dgm:forEach name="Name0" axis="ch" ptType="node">
+      <dgm:layoutNode name="parentText" styleLbl="node1">
+        <dgm:varLst>
+          <dgm:chMax val="0"/>
+          <dgm:bulletEnabled val="1"/>
+        </dgm:varLst>
+        <dgm:alg type="tx">
+          <dgm:param type="parTxLTRAlign" val="l"/>
+          <dgm:param type="parTxRTLAlign" val="r"/>
+        </dgm:alg>
+        <dgm:shape xmlns:r="http://schemas.openxmlformats.org/officeDocument/2006/relationships" type="roundRect" r:blip="">
+          <dgm:adjLst/>
+        </dgm:shape>
+        <dgm:presOf axis="self"/>
+        <dgm:constrLst>
+          <dgm:constr type="tMarg" refType="primFontSz" fact="0.3"/>
+          <dgm:constr type="bMarg" refType="primFontSz" fact="0.3"/>
+          <dgm:constr type="lMarg" refType="primFontSz" fact="0.3"/>
+          <dgm:constr type="rMarg" refType="primFontSz" fact="0.3"/>
+        </dgm:constrLst>
+        <dgm:ruleLst>
+          <dgm:rule type="h" val="INF" fact="NaN" max="NaN"/>
+        </dgm:ruleLst>
+      </dgm:layoutNode>
+      <dgm:choose name="Name1">
+        <dgm:if name="Name2" axis="ch" ptType="node" func="cnt" op="gte" val="1">
+          <dgm:layoutNode name="childText" styleLbl="revTx">
+            <dgm:varLst>
+              <dgm:bulletEnabled val="1"/>
+            </dgm:varLst>
+            <dgm:alg type="tx">
+              <dgm:param type="stBulletLvl" val="1"/>
+              <dgm:param type="lnSpAfChP" val="20"/>
+            </dgm:alg>
+            <dgm:shape xmlns:r="http://schemas.openxmlformats.org/officeDocument/2006/relationships" type="rect" r:blip="">
+              <dgm:adjLst/>
+            </dgm:shape>
+            <dgm:presOf axis="des" ptType="node"/>
+            <dgm:constrLst>
+              <dgm:constr type="tMarg" refType="primFontSz" fact="0.1"/>
+              <dgm:constr type="bMarg" refType="primFontSz" fact="0.1"/>
+              <dgm:constr type="lMarg" refType="w" fact="0.09"/>
+            </dgm:constrLst>
+            <dgm:ruleLst>
+              <dgm:rule type="h" val="INF" fact="NaN" max="NaN"/>
+            </dgm:ruleLst>
+          </dgm:layoutNode>
+        </dgm:if>
+        <dgm:else name="Name3">
+          <dgm:choose name="Name4">
+            <dgm:if name="Name5" axis="par ch" ptType="doc node" func="cnt" op="gte" val="2">
+              <dgm:forEach name="Name6" axis="followSib" ptType="sibTrans" cnt="1">
+                <dgm:layoutNode name="spacer">
+                  <dgm:alg type="sp"/>
+                  <dgm:shape xmlns:r="http://schemas.openxmlformats.org/officeDocument/2006/relationships" r:blip="">
+                    <dgm:adjLst/>
+                  </dgm:shape>
+                  <dgm:presOf/>
+                  <dgm:constrLst/>
+                  <dgm:ruleLst/>
+                </dgm:layoutNode>
+              </dgm:forEach>
+            </dgm:if>
+            <dgm:else name="Name7"/>
+          </dgm:choose>
+        </dgm:else>
+      </dgm:choose>
+    </dgm:forEach>
+  </dgm:layoutNode>
+</dgm:layoutDef>
+</file>
+
+<file path=ppt/diagrams/layout2.xml><?xml version="1.0" encoding="utf-8"?>
 <dgm:layoutDef xmlns:dgm="http://schemas.openxmlformats.org/drawingml/2006/diagram" xmlns:a="http://schemas.openxmlformats.org/drawingml/2006/main" uniqueId="urn:microsoft.com/office/officeart/2005/8/layout/vList2">
   <dgm:title val=""/>
   <dgm:desc val=""/>
@@ -2425,6 +3680,1040 @@
 </dgm:styleDef>
 </file>
 
+<file path=ppt/diagrams/quickStyle2.xml><?xml version="1.0" encoding="utf-8"?>
+<dgm:styleDef xmlns:dgm="http://schemas.openxmlformats.org/drawingml/2006/diagram" xmlns:a="http://schemas.openxmlformats.org/drawingml/2006/main" uniqueId="urn:microsoft.com/office/officeart/2005/8/quickstyle/simple1">
+  <dgm:title val=""/>
+  <dgm:desc val=""/>
+  <dgm:catLst>
+    <dgm:cat type="simple" pri="10100"/>
+  </dgm:catLst>
+  <dgm:scene3d>
+    <a:camera prst="orthographicFront"/>
+    <a:lightRig rig="threePt" dir="t"/>
+  </dgm:scene3d>
+  <dgm:styleLbl name="node0">
+    <dgm:scene3d>
+      <a:camera prst="orthographicFront"/>
+      <a:lightRig rig="threePt" dir="t"/>
+    </dgm:scene3d>
+    <dgm:sp3d/>
+    <dgm:txPr/>
+    <dgm:style>
+      <a:lnRef idx="2">
+        <a:scrgbClr r="0" g="0" b="0"/>
+      </a:lnRef>
+      <a:fillRef idx="1">
+        <a:scrgbClr r="0" g="0" b="0"/>
+      </a:fillRef>
+      <a:effectRef idx="0">
+        <a:scrgbClr r="0" g="0" b="0"/>
+      </a:effectRef>
+      <a:fontRef idx="minor">
+        <a:schemeClr val="lt1"/>
+      </a:fontRef>
+    </dgm:style>
+  </dgm:styleLbl>
+  <dgm:styleLbl name="lnNode1">
+    <dgm:scene3d>
+      <a:camera prst="orthographicFront"/>
+      <a:lightRig rig="threePt" dir="t"/>
+    </dgm:scene3d>
+    <dgm:sp3d/>
+    <dgm:txPr/>
+    <dgm:style>
+      <a:lnRef idx="2">
+        <a:scrgbClr r="0" g="0" b="0"/>
+      </a:lnRef>
+      <a:fillRef idx="1">
+        <a:scrgbClr r="0" g="0" b="0"/>
+      </a:fillRef>
+      <a:effectRef idx="0">
+        <a:scrgbClr r="0" g="0" b="0"/>
+      </a:effectRef>
+      <a:fontRef idx="minor">
+        <a:schemeClr val="lt1"/>
+      </a:fontRef>
+    </dgm:style>
+  </dgm:styleLbl>
+  <dgm:styleLbl name="vennNode1">
+    <dgm:scene3d>
+      <a:camera prst="orthographicFront"/>
+      <a:lightRig rig="threePt" dir="t"/>
+    </dgm:scene3d>
+    <dgm:sp3d/>
+    <dgm:txPr/>
+    <dgm:style>
+      <a:lnRef idx="2">
+        <a:scrgbClr r="0" g="0" b="0"/>
+      </a:lnRef>
+      <a:fillRef idx="1">
+        <a:scrgbClr r="0" g="0" b="0"/>
+      </a:fillRef>
+      <a:effectRef idx="0">
+        <a:scrgbClr r="0" g="0" b="0"/>
+      </a:effectRef>
+      <a:fontRef idx="minor">
+        <a:schemeClr val="tx1"/>
+      </a:fontRef>
+    </dgm:style>
+  </dgm:styleLbl>
+  <dgm:styleLbl name="alignNode1">
+    <dgm:scene3d>
+      <a:camera prst="orthographicFront"/>
+      <a:lightRig rig="threePt" dir="t"/>
+    </dgm:scene3d>
+    <dgm:sp3d/>
+    <dgm:txPr/>
+    <dgm:style>
+      <a:lnRef idx="2">
+        <a:scrgbClr r="0" g="0" b="0"/>
+      </a:lnRef>
+      <a:fillRef idx="1">
+        <a:scrgbClr r="0" g="0" b="0"/>
+      </a:fillRef>
+      <a:effectRef idx="0">
+        <a:scrgbClr r="0" g="0" b="0"/>
+      </a:effectRef>
+      <a:fontRef idx="minor">
+        <a:schemeClr val="lt1"/>
+      </a:fontRef>
+    </dgm:style>
+  </dgm:styleLbl>
+  <dgm:styleLbl name="node1">
+    <dgm:scene3d>
+      <a:camera prst="orthographicFront"/>
+      <a:lightRig rig="threePt" dir="t"/>
+    </dgm:scene3d>
+    <dgm:sp3d/>
+    <dgm:txPr/>
+    <dgm:style>
+      <a:lnRef idx="2">
+        <a:scrgbClr r="0" g="0" b="0"/>
+      </a:lnRef>
+      <a:fillRef idx="1">
+        <a:scrgbClr r="0" g="0" b="0"/>
+      </a:fillRef>
+      <a:effectRef idx="0">
+        <a:scrgbClr r="0" g="0" b="0"/>
+      </a:effectRef>
+      <a:fontRef idx="minor">
+        <a:schemeClr val="lt1"/>
+      </a:fontRef>
+    </dgm:style>
+  </dgm:styleLbl>
+  <dgm:styleLbl name="node2">
+    <dgm:scene3d>
+      <a:camera prst="orthographicFront"/>
+      <a:lightRig rig="threePt" dir="t"/>
+    </dgm:scene3d>
+    <dgm:sp3d/>
+    <dgm:txPr/>
+    <dgm:style>
+      <a:lnRef idx="2">
+        <a:scrgbClr r="0" g="0" b="0"/>
+      </a:lnRef>
+      <a:fillRef idx="1">
+        <a:scrgbClr r="0" g="0" b="0"/>
+      </a:fillRef>
+      <a:effectRef idx="0">
+        <a:scrgbClr r="0" g="0" b="0"/>
+      </a:effectRef>
+      <a:fontRef idx="minor">
+        <a:schemeClr val="lt1"/>
+      </a:fontRef>
+    </dgm:style>
+  </dgm:styleLbl>
+  <dgm:styleLbl name="node3">
+    <dgm:scene3d>
+      <a:camera prst="orthographicFront"/>
+      <a:lightRig rig="threePt" dir="t"/>
+    </dgm:scene3d>
+    <dgm:sp3d/>
+    <dgm:txPr/>
+    <dgm:style>
+      <a:lnRef idx="2">
+        <a:scrgbClr r="0" g="0" b="0"/>
+      </a:lnRef>
+      <a:fillRef idx="1">
+        <a:scrgbClr r="0" g="0" b="0"/>
+      </a:fillRef>
+      <a:effectRef idx="0">
+        <a:scrgbClr r="0" g="0" b="0"/>
+      </a:effectRef>
+      <a:fontRef idx="minor">
+        <a:schemeClr val="lt1"/>
+      </a:fontRef>
+    </dgm:style>
+  </dgm:styleLbl>
+  <dgm:styleLbl name="node4">
+    <dgm:scene3d>
+      <a:camera prst="orthographicFront"/>
+      <a:lightRig rig="threePt" dir="t"/>
+    </dgm:scene3d>
+    <dgm:sp3d/>
+    <dgm:txPr/>
+    <dgm:style>
+      <a:lnRef idx="2">
+        <a:scrgbClr r="0" g="0" b="0"/>
+      </a:lnRef>
+      <a:fillRef idx="1">
+        <a:scrgbClr r="0" g="0" b="0"/>
+      </a:fillRef>
+      <a:effectRef idx="0">
+        <a:scrgbClr r="0" g="0" b="0"/>
+      </a:effectRef>
+      <a:fontRef idx="minor">
+        <a:schemeClr val="lt1"/>
+      </a:fontRef>
+    </dgm:style>
+  </dgm:styleLbl>
+  <dgm:styleLbl name="fgImgPlace1">
+    <dgm:scene3d>
+      <a:camera prst="orthographicFront"/>
+      <a:lightRig rig="threePt" dir="t"/>
+    </dgm:scene3d>
+    <dgm:sp3d/>
+    <dgm:txPr/>
+    <dgm:style>
+      <a:lnRef idx="2">
+        <a:scrgbClr r="0" g="0" b="0"/>
+      </a:lnRef>
+      <a:fillRef idx="1">
+        <a:scrgbClr r="0" g="0" b="0"/>
+      </a:fillRef>
+      <a:effectRef idx="0">
+        <a:scrgbClr r="0" g="0" b="0"/>
+      </a:effectRef>
+      <a:fontRef idx="minor"/>
+    </dgm:style>
+  </dgm:styleLbl>
+  <dgm:styleLbl name="alignImgPlace1">
+    <dgm:scene3d>
+      <a:camera prst="orthographicFront"/>
+      <a:lightRig rig="threePt" dir="t"/>
+    </dgm:scene3d>
+    <dgm:sp3d/>
+    <dgm:txPr/>
+    <dgm:style>
+      <a:lnRef idx="2">
+        <a:scrgbClr r="0" g="0" b="0"/>
+      </a:lnRef>
+      <a:fillRef idx="1">
+        <a:scrgbClr r="0" g="0" b="0"/>
+      </a:fillRef>
+      <a:effectRef idx="0">
+        <a:scrgbClr r="0" g="0" b="0"/>
+      </a:effectRef>
+      <a:fontRef idx="minor"/>
+    </dgm:style>
+  </dgm:styleLbl>
+  <dgm:styleLbl name="bgImgPlace1">
+    <dgm:scene3d>
+      <a:camera prst="orthographicFront"/>
+      <a:lightRig rig="threePt" dir="t"/>
+    </dgm:scene3d>
+    <dgm:sp3d/>
+    <dgm:txPr/>
+    <dgm:style>
+      <a:lnRef idx="2">
+        <a:scrgbClr r="0" g="0" b="0"/>
+      </a:lnRef>
+      <a:fillRef idx="1">
+        <a:scrgbClr r="0" g="0" b="0"/>
+      </a:fillRef>
+      <a:effectRef idx="0">
+        <a:scrgbClr r="0" g="0" b="0"/>
+      </a:effectRef>
+      <a:fontRef idx="minor"/>
+    </dgm:style>
+  </dgm:styleLbl>
+  <dgm:styleLbl name="sibTrans2D1">
+    <dgm:scene3d>
+      <a:camera prst="orthographicFront"/>
+      <a:lightRig rig="threePt" dir="t"/>
+    </dgm:scene3d>
+    <dgm:sp3d/>
+    <dgm:txPr/>
+    <dgm:style>
+      <a:lnRef idx="0">
+        <a:scrgbClr r="0" g="0" b="0"/>
+      </a:lnRef>
+      <a:fillRef idx="1">
+        <a:scrgbClr r="0" g="0" b="0"/>
+      </a:fillRef>
+      <a:effectRef idx="0">
+        <a:scrgbClr r="0" g="0" b="0"/>
+      </a:effectRef>
+      <a:fontRef idx="minor">
+        <a:schemeClr val="lt1"/>
+      </a:fontRef>
+    </dgm:style>
+  </dgm:styleLbl>
+  <dgm:styleLbl name="fgSibTrans2D1">
+    <dgm:scene3d>
+      <a:camera prst="orthographicFront"/>
+      <a:lightRig rig="threePt" dir="t"/>
+    </dgm:scene3d>
+    <dgm:sp3d/>
+    <dgm:txPr/>
+    <dgm:style>
+      <a:lnRef idx="0">
+        <a:scrgbClr r="0" g="0" b="0"/>
+      </a:lnRef>
+      <a:fillRef idx="1">
+        <a:scrgbClr r="0" g="0" b="0"/>
+      </a:fillRef>
+      <a:effectRef idx="0">
+        <a:scrgbClr r="0" g="0" b="0"/>
+      </a:effectRef>
+      <a:fontRef idx="minor">
+        <a:schemeClr val="lt1"/>
+      </a:fontRef>
+    </dgm:style>
+  </dgm:styleLbl>
+  <dgm:styleLbl name="bgSibTrans2D1">
+    <dgm:scene3d>
+      <a:camera prst="orthographicFront"/>
+      <a:lightRig rig="threePt" dir="t"/>
+    </dgm:scene3d>
+    <dgm:sp3d/>
+    <dgm:txPr/>
+    <dgm:style>
+      <a:lnRef idx="0">
+        <a:scrgbClr r="0" g="0" b="0"/>
+      </a:lnRef>
+      <a:fillRef idx="1">
+        <a:scrgbClr r="0" g="0" b="0"/>
+      </a:fillRef>
+      <a:effectRef idx="0">
+        <a:scrgbClr r="0" g="0" b="0"/>
+      </a:effectRef>
+      <a:fontRef idx="minor">
+        <a:schemeClr val="lt1"/>
+      </a:fontRef>
+    </dgm:style>
+  </dgm:styleLbl>
+  <dgm:styleLbl name="sibTrans1D1">
+    <dgm:scene3d>
+      <a:camera prst="orthographicFront"/>
+      <a:lightRig rig="threePt" dir="t"/>
+    </dgm:scene3d>
+    <dgm:sp3d/>
+    <dgm:txPr/>
+    <dgm:style>
+      <a:lnRef idx="1">
+        <a:scrgbClr r="0" g="0" b="0"/>
+      </a:lnRef>
+      <a:fillRef idx="0">
+        <a:scrgbClr r="0" g="0" b="0"/>
+      </a:fillRef>
+      <a:effectRef idx="0">
+        <a:scrgbClr r="0" g="0" b="0"/>
+      </a:effectRef>
+      <a:fontRef idx="minor"/>
+    </dgm:style>
+  </dgm:styleLbl>
+  <dgm:styleLbl name="callout">
+    <dgm:scene3d>
+      <a:camera prst="orthographicFront"/>
+      <a:lightRig rig="threePt" dir="t"/>
+    </dgm:scene3d>
+    <dgm:sp3d/>
+    <dgm:txPr/>
+    <dgm:style>
+      <a:lnRef idx="2">
+        <a:scrgbClr r="0" g="0" b="0"/>
+      </a:lnRef>
+      <a:fillRef idx="1">
+        <a:scrgbClr r="0" g="0" b="0"/>
+      </a:fillRef>
+      <a:effectRef idx="0">
+        <a:scrgbClr r="0" g="0" b="0"/>
+      </a:effectRef>
+      <a:fontRef idx="minor"/>
+    </dgm:style>
+  </dgm:styleLbl>
+  <dgm:styleLbl name="asst0">
+    <dgm:scene3d>
+      <a:camera prst="orthographicFront"/>
+      <a:lightRig rig="threePt" dir="t"/>
+    </dgm:scene3d>
+    <dgm:sp3d/>
+    <dgm:txPr/>
+    <dgm:style>
+      <a:lnRef idx="2">
+        <a:scrgbClr r="0" g="0" b="0"/>
+      </a:lnRef>
+      <a:fillRef idx="1">
+        <a:scrgbClr r="0" g="0" b="0"/>
+      </a:fillRef>
+      <a:effectRef idx="0">
+        <a:scrgbClr r="0" g="0" b="0"/>
+      </a:effectRef>
+      <a:fontRef idx="minor">
+        <a:schemeClr val="lt1"/>
+      </a:fontRef>
+    </dgm:style>
+  </dgm:styleLbl>
+  <dgm:styleLbl name="asst1">
+    <dgm:scene3d>
+      <a:camera prst="orthographicFront"/>
+      <a:lightRig rig="threePt" dir="t"/>
+    </dgm:scene3d>
+    <dgm:sp3d/>
+    <dgm:txPr/>
+    <dgm:style>
+      <a:lnRef idx="2">
+        <a:scrgbClr r="0" g="0" b="0"/>
+      </a:lnRef>
+      <a:fillRef idx="1">
+        <a:scrgbClr r="0" g="0" b="0"/>
+      </a:fillRef>
+      <a:effectRef idx="0">
+        <a:scrgbClr r="0" g="0" b="0"/>
+      </a:effectRef>
+      <a:fontRef idx="minor">
+        <a:schemeClr val="lt1"/>
+      </a:fontRef>
+    </dgm:style>
+  </dgm:styleLbl>
+  <dgm:styleLbl name="asst2">
+    <dgm:scene3d>
+      <a:camera prst="orthographicFront"/>
+      <a:lightRig rig="threePt" dir="t"/>
+    </dgm:scene3d>
+    <dgm:sp3d/>
+    <dgm:txPr/>
+    <dgm:style>
+      <a:lnRef idx="2">
+        <a:scrgbClr r="0" g="0" b="0"/>
+      </a:lnRef>
+      <a:fillRef idx="1">
+        <a:scrgbClr r="0" g="0" b="0"/>
+      </a:fillRef>
+      <a:effectRef idx="0">
+        <a:scrgbClr r="0" g="0" b="0"/>
+      </a:effectRef>
+      <a:fontRef idx="minor">
+        <a:schemeClr val="lt1"/>
+      </a:fontRef>
+    </dgm:style>
+  </dgm:styleLbl>
+  <dgm:styleLbl name="asst3">
+    <dgm:scene3d>
+      <a:camera prst="orthographicFront"/>
+      <a:lightRig rig="threePt" dir="t"/>
+    </dgm:scene3d>
+    <dgm:sp3d/>
+    <dgm:txPr/>
+    <dgm:style>
+      <a:lnRef idx="2">
+        <a:scrgbClr r="0" g="0" b="0"/>
+      </a:lnRef>
+      <a:fillRef idx="1">
+        <a:scrgbClr r="0" g="0" b="0"/>
+      </a:fillRef>
+      <a:effectRef idx="0">
+        <a:scrgbClr r="0" g="0" b="0"/>
+      </a:effectRef>
+      <a:fontRef idx="minor">
+        <a:schemeClr val="lt1"/>
+      </a:fontRef>
+    </dgm:style>
+  </dgm:styleLbl>
+  <dgm:styleLbl name="asst4">
+    <dgm:scene3d>
+      <a:camera prst="orthographicFront"/>
+      <a:lightRig rig="threePt" dir="t"/>
+    </dgm:scene3d>
+    <dgm:sp3d/>
+    <dgm:txPr/>
+    <dgm:style>
+      <a:lnRef idx="2">
+        <a:scrgbClr r="0" g="0" b="0"/>
+      </a:lnRef>
+      <a:fillRef idx="1">
+        <a:scrgbClr r="0" g="0" b="0"/>
+      </a:fillRef>
+      <a:effectRef idx="0">
+        <a:scrgbClr r="0" g="0" b="0"/>
+      </a:effectRef>
+      <a:fontRef idx="minor">
+        <a:schemeClr val="lt1"/>
+      </a:fontRef>
+    </dgm:style>
+  </dgm:styleLbl>
+  <dgm:styleLbl name="parChTrans2D1">
+    <dgm:scene3d>
+      <a:camera prst="orthographicFront"/>
+      <a:lightRig rig="threePt" dir="t"/>
+    </dgm:scene3d>
+    <dgm:sp3d/>
+    <dgm:txPr/>
+    <dgm:style>
+      <a:lnRef idx="2">
+        <a:scrgbClr r="0" g="0" b="0"/>
+      </a:lnRef>
+      <a:fillRef idx="1">
+        <a:scrgbClr r="0" g="0" b="0"/>
+      </a:fillRef>
+      <a:effectRef idx="0">
+        <a:scrgbClr r="0" g="0" b="0"/>
+      </a:effectRef>
+      <a:fontRef idx="minor">
+        <a:schemeClr val="lt1"/>
+      </a:fontRef>
+    </dgm:style>
+  </dgm:styleLbl>
+  <dgm:styleLbl name="parChTrans2D2">
+    <dgm:scene3d>
+      <a:camera prst="orthographicFront"/>
+      <a:lightRig rig="threePt" dir="t"/>
+    </dgm:scene3d>
+    <dgm:sp3d/>
+    <dgm:txPr/>
+    <dgm:style>
+      <a:lnRef idx="2">
+        <a:scrgbClr r="0" g="0" b="0"/>
+      </a:lnRef>
+      <a:fillRef idx="1">
+        <a:scrgbClr r="0" g="0" b="0"/>
+      </a:fillRef>
+      <a:effectRef idx="0">
+        <a:scrgbClr r="0" g="0" b="0"/>
+      </a:effectRef>
+      <a:fontRef idx="minor">
+        <a:schemeClr val="lt1"/>
+      </a:fontRef>
+    </dgm:style>
+  </dgm:styleLbl>
+  <dgm:styleLbl name="parChTrans2D3">
+    <dgm:scene3d>
+      <a:camera prst="orthographicFront"/>
+      <a:lightRig rig="threePt" dir="t"/>
+    </dgm:scene3d>
+    <dgm:sp3d/>
+    <dgm:txPr/>
+    <dgm:style>
+      <a:lnRef idx="2">
+        <a:scrgbClr r="0" g="0" b="0"/>
+      </a:lnRef>
+      <a:fillRef idx="1">
+        <a:scrgbClr r="0" g="0" b="0"/>
+      </a:fillRef>
+      <a:effectRef idx="0">
+        <a:scrgbClr r="0" g="0" b="0"/>
+      </a:effectRef>
+      <a:fontRef idx="minor">
+        <a:schemeClr val="lt1"/>
+      </a:fontRef>
+    </dgm:style>
+  </dgm:styleLbl>
+  <dgm:styleLbl name="parChTrans2D4">
+    <dgm:scene3d>
+      <a:camera prst="orthographicFront"/>
+      <a:lightRig rig="threePt" dir="t"/>
+    </dgm:scene3d>
+    <dgm:sp3d/>
+    <dgm:txPr/>
+    <dgm:style>
+      <a:lnRef idx="2">
+        <a:scrgbClr r="0" g="0" b="0"/>
+      </a:lnRef>
+      <a:fillRef idx="1">
+        <a:scrgbClr r="0" g="0" b="0"/>
+      </a:fillRef>
+      <a:effectRef idx="0">
+        <a:scrgbClr r="0" g="0" b="0"/>
+      </a:effectRef>
+      <a:fontRef idx="minor">
+        <a:schemeClr val="lt1"/>
+      </a:fontRef>
+    </dgm:style>
+  </dgm:styleLbl>
+  <dgm:styleLbl name="parChTrans1D1">
+    <dgm:scene3d>
+      <a:camera prst="orthographicFront"/>
+      <a:lightRig rig="threePt" dir="t"/>
+    </dgm:scene3d>
+    <dgm:sp3d/>
+    <dgm:txPr/>
+    <dgm:style>
+      <a:lnRef idx="2">
+        <a:scrgbClr r="0" g="0" b="0"/>
+      </a:lnRef>
+      <a:fillRef idx="0">
+        <a:scrgbClr r="0" g="0" b="0"/>
+      </a:fillRef>
+      <a:effectRef idx="0">
+        <a:scrgbClr r="0" g="0" b="0"/>
+      </a:effectRef>
+      <a:fontRef idx="minor"/>
+    </dgm:style>
+  </dgm:styleLbl>
+  <dgm:styleLbl name="parChTrans1D2">
+    <dgm:scene3d>
+      <a:camera prst="orthographicFront"/>
+      <a:lightRig rig="threePt" dir="t"/>
+    </dgm:scene3d>
+    <dgm:sp3d/>
+    <dgm:txPr/>
+    <dgm:style>
+      <a:lnRef idx="2">
+        <a:scrgbClr r="0" g="0" b="0"/>
+      </a:lnRef>
+      <a:fillRef idx="0">
+        <a:scrgbClr r="0" g="0" b="0"/>
+      </a:fillRef>
+      <a:effectRef idx="0">
+        <a:scrgbClr r="0" g="0" b="0"/>
+      </a:effectRef>
+      <a:fontRef idx="minor"/>
+    </dgm:style>
+  </dgm:styleLbl>
+  <dgm:styleLbl name="parChTrans1D3">
+    <dgm:scene3d>
+      <a:camera prst="orthographicFront"/>
+      <a:lightRig rig="threePt" dir="t"/>
+    </dgm:scene3d>
+    <dgm:sp3d/>
+    <dgm:txPr/>
+    <dgm:style>
+      <a:lnRef idx="2">
+        <a:scrgbClr r="0" g="0" b="0"/>
+      </a:lnRef>
+      <a:fillRef idx="0">
+        <a:scrgbClr r="0" g="0" b="0"/>
+      </a:fillRef>
+      <a:effectRef idx="0">
+        <a:scrgbClr r="0" g="0" b="0"/>
+      </a:effectRef>
+      <a:fontRef idx="minor"/>
+    </dgm:style>
+  </dgm:styleLbl>
+  <dgm:styleLbl name="parChTrans1D4">
+    <dgm:scene3d>
+      <a:camera prst="orthographicFront"/>
+      <a:lightRig rig="threePt" dir="t"/>
+    </dgm:scene3d>
+    <dgm:sp3d/>
+    <dgm:txPr/>
+    <dgm:style>
+      <a:lnRef idx="2">
+        <a:scrgbClr r="0" g="0" b="0"/>
+      </a:lnRef>
+      <a:fillRef idx="0">
+        <a:scrgbClr r="0" g="0" b="0"/>
+      </a:fillRef>
+      <a:effectRef idx="0">
+        <a:scrgbClr r="0" g="0" b="0"/>
+      </a:effectRef>
+      <a:fontRef idx="minor"/>
+    </dgm:style>
+  </dgm:styleLbl>
+  <dgm:styleLbl name="fgAcc1">
+    <dgm:scene3d>
+      <a:camera prst="orthographicFront"/>
+      <a:lightRig rig="threePt" dir="t"/>
+    </dgm:scene3d>
+    <dgm:sp3d/>
+    <dgm:txPr/>
+    <dgm:style>
+      <a:lnRef idx="2">
+        <a:scrgbClr r="0" g="0" b="0"/>
+      </a:lnRef>
+      <a:fillRef idx="1">
+        <a:scrgbClr r="0" g="0" b="0"/>
+      </a:fillRef>
+      <a:effectRef idx="0">
+        <a:scrgbClr r="0" g="0" b="0"/>
+      </a:effectRef>
+      <a:fontRef idx="minor"/>
+    </dgm:style>
+  </dgm:styleLbl>
+  <dgm:styleLbl name="conFgAcc1">
+    <dgm:scene3d>
+      <a:camera prst="orthographicFront"/>
+      <a:lightRig rig="threePt" dir="t"/>
+    </dgm:scene3d>
+    <dgm:sp3d/>
+    <dgm:txPr/>
+    <dgm:style>
+      <a:lnRef idx="2">
+        <a:scrgbClr r="0" g="0" b="0"/>
+      </a:lnRef>
+      <a:fillRef idx="1">
+        <a:scrgbClr r="0" g="0" b="0"/>
+      </a:fillRef>
+      <a:effectRef idx="0">
+        <a:scrgbClr r="0" g="0" b="0"/>
+      </a:effectRef>
+      <a:fontRef idx="minor"/>
+    </dgm:style>
+  </dgm:styleLbl>
+  <dgm:styleLbl name="alignAcc1">
+    <dgm:scene3d>
+      <a:camera prst="orthographicFront"/>
+      <a:lightRig rig="threePt" dir="t"/>
+    </dgm:scene3d>
+    <dgm:sp3d/>
+    <dgm:txPr/>
+    <dgm:style>
+      <a:lnRef idx="2">
+        <a:scrgbClr r="0" g="0" b="0"/>
+      </a:lnRef>
+      <a:fillRef idx="1">
+        <a:scrgbClr r="0" g="0" b="0"/>
+      </a:fillRef>
+      <a:effectRef idx="0">
+        <a:scrgbClr r="0" g="0" b="0"/>
+      </a:effectRef>
+      <a:fontRef idx="minor"/>
+    </dgm:style>
+  </dgm:styleLbl>
+  <dgm:styleLbl name="trAlignAcc1">
+    <dgm:scene3d>
+      <a:camera prst="orthographicFront"/>
+      <a:lightRig rig="threePt" dir="t"/>
+    </dgm:scene3d>
+    <dgm:sp3d/>
+    <dgm:txPr/>
+    <dgm:style>
+      <a:lnRef idx="1">
+        <a:scrgbClr r="0" g="0" b="0"/>
+      </a:lnRef>
+      <a:fillRef idx="1">
+        <a:scrgbClr r="0" g="0" b="0"/>
+      </a:fillRef>
+      <a:effectRef idx="0">
+        <a:scrgbClr r="0" g="0" b="0"/>
+      </a:effectRef>
+      <a:fontRef idx="minor"/>
+    </dgm:style>
+  </dgm:styleLbl>
+  <dgm:styleLbl name="bgAcc1">
+    <dgm:scene3d>
+      <a:camera prst="orthographicFront"/>
+      <a:lightRig rig="threePt" dir="t"/>
+    </dgm:scene3d>
+    <dgm:sp3d/>
+    <dgm:txPr/>
+    <dgm:style>
+      <a:lnRef idx="2">
+        <a:scrgbClr r="0" g="0" b="0"/>
+      </a:lnRef>
+      <a:fillRef idx="1">
+        <a:scrgbClr r="0" g="0" b="0"/>
+      </a:fillRef>
+      <a:effectRef idx="0">
+        <a:scrgbClr r="0" g="0" b="0"/>
+      </a:effectRef>
+      <a:fontRef idx="minor"/>
+    </dgm:style>
+  </dgm:styleLbl>
+  <dgm:styleLbl name="solidFgAcc1">
+    <dgm:scene3d>
+      <a:camera prst="orthographicFront"/>
+      <a:lightRig rig="threePt" dir="t"/>
+    </dgm:scene3d>
+    <dgm:sp3d/>
+    <dgm:txPr/>
+    <dgm:style>
+      <a:lnRef idx="2">
+        <a:scrgbClr r="0" g="0" b="0"/>
+      </a:lnRef>
+      <a:fillRef idx="1">
+        <a:scrgbClr r="0" g="0" b="0"/>
+      </a:fillRef>
+      <a:effectRef idx="0">
+        <a:scrgbClr r="0" g="0" b="0"/>
+      </a:effectRef>
+      <a:fontRef idx="minor"/>
+    </dgm:style>
+  </dgm:styleLbl>
+  <dgm:styleLbl name="solidAlignAcc1">
+    <dgm:scene3d>
+      <a:camera prst="orthographicFront"/>
+      <a:lightRig rig="threePt" dir="t"/>
+    </dgm:scene3d>
+    <dgm:sp3d/>
+    <dgm:txPr/>
+    <dgm:style>
+      <a:lnRef idx="2">
+        <a:scrgbClr r="0" g="0" b="0"/>
+      </a:lnRef>
+      <a:fillRef idx="1">
+        <a:scrgbClr r="0" g="0" b="0"/>
+      </a:fillRef>
+      <a:effectRef idx="0">
+        <a:scrgbClr r="0" g="0" b="0"/>
+      </a:effectRef>
+      <a:fontRef idx="minor"/>
+    </dgm:style>
+  </dgm:styleLbl>
+  <dgm:styleLbl name="solidBgAcc1">
+    <dgm:scene3d>
+      <a:camera prst="orthographicFront"/>
+      <a:lightRig rig="threePt" dir="t"/>
+    </dgm:scene3d>
+    <dgm:sp3d/>
+    <dgm:txPr/>
+    <dgm:style>
+      <a:lnRef idx="2">
+        <a:scrgbClr r="0" g="0" b="0"/>
+      </a:lnRef>
+      <a:fillRef idx="1">
+        <a:scrgbClr r="0" g="0" b="0"/>
+      </a:fillRef>
+      <a:effectRef idx="0">
+        <a:scrgbClr r="0" g="0" b="0"/>
+      </a:effectRef>
+      <a:fontRef idx="minor"/>
+    </dgm:style>
+  </dgm:styleLbl>
+  <dgm:styleLbl name="fgAccFollowNode1">
+    <dgm:scene3d>
+      <a:camera prst="orthographicFront"/>
+      <a:lightRig rig="threePt" dir="t"/>
+    </dgm:scene3d>
+    <dgm:sp3d/>
+    <dgm:txPr/>
+    <dgm:style>
+      <a:lnRef idx="2">
+        <a:scrgbClr r="0" g="0" b="0"/>
+      </a:lnRef>
+      <a:fillRef idx="1">
+        <a:scrgbClr r="0" g="0" b="0"/>
+      </a:fillRef>
+      <a:effectRef idx="0">
+        <a:scrgbClr r="0" g="0" b="0"/>
+      </a:effectRef>
+      <a:fontRef idx="minor"/>
+    </dgm:style>
+  </dgm:styleLbl>
+  <dgm:styleLbl name="alignAccFollowNode1">
+    <dgm:scene3d>
+      <a:camera prst="orthographicFront"/>
+      <a:lightRig rig="threePt" dir="t"/>
+    </dgm:scene3d>
+    <dgm:sp3d/>
+    <dgm:txPr/>
+    <dgm:style>
+      <a:lnRef idx="2">
+        <a:scrgbClr r="0" g="0" b="0"/>
+      </a:lnRef>
+      <a:fillRef idx="1">
+        <a:scrgbClr r="0" g="0" b="0"/>
+      </a:fillRef>
+      <a:effectRef idx="0">
+        <a:scrgbClr r="0" g="0" b="0"/>
+      </a:effectRef>
+      <a:fontRef idx="minor"/>
+    </dgm:style>
+  </dgm:styleLbl>
+  <dgm:styleLbl name="bgAccFollowNode1">
+    <dgm:scene3d>
+      <a:camera prst="orthographicFront"/>
+      <a:lightRig rig="threePt" dir="t"/>
+    </dgm:scene3d>
+    <dgm:sp3d/>
+    <dgm:txPr/>
+    <dgm:style>
+      <a:lnRef idx="2">
+        <a:scrgbClr r="0" g="0" b="0"/>
+      </a:lnRef>
+      <a:fillRef idx="1">
+        <a:scrgbClr r="0" g="0" b="0"/>
+      </a:fillRef>
+      <a:effectRef idx="0">
+        <a:scrgbClr r="0" g="0" b="0"/>
+      </a:effectRef>
+      <a:fontRef idx="minor"/>
+    </dgm:style>
+  </dgm:styleLbl>
+  <dgm:styleLbl name="fgAcc0">
+    <dgm:scene3d>
+      <a:camera prst="orthographicFront"/>
+      <a:lightRig rig="threePt" dir="t"/>
+    </dgm:scene3d>
+    <dgm:sp3d/>
+    <dgm:txPr/>
+    <dgm:style>
+      <a:lnRef idx="2">
+        <a:scrgbClr r="0" g="0" b="0"/>
+      </a:lnRef>
+      <a:fillRef idx="1">
+        <a:scrgbClr r="0" g="0" b="0"/>
+      </a:fillRef>
+      <a:effectRef idx="0">
+        <a:scrgbClr r="0" g="0" b="0"/>
+      </a:effectRef>
+      <a:fontRef idx="minor"/>
+    </dgm:style>
+  </dgm:styleLbl>
+  <dgm:styleLbl name="fgAcc2">
+    <dgm:scene3d>
+      <a:camera prst="orthographicFront"/>
+      <a:lightRig rig="threePt" dir="t"/>
+    </dgm:scene3d>
+    <dgm:sp3d/>
+    <dgm:txPr/>
+    <dgm:style>
+      <a:lnRef idx="2">
+        <a:scrgbClr r="0" g="0" b="0"/>
+      </a:lnRef>
+      <a:fillRef idx="1">
+        <a:scrgbClr r="0" g="0" b="0"/>
+      </a:fillRef>
+      <a:effectRef idx="0">
+        <a:scrgbClr r="0" g="0" b="0"/>
+      </a:effectRef>
+      <a:fontRef idx="minor"/>
+    </dgm:style>
+  </dgm:styleLbl>
+  <dgm:styleLbl name="fgAcc3">
+    <dgm:scene3d>
+      <a:camera prst="orthographicFront"/>
+      <a:lightRig rig="threePt" dir="t"/>
+    </dgm:scene3d>
+    <dgm:sp3d/>
+    <dgm:txPr/>
+    <dgm:style>
+      <a:lnRef idx="2">
+        <a:scrgbClr r="0" g="0" b="0"/>
+      </a:lnRef>
+      <a:fillRef idx="1">
+        <a:scrgbClr r="0" g="0" b="0"/>
+      </a:fillRef>
+      <a:effectRef idx="0">
+        <a:scrgbClr r="0" g="0" b="0"/>
+      </a:effectRef>
+      <a:fontRef idx="minor"/>
+    </dgm:style>
+  </dgm:styleLbl>
+  <dgm:styleLbl name="fgAcc4">
+    <dgm:scene3d>
+      <a:camera prst="orthographicFront"/>
+      <a:lightRig rig="threePt" dir="t"/>
+    </dgm:scene3d>
+    <dgm:sp3d/>
+    <dgm:txPr/>
+    <dgm:style>
+      <a:lnRef idx="2">
+        <a:scrgbClr r="0" g="0" b="0"/>
+      </a:lnRef>
+      <a:fillRef idx="1">
+        <a:scrgbClr r="0" g="0" b="0"/>
+      </a:fillRef>
+      <a:effectRef idx="0">
+        <a:scrgbClr r="0" g="0" b="0"/>
+      </a:effectRef>
+      <a:fontRef idx="minor"/>
+    </dgm:style>
+  </dgm:styleLbl>
+  <dgm:styleLbl name="bgShp">
+    <dgm:scene3d>
+      <a:camera prst="orthographicFront"/>
+      <a:lightRig rig="threePt" dir="t"/>
+    </dgm:scene3d>
+    <dgm:sp3d/>
+    <dgm:txPr/>
+    <dgm:style>
+      <a:lnRef idx="0">
+        <a:scrgbClr r="0" g="0" b="0"/>
+      </a:lnRef>
+      <a:fillRef idx="1">
+        <a:scrgbClr r="0" g="0" b="0"/>
+      </a:fillRef>
+      <a:effectRef idx="0">
+        <a:scrgbClr r="0" g="0" b="0"/>
+      </a:effectRef>
+      <a:fontRef idx="minor"/>
+    </dgm:style>
+  </dgm:styleLbl>
+  <dgm:styleLbl name="dkBgShp">
+    <dgm:scene3d>
+      <a:camera prst="orthographicFront"/>
+      <a:lightRig rig="threePt" dir="t"/>
+    </dgm:scene3d>
+    <dgm:sp3d/>
+    <dgm:txPr/>
+    <dgm:style>
+      <a:lnRef idx="0">
+        <a:scrgbClr r="0" g="0" b="0"/>
+      </a:lnRef>
+      <a:fillRef idx="1">
+        <a:scrgbClr r="0" g="0" b="0"/>
+      </a:fillRef>
+      <a:effectRef idx="0">
+        <a:scrgbClr r="0" g="0" b="0"/>
+      </a:effectRef>
+      <a:fontRef idx="minor"/>
+    </dgm:style>
+  </dgm:styleLbl>
+  <dgm:styleLbl name="trBgShp">
+    <dgm:scene3d>
+      <a:camera prst="orthographicFront"/>
+      <a:lightRig rig="threePt" dir="t"/>
+    </dgm:scene3d>
+    <dgm:sp3d/>
+    <dgm:txPr/>
+    <dgm:style>
+      <a:lnRef idx="0">
+        <a:scrgbClr r="0" g="0" b="0"/>
+      </a:lnRef>
+      <a:fillRef idx="1">
+        <a:scrgbClr r="0" g="0" b="0"/>
+      </a:fillRef>
+      <a:effectRef idx="0">
+        <a:scrgbClr r="0" g="0" b="0"/>
+      </a:effectRef>
+      <a:fontRef idx="minor"/>
+    </dgm:style>
+  </dgm:styleLbl>
+  <dgm:styleLbl name="fgShp">
+    <dgm:scene3d>
+      <a:camera prst="orthographicFront"/>
+      <a:lightRig rig="threePt" dir="t"/>
+    </dgm:scene3d>
+    <dgm:sp3d/>
+    <dgm:txPr/>
+    <dgm:style>
+      <a:lnRef idx="2">
+        <a:scrgbClr r="0" g="0" b="0"/>
+      </a:lnRef>
+      <a:fillRef idx="1">
+        <a:scrgbClr r="0" g="0" b="0"/>
+      </a:fillRef>
+      <a:effectRef idx="0">
+        <a:scrgbClr r="0" g="0" b="0"/>
+      </a:effectRef>
+      <a:fontRef idx="minor"/>
+    </dgm:style>
+  </dgm:styleLbl>
+  <dgm:styleLbl name="revTx">
+    <dgm:scene3d>
+      <a:camera prst="orthographicFront"/>
+      <a:lightRig rig="threePt" dir="t"/>
+    </dgm:scene3d>
+    <dgm:sp3d/>
+    <dgm:txPr/>
+    <dgm:style>
+      <a:lnRef idx="0">
+        <a:scrgbClr r="0" g="0" b="0"/>
+      </a:lnRef>
+      <a:fillRef idx="0">
+        <a:scrgbClr r="0" g="0" b="0"/>
+      </a:fillRef>
+      <a:effectRef idx="0">
+        <a:scrgbClr r="0" g="0" b="0"/>
+      </a:effectRef>
+      <a:fontRef idx="minor"/>
+    </dgm:style>
+  </dgm:styleLbl>
+</dgm:styleDef>
+</file>
+
 <file path=ppt/notesMasters/notesMaster1.xml><?xml version="1.0" encoding="utf-8"?>
 <p:notesMaster xmlns:a="http://schemas.openxmlformats.org/drawingml/2006/main" xmlns:r="http://schemas.openxmlformats.org/officeDocument/2006/relationships" xmlns:p="http://schemas.openxmlformats.org/presentationml/2006/main">
   <p:cSld>
@@ -2923,18 +5212,6 @@
           </a:p>
           <a:p>
             <a:r>
-              <a:rPr lang="en-US" altLang="zh-CN" sz="1200" b="0" i="0" kern="1200" dirty="0" smtClean="0">
-                <a:solidFill>
-                  <a:schemeClr val="tx1"/>
-                </a:solidFill>
-                <a:effectLst/>
-                <a:latin typeface="+mn-lt"/>
-                <a:ea typeface="+mn-ea"/>
-                <a:cs typeface="+mn-cs"/>
-              </a:rPr>
-              <a:t>N-Triples,</a:t>
-            </a:r>
-            <a:r>
               <a:rPr lang="zh-CN" altLang="en-US" sz="1200" b="0" i="0" kern="1200" dirty="0" smtClean="0">
                 <a:solidFill>
                   <a:schemeClr val="tx1"/>
@@ -2944,19 +5221,7 @@
                 <a:ea typeface="+mn-ea"/>
                 <a:cs typeface="+mn-cs"/>
               </a:rPr>
-              <a:t>就是用三元组的方式来表示</a:t>
-            </a:r>
-            <a:r>
-              <a:rPr lang="en-US" altLang="zh-CN" sz="1200" b="0" i="0" kern="1200" dirty="0" smtClean="0">
-                <a:solidFill>
-                  <a:schemeClr val="tx1"/>
-                </a:solidFill>
-                <a:effectLst/>
-                <a:latin typeface="+mn-lt"/>
-                <a:ea typeface="+mn-ea"/>
-                <a:cs typeface="+mn-cs"/>
-              </a:rPr>
-              <a:t>RDF</a:t>
+              <a:t>在</a:t>
             </a:r>
             <a:r>
               <a:rPr lang="zh-CN" altLang="en-US" sz="1200" b="0" i="0" kern="1200" dirty="0" smtClean="0">
@@ -2968,19 +5233,7 @@
                 <a:ea typeface="+mn-ea"/>
                 <a:cs typeface="+mn-cs"/>
               </a:rPr>
-              <a:t>数据集，是最直观的表述方法。在文件中每一行表示一个三元组，方便机器的解析和处理。开放知识领域的图谱</a:t>
-            </a:r>
-            <a:r>
-              <a:rPr lang="en-US" altLang="zh-CN" sz="1200" b="0" i="0" kern="1200" dirty="0" err="1" smtClean="0">
-                <a:solidFill>
-                  <a:schemeClr val="tx1"/>
-                </a:solidFill>
-                <a:effectLst/>
-                <a:latin typeface="+mn-lt"/>
-                <a:ea typeface="+mn-ea"/>
-                <a:cs typeface="+mn-cs"/>
-              </a:rPr>
-              <a:t>DBpedia</a:t>
+              <a:t>文件中每一行表示一个三元组，方便机器的解析和处理</a:t>
             </a:r>
             <a:r>
               <a:rPr lang="zh-CN" altLang="en-US" sz="1200" b="0" i="0" kern="1200" dirty="0" smtClean="0">
@@ -2992,7 +5245,7 @@
                 <a:ea typeface="+mn-ea"/>
                 <a:cs typeface="+mn-cs"/>
               </a:rPr>
-              <a:t>通常是用这种格式来发布数据的。</a:t>
+              <a:t>。</a:t>
             </a:r>
             <a:endParaRPr lang="en-US" altLang="zh-CN" sz="1200" b="0" i="0" kern="1200" dirty="0" smtClean="0">
               <a:solidFill>
@@ -3006,6 +5259,53 @@
           </a:p>
           <a:p>
             <a:r>
+              <a:rPr lang="zh-CN" altLang="en-US" sz="1200" b="0" i="0" kern="1200" dirty="0" smtClean="0">
+                <a:solidFill>
+                  <a:schemeClr val="tx1"/>
+                </a:solidFill>
+                <a:effectLst/>
+                <a:latin typeface="+mn-lt"/>
+                <a:ea typeface="+mn-ea"/>
+                <a:cs typeface="+mn-cs"/>
+              </a:rPr>
+              <a:t>知识库</a:t>
+            </a:r>
+            <a:r>
+              <a:rPr lang="en-US" altLang="zh-CN" sz="1200" b="0" i="0" kern="1200" dirty="0" err="1" smtClean="0">
+                <a:solidFill>
+                  <a:schemeClr val="tx1"/>
+                </a:solidFill>
+                <a:effectLst/>
+                <a:latin typeface="+mn-lt"/>
+                <a:ea typeface="+mn-ea"/>
+                <a:cs typeface="+mn-cs"/>
+              </a:rPr>
+              <a:t>DBpedia</a:t>
+            </a:r>
+            <a:r>
+              <a:rPr lang="zh-CN" altLang="en-US" sz="1200" b="0" i="0" kern="1200" dirty="0" smtClean="0">
+                <a:solidFill>
+                  <a:schemeClr val="tx1"/>
+                </a:solidFill>
+                <a:effectLst/>
+                <a:latin typeface="+mn-lt"/>
+                <a:ea typeface="+mn-ea"/>
+                <a:cs typeface="+mn-cs"/>
+              </a:rPr>
+              <a:t>通常是用这种格式来发布数据的。</a:t>
+            </a:r>
+            <a:endParaRPr lang="en-US" altLang="zh-CN" sz="1200" b="0" i="0" kern="1200" dirty="0" smtClean="0">
+              <a:solidFill>
+                <a:schemeClr val="tx1"/>
+              </a:solidFill>
+              <a:effectLst/>
+              <a:latin typeface="+mn-lt"/>
+              <a:ea typeface="+mn-ea"/>
+              <a:cs typeface="+mn-cs"/>
+            </a:endParaRPr>
+          </a:p>
+          <a:p>
+            <a:r>
               <a:rPr lang="en-US" altLang="zh-CN" sz="1200" b="0" i="0" kern="1200" dirty="0" smtClean="0">
                 <a:solidFill>
                   <a:schemeClr val="tx1"/>
@@ -3039,19 +5339,7 @@
                 <a:ea typeface="+mn-ea"/>
                 <a:cs typeface="+mn-cs"/>
               </a:rPr>
-              <a:t> 当</a:t>
-            </a:r>
-            <a:r>
-              <a:rPr lang="en-US" altLang="zh-CN" sz="1200" b="0" i="0" kern="1200" baseline="0" dirty="0" err="1" smtClean="0">
-                <a:solidFill>
-                  <a:schemeClr val="tx1"/>
-                </a:solidFill>
-                <a:effectLst/>
-                <a:latin typeface="+mn-lt"/>
-                <a:ea typeface="+mn-ea"/>
-                <a:cs typeface="+mn-cs"/>
-              </a:rPr>
-              <a:t>rdf</a:t>
+              <a:t> </a:t>
             </a:r>
             <a:r>
               <a:rPr lang="zh-CN" altLang="en-US" sz="1200" b="0" i="0" kern="1200" baseline="0" dirty="0" smtClean="0">
@@ -3063,7 +5351,19 @@
                 <a:ea typeface="+mn-ea"/>
                 <a:cs typeface="+mn-cs"/>
               </a:rPr>
-              <a:t>文件很大，在解析使使用</a:t>
+              <a:t>在</a:t>
+            </a:r>
+            <a:r>
+              <a:rPr lang="zh-CN" altLang="en-US" sz="1200" b="0" i="0" kern="1200" baseline="0" dirty="0" smtClean="0">
+                <a:solidFill>
+                  <a:schemeClr val="tx1"/>
+                </a:solidFill>
+                <a:effectLst/>
+                <a:latin typeface="+mn-lt"/>
+                <a:ea typeface="+mn-ea"/>
+                <a:cs typeface="+mn-cs"/>
+              </a:rPr>
+              <a:t>解析使使用</a:t>
             </a:r>
             <a:r>
               <a:rPr lang="en-US" altLang="zh-CN" sz="1200" b="0" i="0" kern="1200" baseline="0" dirty="0" err="1" smtClean="0">
@@ -3221,7 +5521,7 @@
           <a:p>
             <a:fld id="{18E79C09-4E72-49BD-A5C9-2924744C885B}" type="slidenum">
               <a:rPr lang="zh-CN" altLang="en-US" smtClean="0"/>
-              <a:t>12</a:t>
+              <a:t>11</a:t>
             </a:fld>
             <a:endParaRPr lang="zh-CN" altLang="en-US"/>
           </a:p>
@@ -3230,7 +5530,7 @@
     </p:spTree>
     <p:extLst>
       <p:ext uri="{BB962C8B-B14F-4D97-AF65-F5344CB8AC3E}">
-        <p14:creationId xmlns:p14="http://schemas.microsoft.com/office/powerpoint/2010/main" val="3923831850"/>
+        <p14:creationId xmlns:p14="http://schemas.microsoft.com/office/powerpoint/2010/main" val="1678299082"/>
       </p:ext>
     </p:extLst>
   </p:cSld>
@@ -3285,125 +5585,115 @@
           <a:lstStyle/>
           <a:p>
             <a:r>
-              <a:rPr lang="en-US" altLang="zh-CN" dirty="0" err="1" smtClean="0"/>
-              <a:t>SparkQL</a:t>
-            </a:r>
-            <a:r>
-              <a:rPr lang="zh-CN" altLang="en-US" dirty="0" smtClean="0"/>
-              <a:t>同样也支持过滤查询。</a:t>
-            </a:r>
-            <a:endParaRPr lang="en-US" altLang="zh-CN" dirty="0" smtClean="0"/>
-          </a:p>
-          <a:p>
-            <a:r>
-              <a:rPr lang="zh-CN" altLang="en-US" dirty="0" smtClean="0"/>
-              <a:t>过滤查询是通过 </a:t>
-            </a:r>
-            <a:r>
-              <a:rPr lang="en-US" altLang="zh-CN" dirty="0" err="1" smtClean="0"/>
-              <a:t>FIlTER</a:t>
-            </a:r>
-            <a:r>
-              <a:rPr lang="en-US" altLang="zh-CN" dirty="0" smtClean="0"/>
-              <a:t>, OPTIOANL,</a:t>
-            </a:r>
-            <a:r>
-              <a:rPr lang="en-US" altLang="zh-CN" baseline="0" dirty="0" smtClean="0"/>
-              <a:t> ORDER BY, LIMITS</a:t>
-            </a:r>
-            <a:r>
-              <a:rPr lang="zh-CN" altLang="en-US" baseline="0" dirty="0" smtClean="0"/>
-              <a:t>这些关键词实现的。</a:t>
-            </a:r>
-            <a:endParaRPr lang="en-US" altLang="zh-CN" baseline="0" dirty="0" smtClean="0"/>
-          </a:p>
-          <a:p>
-            <a:r>
-              <a:rPr lang="en-US" altLang="zh-CN" baseline="0" dirty="0" smtClean="0"/>
-              <a:t>Filter(</a:t>
-            </a:r>
-            <a:r>
-              <a:rPr lang="zh-CN" altLang="en-US" baseline="0" dirty="0" smtClean="0"/>
-              <a:t>？</a:t>
-            </a:r>
-            <a:r>
-              <a:rPr lang="en-US" altLang="zh-CN" baseline="0" dirty="0" smtClean="0"/>
-              <a:t>Age &lt;= 30) </a:t>
-            </a:r>
-            <a:r>
-              <a:rPr lang="zh-CN" altLang="en-US" baseline="0" dirty="0" smtClean="0"/>
-              <a:t>就表示 ？</a:t>
-            </a:r>
-            <a:r>
-              <a:rPr lang="en-US" altLang="zh-CN" baseline="0" dirty="0" smtClean="0"/>
-              <a:t>Age</a:t>
-            </a:r>
-            <a:r>
-              <a:rPr lang="zh-CN" altLang="en-US" baseline="0" dirty="0" smtClean="0"/>
-              <a:t>这个变量要</a:t>
-            </a:r>
-            <a:r>
-              <a:rPr lang="en-US" altLang="zh-CN" baseline="0" dirty="0" smtClean="0"/>
-              <a:t>&lt;= 30</a:t>
-            </a:r>
-          </a:p>
-          <a:p>
-            <a:endParaRPr lang="en-US" altLang="zh-CN" baseline="0" dirty="0" smtClean="0"/>
-          </a:p>
-          <a:p>
-            <a:r>
-              <a:rPr lang="en-US" altLang="zh-CN" baseline="0" dirty="0" smtClean="0"/>
-              <a:t>optional</a:t>
-            </a:r>
-            <a:r>
-              <a:rPr lang="zh-CN" altLang="en-US" baseline="0" dirty="0" smtClean="0"/>
-              <a:t>可选的 </a:t>
-            </a:r>
-            <a:r>
-              <a:rPr lang="en-US" altLang="zh-CN" baseline="0" dirty="0" smtClean="0"/>
-              <a:t>optional{</a:t>
-            </a:r>
-            <a:r>
-              <a:rPr lang="zh-CN" altLang="en-US" baseline="0" dirty="0" smtClean="0"/>
-              <a:t>？</a:t>
-            </a:r>
-            <a:r>
-              <a:rPr lang="en-US" altLang="zh-CN" baseline="0" dirty="0" smtClean="0"/>
-              <a:t>Person </a:t>
-            </a:r>
-            <a:r>
-              <a:rPr lang="en-US" altLang="zh-CN" baseline="0" dirty="0" err="1" smtClean="0"/>
-              <a:t>info:job</a:t>
-            </a:r>
-            <a:r>
-              <a:rPr lang="en-US" altLang="zh-CN" baseline="0" dirty="0" smtClean="0"/>
-              <a:t> ?job}</a:t>
-            </a:r>
-            <a:r>
-              <a:rPr lang="zh-CN" altLang="en-US" baseline="0" dirty="0" smtClean="0"/>
-              <a:t>意思就是</a:t>
-            </a:r>
-            <a:endParaRPr lang="en-US" altLang="zh-CN" baseline="0" dirty="0" smtClean="0"/>
-          </a:p>
-          <a:p>
-            <a:r>
-              <a:rPr lang="zh-CN" altLang="en-US" baseline="0" dirty="0" smtClean="0"/>
-              <a:t>这个三元组不是必须匹配的。</a:t>
-            </a:r>
-            <a:endParaRPr lang="en-US" altLang="zh-CN" baseline="0" dirty="0" smtClean="0"/>
-          </a:p>
-          <a:p>
-            <a:endParaRPr lang="en-US" altLang="zh-CN" baseline="0" dirty="0" smtClean="0"/>
-          </a:p>
-          <a:p>
-            <a:r>
-              <a:rPr lang="en-US" altLang="zh-CN" baseline="0" dirty="0" smtClean="0"/>
-              <a:t>order by</a:t>
-            </a:r>
-            <a:r>
-              <a:rPr lang="zh-CN" altLang="en-US" baseline="0" dirty="0" smtClean="0"/>
-              <a:t>就是通过给定的变量对结果集进行排序</a:t>
-            </a:r>
+              <a:rPr lang="en-US" altLang="zh-CN" sz="1200" b="0" i="0" kern="1200" dirty="0" err="1" smtClean="0">
+                <a:solidFill>
+                  <a:schemeClr val="tx1"/>
+                </a:solidFill>
+                <a:effectLst/>
+                <a:latin typeface="+mn-lt"/>
+                <a:ea typeface="+mn-ea"/>
+                <a:cs typeface="+mn-cs"/>
+              </a:rPr>
+              <a:t>sparql</a:t>
+            </a:r>
+            <a:r>
+              <a:rPr lang="zh-CN" altLang="en-US" sz="1200" b="0" i="0" kern="1200" dirty="0" smtClean="0">
+                <a:solidFill>
+                  <a:schemeClr val="tx1"/>
+                </a:solidFill>
+                <a:effectLst/>
+                <a:latin typeface="+mn-lt"/>
+                <a:ea typeface="+mn-ea"/>
+                <a:cs typeface="+mn-cs"/>
+              </a:rPr>
+              <a:t>查询是针对</a:t>
+            </a:r>
+            <a:r>
+              <a:rPr lang="en-US" altLang="zh-CN" sz="1200" b="0" i="0" kern="1200" dirty="0" smtClean="0">
+                <a:solidFill>
+                  <a:schemeClr val="tx1"/>
+                </a:solidFill>
+                <a:effectLst/>
+                <a:latin typeface="+mn-lt"/>
+                <a:ea typeface="+mn-ea"/>
+                <a:cs typeface="+mn-cs"/>
+              </a:rPr>
+              <a:t>RDF</a:t>
+            </a:r>
+            <a:r>
+              <a:rPr lang="zh-CN" altLang="en-US" sz="1200" b="0" i="0" kern="1200" dirty="0" smtClean="0">
+                <a:solidFill>
+                  <a:schemeClr val="tx1"/>
+                </a:solidFill>
+                <a:effectLst/>
+                <a:latin typeface="+mn-lt"/>
+                <a:ea typeface="+mn-ea"/>
+                <a:cs typeface="+mn-cs"/>
+              </a:rPr>
+              <a:t>数据开发的一种查询语言， 类似于</a:t>
+            </a:r>
+            <a:r>
+              <a:rPr lang="en-US" altLang="zh-CN" sz="1200" b="0" i="0" kern="1200" dirty="0" err="1" smtClean="0">
+                <a:solidFill>
+                  <a:schemeClr val="tx1"/>
+                </a:solidFill>
+                <a:effectLst/>
+                <a:latin typeface="+mn-lt"/>
+                <a:ea typeface="+mn-ea"/>
+                <a:cs typeface="+mn-cs"/>
+              </a:rPr>
+              <a:t>sql</a:t>
+            </a:r>
+            <a:r>
+              <a:rPr lang="en-US" altLang="zh-CN" sz="1200" b="0" i="0" kern="1200" dirty="0" smtClean="0">
+                <a:solidFill>
+                  <a:schemeClr val="tx1"/>
+                </a:solidFill>
+                <a:effectLst/>
+                <a:latin typeface="+mn-lt"/>
+                <a:ea typeface="+mn-ea"/>
+                <a:cs typeface="+mn-cs"/>
+              </a:rPr>
+              <a:t>. </a:t>
+            </a:r>
+            <a:r>
+              <a:rPr lang="zh-CN" altLang="en-US" sz="1200" b="0" i="0" kern="1200" dirty="0" smtClean="0">
+                <a:solidFill>
+                  <a:schemeClr val="tx1"/>
+                </a:solidFill>
+                <a:effectLst/>
+                <a:latin typeface="+mn-lt"/>
+                <a:ea typeface="+mn-ea"/>
+                <a:cs typeface="+mn-cs"/>
+              </a:rPr>
+              <a:t>学过</a:t>
+            </a:r>
+            <a:r>
+              <a:rPr lang="en-US" altLang="zh-CN" sz="1200" b="0" i="0" kern="1200" dirty="0" err="1" smtClean="0">
+                <a:solidFill>
+                  <a:schemeClr val="tx1"/>
+                </a:solidFill>
+                <a:effectLst/>
+                <a:latin typeface="+mn-lt"/>
+                <a:ea typeface="+mn-ea"/>
+                <a:cs typeface="+mn-cs"/>
+              </a:rPr>
+              <a:t>sql</a:t>
+            </a:r>
+            <a:r>
+              <a:rPr lang="zh-CN" altLang="en-US" sz="1200" b="0" i="0" kern="1200" dirty="0" smtClean="0">
+                <a:solidFill>
+                  <a:schemeClr val="tx1"/>
+                </a:solidFill>
+                <a:effectLst/>
+                <a:latin typeface="+mn-lt"/>
+                <a:ea typeface="+mn-ea"/>
+                <a:cs typeface="+mn-cs"/>
+              </a:rPr>
+              <a:t>的人，很容易掌握。</a:t>
+            </a:r>
+          </a:p>
+          <a:p>
             <a:endParaRPr lang="zh-CN" altLang="en-US" dirty="0"/>
           </a:p>
         </p:txBody>
@@ -3425,7 +5715,7 @@
           <a:p>
             <a:fld id="{18E79C09-4E72-49BD-A5C9-2924744C885B}" type="slidenum">
               <a:rPr lang="zh-CN" altLang="en-US" smtClean="0"/>
-              <a:t>14</a:t>
+              <a:t>12</a:t>
             </a:fld>
             <a:endParaRPr lang="zh-CN" altLang="en-US"/>
           </a:p>
@@ -3434,7 +5724,7 @@
     </p:spTree>
     <p:extLst>
       <p:ext uri="{BB962C8B-B14F-4D97-AF65-F5344CB8AC3E}">
-        <p14:creationId xmlns:p14="http://schemas.microsoft.com/office/powerpoint/2010/main" val="2179482045"/>
+        <p14:creationId xmlns:p14="http://schemas.microsoft.com/office/powerpoint/2010/main" val="3923831850"/>
       </p:ext>
     </p:extLst>
   </p:cSld>
@@ -3489,51 +5779,181 @@
           <a:lstStyle/>
           <a:p>
             <a:r>
-              <a:rPr lang="en-US" altLang="zh-CN" dirty="0" err="1" smtClean="0"/>
-              <a:t>Sparql</a:t>
-            </a:r>
-            <a:r>
-              <a:rPr lang="zh-CN" altLang="en-US" dirty="0" smtClean="0"/>
-              <a:t>也包含</a:t>
-            </a:r>
-            <a:r>
-              <a:rPr lang="en-US" altLang="zh-CN" dirty="0" smtClean="0"/>
-              <a:t>count sum min max, </a:t>
-            </a:r>
-            <a:r>
-              <a:rPr lang="en-US" altLang="zh-CN" dirty="0" err="1" smtClean="0"/>
-              <a:t>avg</a:t>
-            </a:r>
-            <a:r>
-              <a:rPr lang="zh-CN" altLang="en-US" dirty="0" smtClean="0"/>
-              <a:t>这些聚合函数。</a:t>
-            </a:r>
-            <a:endParaRPr lang="en-US" altLang="zh-CN" dirty="0" smtClean="0"/>
-          </a:p>
-          <a:p>
-            <a:endParaRPr lang="en-US" altLang="zh-CN" dirty="0" smtClean="0"/>
-          </a:p>
-          <a:p>
-            <a:r>
-              <a:rPr lang="zh-CN" altLang="en-US" dirty="0" smtClean="0"/>
-              <a:t>求出？</a:t>
-            </a:r>
-            <a:r>
-              <a:rPr lang="en-US" altLang="zh-CN" dirty="0" smtClean="0"/>
-              <a:t>Age</a:t>
-            </a:r>
-            <a:r>
-              <a:rPr lang="zh-CN" altLang="en-US" dirty="0" smtClean="0"/>
-              <a:t>的平均值赋给？</a:t>
-            </a:r>
-            <a:r>
-              <a:rPr lang="en-US" altLang="zh-CN" dirty="0" err="1" smtClean="0"/>
-              <a:t>AvgAge</a:t>
-            </a:r>
-            <a:r>
-              <a:rPr lang="zh-CN" altLang="en-US" dirty="0" smtClean="0"/>
-              <a:t>这个变量。</a:t>
-            </a:r>
+              <a:rPr lang="en-US" altLang="zh-CN" sz="1200" b="0" i="0" kern="1200" dirty="0" smtClean="0">
+                <a:solidFill>
+                  <a:schemeClr val="tx1"/>
+                </a:solidFill>
+                <a:effectLst/>
+                <a:latin typeface="+mn-lt"/>
+                <a:ea typeface="+mn-ea"/>
+                <a:cs typeface="+mn-cs"/>
+              </a:rPr>
+              <a:t>prefix</a:t>
+            </a:r>
+            <a:r>
+              <a:rPr lang="zh-CN" altLang="en-US" sz="1200" b="0" i="0" kern="1200" dirty="0" smtClean="0">
+                <a:solidFill>
+                  <a:schemeClr val="tx1"/>
+                </a:solidFill>
+                <a:effectLst/>
+                <a:latin typeface="+mn-lt"/>
+                <a:ea typeface="+mn-ea"/>
+                <a:cs typeface="+mn-cs"/>
+              </a:rPr>
+              <a:t>是一个前缀缩写 </a:t>
+            </a:r>
+            <a:r>
+              <a:rPr lang="en-US" altLang="zh-CN" sz="1200" b="0" i="0" kern="1200" dirty="0" err="1" smtClean="0">
+                <a:solidFill>
+                  <a:schemeClr val="tx1"/>
+                </a:solidFill>
+                <a:effectLst/>
+                <a:latin typeface="+mn-lt"/>
+                <a:ea typeface="+mn-ea"/>
+                <a:cs typeface="+mn-cs"/>
+              </a:rPr>
+              <a:t>info:age</a:t>
+            </a:r>
+            <a:r>
+              <a:rPr lang="zh-CN" altLang="en-US" sz="1200" b="0" i="0" kern="1200" dirty="0" smtClean="0">
+                <a:solidFill>
+                  <a:schemeClr val="tx1"/>
+                </a:solidFill>
+                <a:effectLst/>
+                <a:latin typeface="+mn-lt"/>
+                <a:ea typeface="+mn-ea"/>
+                <a:cs typeface="+mn-cs"/>
+              </a:rPr>
+              <a:t>就是等于一个完整的</a:t>
+            </a:r>
+            <a:r>
+              <a:rPr lang="en-US" altLang="zh-CN" sz="1200" b="0" i="0" kern="1200" dirty="0" smtClean="0">
+                <a:solidFill>
+                  <a:schemeClr val="tx1"/>
+                </a:solidFill>
+                <a:effectLst/>
+                <a:latin typeface="+mn-lt"/>
+                <a:ea typeface="+mn-ea"/>
+                <a:cs typeface="+mn-cs"/>
+              </a:rPr>
+              <a:t>IRI</a:t>
+            </a:r>
+          </a:p>
+          <a:p>
+            <a:r>
+              <a:rPr lang="en-US" altLang="zh-CN" sz="1200" b="0" i="0" kern="1200" dirty="0" smtClean="0">
+                <a:solidFill>
+                  <a:schemeClr val="tx1"/>
+                </a:solidFill>
+                <a:effectLst/>
+                <a:latin typeface="+mn-lt"/>
+                <a:ea typeface="+mn-ea"/>
+                <a:cs typeface="+mn-cs"/>
+              </a:rPr>
+              <a:t>?person </a:t>
+            </a:r>
+            <a:r>
+              <a:rPr lang="zh-CN" altLang="en-US" sz="1200" b="0" i="0" kern="1200" dirty="0" smtClean="0">
+                <a:solidFill>
+                  <a:schemeClr val="tx1"/>
+                </a:solidFill>
+                <a:effectLst/>
+                <a:latin typeface="+mn-lt"/>
+                <a:ea typeface="+mn-ea"/>
+                <a:cs typeface="+mn-cs"/>
+              </a:rPr>
+              <a:t>？</a:t>
+            </a:r>
+            <a:r>
+              <a:rPr lang="en-US" altLang="zh-CN" sz="1200" b="0" i="0" kern="1200" dirty="0" smtClean="0">
+                <a:solidFill>
+                  <a:schemeClr val="tx1"/>
+                </a:solidFill>
+                <a:effectLst/>
+                <a:latin typeface="+mn-lt"/>
+                <a:ea typeface="+mn-ea"/>
+                <a:cs typeface="+mn-cs"/>
+              </a:rPr>
+              <a:t>age</a:t>
+            </a:r>
+            <a:r>
+              <a:rPr lang="zh-CN" altLang="en-US" sz="1200" b="0" i="0" kern="1200" dirty="0" smtClean="0">
+                <a:solidFill>
+                  <a:schemeClr val="tx1"/>
+                </a:solidFill>
+                <a:effectLst/>
+                <a:latin typeface="+mn-lt"/>
+                <a:ea typeface="+mn-ea"/>
+                <a:cs typeface="+mn-cs"/>
+              </a:rPr>
+              <a:t>都代表一个变量。 </a:t>
+            </a:r>
+          </a:p>
+          <a:p>
+            <a:r>
+              <a:rPr lang="en-US" altLang="zh-CN" sz="1200" b="0" i="0" kern="1200" dirty="0" smtClean="0">
+                <a:solidFill>
+                  <a:schemeClr val="tx1"/>
+                </a:solidFill>
+                <a:effectLst/>
+                <a:latin typeface="+mn-lt"/>
+                <a:ea typeface="+mn-ea"/>
+                <a:cs typeface="+mn-cs"/>
+              </a:rPr>
+              <a:t>where</a:t>
+            </a:r>
+            <a:r>
+              <a:rPr lang="zh-CN" altLang="en-US" sz="1200" b="0" i="0" kern="1200" dirty="0" smtClean="0">
+                <a:solidFill>
+                  <a:schemeClr val="tx1"/>
+                </a:solidFill>
+                <a:effectLst/>
+                <a:latin typeface="+mn-lt"/>
+                <a:ea typeface="+mn-ea"/>
+                <a:cs typeface="+mn-cs"/>
+              </a:rPr>
+              <a:t>子句里面是需要匹配的三元组模式。</a:t>
+            </a:r>
+          </a:p>
+          <a:p>
+            <a:r>
+              <a:rPr lang="zh-CN" altLang="en-US" sz="1200" b="0" i="0" kern="1200" dirty="0" smtClean="0">
+                <a:solidFill>
+                  <a:schemeClr val="tx1"/>
+                </a:solidFill>
+                <a:effectLst/>
+                <a:latin typeface="+mn-lt"/>
+                <a:ea typeface="+mn-ea"/>
+                <a:cs typeface="+mn-cs"/>
+              </a:rPr>
+              <a:t>整个查询的意思就是寻找 存在</a:t>
+            </a:r>
+            <a:r>
+              <a:rPr lang="en-US" altLang="zh-CN" sz="1200" b="0" i="0" kern="1200" dirty="0" err="1" smtClean="0">
+                <a:solidFill>
+                  <a:schemeClr val="tx1"/>
+                </a:solidFill>
+                <a:effectLst/>
+                <a:latin typeface="+mn-lt"/>
+                <a:ea typeface="+mn-ea"/>
+                <a:cs typeface="+mn-cs"/>
+              </a:rPr>
+              <a:t>info:age</a:t>
+            </a:r>
+            <a:r>
+              <a:rPr lang="zh-CN" altLang="en-US" sz="1200" b="0" i="0" kern="1200" dirty="0" smtClean="0">
+                <a:solidFill>
+                  <a:schemeClr val="tx1"/>
+                </a:solidFill>
+                <a:effectLst/>
+                <a:latin typeface="+mn-lt"/>
+                <a:ea typeface="+mn-ea"/>
+                <a:cs typeface="+mn-cs"/>
+              </a:rPr>
+              <a:t>关系 的 主语 和 宾语</a:t>
+            </a:r>
+          </a:p>
+          <a:p>
             <a:endParaRPr lang="zh-CN" altLang="en-US" dirty="0"/>
           </a:p>
         </p:txBody>
@@ -3555,7 +5975,7 @@
           <a:p>
             <a:fld id="{18E79C09-4E72-49BD-A5C9-2924744C885B}" type="slidenum">
               <a:rPr lang="zh-CN" altLang="en-US" smtClean="0"/>
-              <a:t>15</a:t>
+              <a:t>13</a:t>
             </a:fld>
             <a:endParaRPr lang="zh-CN" altLang="en-US"/>
           </a:p>
@@ -3564,7 +5984,7 @@
     </p:spTree>
     <p:extLst>
       <p:ext uri="{BB962C8B-B14F-4D97-AF65-F5344CB8AC3E}">
-        <p14:creationId xmlns:p14="http://schemas.microsoft.com/office/powerpoint/2010/main" val="3456387782"/>
+        <p14:creationId xmlns:p14="http://schemas.microsoft.com/office/powerpoint/2010/main" val="2013205362"/>
       </p:ext>
     </p:extLst>
   </p:cSld>
@@ -3619,23 +6039,129 @@
           <a:lstStyle/>
           <a:p>
             <a:r>
+              <a:rPr lang="en-US" altLang="zh-CN" dirty="0" err="1" smtClean="0"/>
+              <a:t>SparkQL</a:t>
+            </a:r>
+            <a:r>
               <a:rPr lang="zh-CN" altLang="en-US" dirty="0" smtClean="0"/>
-              <a:t>经过两个大括号内的约束分别会产生一个满足约束的结果集。</a:t>
+              <a:t>同样也支持过滤查询。</a:t>
             </a:r>
             <a:endParaRPr lang="en-US" altLang="zh-CN" dirty="0" smtClean="0"/>
           </a:p>
           <a:p>
             <a:r>
+              <a:rPr lang="zh-CN" altLang="en-US" dirty="0" smtClean="0"/>
+              <a:t>过滤查询是通过 </a:t>
+            </a:r>
+            <a:r>
+              <a:rPr lang="en-US" altLang="zh-CN" dirty="0" err="1" smtClean="0"/>
+              <a:t>FIlTER</a:t>
+            </a:r>
+            <a:r>
               <a:rPr lang="en-US" altLang="zh-CN" dirty="0" smtClean="0"/>
-              <a:t>Union</a:t>
-            </a:r>
-            <a:r>
-              <a:rPr lang="zh-CN" altLang="en-US" dirty="0" smtClean="0"/>
-              <a:t>的作用就是联合这两个结果集形成一个结果集。</a:t>
-            </a:r>
-            <a:endParaRPr lang="en-US" altLang="zh-CN" dirty="0" smtClean="0"/>
-          </a:p>
-          <a:p>
+              <a:t>, OPTIOANL,</a:t>
+            </a:r>
+            <a:r>
+              <a:rPr lang="en-US" altLang="zh-CN" baseline="0" dirty="0" smtClean="0"/>
+              <a:t> ORDER BY, LIMITS</a:t>
+            </a:r>
+            <a:r>
+              <a:rPr lang="zh-CN" altLang="en-US" baseline="0" dirty="0" smtClean="0"/>
+              <a:t>这些关键词实现的。</a:t>
+            </a:r>
+            <a:endParaRPr lang="en-US" altLang="zh-CN" baseline="0" dirty="0" smtClean="0"/>
+          </a:p>
+          <a:p>
+            <a:r>
+              <a:rPr lang="en-US" altLang="zh-CN" baseline="0" dirty="0" smtClean="0"/>
+              <a:t>Filter(</a:t>
+            </a:r>
+            <a:r>
+              <a:rPr lang="zh-CN" altLang="en-US" baseline="0" dirty="0" smtClean="0"/>
+              <a:t>？</a:t>
+            </a:r>
+            <a:r>
+              <a:rPr lang="en-US" altLang="zh-CN" baseline="0" dirty="0" smtClean="0"/>
+              <a:t>Age &lt;= 30) </a:t>
+            </a:r>
+            <a:r>
+              <a:rPr lang="zh-CN" altLang="en-US" baseline="0" dirty="0" smtClean="0"/>
+              <a:t>就约束？</a:t>
+            </a:r>
+            <a:r>
+              <a:rPr lang="en-US" altLang="zh-CN" baseline="0" dirty="0" smtClean="0"/>
+              <a:t>Age</a:t>
+            </a:r>
+            <a:r>
+              <a:rPr lang="zh-CN" altLang="en-US" baseline="0" dirty="0" smtClean="0"/>
+              <a:t>这个变量要</a:t>
+            </a:r>
+            <a:r>
+              <a:rPr lang="en-US" altLang="zh-CN" baseline="0" dirty="0" smtClean="0"/>
+              <a:t>&lt;= 30</a:t>
+            </a:r>
+          </a:p>
+          <a:p>
+            <a:endParaRPr lang="en-US" altLang="zh-CN" baseline="0" dirty="0" smtClean="0"/>
+          </a:p>
+          <a:p>
+            <a:r>
+              <a:rPr lang="en-US" altLang="zh-CN" baseline="0" dirty="0" smtClean="0"/>
+              <a:t>optional</a:t>
+            </a:r>
+            <a:r>
+              <a:rPr lang="zh-CN" altLang="en-US" baseline="0" dirty="0" smtClean="0"/>
+              <a:t>可选的 </a:t>
+            </a:r>
+            <a:r>
+              <a:rPr lang="en-US" altLang="zh-CN" baseline="0" dirty="0" smtClean="0"/>
+              <a:t>optional{</a:t>
+            </a:r>
+            <a:r>
+              <a:rPr lang="zh-CN" altLang="en-US" baseline="0" dirty="0" smtClean="0"/>
+              <a:t>？</a:t>
+            </a:r>
+            <a:r>
+              <a:rPr lang="en-US" altLang="zh-CN" baseline="0" dirty="0" smtClean="0"/>
+              <a:t>Person </a:t>
+            </a:r>
+            <a:r>
+              <a:rPr lang="en-US" altLang="zh-CN" baseline="0" dirty="0" err="1" smtClean="0"/>
+              <a:t>info:job</a:t>
+            </a:r>
+            <a:r>
+              <a:rPr lang="en-US" altLang="zh-CN" baseline="0" dirty="0" smtClean="0"/>
+              <a:t> ?job}</a:t>
+            </a:r>
+            <a:r>
+              <a:rPr lang="zh-CN" altLang="en-US" baseline="0" dirty="0" smtClean="0"/>
+              <a:t>意思就是</a:t>
+            </a:r>
+            <a:endParaRPr lang="en-US" altLang="zh-CN" baseline="0" dirty="0" smtClean="0"/>
+          </a:p>
+          <a:p>
+            <a:r>
+              <a:rPr lang="zh-CN" altLang="en-US" baseline="0" dirty="0" smtClean="0"/>
+              <a:t>这个三元组不是必须匹配的</a:t>
+            </a:r>
+            <a:r>
+              <a:rPr lang="zh-CN" altLang="en-US" baseline="0" dirty="0" smtClean="0"/>
+              <a:t>。 如果没有匹配的话，相应的变量就为空。</a:t>
+            </a:r>
+            <a:endParaRPr lang="en-US" altLang="zh-CN" baseline="0" dirty="0" smtClean="0"/>
+          </a:p>
+          <a:p>
+            <a:endParaRPr lang="en-US" altLang="zh-CN" baseline="0" dirty="0" smtClean="0"/>
+          </a:p>
+          <a:p>
+            <a:r>
+              <a:rPr lang="en-US" altLang="zh-CN" baseline="0" dirty="0" smtClean="0"/>
+              <a:t>order by</a:t>
+            </a:r>
+            <a:r>
+              <a:rPr lang="zh-CN" altLang="en-US" baseline="0" dirty="0" smtClean="0"/>
+              <a:t>就是通过给定的变量对结果集进行排序</a:t>
+            </a:r>
             <a:endParaRPr lang="zh-CN" altLang="en-US" dirty="0"/>
           </a:p>
         </p:txBody>
@@ -3657,7 +6183,7 @@
           <a:p>
             <a:fld id="{18E79C09-4E72-49BD-A5C9-2924744C885B}" type="slidenum">
               <a:rPr lang="zh-CN" altLang="en-US" smtClean="0"/>
-              <a:t>16</a:t>
+              <a:t>14</a:t>
             </a:fld>
             <a:endParaRPr lang="zh-CN" altLang="en-US"/>
           </a:p>
@@ -3666,7 +6192,7 @@
     </p:spTree>
     <p:extLst>
       <p:ext uri="{BB962C8B-B14F-4D97-AF65-F5344CB8AC3E}">
-        <p14:creationId xmlns:p14="http://schemas.microsoft.com/office/powerpoint/2010/main" val="3562135081"/>
+        <p14:creationId xmlns:p14="http://schemas.microsoft.com/office/powerpoint/2010/main" val="2179482045"/>
       </p:ext>
     </p:extLst>
   </p:cSld>
@@ -3721,56 +6247,50 @@
           <a:lstStyle/>
           <a:p>
             <a:r>
+              <a:rPr lang="en-US" altLang="zh-CN" dirty="0" err="1" smtClean="0"/>
+              <a:t>Sparql</a:t>
+            </a:r>
+            <a:r>
               <a:rPr lang="zh-CN" altLang="en-US" dirty="0" smtClean="0"/>
-              <a:t>子查询的话就是查询里面嵌套查询。</a:t>
+              <a:t>也包含</a:t>
+            </a:r>
+            <a:r>
+              <a:rPr lang="en-US" altLang="zh-CN" dirty="0" smtClean="0"/>
+              <a:t>count sum min max, </a:t>
+            </a:r>
+            <a:r>
+              <a:rPr lang="en-US" altLang="zh-CN" dirty="0" err="1" smtClean="0"/>
+              <a:t>avg</a:t>
+            </a:r>
+            <a:r>
+              <a:rPr lang="zh-CN" altLang="en-US" dirty="0" smtClean="0"/>
+              <a:t>这些聚合函数。</a:t>
             </a:r>
             <a:endParaRPr lang="en-US" altLang="zh-CN" dirty="0" smtClean="0"/>
           </a:p>
           <a:p>
+            <a:endParaRPr lang="en-US" altLang="zh-CN" dirty="0" smtClean="0"/>
+          </a:p>
+          <a:p>
             <a:r>
               <a:rPr lang="zh-CN" altLang="en-US" dirty="0" smtClean="0"/>
-              <a:t>执行这种查询的时候，会先进行子查询，然后利用子查询的结果，进行父查询。</a:t>
-            </a:r>
-            <a:endParaRPr lang="en-US" altLang="zh-CN" dirty="0" smtClean="0"/>
-          </a:p>
-          <a:p>
-            <a:endParaRPr lang="en-US" altLang="zh-CN" dirty="0" smtClean="0"/>
-          </a:p>
-          <a:p>
+              <a:t>求出？</a:t>
+            </a:r>
+            <a:r>
+              <a:rPr lang="en-US" altLang="zh-CN" dirty="0" smtClean="0"/>
+              <a:t>Age</a:t>
+            </a:r>
             <a:r>
               <a:rPr lang="zh-CN" altLang="en-US" dirty="0" smtClean="0"/>
-              <a:t>比如，针对这个查询，首先执行子查询，求出？</a:t>
+              <a:t>的平均值赋给？</a:t>
             </a:r>
             <a:r>
               <a:rPr lang="en-US" altLang="zh-CN" dirty="0" err="1" smtClean="0"/>
-              <a:t>sonpeson</a:t>
+              <a:t>AvgAge</a:t>
             </a:r>
             <a:r>
               <a:rPr lang="zh-CN" altLang="en-US" dirty="0" smtClean="0"/>
-              <a:t>的值</a:t>
-            </a:r>
-            <a:r>
-              <a:rPr lang="en-US" altLang="zh-CN" dirty="0" smtClean="0"/>
-              <a:t>,</a:t>
-            </a:r>
-            <a:r>
-              <a:rPr lang="zh-CN" altLang="en-US" dirty="0" smtClean="0"/>
-              <a:t>然后</a:t>
-            </a:r>
-            <a:endParaRPr lang="en-US" altLang="zh-CN" dirty="0" smtClean="0"/>
-          </a:p>
-          <a:p>
-            <a:r>
-              <a:rPr lang="zh-CN" altLang="en-US" dirty="0" smtClean="0"/>
-              <a:t>？</a:t>
-            </a:r>
-            <a:r>
-              <a:rPr lang="en-US" altLang="zh-CN" dirty="0" err="1" smtClean="0"/>
-              <a:t>sonperson</a:t>
-            </a:r>
-            <a:r>
-              <a:rPr lang="zh-CN" altLang="en-US" dirty="0" smtClean="0"/>
-              <a:t>的值作为一个约束条件，作用于父查询。</a:t>
+              <a:t>这个变量。</a:t>
             </a:r>
             <a:endParaRPr lang="zh-CN" altLang="en-US" dirty="0"/>
           </a:p>
@@ -3793,7 +6313,7 @@
           <a:p>
             <a:fld id="{18E79C09-4E72-49BD-A5C9-2924744C885B}" type="slidenum">
               <a:rPr lang="zh-CN" altLang="en-US" smtClean="0"/>
-              <a:t>17</a:t>
+              <a:t>15</a:t>
             </a:fld>
             <a:endParaRPr lang="zh-CN" altLang="en-US"/>
           </a:p>
@@ -3802,7 +6322,7 @@
     </p:spTree>
     <p:extLst>
       <p:ext uri="{BB962C8B-B14F-4D97-AF65-F5344CB8AC3E}">
-        <p14:creationId xmlns:p14="http://schemas.microsoft.com/office/powerpoint/2010/main" val="1979155625"/>
+        <p14:creationId xmlns:p14="http://schemas.microsoft.com/office/powerpoint/2010/main" val="3456387782"/>
       </p:ext>
     </p:extLst>
   </p:cSld>
@@ -3858,34 +6378,30 @@
           <a:p>
             <a:r>
               <a:rPr lang="zh-CN" altLang="en-US" dirty="0" smtClean="0"/>
-              <a:t>维护一张巨大的三元组表来管理</a:t>
-            </a:r>
+              <a:t>经过</a:t>
+            </a:r>
+            <a:r>
+              <a:rPr lang="zh-CN" altLang="en-US" dirty="0" smtClean="0"/>
+              <a:t>两对个</a:t>
+            </a:r>
+            <a:r>
+              <a:rPr lang="zh-CN" altLang="en-US" dirty="0" smtClean="0"/>
+              <a:t>大括号内的约束分别会产生一个满足约束的结果集。</a:t>
+            </a:r>
+            <a:endParaRPr lang="en-US" altLang="zh-CN" dirty="0" smtClean="0"/>
+          </a:p>
+          <a:p>
             <a:r>
               <a:rPr lang="en-US" altLang="zh-CN" dirty="0" smtClean="0"/>
-              <a:t>RDF</a:t>
+              <a:t>Union</a:t>
             </a:r>
             <a:r>
               <a:rPr lang="zh-CN" altLang="en-US" dirty="0" smtClean="0"/>
-              <a:t>数据</a:t>
+              <a:t>的作用就是联合这两个结果集形成一个结果集。</a:t>
             </a:r>
             <a:endParaRPr lang="en-US" altLang="zh-CN" dirty="0" smtClean="0"/>
           </a:p>
           <a:p>
-            <a:r>
-              <a:rPr lang="zh-CN" altLang="en-US" dirty="0" smtClean="0"/>
-              <a:t>三元组表包含三列，分别是主语列，谓语列，</a:t>
-            </a:r>
-            <a:r>
-              <a:rPr lang="zh-CN" altLang="en-US" baseline="0" dirty="0" smtClean="0"/>
-              <a:t> 和宾语列。</a:t>
-            </a:r>
-            <a:endParaRPr lang="en-US" altLang="zh-CN" baseline="0" dirty="0" smtClean="0"/>
-          </a:p>
-          <a:p>
-            <a:r>
-              <a:rPr lang="zh-CN" altLang="en-US" baseline="0" dirty="0" smtClean="0"/>
-              <a:t>存在大量的自连接操作开销巨大</a:t>
-            </a:r>
             <a:endParaRPr lang="zh-CN" altLang="en-US" dirty="0"/>
           </a:p>
         </p:txBody>
@@ -3907,7 +6423,7 @@
           <a:p>
             <a:fld id="{18E79C09-4E72-49BD-A5C9-2924744C885B}" type="slidenum">
               <a:rPr lang="zh-CN" altLang="en-US" smtClean="0"/>
-              <a:t>19</a:t>
+              <a:t>16</a:t>
             </a:fld>
             <a:endParaRPr lang="zh-CN" altLang="en-US"/>
           </a:p>
@@ -3916,7 +6432,7 @@
     </p:spTree>
     <p:extLst>
       <p:ext uri="{BB962C8B-B14F-4D97-AF65-F5344CB8AC3E}">
-        <p14:creationId xmlns:p14="http://schemas.microsoft.com/office/powerpoint/2010/main" val="4133005710"/>
+        <p14:creationId xmlns:p14="http://schemas.microsoft.com/office/powerpoint/2010/main" val="3562135081"/>
       </p:ext>
     </p:extLst>
   </p:cSld>
@@ -3972,28 +6488,64 @@
           <a:p>
             <a:r>
               <a:rPr lang="zh-CN" altLang="en-US" dirty="0" smtClean="0"/>
-              <a:t>属性相似的主语聚集在一张表上。</a:t>
+              <a:t>子查询的话就是查询里面嵌套查询。</a:t>
             </a:r>
             <a:endParaRPr lang="en-US" altLang="zh-CN" dirty="0" smtClean="0"/>
           </a:p>
           <a:p>
             <a:r>
               <a:rPr lang="zh-CN" altLang="en-US" dirty="0" smtClean="0"/>
-              <a:t>属性表对可以提高某些查询的效率， 比如查包含名字的三元组模式，就可以在这个表查。</a:t>
+              <a:t>执行这种查询的时候，会先进行子查询，然后利用子查询的结</a:t>
+            </a:r>
+            <a:r>
+              <a:rPr lang="zh-CN" altLang="en-US" dirty="0" smtClean="0"/>
+              <a:t>果约束，</a:t>
+            </a:r>
+            <a:r>
+              <a:rPr lang="zh-CN" altLang="en-US" dirty="0" smtClean="0"/>
+              <a:t>进行父查询。</a:t>
             </a:r>
             <a:endParaRPr lang="en-US" altLang="zh-CN" dirty="0" smtClean="0"/>
           </a:p>
           <a:p>
+            <a:endParaRPr lang="en-US" altLang="zh-CN" dirty="0" smtClean="0"/>
+          </a:p>
+          <a:p>
             <a:r>
               <a:rPr lang="zh-CN" altLang="en-US" dirty="0" smtClean="0"/>
-              <a:t>但是属性作为变量时，效率低下。</a:t>
+              <a:t>比如，针对这个查询，首先执行子查询，求出？</a:t>
+            </a:r>
+            <a:r>
+              <a:rPr lang="en-US" altLang="zh-CN" dirty="0" err="1" smtClean="0"/>
+              <a:t>sonpeson</a:t>
+            </a:r>
+            <a:r>
+              <a:rPr lang="zh-CN" altLang="en-US" dirty="0" smtClean="0"/>
+              <a:t>的值</a:t>
+            </a:r>
+            <a:r>
+              <a:rPr lang="en-US" altLang="zh-CN" dirty="0" smtClean="0"/>
+              <a:t>,</a:t>
+            </a:r>
+            <a:r>
+              <a:rPr lang="zh-CN" altLang="en-US" dirty="0" smtClean="0"/>
+              <a:t>然后</a:t>
             </a:r>
             <a:endParaRPr lang="en-US" altLang="zh-CN" dirty="0" smtClean="0"/>
           </a:p>
           <a:p>
-            <a:endParaRPr lang="en-US" altLang="zh-CN" dirty="0" smtClean="0"/>
-          </a:p>
-          <a:p>
+            <a:r>
+              <a:rPr lang="zh-CN" altLang="en-US" dirty="0" smtClean="0"/>
+              <a:t>？</a:t>
+            </a:r>
+            <a:r>
+              <a:rPr lang="en-US" altLang="zh-CN" dirty="0" err="1" smtClean="0"/>
+              <a:t>sonperson</a:t>
+            </a:r>
+            <a:r>
+              <a:rPr lang="zh-CN" altLang="en-US" dirty="0" smtClean="0"/>
+              <a:t>的值作为一个约束条件，作用于父查询。</a:t>
+            </a:r>
             <a:endParaRPr lang="zh-CN" altLang="en-US" dirty="0"/>
           </a:p>
         </p:txBody>
@@ -4015,7 +6567,7 @@
           <a:p>
             <a:fld id="{18E79C09-4E72-49BD-A5C9-2924744C885B}" type="slidenum">
               <a:rPr lang="zh-CN" altLang="en-US" smtClean="0"/>
-              <a:t>20</a:t>
+              <a:t>17</a:t>
             </a:fld>
             <a:endParaRPr lang="zh-CN" altLang="en-US"/>
           </a:p>
@@ -4024,7 +6576,7 @@
     </p:spTree>
     <p:extLst>
       <p:ext uri="{BB962C8B-B14F-4D97-AF65-F5344CB8AC3E}">
-        <p14:creationId xmlns:p14="http://schemas.microsoft.com/office/powerpoint/2010/main" val="872994223"/>
+        <p14:creationId xmlns:p14="http://schemas.microsoft.com/office/powerpoint/2010/main" val="1979155625"/>
       </p:ext>
     </p:extLst>
   </p:cSld>
@@ -4080,62 +6632,64 @@
           <a:p>
             <a:r>
               <a:rPr lang="zh-CN" altLang="en-US" dirty="0" smtClean="0"/>
-              <a:t>每张表保存谓词相同的三元组</a:t>
+              <a:t>首先人们想到的是维护一张巨大的三列表来管理</a:t>
+            </a:r>
+            <a:r>
+              <a:rPr lang="en-US" altLang="zh-CN" dirty="0" smtClean="0"/>
+              <a:t>RDF</a:t>
+            </a:r>
+            <a:r>
+              <a:rPr lang="zh-CN" altLang="en-US" dirty="0" smtClean="0"/>
+              <a:t>数据。</a:t>
             </a:r>
             <a:endParaRPr lang="en-US" altLang="zh-CN" dirty="0" smtClean="0"/>
           </a:p>
           <a:p>
-            <a:endParaRPr lang="en-US" altLang="zh-CN" dirty="0" smtClean="0"/>
-          </a:p>
-          <a:p>
-            <a:endParaRPr lang="en-US" altLang="zh-CN" dirty="0" smtClean="0"/>
-          </a:p>
-          <a:p>
             <a:r>
               <a:rPr lang="zh-CN" altLang="en-US" dirty="0" smtClean="0"/>
-              <a:t>对属性是不变量来说，是很友好的</a:t>
-            </a:r>
-            <a:endParaRPr lang="en-US" altLang="zh-CN" dirty="0" smtClean="0"/>
-          </a:p>
-          <a:p>
-            <a:endParaRPr lang="en-US" altLang="zh-CN" dirty="0" smtClean="0"/>
-          </a:p>
-          <a:p>
-            <a:r>
-              <a:rPr lang="zh-CN" altLang="en-US" dirty="0" smtClean="0"/>
-              <a:t>避免了大量的自连接操作，</a:t>
+              <a:t>三元组表包含三列，分别是主语列，谓语列，</a:t>
             </a:r>
             <a:r>
               <a:rPr lang="zh-CN" altLang="en-US" baseline="0" dirty="0" smtClean="0"/>
-              <a:t> 变成不同表之间的连接。 不同表之间的连接操作效率优于自连接。</a:t>
+              <a:t> 和宾语列。</a:t>
             </a:r>
             <a:endParaRPr lang="en-US" altLang="zh-CN" baseline="0" dirty="0" smtClean="0"/>
           </a:p>
           <a:p>
+            <a:r>
+              <a:rPr lang="zh-CN" altLang="en-US" baseline="0" dirty="0" smtClean="0"/>
+              <a:t>存在大量的自连接操作开销巨</a:t>
+            </a:r>
+            <a:r>
+              <a:rPr lang="zh-CN" altLang="en-US" baseline="0" dirty="0" smtClean="0"/>
+              <a:t>大</a:t>
+            </a:r>
             <a:endParaRPr lang="en-US" altLang="zh-CN" baseline="0" dirty="0" smtClean="0"/>
           </a:p>
           <a:p>
+            <a:endParaRPr lang="en-US" altLang="zh-CN" baseline="0" dirty="0" smtClean="0"/>
+          </a:p>
+          <a:p>
             <a:r>
               <a:rPr lang="zh-CN" altLang="en-US" baseline="0" dirty="0" smtClean="0"/>
-              <a:t>不能很好得支持，属性是变量的情况。</a:t>
-            </a:r>
-            <a:endParaRPr lang="en-US" altLang="zh-CN" baseline="0" dirty="0" smtClean="0"/>
-          </a:p>
-          <a:p>
-            <a:endParaRPr lang="en-US" altLang="zh-CN" baseline="0" dirty="0" smtClean="0"/>
-          </a:p>
-          <a:p>
+              <a:t>自连接就是自己跟自己连接。如图两张相同的表， 左边表的</a:t>
+            </a:r>
+            <a:r>
+              <a:rPr lang="en-US" altLang="zh-CN" baseline="0" dirty="0" smtClean="0"/>
+              <a:t>object</a:t>
+            </a:r>
             <a:r>
               <a:rPr lang="zh-CN" altLang="en-US" baseline="0" dirty="0" smtClean="0"/>
-              <a:t>删除代价太大</a:t>
+              <a:t>列和右边表的</a:t>
+            </a:r>
+            <a:r>
+              <a:rPr lang="en-US" altLang="zh-CN" baseline="0" dirty="0" smtClean="0"/>
+              <a:t>subject</a:t>
             </a:r>
             <a:r>
               <a:rPr lang="zh-CN" altLang="en-US" baseline="0" dirty="0" smtClean="0"/>
-              <a:t>。？？</a:t>
-            </a:r>
-            <a:endParaRPr lang="en-US" altLang="zh-CN" baseline="0" dirty="0" smtClean="0"/>
-          </a:p>
-          <a:p>
+              <a:t>列进行一个等值连接。</a:t>
+            </a:r>
             <a:endParaRPr lang="zh-CN" altLang="en-US" dirty="0"/>
           </a:p>
         </p:txBody>
@@ -4157,7 +6711,7 @@
           <a:p>
             <a:fld id="{18E79C09-4E72-49BD-A5C9-2924744C885B}" type="slidenum">
               <a:rPr lang="zh-CN" altLang="en-US" smtClean="0"/>
-              <a:t>21</a:t>
+              <a:t>19</a:t>
             </a:fld>
             <a:endParaRPr lang="zh-CN" altLang="en-US"/>
           </a:p>
@@ -4166,7 +6720,7 @@
     </p:spTree>
     <p:extLst>
       <p:ext uri="{BB962C8B-B14F-4D97-AF65-F5344CB8AC3E}">
-        <p14:creationId xmlns:p14="http://schemas.microsoft.com/office/powerpoint/2010/main" val="276497870"/>
+        <p14:creationId xmlns:p14="http://schemas.microsoft.com/office/powerpoint/2010/main" val="4133005710"/>
       </p:ext>
     </p:extLst>
   </p:cSld>
@@ -4222,107 +6776,37 @@
           <a:p>
             <a:r>
               <a:rPr lang="zh-CN" altLang="en-US" dirty="0" smtClean="0"/>
-              <a:t>为了加速</a:t>
-            </a:r>
-            <a:r>
-              <a:rPr lang="en-US" altLang="zh-CN" dirty="0" smtClean="0"/>
-              <a:t>RDF</a:t>
-            </a:r>
+              <a:t>有人也提出了一种属性表的策略。</a:t>
+            </a:r>
+            <a:endParaRPr lang="en-US" altLang="zh-CN" dirty="0" smtClean="0"/>
+          </a:p>
+          <a:p>
             <a:r>
               <a:rPr lang="zh-CN" altLang="en-US" dirty="0" smtClean="0"/>
-              <a:t>三元组在</a:t>
-            </a:r>
-            <a:r>
-              <a:rPr lang="en-US" altLang="zh-CN" dirty="0" smtClean="0"/>
-              <a:t>SPARQL</a:t>
+              <a:t>属</a:t>
             </a:r>
             <a:r>
               <a:rPr lang="zh-CN" altLang="en-US" dirty="0" smtClean="0"/>
-              <a:t>查询过程中的连接操作速度，将三元组中的主语，谓语，宾语的各种排列枚举出来，分别为它们建立索引。</a:t>
+              <a:t>性相似的主语聚集在一张表上。</a:t>
             </a:r>
             <a:endParaRPr lang="en-US" altLang="zh-CN" dirty="0" smtClean="0"/>
           </a:p>
           <a:p>
+            <a:r>
+              <a:rPr lang="zh-CN" altLang="en-US" dirty="0" smtClean="0"/>
+              <a:t>属性表对可以提高某些查询的效率， 比如查包含名字的三元组模式，就可以在这个表查。</a:t>
+            </a:r>
             <a:endParaRPr lang="en-US" altLang="zh-CN" dirty="0" smtClean="0"/>
           </a:p>
           <a:p>
-            <a:endParaRPr lang="en-US" altLang="zh-CN" baseline="0" dirty="0" smtClean="0"/>
-          </a:p>
-          <a:p>
-            <a:r>
-              <a:rPr lang="zh-CN" altLang="en-US" baseline="0" dirty="0" smtClean="0"/>
-              <a:t>三元组模式查询能高效执行</a:t>
-            </a:r>
-            <a:endParaRPr lang="en-US" altLang="zh-CN" baseline="0" dirty="0" smtClean="0"/>
-          </a:p>
-          <a:p>
+            <a:r>
+              <a:rPr lang="zh-CN" altLang="en-US" dirty="0" smtClean="0"/>
+              <a:t>但是属性作为变量时，效率低下。</a:t>
+            </a:r>
             <a:endParaRPr lang="en-US" altLang="zh-CN" dirty="0" smtClean="0"/>
           </a:p>
           <a:p>
-            <a:endParaRPr lang="en-US" altLang="zh-CN" baseline="0" dirty="0" smtClean="0"/>
-          </a:p>
-          <a:p>
-            <a:r>
-              <a:rPr lang="en-US" altLang="zh-CN" dirty="0" smtClean="0"/>
-              <a:t>JENA</a:t>
-            </a:r>
-            <a:r>
-              <a:rPr lang="zh-CN" altLang="en-US" dirty="0" smtClean="0"/>
-              <a:t>是一个开源的</a:t>
-            </a:r>
-            <a:r>
-              <a:rPr lang="en-US" altLang="zh-CN" dirty="0" smtClean="0"/>
-              <a:t>java</a:t>
-            </a:r>
-            <a:r>
-              <a:rPr lang="en-US" altLang="zh-CN" baseline="0" dirty="0" smtClean="0"/>
-              <a:t> </a:t>
-            </a:r>
-            <a:r>
-              <a:rPr lang="en-US" altLang="zh-CN" baseline="0" dirty="0" err="1" smtClean="0"/>
-              <a:t>api</a:t>
-            </a:r>
-            <a:r>
-              <a:rPr lang="en-US" altLang="zh-CN" baseline="0" dirty="0" smtClean="0"/>
-              <a:t>. </a:t>
-            </a:r>
-            <a:r>
-              <a:rPr lang="zh-CN" altLang="en-US" baseline="0" dirty="0" smtClean="0"/>
-              <a:t>支持</a:t>
-            </a:r>
-            <a:r>
-              <a:rPr lang="en-US" altLang="zh-CN" baseline="0" dirty="0" err="1" smtClean="0"/>
-              <a:t>rdf</a:t>
-            </a:r>
-            <a:r>
-              <a:rPr lang="zh-CN" altLang="en-US" baseline="0" dirty="0" smtClean="0"/>
-              <a:t>数据的存储与</a:t>
-            </a:r>
-            <a:r>
-              <a:rPr lang="en-US" altLang="zh-CN" baseline="0" dirty="0" err="1" smtClean="0"/>
-              <a:t>sparql</a:t>
-            </a:r>
-            <a:r>
-              <a:rPr lang="zh-CN" altLang="en-US" baseline="0" dirty="0" smtClean="0"/>
-              <a:t>查询。 其中的用于存储管理</a:t>
-            </a:r>
-            <a:r>
-              <a:rPr lang="en-US" altLang="zh-CN" baseline="0" dirty="0" err="1" smtClean="0"/>
-              <a:t>rdf</a:t>
-            </a:r>
-            <a:r>
-              <a:rPr lang="zh-CN" altLang="en-US" baseline="0" dirty="0" smtClean="0"/>
-              <a:t>的数据库</a:t>
-            </a:r>
-            <a:r>
-              <a:rPr lang="en-US" altLang="zh-CN" baseline="0" dirty="0" smtClean="0"/>
-              <a:t>TDB</a:t>
-            </a:r>
-            <a:r>
-              <a:rPr lang="zh-CN" altLang="en-US" baseline="0" dirty="0" smtClean="0"/>
-              <a:t>就是使用全索引策略实现。</a:t>
-            </a:r>
-            <a:endParaRPr lang="en-US" altLang="zh-CN" baseline="0" dirty="0" smtClean="0"/>
+            <a:endParaRPr lang="en-US" altLang="zh-CN" dirty="0" smtClean="0"/>
           </a:p>
           <a:p>
             <a:endParaRPr lang="zh-CN" altLang="en-US" dirty="0"/>
@@ -4346,7 +6830,7 @@
           <a:p>
             <a:fld id="{18E79C09-4E72-49BD-A5C9-2924744C885B}" type="slidenum">
               <a:rPr lang="zh-CN" altLang="en-US" smtClean="0"/>
-              <a:t>22</a:t>
+              <a:t>20</a:t>
             </a:fld>
             <a:endParaRPr lang="zh-CN" altLang="en-US"/>
           </a:p>
@@ -4355,7 +6839,7 @@
     </p:spTree>
     <p:extLst>
       <p:ext uri="{BB962C8B-B14F-4D97-AF65-F5344CB8AC3E}">
-        <p14:creationId xmlns:p14="http://schemas.microsoft.com/office/powerpoint/2010/main" val="2741638125"/>
+        <p14:creationId xmlns:p14="http://schemas.microsoft.com/office/powerpoint/2010/main" val="872994223"/>
       </p:ext>
     </p:extLst>
   </p:cSld>
@@ -4495,30 +6979,62 @@
           <a:p>
             <a:r>
               <a:rPr lang="zh-CN" altLang="en-US" dirty="0" smtClean="0"/>
-              <a:t>图形数据库，支持图的挖掘算法，所以查询速度相对较快</a:t>
+              <a:t>每张表保存谓词相同的三元组</a:t>
             </a:r>
             <a:endParaRPr lang="en-US" altLang="zh-CN" dirty="0" smtClean="0"/>
           </a:p>
           <a:p>
-            <a:r>
-              <a:rPr lang="en-US" altLang="zh-CN" dirty="0" smtClean="0"/>
-              <a:t>Neo4j</a:t>
-            </a:r>
-            <a:r>
-              <a:rPr lang="en-US" altLang="zh-CN" baseline="0" dirty="0" smtClean="0"/>
-              <a:t> </a:t>
+            <a:endParaRPr lang="en-US" altLang="zh-CN" dirty="0" smtClean="0"/>
+          </a:p>
+          <a:p>
+            <a:endParaRPr lang="en-US" altLang="zh-CN" dirty="0" smtClean="0"/>
+          </a:p>
+          <a:p>
+            <a:r>
+              <a:rPr lang="zh-CN" altLang="en-US" dirty="0" smtClean="0"/>
+              <a:t>对属性是不变量来说，是很友好的</a:t>
+            </a:r>
+            <a:endParaRPr lang="en-US" altLang="zh-CN" dirty="0" smtClean="0"/>
+          </a:p>
+          <a:p>
+            <a:endParaRPr lang="en-US" altLang="zh-CN" dirty="0" smtClean="0"/>
+          </a:p>
+          <a:p>
+            <a:r>
+              <a:rPr lang="zh-CN" altLang="en-US" dirty="0" smtClean="0"/>
+              <a:t>避免了大量的自连接操作，</a:t>
             </a:r>
             <a:r>
               <a:rPr lang="zh-CN" altLang="en-US" baseline="0" dirty="0" smtClean="0"/>
-              <a:t>难以分片</a:t>
+              <a:t> 变成不同表之间的连接。 不同表之间的连接操作效率优于自连接。</a:t>
             </a:r>
             <a:endParaRPr lang="en-US" altLang="zh-CN" baseline="0" dirty="0" smtClean="0"/>
           </a:p>
           <a:p>
+            <a:endParaRPr lang="en-US" altLang="zh-CN" baseline="0" dirty="0" smtClean="0"/>
+          </a:p>
+          <a:p>
             <a:r>
               <a:rPr lang="zh-CN" altLang="en-US" baseline="0" dirty="0" smtClean="0"/>
-              <a:t>很难处理超级节点。</a:t>
-            </a:r>
+              <a:t>不能很好得支持，属性是变量的情况。</a:t>
+            </a:r>
+            <a:endParaRPr lang="en-US" altLang="zh-CN" baseline="0" dirty="0" smtClean="0"/>
+          </a:p>
+          <a:p>
+            <a:endParaRPr lang="en-US" altLang="zh-CN" baseline="0" dirty="0" smtClean="0"/>
+          </a:p>
+          <a:p>
+            <a:r>
+              <a:rPr lang="zh-CN" altLang="en-US" baseline="0" dirty="0" smtClean="0"/>
+              <a:t>删除代价太大</a:t>
+            </a:r>
+            <a:r>
+              <a:rPr lang="zh-CN" altLang="en-US" baseline="0" dirty="0" smtClean="0"/>
+              <a:t>。</a:t>
+            </a:r>
+            <a:endParaRPr lang="en-US" altLang="zh-CN" baseline="0" dirty="0" smtClean="0"/>
+          </a:p>
+          <a:p>
             <a:endParaRPr lang="zh-CN" altLang="en-US" dirty="0"/>
           </a:p>
         </p:txBody>
@@ -4540,7 +7056,7 @@
           <a:p>
             <a:fld id="{18E79C09-4E72-49BD-A5C9-2924744C885B}" type="slidenum">
               <a:rPr lang="zh-CN" altLang="en-US" smtClean="0"/>
-              <a:t>24</a:t>
+              <a:t>21</a:t>
             </a:fld>
             <a:endParaRPr lang="zh-CN" altLang="en-US"/>
           </a:p>
@@ -4549,7 +7065,7 @@
     </p:spTree>
     <p:extLst>
       <p:ext uri="{BB962C8B-B14F-4D97-AF65-F5344CB8AC3E}">
-        <p14:creationId xmlns:p14="http://schemas.microsoft.com/office/powerpoint/2010/main" val="1864745631"/>
+        <p14:creationId xmlns:p14="http://schemas.microsoft.com/office/powerpoint/2010/main" val="276497870"/>
       </p:ext>
     </p:extLst>
   </p:cSld>
@@ -4603,6 +7119,157 @@
           <a:bodyPr/>
           <a:lstStyle/>
           <a:p>
+            <a:r>
+              <a:rPr lang="zh-CN" altLang="en-US" dirty="0" smtClean="0"/>
+              <a:t>为了加速</a:t>
+            </a:r>
+            <a:r>
+              <a:rPr lang="en-US" altLang="zh-CN" dirty="0" smtClean="0"/>
+              <a:t>RDF</a:t>
+            </a:r>
+            <a:r>
+              <a:rPr lang="zh-CN" altLang="en-US" dirty="0" smtClean="0"/>
+              <a:t>三元组在</a:t>
+            </a:r>
+            <a:r>
+              <a:rPr lang="en-US" altLang="zh-CN" dirty="0" smtClean="0"/>
+              <a:t>SPARQL</a:t>
+            </a:r>
+            <a:r>
+              <a:rPr lang="zh-CN" altLang="en-US" dirty="0" smtClean="0"/>
+              <a:t>查询过程中的连接操作速度</a:t>
+            </a:r>
+            <a:r>
+              <a:rPr lang="zh-CN" altLang="en-US" dirty="0" smtClean="0"/>
+              <a:t>，</a:t>
+            </a:r>
+            <a:endParaRPr lang="en-US" altLang="zh-CN" dirty="0" smtClean="0"/>
+          </a:p>
+          <a:p>
+            <a:r>
+              <a:rPr lang="zh-CN" altLang="en-US" dirty="0" smtClean="0"/>
+              <a:t>将</a:t>
+            </a:r>
+            <a:r>
+              <a:rPr lang="zh-CN" altLang="en-US" dirty="0" smtClean="0"/>
+              <a:t>三元组中的主语，谓语，宾语的各种排列枚举出来，分别为它们建立索引</a:t>
+            </a:r>
+            <a:r>
+              <a:rPr lang="zh-CN" altLang="en-US" dirty="0" smtClean="0"/>
+              <a:t>。</a:t>
+            </a:r>
+            <a:endParaRPr lang="en-US" altLang="zh-CN" dirty="0" smtClean="0"/>
+          </a:p>
+          <a:p>
+            <a:endParaRPr lang="en-US" altLang="zh-CN" baseline="0" dirty="0" smtClean="0"/>
+          </a:p>
+          <a:p>
+            <a:r>
+              <a:rPr lang="zh-CN" altLang="en-US" baseline="0" dirty="0" smtClean="0"/>
+              <a:t>三元组模式查询能高效执</a:t>
+            </a:r>
+            <a:r>
+              <a:rPr lang="zh-CN" altLang="en-US" baseline="0" dirty="0" smtClean="0"/>
+              <a:t>行</a:t>
+            </a:r>
+            <a:endParaRPr lang="en-US" altLang="zh-CN" dirty="0" smtClean="0"/>
+          </a:p>
+          <a:p>
+            <a:endParaRPr lang="en-US" altLang="zh-CN" baseline="0" dirty="0" smtClean="0"/>
+          </a:p>
+          <a:p>
+            <a:r>
+              <a:rPr lang="en-US" altLang="zh-CN" dirty="0" smtClean="0"/>
+              <a:t>JENA</a:t>
+            </a:r>
+            <a:r>
+              <a:rPr lang="zh-CN" altLang="en-US" dirty="0" smtClean="0"/>
+              <a:t>是一个开源的</a:t>
+            </a:r>
+            <a:r>
+              <a:rPr lang="en-US" altLang="zh-CN" dirty="0" smtClean="0"/>
+              <a:t>java</a:t>
+            </a:r>
+            <a:r>
+              <a:rPr lang="en-US" altLang="zh-CN" baseline="0" dirty="0" smtClean="0"/>
+              <a:t> </a:t>
+            </a:r>
+            <a:r>
+              <a:rPr lang="en-US" altLang="zh-CN" baseline="0" dirty="0" err="1" smtClean="0"/>
+              <a:t>api</a:t>
+            </a:r>
+            <a:r>
+              <a:rPr lang="en-US" altLang="zh-CN" baseline="0" dirty="0" smtClean="0"/>
+              <a:t>. </a:t>
+            </a:r>
+            <a:r>
+              <a:rPr lang="zh-CN" altLang="en-US" baseline="0" dirty="0" smtClean="0"/>
+              <a:t>支持</a:t>
+            </a:r>
+            <a:r>
+              <a:rPr lang="en-US" altLang="zh-CN" baseline="0" dirty="0" err="1" smtClean="0"/>
+              <a:t>rdf</a:t>
+            </a:r>
+            <a:r>
+              <a:rPr lang="zh-CN" altLang="en-US" baseline="0" dirty="0" smtClean="0"/>
+              <a:t>数据的存储与</a:t>
+            </a:r>
+            <a:r>
+              <a:rPr lang="en-US" altLang="zh-CN" baseline="0" dirty="0" err="1" smtClean="0"/>
+              <a:t>sparql</a:t>
+            </a:r>
+            <a:r>
+              <a:rPr lang="zh-CN" altLang="en-US" baseline="0" dirty="0" smtClean="0"/>
+              <a:t>查询</a:t>
+            </a:r>
+            <a:r>
+              <a:rPr lang="zh-CN" altLang="en-US" baseline="0" dirty="0" smtClean="0"/>
+              <a:t>。</a:t>
+            </a:r>
+            <a:endParaRPr lang="en-US" altLang="zh-CN" baseline="0" dirty="0" smtClean="0"/>
+          </a:p>
+          <a:p>
+            <a:endParaRPr lang="en-US" altLang="zh-CN" baseline="0" dirty="0" smtClean="0"/>
+          </a:p>
+          <a:p>
+            <a:r>
+              <a:rPr lang="zh-CN" altLang="en-US" baseline="0" dirty="0" smtClean="0"/>
+              <a:t> </a:t>
+            </a:r>
+            <a:r>
+              <a:rPr lang="zh-CN" altLang="en-US" baseline="0" dirty="0" smtClean="0"/>
+              <a:t>其中的用于存储管理</a:t>
+            </a:r>
+            <a:r>
+              <a:rPr lang="en-US" altLang="zh-CN" baseline="0" dirty="0" err="1" smtClean="0"/>
+              <a:t>rdf</a:t>
+            </a:r>
+            <a:r>
+              <a:rPr lang="zh-CN" altLang="en-US" baseline="0" dirty="0" smtClean="0"/>
+              <a:t>的数据库</a:t>
+            </a:r>
+            <a:r>
+              <a:rPr lang="en-US" altLang="zh-CN" baseline="0" dirty="0" smtClean="0"/>
+              <a:t>TDB</a:t>
+            </a:r>
+            <a:r>
+              <a:rPr lang="zh-CN" altLang="en-US" baseline="0" dirty="0" smtClean="0"/>
+              <a:t>就是使用全索引策略实</a:t>
+            </a:r>
+            <a:r>
+              <a:rPr lang="zh-CN" altLang="en-US" baseline="0" dirty="0" smtClean="0"/>
+              <a:t>现的。</a:t>
+            </a:r>
+            <a:endParaRPr lang="en-US" altLang="zh-CN" baseline="0" dirty="0" smtClean="0"/>
+          </a:p>
+          <a:p>
+            <a:endParaRPr lang="en-US" altLang="zh-CN" dirty="0" smtClean="0"/>
+          </a:p>
+          <a:p>
+            <a:r>
+              <a:rPr lang="zh-CN" altLang="en-US" dirty="0" smtClean="0"/>
+              <a:t>存储六重索引需要巨大的存储空间。 更新维护索引的代价太大。</a:t>
+            </a:r>
             <a:endParaRPr lang="zh-CN" altLang="en-US" dirty="0"/>
           </a:p>
         </p:txBody>
@@ -4624,7 +7291,7 @@
           <a:p>
             <a:fld id="{18E79C09-4E72-49BD-A5C9-2924744C885B}" type="slidenum">
               <a:rPr lang="zh-CN" altLang="en-US" smtClean="0"/>
-              <a:t>25</a:t>
+              <a:t>22</a:t>
             </a:fld>
             <a:endParaRPr lang="zh-CN" altLang="en-US"/>
           </a:p>
@@ -4633,7 +7300,7 @@
     </p:spTree>
     <p:extLst>
       <p:ext uri="{BB962C8B-B14F-4D97-AF65-F5344CB8AC3E}">
-        <p14:creationId xmlns:p14="http://schemas.microsoft.com/office/powerpoint/2010/main" val="2007111110"/>
+        <p14:creationId xmlns:p14="http://schemas.microsoft.com/office/powerpoint/2010/main" val="2741638125"/>
       </p:ext>
     </p:extLst>
   </p:cSld>
@@ -4689,99 +7356,29 @@
           <a:p>
             <a:r>
               <a:rPr lang="zh-CN" altLang="en-US" dirty="0" smtClean="0"/>
-              <a:t>基于</a:t>
-            </a:r>
+              <a:t>图形数据库，支持图的挖掘算法，所以查询速度相对较快</a:t>
+            </a:r>
+            <a:endParaRPr lang="en-US" altLang="zh-CN" dirty="0" smtClean="0"/>
+          </a:p>
+          <a:p>
             <a:r>
               <a:rPr lang="en-US" altLang="zh-CN" dirty="0" smtClean="0"/>
-              <a:t>Hadoop</a:t>
-            </a:r>
-            <a:r>
-              <a:rPr lang="zh-CN" altLang="en-US" dirty="0" smtClean="0"/>
-              <a:t>的</a:t>
-            </a:r>
-            <a:r>
-              <a:rPr lang="en-US" altLang="zh-CN" dirty="0" smtClean="0"/>
-              <a:t>RDF</a:t>
-            </a:r>
-            <a:r>
-              <a:rPr lang="zh-CN" altLang="en-US" dirty="0" smtClean="0"/>
-              <a:t>数据上的分布式查询处理方法将</a:t>
-            </a:r>
-            <a:r>
-              <a:rPr lang="en-US" altLang="zh-CN" dirty="0" smtClean="0"/>
-              <a:t>RDF</a:t>
-            </a:r>
-            <a:r>
-              <a:rPr lang="zh-CN" altLang="en-US" dirty="0" smtClean="0"/>
-              <a:t>数据转化为平面文件</a:t>
-            </a:r>
-            <a:endParaRPr lang="en-US" altLang="zh-CN" dirty="0" smtClean="0"/>
-          </a:p>
-          <a:p>
-            <a:r>
-              <a:rPr lang="zh-CN" altLang="en-US" dirty="0" smtClean="0"/>
-              <a:t>存储在</a:t>
-            </a:r>
-            <a:r>
-              <a:rPr lang="en-US" altLang="zh-CN" dirty="0" smtClean="0"/>
-              <a:t>HDFS</a:t>
-            </a:r>
-            <a:r>
-              <a:rPr lang="zh-CN" altLang="en-US" dirty="0" smtClean="0"/>
-              <a:t>上。在进行查询处理的时候，这些方法将查询分解为若干个子查询</a:t>
-            </a:r>
-            <a:endParaRPr lang="en-US" altLang="zh-CN" dirty="0" smtClean="0"/>
-          </a:p>
-          <a:p>
-            <a:r>
-              <a:rPr lang="zh-CN" altLang="en-US" dirty="0" smtClean="0"/>
-              <a:t>每个子查询通过在</a:t>
-            </a:r>
-            <a:r>
-              <a:rPr lang="en-US" altLang="zh-CN" dirty="0" smtClean="0"/>
-              <a:t>HDFS</a:t>
-            </a:r>
-            <a:r>
-              <a:rPr lang="zh-CN" altLang="en-US" dirty="0" smtClean="0"/>
-              <a:t>上扫描得到候选解，然后用</a:t>
-            </a:r>
-            <a:r>
-              <a:rPr lang="en-US" altLang="zh-CN" dirty="0" err="1" smtClean="0"/>
-              <a:t>MapReduce</a:t>
-            </a:r>
-            <a:r>
-              <a:rPr lang="zh-CN" altLang="en-US" dirty="0" smtClean="0"/>
-              <a:t>将候选解连接起来</a:t>
-            </a:r>
-            <a:endParaRPr lang="en-US" altLang="zh-CN" dirty="0" smtClean="0"/>
-          </a:p>
-          <a:p>
-            <a:r>
-              <a:rPr lang="zh-CN" altLang="en-US" dirty="0" smtClean="0"/>
-              <a:t>以得到最终解</a:t>
-            </a:r>
-            <a:endParaRPr lang="en-US" altLang="zh-CN" dirty="0" smtClean="0"/>
-          </a:p>
-          <a:p>
-            <a:r>
-              <a:rPr lang="zh-CN" altLang="en-US" dirty="0" smtClean="0"/>
-              <a:t>不同方法的区别是</a:t>
-            </a:r>
-            <a:r>
-              <a:rPr lang="en-US" altLang="zh-CN" dirty="0" smtClean="0"/>
-              <a:t>RDF</a:t>
-            </a:r>
-            <a:r>
-              <a:rPr lang="zh-CN" altLang="en-US" dirty="0" smtClean="0"/>
-              <a:t>转为</a:t>
-            </a:r>
-            <a:r>
-              <a:rPr lang="en-US" altLang="zh-CN" dirty="0" smtClean="0"/>
-              <a:t>HDFS</a:t>
-            </a:r>
-            <a:r>
-              <a:rPr lang="zh-CN" altLang="en-US" dirty="0" smtClean="0"/>
-              <a:t>平面文件的方式不同。</a:t>
+              <a:t>Neo4j</a:t>
+            </a:r>
+            <a:r>
+              <a:rPr lang="en-US" altLang="zh-CN" baseline="0" dirty="0" smtClean="0"/>
+              <a:t> </a:t>
+            </a:r>
+            <a:r>
+              <a:rPr lang="zh-CN" altLang="en-US" baseline="0" dirty="0" smtClean="0"/>
+              <a:t>难以分片</a:t>
+            </a:r>
+            <a:endParaRPr lang="en-US" altLang="zh-CN" baseline="0" dirty="0" smtClean="0"/>
+          </a:p>
+          <a:p>
+            <a:r>
+              <a:rPr lang="zh-CN" altLang="en-US" baseline="0" dirty="0" smtClean="0"/>
+              <a:t>很难处理超级节点。</a:t>
             </a:r>
             <a:endParaRPr lang="zh-CN" altLang="en-US" dirty="0"/>
           </a:p>
@@ -4804,7 +7401,7 @@
           <a:p>
             <a:fld id="{18E79C09-4E72-49BD-A5C9-2924744C885B}" type="slidenum">
               <a:rPr lang="zh-CN" altLang="en-US" smtClean="0"/>
-              <a:t>27</a:t>
+              <a:t>24</a:t>
             </a:fld>
             <a:endParaRPr lang="zh-CN" altLang="en-US"/>
           </a:p>
@@ -4813,7 +7410,7 @@
     </p:spTree>
     <p:extLst>
       <p:ext uri="{BB962C8B-B14F-4D97-AF65-F5344CB8AC3E}">
-        <p14:creationId xmlns:p14="http://schemas.microsoft.com/office/powerpoint/2010/main" val="2379797977"/>
+        <p14:creationId xmlns:p14="http://schemas.microsoft.com/office/powerpoint/2010/main" val="1864745631"/>
       </p:ext>
     </p:extLst>
   </p:cSld>
@@ -4867,89 +7464,6 @@
           <a:bodyPr/>
           <a:lstStyle/>
           <a:p>
-            <a:r>
-              <a:rPr lang="en-US" altLang="zh-CN" dirty="0" smtClean="0"/>
-              <a:t>Trinity</a:t>
-            </a:r>
-            <a:r>
-              <a:rPr lang="zh-CN" altLang="en-US" dirty="0" smtClean="0"/>
-              <a:t>是微软开发的一个基于内存的分布式图数据管理系统。</a:t>
-            </a:r>
-            <a:endParaRPr lang="en-US" altLang="zh-CN" dirty="0" smtClean="0"/>
-          </a:p>
-          <a:p>
-            <a:r>
-              <a:rPr lang="zh-CN" altLang="en-US" dirty="0" smtClean="0"/>
-              <a:t>有关学者提出了</a:t>
-            </a:r>
-            <a:r>
-              <a:rPr lang="en-US" altLang="zh-CN" dirty="0" err="1" smtClean="0"/>
-              <a:t>Trinity.RDF</a:t>
-            </a:r>
-            <a:r>
-              <a:rPr lang="zh-CN" altLang="en-US" dirty="0" smtClean="0"/>
-              <a:t>，就是利用</a:t>
-            </a:r>
-            <a:r>
-              <a:rPr lang="en-US" altLang="zh-CN" dirty="0" smtClean="0"/>
-              <a:t>Trinity</a:t>
-            </a:r>
-            <a:r>
-              <a:rPr lang="zh-CN" altLang="en-US" dirty="0" smtClean="0"/>
-              <a:t>，进行知识图谱的存储与查询。</a:t>
-            </a:r>
-            <a:endParaRPr lang="en-US" altLang="zh-CN" dirty="0" smtClean="0"/>
-          </a:p>
-          <a:p>
-            <a:endParaRPr lang="en-US" altLang="zh-CN" dirty="0" smtClean="0"/>
-          </a:p>
-          <a:p>
-            <a:r>
-              <a:rPr lang="zh-CN" altLang="en-US" dirty="0" smtClean="0"/>
-              <a:t>知识图谱在</a:t>
-            </a:r>
-            <a:r>
-              <a:rPr lang="en-US" altLang="zh-CN" dirty="0" smtClean="0"/>
-              <a:t>trinity</a:t>
-            </a:r>
-            <a:r>
-              <a:rPr lang="zh-CN" altLang="en-US" dirty="0" smtClean="0"/>
-              <a:t>中是以邻接表的形式存储的。</a:t>
-            </a:r>
-            <a:endParaRPr lang="en-US" altLang="zh-CN" dirty="0" smtClean="0"/>
-          </a:p>
-          <a:p>
-            <a:endParaRPr lang="en-US" altLang="zh-CN" dirty="0" smtClean="0"/>
-          </a:p>
-          <a:p>
-            <a:r>
-              <a:rPr lang="zh-CN" altLang="en-US" dirty="0" smtClean="0"/>
-              <a:t>实体是以</a:t>
-            </a:r>
-            <a:r>
-              <a:rPr lang="en-US" altLang="zh-CN" dirty="0" smtClean="0"/>
-              <a:t>key-value</a:t>
-            </a:r>
-            <a:r>
-              <a:rPr lang="zh-CN" altLang="en-US" dirty="0" smtClean="0"/>
-              <a:t>形式存储的</a:t>
-            </a:r>
-            <a:r>
-              <a:rPr lang="zh-CN" altLang="en-US" baseline="0" dirty="0" smtClean="0"/>
-              <a:t> </a:t>
-            </a:r>
-            <a:r>
-              <a:rPr lang="en-US" altLang="zh-CN" baseline="0" dirty="0" smtClean="0"/>
-              <a:t>node-id</a:t>
-            </a:r>
-            <a:r>
-              <a:rPr lang="zh-CN" altLang="en-US" baseline="0" dirty="0" smtClean="0"/>
-              <a:t>是其</a:t>
-            </a:r>
-            <a:r>
-              <a:rPr lang="en-US" altLang="zh-CN" baseline="0" dirty="0" smtClean="0"/>
-              <a:t>key</a:t>
-            </a:r>
             <a:endParaRPr lang="zh-CN" altLang="en-US" dirty="0"/>
           </a:p>
         </p:txBody>
@@ -4971,7 +7485,7 @@
           <a:p>
             <a:fld id="{18E79C09-4E72-49BD-A5C9-2924744C885B}" type="slidenum">
               <a:rPr lang="zh-CN" altLang="en-US" smtClean="0"/>
-              <a:t>28</a:t>
+              <a:t>25</a:t>
             </a:fld>
             <a:endParaRPr lang="zh-CN" altLang="en-US"/>
           </a:p>
@@ -4980,7 +7494,7 @@
     </p:spTree>
     <p:extLst>
       <p:ext uri="{BB962C8B-B14F-4D97-AF65-F5344CB8AC3E}">
-        <p14:creationId xmlns:p14="http://schemas.microsoft.com/office/powerpoint/2010/main" val="570811089"/>
+        <p14:creationId xmlns:p14="http://schemas.microsoft.com/office/powerpoint/2010/main" val="2007111110"/>
       </p:ext>
     </p:extLst>
   </p:cSld>
@@ -5036,14 +7550,107 @@
           <a:p>
             <a:r>
               <a:rPr lang="zh-CN" altLang="en-US" dirty="0" smtClean="0"/>
-              <a:t>入邻接列表</a:t>
+              <a:t>基于</a:t>
+            </a:r>
+            <a:r>
+              <a:rPr lang="en-US" altLang="zh-CN" dirty="0" smtClean="0"/>
+              <a:t>Hadoop</a:t>
+            </a:r>
+            <a:r>
+              <a:rPr lang="zh-CN" altLang="en-US" dirty="0" smtClean="0"/>
+              <a:t>的分布式存储是将</a:t>
+            </a:r>
+            <a:r>
+              <a:rPr lang="en-US" altLang="zh-CN" dirty="0" smtClean="0"/>
+              <a:t>RDF</a:t>
+            </a:r>
+            <a:r>
+              <a:rPr lang="zh-CN" altLang="en-US" dirty="0" smtClean="0"/>
+              <a:t>数据转化为平面文</a:t>
+            </a:r>
+            <a:r>
+              <a:rPr lang="zh-CN" altLang="en-US" dirty="0" smtClean="0"/>
+              <a:t>件存</a:t>
+            </a:r>
+            <a:r>
+              <a:rPr lang="zh-CN" altLang="en-US" dirty="0" smtClean="0"/>
+              <a:t>储在</a:t>
+            </a:r>
+            <a:r>
+              <a:rPr lang="en-US" altLang="zh-CN" dirty="0" smtClean="0"/>
+              <a:t>HDFS</a:t>
+            </a:r>
+            <a:r>
+              <a:rPr lang="zh-CN" altLang="en-US" dirty="0" smtClean="0"/>
+              <a:t>上</a:t>
+            </a:r>
+            <a:r>
+              <a:rPr lang="zh-CN" altLang="en-US" dirty="0" smtClean="0"/>
+              <a:t>。</a:t>
             </a:r>
             <a:endParaRPr lang="en-US" altLang="zh-CN" dirty="0" smtClean="0"/>
           </a:p>
           <a:p>
             <a:r>
               <a:rPr lang="zh-CN" altLang="en-US" dirty="0" smtClean="0"/>
-              <a:t>出邻接列表</a:t>
+              <a:t>在</a:t>
+            </a:r>
+            <a:r>
+              <a:rPr lang="zh-CN" altLang="en-US" dirty="0" smtClean="0"/>
+              <a:t>进行查询处理的时候，这些方法将查询分解为若干个子查询</a:t>
+            </a:r>
+            <a:endParaRPr lang="en-US" altLang="zh-CN" dirty="0" smtClean="0"/>
+          </a:p>
+          <a:p>
+            <a:r>
+              <a:rPr lang="zh-CN" altLang="en-US" dirty="0" smtClean="0"/>
+              <a:t>每个子查询通过在</a:t>
+            </a:r>
+            <a:r>
+              <a:rPr lang="en-US" altLang="zh-CN" dirty="0" smtClean="0"/>
+              <a:t>HDFS</a:t>
+            </a:r>
+            <a:r>
+              <a:rPr lang="zh-CN" altLang="en-US" dirty="0" smtClean="0"/>
+              <a:t>上扫描得到候选解，然后用</a:t>
+            </a:r>
+            <a:r>
+              <a:rPr lang="en-US" altLang="zh-CN" dirty="0" err="1" smtClean="0"/>
+              <a:t>MapReduce</a:t>
+            </a:r>
+            <a:r>
+              <a:rPr lang="zh-CN" altLang="en-US" dirty="0" smtClean="0"/>
+              <a:t>将候选解连接起来</a:t>
+            </a:r>
+            <a:endParaRPr lang="en-US" altLang="zh-CN" dirty="0" smtClean="0"/>
+          </a:p>
+          <a:p>
+            <a:r>
+              <a:rPr lang="zh-CN" altLang="en-US" dirty="0" smtClean="0"/>
+              <a:t>以得到最终解</a:t>
+            </a:r>
+            <a:endParaRPr lang="en-US" altLang="zh-CN" dirty="0" smtClean="0"/>
+          </a:p>
+          <a:p>
+            <a:r>
+              <a:rPr lang="zh-CN" altLang="en-US" dirty="0" smtClean="0"/>
+              <a:t>不同方法的区别是</a:t>
+            </a:r>
+            <a:r>
+              <a:rPr lang="en-US" altLang="zh-CN" dirty="0" smtClean="0"/>
+              <a:t>RDF</a:t>
+            </a:r>
+            <a:r>
+              <a:rPr lang="zh-CN" altLang="en-US" dirty="0" smtClean="0"/>
+              <a:t>转为</a:t>
+            </a:r>
+            <a:r>
+              <a:rPr lang="en-US" altLang="zh-CN" dirty="0" smtClean="0"/>
+              <a:t>HDFS</a:t>
+            </a:r>
+            <a:r>
+              <a:rPr lang="zh-CN" altLang="en-US" dirty="0" smtClean="0"/>
+              <a:t>平面文件的方式不同。</a:t>
             </a:r>
             <a:endParaRPr lang="zh-CN" altLang="en-US" dirty="0"/>
           </a:p>
@@ -5066,7 +7673,7 @@
           <a:p>
             <a:fld id="{18E79C09-4E72-49BD-A5C9-2924744C885B}" type="slidenum">
               <a:rPr lang="zh-CN" altLang="en-US" smtClean="0"/>
-              <a:t>29</a:t>
+              <a:t>27</a:t>
             </a:fld>
             <a:endParaRPr lang="zh-CN" altLang="en-US"/>
           </a:p>
@@ -5075,7 +7682,7 @@
     </p:spTree>
     <p:extLst>
       <p:ext uri="{BB962C8B-B14F-4D97-AF65-F5344CB8AC3E}">
-        <p14:creationId xmlns:p14="http://schemas.microsoft.com/office/powerpoint/2010/main" val="824358153"/>
+        <p14:creationId xmlns:p14="http://schemas.microsoft.com/office/powerpoint/2010/main" val="2379797977"/>
       </p:ext>
     </p:extLst>
   </p:cSld>
@@ -5129,6 +7736,89 @@
           <a:bodyPr/>
           <a:lstStyle/>
           <a:p>
+            <a:r>
+              <a:rPr lang="en-US" altLang="zh-CN" dirty="0" smtClean="0"/>
+              <a:t>Trinity</a:t>
+            </a:r>
+            <a:r>
+              <a:rPr lang="zh-CN" altLang="en-US" dirty="0" smtClean="0"/>
+              <a:t>是微软开发的一个基于内存的分布式图数据管理系统。</a:t>
+            </a:r>
+            <a:endParaRPr lang="en-US" altLang="zh-CN" dirty="0" smtClean="0"/>
+          </a:p>
+          <a:p>
+            <a:r>
+              <a:rPr lang="zh-CN" altLang="en-US" dirty="0" smtClean="0"/>
+              <a:t>有关学者提出了</a:t>
+            </a:r>
+            <a:r>
+              <a:rPr lang="en-US" altLang="zh-CN" dirty="0" err="1" smtClean="0"/>
+              <a:t>Trinity.RDF</a:t>
+            </a:r>
+            <a:r>
+              <a:rPr lang="zh-CN" altLang="en-US" dirty="0" smtClean="0"/>
+              <a:t>，就是利用</a:t>
+            </a:r>
+            <a:r>
+              <a:rPr lang="en-US" altLang="zh-CN" dirty="0" smtClean="0"/>
+              <a:t>Trinity</a:t>
+            </a:r>
+            <a:r>
+              <a:rPr lang="zh-CN" altLang="en-US" dirty="0" smtClean="0"/>
+              <a:t>，进行知识图谱的存储与查询。</a:t>
+            </a:r>
+            <a:endParaRPr lang="en-US" altLang="zh-CN" dirty="0" smtClean="0"/>
+          </a:p>
+          <a:p>
+            <a:endParaRPr lang="en-US" altLang="zh-CN" dirty="0" smtClean="0"/>
+          </a:p>
+          <a:p>
+            <a:r>
+              <a:rPr lang="zh-CN" altLang="en-US" dirty="0" smtClean="0"/>
+              <a:t>知识图谱在</a:t>
+            </a:r>
+            <a:r>
+              <a:rPr lang="en-US" altLang="zh-CN" dirty="0" smtClean="0"/>
+              <a:t>trinity</a:t>
+            </a:r>
+            <a:r>
+              <a:rPr lang="zh-CN" altLang="en-US" dirty="0" smtClean="0"/>
+              <a:t>中是以邻接表的形式存储的。</a:t>
+            </a:r>
+            <a:endParaRPr lang="en-US" altLang="zh-CN" dirty="0" smtClean="0"/>
+          </a:p>
+          <a:p>
+            <a:endParaRPr lang="en-US" altLang="zh-CN" dirty="0" smtClean="0"/>
+          </a:p>
+          <a:p>
+            <a:r>
+              <a:rPr lang="zh-CN" altLang="en-US" dirty="0" smtClean="0"/>
+              <a:t>实体是以</a:t>
+            </a:r>
+            <a:r>
+              <a:rPr lang="en-US" altLang="zh-CN" dirty="0" smtClean="0"/>
+              <a:t>key-value</a:t>
+            </a:r>
+            <a:r>
+              <a:rPr lang="zh-CN" altLang="en-US" dirty="0" smtClean="0"/>
+              <a:t>形式存储的</a:t>
+            </a:r>
+            <a:r>
+              <a:rPr lang="zh-CN" altLang="en-US" baseline="0" dirty="0" smtClean="0"/>
+              <a:t> </a:t>
+            </a:r>
+            <a:r>
+              <a:rPr lang="en-US" altLang="zh-CN" baseline="0" dirty="0" smtClean="0"/>
+              <a:t>node-id</a:t>
+            </a:r>
+            <a:r>
+              <a:rPr lang="zh-CN" altLang="en-US" baseline="0" dirty="0" smtClean="0"/>
+              <a:t>是其</a:t>
+            </a:r>
+            <a:r>
+              <a:rPr lang="en-US" altLang="zh-CN" baseline="0" dirty="0" smtClean="0"/>
+              <a:t>key</a:t>
+            </a:r>
             <a:endParaRPr lang="zh-CN" altLang="en-US" dirty="0"/>
           </a:p>
         </p:txBody>
@@ -5150,6 +7840,185 @@
           <a:p>
             <a:fld id="{18E79C09-4E72-49BD-A5C9-2924744C885B}" type="slidenum">
               <a:rPr lang="zh-CN" altLang="en-US" smtClean="0"/>
+              <a:t>28</a:t>
+            </a:fld>
+            <a:endParaRPr lang="zh-CN" altLang="en-US"/>
+          </a:p>
+        </p:txBody>
+      </p:sp>
+    </p:spTree>
+    <p:extLst>
+      <p:ext uri="{BB962C8B-B14F-4D97-AF65-F5344CB8AC3E}">
+        <p14:creationId xmlns:p14="http://schemas.microsoft.com/office/powerpoint/2010/main" val="570811089"/>
+      </p:ext>
+    </p:extLst>
+  </p:cSld>
+  <p:clrMapOvr>
+    <a:masterClrMapping/>
+  </p:clrMapOvr>
+</p:notes>
+</file>
+
+<file path=ppt/notesSlides/notesSlide26.xml><?xml version="1.0" encoding="utf-8"?>
+<p:notes xmlns:a="http://schemas.openxmlformats.org/drawingml/2006/main" xmlns:r="http://schemas.openxmlformats.org/officeDocument/2006/relationships" xmlns:p="http://schemas.openxmlformats.org/presentationml/2006/main">
+  <p:cSld>
+    <p:spTree>
+      <p:nvGrpSpPr>
+        <p:cNvPr id="1" name=""/>
+        <p:cNvGrpSpPr/>
+        <p:nvPr/>
+      </p:nvGrpSpPr>
+      <p:grpSpPr>
+        <a:xfrm>
+          <a:off x="0" y="0"/>
+          <a:ext cx="0" cy="0"/>
+          <a:chOff x="0" y="0"/>
+          <a:chExt cx="0" cy="0"/>
+        </a:xfrm>
+      </p:grpSpPr>
+      <p:sp>
+        <p:nvSpPr>
+          <p:cNvPr id="2" name="幻灯片图像占位符 1"/>
+          <p:cNvSpPr>
+            <a:spLocks noGrp="1" noRot="1" noChangeAspect="1"/>
+          </p:cNvSpPr>
+          <p:nvPr>
+            <p:ph type="sldImg"/>
+          </p:nvPr>
+        </p:nvSpPr>
+        <p:spPr/>
+      </p:sp>
+      <p:sp>
+        <p:nvSpPr>
+          <p:cNvPr id="3" name="备注占位符 2"/>
+          <p:cNvSpPr>
+            <a:spLocks noGrp="1"/>
+          </p:cNvSpPr>
+          <p:nvPr>
+            <p:ph type="body" idx="1"/>
+          </p:nvPr>
+        </p:nvSpPr>
+        <p:spPr/>
+        <p:txBody>
+          <a:bodyPr/>
+          <a:lstStyle/>
+          <a:p>
+            <a:r>
+              <a:rPr lang="zh-CN" altLang="en-US" dirty="0" smtClean="0"/>
+              <a:t>入邻接列表</a:t>
+            </a:r>
+            <a:endParaRPr lang="en-US" altLang="zh-CN" dirty="0" smtClean="0"/>
+          </a:p>
+          <a:p>
+            <a:r>
+              <a:rPr lang="zh-CN" altLang="en-US" dirty="0" smtClean="0"/>
+              <a:t>出邻接列表</a:t>
+            </a:r>
+            <a:endParaRPr lang="zh-CN" altLang="en-US" dirty="0"/>
+          </a:p>
+        </p:txBody>
+      </p:sp>
+      <p:sp>
+        <p:nvSpPr>
+          <p:cNvPr id="4" name="灯片编号占位符 3"/>
+          <p:cNvSpPr>
+            <a:spLocks noGrp="1"/>
+          </p:cNvSpPr>
+          <p:nvPr>
+            <p:ph type="sldNum" sz="quarter" idx="10"/>
+          </p:nvPr>
+        </p:nvSpPr>
+        <p:spPr/>
+        <p:txBody>
+          <a:bodyPr/>
+          <a:lstStyle/>
+          <a:p>
+            <a:fld id="{18E79C09-4E72-49BD-A5C9-2924744C885B}" type="slidenum">
+              <a:rPr lang="zh-CN" altLang="en-US" smtClean="0"/>
+              <a:t>29</a:t>
+            </a:fld>
+            <a:endParaRPr lang="zh-CN" altLang="en-US"/>
+          </a:p>
+        </p:txBody>
+      </p:sp>
+    </p:spTree>
+    <p:extLst>
+      <p:ext uri="{BB962C8B-B14F-4D97-AF65-F5344CB8AC3E}">
+        <p14:creationId xmlns:p14="http://schemas.microsoft.com/office/powerpoint/2010/main" val="824358153"/>
+      </p:ext>
+    </p:extLst>
+  </p:cSld>
+  <p:clrMapOvr>
+    <a:masterClrMapping/>
+  </p:clrMapOvr>
+</p:notes>
+</file>
+
+<file path=ppt/notesSlides/notesSlide27.xml><?xml version="1.0" encoding="utf-8"?>
+<p:notes xmlns:a="http://schemas.openxmlformats.org/drawingml/2006/main" xmlns:r="http://schemas.openxmlformats.org/officeDocument/2006/relationships" xmlns:p="http://schemas.openxmlformats.org/presentationml/2006/main">
+  <p:cSld>
+    <p:spTree>
+      <p:nvGrpSpPr>
+        <p:cNvPr id="1" name=""/>
+        <p:cNvGrpSpPr/>
+        <p:nvPr/>
+      </p:nvGrpSpPr>
+      <p:grpSpPr>
+        <a:xfrm>
+          <a:off x="0" y="0"/>
+          <a:ext cx="0" cy="0"/>
+          <a:chOff x="0" y="0"/>
+          <a:chExt cx="0" cy="0"/>
+        </a:xfrm>
+      </p:grpSpPr>
+      <p:sp>
+        <p:nvSpPr>
+          <p:cNvPr id="2" name="幻灯片图像占位符 1"/>
+          <p:cNvSpPr>
+            <a:spLocks noGrp="1" noRot="1" noChangeAspect="1"/>
+          </p:cNvSpPr>
+          <p:nvPr>
+            <p:ph type="sldImg"/>
+          </p:nvPr>
+        </p:nvSpPr>
+        <p:spPr/>
+      </p:sp>
+      <p:sp>
+        <p:nvSpPr>
+          <p:cNvPr id="3" name="备注占位符 2"/>
+          <p:cNvSpPr>
+            <a:spLocks noGrp="1"/>
+          </p:cNvSpPr>
+          <p:nvPr>
+            <p:ph type="body" idx="1"/>
+          </p:nvPr>
+        </p:nvSpPr>
+        <p:spPr/>
+        <p:txBody>
+          <a:bodyPr/>
+          <a:lstStyle/>
+          <a:p>
+            <a:endParaRPr lang="zh-CN" altLang="en-US" dirty="0"/>
+          </a:p>
+        </p:txBody>
+      </p:sp>
+      <p:sp>
+        <p:nvSpPr>
+          <p:cNvPr id="4" name="灯片编号占位符 3"/>
+          <p:cNvSpPr>
+            <a:spLocks noGrp="1"/>
+          </p:cNvSpPr>
+          <p:nvPr>
+            <p:ph type="sldNum" sz="quarter" idx="10"/>
+          </p:nvPr>
+        </p:nvSpPr>
+        <p:spPr/>
+        <p:txBody>
+          <a:bodyPr/>
+          <a:lstStyle/>
+          <a:p>
+            <a:fld id="{18E79C09-4E72-49BD-A5C9-2924744C885B}" type="slidenum">
+              <a:rPr lang="zh-CN" altLang="en-US" smtClean="0"/>
               <a:t>30</a:t>
             </a:fld>
             <a:endParaRPr lang="zh-CN" altLang="en-US"/>
@@ -5169,7 +8038,7 @@
 </p:notes>
 </file>
 
-<file path=ppt/notesSlides/notesSlide26.xml><?xml version="1.0" encoding="utf-8"?>
+<file path=ppt/notesSlides/notesSlide28.xml><?xml version="1.0" encoding="utf-8"?>
 <p:notes xmlns:a="http://schemas.openxmlformats.org/drawingml/2006/main" xmlns:r="http://schemas.openxmlformats.org/officeDocument/2006/relationships" xmlns:p="http://schemas.openxmlformats.org/presentationml/2006/main">
   <p:cSld>
     <p:spTree>
@@ -5405,7 +8274,99 @@
                 <a:ea typeface="+mn-ea"/>
                 <a:cs typeface="+mn-cs"/>
               </a:rPr>
-              <a:t>知识图谱是由一条条知识组成。每个知识为主谓宾三元组 或者也可以称为实体 关系 实体三元组。</a:t>
+              <a:t>知识图谱是由一条条知识组成。每个知识为主谓宾三元组 或者也可以称为实体 关系 实体三元组</a:t>
+            </a:r>
+            <a:r>
+              <a:rPr lang="zh-CN" altLang="en-US" sz="1200" b="0" i="0" kern="1200" dirty="0" smtClean="0">
+                <a:solidFill>
+                  <a:schemeClr val="tx1"/>
+                </a:solidFill>
+                <a:effectLst/>
+                <a:latin typeface="+mn-lt"/>
+                <a:ea typeface="+mn-ea"/>
+                <a:cs typeface="+mn-cs"/>
+              </a:rPr>
+              <a:t>。</a:t>
+            </a:r>
+            <a:endParaRPr lang="en-US" altLang="zh-CN" sz="1200" b="0" i="0" kern="1200" dirty="0" smtClean="0">
+              <a:solidFill>
+                <a:schemeClr val="tx1"/>
+              </a:solidFill>
+              <a:effectLst/>
+              <a:latin typeface="+mn-lt"/>
+              <a:ea typeface="+mn-ea"/>
+              <a:cs typeface="+mn-cs"/>
+            </a:endParaRPr>
+          </a:p>
+          <a:p>
+            <a:endParaRPr lang="en-US" altLang="zh-CN" sz="1200" b="0" i="0" kern="1200" dirty="0" smtClean="0">
+              <a:solidFill>
+                <a:schemeClr val="tx1"/>
+              </a:solidFill>
+              <a:effectLst/>
+              <a:latin typeface="+mn-lt"/>
+              <a:ea typeface="+mn-ea"/>
+              <a:cs typeface="+mn-cs"/>
+            </a:endParaRPr>
+          </a:p>
+          <a:p>
+            <a:r>
+              <a:rPr lang="zh-CN" altLang="en-US" sz="1200" b="0" i="0" kern="1200" dirty="0" smtClean="0">
+                <a:solidFill>
+                  <a:schemeClr val="tx1"/>
+                </a:solidFill>
+                <a:effectLst/>
+                <a:latin typeface="+mn-lt"/>
+                <a:ea typeface="+mn-ea"/>
+                <a:cs typeface="+mn-cs"/>
+              </a:rPr>
+              <a:t>利用左边的语料，可以构造右边的一个知识图谱。</a:t>
+            </a:r>
+            <a:endParaRPr lang="en-US" altLang="zh-CN" sz="1200" b="0" i="0" kern="1200" dirty="0" smtClean="0">
+              <a:solidFill>
+                <a:schemeClr val="tx1"/>
+              </a:solidFill>
+              <a:effectLst/>
+              <a:latin typeface="+mn-lt"/>
+              <a:ea typeface="+mn-ea"/>
+              <a:cs typeface="+mn-cs"/>
+            </a:endParaRPr>
+          </a:p>
+          <a:p>
+            <a:endParaRPr lang="en-US" altLang="zh-CN" sz="1200" b="0" i="0" kern="1200" dirty="0" smtClean="0">
+              <a:solidFill>
+                <a:schemeClr val="tx1"/>
+              </a:solidFill>
+              <a:effectLst/>
+              <a:latin typeface="+mn-lt"/>
+              <a:ea typeface="+mn-ea"/>
+              <a:cs typeface="+mn-cs"/>
+            </a:endParaRPr>
+          </a:p>
+          <a:p>
+            <a:r>
+              <a:rPr lang="zh-CN" altLang="en-US" sz="1200" b="0" i="0" kern="1200" dirty="0" smtClean="0">
+                <a:solidFill>
+                  <a:schemeClr val="tx1"/>
+                </a:solidFill>
+                <a:effectLst/>
+                <a:latin typeface="+mn-lt"/>
+                <a:ea typeface="+mn-ea"/>
+                <a:cs typeface="+mn-cs"/>
+              </a:rPr>
+              <a:t>在这个知识图谱中，比如王大路创办大路集团就是一条知识，</a:t>
+            </a:r>
+            <a:r>
+              <a:rPr lang="zh-CN" altLang="en-US" sz="1200" b="0" i="0" kern="1200" baseline="0" dirty="0" smtClean="0">
+                <a:solidFill>
+                  <a:schemeClr val="tx1"/>
+                </a:solidFill>
+                <a:effectLst/>
+                <a:latin typeface="+mn-lt"/>
+                <a:ea typeface="+mn-ea"/>
+                <a:cs typeface="+mn-cs"/>
+              </a:rPr>
+              <a:t> 代表主语是王大路， 谓语是创办  宾语是大路集团的主谓宾三元组。</a:t>
             </a:r>
             <a:endParaRPr lang="zh-CN" altLang="en-US" sz="1200" b="0" i="0" kern="1200" dirty="0">
               <a:solidFill>
@@ -5499,6 +8460,191 @@
           <a:bodyPr/>
           <a:lstStyle/>
           <a:p>
+            <a:r>
+              <a:rPr lang="zh-CN" altLang="en-US" sz="1200" b="0" i="0" kern="1200" dirty="0" smtClean="0">
+                <a:solidFill>
+                  <a:schemeClr val="tx1"/>
+                </a:solidFill>
+                <a:effectLst/>
+                <a:latin typeface="+mn-lt"/>
+                <a:ea typeface="+mn-ea"/>
+                <a:cs typeface="+mn-cs"/>
+              </a:rPr>
+              <a:t>我们一般用</a:t>
+            </a:r>
+            <a:r>
+              <a:rPr lang="en-US" altLang="zh-CN" sz="1200" b="0" i="0" kern="1200" dirty="0" smtClean="0">
+                <a:solidFill>
+                  <a:schemeClr val="tx1"/>
+                </a:solidFill>
+                <a:effectLst/>
+                <a:latin typeface="+mn-lt"/>
+                <a:ea typeface="+mn-ea"/>
+                <a:cs typeface="+mn-cs"/>
+              </a:rPr>
+              <a:t>RDF</a:t>
+            </a:r>
+            <a:r>
+              <a:rPr lang="zh-CN" altLang="en-US" sz="1200" b="0" i="0" kern="1200" dirty="0" smtClean="0">
+                <a:solidFill>
+                  <a:schemeClr val="tx1"/>
+                </a:solidFill>
+                <a:effectLst/>
+                <a:latin typeface="+mn-lt"/>
+                <a:ea typeface="+mn-ea"/>
+                <a:cs typeface="+mn-cs"/>
+              </a:rPr>
+              <a:t>描述知识图谱中的三元组。</a:t>
+            </a:r>
+          </a:p>
+          <a:p>
+            <a:r>
+              <a:rPr lang="en-US" altLang="zh-CN" sz="1200" b="0" i="0" kern="1200" dirty="0" smtClean="0">
+                <a:solidFill>
+                  <a:schemeClr val="tx1"/>
+                </a:solidFill>
+                <a:effectLst/>
+                <a:latin typeface="+mn-lt"/>
+                <a:ea typeface="+mn-ea"/>
+                <a:cs typeface="+mn-cs"/>
+              </a:rPr>
+              <a:t>IRI</a:t>
+            </a:r>
+            <a:r>
+              <a:rPr lang="zh-CN" altLang="en-US" sz="1200" b="0" i="0" kern="1200" dirty="0" smtClean="0">
+                <a:solidFill>
+                  <a:schemeClr val="tx1"/>
+                </a:solidFill>
+                <a:effectLst/>
+                <a:latin typeface="+mn-lt"/>
+                <a:ea typeface="+mn-ea"/>
+                <a:cs typeface="+mn-cs"/>
+              </a:rPr>
+              <a:t>是国际化资源标识符，是</a:t>
+            </a:r>
+            <a:r>
+              <a:rPr lang="en-US" altLang="zh-CN" sz="1200" b="0" i="0" kern="1200" dirty="0" smtClean="0">
+                <a:solidFill>
+                  <a:schemeClr val="tx1"/>
+                </a:solidFill>
+                <a:effectLst/>
+                <a:latin typeface="+mn-lt"/>
+                <a:ea typeface="+mn-ea"/>
+                <a:cs typeface="+mn-cs"/>
+              </a:rPr>
+              <a:t>URI</a:t>
+            </a:r>
+            <a:r>
+              <a:rPr lang="zh-CN" altLang="en-US" sz="1200" b="0" i="0" kern="1200" dirty="0" smtClean="0">
+                <a:solidFill>
+                  <a:schemeClr val="tx1"/>
+                </a:solidFill>
+                <a:effectLst/>
+                <a:latin typeface="+mn-lt"/>
+                <a:ea typeface="+mn-ea"/>
+                <a:cs typeface="+mn-cs"/>
+              </a:rPr>
+              <a:t>和</a:t>
+            </a:r>
+            <a:r>
+              <a:rPr lang="en-US" altLang="zh-CN" sz="1200" b="0" i="0" kern="1200" dirty="0" smtClean="0">
+                <a:solidFill>
+                  <a:schemeClr val="tx1"/>
+                </a:solidFill>
+                <a:effectLst/>
+                <a:latin typeface="+mn-lt"/>
+                <a:ea typeface="+mn-ea"/>
+                <a:cs typeface="+mn-cs"/>
+              </a:rPr>
+              <a:t>URL</a:t>
+            </a:r>
+            <a:r>
+              <a:rPr lang="zh-CN" altLang="en-US" sz="1200" b="0" i="0" kern="1200" dirty="0" smtClean="0">
+                <a:solidFill>
+                  <a:schemeClr val="tx1"/>
+                </a:solidFill>
+                <a:effectLst/>
+                <a:latin typeface="+mn-lt"/>
+                <a:ea typeface="+mn-ea"/>
+                <a:cs typeface="+mn-cs"/>
+              </a:rPr>
+              <a:t>的泛化和推广在互联网中，每一个</a:t>
+            </a:r>
+            <a:r>
+              <a:rPr lang="en-US" altLang="zh-CN" sz="1200" b="0" i="0" kern="1200" dirty="0" smtClean="0">
+                <a:solidFill>
+                  <a:schemeClr val="tx1"/>
+                </a:solidFill>
+                <a:effectLst/>
+                <a:latin typeface="+mn-lt"/>
+                <a:ea typeface="+mn-ea"/>
+                <a:cs typeface="+mn-cs"/>
+              </a:rPr>
+              <a:t>IRI</a:t>
+            </a:r>
+            <a:r>
+              <a:rPr lang="zh-CN" altLang="en-US" sz="1200" b="0" i="0" kern="1200" dirty="0" smtClean="0">
+                <a:solidFill>
+                  <a:schemeClr val="tx1"/>
+                </a:solidFill>
+                <a:effectLst/>
+                <a:latin typeface="+mn-lt"/>
+                <a:ea typeface="+mn-ea"/>
+                <a:cs typeface="+mn-cs"/>
+              </a:rPr>
+              <a:t>都唯一标识一个资源。类似于我们的身份证。</a:t>
+            </a:r>
+            <a:endParaRPr lang="en-US" altLang="zh-CN" sz="1200" b="0" i="0" kern="1200" dirty="0" smtClean="0">
+              <a:solidFill>
+                <a:schemeClr val="tx1"/>
+              </a:solidFill>
+              <a:effectLst/>
+              <a:latin typeface="+mn-lt"/>
+              <a:ea typeface="+mn-ea"/>
+              <a:cs typeface="+mn-cs"/>
+            </a:endParaRPr>
+          </a:p>
+          <a:p>
+            <a:r>
+              <a:rPr lang="en-US" altLang="zh-CN" sz="1200" b="0" i="0" kern="1200" dirty="0" smtClean="0">
+                <a:solidFill>
+                  <a:schemeClr val="tx1"/>
+                </a:solidFill>
+                <a:effectLst/>
+                <a:latin typeface="+mn-lt"/>
+                <a:ea typeface="+mn-ea"/>
+                <a:cs typeface="+mn-cs"/>
+              </a:rPr>
+              <a:t>blank node</a:t>
+            </a:r>
+            <a:r>
+              <a:rPr lang="zh-CN" altLang="en-US" sz="1200" b="0" i="0" kern="1200" dirty="0" smtClean="0">
+                <a:solidFill>
+                  <a:schemeClr val="tx1"/>
+                </a:solidFill>
+                <a:effectLst/>
+                <a:latin typeface="+mn-lt"/>
+                <a:ea typeface="+mn-ea"/>
+                <a:cs typeface="+mn-cs"/>
+              </a:rPr>
+              <a:t>我们等一下会介绍到。</a:t>
+            </a:r>
+          </a:p>
+          <a:p>
+            <a:r>
+              <a:rPr lang="zh-CN" altLang="en-US" sz="1200" b="0" i="0" kern="1200" dirty="0" smtClean="0">
+                <a:solidFill>
+                  <a:schemeClr val="tx1"/>
+                </a:solidFill>
+                <a:effectLst/>
+                <a:latin typeface="+mn-lt"/>
+                <a:ea typeface="+mn-ea"/>
+                <a:cs typeface="+mn-cs"/>
+              </a:rPr>
+              <a:t>字面量是数字，字符串，一般用来表示实体的属性值。</a:t>
+            </a:r>
+          </a:p>
+          <a:p>
             <a:endParaRPr lang="zh-CN" altLang="en-US" dirty="0"/>
           </a:p>
         </p:txBody>
@@ -5583,6 +8729,44 @@
           <a:bodyPr/>
           <a:lstStyle/>
           <a:p>
+            <a:r>
+              <a:rPr lang="zh-CN" altLang="en-US" sz="1200" b="0" i="0" kern="1200" dirty="0" smtClean="0">
+                <a:solidFill>
+                  <a:schemeClr val="tx1"/>
+                </a:solidFill>
+                <a:effectLst/>
+                <a:latin typeface="+mn-lt"/>
+                <a:ea typeface="+mn-ea"/>
+                <a:cs typeface="+mn-cs"/>
+              </a:rPr>
+              <a:t>这是我画的一个</a:t>
+            </a:r>
+            <a:r>
+              <a:rPr lang="en-US" altLang="zh-CN" sz="1200" b="0" i="0" kern="1200" dirty="0" smtClean="0">
+                <a:solidFill>
+                  <a:schemeClr val="tx1"/>
+                </a:solidFill>
+                <a:effectLst/>
+                <a:latin typeface="+mn-lt"/>
+                <a:ea typeface="+mn-ea"/>
+                <a:cs typeface="+mn-cs"/>
+              </a:rPr>
+              <a:t>RDF</a:t>
+            </a:r>
+            <a:r>
+              <a:rPr lang="zh-CN" altLang="en-US" sz="1200" b="0" i="0" kern="1200" dirty="0" smtClean="0">
+                <a:solidFill>
+                  <a:schemeClr val="tx1"/>
+                </a:solidFill>
+                <a:effectLst/>
+                <a:latin typeface="+mn-lt"/>
+                <a:ea typeface="+mn-ea"/>
+                <a:cs typeface="+mn-cs"/>
+              </a:rPr>
+              <a:t>图，圆圈代表实体或者资源， 方框代表实体的属性值， 边代表实体之间的语义关系，或者实体的属性。</a:t>
+            </a:r>
+          </a:p>
+          <a:p>
             <a:endParaRPr lang="zh-CN" altLang="en-US" dirty="0"/>
           </a:p>
         </p:txBody>
@@ -5668,17 +8852,93 @@
           <a:lstStyle/>
           <a:p>
             <a:r>
-              <a:rPr lang="zh-CN" altLang="en-US" dirty="0" smtClean="0"/>
+              <a:rPr lang="zh-CN" altLang="en-US" sz="1200" b="0" i="0" kern="1200" dirty="0" smtClean="0">
+                <a:solidFill>
+                  <a:schemeClr val="tx1"/>
+                </a:solidFill>
+                <a:effectLst/>
+                <a:latin typeface="+mn-lt"/>
+                <a:ea typeface="+mn-ea"/>
+                <a:cs typeface="+mn-cs"/>
+              </a:rPr>
               <a:t>我们怎么存储或者传输</a:t>
             </a:r>
             <a:r>
-              <a:rPr lang="en-US" altLang="zh-CN" dirty="0" smtClean="0"/>
+              <a:rPr lang="en-US" altLang="zh-CN" sz="1200" b="0" i="0" kern="1200" dirty="0" smtClean="0">
+                <a:solidFill>
+                  <a:schemeClr val="tx1"/>
+                </a:solidFill>
+                <a:effectLst/>
+                <a:latin typeface="+mn-lt"/>
+                <a:ea typeface="+mn-ea"/>
+                <a:cs typeface="+mn-cs"/>
+              </a:rPr>
               <a:t>RDF</a:t>
             </a:r>
             <a:r>
-              <a:rPr lang="zh-CN" altLang="en-US" dirty="0" smtClean="0"/>
-              <a:t>数据</a:t>
-            </a:r>
+              <a:rPr lang="zh-CN" altLang="en-US" sz="1200" b="0" i="0" kern="1200" dirty="0" smtClean="0">
+                <a:solidFill>
+                  <a:schemeClr val="tx1"/>
+                </a:solidFill>
+                <a:effectLst/>
+                <a:latin typeface="+mn-lt"/>
+                <a:ea typeface="+mn-ea"/>
+                <a:cs typeface="+mn-cs"/>
+              </a:rPr>
+              <a:t>数据？</a:t>
+            </a:r>
+          </a:p>
+          <a:p>
+            <a:r>
+              <a:rPr lang="zh-CN" altLang="en-US" sz="1200" b="0" i="0" kern="1200" dirty="0" smtClean="0">
+                <a:solidFill>
+                  <a:schemeClr val="tx1"/>
+                </a:solidFill>
+                <a:effectLst/>
+                <a:latin typeface="+mn-lt"/>
+                <a:ea typeface="+mn-ea"/>
+                <a:cs typeface="+mn-cs"/>
+              </a:rPr>
+              <a:t>现在主要存在三种</a:t>
+            </a:r>
+            <a:r>
+              <a:rPr lang="en-US" altLang="zh-CN" sz="1200" b="0" i="0" kern="1200" dirty="0" smtClean="0">
+                <a:solidFill>
+                  <a:schemeClr val="tx1"/>
+                </a:solidFill>
+                <a:effectLst/>
+                <a:latin typeface="+mn-lt"/>
+                <a:ea typeface="+mn-ea"/>
+                <a:cs typeface="+mn-cs"/>
+              </a:rPr>
+              <a:t>RDF</a:t>
+            </a:r>
+            <a:r>
+              <a:rPr lang="zh-CN" altLang="en-US" sz="1200" b="0" i="0" kern="1200" dirty="0" smtClean="0">
+                <a:solidFill>
+                  <a:schemeClr val="tx1"/>
+                </a:solidFill>
+                <a:effectLst/>
+                <a:latin typeface="+mn-lt"/>
+                <a:ea typeface="+mn-ea"/>
+                <a:cs typeface="+mn-cs"/>
+              </a:rPr>
+              <a:t>序列化标准。分别是</a:t>
+            </a:r>
+            <a:r>
+              <a:rPr lang="en-US" altLang="zh-CN" sz="1200" b="0" i="0" kern="1200" dirty="0" smtClean="0">
+                <a:solidFill>
+                  <a:schemeClr val="tx1"/>
+                </a:solidFill>
+                <a:effectLst/>
+                <a:latin typeface="+mn-lt"/>
+                <a:ea typeface="+mn-ea"/>
+                <a:cs typeface="+mn-cs"/>
+              </a:rPr>
+              <a:t>RDF/XML, Turtle, N-Triples.</a:t>
+            </a:r>
+          </a:p>
+          <a:p>
             <a:endParaRPr lang="zh-CN" altLang="en-US" dirty="0"/>
           </a:p>
         </p:txBody>
@@ -5857,7 +9117,19 @@
                 <a:ea typeface="+mn-ea"/>
                 <a:cs typeface="+mn-cs"/>
               </a:rPr>
-              <a:t>技术比较成熟，有很多现成的工具来存储和进行解析</a:t>
+              <a:t>技术比较成熟，有很多现成的工具来存储</a:t>
+            </a:r>
+            <a:r>
+              <a:rPr lang="zh-CN" altLang="en-US" sz="1200" b="0" i="0" kern="1200" dirty="0" smtClean="0">
+                <a:solidFill>
+                  <a:schemeClr val="tx1"/>
+                </a:solidFill>
+                <a:effectLst/>
+                <a:latin typeface="+mn-lt"/>
+                <a:ea typeface="+mn-ea"/>
+                <a:cs typeface="+mn-cs"/>
+              </a:rPr>
+              <a:t>和解析</a:t>
             </a:r>
             <a:r>
               <a:rPr lang="en-US" altLang="zh-CN" sz="1200" b="0" i="0" kern="1200" dirty="0" smtClean="0">
@@ -5881,7 +9153,42 @@
                 <a:ea typeface="+mn-ea"/>
                 <a:cs typeface="+mn-cs"/>
               </a:rPr>
-              <a:t>。然而，对于</a:t>
+              <a:t>。</a:t>
+            </a:r>
+            <a:endParaRPr lang="en-US" altLang="zh-CN" sz="1200" b="0" i="0" kern="1200" dirty="0" smtClean="0">
+              <a:solidFill>
+                <a:schemeClr val="tx1"/>
+              </a:solidFill>
+              <a:effectLst/>
+              <a:latin typeface="+mn-lt"/>
+              <a:ea typeface="+mn-ea"/>
+              <a:cs typeface="+mn-cs"/>
+            </a:endParaRPr>
+          </a:p>
+          <a:p>
+            <a:r>
+              <a:rPr lang="zh-CN" altLang="en-US" sz="1200" b="0" i="0" kern="1200" dirty="0" smtClean="0">
+                <a:solidFill>
+                  <a:schemeClr val="tx1"/>
+                </a:solidFill>
+                <a:effectLst/>
+                <a:latin typeface="+mn-lt"/>
+                <a:ea typeface="+mn-ea"/>
+                <a:cs typeface="+mn-cs"/>
+              </a:rPr>
+              <a:t>然</a:t>
+            </a:r>
+            <a:r>
+              <a:rPr lang="zh-CN" altLang="en-US" sz="1200" b="0" i="0" kern="1200" dirty="0" smtClean="0">
+                <a:solidFill>
+                  <a:schemeClr val="tx1"/>
+                </a:solidFill>
+                <a:effectLst/>
+                <a:latin typeface="+mn-lt"/>
+                <a:ea typeface="+mn-ea"/>
+                <a:cs typeface="+mn-cs"/>
+              </a:rPr>
+              <a:t>而，对于</a:t>
             </a:r>
             <a:r>
               <a:rPr lang="en-US" altLang="zh-CN" sz="1200" b="0" i="0" kern="1200" dirty="0" smtClean="0">
@@ -5953,7 +9260,53 @@
                 <a:ea typeface="+mn-ea"/>
                 <a:cs typeface="+mn-cs"/>
               </a:rPr>
-              <a:t>数据。</a:t>
+              <a:t>数据</a:t>
+            </a:r>
+            <a:r>
+              <a:rPr lang="zh-CN" altLang="en-US" sz="1200" b="0" i="0" kern="1200" dirty="0" smtClean="0">
+                <a:solidFill>
+                  <a:schemeClr val="tx1"/>
+                </a:solidFill>
+                <a:effectLst/>
+                <a:latin typeface="+mn-lt"/>
+                <a:ea typeface="+mn-ea"/>
+                <a:cs typeface="+mn-cs"/>
+              </a:rPr>
+              <a:t>。</a:t>
+            </a:r>
+            <a:endParaRPr lang="en-US" altLang="zh-CN" sz="1200" b="0" i="0" kern="1200" dirty="0" smtClean="0">
+              <a:solidFill>
+                <a:schemeClr val="tx1"/>
+              </a:solidFill>
+              <a:effectLst/>
+              <a:latin typeface="+mn-lt"/>
+              <a:ea typeface="+mn-ea"/>
+              <a:cs typeface="+mn-cs"/>
+            </a:endParaRPr>
+          </a:p>
+          <a:p>
+            <a:endParaRPr lang="en-US" altLang="zh-CN" sz="1200" b="0" i="0" kern="1200" dirty="0" smtClean="0">
+              <a:solidFill>
+                <a:schemeClr val="tx1"/>
+              </a:solidFill>
+              <a:effectLst/>
+              <a:latin typeface="+mn-lt"/>
+              <a:ea typeface="+mn-ea"/>
+              <a:cs typeface="+mn-cs"/>
+            </a:endParaRPr>
+          </a:p>
+          <a:p>
+            <a:r>
+              <a:rPr lang="zh-CN" altLang="en-US" sz="1200" b="0" i="0" kern="1200" dirty="0" smtClean="0">
+                <a:solidFill>
+                  <a:schemeClr val="tx1"/>
+                </a:solidFill>
+                <a:effectLst/>
+                <a:latin typeface="+mn-lt"/>
+                <a:ea typeface="+mn-ea"/>
+                <a:cs typeface="+mn-cs"/>
+              </a:rPr>
+              <a:t>关系  以及它对应的实体。</a:t>
             </a:r>
             <a:endParaRPr lang="zh-CN" altLang="en-US" dirty="0"/>
           </a:p>
@@ -9289,6 +12642,116 @@
           </a:p>
         </p:txBody>
       </p:sp>
+      <p:sp>
+        <p:nvSpPr>
+          <p:cNvPr id="2" name="矩形 1"/>
+          <p:cNvSpPr/>
+          <p:nvPr/>
+        </p:nvSpPr>
+        <p:spPr>
+          <a:xfrm>
+            <a:off x="6700814" y="5700807"/>
+            <a:ext cx="2550699" cy="923330"/>
+          </a:xfrm>
+          <a:prstGeom prst="rect">
+            <a:avLst/>
+          </a:prstGeom>
+          <a:noFill/>
+        </p:spPr>
+        <p:txBody>
+          <a:bodyPr wrap="none" lIns="91440" tIns="45720" rIns="91440" bIns="45720">
+            <a:spAutoFit/>
+          </a:bodyPr>
+          <a:lstStyle/>
+          <a:p>
+            <a:pPr algn="ctr"/>
+            <a:r>
+              <a:rPr lang="en-US" altLang="zh-CN" sz="5400" dirty="0" err="1" smtClean="0">
+                <a:ln w="0"/>
+                <a:solidFill>
+                  <a:schemeClr val="accent1"/>
+                </a:solidFill>
+                <a:effectLst>
+                  <a:outerShdw blurRad="38100" dist="25400" dir="5400000" algn="ctr" rotWithShape="0">
+                    <a:srgbClr val="6E747A">
+                      <a:alpha val="43000"/>
+                    </a:srgbClr>
+                  </a:outerShdw>
+                </a:effectLst>
+              </a:rPr>
+              <a:t>DBpedia</a:t>
+            </a:r>
+            <a:endParaRPr lang="zh-CN" altLang="en-US" sz="5400" dirty="0">
+              <a:ln w="0"/>
+              <a:solidFill>
+                <a:schemeClr val="accent1"/>
+              </a:solidFill>
+              <a:effectLst>
+                <a:outerShdw blurRad="38100" dist="25400" dir="5400000" algn="ctr" rotWithShape="0">
+                  <a:srgbClr val="6E747A">
+                    <a:alpha val="43000"/>
+                  </a:srgbClr>
+                </a:outerShdw>
+              </a:effectLst>
+            </a:endParaRPr>
+          </a:p>
+        </p:txBody>
+      </p:sp>
+      <p:sp>
+        <p:nvSpPr>
+          <p:cNvPr id="4" name="矩形 3"/>
+          <p:cNvSpPr/>
+          <p:nvPr/>
+        </p:nvSpPr>
+        <p:spPr>
+          <a:xfrm>
+            <a:off x="554822" y="5700807"/>
+            <a:ext cx="2677656" cy="923330"/>
+          </a:xfrm>
+          <a:prstGeom prst="rect">
+            <a:avLst/>
+          </a:prstGeom>
+          <a:noFill/>
+        </p:spPr>
+        <p:txBody>
+          <a:bodyPr wrap="none" lIns="91440" tIns="45720" rIns="91440" bIns="45720">
+            <a:spAutoFit/>
+          </a:bodyPr>
+          <a:lstStyle/>
+          <a:p>
+            <a:pPr algn="ctr"/>
+            <a:r>
+              <a:rPr lang="en-US" altLang="zh-CN" sz="5400" dirty="0" smtClean="0">
+                <a:ln w="0"/>
+                <a:solidFill>
+                  <a:schemeClr val="accent1"/>
+                </a:solidFill>
+                <a:effectLst>
+                  <a:outerShdw blurRad="38100" dist="25400" dir="5400000" algn="ctr" rotWithShape="0">
+                    <a:srgbClr val="6E747A">
+                      <a:alpha val="43000"/>
+                    </a:srgbClr>
+                  </a:outerShdw>
+                </a:effectLst>
+              </a:rPr>
+              <a:t>N-Triples</a:t>
+            </a:r>
+            <a:endParaRPr lang="zh-CN" altLang="en-US" sz="5400" b="0" cap="none" spc="0" dirty="0">
+              <a:ln w="0"/>
+              <a:solidFill>
+                <a:schemeClr val="accent1"/>
+              </a:solidFill>
+              <a:effectLst>
+                <a:outerShdw blurRad="38100" dist="25400" dir="5400000" algn="ctr" rotWithShape="0">
+                  <a:srgbClr val="6E747A">
+                    <a:alpha val="43000"/>
+                  </a:srgbClr>
+                </a:outerShdw>
+              </a:effectLst>
+            </a:endParaRPr>
+          </a:p>
+        </p:txBody>
+      </p:sp>
     </p:spTree>
     <p:extLst>
       <p:ext uri="{BB962C8B-B14F-4D97-AF65-F5344CB8AC3E}">
@@ -9608,7 +13071,7 @@
           <p:nvPr/>
         </p:nvPicPr>
         <p:blipFill>
-          <a:blip r:embed="rId2">
+          <a:blip r:embed="rId3">
             <a:extLst>
               <a:ext uri="{28A0092B-C50C-407E-A947-70E740481C1C}">
                 <a14:useLocalDpi xmlns:a14="http://schemas.microsoft.com/office/drawing/2010/main" val="0"/>
@@ -11908,6 +15371,288 @@
           </a:prstGeom>
         </p:spPr>
       </p:pic>
+      <p:graphicFrame>
+        <p:nvGraphicFramePr>
+          <p:cNvPr id="2" name="表格 1"/>
+          <p:cNvGraphicFramePr>
+            <a:graphicFrameLocks noGrp="1"/>
+          </p:cNvGraphicFramePr>
+          <p:nvPr>
+            <p:extLst>
+              <p:ext uri="{D42A27DB-BD31-4B8C-83A1-F6EECF244321}">
+                <p14:modId xmlns:p14="http://schemas.microsoft.com/office/powerpoint/2010/main" val="2414248957"/>
+              </p:ext>
+            </p:extLst>
+          </p:nvPr>
+        </p:nvGraphicFramePr>
+        <p:xfrm>
+          <a:off x="199807" y="5452648"/>
+          <a:ext cx="3218769" cy="1112520"/>
+        </p:xfrm>
+        <a:graphic>
+          <a:graphicData uri="http://schemas.openxmlformats.org/drawingml/2006/table">
+            <a:tbl>
+              <a:tblPr firstRow="1" bandRow="1">
+                <a:tableStyleId>{5C22544A-7EE6-4342-B048-85BDC9FD1C3A}</a:tableStyleId>
+              </a:tblPr>
+              <a:tblGrid>
+                <a:gridCol w="854709"/>
+                <a:gridCol w="758283"/>
+                <a:gridCol w="1605777"/>
+              </a:tblGrid>
+              <a:tr h="370840">
+                <a:tc>
+                  <a:txBody>
+                    <a:bodyPr/>
+                    <a:lstStyle/>
+                    <a:p>
+                      <a:r>
+                        <a:rPr lang="en-US" altLang="zh-CN" dirty="0" smtClean="0"/>
+                        <a:t>name</a:t>
+                      </a:r>
+                      <a:endParaRPr lang="zh-CN" altLang="en-US" dirty="0"/>
+                    </a:p>
+                  </a:txBody>
+                  <a:tcPr/>
+                </a:tc>
+                <a:tc>
+                  <a:txBody>
+                    <a:bodyPr/>
+                    <a:lstStyle/>
+                    <a:p>
+                      <a:r>
+                        <a:rPr lang="en-US" altLang="zh-CN" dirty="0" smtClean="0"/>
+                        <a:t>age</a:t>
+                      </a:r>
+                      <a:endParaRPr lang="zh-CN" altLang="en-US" dirty="0"/>
+                    </a:p>
+                  </a:txBody>
+                  <a:tcPr/>
+                </a:tc>
+                <a:tc>
+                  <a:txBody>
+                    <a:bodyPr/>
+                    <a:lstStyle/>
+                    <a:p>
+                      <a:r>
+                        <a:rPr lang="en-US" altLang="zh-CN" dirty="0" smtClean="0"/>
+                        <a:t>job</a:t>
+                      </a:r>
+                      <a:endParaRPr lang="zh-CN" altLang="en-US" dirty="0"/>
+                    </a:p>
+                  </a:txBody>
+                  <a:tcPr/>
+                </a:tc>
+              </a:tr>
+              <a:tr h="370840">
+                <a:tc>
+                  <a:txBody>
+                    <a:bodyPr/>
+                    <a:lstStyle/>
+                    <a:p>
+                      <a:r>
+                        <a:rPr lang="en-US" altLang="zh-CN" dirty="0" smtClean="0"/>
+                        <a:t>“Tom”</a:t>
+                      </a:r>
+                      <a:endParaRPr lang="zh-CN" altLang="en-US" dirty="0"/>
+                    </a:p>
+                  </a:txBody>
+                  <a:tcPr/>
+                </a:tc>
+                <a:tc>
+                  <a:txBody>
+                    <a:bodyPr/>
+                    <a:lstStyle/>
+                    <a:p>
+                      <a:r>
+                        <a:rPr lang="en-US" altLang="zh-CN" dirty="0" smtClean="0"/>
+                        <a:t>56</a:t>
+                      </a:r>
+                      <a:endParaRPr lang="zh-CN" altLang="en-US" dirty="0"/>
+                    </a:p>
+                  </a:txBody>
+                  <a:tcPr/>
+                </a:tc>
+                <a:tc>
+                  <a:txBody>
+                    <a:bodyPr/>
+                    <a:lstStyle/>
+                    <a:p>
+                      <a:r>
+                        <a:rPr lang="en-US" altLang="zh-CN" dirty="0" smtClean="0"/>
+                        <a:t>“worker”</a:t>
+                      </a:r>
+                      <a:endParaRPr lang="zh-CN" altLang="en-US" dirty="0"/>
+                    </a:p>
+                  </a:txBody>
+                  <a:tcPr/>
+                </a:tc>
+              </a:tr>
+              <a:tr h="370840">
+                <a:tc>
+                  <a:txBody>
+                    <a:bodyPr/>
+                    <a:lstStyle/>
+                    <a:p>
+                      <a:r>
+                        <a:rPr lang="en-US" altLang="zh-CN" dirty="0" smtClean="0"/>
+                        <a:t>“Jim”</a:t>
+                      </a:r>
+                      <a:endParaRPr lang="zh-CN" altLang="en-US" dirty="0"/>
+                    </a:p>
+                  </a:txBody>
+                  <a:tcPr/>
+                </a:tc>
+                <a:tc>
+                  <a:txBody>
+                    <a:bodyPr/>
+                    <a:lstStyle/>
+                    <a:p>
+                      <a:r>
+                        <a:rPr lang="en-US" altLang="zh-CN" dirty="0" smtClean="0"/>
+                        <a:t>28</a:t>
+                      </a:r>
+                      <a:endParaRPr lang="zh-CN" altLang="en-US" dirty="0"/>
+                    </a:p>
+                  </a:txBody>
+                  <a:tcPr/>
+                </a:tc>
+                <a:tc>
+                  <a:txBody>
+                    <a:bodyPr/>
+                    <a:lstStyle/>
+                    <a:p>
+                      <a:r>
+                        <a:rPr lang="en-US" altLang="zh-CN" dirty="0" smtClean="0"/>
+                        <a:t>“programmer”</a:t>
+                      </a:r>
+                      <a:endParaRPr lang="zh-CN" altLang="en-US" dirty="0"/>
+                    </a:p>
+                  </a:txBody>
+                  <a:tcPr/>
+                </a:tc>
+              </a:tr>
+            </a:tbl>
+          </a:graphicData>
+        </a:graphic>
+      </p:graphicFrame>
+      <p:graphicFrame>
+        <p:nvGraphicFramePr>
+          <p:cNvPr id="3" name="表格 2"/>
+          <p:cNvGraphicFramePr>
+            <a:graphicFrameLocks noGrp="1"/>
+          </p:cNvGraphicFramePr>
+          <p:nvPr>
+            <p:extLst>
+              <p:ext uri="{D42A27DB-BD31-4B8C-83A1-F6EECF244321}">
+                <p14:modId xmlns:p14="http://schemas.microsoft.com/office/powerpoint/2010/main" val="55370249"/>
+              </p:ext>
+            </p:extLst>
+          </p:nvPr>
+        </p:nvGraphicFramePr>
+        <p:xfrm>
+          <a:off x="8887521" y="5452648"/>
+          <a:ext cx="2732049" cy="736600"/>
+        </p:xfrm>
+        <a:graphic>
+          <a:graphicData uri="http://schemas.openxmlformats.org/drawingml/2006/table">
+            <a:tbl>
+              <a:tblPr firstRow="1" bandRow="1">
+                <a:tableStyleId>{21E4AEA4-8DFA-4A89-87EB-49C32662AFE0}</a:tableStyleId>
+              </a:tblPr>
+              <a:tblGrid>
+                <a:gridCol w="910683"/>
+                <a:gridCol w="910683"/>
+                <a:gridCol w="910683"/>
+              </a:tblGrid>
+              <a:tr h="353462">
+                <a:tc>
+                  <a:txBody>
+                    <a:bodyPr/>
+                    <a:lstStyle/>
+                    <a:p>
+                      <a:r>
+                        <a:rPr lang="en-US" altLang="zh-CN" dirty="0" smtClean="0"/>
+                        <a:t>name</a:t>
+                      </a:r>
+                      <a:endParaRPr lang="zh-CN" altLang="en-US" dirty="0"/>
+                    </a:p>
+                  </a:txBody>
+                  <a:tcPr/>
+                </a:tc>
+                <a:tc>
+                  <a:txBody>
+                    <a:bodyPr/>
+                    <a:lstStyle/>
+                    <a:p>
+                      <a:r>
+                        <a:rPr lang="en-US" altLang="zh-CN" dirty="0" smtClean="0"/>
+                        <a:t>age</a:t>
+                      </a:r>
+                      <a:endParaRPr lang="zh-CN" altLang="en-US" dirty="0"/>
+                    </a:p>
+                  </a:txBody>
+                  <a:tcPr/>
+                </a:tc>
+                <a:tc>
+                  <a:txBody>
+                    <a:bodyPr/>
+                    <a:lstStyle/>
+                    <a:p>
+                      <a:r>
+                        <a:rPr lang="en-US" altLang="zh-CN" dirty="0" smtClean="0"/>
+                        <a:t>job</a:t>
+                      </a:r>
+                      <a:endParaRPr lang="zh-CN" altLang="en-US" dirty="0"/>
+                    </a:p>
+                  </a:txBody>
+                  <a:tcPr/>
+                </a:tc>
+              </a:tr>
+              <a:tr h="370840">
+                <a:tc>
+                  <a:txBody>
+                    <a:bodyPr/>
+                    <a:lstStyle/>
+                    <a:p>
+                      <a:r>
+                        <a:rPr lang="en-US" altLang="zh-CN" dirty="0" smtClean="0"/>
+                        <a:t>“cherry”</a:t>
+                      </a:r>
+                      <a:endParaRPr lang="zh-CN" altLang="en-US" dirty="0"/>
+                    </a:p>
+                  </a:txBody>
+                  <a:tcPr/>
+                </a:tc>
+                <a:tc>
+                  <a:txBody>
+                    <a:bodyPr/>
+                    <a:lstStyle/>
+                    <a:p>
+                      <a:r>
+                        <a:rPr lang="en-US" altLang="zh-CN" dirty="0" smtClean="0"/>
+                        <a:t>8</a:t>
+                      </a:r>
+                      <a:endParaRPr lang="zh-CN" altLang="en-US" dirty="0"/>
+                    </a:p>
+                  </a:txBody>
+                  <a:tcPr/>
+                </a:tc>
+                <a:tc>
+                  <a:txBody>
+                    <a:bodyPr/>
+                    <a:lstStyle/>
+                    <a:p>
+                      <a:endParaRPr lang="zh-CN" altLang="en-US" dirty="0"/>
+                    </a:p>
+                  </a:txBody>
+                  <a:tcPr/>
+                </a:tc>
+              </a:tr>
+            </a:tbl>
+          </a:graphicData>
+        </a:graphic>
+      </p:graphicFrame>
     </p:spTree>
     <p:extLst>
       <p:ext uri="{BB962C8B-B14F-4D97-AF65-F5344CB8AC3E}">
@@ -12051,6 +15796,204 @@
                                           </p:stCondLst>
                                         </p:cTn>
                                         <p:tgtEl>
+                                          <p:spTgt spid="2"/>
+                                        </p:tgtEl>
+                                        <p:attrNameLst>
+                                          <p:attrName>style.visibility</p:attrName>
+                                        </p:attrNameLst>
+                                      </p:cBhvr>
+                                      <p:to>
+                                        <p:strVal val="visible"/>
+                                      </p:to>
+                                    </p:set>
+                                    <p:animEffect transition="in" filter="fade">
+                                      <p:cBhvr>
+                                        <p:cTn id="14" dur="900"/>
+                                        <p:tgtEl>
+                                          <p:spTgt spid="2"/>
+                                        </p:tgtEl>
+                                      </p:cBhvr>
+                                    </p:animEffect>
+                                    <p:anim calcmode="lin" valueType="num">
+                                      <p:cBhvr>
+                                        <p:cTn id="15" dur="900" fill="hold"/>
+                                        <p:tgtEl>
+                                          <p:spTgt spid="2"/>
+                                        </p:tgtEl>
+                                        <p:attrNameLst>
+                                          <p:attrName>ppt_x</p:attrName>
+                                        </p:attrNameLst>
+                                      </p:cBhvr>
+                                      <p:tavLst>
+                                        <p:tav tm="0">
+                                          <p:val>
+                                            <p:strVal val="#ppt_x"/>
+                                          </p:val>
+                                        </p:tav>
+                                        <p:tav tm="100000">
+                                          <p:val>
+                                            <p:strVal val="#ppt_x"/>
+                                          </p:val>
+                                        </p:tav>
+                                      </p:tavLst>
+                                    </p:anim>
+                                    <p:anim calcmode="lin" valueType="num">
+                                      <p:cBhvr>
+                                        <p:cTn id="16" dur="900" fill="hold"/>
+                                        <p:tgtEl>
+                                          <p:spTgt spid="2"/>
+                                        </p:tgtEl>
+                                        <p:attrNameLst>
+                                          <p:attrName>ppt_y</p:attrName>
+                                        </p:attrNameLst>
+                                      </p:cBhvr>
+                                      <p:tavLst>
+                                        <p:tav tm="0">
+                                          <p:val>
+                                            <p:strVal val="#ppt_y+.1"/>
+                                          </p:val>
+                                        </p:tav>
+                                        <p:tav tm="100000">
+                                          <p:val>
+                                            <p:strVal val="#ppt_y"/>
+                                          </p:val>
+                                        </p:tav>
+                                      </p:tavLst>
+                                    </p:anim>
+                                  </p:childTnLst>
+                                </p:cTn>
+                              </p:par>
+                            </p:childTnLst>
+                          </p:cTn>
+                        </p:par>
+                      </p:childTnLst>
+                    </p:cTn>
+                  </p:par>
+                  <p:par>
+                    <p:cTn id="17" fill="hold">
+                      <p:stCondLst>
+                        <p:cond delay="indefinite"/>
+                      </p:stCondLst>
+                      <p:childTnLst>
+                        <p:par>
+                          <p:cTn id="18" fill="hold">
+                            <p:stCondLst>
+                              <p:cond delay="0"/>
+                            </p:stCondLst>
+                            <p:childTnLst>
+                              <p:par>
+                                <p:cTn id="19" presetID="42" presetClass="entr" presetSubtype="0" fill="hold" nodeType="clickEffect">
+                                  <p:stCondLst>
+                                    <p:cond delay="0"/>
+                                  </p:stCondLst>
+                                  <p:childTnLst>
+                                    <p:set>
+                                      <p:cBhvr>
+                                        <p:cTn id="20" dur="1" fill="hold">
+                                          <p:stCondLst>
+                                            <p:cond delay="0"/>
+                                          </p:stCondLst>
+                                        </p:cTn>
+                                        <p:tgtEl>
+                                          <p:spTgt spid="3"/>
+                                        </p:tgtEl>
+                                        <p:attrNameLst>
+                                          <p:attrName>style.visibility</p:attrName>
+                                        </p:attrNameLst>
+                                      </p:cBhvr>
+                                      <p:to>
+                                        <p:strVal val="visible"/>
+                                      </p:to>
+                                    </p:set>
+                                    <p:animEffect transition="in" filter="fade">
+                                      <p:cBhvr>
+                                        <p:cTn id="21" dur="1000"/>
+                                        <p:tgtEl>
+                                          <p:spTgt spid="3"/>
+                                        </p:tgtEl>
+                                      </p:cBhvr>
+                                    </p:animEffect>
+                                    <p:anim calcmode="lin" valueType="num">
+                                      <p:cBhvr>
+                                        <p:cTn id="22" dur="1000" fill="hold"/>
+                                        <p:tgtEl>
+                                          <p:spTgt spid="3"/>
+                                        </p:tgtEl>
+                                        <p:attrNameLst>
+                                          <p:attrName>ppt_x</p:attrName>
+                                        </p:attrNameLst>
+                                      </p:cBhvr>
+                                      <p:tavLst>
+                                        <p:tav tm="0">
+                                          <p:val>
+                                            <p:strVal val="#ppt_x"/>
+                                          </p:val>
+                                        </p:tav>
+                                        <p:tav tm="100000">
+                                          <p:val>
+                                            <p:strVal val="#ppt_x"/>
+                                          </p:val>
+                                        </p:tav>
+                                      </p:tavLst>
+                                    </p:anim>
+                                    <p:anim calcmode="lin" valueType="num">
+                                      <p:cBhvr>
+                                        <p:cTn id="23" dur="1000" fill="hold"/>
+                                        <p:tgtEl>
+                                          <p:spTgt spid="3"/>
+                                        </p:tgtEl>
+                                        <p:attrNameLst>
+                                          <p:attrName>ppt_y</p:attrName>
+                                        </p:attrNameLst>
+                                      </p:cBhvr>
+                                      <p:tavLst>
+                                        <p:tav tm="0">
+                                          <p:val>
+                                            <p:strVal val="#ppt_y+.1"/>
+                                          </p:val>
+                                        </p:tav>
+                                        <p:tav tm="100000">
+                                          <p:val>
+                                            <p:strVal val="#ppt_y"/>
+                                          </p:val>
+                                        </p:tav>
+                                      </p:tavLst>
+                                    </p:anim>
+                                  </p:childTnLst>
+                                </p:cTn>
+                              </p:par>
+                            </p:childTnLst>
+                          </p:cTn>
+                        </p:par>
+                      </p:childTnLst>
+                    </p:cTn>
+                  </p:par>
+                  <p:par>
+                    <p:cTn id="24" fill="hold">
+                      <p:stCondLst>
+                        <p:cond delay="indefinite"/>
+                      </p:stCondLst>
+                      <p:childTnLst>
+                        <p:par>
+                          <p:cTn id="25" fill="hold">
+                            <p:stCondLst>
+                              <p:cond delay="0"/>
+                            </p:stCondLst>
+                            <p:childTnLst>
+                              <p:par>
+                                <p:cTn id="26" presetID="42" presetClass="entr" presetSubtype="0" fill="hold" nodeType="clickEffect">
+                                  <p:stCondLst>
+                                    <p:cond delay="0"/>
+                                  </p:stCondLst>
+                                  <p:childTnLst>
+                                    <p:set>
+                                      <p:cBhvr>
+                                        <p:cTn id="27" dur="1" fill="hold">
+                                          <p:stCondLst>
+                                            <p:cond delay="0"/>
+                                          </p:stCondLst>
+                                        </p:cTn>
+                                        <p:tgtEl>
                                           <p:spTgt spid="8"/>
                                         </p:tgtEl>
                                         <p:attrNameLst>
@@ -12063,7 +16006,7 @@
                                     </p:set>
                                     <p:animEffect transition="in" filter="fade">
                                       <p:cBhvr>
-                                        <p:cTn id="14" dur="500"/>
+                                        <p:cTn id="28" dur="1000"/>
                                         <p:tgtEl>
                                           <p:spTgt spid="8"/>
                                         </p:tgtEl>
@@ -12071,7 +16014,7 @@
                                     </p:animEffect>
                                     <p:anim calcmode="lin" valueType="num">
                                       <p:cBhvr>
-                                        <p:cTn id="15" dur="500" fill="hold"/>
+                                        <p:cTn id="29" dur="1000" fill="hold"/>
                                         <p:tgtEl>
                                           <p:spTgt spid="8"/>
                                         </p:tgtEl>
@@ -12094,7 +16037,7 @@
                                     </p:anim>
                                     <p:anim calcmode="lin" valueType="num">
                                       <p:cBhvr>
-                                        <p:cTn id="16" dur="500" fill="hold"/>
+                                        <p:cTn id="30" dur="1000" fill="hold"/>
                                         <p:tgtEl>
                                           <p:spTgt spid="8"/>
                                         </p:tgtEl>
@@ -12894,14 +16837,14 @@
           <p:nvPr>
             <p:extLst>
               <p:ext uri="{D42A27DB-BD31-4B8C-83A1-F6EECF244321}">
-                <p14:modId xmlns:p14="http://schemas.microsoft.com/office/powerpoint/2010/main" val="4102848362"/>
+                <p14:modId xmlns:p14="http://schemas.microsoft.com/office/powerpoint/2010/main" val="2042283872"/>
               </p:ext>
             </p:extLst>
           </p:nvPr>
         </p:nvGraphicFramePr>
         <p:xfrm>
           <a:off x="2946400" y="712516"/>
-          <a:ext cx="6886368" cy="1151909"/>
+          <a:ext cx="6886368" cy="1923371"/>
         </p:xfrm>
         <a:graphic>
           <a:graphicData uri="http://schemas.openxmlformats.org/drawingml/2006/table">
@@ -12913,21 +16856,21 @@
                 <a:gridCol w="2295456">
                   <a:extLst>
                     <a:ext uri="{9D8B030D-6E8A-4147-A177-3AD203B41FA5}">
-                      <a16:colId xmlns:a16="http://schemas.microsoft.com/office/drawing/2014/main" val="20000"/>
+                      <a16:colId xmlns:a16="http://schemas.microsoft.com/office/drawing/2014/main" xmlns="" val="20000"/>
                     </a:ext>
                   </a:extLst>
                 </a:gridCol>
                 <a:gridCol w="2295456">
                   <a:extLst>
                     <a:ext uri="{9D8B030D-6E8A-4147-A177-3AD203B41FA5}">
-                      <a16:colId xmlns:a16="http://schemas.microsoft.com/office/drawing/2014/main" val="20001"/>
+                      <a16:colId xmlns:a16="http://schemas.microsoft.com/office/drawing/2014/main" xmlns="" val="20001"/>
                     </a:ext>
                   </a:extLst>
                 </a:gridCol>
                 <a:gridCol w="2295456">
                   <a:extLst>
                     <a:ext uri="{9D8B030D-6E8A-4147-A177-3AD203B41FA5}">
-                      <a16:colId xmlns:a16="http://schemas.microsoft.com/office/drawing/2014/main" val="20002"/>
+                      <a16:colId xmlns:a16="http://schemas.microsoft.com/office/drawing/2014/main" xmlns="" val="20002"/>
                     </a:ext>
                   </a:extLst>
                 </a:gridCol>
@@ -12938,6 +16881,7 @@
                     <a:bodyPr/>
                     <a:lstStyle/>
                     <a:p>
+                      <a:pPr algn="ctr"/>
                       <a:r>
                         <a:rPr lang="en-US" altLang="zh-CN" dirty="0" smtClean="0"/>
                         <a:t>Subject</a:t>
@@ -12952,6 +16896,7 @@
                     <a:bodyPr/>
                     <a:lstStyle/>
                     <a:p>
+                      <a:pPr algn="ctr"/>
                       <a:r>
                         <a:rPr lang="en-US" altLang="zh-CN" dirty="0" smtClean="0"/>
                         <a:t>Predicate</a:t>
@@ -12966,6 +16911,7 @@
                     <a:bodyPr/>
                     <a:lstStyle/>
                     <a:p>
+                      <a:pPr algn="ctr"/>
                       <a:r>
                         <a:rPr lang="en-US" altLang="zh-CN" dirty="0" smtClean="0"/>
                         <a:t>Object</a:t>
@@ -12977,7 +16923,7 @@
                 </a:tc>
                 <a:extLst>
                   <a:ext uri="{0D108BD9-81ED-4DB2-BD59-A6C34878D82A}">
-                    <a16:rowId xmlns:a16="http://schemas.microsoft.com/office/drawing/2014/main" val="10000"/>
+                    <a16:rowId xmlns:a16="http://schemas.microsoft.com/office/drawing/2014/main" xmlns="" val="10000"/>
                   </a:ext>
                 </a:extLst>
               </a:tr>
@@ -12987,6 +16933,7 @@
                     <a:bodyPr/>
                     <a:lstStyle/>
                     <a:p>
+                      <a:pPr algn="ctr"/>
                       <a:r>
                         <a:rPr lang="en-US" altLang="zh-CN" dirty="0" smtClean="0"/>
                         <a:t>Tom</a:t>
@@ -13001,6 +16948,7 @@
                     <a:bodyPr/>
                     <a:lstStyle/>
                     <a:p>
+                      <a:pPr algn="ctr"/>
                       <a:r>
                         <a:rPr lang="en-US" altLang="zh-CN" dirty="0" err="1" smtClean="0"/>
                         <a:t>Info:name</a:t>
@@ -13015,6 +16963,7 @@
                     <a:bodyPr/>
                     <a:lstStyle/>
                     <a:p>
+                      <a:pPr algn="ctr"/>
                       <a:r>
                         <a:rPr lang="en-US" altLang="zh-CN" dirty="0" smtClean="0"/>
                         <a:t>“Tom”</a:t>
@@ -13026,7 +16975,7 @@
                 </a:tc>
                 <a:extLst>
                   <a:ext uri="{0D108BD9-81ED-4DB2-BD59-A6C34878D82A}">
-                    <a16:rowId xmlns:a16="http://schemas.microsoft.com/office/drawing/2014/main" val="10001"/>
+                    <a16:rowId xmlns:a16="http://schemas.microsoft.com/office/drawing/2014/main" xmlns="" val="10001"/>
                   </a:ext>
                 </a:extLst>
               </a:tr>
@@ -13036,6 +16985,7 @@
                     <a:bodyPr/>
                     <a:lstStyle/>
                     <a:p>
+                      <a:pPr algn="ctr"/>
                       <a:r>
                         <a:rPr lang="en-US" altLang="zh-CN" dirty="0" smtClean="0"/>
                         <a:t>Jim</a:t>
@@ -13050,6 +17000,7 @@
                     <a:bodyPr/>
                     <a:lstStyle/>
                     <a:p>
+                      <a:pPr algn="ctr"/>
                       <a:r>
                         <a:rPr lang="en-US" altLang="zh-CN" dirty="0" err="1" smtClean="0"/>
                         <a:t>Info:name</a:t>
@@ -13064,6 +17015,7 @@
                     <a:bodyPr/>
                     <a:lstStyle/>
                     <a:p>
+                      <a:pPr algn="ctr"/>
                       <a:r>
                         <a:rPr lang="en-US" altLang="zh-CN" dirty="0" smtClean="0"/>
                         <a:t>“Jim”</a:t>
@@ -13075,9 +17027,103 @@
                 </a:tc>
                 <a:extLst>
                   <a:ext uri="{0D108BD9-81ED-4DB2-BD59-A6C34878D82A}">
-                    <a16:rowId xmlns:a16="http://schemas.microsoft.com/office/drawing/2014/main" val="10002"/>
+                    <a16:rowId xmlns:a16="http://schemas.microsoft.com/office/drawing/2014/main" xmlns="" val="10002"/>
                   </a:ext>
                 </a:extLst>
+              </a:tr>
+              <a:tr h="385731">
+                <a:tc>
+                  <a:txBody>
+                    <a:bodyPr/>
+                    <a:lstStyle/>
+                    <a:p>
+                      <a:pPr algn="ctr"/>
+                      <a:r>
+                        <a:rPr lang="en-US" altLang="zh-CN" dirty="0" smtClean="0"/>
+                        <a:t>Jim</a:t>
+                      </a:r>
+                      <a:endParaRPr lang="zh-CN" altLang="en-US" dirty="0"/>
+                    </a:p>
+                  </a:txBody>
+                  <a:tcPr/>
+                </a:tc>
+                <a:tc>
+                  <a:txBody>
+                    <a:bodyPr/>
+                    <a:lstStyle/>
+                    <a:p>
+                      <a:pPr algn="ctr"/>
+                      <a:r>
+                        <a:rPr lang="en-US" altLang="zh-CN" dirty="0" err="1" smtClean="0"/>
+                        <a:t>rel:fatheof</a:t>
+                      </a:r>
+                      <a:endParaRPr lang="zh-CN" altLang="en-US" dirty="0"/>
+                    </a:p>
+                  </a:txBody>
+                  <a:tcPr/>
+                </a:tc>
+                <a:tc>
+                  <a:txBody>
+                    <a:bodyPr/>
+                    <a:lstStyle/>
+                    <a:p>
+                      <a:pPr algn="ctr"/>
+                      <a:r>
+                        <a:rPr lang="en-US" altLang="zh-CN" dirty="0" smtClean="0"/>
+                        <a:t>Cherry</a:t>
+                      </a:r>
+                      <a:endParaRPr lang="zh-CN" altLang="en-US" dirty="0"/>
+                    </a:p>
+                  </a:txBody>
+                  <a:tcPr/>
+                </a:tc>
+              </a:tr>
+              <a:tr h="385731">
+                <a:tc>
+                  <a:txBody>
+                    <a:bodyPr/>
+                    <a:lstStyle/>
+                    <a:p>
+                      <a:pPr algn="ctr"/>
+                      <a:r>
+                        <a:rPr lang="en-US" altLang="zh-CN" dirty="0" smtClean="0"/>
+                        <a:t>……</a:t>
+                      </a:r>
+                      <a:endParaRPr lang="zh-CN" altLang="en-US" dirty="0"/>
+                    </a:p>
+                  </a:txBody>
+                  <a:tcPr/>
+                </a:tc>
+                <a:tc>
+                  <a:txBody>
+                    <a:bodyPr/>
+                    <a:lstStyle/>
+                    <a:p>
+                      <a:pPr algn="ctr"/>
+                      <a:r>
+                        <a:rPr lang="en-US" altLang="zh-CN" dirty="0" smtClean="0"/>
+                        <a:t>……</a:t>
+                      </a:r>
+                      <a:endParaRPr lang="zh-CN" altLang="en-US" dirty="0"/>
+                    </a:p>
+                  </a:txBody>
+                  <a:tcPr/>
+                </a:tc>
+                <a:tc>
+                  <a:txBody>
+                    <a:bodyPr/>
+                    <a:lstStyle/>
+                    <a:p>
+                      <a:pPr algn="ctr"/>
+                      <a:r>
+                        <a:rPr lang="en-US" altLang="zh-CN" dirty="0" smtClean="0"/>
+                        <a:t>……</a:t>
+                      </a:r>
+                      <a:endParaRPr lang="zh-CN" altLang="en-US" dirty="0"/>
+                    </a:p>
+                  </a:txBody>
+                  <a:tcPr/>
+                </a:tc>
               </a:tr>
             </a:tbl>
           </a:graphicData>
@@ -13092,13 +17138,13 @@
           <p:nvPr>
             <p:extLst>
               <p:ext uri="{D42A27DB-BD31-4B8C-83A1-F6EECF244321}">
-                <p14:modId xmlns:p14="http://schemas.microsoft.com/office/powerpoint/2010/main" val="3259617813"/>
+                <p14:modId xmlns:p14="http://schemas.microsoft.com/office/powerpoint/2010/main" val="3814170424"/>
               </p:ext>
             </p:extLst>
           </p:nvPr>
         </p:nvGraphicFramePr>
         <p:xfrm>
-          <a:off x="2946400" y="2756954"/>
+          <a:off x="2556107" y="3654632"/>
           <a:ext cx="3727116" cy="1112520"/>
         </p:xfrm>
         <a:graphic>
@@ -13111,21 +17157,21 @@
                 <a:gridCol w="1242372">
                   <a:extLst>
                     <a:ext uri="{9D8B030D-6E8A-4147-A177-3AD203B41FA5}">
-                      <a16:colId xmlns:a16="http://schemas.microsoft.com/office/drawing/2014/main" val="20000"/>
+                      <a16:colId xmlns:a16="http://schemas.microsoft.com/office/drawing/2014/main" xmlns="" val="20000"/>
                     </a:ext>
                   </a:extLst>
                 </a:gridCol>
                 <a:gridCol w="1242372">
                   <a:extLst>
                     <a:ext uri="{9D8B030D-6E8A-4147-A177-3AD203B41FA5}">
-                      <a16:colId xmlns:a16="http://schemas.microsoft.com/office/drawing/2014/main" val="20001"/>
+                      <a16:colId xmlns:a16="http://schemas.microsoft.com/office/drawing/2014/main" xmlns="" val="20001"/>
                     </a:ext>
                   </a:extLst>
                 </a:gridCol>
                 <a:gridCol w="1242372">
                   <a:extLst>
                     <a:ext uri="{9D8B030D-6E8A-4147-A177-3AD203B41FA5}">
-                      <a16:colId xmlns:a16="http://schemas.microsoft.com/office/drawing/2014/main" val="20002"/>
+                      <a16:colId xmlns:a16="http://schemas.microsoft.com/office/drawing/2014/main" xmlns="" val="20002"/>
                     </a:ext>
                   </a:extLst>
                 </a:gridCol>
@@ -13192,7 +17238,7 @@
                 </a:tc>
                 <a:extLst>
                   <a:ext uri="{0D108BD9-81ED-4DB2-BD59-A6C34878D82A}">
-                    <a16:rowId xmlns:a16="http://schemas.microsoft.com/office/drawing/2014/main" val="10000"/>
+                    <a16:rowId xmlns:a16="http://schemas.microsoft.com/office/drawing/2014/main" xmlns="" val="10000"/>
                   </a:ext>
                 </a:extLst>
               </a:tr>
@@ -13244,7 +17290,7 @@
                 </a:tc>
                 <a:extLst>
                   <a:ext uri="{0D108BD9-81ED-4DB2-BD59-A6C34878D82A}">
-                    <a16:rowId xmlns:a16="http://schemas.microsoft.com/office/drawing/2014/main" val="10001"/>
+                    <a16:rowId xmlns:a16="http://schemas.microsoft.com/office/drawing/2014/main" xmlns="" val="10001"/>
                   </a:ext>
                 </a:extLst>
               </a:tr>
@@ -13296,7 +17342,7 @@
                 </a:tc>
                 <a:extLst>
                   <a:ext uri="{0D108BD9-81ED-4DB2-BD59-A6C34878D82A}">
-                    <a16:rowId xmlns:a16="http://schemas.microsoft.com/office/drawing/2014/main" val="10002"/>
+                    <a16:rowId xmlns:a16="http://schemas.microsoft.com/office/drawing/2014/main" xmlns="" val="10002"/>
                   </a:ext>
                 </a:extLst>
               </a:tr>
@@ -13313,13 +17359,13 @@
           <p:nvPr>
             <p:extLst>
               <p:ext uri="{D42A27DB-BD31-4B8C-83A1-F6EECF244321}">
-                <p14:modId xmlns:p14="http://schemas.microsoft.com/office/powerpoint/2010/main" val="1191961328"/>
+                <p14:modId xmlns:p14="http://schemas.microsoft.com/office/powerpoint/2010/main" val="4270015305"/>
               </p:ext>
             </p:extLst>
           </p:nvPr>
         </p:nvGraphicFramePr>
         <p:xfrm>
-          <a:off x="6766560" y="2756954"/>
+          <a:off x="7844844" y="3633319"/>
           <a:ext cx="3727116" cy="1112520"/>
         </p:xfrm>
         <a:graphic>
@@ -13332,21 +17378,21 @@
                 <a:gridCol w="1242372">
                   <a:extLst>
                     <a:ext uri="{9D8B030D-6E8A-4147-A177-3AD203B41FA5}">
-                      <a16:colId xmlns:a16="http://schemas.microsoft.com/office/drawing/2014/main" val="20000"/>
+                      <a16:colId xmlns:a16="http://schemas.microsoft.com/office/drawing/2014/main" xmlns="" val="20000"/>
                     </a:ext>
                   </a:extLst>
                 </a:gridCol>
                 <a:gridCol w="1242372">
                   <a:extLst>
                     <a:ext uri="{9D8B030D-6E8A-4147-A177-3AD203B41FA5}">
-                      <a16:colId xmlns:a16="http://schemas.microsoft.com/office/drawing/2014/main" val="20001"/>
+                      <a16:colId xmlns:a16="http://schemas.microsoft.com/office/drawing/2014/main" xmlns="" val="20001"/>
                     </a:ext>
                   </a:extLst>
                 </a:gridCol>
                 <a:gridCol w="1242372">
                   <a:extLst>
                     <a:ext uri="{9D8B030D-6E8A-4147-A177-3AD203B41FA5}">
-                      <a16:colId xmlns:a16="http://schemas.microsoft.com/office/drawing/2014/main" val="20002"/>
+                      <a16:colId xmlns:a16="http://schemas.microsoft.com/office/drawing/2014/main" xmlns="" val="20002"/>
                     </a:ext>
                   </a:extLst>
                 </a:gridCol>
@@ -13413,7 +17459,7 @@
                 </a:tc>
                 <a:extLst>
                   <a:ext uri="{0D108BD9-81ED-4DB2-BD59-A6C34878D82A}">
-                    <a16:rowId xmlns:a16="http://schemas.microsoft.com/office/drawing/2014/main" val="10000"/>
+                    <a16:rowId xmlns:a16="http://schemas.microsoft.com/office/drawing/2014/main" xmlns="" val="10000"/>
                   </a:ext>
                 </a:extLst>
               </a:tr>
@@ -13465,7 +17511,7 @@
                 </a:tc>
                 <a:extLst>
                   <a:ext uri="{0D108BD9-81ED-4DB2-BD59-A6C34878D82A}">
-                    <a16:rowId xmlns:a16="http://schemas.microsoft.com/office/drawing/2014/main" val="10001"/>
+                    <a16:rowId xmlns:a16="http://schemas.microsoft.com/office/drawing/2014/main" xmlns="" val="10001"/>
                   </a:ext>
                 </a:extLst>
               </a:tr>
@@ -13517,7 +17563,7 @@
                 </a:tc>
                 <a:extLst>
                   <a:ext uri="{0D108BD9-81ED-4DB2-BD59-A6C34878D82A}">
-                    <a16:rowId xmlns:a16="http://schemas.microsoft.com/office/drawing/2014/main" val="10002"/>
+                    <a16:rowId xmlns:a16="http://schemas.microsoft.com/office/drawing/2014/main" xmlns="" val="10002"/>
                   </a:ext>
                 </a:extLst>
               </a:tr>
@@ -13534,13 +17580,13 @@
           <p:nvPr>
             <p:extLst>
               <p:ext uri="{D42A27DB-BD31-4B8C-83A1-F6EECF244321}">
-                <p14:modId xmlns:p14="http://schemas.microsoft.com/office/powerpoint/2010/main" val="3842438093"/>
+                <p14:modId xmlns:p14="http://schemas.microsoft.com/office/powerpoint/2010/main" val="1663025971"/>
               </p:ext>
             </p:extLst>
           </p:nvPr>
         </p:nvGraphicFramePr>
         <p:xfrm>
-          <a:off x="2946400" y="5625603"/>
+          <a:off x="2946400" y="5507445"/>
           <a:ext cx="8128000" cy="741680"/>
         </p:xfrm>
         <a:graphic>
@@ -13553,35 +17599,35 @@
                 <a:gridCol w="1625600">
                   <a:extLst>
                     <a:ext uri="{9D8B030D-6E8A-4147-A177-3AD203B41FA5}">
-                      <a16:colId xmlns:a16="http://schemas.microsoft.com/office/drawing/2014/main" val="20000"/>
+                      <a16:colId xmlns:a16="http://schemas.microsoft.com/office/drawing/2014/main" xmlns="" val="20000"/>
                     </a:ext>
                   </a:extLst>
                 </a:gridCol>
                 <a:gridCol w="1625600">
                   <a:extLst>
                     <a:ext uri="{9D8B030D-6E8A-4147-A177-3AD203B41FA5}">
-                      <a16:colId xmlns:a16="http://schemas.microsoft.com/office/drawing/2014/main" val="20001"/>
+                      <a16:colId xmlns:a16="http://schemas.microsoft.com/office/drawing/2014/main" xmlns="" val="20001"/>
                     </a:ext>
                   </a:extLst>
                 </a:gridCol>
                 <a:gridCol w="1625600">
                   <a:extLst>
                     <a:ext uri="{9D8B030D-6E8A-4147-A177-3AD203B41FA5}">
-                      <a16:colId xmlns:a16="http://schemas.microsoft.com/office/drawing/2014/main" val="20002"/>
+                      <a16:colId xmlns:a16="http://schemas.microsoft.com/office/drawing/2014/main" xmlns="" val="20002"/>
                     </a:ext>
                   </a:extLst>
                 </a:gridCol>
                 <a:gridCol w="1625600">
                   <a:extLst>
                     <a:ext uri="{9D8B030D-6E8A-4147-A177-3AD203B41FA5}">
-                      <a16:colId xmlns:a16="http://schemas.microsoft.com/office/drawing/2014/main" val="20003"/>
+                      <a16:colId xmlns:a16="http://schemas.microsoft.com/office/drawing/2014/main" xmlns="" val="20003"/>
                     </a:ext>
                   </a:extLst>
                 </a:gridCol>
                 <a:gridCol w="1625600">
                   <a:extLst>
                     <a:ext uri="{9D8B030D-6E8A-4147-A177-3AD203B41FA5}">
-                      <a16:colId xmlns:a16="http://schemas.microsoft.com/office/drawing/2014/main" val="20004"/>
+                      <a16:colId xmlns:a16="http://schemas.microsoft.com/office/drawing/2014/main" xmlns="" val="20004"/>
                     </a:ext>
                   </a:extLst>
                 </a:gridCol>
@@ -13664,7 +17710,7 @@
                 </a:tc>
                 <a:extLst>
                   <a:ext uri="{0D108BD9-81ED-4DB2-BD59-A6C34878D82A}">
-                    <a16:rowId xmlns:a16="http://schemas.microsoft.com/office/drawing/2014/main" val="10000"/>
+                    <a16:rowId xmlns:a16="http://schemas.microsoft.com/office/drawing/2014/main" xmlns="" val="10000"/>
                   </a:ext>
                 </a:extLst>
               </a:tr>
@@ -13677,7 +17723,7 @@
                       <a:pPr algn="ctr"/>
                       <a:r>
                         <a:rPr lang="en-US" altLang="zh-CN" dirty="0" smtClean="0"/>
-                        <a:t>Tome</a:t>
+                        <a:t>Tom</a:t>
                       </a:r>
                       <a:endParaRPr lang="zh-CN" altLang="en-US" dirty="0"/>
                     </a:p>
@@ -13746,7 +17792,7 @@
                 </a:tc>
                 <a:extLst>
                   <a:ext uri="{0D108BD9-81ED-4DB2-BD59-A6C34878D82A}">
-                    <a16:rowId xmlns:a16="http://schemas.microsoft.com/office/drawing/2014/main" val="10001"/>
+                    <a16:rowId xmlns:a16="http://schemas.microsoft.com/office/drawing/2014/main" xmlns="" val="10001"/>
                   </a:ext>
                 </a:extLst>
               </a:tr>
@@ -13762,7 +17808,7 @@
         </p:nvSpPr>
         <p:spPr>
           <a:xfrm>
-            <a:off x="2946400" y="4480560"/>
+            <a:off x="2946400" y="2831559"/>
             <a:ext cx="5953760" cy="584775"/>
           </a:xfrm>
           <a:prstGeom prst="rect">
@@ -13784,7 +17830,27 @@
                 <a:latin typeface="楷体" panose="02010609060101010101" pitchFamily="49" charset="-122"/>
                 <a:ea typeface="楷体" panose="02010609060101010101" pitchFamily="49" charset="-122"/>
               </a:rPr>
-              <a:t>大量自连接操作，开销巨大</a:t>
+              <a:t>大量</a:t>
+            </a:r>
+            <a:r>
+              <a:rPr lang="zh-CN" altLang="en-US" sz="3200" b="1" dirty="0" smtClean="0">
+                <a:solidFill>
+                  <a:srgbClr val="0070C0"/>
+                </a:solidFill>
+                <a:latin typeface="楷体" panose="02010609060101010101" pitchFamily="49" charset="-122"/>
+                <a:ea typeface="楷体" panose="02010609060101010101" pitchFamily="49" charset="-122"/>
+              </a:rPr>
+              <a:t>自连接</a:t>
+            </a:r>
+            <a:r>
+              <a:rPr lang="zh-CN" altLang="en-US" sz="3200" dirty="0" smtClean="0">
+                <a:solidFill>
+                  <a:srgbClr val="FF0000"/>
+                </a:solidFill>
+                <a:latin typeface="楷体" panose="02010609060101010101" pitchFamily="49" charset="-122"/>
+                <a:ea typeface="楷体" panose="02010609060101010101" pitchFamily="49" charset="-122"/>
+              </a:rPr>
+              <a:t>操作，开销巨大</a:t>
             </a:r>
             <a:endParaRPr lang="zh-CN" altLang="en-US" sz="3200" dirty="0">
               <a:solidFill>
@@ -13796,6 +17862,39 @@
           </a:p>
         </p:txBody>
       </p:sp>
+      <p:cxnSp>
+        <p:nvCxnSpPr>
+          <p:cNvPr id="3" name="直接箭头连接符 2"/>
+          <p:cNvCxnSpPr/>
+          <p:nvPr/>
+        </p:nvCxnSpPr>
+        <p:spPr>
+          <a:xfrm flipV="1">
+            <a:off x="6283222" y="3786408"/>
+            <a:ext cx="1561622" cy="5154"/>
+          </a:xfrm>
+          <a:prstGeom prst="straightConnector1">
+            <a:avLst/>
+          </a:prstGeom>
+          <a:ln w="69850">
+            <a:tailEnd type="triangle"/>
+          </a:ln>
+        </p:spPr>
+        <p:style>
+          <a:lnRef idx="1">
+            <a:schemeClr val="accent1"/>
+          </a:lnRef>
+          <a:fillRef idx="0">
+            <a:schemeClr val="accent1"/>
+          </a:fillRef>
+          <a:effectRef idx="0">
+            <a:schemeClr val="accent1"/>
+          </a:effectRef>
+          <a:fontRef idx="minor">
+            <a:schemeClr val="tx1"/>
+          </a:fontRef>
+        </p:style>
+      </p:cxnSp>
     </p:spTree>
     <p:extLst>
       <p:ext uri="{BB962C8B-B14F-4D97-AF65-F5344CB8AC3E}">
@@ -13926,7 +18025,7 @@
                             </p:stCondLst>
                             <p:childTnLst>
                               <p:par>
-                                <p:cTn id="12" presetID="42" presetClass="entr" presetSubtype="0" fill="hold" nodeType="clickEffect">
+                                <p:cTn id="12" presetID="42" presetClass="entr" presetSubtype="0" fill="hold" grpId="0" nodeType="clickEffect">
                                   <p:stCondLst>
                                     <p:cond delay="0"/>
                                   </p:stCondLst>
@@ -13939,7 +18038,7 @@
                                           </p:stCondLst>
                                         </p:cTn>
                                         <p:tgtEl>
-                                          <p:spTgt spid="6"/>
+                                          <p:spTgt spid="12"/>
                                         </p:tgtEl>
                                         <p:attrNameLst>
                                           <p:attrName>style.visibility</p:attrName>
@@ -13953,7 +18052,7 @@
                                       <p:cBhvr>
                                         <p:cTn id="14" dur="500"/>
                                         <p:tgtEl>
-                                          <p:spTgt spid="6"/>
+                                          <p:spTgt spid="12"/>
                                         </p:tgtEl>
                                       </p:cBhvr>
                                     </p:animEffect>
@@ -13961,7 +18060,7 @@
                                       <p:cBhvr>
                                         <p:cTn id="15" dur="500" fill="hold"/>
                                         <p:tgtEl>
-                                          <p:spTgt spid="6"/>
+                                          <p:spTgt spid="12"/>
                                         </p:tgtEl>
                                         <p:attrNameLst>
                                           <p:attrName>ppt_x</p:attrName>
@@ -13984,88 +18083,7 @@
                                       <p:cBhvr>
                                         <p:cTn id="16" dur="500" fill="hold"/>
                                         <p:tgtEl>
-                                          <p:spTgt spid="6"/>
-                                        </p:tgtEl>
-                                        <p:attrNameLst>
-                                          <p:attrName>ppt_y</p:attrName>
-                                        </p:attrNameLst>
-                                      </p:cBhvr>
-                                      <p:tavLst>
-                                        <p:tav tm="0">
-                                          <p:val>
-                                            <p:strVal val="#ppt_y+.1"/>
-                                          </p:val>
-                                        </p:tav>
-                                        <p:tav tm="100000">
-                                          <p:val>
-                                            <p:strVal val="#ppt_y"/>
-                                          </p:val>
-                                        </p:tav>
-                                      </p:tavLst>
-                                    </p:anim>
-                                  </p:childTnLst>
-                                </p:cTn>
-                              </p:par>
-                              <p:par>
-                                <p:cTn id="17" presetID="42" presetClass="entr" presetSubtype="0" fill="hold" nodeType="withEffect">
-                                  <p:stCondLst>
-                                    <p:cond delay="0"/>
-                                  </p:stCondLst>
-                                  <p:childTnLst>
-                                    <p:set>
-                                      <p:cBhvr>
-                                        <p:cTn id="18" dur="1" fill="hold">
-                                          <p:stCondLst>
-                                            <p:cond delay="0"/>
-                                          </p:stCondLst>
-                                        </p:cTn>
-                                        <p:tgtEl>
-                                          <p:spTgt spid="10"/>
-                                        </p:tgtEl>
-                                        <p:attrNameLst>
-                                          <p:attrName>style.visibility</p:attrName>
-                                        </p:attrNameLst>
-                                      </p:cBhvr>
-                                      <p:to>
-                                        <p:strVal val="visible"/>
-                                      </p:to>
-                                    </p:set>
-                                    <p:animEffect transition="in" filter="fade">
-                                      <p:cBhvr>
-                                        <p:cTn id="19" dur="500"/>
-                                        <p:tgtEl>
-                                          <p:spTgt spid="10"/>
-                                        </p:tgtEl>
-                                      </p:cBhvr>
-                                    </p:animEffect>
-                                    <p:anim calcmode="lin" valueType="num">
-                                      <p:cBhvr>
-                                        <p:cTn id="20" dur="500" fill="hold"/>
-                                        <p:tgtEl>
-                                          <p:spTgt spid="10"/>
-                                        </p:tgtEl>
-                                        <p:attrNameLst>
-                                          <p:attrName>ppt_x</p:attrName>
-                                        </p:attrNameLst>
-                                      </p:cBhvr>
-                                      <p:tavLst>
-                                        <p:tav tm="0">
-                                          <p:val>
-                                            <p:strVal val="#ppt_x"/>
-                                          </p:val>
-                                        </p:tav>
-                                        <p:tav tm="100000">
-                                          <p:val>
-                                            <p:strVal val="#ppt_x"/>
-                                          </p:val>
-                                        </p:tav>
-                                      </p:tavLst>
-                                    </p:anim>
-                                    <p:anim calcmode="lin" valueType="num">
-                                      <p:cBhvr>
-                                        <p:cTn id="21" dur="500" fill="hold"/>
-                                        <p:tgtEl>
-                                          <p:spTgt spid="10"/>
+                                          <p:spTgt spid="12"/>
                                         </p:tgtEl>
                                         <p:attrNameLst>
                                           <p:attrName>ppt_y</p:attrName>
@@ -14094,19 +18112,100 @@
                     </p:cTn>
                   </p:par>
                   <p:par>
-                    <p:cTn id="22" fill="hold">
+                    <p:cTn id="17" fill="hold">
                       <p:stCondLst>
                         <p:cond delay="indefinite"/>
                       </p:stCondLst>
                       <p:childTnLst>
                         <p:par>
-                          <p:cTn id="23" fill="hold">
+                          <p:cTn id="18" fill="hold">
                             <p:stCondLst>
                               <p:cond delay="0"/>
                             </p:stCondLst>
                             <p:childTnLst>
                               <p:par>
-                                <p:cTn id="24" presetID="42" presetClass="entr" presetSubtype="0" fill="hold" grpId="0" nodeType="clickEffect">
+                                <p:cTn id="19" presetID="42" presetClass="entr" presetSubtype="0" fill="hold" nodeType="clickEffect">
+                                  <p:stCondLst>
+                                    <p:cond delay="0"/>
+                                  </p:stCondLst>
+                                  <p:childTnLst>
+                                    <p:set>
+                                      <p:cBhvr>
+                                        <p:cTn id="20" dur="1" fill="hold">
+                                          <p:stCondLst>
+                                            <p:cond delay="0"/>
+                                          </p:stCondLst>
+                                        </p:cTn>
+                                        <p:tgtEl>
+                                          <p:spTgt spid="6"/>
+                                        </p:tgtEl>
+                                        <p:attrNameLst>
+                                          <p:attrName>style.visibility</p:attrName>
+                                        </p:attrNameLst>
+                                      </p:cBhvr>
+                                      <p:to>
+                                        <p:strVal val="visible"/>
+                                      </p:to>
+                                    </p:set>
+                                    <p:animEffect transition="in" filter="fade">
+                                      <p:cBhvr>
+                                        <p:cTn id="21" dur="500"/>
+                                        <p:tgtEl>
+                                          <p:spTgt spid="6"/>
+                                        </p:tgtEl>
+                                      </p:cBhvr>
+                                    </p:animEffect>
+                                    <p:anim calcmode="lin" valueType="num">
+                                      <p:cBhvr>
+                                        <p:cTn id="22" dur="500" fill="hold"/>
+                                        <p:tgtEl>
+                                          <p:spTgt spid="6"/>
+                                        </p:tgtEl>
+                                        <p:attrNameLst>
+                                          <p:attrName>ppt_x</p:attrName>
+                                        </p:attrNameLst>
+                                      </p:cBhvr>
+                                      <p:tavLst>
+                                        <p:tav tm="0">
+                                          <p:val>
+                                            <p:strVal val="#ppt_x"/>
+                                          </p:val>
+                                        </p:tav>
+                                        <p:tav tm="100000">
+                                          <p:val>
+                                            <p:strVal val="#ppt_x"/>
+                                          </p:val>
+                                        </p:tav>
+                                      </p:tavLst>
+                                    </p:anim>
+                                    <p:anim calcmode="lin" valueType="num">
+                                      <p:cBhvr>
+                                        <p:cTn id="23" dur="500" fill="hold"/>
+                                        <p:tgtEl>
+                                          <p:spTgt spid="6"/>
+                                        </p:tgtEl>
+                                        <p:attrNameLst>
+                                          <p:attrName>ppt_y</p:attrName>
+                                        </p:attrNameLst>
+                                      </p:cBhvr>
+                                      <p:tavLst>
+                                        <p:tav tm="0">
+                                          <p:val>
+                                            <p:strVal val="#ppt_y+.1"/>
+                                          </p:val>
+                                        </p:tav>
+                                        <p:tav tm="100000">
+                                          <p:val>
+                                            <p:strVal val="#ppt_y"/>
+                                          </p:val>
+                                        </p:tav>
+                                      </p:tavLst>
+                                    </p:anim>
+                                  </p:childTnLst>
+                                </p:cTn>
+                              </p:par>
+                              <p:par>
+                                <p:cTn id="24" presetID="42" presetClass="entr" presetSubtype="0" fill="hold" nodeType="withEffect">
                                   <p:stCondLst>
                                     <p:cond delay="0"/>
                                   </p:stCondLst>
@@ -14119,7 +18218,7 @@
                                           </p:stCondLst>
                                         </p:cTn>
                                         <p:tgtEl>
-                                          <p:spTgt spid="12"/>
+                                          <p:spTgt spid="10"/>
                                         </p:tgtEl>
                                         <p:attrNameLst>
                                           <p:attrName>style.visibility</p:attrName>
@@ -14133,7 +18232,7 @@
                                       <p:cBhvr>
                                         <p:cTn id="26" dur="500"/>
                                         <p:tgtEl>
-                                          <p:spTgt spid="12"/>
+                                          <p:spTgt spid="10"/>
                                         </p:tgtEl>
                                       </p:cBhvr>
                                     </p:animEffect>
@@ -14141,7 +18240,7 @@
                                       <p:cBhvr>
                                         <p:cTn id="27" dur="500" fill="hold"/>
                                         <p:tgtEl>
-                                          <p:spTgt spid="12"/>
+                                          <p:spTgt spid="10"/>
                                         </p:tgtEl>
                                         <p:attrNameLst>
                                           <p:attrName>ppt_x</p:attrName>
@@ -14164,7 +18263,7 @@
                                       <p:cBhvr>
                                         <p:cTn id="28" dur="500" fill="hold"/>
                                         <p:tgtEl>
-                                          <p:spTgt spid="12"/>
+                                          <p:spTgt spid="10"/>
                                         </p:tgtEl>
                                         <p:attrNameLst>
                                           <p:attrName>ppt_y</p:attrName>
@@ -14638,21 +18737,21 @@
                 <a:gridCol w="2709333">
                   <a:extLst>
                     <a:ext uri="{9D8B030D-6E8A-4147-A177-3AD203B41FA5}">
-                      <a16:colId xmlns:a16="http://schemas.microsoft.com/office/drawing/2014/main" val="20000"/>
+                      <a16:colId xmlns:a16="http://schemas.microsoft.com/office/drawing/2014/main" xmlns="" val="20000"/>
                     </a:ext>
                   </a:extLst>
                 </a:gridCol>
                 <a:gridCol w="2709333">
                   <a:extLst>
                     <a:ext uri="{9D8B030D-6E8A-4147-A177-3AD203B41FA5}">
-                      <a16:colId xmlns:a16="http://schemas.microsoft.com/office/drawing/2014/main" val="20001"/>
+                      <a16:colId xmlns:a16="http://schemas.microsoft.com/office/drawing/2014/main" xmlns="" val="20001"/>
                     </a:ext>
                   </a:extLst>
                 </a:gridCol>
                 <a:gridCol w="2709333">
                   <a:extLst>
                     <a:ext uri="{9D8B030D-6E8A-4147-A177-3AD203B41FA5}">
-                      <a16:colId xmlns:a16="http://schemas.microsoft.com/office/drawing/2014/main" val="20002"/>
+                      <a16:colId xmlns:a16="http://schemas.microsoft.com/office/drawing/2014/main" xmlns="" val="20002"/>
                     </a:ext>
                   </a:extLst>
                 </a:gridCol>
@@ -14705,7 +18804,7 @@
                 </a:tc>
                 <a:extLst>
                   <a:ext uri="{0D108BD9-81ED-4DB2-BD59-A6C34878D82A}">
-                    <a16:rowId xmlns:a16="http://schemas.microsoft.com/office/drawing/2014/main" val="10000"/>
+                    <a16:rowId xmlns:a16="http://schemas.microsoft.com/office/drawing/2014/main" xmlns="" val="10000"/>
                   </a:ext>
                 </a:extLst>
               </a:tr>
@@ -14757,7 +18856,7 @@
                 </a:tc>
                 <a:extLst>
                   <a:ext uri="{0D108BD9-81ED-4DB2-BD59-A6C34878D82A}">
-                    <a16:rowId xmlns:a16="http://schemas.microsoft.com/office/drawing/2014/main" val="10001"/>
+                    <a16:rowId xmlns:a16="http://schemas.microsoft.com/office/drawing/2014/main" xmlns="" val="10001"/>
                   </a:ext>
                 </a:extLst>
               </a:tr>
@@ -14809,7 +18908,7 @@
                 </a:tc>
                 <a:extLst>
                   <a:ext uri="{0D108BD9-81ED-4DB2-BD59-A6C34878D82A}">
-                    <a16:rowId xmlns:a16="http://schemas.microsoft.com/office/drawing/2014/main" val="10002"/>
+                    <a16:rowId xmlns:a16="http://schemas.microsoft.com/office/drawing/2014/main" xmlns="" val="10002"/>
                   </a:ext>
                 </a:extLst>
               </a:tr>
@@ -14861,7 +18960,7 @@
                 </a:tc>
                 <a:extLst>
                   <a:ext uri="{0D108BD9-81ED-4DB2-BD59-A6C34878D82A}">
-                    <a16:rowId xmlns:a16="http://schemas.microsoft.com/office/drawing/2014/main" val="10003"/>
+                    <a16:rowId xmlns:a16="http://schemas.microsoft.com/office/drawing/2014/main" xmlns="" val="10003"/>
                   </a:ext>
                 </a:extLst>
               </a:tr>
@@ -14897,14 +18996,14 @@
                 <a:gridCol w="2709333">
                   <a:extLst>
                     <a:ext uri="{9D8B030D-6E8A-4147-A177-3AD203B41FA5}">
-                      <a16:colId xmlns:a16="http://schemas.microsoft.com/office/drawing/2014/main" val="20000"/>
+                      <a16:colId xmlns:a16="http://schemas.microsoft.com/office/drawing/2014/main" xmlns="" val="20000"/>
                     </a:ext>
                   </a:extLst>
                 </a:gridCol>
                 <a:gridCol w="2709333">
                   <a:extLst>
                     <a:ext uri="{9D8B030D-6E8A-4147-A177-3AD203B41FA5}">
-                      <a16:colId xmlns:a16="http://schemas.microsoft.com/office/drawing/2014/main" val="20001"/>
+                      <a16:colId xmlns:a16="http://schemas.microsoft.com/office/drawing/2014/main" xmlns="" val="20001"/>
                     </a:ext>
                   </a:extLst>
                 </a:gridCol>
@@ -14942,7 +19041,7 @@
                 </a:tc>
                 <a:extLst>
                   <a:ext uri="{0D108BD9-81ED-4DB2-BD59-A6C34878D82A}">
-                    <a16:rowId xmlns:a16="http://schemas.microsoft.com/office/drawing/2014/main" val="10000"/>
+                    <a16:rowId xmlns:a16="http://schemas.microsoft.com/office/drawing/2014/main" xmlns="" val="10000"/>
                   </a:ext>
                 </a:extLst>
               </a:tr>
@@ -14979,7 +19078,7 @@
                 </a:tc>
                 <a:extLst>
                   <a:ext uri="{0D108BD9-81ED-4DB2-BD59-A6C34878D82A}">
-                    <a16:rowId xmlns:a16="http://schemas.microsoft.com/office/drawing/2014/main" val="10001"/>
+                    <a16:rowId xmlns:a16="http://schemas.microsoft.com/office/drawing/2014/main" xmlns="" val="10001"/>
                   </a:ext>
                 </a:extLst>
               </a:tr>
@@ -15016,7 +19115,7 @@
                 </a:tc>
                 <a:extLst>
                   <a:ext uri="{0D108BD9-81ED-4DB2-BD59-A6C34878D82A}">
-                    <a16:rowId xmlns:a16="http://schemas.microsoft.com/office/drawing/2014/main" val="10002"/>
+                    <a16:rowId xmlns:a16="http://schemas.microsoft.com/office/drawing/2014/main" xmlns="" val="10002"/>
                   </a:ext>
                 </a:extLst>
               </a:tr>
@@ -15598,7 +19697,7 @@
           <p:nvPr>
             <p:extLst>
               <p:ext uri="{D42A27DB-BD31-4B8C-83A1-F6EECF244321}">
-                <p14:modId xmlns:p14="http://schemas.microsoft.com/office/powerpoint/2010/main" val="956196156"/>
+                <p14:modId xmlns:p14="http://schemas.microsoft.com/office/powerpoint/2010/main" val="1367454763"/>
               </p:ext>
             </p:extLst>
           </p:nvPr>
@@ -15617,14 +19716,14 @@
                 <a:gridCol w="1376680">
                   <a:extLst>
                     <a:ext uri="{9D8B030D-6E8A-4147-A177-3AD203B41FA5}">
-                      <a16:colId xmlns:a16="http://schemas.microsoft.com/office/drawing/2014/main" val="20000"/>
+                      <a16:colId xmlns:a16="http://schemas.microsoft.com/office/drawing/2014/main" xmlns="" val="20000"/>
                     </a:ext>
                   </a:extLst>
                 </a:gridCol>
                 <a:gridCol w="1376680">
                   <a:extLst>
                     <a:ext uri="{9D8B030D-6E8A-4147-A177-3AD203B41FA5}">
-                      <a16:colId xmlns:a16="http://schemas.microsoft.com/office/drawing/2014/main" val="20001"/>
+                      <a16:colId xmlns:a16="http://schemas.microsoft.com/office/drawing/2014/main" xmlns="" val="20001"/>
                     </a:ext>
                   </a:extLst>
                 </a:gridCol>
@@ -15662,7 +19761,7 @@
                 </a:tc>
                 <a:extLst>
                   <a:ext uri="{0D108BD9-81ED-4DB2-BD59-A6C34878D82A}">
-                    <a16:rowId xmlns:a16="http://schemas.microsoft.com/office/drawing/2014/main" val="10000"/>
+                    <a16:rowId xmlns:a16="http://schemas.microsoft.com/office/drawing/2014/main" xmlns="" val="10000"/>
                   </a:ext>
                 </a:extLst>
               </a:tr>
@@ -15690,7 +19789,7 @@
                       <a:pPr algn="ctr"/>
                       <a:r>
                         <a:rPr lang="en-US" altLang="zh-CN" dirty="0" smtClean="0"/>
-                        <a:t>Tom</a:t>
+                        <a:t>“Tom”</a:t>
                       </a:r>
                       <a:endParaRPr lang="zh-CN" altLang="en-US" dirty="0"/>
                     </a:p>
@@ -15699,7 +19798,7 @@
                 </a:tc>
                 <a:extLst>
                   <a:ext uri="{0D108BD9-81ED-4DB2-BD59-A6C34878D82A}">
-                    <a16:rowId xmlns:a16="http://schemas.microsoft.com/office/drawing/2014/main" val="10001"/>
+                    <a16:rowId xmlns:a16="http://schemas.microsoft.com/office/drawing/2014/main" xmlns="" val="10001"/>
                   </a:ext>
                 </a:extLst>
               </a:tr>
@@ -15727,7 +19826,7 @@
                       <a:pPr algn="ctr"/>
                       <a:r>
                         <a:rPr lang="en-US" altLang="zh-CN" dirty="0" smtClean="0"/>
-                        <a:t>Jim</a:t>
+                        <a:t>“Jim”</a:t>
                       </a:r>
                       <a:endParaRPr lang="zh-CN" altLang="en-US" dirty="0"/>
                     </a:p>
@@ -15736,7 +19835,7 @@
                 </a:tc>
                 <a:extLst>
                   <a:ext uri="{0D108BD9-81ED-4DB2-BD59-A6C34878D82A}">
-                    <a16:rowId xmlns:a16="http://schemas.microsoft.com/office/drawing/2014/main" val="10002"/>
+                    <a16:rowId xmlns:a16="http://schemas.microsoft.com/office/drawing/2014/main" xmlns="" val="10002"/>
                   </a:ext>
                 </a:extLst>
               </a:tr>
@@ -15764,7 +19863,7 @@
                       <a:pPr algn="ctr"/>
                       <a:r>
                         <a:rPr lang="en-US" altLang="zh-CN" dirty="0" smtClean="0"/>
-                        <a:t>Cherry</a:t>
+                        <a:t>“Cherry”</a:t>
                       </a:r>
                       <a:endParaRPr lang="zh-CN" altLang="en-US" dirty="0"/>
                     </a:p>
@@ -15773,7 +19872,7 @@
                 </a:tc>
                 <a:extLst>
                   <a:ext uri="{0D108BD9-81ED-4DB2-BD59-A6C34878D82A}">
-                    <a16:rowId xmlns:a16="http://schemas.microsoft.com/office/drawing/2014/main" val="10003"/>
+                    <a16:rowId xmlns:a16="http://schemas.microsoft.com/office/drawing/2014/main" xmlns="" val="10003"/>
                   </a:ext>
                 </a:extLst>
               </a:tr>
@@ -15790,7 +19889,7 @@
           <p:nvPr>
             <p:extLst>
               <p:ext uri="{D42A27DB-BD31-4B8C-83A1-F6EECF244321}">
-                <p14:modId xmlns:p14="http://schemas.microsoft.com/office/powerpoint/2010/main" val="3779800776"/>
+                <p14:modId xmlns:p14="http://schemas.microsoft.com/office/powerpoint/2010/main" val="2855196952"/>
               </p:ext>
             </p:extLst>
           </p:nvPr>
@@ -15809,14 +19908,14 @@
                 <a:gridCol w="1341121">
                   <a:extLst>
                     <a:ext uri="{9D8B030D-6E8A-4147-A177-3AD203B41FA5}">
-                      <a16:colId xmlns:a16="http://schemas.microsoft.com/office/drawing/2014/main" val="20000"/>
+                      <a16:colId xmlns:a16="http://schemas.microsoft.com/office/drawing/2014/main" xmlns="" val="20000"/>
                     </a:ext>
                   </a:extLst>
                 </a:gridCol>
                 <a:gridCol w="1341121">
                   <a:extLst>
                     <a:ext uri="{9D8B030D-6E8A-4147-A177-3AD203B41FA5}">
-                      <a16:colId xmlns:a16="http://schemas.microsoft.com/office/drawing/2014/main" val="20001"/>
+                      <a16:colId xmlns:a16="http://schemas.microsoft.com/office/drawing/2014/main" xmlns="" val="20001"/>
                     </a:ext>
                   </a:extLst>
                 </a:gridCol>
@@ -15854,7 +19953,7 @@
                 </a:tc>
                 <a:extLst>
                   <a:ext uri="{0D108BD9-81ED-4DB2-BD59-A6C34878D82A}">
-                    <a16:rowId xmlns:a16="http://schemas.microsoft.com/office/drawing/2014/main" val="10000"/>
+                    <a16:rowId xmlns:a16="http://schemas.microsoft.com/office/drawing/2014/main" xmlns="" val="10000"/>
                   </a:ext>
                 </a:extLst>
               </a:tr>
@@ -15891,7 +19990,7 @@
                 </a:tc>
                 <a:extLst>
                   <a:ext uri="{0D108BD9-81ED-4DB2-BD59-A6C34878D82A}">
-                    <a16:rowId xmlns:a16="http://schemas.microsoft.com/office/drawing/2014/main" val="10001"/>
+                    <a16:rowId xmlns:a16="http://schemas.microsoft.com/office/drawing/2014/main" xmlns="" val="10001"/>
                   </a:ext>
                 </a:extLst>
               </a:tr>
@@ -15928,7 +20027,7 @@
                 </a:tc>
                 <a:extLst>
                   <a:ext uri="{0D108BD9-81ED-4DB2-BD59-A6C34878D82A}">
-                    <a16:rowId xmlns:a16="http://schemas.microsoft.com/office/drawing/2014/main" val="10002"/>
+                    <a16:rowId xmlns:a16="http://schemas.microsoft.com/office/drawing/2014/main" xmlns="" val="10002"/>
                   </a:ext>
                 </a:extLst>
               </a:tr>
@@ -15965,7 +20064,7 @@
                 </a:tc>
                 <a:extLst>
                   <a:ext uri="{0D108BD9-81ED-4DB2-BD59-A6C34878D82A}">
-                    <a16:rowId xmlns:a16="http://schemas.microsoft.com/office/drawing/2014/main" val="10003"/>
+                    <a16:rowId xmlns:a16="http://schemas.microsoft.com/office/drawing/2014/main" xmlns="" val="10003"/>
                   </a:ext>
                 </a:extLst>
               </a:tr>
@@ -16001,14 +20100,14 @@
                 <a:gridCol w="2341880">
                   <a:extLst>
                     <a:ext uri="{9D8B030D-6E8A-4147-A177-3AD203B41FA5}">
-                      <a16:colId xmlns:a16="http://schemas.microsoft.com/office/drawing/2014/main" val="20000"/>
+                      <a16:colId xmlns:a16="http://schemas.microsoft.com/office/drawing/2014/main" xmlns="" val="20000"/>
                     </a:ext>
                   </a:extLst>
                 </a:gridCol>
                 <a:gridCol w="2341880">
                   <a:extLst>
                     <a:ext uri="{9D8B030D-6E8A-4147-A177-3AD203B41FA5}">
-                      <a16:colId xmlns:a16="http://schemas.microsoft.com/office/drawing/2014/main" val="20001"/>
+                      <a16:colId xmlns:a16="http://schemas.microsoft.com/office/drawing/2014/main" xmlns="" val="20001"/>
                     </a:ext>
                   </a:extLst>
                 </a:gridCol>
@@ -16046,7 +20145,7 @@
                 </a:tc>
                 <a:extLst>
                   <a:ext uri="{0D108BD9-81ED-4DB2-BD59-A6C34878D82A}">
-                    <a16:rowId xmlns:a16="http://schemas.microsoft.com/office/drawing/2014/main" val="10000"/>
+                    <a16:rowId xmlns:a16="http://schemas.microsoft.com/office/drawing/2014/main" xmlns="" val="10000"/>
                   </a:ext>
                 </a:extLst>
               </a:tr>
@@ -16083,7 +20182,7 @@
                 </a:tc>
                 <a:extLst>
                   <a:ext uri="{0D108BD9-81ED-4DB2-BD59-A6C34878D82A}">
-                    <a16:rowId xmlns:a16="http://schemas.microsoft.com/office/drawing/2014/main" val="10001"/>
+                    <a16:rowId xmlns:a16="http://schemas.microsoft.com/office/drawing/2014/main" xmlns="" val="10001"/>
                   </a:ext>
                 </a:extLst>
               </a:tr>
@@ -16120,7 +20219,7 @@
                 </a:tc>
                 <a:extLst>
                   <a:ext uri="{0D108BD9-81ED-4DB2-BD59-A6C34878D82A}">
-                    <a16:rowId xmlns:a16="http://schemas.microsoft.com/office/drawing/2014/main" val="10002"/>
+                    <a16:rowId xmlns:a16="http://schemas.microsoft.com/office/drawing/2014/main" xmlns="" val="10002"/>
                   </a:ext>
                 </a:extLst>
               </a:tr>
@@ -16136,7 +20235,7 @@
         </p:nvSpPr>
         <p:spPr>
           <a:xfrm>
-            <a:off x="7741920" y="5565877"/>
+            <a:off x="8524240" y="4304890"/>
             <a:ext cx="3667760" cy="1077218"/>
           </a:xfrm>
           <a:prstGeom prst="rect">
@@ -16159,6 +20258,119 @@
                 <a:ea typeface="楷体" panose="02010609060101010101" pitchFamily="49" charset="-122"/>
               </a:rPr>
               <a:t>很难支持属性是变量的情况</a:t>
+            </a:r>
+            <a:endParaRPr lang="zh-CN" altLang="en-US" sz="3200" dirty="0">
+              <a:solidFill>
+                <a:srgbClr val="FF0000"/>
+              </a:solidFill>
+              <a:latin typeface="楷体" panose="02010609060101010101" pitchFamily="49" charset="-122"/>
+              <a:ea typeface="楷体" panose="02010609060101010101" pitchFamily="49" charset="-122"/>
+            </a:endParaRPr>
+          </a:p>
+        </p:txBody>
+      </p:sp>
+      <p:sp>
+        <p:nvSpPr>
+          <p:cNvPr id="2" name="矩形 1"/>
+          <p:cNvSpPr/>
+          <p:nvPr/>
+        </p:nvSpPr>
+        <p:spPr>
+          <a:xfrm>
+            <a:off x="8524240" y="3297411"/>
+            <a:ext cx="2781271" cy="830997"/>
+          </a:xfrm>
+          <a:prstGeom prst="rect">
+            <a:avLst/>
+          </a:prstGeom>
+          <a:noFill/>
+        </p:spPr>
+        <p:txBody>
+          <a:bodyPr wrap="square" lIns="91440" tIns="45720" rIns="91440" bIns="45720">
+            <a:spAutoFit/>
+          </a:bodyPr>
+          <a:lstStyle/>
+          <a:p>
+            <a:pPr algn="ctr"/>
+            <a:r>
+              <a:rPr lang="zh-CN" altLang="en-US" sz="2400" dirty="0">
+                <a:ln w="0"/>
+                <a:solidFill>
+                  <a:schemeClr val="accent1"/>
+                </a:solidFill>
+                <a:effectLst>
+                  <a:outerShdw blurRad="38100" dist="25400" dir="5400000" algn="ctr" rotWithShape="0">
+                    <a:srgbClr val="6E747A">
+                      <a:alpha val="43000"/>
+                    </a:srgbClr>
+                  </a:outerShdw>
+                </a:effectLst>
+              </a:rPr>
+              <a:t>对</a:t>
+            </a:r>
+            <a:r>
+              <a:rPr lang="zh-CN" altLang="en-US" sz="2400" dirty="0" smtClean="0">
+                <a:ln w="0"/>
+                <a:solidFill>
+                  <a:schemeClr val="accent1"/>
+                </a:solidFill>
+                <a:effectLst>
+                  <a:outerShdw blurRad="38100" dist="25400" dir="5400000" algn="ctr" rotWithShape="0">
+                    <a:srgbClr val="6E747A">
+                      <a:alpha val="43000"/>
+                    </a:srgbClr>
+                  </a:outerShdw>
+                </a:effectLst>
+              </a:rPr>
+              <a:t>于属性是不变量是非常友好的</a:t>
+            </a:r>
+            <a:endParaRPr lang="zh-CN" altLang="en-US" sz="2400" b="0" cap="none" spc="0" dirty="0">
+              <a:ln w="0"/>
+              <a:solidFill>
+                <a:schemeClr val="accent1"/>
+              </a:solidFill>
+              <a:effectLst>
+                <a:outerShdw blurRad="38100" dist="25400" dir="5400000" algn="ctr" rotWithShape="0">
+                  <a:srgbClr val="6E747A">
+                    <a:alpha val="43000"/>
+                  </a:srgbClr>
+                </a:outerShdw>
+              </a:effectLst>
+            </a:endParaRPr>
+          </a:p>
+        </p:txBody>
+      </p:sp>
+      <p:sp>
+        <p:nvSpPr>
+          <p:cNvPr id="3" name="文本框 2"/>
+          <p:cNvSpPr txBox="1"/>
+          <p:nvPr/>
+        </p:nvSpPr>
+        <p:spPr>
+          <a:xfrm>
+            <a:off x="8524240" y="5735072"/>
+            <a:ext cx="3769113" cy="584775"/>
+          </a:xfrm>
+          <a:prstGeom prst="rect">
+            <a:avLst/>
+          </a:prstGeom>
+          <a:noFill/>
+        </p:spPr>
+        <p:txBody>
+          <a:bodyPr wrap="square" rtlCol="0">
+            <a:spAutoFit/>
+          </a:bodyPr>
+          <a:lstStyle/>
+          <a:p>
+            <a:r>
+              <a:rPr lang="zh-CN" altLang="en-US" sz="3200" dirty="0" smtClean="0">
+                <a:solidFill>
+                  <a:srgbClr val="FF0000"/>
+                </a:solidFill>
+                <a:latin typeface="楷体" panose="02010609060101010101" pitchFamily="49" charset="-122"/>
+                <a:ea typeface="楷体" panose="02010609060101010101" pitchFamily="49" charset="-122"/>
+              </a:rPr>
+              <a:t>删除代价太大</a:t>
             </a:r>
             <a:endParaRPr lang="zh-CN" altLang="en-US" sz="3200" dirty="0">
               <a:solidFill>
@@ -17995,17 +22207,7 @@
                 <a:latin typeface="楷体" panose="02010609060101010101" pitchFamily="49" charset="-122"/>
                 <a:ea typeface="楷体" panose="02010609060101010101" pitchFamily="49" charset="-122"/>
               </a:rPr>
-              <a:t>数据</a:t>
-            </a:r>
-            <a:r>
-              <a:rPr lang="zh-CN" altLang="en-US" sz="2400" dirty="0" smtClean="0">
-                <a:solidFill>
-                  <a:srgbClr val="FF0000"/>
-                </a:solidFill>
-                <a:latin typeface="楷体" panose="02010609060101010101" pitchFamily="49" charset="-122"/>
-                <a:ea typeface="楷体" panose="02010609060101010101" pitchFamily="49" charset="-122"/>
-              </a:rPr>
-              <a:t>更新速度慢</a:t>
+              <a:t>数据更新速度慢</a:t>
             </a:r>
             <a:endParaRPr lang="en-US" altLang="zh-CN" sz="2400" dirty="0" smtClean="0">
               <a:solidFill>
@@ -18433,7 +22635,7 @@
         </p:blipFill>
         <p:spPr>
           <a:xfrm>
-            <a:off x="716280" y="5084361"/>
+            <a:off x="716280" y="5106663"/>
             <a:ext cx="8811855" cy="1200318"/>
           </a:xfrm>
           <a:prstGeom prst="rect">
@@ -19351,14 +23553,14 @@
                 <a:gridCol w="2564065">
                   <a:extLst>
                     <a:ext uri="{9D8B030D-6E8A-4147-A177-3AD203B41FA5}">
-                      <a16:colId xmlns:a16="http://schemas.microsoft.com/office/drawing/2014/main" val="20000"/>
+                      <a16:colId xmlns:a16="http://schemas.microsoft.com/office/drawing/2014/main" xmlns="" val="20000"/>
                     </a:ext>
                   </a:extLst>
                 </a:gridCol>
                 <a:gridCol w="7315199">
                   <a:extLst>
                     <a:ext uri="{9D8B030D-6E8A-4147-A177-3AD203B41FA5}">
-                      <a16:colId xmlns:a16="http://schemas.microsoft.com/office/drawing/2014/main" val="20001"/>
+                      <a16:colId xmlns:a16="http://schemas.microsoft.com/office/drawing/2014/main" xmlns="" val="20001"/>
                     </a:ext>
                   </a:extLst>
                 </a:gridCol>
@@ -19396,7 +23598,7 @@
                 </a:tc>
                 <a:extLst>
                   <a:ext uri="{0D108BD9-81ED-4DB2-BD59-A6C34878D82A}">
-                    <a16:rowId xmlns:a16="http://schemas.microsoft.com/office/drawing/2014/main" val="10000"/>
+                    <a16:rowId xmlns:a16="http://schemas.microsoft.com/office/drawing/2014/main" xmlns="" val="10000"/>
                   </a:ext>
                 </a:extLst>
               </a:tr>
@@ -19449,7 +23651,7 @@
                 </a:tc>
                 <a:extLst>
                   <a:ext uri="{0D108BD9-81ED-4DB2-BD59-A6C34878D82A}">
-                    <a16:rowId xmlns:a16="http://schemas.microsoft.com/office/drawing/2014/main" val="10001"/>
+                    <a16:rowId xmlns:a16="http://schemas.microsoft.com/office/drawing/2014/main" xmlns="" val="10001"/>
                   </a:ext>
                 </a:extLst>
               </a:tr>
@@ -19486,7 +23688,7 @@
                 </a:tc>
                 <a:extLst>
                   <a:ext uri="{0D108BD9-81ED-4DB2-BD59-A6C34878D82A}">
-                    <a16:rowId xmlns:a16="http://schemas.microsoft.com/office/drawing/2014/main" val="10002"/>
+                    <a16:rowId xmlns:a16="http://schemas.microsoft.com/office/drawing/2014/main" xmlns="" val="10002"/>
                   </a:ext>
                 </a:extLst>
               </a:tr>
@@ -19559,7 +23761,7 @@
           <a:graphicData uri="http://schemas.openxmlformats.org/presentationml/2006/ole">
             <mc:AlternateContent xmlns:mc="http://schemas.openxmlformats.org/markup-compatibility/2006">
               <mc:Choice xmlns:v="urn:schemas-microsoft-com:vml" Requires="v">
-                <p:oleObj spid="_x0000_s2069" name="Equation" r:id="rId4" imgW="4356000" imgH="203040" progId="Equation.DSMT4">
+                <p:oleObj spid="_x0000_s2081" name="Equation" r:id="rId4" imgW="4356000" imgH="203040" progId="Equation.DSMT4">
                   <p:embed/>
                 </p:oleObj>
               </mc:Choice>
@@ -19616,7 +23818,7 @@
           <a:graphicData uri="http://schemas.openxmlformats.org/presentationml/2006/ole">
             <mc:AlternateContent xmlns:mc="http://schemas.openxmlformats.org/markup-compatibility/2006">
               <mc:Choice xmlns:v="urn:schemas-microsoft-com:vml" Requires="v">
-                <p:oleObj spid="_x0000_s2070" name="Equation" r:id="rId6" imgW="3860640" imgH="203040" progId="Equation.DSMT4">
+                <p:oleObj spid="_x0000_s2082" name="Equation" r:id="rId6" imgW="3860640" imgH="203040" progId="Equation.DSMT4">
                   <p:embed/>
                 </p:oleObj>
               </mc:Choice>
@@ -19661,6 +23863,13 @@
   <p:clrMapOvr>
     <a:masterClrMapping/>
   </p:clrMapOvr>
+  <p:timing>
+    <p:tnLst>
+      <p:par>
+        <p:cTn id="1" dur="indefinite" restart="never" nodeType="tmRoot"/>
+      </p:par>
+    </p:tnLst>
+  </p:timing>
 </p:sld>
 </file>
 
@@ -19764,36 +23973,6 @@
           <a:chExt cx="0" cy="0"/>
         </a:xfrm>
       </p:grpSpPr>
-      <p:pic>
-        <p:nvPicPr>
-          <p:cNvPr id="4" name="图片 3"/>
-          <p:cNvPicPr>
-            <a:picLocks noChangeAspect="1"/>
-          </p:cNvPicPr>
-          <p:nvPr/>
-        </p:nvPicPr>
-        <p:blipFill>
-          <a:blip r:embed="rId3">
-            <a:extLst>
-              <a:ext uri="{28A0092B-C50C-407E-A947-70E740481C1C}">
-                <a14:useLocalDpi xmlns:a14="http://schemas.microsoft.com/office/drawing/2010/main" val="0"/>
-              </a:ext>
-            </a:extLst>
-          </a:blip>
-          <a:stretch>
-            <a:fillRect/>
-          </a:stretch>
-        </p:blipFill>
-        <p:spPr>
-          <a:xfrm>
-            <a:off x="4194778" y="-84222"/>
-            <a:ext cx="8181938" cy="6858000"/>
-          </a:xfrm>
-          <a:prstGeom prst="rect">
-            <a:avLst/>
-          </a:prstGeom>
-        </p:spPr>
-      </p:pic>
       <p:sp>
         <p:nvSpPr>
           <p:cNvPr id="5" name="矩形 4"/>
@@ -19903,14 +24082,14 @@
                 <a:gridCol w="1685285">
                   <a:extLst>
                     <a:ext uri="{9D8B030D-6E8A-4147-A177-3AD203B41FA5}">
-                      <a16:colId xmlns:a16="http://schemas.microsoft.com/office/drawing/2014/main" val="20000"/>
+                      <a16:colId xmlns:a16="http://schemas.microsoft.com/office/drawing/2014/main" xmlns="" val="20000"/>
                     </a:ext>
                   </a:extLst>
                 </a:gridCol>
                 <a:gridCol w="1685285">
                   <a:extLst>
                     <a:ext uri="{9D8B030D-6E8A-4147-A177-3AD203B41FA5}">
-                      <a16:colId xmlns:a16="http://schemas.microsoft.com/office/drawing/2014/main" val="20001"/>
+                      <a16:colId xmlns:a16="http://schemas.microsoft.com/office/drawing/2014/main" xmlns="" val="20001"/>
                     </a:ext>
                   </a:extLst>
                 </a:gridCol>
@@ -19946,7 +24125,7 @@
                 </a:tc>
                 <a:extLst>
                   <a:ext uri="{0D108BD9-81ED-4DB2-BD59-A6C34878D82A}">
-                    <a16:rowId xmlns:a16="http://schemas.microsoft.com/office/drawing/2014/main" val="10000"/>
+                    <a16:rowId xmlns:a16="http://schemas.microsoft.com/office/drawing/2014/main" xmlns="" val="10000"/>
                   </a:ext>
                 </a:extLst>
               </a:tr>
@@ -19981,7 +24160,7 @@
                 </a:tc>
                 <a:extLst>
                   <a:ext uri="{0D108BD9-81ED-4DB2-BD59-A6C34878D82A}">
-                    <a16:rowId xmlns:a16="http://schemas.microsoft.com/office/drawing/2014/main" val="10001"/>
+                    <a16:rowId xmlns:a16="http://schemas.microsoft.com/office/drawing/2014/main" xmlns="" val="10001"/>
                   </a:ext>
                 </a:extLst>
               </a:tr>
@@ -20017,14 +24196,14 @@
                 <a:gridCol w="1685285">
                   <a:extLst>
                     <a:ext uri="{9D8B030D-6E8A-4147-A177-3AD203B41FA5}">
-                      <a16:colId xmlns:a16="http://schemas.microsoft.com/office/drawing/2014/main" val="20000"/>
+                      <a16:colId xmlns:a16="http://schemas.microsoft.com/office/drawing/2014/main" xmlns="" val="20000"/>
                     </a:ext>
                   </a:extLst>
                 </a:gridCol>
                 <a:gridCol w="1685285">
                   <a:extLst>
                     <a:ext uri="{9D8B030D-6E8A-4147-A177-3AD203B41FA5}">
-                      <a16:colId xmlns:a16="http://schemas.microsoft.com/office/drawing/2014/main" val="20001"/>
+                      <a16:colId xmlns:a16="http://schemas.microsoft.com/office/drawing/2014/main" xmlns="" val="20001"/>
                     </a:ext>
                   </a:extLst>
                 </a:gridCol>
@@ -20060,7 +24239,7 @@
                 </a:tc>
                 <a:extLst>
                   <a:ext uri="{0D108BD9-81ED-4DB2-BD59-A6C34878D82A}">
-                    <a16:rowId xmlns:a16="http://schemas.microsoft.com/office/drawing/2014/main" val="10000"/>
+                    <a16:rowId xmlns:a16="http://schemas.microsoft.com/office/drawing/2014/main" xmlns="" val="10000"/>
                   </a:ext>
                 </a:extLst>
               </a:tr>
@@ -20095,7 +24274,7 @@
                 </a:tc>
                 <a:extLst>
                   <a:ext uri="{0D108BD9-81ED-4DB2-BD59-A6C34878D82A}">
-                    <a16:rowId xmlns:a16="http://schemas.microsoft.com/office/drawing/2014/main" val="10001"/>
+                    <a16:rowId xmlns:a16="http://schemas.microsoft.com/office/drawing/2014/main" xmlns="" val="10001"/>
                   </a:ext>
                 </a:extLst>
               </a:tr>
@@ -20131,14 +24310,14 @@
                 <a:gridCol w="1733411">
                   <a:extLst>
                     <a:ext uri="{9D8B030D-6E8A-4147-A177-3AD203B41FA5}">
-                      <a16:colId xmlns:a16="http://schemas.microsoft.com/office/drawing/2014/main" val="20000"/>
+                      <a16:colId xmlns:a16="http://schemas.microsoft.com/office/drawing/2014/main" xmlns="" val="20000"/>
                     </a:ext>
                   </a:extLst>
                 </a:gridCol>
                 <a:gridCol w="1733411">
                   <a:extLst>
                     <a:ext uri="{9D8B030D-6E8A-4147-A177-3AD203B41FA5}">
-                      <a16:colId xmlns:a16="http://schemas.microsoft.com/office/drawing/2014/main" val="20001"/>
+                      <a16:colId xmlns:a16="http://schemas.microsoft.com/office/drawing/2014/main" xmlns="" val="20001"/>
                     </a:ext>
                   </a:extLst>
                 </a:gridCol>
@@ -20174,7 +24353,7 @@
                 </a:tc>
                 <a:extLst>
                   <a:ext uri="{0D108BD9-81ED-4DB2-BD59-A6C34878D82A}">
-                    <a16:rowId xmlns:a16="http://schemas.microsoft.com/office/drawing/2014/main" val="10000"/>
+                    <a16:rowId xmlns:a16="http://schemas.microsoft.com/office/drawing/2014/main" xmlns="" val="10000"/>
                   </a:ext>
                 </a:extLst>
               </a:tr>
@@ -20209,7 +24388,7 @@
                 </a:tc>
                 <a:extLst>
                   <a:ext uri="{0D108BD9-81ED-4DB2-BD59-A6C34878D82A}">
-                    <a16:rowId xmlns:a16="http://schemas.microsoft.com/office/drawing/2014/main" val="10001"/>
+                    <a16:rowId xmlns:a16="http://schemas.microsoft.com/office/drawing/2014/main" xmlns="" val="10001"/>
                   </a:ext>
                 </a:extLst>
               </a:tr>
@@ -20226,14 +24405,14 @@
           <p:nvPr>
             <p:extLst>
               <p:ext uri="{D42A27DB-BD31-4B8C-83A1-F6EECF244321}">
-                <p14:modId xmlns:p14="http://schemas.microsoft.com/office/powerpoint/2010/main" val="3255342129"/>
+                <p14:modId xmlns:p14="http://schemas.microsoft.com/office/powerpoint/2010/main" val="3962942307"/>
               </p:ext>
             </p:extLst>
           </p:nvPr>
         </p:nvGraphicFramePr>
         <p:xfrm>
-          <a:off x="226873" y="5555302"/>
-          <a:ext cx="4453411" cy="741680"/>
+          <a:off x="226874" y="5555302"/>
+          <a:ext cx="4809360" cy="954543"/>
         </p:xfrm>
         <a:graphic>
           <a:graphicData uri="http://schemas.openxmlformats.org/drawingml/2006/table">
@@ -20242,29 +24421,29 @@
                 <a:tableStyleId>{93296810-A885-4BE3-A3E7-6D5BEEA58F35}</a:tableStyleId>
               </a:tblPr>
               <a:tblGrid>
-                <a:gridCol w="1293827">
+                <a:gridCol w="1397239">
                   <a:extLst>
                     <a:ext uri="{9D8B030D-6E8A-4147-A177-3AD203B41FA5}">
-                      <a16:colId xmlns:a16="http://schemas.microsoft.com/office/drawing/2014/main" val="20000"/>
+                      <a16:colId xmlns:a16="http://schemas.microsoft.com/office/drawing/2014/main" xmlns="" val="20000"/>
                     </a:ext>
                   </a:extLst>
                 </a:gridCol>
-                <a:gridCol w="1631574">
+                <a:gridCol w="1761981">
                   <a:extLst>
                     <a:ext uri="{9D8B030D-6E8A-4147-A177-3AD203B41FA5}">
-                      <a16:colId xmlns:a16="http://schemas.microsoft.com/office/drawing/2014/main" val="20001"/>
+                      <a16:colId xmlns:a16="http://schemas.microsoft.com/office/drawing/2014/main" xmlns="" val="20001"/>
                     </a:ext>
                   </a:extLst>
                 </a:gridCol>
-                <a:gridCol w="1528010">
+                <a:gridCol w="1650140">
                   <a:extLst>
                     <a:ext uri="{9D8B030D-6E8A-4147-A177-3AD203B41FA5}">
-                      <a16:colId xmlns:a16="http://schemas.microsoft.com/office/drawing/2014/main" val="20002"/>
+                      <a16:colId xmlns:a16="http://schemas.microsoft.com/office/drawing/2014/main" xmlns="" val="20002"/>
                     </a:ext>
                   </a:extLst>
                 </a:gridCol>
               </a:tblGrid>
-              <a:tr h="370840">
+              <a:tr h="588783">
                 <a:tc>
                   <a:txBody>
                     <a:bodyPr/>
@@ -20309,11 +24488,11 @@
                 </a:tc>
                 <a:extLst>
                   <a:ext uri="{0D108BD9-81ED-4DB2-BD59-A6C34878D82A}">
-                    <a16:rowId xmlns:a16="http://schemas.microsoft.com/office/drawing/2014/main" val="10000"/>
+                    <a16:rowId xmlns:a16="http://schemas.microsoft.com/office/drawing/2014/main" xmlns="" val="10000"/>
                   </a:ext>
                 </a:extLst>
               </a:tr>
-              <a:tr h="370840">
+              <a:tr h="341121">
                 <a:tc>
                   <a:txBody>
                     <a:bodyPr/>
@@ -20358,7 +24537,7 @@
                 </a:tc>
                 <a:extLst>
                   <a:ext uri="{0D108BD9-81ED-4DB2-BD59-A6C34878D82A}">
-                    <a16:rowId xmlns:a16="http://schemas.microsoft.com/office/drawing/2014/main" val="10001"/>
+                    <a16:rowId xmlns:a16="http://schemas.microsoft.com/office/drawing/2014/main" xmlns="" val="10001"/>
                   </a:ext>
                 </a:extLst>
               </a:tr>
@@ -20366,6 +24545,36 @@
           </a:graphicData>
         </a:graphic>
       </p:graphicFrame>
+      <p:pic>
+        <p:nvPicPr>
+          <p:cNvPr id="10" name="图片 9"/>
+          <p:cNvPicPr>
+            <a:picLocks noChangeAspect="1"/>
+          </p:cNvPicPr>
+          <p:nvPr/>
+        </p:nvPicPr>
+        <p:blipFill>
+          <a:blip r:embed="rId3">
+            <a:extLst>
+              <a:ext uri="{28A0092B-C50C-407E-A947-70E740481C1C}">
+                <a14:useLocalDpi xmlns:a14="http://schemas.microsoft.com/office/drawing/2010/main" val="0"/>
+              </a:ext>
+            </a:extLst>
+          </a:blip>
+          <a:stretch>
+            <a:fillRect/>
+          </a:stretch>
+        </p:blipFill>
+        <p:spPr>
+          <a:xfrm>
+            <a:off x="4571999" y="0"/>
+            <a:ext cx="7901097" cy="6858000"/>
+          </a:xfrm>
+          <a:prstGeom prst="rect">
+            <a:avLst/>
+          </a:prstGeom>
+        </p:spPr>
+      </p:pic>
     </p:spTree>
     <p:extLst>
       <p:ext uri="{BB962C8B-B14F-4D97-AF65-F5344CB8AC3E}">
@@ -20376,6 +24585,13 @@
   <p:clrMapOvr>
     <a:masterClrMapping/>
   </p:clrMapOvr>
+  <p:timing>
+    <p:tnLst>
+      <p:par>
+        <p:cTn id="1" dur="indefinite" restart="never" nodeType="tmRoot"/>
+      </p:par>
+    </p:tnLst>
+  </p:timing>
 </p:sld>
 </file>
 
@@ -20708,6 +24924,13 @@
   <p:clrMapOvr>
     <a:masterClrMapping/>
   </p:clrMapOvr>
+  <p:timing>
+    <p:tnLst>
+      <p:par>
+        <p:cTn id="1" dur="indefinite" restart="never" nodeType="tmRoot"/>
+      </p:par>
+    </p:tnLst>
+  </p:timing>
 </p:sld>
 </file>
 
@@ -21207,21 +25430,21 @@
                 <a:gridCol w="1950720">
                   <a:extLst>
                     <a:ext uri="{9D8B030D-6E8A-4147-A177-3AD203B41FA5}">
-                      <a16:colId xmlns:a16="http://schemas.microsoft.com/office/drawing/2014/main" val="20000"/>
+                      <a16:colId xmlns:a16="http://schemas.microsoft.com/office/drawing/2014/main" xmlns="" val="20000"/>
                     </a:ext>
                   </a:extLst>
                 </a:gridCol>
                 <a:gridCol w="1950720">
                   <a:extLst>
                     <a:ext uri="{9D8B030D-6E8A-4147-A177-3AD203B41FA5}">
-                      <a16:colId xmlns:a16="http://schemas.microsoft.com/office/drawing/2014/main" val="20001"/>
+                      <a16:colId xmlns:a16="http://schemas.microsoft.com/office/drawing/2014/main" xmlns="" val="20001"/>
                     </a:ext>
                   </a:extLst>
                 </a:gridCol>
                 <a:gridCol w="1950720">
                   <a:extLst>
                     <a:ext uri="{9D8B030D-6E8A-4147-A177-3AD203B41FA5}">
-                      <a16:colId xmlns:a16="http://schemas.microsoft.com/office/drawing/2014/main" val="20002"/>
+                      <a16:colId xmlns:a16="http://schemas.microsoft.com/office/drawing/2014/main" xmlns="" val="20002"/>
                     </a:ext>
                   </a:extLst>
                 </a:gridCol>
@@ -21274,7 +25497,7 @@
                 </a:tc>
                 <a:extLst>
                   <a:ext uri="{0D108BD9-81ED-4DB2-BD59-A6C34878D82A}">
-                    <a16:rowId xmlns:a16="http://schemas.microsoft.com/office/drawing/2014/main" val="10000"/>
+                    <a16:rowId xmlns:a16="http://schemas.microsoft.com/office/drawing/2014/main" xmlns="" val="10000"/>
                   </a:ext>
                 </a:extLst>
               </a:tr>
@@ -21326,7 +25549,7 @@
                 </a:tc>
                 <a:extLst>
                   <a:ext uri="{0D108BD9-81ED-4DB2-BD59-A6C34878D82A}">
-                    <a16:rowId xmlns:a16="http://schemas.microsoft.com/office/drawing/2014/main" val="10001"/>
+                    <a16:rowId xmlns:a16="http://schemas.microsoft.com/office/drawing/2014/main" xmlns="" val="10001"/>
                   </a:ext>
                 </a:extLst>
               </a:tr>
@@ -21620,36 +25843,6 @@
           <a:chExt cx="0" cy="0"/>
         </a:xfrm>
       </p:grpSpPr>
-      <p:pic>
-        <p:nvPicPr>
-          <p:cNvPr id="5" name="图片 4"/>
-          <p:cNvPicPr>
-            <a:picLocks noChangeAspect="1"/>
-          </p:cNvPicPr>
-          <p:nvPr/>
-        </p:nvPicPr>
-        <p:blipFill>
-          <a:blip r:embed="rId3">
-            <a:extLst>
-              <a:ext uri="{28A0092B-C50C-407E-A947-70E740481C1C}">
-                <a14:useLocalDpi xmlns:a14="http://schemas.microsoft.com/office/drawing/2010/main" val="0"/>
-              </a:ext>
-            </a:extLst>
-          </a:blip>
-          <a:stretch>
-            <a:fillRect/>
-          </a:stretch>
-        </p:blipFill>
-        <p:spPr>
-          <a:xfrm>
-            <a:off x="4010062" y="-188496"/>
-            <a:ext cx="8181938" cy="6858000"/>
-          </a:xfrm>
-          <a:prstGeom prst="rect">
-            <a:avLst/>
-          </a:prstGeom>
-        </p:spPr>
-      </p:pic>
       <p:sp>
         <p:nvSpPr>
           <p:cNvPr id="3" name="矩形 2"/>
@@ -21731,61 +25924,95 @@
           </a:p>
         </p:txBody>
       </p:sp>
+      <p:graphicFrame>
+        <p:nvGraphicFramePr>
+          <p:cNvPr id="7" name="图示 6"/>
+          <p:cNvGraphicFramePr/>
+          <p:nvPr>
+            <p:extLst>
+              <p:ext uri="{D42A27DB-BD31-4B8C-83A1-F6EECF244321}">
+                <p14:modId xmlns:p14="http://schemas.microsoft.com/office/powerpoint/2010/main" val="4283404474"/>
+              </p:ext>
+            </p:extLst>
+          </p:nvPr>
+        </p:nvGraphicFramePr>
+        <p:xfrm>
+          <a:off x="-1" y="3529046"/>
+          <a:ext cx="4763387" cy="1000423"/>
+        </p:xfrm>
+        <a:graphic>
+          <a:graphicData uri="http://schemas.openxmlformats.org/drawingml/2006/diagram">
+            <dgm:relIds xmlns:dgm="http://schemas.openxmlformats.org/drawingml/2006/diagram" xmlns:r="http://schemas.openxmlformats.org/officeDocument/2006/relationships" r:dm="rId3" r:lo="rId4" r:qs="rId5" r:cs="rId6"/>
+          </a:graphicData>
+        </a:graphic>
+      </p:graphicFrame>
+      <p:pic>
+        <p:nvPicPr>
+          <p:cNvPr id="2" name="图片 1"/>
+          <p:cNvPicPr>
+            <a:picLocks noChangeAspect="1"/>
+          </p:cNvPicPr>
+          <p:nvPr/>
+        </p:nvPicPr>
+        <p:blipFill>
+          <a:blip r:embed="rId8">
+            <a:extLst>
+              <a:ext uri="{28A0092B-C50C-407E-A947-70E740481C1C}">
+                <a14:useLocalDpi xmlns:a14="http://schemas.microsoft.com/office/drawing/2010/main" val="0"/>
+              </a:ext>
+            </a:extLst>
+          </a:blip>
+          <a:stretch>
+            <a:fillRect/>
+          </a:stretch>
+        </p:blipFill>
+        <p:spPr>
+          <a:xfrm>
+            <a:off x="3125334" y="-21265"/>
+            <a:ext cx="9066666" cy="6858000"/>
+          </a:xfrm>
+          <a:prstGeom prst="rect">
+            <a:avLst/>
+          </a:prstGeom>
+        </p:spPr>
+      </p:pic>
       <p:sp>
         <p:nvSpPr>
-          <p:cNvPr id="4" name="文本框 3"/>
-          <p:cNvSpPr txBox="1"/>
+          <p:cNvPr id="6" name="椭圆 5"/>
+          <p:cNvSpPr/>
           <p:nvPr/>
         </p:nvSpPr>
         <p:spPr>
           <a:xfrm>
-            <a:off x="0" y="3529047"/>
-            <a:ext cx="6816330" cy="477054"/>
+            <a:off x="8405951" y="2777811"/>
+            <a:ext cx="1377812" cy="922107"/>
           </a:xfrm>
-          <a:prstGeom prst="rect">
+          <a:prstGeom prst="ellipse">
             <a:avLst/>
           </a:prstGeom>
-          <a:noFill/>
         </p:spPr>
+        <p:style>
+          <a:lnRef idx="2">
+            <a:schemeClr val="accent1">
+              <a:shade val="50000"/>
+            </a:schemeClr>
+          </a:lnRef>
+          <a:fillRef idx="1">
+            <a:schemeClr val="accent1"/>
+          </a:fillRef>
+          <a:effectRef idx="0">
+            <a:schemeClr val="accent1"/>
+          </a:effectRef>
+          <a:fontRef idx="minor">
+            <a:schemeClr val="lt1"/>
+          </a:fontRef>
+        </p:style>
         <p:txBody>
-          <a:bodyPr wrap="square" rtlCol="0">
-            <a:spAutoFit/>
-          </a:bodyPr>
+          <a:bodyPr rtlCol="0" anchor="ctr"/>
           <a:lstStyle/>
           <a:p>
-            <a:r>
-              <a:rPr lang="en-US" altLang="zh-CN" sz="2500" b="1" dirty="0" err="1">
-                <a:latin typeface="Times New Roman" panose="02020603050405020304" pitchFamily="18" charset="0"/>
-              </a:rPr>
-              <a:t>i</a:t>
-            </a:r>
-            <a:r>
-              <a:rPr lang="en-US" altLang="zh-CN" sz="2500" b="1" dirty="0" err="1" smtClean="0">
-                <a:latin typeface="Times New Roman" panose="02020603050405020304" pitchFamily="18" charset="0"/>
-              </a:rPr>
-              <a:t>nfo:age</a:t>
-            </a:r>
-            <a:r>
-              <a:rPr lang="en-US" altLang="zh-CN" sz="2500" b="1" dirty="0" smtClean="0">
-                <a:latin typeface="Times New Roman" panose="02020603050405020304" pitchFamily="18" charset="0"/>
-              </a:rPr>
-              <a:t> </a:t>
-            </a:r>
-            <a:r>
-              <a:rPr lang="en-US" altLang="zh-CN" sz="2500" dirty="0" smtClean="0">
-                <a:latin typeface="Times New Roman" panose="02020603050405020304" pitchFamily="18" charset="0"/>
-              </a:rPr>
-              <a:t> ==   </a:t>
-            </a:r>
-            <a:r>
-              <a:rPr lang="en-US" altLang="zh-CN" sz="2500" b="1" dirty="0" smtClean="0">
-                <a:latin typeface="Times New Roman" panose="02020603050405020304" pitchFamily="18" charset="0"/>
-              </a:rPr>
-              <a:t>&lt;http://zy.example.com/info#age&gt;</a:t>
-            </a:r>
-            <a:endParaRPr lang="zh-CN" altLang="en-US" sz="2500" b="1" dirty="0">
-              <a:latin typeface="Times New Roman" panose="02020603050405020304" pitchFamily="18" charset="0"/>
-            </a:endParaRPr>
+            <a:pPr algn="ctr"/>
+            <a:endParaRPr lang="zh-CN" altLang="en-US"/>
           </a:p>
         </p:txBody>
       </p:sp>
@@ -21833,7 +26060,7 @@
                                           </p:stCondLst>
                                         </p:cTn>
                                         <p:tgtEl>
-                                          <p:spTgt spid="4"/>
+                                          <p:spTgt spid="6"/>
                                         </p:tgtEl>
                                         <p:attrNameLst>
                                           <p:attrName>style.visibility</p:attrName>
@@ -21847,7 +26074,7 @@
                                       <p:cBhvr>
                                         <p:cTn id="7" dur="500"/>
                                         <p:tgtEl>
-                                          <p:spTgt spid="4"/>
+                                          <p:spTgt spid="6"/>
                                         </p:tgtEl>
                                       </p:cBhvr>
                                     </p:animEffect>
@@ -21855,7 +26082,7 @@
                                       <p:cBhvr>
                                         <p:cTn id="8" dur="500" fill="hold"/>
                                         <p:tgtEl>
-                                          <p:spTgt spid="4"/>
+                                          <p:spTgt spid="6"/>
                                         </p:tgtEl>
                                         <p:attrNameLst>
                                           <p:attrName>ppt_x</p:attrName>
@@ -21878,7 +26105,7 @@
                                       <p:cBhvr>
                                         <p:cTn id="9" dur="500" fill="hold"/>
                                         <p:tgtEl>
-                                          <p:spTgt spid="4"/>
+                                          <p:spTgt spid="6"/>
                                         </p:tgtEl>
                                         <p:attrNameLst>
                                           <p:attrName>ppt_y</p:attrName>
@@ -21928,7 +26155,7 @@
       </p:par>
     </p:tnLst>
     <p:bldLst>
-      <p:bldP spid="4" grpId="0"/>
+      <p:bldP spid="6" grpId="0" animBg="1"/>
     </p:bldLst>
   </p:timing>
 </p:sld>
@@ -22906,6 +27133,61 @@
           </a:p>
         </p:txBody>
       </p:sp>
+      <p:sp>
+        <p:nvSpPr>
+          <p:cNvPr id="2" name="矩形 1"/>
+          <p:cNvSpPr/>
+          <p:nvPr/>
+        </p:nvSpPr>
+        <p:spPr>
+          <a:xfrm>
+            <a:off x="7977620" y="613241"/>
+            <a:ext cx="2793202" cy="923330"/>
+          </a:xfrm>
+          <a:prstGeom prst="rect">
+            <a:avLst/>
+          </a:prstGeom>
+          <a:noFill/>
+        </p:spPr>
+        <p:txBody>
+          <a:bodyPr wrap="none" lIns="91440" tIns="45720" rIns="91440" bIns="45720">
+            <a:spAutoFit/>
+          </a:bodyPr>
+          <a:lstStyle/>
+          <a:p>
+            <a:pPr algn="ctr"/>
+            <a:r>
+              <a:rPr lang="en-US" altLang="zh-CN" sz="5400" b="0" cap="none" spc="0" dirty="0" smtClean="0">
+                <a:ln w="0"/>
+                <a:solidFill>
+                  <a:schemeClr val="accent1"/>
+                </a:solidFill>
+                <a:effectLst>
+                  <a:outerShdw blurRad="38100" dist="25400" dir="5400000" algn="ctr" rotWithShape="0">
+                    <a:srgbClr val="6E747A">
+                      <a:alpha val="43000"/>
+                    </a:srgbClr>
+                  </a:outerShdw>
+                </a:effectLst>
+              </a:rPr>
+              <a:t>RDF/XML</a:t>
+            </a:r>
+            <a:endParaRPr lang="zh-CN" altLang="en-US" sz="5400" b="0" cap="none" spc="0" dirty="0">
+              <a:ln w="0"/>
+              <a:solidFill>
+                <a:schemeClr val="accent1"/>
+              </a:solidFill>
+              <a:effectLst>
+                <a:outerShdw blurRad="38100" dist="25400" dir="5400000" algn="ctr" rotWithShape="0">
+                  <a:srgbClr val="6E747A">
+                    <a:alpha val="43000"/>
+                  </a:srgbClr>
+                </a:outerShdw>
+              </a:effectLst>
+            </a:endParaRPr>
+          </a:p>
+        </p:txBody>
+      </p:sp>
     </p:spTree>
     <p:extLst>
       <p:ext uri="{BB962C8B-B14F-4D97-AF65-F5344CB8AC3E}">
@@ -23355,6 +27637,61 @@
           </a:p>
           <a:p>
             <a:endParaRPr lang="zh-CN" altLang="en-US" dirty="0"/>
+          </a:p>
+        </p:txBody>
+      </p:sp>
+      <p:sp>
+        <p:nvSpPr>
+          <p:cNvPr id="2" name="矩形 1"/>
+          <p:cNvSpPr/>
+          <p:nvPr/>
+        </p:nvSpPr>
+        <p:spPr>
+          <a:xfrm>
+            <a:off x="8774677" y="2062664"/>
+            <a:ext cx="1821654" cy="923330"/>
+          </a:xfrm>
+          <a:prstGeom prst="rect">
+            <a:avLst/>
+          </a:prstGeom>
+          <a:noFill/>
+        </p:spPr>
+        <p:txBody>
+          <a:bodyPr wrap="none" lIns="91440" tIns="45720" rIns="91440" bIns="45720">
+            <a:spAutoFit/>
+          </a:bodyPr>
+          <a:lstStyle/>
+          <a:p>
+            <a:pPr algn="ctr"/>
+            <a:r>
+              <a:rPr lang="en-US" altLang="zh-CN" sz="5400" dirty="0" smtClean="0">
+                <a:ln w="0"/>
+                <a:solidFill>
+                  <a:schemeClr val="accent1"/>
+                </a:solidFill>
+                <a:effectLst>
+                  <a:outerShdw blurRad="38100" dist="25400" dir="5400000" algn="ctr" rotWithShape="0">
+                    <a:srgbClr val="6E747A">
+                      <a:alpha val="43000"/>
+                    </a:srgbClr>
+                  </a:outerShdw>
+                </a:effectLst>
+              </a:rPr>
+              <a:t>Turtle</a:t>
+            </a:r>
+            <a:endParaRPr lang="zh-CN" altLang="en-US" sz="5400" b="0" cap="none" spc="0" dirty="0">
+              <a:ln w="0"/>
+              <a:solidFill>
+                <a:schemeClr val="accent1"/>
+              </a:solidFill>
+              <a:effectLst>
+                <a:outerShdw blurRad="38100" dist="25400" dir="5400000" algn="ctr" rotWithShape="0">
+                  <a:srgbClr val="6E747A">
+                    <a:alpha val="43000"/>
+                  </a:srgbClr>
+                </a:outerShdw>
+              </a:effectLst>
+            </a:endParaRPr>
           </a:p>
         </p:txBody>
       </p:sp>

--- a/知识图谱存储与查询/知识图谱的查询与存储.pptx
+++ b/知识图谱存储与查询/知识图谱的查询与存储.pptx
@@ -1787,8 +1787,8 @@
     <dgm:cxn modelId="{3C08904C-9639-46F7-B1BE-767BE8ADB04B}" srcId="{F6557A3C-36B9-4DD6-9586-FF65E53670E1}" destId="{125E6CDD-4932-40B3-A7F4-A7E3070CC6FD}" srcOrd="1" destOrd="0" parTransId="{460E10E3-D461-425B-939C-789DC379582C}" sibTransId="{A1838544-53A2-46B7-9A47-E01CD89B95BB}"/>
     <dgm:cxn modelId="{FA85509E-9462-4C75-9257-074CBD1B172A}" type="presOf" srcId="{125E6CDD-4932-40B3-A7F4-A7E3070CC6FD}" destId="{D1835198-3AA6-4839-B670-AA8EB56A7241}" srcOrd="0" destOrd="0" presId="urn:microsoft.com/office/officeart/2005/8/layout/vList2"/>
     <dgm:cxn modelId="{FC6370C0-6F16-4C72-9576-BB13CD9BDA14}" srcId="{F6557A3C-36B9-4DD6-9586-FF65E53670E1}" destId="{3A66EEEC-A138-4F50-9E0C-6E2F3168EFC8}" srcOrd="0" destOrd="0" parTransId="{E9AD3A10-6AE4-42C3-9193-C8E5477D81FF}" sibTransId="{0910B0A5-F123-4FE6-9960-980FF72CC093}"/>
+    <dgm:cxn modelId="{5CEAE672-DE95-4F81-B42E-3FDFC1EDDDE3}" type="presOf" srcId="{F6557A3C-36B9-4DD6-9586-FF65E53670E1}" destId="{2A87C9A5-9165-481C-8128-486AF0B7E510}" srcOrd="0" destOrd="0" presId="urn:microsoft.com/office/officeart/2005/8/layout/vList2"/>
     <dgm:cxn modelId="{9A6AAE2A-CC1C-41F1-BA8C-B2A035A29A6E}" type="presOf" srcId="{3A66EEEC-A138-4F50-9E0C-6E2F3168EFC8}" destId="{CB022C8E-0941-4DF9-9E18-8DD6FE12F5B8}" srcOrd="0" destOrd="0" presId="urn:microsoft.com/office/officeart/2005/8/layout/vList2"/>
-    <dgm:cxn modelId="{5CEAE672-DE95-4F81-B42E-3FDFC1EDDDE3}" type="presOf" srcId="{F6557A3C-36B9-4DD6-9586-FF65E53670E1}" destId="{2A87C9A5-9165-481C-8128-486AF0B7E510}" srcOrd="0" destOrd="0" presId="urn:microsoft.com/office/officeart/2005/8/layout/vList2"/>
     <dgm:cxn modelId="{889610CF-EB69-45D4-8405-45FF1014EFF0}" type="presParOf" srcId="{2A87C9A5-9165-481C-8128-486AF0B7E510}" destId="{CB022C8E-0941-4DF9-9E18-8DD6FE12F5B8}" srcOrd="0" destOrd="0" presId="urn:microsoft.com/office/officeart/2005/8/layout/vList2"/>
     <dgm:cxn modelId="{F0D7A861-95C3-4C9A-9EAD-FADC2770AD57}" type="presParOf" srcId="{2A87C9A5-9165-481C-8128-486AF0B7E510}" destId="{0029A2E0-8CC0-4788-94BC-EBFBC31BAB9E}" srcOrd="1" destOrd="0" presId="urn:microsoft.com/office/officeart/2005/8/layout/vList2"/>
     <dgm:cxn modelId="{899E30A5-C5C6-4EB9-AA8C-59E3A08BF13F}" type="presParOf" srcId="{2A87C9A5-9165-481C-8128-486AF0B7E510}" destId="{D1835198-3AA6-4839-B670-AA8EB56A7241}" srcOrd="2" destOrd="0" presId="urn:microsoft.com/office/officeart/2005/8/layout/vList2"/>
@@ -1913,6 +1913,13 @@
         </dgm:presLayoutVars>
       </dgm:prSet>
       <dgm:spPr/>
+      <dgm:t>
+        <a:bodyPr/>
+        <a:lstStyle/>
+        <a:p>
+          <a:endParaRPr lang="zh-CN" altLang="en-US"/>
+        </a:p>
+      </dgm:t>
     </dgm:pt>
     <dgm:pt modelId="{1B0A1094-24F0-41D3-B630-F5A1DD814DB4}" type="pres">
       <dgm:prSet presAssocID="{14557C05-1A05-4C2F-8480-03FE9F221929}" presName="parentText" presStyleLbl="node1" presStyleIdx="0" presStyleCnt="2">
@@ -1942,6 +1949,13 @@
         </dgm:presLayoutVars>
       </dgm:prSet>
       <dgm:spPr/>
+      <dgm:t>
+        <a:bodyPr/>
+        <a:lstStyle/>
+        <a:p>
+          <a:endParaRPr lang="zh-CN" altLang="en-US"/>
+        </a:p>
+      </dgm:t>
     </dgm:pt>
   </dgm:ptLst>
   <dgm:cxnLst>
@@ -5221,31 +5235,7 @@
                 <a:ea typeface="+mn-ea"/>
                 <a:cs typeface="+mn-cs"/>
               </a:rPr>
-              <a:t>在</a:t>
-            </a:r>
-            <a:r>
-              <a:rPr lang="zh-CN" altLang="en-US" sz="1200" b="0" i="0" kern="1200" dirty="0" smtClean="0">
-                <a:solidFill>
-                  <a:schemeClr val="tx1"/>
-                </a:solidFill>
-                <a:effectLst/>
-                <a:latin typeface="+mn-lt"/>
-                <a:ea typeface="+mn-ea"/>
-                <a:cs typeface="+mn-cs"/>
-              </a:rPr>
-              <a:t>文件中每一行表示一个三元组，方便机器的解析和处理</a:t>
-            </a:r>
-            <a:r>
-              <a:rPr lang="zh-CN" altLang="en-US" sz="1200" b="0" i="0" kern="1200" dirty="0" smtClean="0">
-                <a:solidFill>
-                  <a:schemeClr val="tx1"/>
-                </a:solidFill>
-                <a:effectLst/>
-                <a:latin typeface="+mn-lt"/>
-                <a:ea typeface="+mn-ea"/>
-                <a:cs typeface="+mn-cs"/>
-              </a:rPr>
-              <a:t>。</a:t>
+              <a:t>在文件中每一行表示一个三元组，方便机器的解析和处理。</a:t>
             </a:r>
             <a:endParaRPr lang="en-US" altLang="zh-CN" sz="1200" b="0" i="0" kern="1200" dirty="0" smtClean="0">
               <a:solidFill>
@@ -5339,31 +5329,7 @@
                 <a:ea typeface="+mn-ea"/>
                 <a:cs typeface="+mn-cs"/>
               </a:rPr>
-              <a:t> </a:t>
-            </a:r>
-            <a:r>
-              <a:rPr lang="zh-CN" altLang="en-US" sz="1200" b="0" i="0" kern="1200" baseline="0" dirty="0" smtClean="0">
-                <a:solidFill>
-                  <a:schemeClr val="tx1"/>
-                </a:solidFill>
-                <a:effectLst/>
-                <a:latin typeface="+mn-lt"/>
-                <a:ea typeface="+mn-ea"/>
-                <a:cs typeface="+mn-cs"/>
-              </a:rPr>
-              <a:t>在</a:t>
-            </a:r>
-            <a:r>
-              <a:rPr lang="zh-CN" altLang="en-US" sz="1200" b="0" i="0" kern="1200" baseline="0" dirty="0" smtClean="0">
-                <a:solidFill>
-                  <a:schemeClr val="tx1"/>
-                </a:solidFill>
-                <a:effectLst/>
-                <a:latin typeface="+mn-lt"/>
-                <a:ea typeface="+mn-ea"/>
-                <a:cs typeface="+mn-cs"/>
-              </a:rPr>
-              <a:t>解析使使用</a:t>
+              <a:t> 在解析使使用</a:t>
             </a:r>
             <a:r>
               <a:rPr lang="en-US" altLang="zh-CN" sz="1200" b="0" i="0" kern="1200" baseline="0" dirty="0" err="1" smtClean="0">
@@ -6142,11 +6108,7 @@
           <a:p>
             <a:r>
               <a:rPr lang="zh-CN" altLang="en-US" baseline="0" dirty="0" smtClean="0"/>
-              <a:t>这个三元组不是必须匹配的</a:t>
-            </a:r>
-            <a:r>
-              <a:rPr lang="zh-CN" altLang="en-US" baseline="0" dirty="0" smtClean="0"/>
-              <a:t>。 如果没有匹配的话，相应的变量就为空。</a:t>
+              <a:t>这个三元组不是必须匹配的。 如果没有匹配的话，相应的变量就为空。</a:t>
             </a:r>
             <a:endParaRPr lang="en-US" altLang="zh-CN" baseline="0" dirty="0" smtClean="0"/>
           </a:p>
@@ -6378,15 +6340,7 @@
           <a:p>
             <a:r>
               <a:rPr lang="zh-CN" altLang="en-US" dirty="0" smtClean="0"/>
-              <a:t>经过</a:t>
-            </a:r>
-            <a:r>
-              <a:rPr lang="zh-CN" altLang="en-US" dirty="0" smtClean="0"/>
-              <a:t>两对个</a:t>
-            </a:r>
-            <a:r>
-              <a:rPr lang="zh-CN" altLang="en-US" dirty="0" smtClean="0"/>
-              <a:t>大括号内的约束分别会产生一个满足约束的结果集。</a:t>
+              <a:t>经过两对个大括号内的约束分别会产生一个满足约束的结果集。</a:t>
             </a:r>
             <a:endParaRPr lang="en-US" altLang="zh-CN" dirty="0" smtClean="0"/>
           </a:p>
@@ -6495,15 +6449,7 @@
           <a:p>
             <a:r>
               <a:rPr lang="zh-CN" altLang="en-US" dirty="0" smtClean="0"/>
-              <a:t>执行这种查询的时候，会先进行子查询，然后利用子查询的结</a:t>
-            </a:r>
-            <a:r>
-              <a:rPr lang="zh-CN" altLang="en-US" dirty="0" smtClean="0"/>
-              <a:t>果约束，</a:t>
-            </a:r>
-            <a:r>
-              <a:rPr lang="zh-CN" altLang="en-US" dirty="0" smtClean="0"/>
-              <a:t>进行父查询。</a:t>
+              <a:t>执行这种查询的时候，会先进行子查询，然后利用子查询的结果约束，进行父查询。</a:t>
             </a:r>
             <a:endParaRPr lang="en-US" altLang="zh-CN" dirty="0" smtClean="0"/>
           </a:p>
@@ -6658,11 +6604,7 @@
           <a:p>
             <a:r>
               <a:rPr lang="zh-CN" altLang="en-US" baseline="0" dirty="0" smtClean="0"/>
-              <a:t>存在大量的自连接操作开销巨</a:t>
-            </a:r>
-            <a:r>
-              <a:rPr lang="zh-CN" altLang="en-US" baseline="0" dirty="0" smtClean="0"/>
-              <a:t>大</a:t>
+              <a:t>存在大量的自连接操作开销巨大</a:t>
             </a:r>
             <a:endParaRPr lang="en-US" altLang="zh-CN" baseline="0" dirty="0" smtClean="0"/>
           </a:p>
@@ -6783,11 +6725,7 @@
           <a:p>
             <a:r>
               <a:rPr lang="zh-CN" altLang="en-US" dirty="0" smtClean="0"/>
-              <a:t>属</a:t>
-            </a:r>
-            <a:r>
-              <a:rPr lang="zh-CN" altLang="en-US" dirty="0" smtClean="0"/>
-              <a:t>性相似的主语聚集在一张表上。</a:t>
+              <a:t>属性相似的主语聚集在一张表上。</a:t>
             </a:r>
             <a:endParaRPr lang="en-US" altLang="zh-CN" dirty="0" smtClean="0"/>
           </a:p>
@@ -7026,11 +6964,7 @@
           <a:p>
             <a:r>
               <a:rPr lang="zh-CN" altLang="en-US" baseline="0" dirty="0" smtClean="0"/>
-              <a:t>删除代价太大</a:t>
-            </a:r>
-            <a:r>
-              <a:rPr lang="zh-CN" altLang="en-US" baseline="0" dirty="0" smtClean="0"/>
-              <a:t>。</a:t>
+              <a:t>删除代价太大。</a:t>
             </a:r>
             <a:endParaRPr lang="en-US" altLang="zh-CN" baseline="0" dirty="0" smtClean="0"/>
           </a:p>
@@ -7137,40 +7071,24 @@
             </a:r>
             <a:r>
               <a:rPr lang="zh-CN" altLang="en-US" dirty="0" smtClean="0"/>
-              <a:t>查询过程中的连接操作速度</a:t>
-            </a:r>
+              <a:t>查询过程中的连接操作速度，</a:t>
+            </a:r>
+            <a:endParaRPr lang="en-US" altLang="zh-CN" dirty="0" smtClean="0"/>
+          </a:p>
+          <a:p>
             <a:r>
               <a:rPr lang="zh-CN" altLang="en-US" dirty="0" smtClean="0"/>
-              <a:t>，</a:t>
+              <a:t>将三元组中的主语，谓语，宾语的各种排列枚举出来，分别为它们建立索引。</a:t>
             </a:r>
             <a:endParaRPr lang="en-US" altLang="zh-CN" dirty="0" smtClean="0"/>
           </a:p>
           <a:p>
-            <a:r>
-              <a:rPr lang="zh-CN" altLang="en-US" dirty="0" smtClean="0"/>
-              <a:t>将</a:t>
-            </a:r>
-            <a:r>
-              <a:rPr lang="zh-CN" altLang="en-US" dirty="0" smtClean="0"/>
-              <a:t>三元组中的主语，谓语，宾语的各种排列枚举出来，分别为它们建立索引</a:t>
-            </a:r>
-            <a:r>
-              <a:rPr lang="zh-CN" altLang="en-US" dirty="0" smtClean="0"/>
-              <a:t>。</a:t>
-            </a:r>
-            <a:endParaRPr lang="en-US" altLang="zh-CN" dirty="0" smtClean="0"/>
-          </a:p>
-          <a:p>
             <a:endParaRPr lang="en-US" altLang="zh-CN" baseline="0" dirty="0" smtClean="0"/>
           </a:p>
           <a:p>
             <a:r>
               <a:rPr lang="zh-CN" altLang="en-US" baseline="0" dirty="0" smtClean="0"/>
-              <a:t>三元组模式查询能高效执</a:t>
-            </a:r>
-            <a:r>
-              <a:rPr lang="zh-CN" altLang="en-US" baseline="0" dirty="0" smtClean="0"/>
-              <a:t>行</a:t>
+              <a:t>三元组模式查询能高效执行</a:t>
             </a:r>
             <a:endParaRPr lang="en-US" altLang="zh-CN" dirty="0" smtClean="0"/>
           </a:p>
@@ -7220,25 +7138,17 @@
             </a:r>
             <a:r>
               <a:rPr lang="zh-CN" altLang="en-US" baseline="0" dirty="0" smtClean="0"/>
-              <a:t>查询</a:t>
-            </a:r>
+              <a:t>查询。</a:t>
+            </a:r>
+            <a:endParaRPr lang="en-US" altLang="zh-CN" baseline="0" dirty="0" smtClean="0"/>
+          </a:p>
+          <a:p>
+            <a:endParaRPr lang="en-US" altLang="zh-CN" baseline="0" dirty="0" smtClean="0"/>
+          </a:p>
+          <a:p>
             <a:r>
               <a:rPr lang="zh-CN" altLang="en-US" baseline="0" dirty="0" smtClean="0"/>
-              <a:t>。</a:t>
-            </a:r>
-            <a:endParaRPr lang="en-US" altLang="zh-CN" baseline="0" dirty="0" smtClean="0"/>
-          </a:p>
-          <a:p>
-            <a:endParaRPr lang="en-US" altLang="zh-CN" baseline="0" dirty="0" smtClean="0"/>
-          </a:p>
-          <a:p>
-            <a:r>
-              <a:rPr lang="zh-CN" altLang="en-US" baseline="0" dirty="0" smtClean="0"/>
-              <a:t> </a:t>
-            </a:r>
-            <a:r>
-              <a:rPr lang="zh-CN" altLang="en-US" baseline="0" dirty="0" smtClean="0"/>
-              <a:t>其中的用于存储管理</a:t>
+              <a:t> 其中的用于存储管理</a:t>
             </a:r>
             <a:r>
               <a:rPr lang="en-US" altLang="zh-CN" baseline="0" dirty="0" err="1" smtClean="0"/>
@@ -7254,11 +7164,7 @@
             </a:r>
             <a:r>
               <a:rPr lang="zh-CN" altLang="en-US" baseline="0" dirty="0" smtClean="0"/>
-              <a:t>就是使用全索引策略实</a:t>
-            </a:r>
-            <a:r>
-              <a:rPr lang="zh-CN" altLang="en-US" baseline="0" dirty="0" smtClean="0"/>
-              <a:t>现的。</a:t>
+              <a:t>就是使用全索引策略实现的。</a:t>
             </a:r>
             <a:endParaRPr lang="en-US" altLang="zh-CN" baseline="0" dirty="0" smtClean="0"/>
           </a:p>
@@ -7566,15 +7472,7 @@
             </a:r>
             <a:r>
               <a:rPr lang="zh-CN" altLang="en-US" dirty="0" smtClean="0"/>
-              <a:t>数据转化为平面文</a:t>
-            </a:r>
-            <a:r>
-              <a:rPr lang="zh-CN" altLang="en-US" dirty="0" smtClean="0"/>
-              <a:t>件存</a:t>
-            </a:r>
-            <a:r>
-              <a:rPr lang="zh-CN" altLang="en-US" dirty="0" smtClean="0"/>
-              <a:t>储在</a:t>
+              <a:t>数据转化为平面文件存储在</a:t>
             </a:r>
             <a:r>
               <a:rPr lang="en-US" altLang="zh-CN" dirty="0" smtClean="0"/>
@@ -7582,22 +7480,14 @@
             </a:r>
             <a:r>
               <a:rPr lang="zh-CN" altLang="en-US" dirty="0" smtClean="0"/>
-              <a:t>上</a:t>
-            </a:r>
+              <a:t>上。</a:t>
+            </a:r>
+            <a:endParaRPr lang="en-US" altLang="zh-CN" dirty="0" smtClean="0"/>
+          </a:p>
+          <a:p>
             <a:r>
               <a:rPr lang="zh-CN" altLang="en-US" dirty="0" smtClean="0"/>
-              <a:t>。</a:t>
-            </a:r>
-            <a:endParaRPr lang="en-US" altLang="zh-CN" dirty="0" smtClean="0"/>
-          </a:p>
-          <a:p>
-            <a:r>
-              <a:rPr lang="zh-CN" altLang="en-US" dirty="0" smtClean="0"/>
-              <a:t>在</a:t>
-            </a:r>
-            <a:r>
-              <a:rPr lang="zh-CN" altLang="en-US" dirty="0" smtClean="0"/>
-              <a:t>进行查询处理的时候，这些方法将查询分解为若干个子查询</a:t>
+              <a:t>在进行查询处理的时候，这些方法将查询分解为若干个子查询</a:t>
             </a:r>
             <a:endParaRPr lang="en-US" altLang="zh-CN" dirty="0" smtClean="0"/>
           </a:p>
@@ -7905,7 +7795,29 @@
           <a:p>
             <a:r>
               <a:rPr lang="zh-CN" altLang="en-US" dirty="0" smtClean="0"/>
-              <a:t>入邻接列表</a:t>
+              <a:t>知识图谱在</a:t>
+            </a:r>
+            <a:r>
+              <a:rPr lang="en-US" altLang="zh-CN" dirty="0" smtClean="0"/>
+              <a:t>Trinity</a:t>
+            </a:r>
+            <a:r>
+              <a:rPr lang="zh-CN" altLang="en-US" dirty="0" smtClean="0"/>
+              <a:t>中是以邻接表的方式存储的。</a:t>
+            </a:r>
+            <a:endParaRPr lang="en-US" altLang="zh-CN" dirty="0" smtClean="0"/>
+          </a:p>
+          <a:p>
+            <a:endParaRPr lang="en-US" altLang="zh-CN" dirty="0" smtClean="0"/>
+          </a:p>
+          <a:p>
+            <a:r>
+              <a:rPr lang="zh-CN" altLang="en-US" dirty="0" smtClean="0"/>
+              <a:t>入</a:t>
+            </a:r>
+            <a:r>
+              <a:rPr lang="zh-CN" altLang="en-US" dirty="0" smtClean="0"/>
+              <a:t>邻接列表</a:t>
             </a:r>
             <a:endParaRPr lang="en-US" altLang="zh-CN" dirty="0" smtClean="0"/>
           </a:p>
@@ -8274,19 +8186,7 @@
                 <a:ea typeface="+mn-ea"/>
                 <a:cs typeface="+mn-cs"/>
               </a:rPr>
-              <a:t>知识图谱是由一条条知识组成。每个知识为主谓宾三元组 或者也可以称为实体 关系 实体三元组</a:t>
-            </a:r>
-            <a:r>
-              <a:rPr lang="zh-CN" altLang="en-US" sz="1200" b="0" i="0" kern="1200" dirty="0" smtClean="0">
-                <a:solidFill>
-                  <a:schemeClr val="tx1"/>
-                </a:solidFill>
-                <a:effectLst/>
-                <a:latin typeface="+mn-lt"/>
-                <a:ea typeface="+mn-ea"/>
-                <a:cs typeface="+mn-cs"/>
-              </a:rPr>
-              <a:t>。</a:t>
+              <a:t>知识图谱是由一条条知识组成。每个知识为主谓宾三元组 或者也可以称为实体 关系 实体三元组。</a:t>
             </a:r>
             <a:endParaRPr lang="en-US" altLang="zh-CN" sz="1200" b="0" i="0" kern="1200" dirty="0" smtClean="0">
               <a:solidFill>
@@ -9117,19 +9017,7 @@
                 <a:ea typeface="+mn-ea"/>
                 <a:cs typeface="+mn-cs"/>
               </a:rPr>
-              <a:t>技术比较成熟，有很多现成的工具来存储</a:t>
-            </a:r>
-            <a:r>
-              <a:rPr lang="zh-CN" altLang="en-US" sz="1200" b="0" i="0" kern="1200" dirty="0" smtClean="0">
-                <a:solidFill>
-                  <a:schemeClr val="tx1"/>
-                </a:solidFill>
-                <a:effectLst/>
-                <a:latin typeface="+mn-lt"/>
-                <a:ea typeface="+mn-ea"/>
-                <a:cs typeface="+mn-cs"/>
-              </a:rPr>
-              <a:t>和解析</a:t>
+              <a:t>技术比较成熟，有很多现成的工具来存储和解析</a:t>
             </a:r>
             <a:r>
               <a:rPr lang="en-US" altLang="zh-CN" sz="1200" b="0" i="0" kern="1200" dirty="0" smtClean="0">
@@ -9176,7 +9064,19 @@
                 <a:ea typeface="+mn-ea"/>
                 <a:cs typeface="+mn-cs"/>
               </a:rPr>
-              <a:t>然</a:t>
+              <a:t>然而，对于</a:t>
+            </a:r>
+            <a:r>
+              <a:rPr lang="en-US" altLang="zh-CN" sz="1200" b="0" i="0" kern="1200" dirty="0" smtClean="0">
+                <a:solidFill>
+                  <a:schemeClr val="tx1"/>
+                </a:solidFill>
+                <a:effectLst/>
+                <a:latin typeface="+mn-lt"/>
+                <a:ea typeface="+mn-ea"/>
+                <a:cs typeface="+mn-cs"/>
+              </a:rPr>
+              <a:t>RDF</a:t>
             </a:r>
             <a:r>
               <a:rPr lang="zh-CN" altLang="en-US" sz="1200" b="0" i="0" kern="1200" dirty="0" smtClean="0">
@@ -9188,7 +9088,7 @@
                 <a:ea typeface="+mn-ea"/>
                 <a:cs typeface="+mn-cs"/>
               </a:rPr>
-              <a:t>而，对于</a:t>
+              <a:t>来说，</a:t>
             </a:r>
             <a:r>
               <a:rPr lang="en-US" altLang="zh-CN" sz="1200" b="0" i="0" kern="1200" dirty="0" smtClean="0">
@@ -9200,7 +9100,7 @@
                 <a:ea typeface="+mn-ea"/>
                 <a:cs typeface="+mn-cs"/>
               </a:rPr>
-              <a:t>RDF</a:t>
+              <a:t>XML</a:t>
             </a:r>
             <a:r>
               <a:rPr lang="zh-CN" altLang="en-US" sz="1200" b="0" i="0" kern="1200" dirty="0" smtClean="0">
@@ -9212,7 +9112,7 @@
                 <a:ea typeface="+mn-ea"/>
                 <a:cs typeface="+mn-cs"/>
               </a:rPr>
-              <a:t>来说，</a:t>
+              <a:t>的格式太冗长，也不便于阅读，通常我们不会使用这种方式来处理</a:t>
             </a:r>
             <a:r>
               <a:rPr lang="en-US" altLang="zh-CN" sz="1200" b="0" i="0" kern="1200" dirty="0" smtClean="0">
@@ -9224,7 +9124,7 @@
                 <a:ea typeface="+mn-ea"/>
                 <a:cs typeface="+mn-cs"/>
               </a:rPr>
-              <a:t>XML</a:t>
+              <a:t>RDF</a:t>
             </a:r>
             <a:r>
               <a:rPr lang="zh-CN" altLang="en-US" sz="1200" b="0" i="0" kern="1200" dirty="0" smtClean="0">
@@ -9236,43 +9136,7 @@
                 <a:ea typeface="+mn-ea"/>
                 <a:cs typeface="+mn-cs"/>
               </a:rPr>
-              <a:t>的格式太冗长，也不便于阅读，通常我们不会使用这种方式来处理</a:t>
-            </a:r>
-            <a:r>
-              <a:rPr lang="en-US" altLang="zh-CN" sz="1200" b="0" i="0" kern="1200" dirty="0" smtClean="0">
-                <a:solidFill>
-                  <a:schemeClr val="tx1"/>
-                </a:solidFill>
-                <a:effectLst/>
-                <a:latin typeface="+mn-lt"/>
-                <a:ea typeface="+mn-ea"/>
-                <a:cs typeface="+mn-cs"/>
-              </a:rPr>
-              <a:t>RDF</a:t>
-            </a:r>
-            <a:r>
-              <a:rPr lang="zh-CN" altLang="en-US" sz="1200" b="0" i="0" kern="1200" dirty="0" smtClean="0">
-                <a:solidFill>
-                  <a:schemeClr val="tx1"/>
-                </a:solidFill>
-                <a:effectLst/>
-                <a:latin typeface="+mn-lt"/>
-                <a:ea typeface="+mn-ea"/>
-                <a:cs typeface="+mn-cs"/>
-              </a:rPr>
-              <a:t>数据</a:t>
-            </a:r>
-            <a:r>
-              <a:rPr lang="zh-CN" altLang="en-US" sz="1200" b="0" i="0" kern="1200" dirty="0" smtClean="0">
-                <a:solidFill>
-                  <a:schemeClr val="tx1"/>
-                </a:solidFill>
-                <a:effectLst/>
-                <a:latin typeface="+mn-lt"/>
-                <a:ea typeface="+mn-ea"/>
-                <a:cs typeface="+mn-cs"/>
-              </a:rPr>
-              <a:t>。</a:t>
+              <a:t>数据。</a:t>
             </a:r>
             <a:endParaRPr lang="en-US" altLang="zh-CN" sz="1200" b="0" i="0" kern="1200" dirty="0" smtClean="0">
               <a:solidFill>
@@ -16856,21 +16720,21 @@
                 <a:gridCol w="2295456">
                   <a:extLst>
                     <a:ext uri="{9D8B030D-6E8A-4147-A177-3AD203B41FA5}">
-                      <a16:colId xmlns:a16="http://schemas.microsoft.com/office/drawing/2014/main" xmlns="" val="20000"/>
+                      <a16:colId xmlns="" xmlns:a16="http://schemas.microsoft.com/office/drawing/2014/main" val="20000"/>
                     </a:ext>
                   </a:extLst>
                 </a:gridCol>
                 <a:gridCol w="2295456">
                   <a:extLst>
                     <a:ext uri="{9D8B030D-6E8A-4147-A177-3AD203B41FA5}">
-                      <a16:colId xmlns:a16="http://schemas.microsoft.com/office/drawing/2014/main" xmlns="" val="20001"/>
+                      <a16:colId xmlns="" xmlns:a16="http://schemas.microsoft.com/office/drawing/2014/main" val="20001"/>
                     </a:ext>
                   </a:extLst>
                 </a:gridCol>
                 <a:gridCol w="2295456">
                   <a:extLst>
                     <a:ext uri="{9D8B030D-6E8A-4147-A177-3AD203B41FA5}">
-                      <a16:colId xmlns:a16="http://schemas.microsoft.com/office/drawing/2014/main" xmlns="" val="20002"/>
+                      <a16:colId xmlns="" xmlns:a16="http://schemas.microsoft.com/office/drawing/2014/main" val="20002"/>
                     </a:ext>
                   </a:extLst>
                 </a:gridCol>
@@ -16923,7 +16787,7 @@
                 </a:tc>
                 <a:extLst>
                   <a:ext uri="{0D108BD9-81ED-4DB2-BD59-A6C34878D82A}">
-                    <a16:rowId xmlns:a16="http://schemas.microsoft.com/office/drawing/2014/main" xmlns="" val="10000"/>
+                    <a16:rowId xmlns="" xmlns:a16="http://schemas.microsoft.com/office/drawing/2014/main" val="10000"/>
                   </a:ext>
                 </a:extLst>
               </a:tr>
@@ -16975,7 +16839,7 @@
                 </a:tc>
                 <a:extLst>
                   <a:ext uri="{0D108BD9-81ED-4DB2-BD59-A6C34878D82A}">
-                    <a16:rowId xmlns:a16="http://schemas.microsoft.com/office/drawing/2014/main" xmlns="" val="10001"/>
+                    <a16:rowId xmlns="" xmlns:a16="http://schemas.microsoft.com/office/drawing/2014/main" val="10001"/>
                   </a:ext>
                 </a:extLst>
               </a:tr>
@@ -17027,7 +16891,7 @@
                 </a:tc>
                 <a:extLst>
                   <a:ext uri="{0D108BD9-81ED-4DB2-BD59-A6C34878D82A}">
-                    <a16:rowId xmlns:a16="http://schemas.microsoft.com/office/drawing/2014/main" xmlns="" val="10002"/>
+                    <a16:rowId xmlns="" xmlns:a16="http://schemas.microsoft.com/office/drawing/2014/main" val="10002"/>
                   </a:ext>
                 </a:extLst>
               </a:tr>
@@ -17157,21 +17021,21 @@
                 <a:gridCol w="1242372">
                   <a:extLst>
                     <a:ext uri="{9D8B030D-6E8A-4147-A177-3AD203B41FA5}">
-                      <a16:colId xmlns:a16="http://schemas.microsoft.com/office/drawing/2014/main" xmlns="" val="20000"/>
+                      <a16:colId xmlns="" xmlns:a16="http://schemas.microsoft.com/office/drawing/2014/main" val="20000"/>
                     </a:ext>
                   </a:extLst>
                 </a:gridCol>
                 <a:gridCol w="1242372">
                   <a:extLst>
                     <a:ext uri="{9D8B030D-6E8A-4147-A177-3AD203B41FA5}">
-                      <a16:colId xmlns:a16="http://schemas.microsoft.com/office/drawing/2014/main" xmlns="" val="20001"/>
+                      <a16:colId xmlns="" xmlns:a16="http://schemas.microsoft.com/office/drawing/2014/main" val="20001"/>
                     </a:ext>
                   </a:extLst>
                 </a:gridCol>
                 <a:gridCol w="1242372">
                   <a:extLst>
                     <a:ext uri="{9D8B030D-6E8A-4147-A177-3AD203B41FA5}">
-                      <a16:colId xmlns:a16="http://schemas.microsoft.com/office/drawing/2014/main" xmlns="" val="20002"/>
+                      <a16:colId xmlns="" xmlns:a16="http://schemas.microsoft.com/office/drawing/2014/main" val="20002"/>
                     </a:ext>
                   </a:extLst>
                 </a:gridCol>
@@ -17238,7 +17102,7 @@
                 </a:tc>
                 <a:extLst>
                   <a:ext uri="{0D108BD9-81ED-4DB2-BD59-A6C34878D82A}">
-                    <a16:rowId xmlns:a16="http://schemas.microsoft.com/office/drawing/2014/main" xmlns="" val="10000"/>
+                    <a16:rowId xmlns="" xmlns:a16="http://schemas.microsoft.com/office/drawing/2014/main" val="10000"/>
                   </a:ext>
                 </a:extLst>
               </a:tr>
@@ -17290,7 +17154,7 @@
                 </a:tc>
                 <a:extLst>
                   <a:ext uri="{0D108BD9-81ED-4DB2-BD59-A6C34878D82A}">
-                    <a16:rowId xmlns:a16="http://schemas.microsoft.com/office/drawing/2014/main" xmlns="" val="10001"/>
+                    <a16:rowId xmlns="" xmlns:a16="http://schemas.microsoft.com/office/drawing/2014/main" val="10001"/>
                   </a:ext>
                 </a:extLst>
               </a:tr>
@@ -17342,7 +17206,7 @@
                 </a:tc>
                 <a:extLst>
                   <a:ext uri="{0D108BD9-81ED-4DB2-BD59-A6C34878D82A}">
-                    <a16:rowId xmlns:a16="http://schemas.microsoft.com/office/drawing/2014/main" xmlns="" val="10002"/>
+                    <a16:rowId xmlns="" xmlns:a16="http://schemas.microsoft.com/office/drawing/2014/main" val="10002"/>
                   </a:ext>
                 </a:extLst>
               </a:tr>
@@ -17378,21 +17242,21 @@
                 <a:gridCol w="1242372">
                   <a:extLst>
                     <a:ext uri="{9D8B030D-6E8A-4147-A177-3AD203B41FA5}">
-                      <a16:colId xmlns:a16="http://schemas.microsoft.com/office/drawing/2014/main" xmlns="" val="20000"/>
+                      <a16:colId xmlns="" xmlns:a16="http://schemas.microsoft.com/office/drawing/2014/main" val="20000"/>
                     </a:ext>
                   </a:extLst>
                 </a:gridCol>
                 <a:gridCol w="1242372">
                   <a:extLst>
                     <a:ext uri="{9D8B030D-6E8A-4147-A177-3AD203B41FA5}">
-                      <a16:colId xmlns:a16="http://schemas.microsoft.com/office/drawing/2014/main" xmlns="" val="20001"/>
+                      <a16:colId xmlns="" xmlns:a16="http://schemas.microsoft.com/office/drawing/2014/main" val="20001"/>
                     </a:ext>
                   </a:extLst>
                 </a:gridCol>
                 <a:gridCol w="1242372">
                   <a:extLst>
                     <a:ext uri="{9D8B030D-6E8A-4147-A177-3AD203B41FA5}">
-                      <a16:colId xmlns:a16="http://schemas.microsoft.com/office/drawing/2014/main" xmlns="" val="20002"/>
+                      <a16:colId xmlns="" xmlns:a16="http://schemas.microsoft.com/office/drawing/2014/main" val="20002"/>
                     </a:ext>
                   </a:extLst>
                 </a:gridCol>
@@ -17459,7 +17323,7 @@
                 </a:tc>
                 <a:extLst>
                   <a:ext uri="{0D108BD9-81ED-4DB2-BD59-A6C34878D82A}">
-                    <a16:rowId xmlns:a16="http://schemas.microsoft.com/office/drawing/2014/main" xmlns="" val="10000"/>
+                    <a16:rowId xmlns="" xmlns:a16="http://schemas.microsoft.com/office/drawing/2014/main" val="10000"/>
                   </a:ext>
                 </a:extLst>
               </a:tr>
@@ -17511,7 +17375,7 @@
                 </a:tc>
                 <a:extLst>
                   <a:ext uri="{0D108BD9-81ED-4DB2-BD59-A6C34878D82A}">
-                    <a16:rowId xmlns:a16="http://schemas.microsoft.com/office/drawing/2014/main" xmlns="" val="10001"/>
+                    <a16:rowId xmlns="" xmlns:a16="http://schemas.microsoft.com/office/drawing/2014/main" val="10001"/>
                   </a:ext>
                 </a:extLst>
               </a:tr>
@@ -17563,7 +17427,7 @@
                 </a:tc>
                 <a:extLst>
                   <a:ext uri="{0D108BD9-81ED-4DB2-BD59-A6C34878D82A}">
-                    <a16:rowId xmlns:a16="http://schemas.microsoft.com/office/drawing/2014/main" xmlns="" val="10002"/>
+                    <a16:rowId xmlns="" xmlns:a16="http://schemas.microsoft.com/office/drawing/2014/main" val="10002"/>
                   </a:ext>
                 </a:extLst>
               </a:tr>
@@ -17599,35 +17463,35 @@
                 <a:gridCol w="1625600">
                   <a:extLst>
                     <a:ext uri="{9D8B030D-6E8A-4147-A177-3AD203B41FA5}">
-                      <a16:colId xmlns:a16="http://schemas.microsoft.com/office/drawing/2014/main" xmlns="" val="20000"/>
+                      <a16:colId xmlns="" xmlns:a16="http://schemas.microsoft.com/office/drawing/2014/main" val="20000"/>
                     </a:ext>
                   </a:extLst>
                 </a:gridCol>
                 <a:gridCol w="1625600">
                   <a:extLst>
                     <a:ext uri="{9D8B030D-6E8A-4147-A177-3AD203B41FA5}">
-                      <a16:colId xmlns:a16="http://schemas.microsoft.com/office/drawing/2014/main" xmlns="" val="20001"/>
+                      <a16:colId xmlns="" xmlns:a16="http://schemas.microsoft.com/office/drawing/2014/main" val="20001"/>
                     </a:ext>
                   </a:extLst>
                 </a:gridCol>
                 <a:gridCol w="1625600">
                   <a:extLst>
                     <a:ext uri="{9D8B030D-6E8A-4147-A177-3AD203B41FA5}">
-                      <a16:colId xmlns:a16="http://schemas.microsoft.com/office/drawing/2014/main" xmlns="" val="20002"/>
+                      <a16:colId xmlns="" xmlns:a16="http://schemas.microsoft.com/office/drawing/2014/main" val="20002"/>
                     </a:ext>
                   </a:extLst>
                 </a:gridCol>
                 <a:gridCol w="1625600">
                   <a:extLst>
                     <a:ext uri="{9D8B030D-6E8A-4147-A177-3AD203B41FA5}">
-                      <a16:colId xmlns:a16="http://schemas.microsoft.com/office/drawing/2014/main" xmlns="" val="20003"/>
+                      <a16:colId xmlns="" xmlns:a16="http://schemas.microsoft.com/office/drawing/2014/main" val="20003"/>
                     </a:ext>
                   </a:extLst>
                 </a:gridCol>
                 <a:gridCol w="1625600">
                   <a:extLst>
                     <a:ext uri="{9D8B030D-6E8A-4147-A177-3AD203B41FA5}">
-                      <a16:colId xmlns:a16="http://schemas.microsoft.com/office/drawing/2014/main" xmlns="" val="20004"/>
+                      <a16:colId xmlns="" xmlns:a16="http://schemas.microsoft.com/office/drawing/2014/main" val="20004"/>
                     </a:ext>
                   </a:extLst>
                 </a:gridCol>
@@ -17710,7 +17574,7 @@
                 </a:tc>
                 <a:extLst>
                   <a:ext uri="{0D108BD9-81ED-4DB2-BD59-A6C34878D82A}">
-                    <a16:rowId xmlns:a16="http://schemas.microsoft.com/office/drawing/2014/main" xmlns="" val="10000"/>
+                    <a16:rowId xmlns="" xmlns:a16="http://schemas.microsoft.com/office/drawing/2014/main" val="10000"/>
                   </a:ext>
                 </a:extLst>
               </a:tr>
@@ -17792,7 +17656,7 @@
                 </a:tc>
                 <a:extLst>
                   <a:ext uri="{0D108BD9-81ED-4DB2-BD59-A6C34878D82A}">
-                    <a16:rowId xmlns:a16="http://schemas.microsoft.com/office/drawing/2014/main" xmlns="" val="10001"/>
+                    <a16:rowId xmlns="" xmlns:a16="http://schemas.microsoft.com/office/drawing/2014/main" val="10001"/>
                   </a:ext>
                 </a:extLst>
               </a:tr>
@@ -18737,21 +18601,21 @@
                 <a:gridCol w="2709333">
                   <a:extLst>
                     <a:ext uri="{9D8B030D-6E8A-4147-A177-3AD203B41FA5}">
-                      <a16:colId xmlns:a16="http://schemas.microsoft.com/office/drawing/2014/main" xmlns="" val="20000"/>
+                      <a16:colId xmlns="" xmlns:a16="http://schemas.microsoft.com/office/drawing/2014/main" val="20000"/>
                     </a:ext>
                   </a:extLst>
                 </a:gridCol>
                 <a:gridCol w="2709333">
                   <a:extLst>
                     <a:ext uri="{9D8B030D-6E8A-4147-A177-3AD203B41FA5}">
-                      <a16:colId xmlns:a16="http://schemas.microsoft.com/office/drawing/2014/main" xmlns="" val="20001"/>
+                      <a16:colId xmlns="" xmlns:a16="http://schemas.microsoft.com/office/drawing/2014/main" val="20001"/>
                     </a:ext>
                   </a:extLst>
                 </a:gridCol>
                 <a:gridCol w="2709333">
                   <a:extLst>
                     <a:ext uri="{9D8B030D-6E8A-4147-A177-3AD203B41FA5}">
-                      <a16:colId xmlns:a16="http://schemas.microsoft.com/office/drawing/2014/main" xmlns="" val="20002"/>
+                      <a16:colId xmlns="" xmlns:a16="http://schemas.microsoft.com/office/drawing/2014/main" val="20002"/>
                     </a:ext>
                   </a:extLst>
                 </a:gridCol>
@@ -18804,7 +18668,7 @@
                 </a:tc>
                 <a:extLst>
                   <a:ext uri="{0D108BD9-81ED-4DB2-BD59-A6C34878D82A}">
-                    <a16:rowId xmlns:a16="http://schemas.microsoft.com/office/drawing/2014/main" xmlns="" val="10000"/>
+                    <a16:rowId xmlns="" xmlns:a16="http://schemas.microsoft.com/office/drawing/2014/main" val="10000"/>
                   </a:ext>
                 </a:extLst>
               </a:tr>
@@ -18856,7 +18720,7 @@
                 </a:tc>
                 <a:extLst>
                   <a:ext uri="{0D108BD9-81ED-4DB2-BD59-A6C34878D82A}">
-                    <a16:rowId xmlns:a16="http://schemas.microsoft.com/office/drawing/2014/main" xmlns="" val="10001"/>
+                    <a16:rowId xmlns="" xmlns:a16="http://schemas.microsoft.com/office/drawing/2014/main" val="10001"/>
                   </a:ext>
                 </a:extLst>
               </a:tr>
@@ -18908,7 +18772,7 @@
                 </a:tc>
                 <a:extLst>
                   <a:ext uri="{0D108BD9-81ED-4DB2-BD59-A6C34878D82A}">
-                    <a16:rowId xmlns:a16="http://schemas.microsoft.com/office/drawing/2014/main" xmlns="" val="10002"/>
+                    <a16:rowId xmlns="" xmlns:a16="http://schemas.microsoft.com/office/drawing/2014/main" val="10002"/>
                   </a:ext>
                 </a:extLst>
               </a:tr>
@@ -18960,7 +18824,7 @@
                 </a:tc>
                 <a:extLst>
                   <a:ext uri="{0D108BD9-81ED-4DB2-BD59-A6C34878D82A}">
-                    <a16:rowId xmlns:a16="http://schemas.microsoft.com/office/drawing/2014/main" xmlns="" val="10003"/>
+                    <a16:rowId xmlns="" xmlns:a16="http://schemas.microsoft.com/office/drawing/2014/main" val="10003"/>
                   </a:ext>
                 </a:extLst>
               </a:tr>
@@ -18996,14 +18860,14 @@
                 <a:gridCol w="2709333">
                   <a:extLst>
                     <a:ext uri="{9D8B030D-6E8A-4147-A177-3AD203B41FA5}">
-                      <a16:colId xmlns:a16="http://schemas.microsoft.com/office/drawing/2014/main" xmlns="" val="20000"/>
+                      <a16:colId xmlns="" xmlns:a16="http://schemas.microsoft.com/office/drawing/2014/main" val="20000"/>
                     </a:ext>
                   </a:extLst>
                 </a:gridCol>
                 <a:gridCol w="2709333">
                   <a:extLst>
                     <a:ext uri="{9D8B030D-6E8A-4147-A177-3AD203B41FA5}">
-                      <a16:colId xmlns:a16="http://schemas.microsoft.com/office/drawing/2014/main" xmlns="" val="20001"/>
+                      <a16:colId xmlns="" xmlns:a16="http://schemas.microsoft.com/office/drawing/2014/main" val="20001"/>
                     </a:ext>
                   </a:extLst>
                 </a:gridCol>
@@ -19041,7 +18905,7 @@
                 </a:tc>
                 <a:extLst>
                   <a:ext uri="{0D108BD9-81ED-4DB2-BD59-A6C34878D82A}">
-                    <a16:rowId xmlns:a16="http://schemas.microsoft.com/office/drawing/2014/main" xmlns="" val="10000"/>
+                    <a16:rowId xmlns="" xmlns:a16="http://schemas.microsoft.com/office/drawing/2014/main" val="10000"/>
                   </a:ext>
                 </a:extLst>
               </a:tr>
@@ -19078,7 +18942,7 @@
                 </a:tc>
                 <a:extLst>
                   <a:ext uri="{0D108BD9-81ED-4DB2-BD59-A6C34878D82A}">
-                    <a16:rowId xmlns:a16="http://schemas.microsoft.com/office/drawing/2014/main" xmlns="" val="10001"/>
+                    <a16:rowId xmlns="" xmlns:a16="http://schemas.microsoft.com/office/drawing/2014/main" val="10001"/>
                   </a:ext>
                 </a:extLst>
               </a:tr>
@@ -19115,7 +18979,7 @@
                 </a:tc>
                 <a:extLst>
                   <a:ext uri="{0D108BD9-81ED-4DB2-BD59-A6C34878D82A}">
-                    <a16:rowId xmlns:a16="http://schemas.microsoft.com/office/drawing/2014/main" xmlns="" val="10002"/>
+                    <a16:rowId xmlns="" xmlns:a16="http://schemas.microsoft.com/office/drawing/2014/main" val="10002"/>
                   </a:ext>
                 </a:extLst>
               </a:tr>
@@ -19716,14 +19580,14 @@
                 <a:gridCol w="1376680">
                   <a:extLst>
                     <a:ext uri="{9D8B030D-6E8A-4147-A177-3AD203B41FA5}">
-                      <a16:colId xmlns:a16="http://schemas.microsoft.com/office/drawing/2014/main" xmlns="" val="20000"/>
+                      <a16:colId xmlns="" xmlns:a16="http://schemas.microsoft.com/office/drawing/2014/main" val="20000"/>
                     </a:ext>
                   </a:extLst>
                 </a:gridCol>
                 <a:gridCol w="1376680">
                   <a:extLst>
                     <a:ext uri="{9D8B030D-6E8A-4147-A177-3AD203B41FA5}">
-                      <a16:colId xmlns:a16="http://schemas.microsoft.com/office/drawing/2014/main" xmlns="" val="20001"/>
+                      <a16:colId xmlns="" xmlns:a16="http://schemas.microsoft.com/office/drawing/2014/main" val="20001"/>
                     </a:ext>
                   </a:extLst>
                 </a:gridCol>
@@ -19761,7 +19625,7 @@
                 </a:tc>
                 <a:extLst>
                   <a:ext uri="{0D108BD9-81ED-4DB2-BD59-A6C34878D82A}">
-                    <a16:rowId xmlns:a16="http://schemas.microsoft.com/office/drawing/2014/main" xmlns="" val="10000"/>
+                    <a16:rowId xmlns="" xmlns:a16="http://schemas.microsoft.com/office/drawing/2014/main" val="10000"/>
                   </a:ext>
                 </a:extLst>
               </a:tr>
@@ -19798,7 +19662,7 @@
                 </a:tc>
                 <a:extLst>
                   <a:ext uri="{0D108BD9-81ED-4DB2-BD59-A6C34878D82A}">
-                    <a16:rowId xmlns:a16="http://schemas.microsoft.com/office/drawing/2014/main" xmlns="" val="10001"/>
+                    <a16:rowId xmlns="" xmlns:a16="http://schemas.microsoft.com/office/drawing/2014/main" val="10001"/>
                   </a:ext>
                 </a:extLst>
               </a:tr>
@@ -19835,7 +19699,7 @@
                 </a:tc>
                 <a:extLst>
                   <a:ext uri="{0D108BD9-81ED-4DB2-BD59-A6C34878D82A}">
-                    <a16:rowId xmlns:a16="http://schemas.microsoft.com/office/drawing/2014/main" xmlns="" val="10002"/>
+                    <a16:rowId xmlns="" xmlns:a16="http://schemas.microsoft.com/office/drawing/2014/main" val="10002"/>
                   </a:ext>
                 </a:extLst>
               </a:tr>
@@ -19872,7 +19736,7 @@
                 </a:tc>
                 <a:extLst>
                   <a:ext uri="{0D108BD9-81ED-4DB2-BD59-A6C34878D82A}">
-                    <a16:rowId xmlns:a16="http://schemas.microsoft.com/office/drawing/2014/main" xmlns="" val="10003"/>
+                    <a16:rowId xmlns="" xmlns:a16="http://schemas.microsoft.com/office/drawing/2014/main" val="10003"/>
                   </a:ext>
                 </a:extLst>
               </a:tr>
@@ -19908,14 +19772,14 @@
                 <a:gridCol w="1341121">
                   <a:extLst>
                     <a:ext uri="{9D8B030D-6E8A-4147-A177-3AD203B41FA5}">
-                      <a16:colId xmlns:a16="http://schemas.microsoft.com/office/drawing/2014/main" xmlns="" val="20000"/>
+                      <a16:colId xmlns="" xmlns:a16="http://schemas.microsoft.com/office/drawing/2014/main" val="20000"/>
                     </a:ext>
                   </a:extLst>
                 </a:gridCol>
                 <a:gridCol w="1341121">
                   <a:extLst>
                     <a:ext uri="{9D8B030D-6E8A-4147-A177-3AD203B41FA5}">
-                      <a16:colId xmlns:a16="http://schemas.microsoft.com/office/drawing/2014/main" xmlns="" val="20001"/>
+                      <a16:colId xmlns="" xmlns:a16="http://schemas.microsoft.com/office/drawing/2014/main" val="20001"/>
                     </a:ext>
                   </a:extLst>
                 </a:gridCol>
@@ -19953,7 +19817,7 @@
                 </a:tc>
                 <a:extLst>
                   <a:ext uri="{0D108BD9-81ED-4DB2-BD59-A6C34878D82A}">
-                    <a16:rowId xmlns:a16="http://schemas.microsoft.com/office/drawing/2014/main" xmlns="" val="10000"/>
+                    <a16:rowId xmlns="" xmlns:a16="http://schemas.microsoft.com/office/drawing/2014/main" val="10000"/>
                   </a:ext>
                 </a:extLst>
               </a:tr>
@@ -19990,7 +19854,7 @@
                 </a:tc>
                 <a:extLst>
                   <a:ext uri="{0D108BD9-81ED-4DB2-BD59-A6C34878D82A}">
-                    <a16:rowId xmlns:a16="http://schemas.microsoft.com/office/drawing/2014/main" xmlns="" val="10001"/>
+                    <a16:rowId xmlns="" xmlns:a16="http://schemas.microsoft.com/office/drawing/2014/main" val="10001"/>
                   </a:ext>
                 </a:extLst>
               </a:tr>
@@ -20027,7 +19891,7 @@
                 </a:tc>
                 <a:extLst>
                   <a:ext uri="{0D108BD9-81ED-4DB2-BD59-A6C34878D82A}">
-                    <a16:rowId xmlns:a16="http://schemas.microsoft.com/office/drawing/2014/main" xmlns="" val="10002"/>
+                    <a16:rowId xmlns="" xmlns:a16="http://schemas.microsoft.com/office/drawing/2014/main" val="10002"/>
                   </a:ext>
                 </a:extLst>
               </a:tr>
@@ -20064,7 +19928,7 @@
                 </a:tc>
                 <a:extLst>
                   <a:ext uri="{0D108BD9-81ED-4DB2-BD59-A6C34878D82A}">
-                    <a16:rowId xmlns:a16="http://schemas.microsoft.com/office/drawing/2014/main" xmlns="" val="10003"/>
+                    <a16:rowId xmlns="" xmlns:a16="http://schemas.microsoft.com/office/drawing/2014/main" val="10003"/>
                   </a:ext>
                 </a:extLst>
               </a:tr>
@@ -20100,14 +19964,14 @@
                 <a:gridCol w="2341880">
                   <a:extLst>
                     <a:ext uri="{9D8B030D-6E8A-4147-A177-3AD203B41FA5}">
-                      <a16:colId xmlns:a16="http://schemas.microsoft.com/office/drawing/2014/main" xmlns="" val="20000"/>
+                      <a16:colId xmlns="" xmlns:a16="http://schemas.microsoft.com/office/drawing/2014/main" val="20000"/>
                     </a:ext>
                   </a:extLst>
                 </a:gridCol>
                 <a:gridCol w="2341880">
                   <a:extLst>
                     <a:ext uri="{9D8B030D-6E8A-4147-A177-3AD203B41FA5}">
-                      <a16:colId xmlns:a16="http://schemas.microsoft.com/office/drawing/2014/main" xmlns="" val="20001"/>
+                      <a16:colId xmlns="" xmlns:a16="http://schemas.microsoft.com/office/drawing/2014/main" val="20001"/>
                     </a:ext>
                   </a:extLst>
                 </a:gridCol>
@@ -20145,7 +20009,7 @@
                 </a:tc>
                 <a:extLst>
                   <a:ext uri="{0D108BD9-81ED-4DB2-BD59-A6C34878D82A}">
-                    <a16:rowId xmlns:a16="http://schemas.microsoft.com/office/drawing/2014/main" xmlns="" val="10000"/>
+                    <a16:rowId xmlns="" xmlns:a16="http://schemas.microsoft.com/office/drawing/2014/main" val="10000"/>
                   </a:ext>
                 </a:extLst>
               </a:tr>
@@ -20182,7 +20046,7 @@
                 </a:tc>
                 <a:extLst>
                   <a:ext uri="{0D108BD9-81ED-4DB2-BD59-A6C34878D82A}">
-                    <a16:rowId xmlns:a16="http://schemas.microsoft.com/office/drawing/2014/main" xmlns="" val="10001"/>
+                    <a16:rowId xmlns="" xmlns:a16="http://schemas.microsoft.com/office/drawing/2014/main" val="10001"/>
                   </a:ext>
                 </a:extLst>
               </a:tr>
@@ -20219,7 +20083,7 @@
                 </a:tc>
                 <a:extLst>
                   <a:ext uri="{0D108BD9-81ED-4DB2-BD59-A6C34878D82A}">
-                    <a16:rowId xmlns:a16="http://schemas.microsoft.com/office/drawing/2014/main" xmlns="" val="10002"/>
+                    <a16:rowId xmlns="" xmlns:a16="http://schemas.microsoft.com/office/drawing/2014/main" val="10002"/>
                   </a:ext>
                 </a:extLst>
               </a:tr>
@@ -23553,14 +23417,14 @@
                 <a:gridCol w="2564065">
                   <a:extLst>
                     <a:ext uri="{9D8B030D-6E8A-4147-A177-3AD203B41FA5}">
-                      <a16:colId xmlns:a16="http://schemas.microsoft.com/office/drawing/2014/main" xmlns="" val="20000"/>
+                      <a16:colId xmlns="" xmlns:a16="http://schemas.microsoft.com/office/drawing/2014/main" val="20000"/>
                     </a:ext>
                   </a:extLst>
                 </a:gridCol>
                 <a:gridCol w="7315199">
                   <a:extLst>
                     <a:ext uri="{9D8B030D-6E8A-4147-A177-3AD203B41FA5}">
-                      <a16:colId xmlns:a16="http://schemas.microsoft.com/office/drawing/2014/main" xmlns="" val="20001"/>
+                      <a16:colId xmlns="" xmlns:a16="http://schemas.microsoft.com/office/drawing/2014/main" val="20001"/>
                     </a:ext>
                   </a:extLst>
                 </a:gridCol>
@@ -23598,7 +23462,7 @@
                 </a:tc>
                 <a:extLst>
                   <a:ext uri="{0D108BD9-81ED-4DB2-BD59-A6C34878D82A}">
-                    <a16:rowId xmlns:a16="http://schemas.microsoft.com/office/drawing/2014/main" xmlns="" val="10000"/>
+                    <a16:rowId xmlns="" xmlns:a16="http://schemas.microsoft.com/office/drawing/2014/main" val="10000"/>
                   </a:ext>
                 </a:extLst>
               </a:tr>
@@ -23651,7 +23515,7 @@
                 </a:tc>
                 <a:extLst>
                   <a:ext uri="{0D108BD9-81ED-4DB2-BD59-A6C34878D82A}">
-                    <a16:rowId xmlns:a16="http://schemas.microsoft.com/office/drawing/2014/main" xmlns="" val="10001"/>
+                    <a16:rowId xmlns="" xmlns:a16="http://schemas.microsoft.com/office/drawing/2014/main" val="10001"/>
                   </a:ext>
                 </a:extLst>
               </a:tr>
@@ -23688,7 +23552,7 @@
                 </a:tc>
                 <a:extLst>
                   <a:ext uri="{0D108BD9-81ED-4DB2-BD59-A6C34878D82A}">
-                    <a16:rowId xmlns:a16="http://schemas.microsoft.com/office/drawing/2014/main" xmlns="" val="10002"/>
+                    <a16:rowId xmlns="" xmlns:a16="http://schemas.microsoft.com/office/drawing/2014/main" val="10002"/>
                   </a:ext>
                 </a:extLst>
               </a:tr>
@@ -23761,7 +23625,7 @@
           <a:graphicData uri="http://schemas.openxmlformats.org/presentationml/2006/ole">
             <mc:AlternateContent xmlns:mc="http://schemas.openxmlformats.org/markup-compatibility/2006">
               <mc:Choice xmlns:v="urn:schemas-microsoft-com:vml" Requires="v">
-                <p:oleObj spid="_x0000_s2081" name="Equation" r:id="rId4" imgW="4356000" imgH="203040" progId="Equation.DSMT4">
+                <p:oleObj spid="_x0000_s2085" name="Equation" r:id="rId4" imgW="4356000" imgH="203040" progId="Equation.DSMT4">
                   <p:embed/>
                 </p:oleObj>
               </mc:Choice>
@@ -23818,7 +23682,7 @@
           <a:graphicData uri="http://schemas.openxmlformats.org/presentationml/2006/ole">
             <mc:AlternateContent xmlns:mc="http://schemas.openxmlformats.org/markup-compatibility/2006">
               <mc:Choice xmlns:v="urn:schemas-microsoft-com:vml" Requires="v">
-                <p:oleObj spid="_x0000_s2082" name="Equation" r:id="rId6" imgW="3860640" imgH="203040" progId="Equation.DSMT4">
+                <p:oleObj spid="_x0000_s2086" name="Equation" r:id="rId6" imgW="3860640" imgH="203040" progId="Equation.DSMT4">
                   <p:embed/>
                 </p:oleObj>
               </mc:Choice>
@@ -24082,14 +23946,14 @@
                 <a:gridCol w="1685285">
                   <a:extLst>
                     <a:ext uri="{9D8B030D-6E8A-4147-A177-3AD203B41FA5}">
-                      <a16:colId xmlns:a16="http://schemas.microsoft.com/office/drawing/2014/main" xmlns="" val="20000"/>
+                      <a16:colId xmlns="" xmlns:a16="http://schemas.microsoft.com/office/drawing/2014/main" val="20000"/>
                     </a:ext>
                   </a:extLst>
                 </a:gridCol>
                 <a:gridCol w="1685285">
                   <a:extLst>
                     <a:ext uri="{9D8B030D-6E8A-4147-A177-3AD203B41FA5}">
-                      <a16:colId xmlns:a16="http://schemas.microsoft.com/office/drawing/2014/main" xmlns="" val="20001"/>
+                      <a16:colId xmlns="" xmlns:a16="http://schemas.microsoft.com/office/drawing/2014/main" val="20001"/>
                     </a:ext>
                   </a:extLst>
                 </a:gridCol>
@@ -24125,7 +23989,7 @@
                 </a:tc>
                 <a:extLst>
                   <a:ext uri="{0D108BD9-81ED-4DB2-BD59-A6C34878D82A}">
-                    <a16:rowId xmlns:a16="http://schemas.microsoft.com/office/drawing/2014/main" xmlns="" val="10000"/>
+                    <a16:rowId xmlns="" xmlns:a16="http://schemas.microsoft.com/office/drawing/2014/main" val="10000"/>
                   </a:ext>
                 </a:extLst>
               </a:tr>
@@ -24160,7 +24024,7 @@
                 </a:tc>
                 <a:extLst>
                   <a:ext uri="{0D108BD9-81ED-4DB2-BD59-A6C34878D82A}">
-                    <a16:rowId xmlns:a16="http://schemas.microsoft.com/office/drawing/2014/main" xmlns="" val="10001"/>
+                    <a16:rowId xmlns="" xmlns:a16="http://schemas.microsoft.com/office/drawing/2014/main" val="10001"/>
                   </a:ext>
                 </a:extLst>
               </a:tr>
@@ -24196,14 +24060,14 @@
                 <a:gridCol w="1685285">
                   <a:extLst>
                     <a:ext uri="{9D8B030D-6E8A-4147-A177-3AD203B41FA5}">
-                      <a16:colId xmlns:a16="http://schemas.microsoft.com/office/drawing/2014/main" xmlns="" val="20000"/>
+                      <a16:colId xmlns="" xmlns:a16="http://schemas.microsoft.com/office/drawing/2014/main" val="20000"/>
                     </a:ext>
                   </a:extLst>
                 </a:gridCol>
                 <a:gridCol w="1685285">
                   <a:extLst>
                     <a:ext uri="{9D8B030D-6E8A-4147-A177-3AD203B41FA5}">
-                      <a16:colId xmlns:a16="http://schemas.microsoft.com/office/drawing/2014/main" xmlns="" val="20001"/>
+                      <a16:colId xmlns="" xmlns:a16="http://schemas.microsoft.com/office/drawing/2014/main" val="20001"/>
                     </a:ext>
                   </a:extLst>
                 </a:gridCol>
@@ -24239,7 +24103,7 @@
                 </a:tc>
                 <a:extLst>
                   <a:ext uri="{0D108BD9-81ED-4DB2-BD59-A6C34878D82A}">
-                    <a16:rowId xmlns:a16="http://schemas.microsoft.com/office/drawing/2014/main" xmlns="" val="10000"/>
+                    <a16:rowId xmlns="" xmlns:a16="http://schemas.microsoft.com/office/drawing/2014/main" val="10000"/>
                   </a:ext>
                 </a:extLst>
               </a:tr>
@@ -24274,7 +24138,7 @@
                 </a:tc>
                 <a:extLst>
                   <a:ext uri="{0D108BD9-81ED-4DB2-BD59-A6C34878D82A}">
-                    <a16:rowId xmlns:a16="http://schemas.microsoft.com/office/drawing/2014/main" xmlns="" val="10001"/>
+                    <a16:rowId xmlns="" xmlns:a16="http://schemas.microsoft.com/office/drawing/2014/main" val="10001"/>
                   </a:ext>
                 </a:extLst>
               </a:tr>
@@ -24310,14 +24174,14 @@
                 <a:gridCol w="1733411">
                   <a:extLst>
                     <a:ext uri="{9D8B030D-6E8A-4147-A177-3AD203B41FA5}">
-                      <a16:colId xmlns:a16="http://schemas.microsoft.com/office/drawing/2014/main" xmlns="" val="20000"/>
+                      <a16:colId xmlns="" xmlns:a16="http://schemas.microsoft.com/office/drawing/2014/main" val="20000"/>
                     </a:ext>
                   </a:extLst>
                 </a:gridCol>
                 <a:gridCol w="1733411">
                   <a:extLst>
                     <a:ext uri="{9D8B030D-6E8A-4147-A177-3AD203B41FA5}">
-                      <a16:colId xmlns:a16="http://schemas.microsoft.com/office/drawing/2014/main" xmlns="" val="20001"/>
+                      <a16:colId xmlns="" xmlns:a16="http://schemas.microsoft.com/office/drawing/2014/main" val="20001"/>
                     </a:ext>
                   </a:extLst>
                 </a:gridCol>
@@ -24353,7 +24217,7 @@
                 </a:tc>
                 <a:extLst>
                   <a:ext uri="{0D108BD9-81ED-4DB2-BD59-A6C34878D82A}">
-                    <a16:rowId xmlns:a16="http://schemas.microsoft.com/office/drawing/2014/main" xmlns="" val="10000"/>
+                    <a16:rowId xmlns="" xmlns:a16="http://schemas.microsoft.com/office/drawing/2014/main" val="10000"/>
                   </a:ext>
                 </a:extLst>
               </a:tr>
@@ -24388,7 +24252,7 @@
                 </a:tc>
                 <a:extLst>
                   <a:ext uri="{0D108BD9-81ED-4DB2-BD59-A6C34878D82A}">
-                    <a16:rowId xmlns:a16="http://schemas.microsoft.com/office/drawing/2014/main" xmlns="" val="10001"/>
+                    <a16:rowId xmlns="" xmlns:a16="http://schemas.microsoft.com/office/drawing/2014/main" val="10001"/>
                   </a:ext>
                 </a:extLst>
               </a:tr>
@@ -24424,21 +24288,21 @@
                 <a:gridCol w="1397239">
                   <a:extLst>
                     <a:ext uri="{9D8B030D-6E8A-4147-A177-3AD203B41FA5}">
-                      <a16:colId xmlns:a16="http://schemas.microsoft.com/office/drawing/2014/main" xmlns="" val="20000"/>
+                      <a16:colId xmlns="" xmlns:a16="http://schemas.microsoft.com/office/drawing/2014/main" val="20000"/>
                     </a:ext>
                   </a:extLst>
                 </a:gridCol>
                 <a:gridCol w="1761981">
                   <a:extLst>
                     <a:ext uri="{9D8B030D-6E8A-4147-A177-3AD203B41FA5}">
-                      <a16:colId xmlns:a16="http://schemas.microsoft.com/office/drawing/2014/main" xmlns="" val="20001"/>
+                      <a16:colId xmlns="" xmlns:a16="http://schemas.microsoft.com/office/drawing/2014/main" val="20001"/>
                     </a:ext>
                   </a:extLst>
                 </a:gridCol>
                 <a:gridCol w="1650140">
                   <a:extLst>
                     <a:ext uri="{9D8B030D-6E8A-4147-A177-3AD203B41FA5}">
-                      <a16:colId xmlns:a16="http://schemas.microsoft.com/office/drawing/2014/main" xmlns="" val="20002"/>
+                      <a16:colId xmlns="" xmlns:a16="http://schemas.microsoft.com/office/drawing/2014/main" val="20002"/>
                     </a:ext>
                   </a:extLst>
                 </a:gridCol>
@@ -24488,7 +24352,7 @@
                 </a:tc>
                 <a:extLst>
                   <a:ext uri="{0D108BD9-81ED-4DB2-BD59-A6C34878D82A}">
-                    <a16:rowId xmlns:a16="http://schemas.microsoft.com/office/drawing/2014/main" xmlns="" val="10000"/>
+                    <a16:rowId xmlns="" xmlns:a16="http://schemas.microsoft.com/office/drawing/2014/main" val="10000"/>
                   </a:ext>
                 </a:extLst>
               </a:tr>
@@ -24537,7 +24401,7 @@
                 </a:tc>
                 <a:extLst>
                   <a:ext uri="{0D108BD9-81ED-4DB2-BD59-A6C34878D82A}">
-                    <a16:rowId xmlns:a16="http://schemas.microsoft.com/office/drawing/2014/main" xmlns="" val="10001"/>
+                    <a16:rowId xmlns="" xmlns:a16="http://schemas.microsoft.com/office/drawing/2014/main" val="10001"/>
                   </a:ext>
                 </a:extLst>
               </a:tr>
@@ -25430,21 +25294,21 @@
                 <a:gridCol w="1950720">
                   <a:extLst>
                     <a:ext uri="{9D8B030D-6E8A-4147-A177-3AD203B41FA5}">
-                      <a16:colId xmlns:a16="http://schemas.microsoft.com/office/drawing/2014/main" xmlns="" val="20000"/>
+                      <a16:colId xmlns="" xmlns:a16="http://schemas.microsoft.com/office/drawing/2014/main" val="20000"/>
                     </a:ext>
                   </a:extLst>
                 </a:gridCol>
                 <a:gridCol w="1950720">
                   <a:extLst>
                     <a:ext uri="{9D8B030D-6E8A-4147-A177-3AD203B41FA5}">
-                      <a16:colId xmlns:a16="http://schemas.microsoft.com/office/drawing/2014/main" xmlns="" val="20001"/>
+                      <a16:colId xmlns="" xmlns:a16="http://schemas.microsoft.com/office/drawing/2014/main" val="20001"/>
                     </a:ext>
                   </a:extLst>
                 </a:gridCol>
                 <a:gridCol w="1950720">
                   <a:extLst>
                     <a:ext uri="{9D8B030D-6E8A-4147-A177-3AD203B41FA5}">
-                      <a16:colId xmlns:a16="http://schemas.microsoft.com/office/drawing/2014/main" xmlns="" val="20002"/>
+                      <a16:colId xmlns="" xmlns:a16="http://schemas.microsoft.com/office/drawing/2014/main" val="20002"/>
                     </a:ext>
                   </a:extLst>
                 </a:gridCol>
@@ -25497,7 +25361,7 @@
                 </a:tc>
                 <a:extLst>
                   <a:ext uri="{0D108BD9-81ED-4DB2-BD59-A6C34878D82A}">
-                    <a16:rowId xmlns:a16="http://schemas.microsoft.com/office/drawing/2014/main" xmlns="" val="10000"/>
+                    <a16:rowId xmlns="" xmlns:a16="http://schemas.microsoft.com/office/drawing/2014/main" val="10000"/>
                   </a:ext>
                 </a:extLst>
               </a:tr>
@@ -25549,7 +25413,7 @@
                 </a:tc>
                 <a:extLst>
                   <a:ext uri="{0D108BD9-81ED-4DB2-BD59-A6C34878D82A}">
-                    <a16:rowId xmlns:a16="http://schemas.microsoft.com/office/drawing/2014/main" xmlns="" val="10001"/>
+                    <a16:rowId xmlns="" xmlns:a16="http://schemas.microsoft.com/office/drawing/2014/main" val="10001"/>
                   </a:ext>
                 </a:extLst>
               </a:tr>
@@ -25984,7 +25848,7 @@
         </p:nvSpPr>
         <p:spPr>
           <a:xfrm>
-            <a:off x="8405951" y="2777811"/>
+            <a:off x="8395560" y="2777811"/>
             <a:ext cx="1377812" cy="922107"/>
           </a:xfrm>
           <a:prstGeom prst="ellipse">
